--- a/Черниговских 2к 14гр.pptx
+++ b/Черниговских 2к 14гр.pptx
@@ -261,7 +261,7 @@
           <a:p>
             <a:fld id="{B9A30A3E-041F-48E3-A867-6DD25CD1267F}" type="datetimeFigureOut">
               <a:rPr lang="ru-RU" smtClean="0"/>
-              <a:t>06.06.2019</a:t>
+              <a:t>07.06.2019</a:t>
             </a:fld>
             <a:endParaRPr lang="ru-RU"/>
           </a:p>
@@ -431,7 +431,7 @@
           <a:p>
             <a:fld id="{B9A30A3E-041F-48E3-A867-6DD25CD1267F}" type="datetimeFigureOut">
               <a:rPr lang="ru-RU" smtClean="0"/>
-              <a:t>06.06.2019</a:t>
+              <a:t>07.06.2019</a:t>
             </a:fld>
             <a:endParaRPr lang="ru-RU"/>
           </a:p>
@@ -611,7 +611,7 @@
           <a:p>
             <a:fld id="{B9A30A3E-041F-48E3-A867-6DD25CD1267F}" type="datetimeFigureOut">
               <a:rPr lang="ru-RU" smtClean="0"/>
-              <a:t>06.06.2019</a:t>
+              <a:t>07.06.2019</a:t>
             </a:fld>
             <a:endParaRPr lang="ru-RU"/>
           </a:p>
@@ -781,7 +781,7 @@
           <a:p>
             <a:fld id="{B9A30A3E-041F-48E3-A867-6DD25CD1267F}" type="datetimeFigureOut">
               <a:rPr lang="ru-RU" smtClean="0"/>
-              <a:t>06.06.2019</a:t>
+              <a:t>07.06.2019</a:t>
             </a:fld>
             <a:endParaRPr lang="ru-RU"/>
           </a:p>
@@ -1027,7 +1027,7 @@
           <a:p>
             <a:fld id="{B9A30A3E-041F-48E3-A867-6DD25CD1267F}" type="datetimeFigureOut">
               <a:rPr lang="ru-RU" smtClean="0"/>
-              <a:t>06.06.2019</a:t>
+              <a:t>07.06.2019</a:t>
             </a:fld>
             <a:endParaRPr lang="ru-RU"/>
           </a:p>
@@ -1259,7 +1259,7 @@
           <a:p>
             <a:fld id="{B9A30A3E-041F-48E3-A867-6DD25CD1267F}" type="datetimeFigureOut">
               <a:rPr lang="ru-RU" smtClean="0"/>
-              <a:t>06.06.2019</a:t>
+              <a:t>07.06.2019</a:t>
             </a:fld>
             <a:endParaRPr lang="ru-RU"/>
           </a:p>
@@ -1626,7 +1626,7 @@
           <a:p>
             <a:fld id="{B9A30A3E-041F-48E3-A867-6DD25CD1267F}" type="datetimeFigureOut">
               <a:rPr lang="ru-RU" smtClean="0"/>
-              <a:t>06.06.2019</a:t>
+              <a:t>07.06.2019</a:t>
             </a:fld>
             <a:endParaRPr lang="ru-RU"/>
           </a:p>
@@ -1744,7 +1744,7 @@
           <a:p>
             <a:fld id="{B9A30A3E-041F-48E3-A867-6DD25CD1267F}" type="datetimeFigureOut">
               <a:rPr lang="ru-RU" smtClean="0"/>
-              <a:t>06.06.2019</a:t>
+              <a:t>07.06.2019</a:t>
             </a:fld>
             <a:endParaRPr lang="ru-RU"/>
           </a:p>
@@ -1839,7 +1839,7 @@
           <a:p>
             <a:fld id="{B9A30A3E-041F-48E3-A867-6DD25CD1267F}" type="datetimeFigureOut">
               <a:rPr lang="ru-RU" smtClean="0"/>
-              <a:t>06.06.2019</a:t>
+              <a:t>07.06.2019</a:t>
             </a:fld>
             <a:endParaRPr lang="ru-RU"/>
           </a:p>
@@ -2116,7 +2116,7 @@
           <a:p>
             <a:fld id="{B9A30A3E-041F-48E3-A867-6DD25CD1267F}" type="datetimeFigureOut">
               <a:rPr lang="ru-RU" smtClean="0"/>
-              <a:t>06.06.2019</a:t>
+              <a:t>07.06.2019</a:t>
             </a:fld>
             <a:endParaRPr lang="ru-RU"/>
           </a:p>
@@ -2369,7 +2369,7 @@
           <a:p>
             <a:fld id="{B9A30A3E-041F-48E3-A867-6DD25CD1267F}" type="datetimeFigureOut">
               <a:rPr lang="ru-RU" smtClean="0"/>
-              <a:t>06.06.2019</a:t>
+              <a:t>07.06.2019</a:t>
             </a:fld>
             <a:endParaRPr lang="ru-RU"/>
           </a:p>
@@ -2582,7 +2582,7 @@
           <a:p>
             <a:fld id="{B9A30A3E-041F-48E3-A867-6DD25CD1267F}" type="datetimeFigureOut">
               <a:rPr lang="ru-RU" smtClean="0"/>
-              <a:t>06.06.2019</a:t>
+              <a:t>07.06.2019</a:t>
             </a:fld>
             <a:endParaRPr lang="ru-RU"/>
           </a:p>
@@ -3067,8 +3067,8 @@
         </p:nvSpPr>
         <p:spPr>
           <a:xfrm>
-            <a:off x="838200" y="114300"/>
-            <a:ext cx="10515600" cy="1325563"/>
+            <a:off x="838200" y="114301"/>
+            <a:ext cx="10515600" cy="907192"/>
           </a:xfrm>
         </p:spPr>
         <p:txBody>
@@ -3079,34 +3079,21 @@
           <a:p>
             <a:pPr algn="ctr"/>
             <a:r>
-              <a:rPr lang="ru-RU" dirty="0">
+              <a:rPr lang="ru-RU" sz="2800" dirty="0">
                 <a:latin typeface="Arial" panose="020B0604020202020204" pitchFamily="34" charset="0"/>
                 <a:cs typeface="Arial" panose="020B0604020202020204" pitchFamily="34" charset="0"/>
               </a:rPr>
               <a:t>Требования к </a:t>
             </a:r>
             <a:r>
-              <a:rPr lang="ru-RU" dirty="0" smtClean="0">
-                <a:latin typeface="Arial" panose="020B0604020202020204" pitchFamily="34" charset="0"/>
-                <a:cs typeface="Arial" panose="020B0604020202020204" pitchFamily="34" charset="0"/>
-              </a:rPr>
-              <a:t>программному</a:t>
-            </a:r>
-            <a:br>
-              <a:rPr lang="ru-RU" dirty="0" smtClean="0">
-                <a:latin typeface="Arial" panose="020B0604020202020204" pitchFamily="34" charset="0"/>
-                <a:cs typeface="Arial" panose="020B0604020202020204" pitchFamily="34" charset="0"/>
-              </a:rPr>
-            </a:br>
-            <a:r>
-              <a:rPr lang="ru-RU" dirty="0" smtClean="0">
-                <a:latin typeface="Arial" panose="020B0604020202020204" pitchFamily="34" charset="0"/>
-                <a:cs typeface="Arial" panose="020B0604020202020204" pitchFamily="34" charset="0"/>
-              </a:rPr>
-              <a:t>и </a:t>
-            </a:r>
-            <a:r>
-              <a:rPr lang="ru-RU" dirty="0">
+              <a:rPr lang="ru-RU" sz="2800" dirty="0" smtClean="0">
+                <a:latin typeface="Arial" panose="020B0604020202020204" pitchFamily="34" charset="0"/>
+                <a:cs typeface="Arial" panose="020B0604020202020204" pitchFamily="34" charset="0"/>
+              </a:rPr>
+              <a:t>программному и </a:t>
+            </a:r>
+            <a:r>
+              <a:rPr lang="ru-RU" sz="2800" dirty="0">
                 <a:latin typeface="Arial" panose="020B0604020202020204" pitchFamily="34" charset="0"/>
                 <a:cs typeface="Arial" panose="020B0604020202020204" pitchFamily="34" charset="0"/>
               </a:rPr>
@@ -3503,81 +3490,123 @@
         </p:nvSpPr>
         <p:spPr/>
         <p:txBody>
-          <a:bodyPr/>
-          <a:lstStyle/>
-          <a:p>
-            <a:r>
-              <a:rPr lang="ru-RU" dirty="0" smtClean="0"/>
-              <a:t>Алгоритм </a:t>
-            </a:r>
-            <a:r>
-              <a:rPr lang="ru-RU" dirty="0" err="1" smtClean="0"/>
-              <a:t>Дейча-Джозы</a:t>
-            </a:r>
-            <a:endParaRPr lang="ru-RU" dirty="0"/>
-          </a:p>
-        </p:txBody>
-      </p:sp>
-      <p:sp>
-        <p:nvSpPr>
-          <p:cNvPr id="3" name="Объект 2"/>
-          <p:cNvSpPr>
-            <a:spLocks noGrp="1"/>
-          </p:cNvSpPr>
-          <p:nvPr>
-            <p:ph idx="1"/>
-          </p:nvPr>
-        </p:nvSpPr>
-        <p:spPr/>
-        <p:txBody>
           <a:bodyPr>
             <a:normAutofit/>
           </a:bodyPr>
           <a:lstStyle/>
           <a:p>
+            <a:pPr algn="ctr"/>
+            <a:r>
+              <a:rPr lang="ru-RU" sz="4000" dirty="0" smtClean="0">
+                <a:latin typeface="Arial" panose="020B0604020202020204" pitchFamily="34" charset="0"/>
+                <a:cs typeface="Arial" panose="020B0604020202020204" pitchFamily="34" charset="0"/>
+              </a:rPr>
+              <a:t>Алгоритм </a:t>
+            </a:r>
+            <a:r>
+              <a:rPr lang="ru-RU" sz="4000" dirty="0" err="1" smtClean="0">
+                <a:latin typeface="Arial" panose="020B0604020202020204" pitchFamily="34" charset="0"/>
+                <a:cs typeface="Arial" panose="020B0604020202020204" pitchFamily="34" charset="0"/>
+              </a:rPr>
+              <a:t>Дейча-Джозы</a:t>
+            </a:r>
+            <a:endParaRPr lang="ru-RU" sz="4000" dirty="0">
+              <a:latin typeface="Arial" panose="020B0604020202020204" pitchFamily="34" charset="0"/>
+              <a:cs typeface="Arial" panose="020B0604020202020204" pitchFamily="34" charset="0"/>
+            </a:endParaRPr>
+          </a:p>
+        </p:txBody>
+      </p:sp>
+      <p:sp>
+        <p:nvSpPr>
+          <p:cNvPr id="3" name="Объект 2"/>
+          <p:cNvSpPr>
+            <a:spLocks noGrp="1"/>
+          </p:cNvSpPr>
+          <p:nvPr>
+            <p:ph idx="1"/>
+          </p:nvPr>
+        </p:nvSpPr>
+        <p:spPr/>
+        <p:txBody>
+          <a:bodyPr>
+            <a:normAutofit/>
+          </a:bodyPr>
+          <a:lstStyle/>
+          <a:p>
             <a:pPr marL="0" indent="0">
               <a:buNone/>
             </a:pPr>
             <a:r>
-              <a:rPr lang="ru-RU" dirty="0" smtClean="0"/>
+              <a:rPr lang="ru-RU" dirty="0" smtClean="0">
+                <a:latin typeface="Arial" panose="020B0604020202020204" pitchFamily="34" charset="0"/>
+                <a:cs typeface="Arial" panose="020B0604020202020204" pitchFamily="34" charset="0"/>
+              </a:rPr>
               <a:t>Пусть </a:t>
             </a:r>
             <a:r>
-              <a:rPr lang="en-US" dirty="0"/>
+              <a:rPr lang="en-US" dirty="0">
+                <a:latin typeface="Arial" panose="020B0604020202020204" pitchFamily="34" charset="0"/>
+                <a:cs typeface="Arial" panose="020B0604020202020204" pitchFamily="34" charset="0"/>
+              </a:rPr>
               <a:t>f</a:t>
             </a:r>
             <a:r>
-              <a:rPr lang="ru-RU" dirty="0"/>
+              <a:rPr lang="ru-RU" dirty="0">
+                <a:latin typeface="Arial" panose="020B0604020202020204" pitchFamily="34" charset="0"/>
+                <a:cs typeface="Arial" panose="020B0604020202020204" pitchFamily="34" charset="0"/>
+              </a:rPr>
               <a:t>: {0, 1} =&gt; {0, 1} бинарная функция. Заметим, что возможно только четыре значения для </a:t>
             </a:r>
             <a:r>
-              <a:rPr lang="en-US" dirty="0"/>
+              <a:rPr lang="en-US" dirty="0">
+                <a:latin typeface="Arial" panose="020B0604020202020204" pitchFamily="34" charset="0"/>
+                <a:cs typeface="Arial" panose="020B0604020202020204" pitchFamily="34" charset="0"/>
+              </a:rPr>
               <a:t>f</a:t>
             </a:r>
-            <a:endParaRPr lang="ru-RU" dirty="0"/>
+            <a:endParaRPr lang="ru-RU" dirty="0">
+              <a:latin typeface="Arial" panose="020B0604020202020204" pitchFamily="34" charset="0"/>
+              <a:cs typeface="Arial" panose="020B0604020202020204" pitchFamily="34" charset="0"/>
+            </a:endParaRPr>
           </a:p>
           <a:p>
             <a:pPr marL="0" indent="0" algn="ctr">
               <a:buNone/>
             </a:pPr>
             <a:r>
-              <a:rPr lang="ru-RU" dirty="0"/>
+              <a:rPr lang="ru-RU" dirty="0">
+                <a:latin typeface="Arial" panose="020B0604020202020204" pitchFamily="34" charset="0"/>
+                <a:cs typeface="Arial" panose="020B0604020202020204" pitchFamily="34" charset="0"/>
+              </a:rPr>
               <a:t>f</a:t>
             </a:r>
             <a:r>
-              <a:rPr lang="ru-RU" baseline="-25000" dirty="0"/>
+              <a:rPr lang="ru-RU" baseline="-25000" dirty="0">
+                <a:latin typeface="Arial" panose="020B0604020202020204" pitchFamily="34" charset="0"/>
+                <a:cs typeface="Arial" panose="020B0604020202020204" pitchFamily="34" charset="0"/>
+              </a:rPr>
               <a:t>1</a:t>
             </a:r>
             <a:r>
-              <a:rPr lang="ru-RU" dirty="0"/>
+              <a:rPr lang="ru-RU" dirty="0">
+                <a:latin typeface="Arial" panose="020B0604020202020204" pitchFamily="34" charset="0"/>
+                <a:cs typeface="Arial" panose="020B0604020202020204" pitchFamily="34" charset="0"/>
+              </a:rPr>
               <a:t>:0→0, 1→0,f</a:t>
             </a:r>
             <a:r>
-              <a:rPr lang="ru-RU" baseline="-25000" dirty="0"/>
+              <a:rPr lang="ru-RU" baseline="-25000" dirty="0">
+                <a:latin typeface="Arial" panose="020B0604020202020204" pitchFamily="34" charset="0"/>
+                <a:cs typeface="Arial" panose="020B0604020202020204" pitchFamily="34" charset="0"/>
+              </a:rPr>
               <a:t>2</a:t>
             </a:r>
             <a:r>
-              <a:rPr lang="ru-RU" dirty="0"/>
+              <a:rPr lang="ru-RU" dirty="0">
+                <a:latin typeface="Arial" panose="020B0604020202020204" pitchFamily="34" charset="0"/>
+                <a:cs typeface="Arial" panose="020B0604020202020204" pitchFamily="34" charset="0"/>
+              </a:rPr>
               <a:t>:0→1, 1→1,</a:t>
             </a:r>
           </a:p>
@@ -3586,27 +3615,45 @@
               <a:buNone/>
             </a:pPr>
             <a:r>
-              <a:rPr lang="ru-RU" dirty="0"/>
+              <a:rPr lang="ru-RU" dirty="0">
+                <a:latin typeface="Arial" panose="020B0604020202020204" pitchFamily="34" charset="0"/>
+                <a:cs typeface="Arial" panose="020B0604020202020204" pitchFamily="34" charset="0"/>
+              </a:rPr>
               <a:t>f</a:t>
             </a:r>
             <a:r>
-              <a:rPr lang="ru-RU" baseline="-25000" dirty="0"/>
+              <a:rPr lang="ru-RU" baseline="-25000" dirty="0">
+                <a:latin typeface="Arial" panose="020B0604020202020204" pitchFamily="34" charset="0"/>
+                <a:cs typeface="Arial" panose="020B0604020202020204" pitchFamily="34" charset="0"/>
+              </a:rPr>
               <a:t>3</a:t>
             </a:r>
             <a:r>
-              <a:rPr lang="ru-RU" dirty="0"/>
+              <a:rPr lang="ru-RU" dirty="0">
+                <a:latin typeface="Arial" panose="020B0604020202020204" pitchFamily="34" charset="0"/>
+                <a:cs typeface="Arial" panose="020B0604020202020204" pitchFamily="34" charset="0"/>
+              </a:rPr>
               <a:t>:0→0, 1→1,f</a:t>
             </a:r>
             <a:r>
-              <a:rPr lang="ru-RU" baseline="-25000" dirty="0"/>
+              <a:rPr lang="ru-RU" baseline="-25000" dirty="0">
+                <a:latin typeface="Arial" panose="020B0604020202020204" pitchFamily="34" charset="0"/>
+                <a:cs typeface="Arial" panose="020B0604020202020204" pitchFamily="34" charset="0"/>
+              </a:rPr>
               <a:t>4</a:t>
             </a:r>
             <a:r>
-              <a:rPr lang="ru-RU" dirty="0"/>
+              <a:rPr lang="ru-RU" dirty="0">
+                <a:latin typeface="Arial" panose="020B0604020202020204" pitchFamily="34" charset="0"/>
+                <a:cs typeface="Arial" panose="020B0604020202020204" pitchFamily="34" charset="0"/>
+              </a:rPr>
               <a:t>:0→1, 1→0</a:t>
             </a:r>
             <a:r>
-              <a:rPr lang="ru-RU" dirty="0" smtClean="0"/>
+              <a:rPr lang="ru-RU" dirty="0" smtClean="0">
+                <a:latin typeface="Arial" panose="020B0604020202020204" pitchFamily="34" charset="0"/>
+                <a:cs typeface="Arial" panose="020B0604020202020204" pitchFamily="34" charset="0"/>
+              </a:rPr>
               <a:t>.</a:t>
             </a:r>
           </a:p>
@@ -3667,20 +3714,37 @@
             <p:ph type="title"/>
           </p:nvPr>
         </p:nvSpPr>
-        <p:spPr/>
-        <p:txBody>
-          <a:bodyPr/>
+        <p:spPr>
+          <a:xfrm>
+            <a:off x="838200" y="365125"/>
+            <a:ext cx="10515600" cy="936453"/>
+          </a:xfrm>
+        </p:spPr>
+        <p:txBody>
+          <a:bodyPr>
+            <a:normAutofit/>
+          </a:bodyPr>
           <a:lstStyle/>
           <a:p>
-            <a:r>
-              <a:rPr lang="ru-RU" dirty="0" smtClean="0"/>
+            <a:pPr algn="ctr"/>
+            <a:r>
+              <a:rPr lang="ru-RU" sz="4000" dirty="0" smtClean="0">
+                <a:latin typeface="Arial" panose="020B0604020202020204" pitchFamily="34" charset="0"/>
+                <a:cs typeface="Arial" panose="020B0604020202020204" pitchFamily="34" charset="0"/>
+              </a:rPr>
               <a:t>Алгоритм </a:t>
             </a:r>
             <a:r>
-              <a:rPr lang="ru-RU" dirty="0" err="1" smtClean="0"/>
+              <a:rPr lang="ru-RU" sz="4000" dirty="0" err="1" smtClean="0">
+                <a:latin typeface="Arial" panose="020B0604020202020204" pitchFamily="34" charset="0"/>
+                <a:cs typeface="Arial" panose="020B0604020202020204" pitchFamily="34" charset="0"/>
+              </a:rPr>
               <a:t>Дейча-Джозы</a:t>
             </a:r>
-            <a:endParaRPr lang="ru-RU" dirty="0"/>
+            <a:endParaRPr lang="ru-RU" sz="4000" dirty="0">
+              <a:latin typeface="Arial" panose="020B0604020202020204" pitchFamily="34" charset="0"/>
+              <a:cs typeface="Arial" panose="020B0604020202020204" pitchFamily="34" charset="0"/>
+            </a:endParaRPr>
           </a:p>
         </p:txBody>
       </p:sp>
@@ -3755,18 +3819,30 @@
         </p:nvSpPr>
         <p:spPr/>
         <p:txBody>
-          <a:bodyPr/>
+          <a:bodyPr>
+            <a:normAutofit/>
+          </a:bodyPr>
           <a:lstStyle/>
           <a:p>
-            <a:r>
-              <a:rPr lang="ru-RU" dirty="0" smtClean="0"/>
+            <a:pPr algn="ctr"/>
+            <a:r>
+              <a:rPr lang="ru-RU" sz="4000" dirty="0" smtClean="0">
+                <a:latin typeface="Arial" panose="020B0604020202020204" pitchFamily="34" charset="0"/>
+                <a:cs typeface="Arial" panose="020B0604020202020204" pitchFamily="34" charset="0"/>
+              </a:rPr>
               <a:t>Алгоритм </a:t>
             </a:r>
             <a:r>
-              <a:rPr lang="ru-RU" dirty="0" err="1" smtClean="0"/>
+              <a:rPr lang="ru-RU" sz="4000" dirty="0" err="1" smtClean="0">
+                <a:latin typeface="Arial" panose="020B0604020202020204" pitchFamily="34" charset="0"/>
+                <a:cs typeface="Arial" panose="020B0604020202020204" pitchFamily="34" charset="0"/>
+              </a:rPr>
               <a:t>Дейча-Джозы</a:t>
             </a:r>
-            <a:endParaRPr lang="ru-RU" dirty="0"/>
+            <a:endParaRPr lang="ru-RU" sz="4000" dirty="0">
+              <a:latin typeface="Arial" panose="020B0604020202020204" pitchFamily="34" charset="0"/>
+              <a:cs typeface="Arial" panose="020B0604020202020204" pitchFamily="34" charset="0"/>
+            </a:endParaRPr>
           </a:p>
         </p:txBody>
       </p:sp>
@@ -3938,18 +4014,30 @@
         </p:nvSpPr>
         <p:spPr/>
         <p:txBody>
-          <a:bodyPr/>
+          <a:bodyPr>
+            <a:normAutofit/>
+          </a:bodyPr>
           <a:lstStyle/>
           <a:p>
-            <a:r>
-              <a:rPr lang="ru-RU" dirty="0" smtClean="0"/>
+            <a:pPr algn="ctr"/>
+            <a:r>
+              <a:rPr lang="ru-RU" sz="4000" dirty="0" smtClean="0">
+                <a:latin typeface="Arial" panose="020B0604020202020204" pitchFamily="34" charset="0"/>
+                <a:cs typeface="Arial" panose="020B0604020202020204" pitchFamily="34" charset="0"/>
+              </a:rPr>
               <a:t>Алгоритм </a:t>
             </a:r>
             <a:r>
-              <a:rPr lang="ru-RU" dirty="0" err="1" smtClean="0"/>
+              <a:rPr lang="ru-RU" sz="4000" dirty="0" err="1" smtClean="0">
+                <a:latin typeface="Arial" panose="020B0604020202020204" pitchFamily="34" charset="0"/>
+                <a:cs typeface="Arial" panose="020B0604020202020204" pitchFamily="34" charset="0"/>
+              </a:rPr>
               <a:t>Дейча-Джозы</a:t>
             </a:r>
-            <a:endParaRPr lang="ru-RU" dirty="0"/>
+            <a:endParaRPr lang="ru-RU" sz="4000" dirty="0">
+              <a:latin typeface="Arial" panose="020B0604020202020204" pitchFamily="34" charset="0"/>
+              <a:cs typeface="Arial" panose="020B0604020202020204" pitchFamily="34" charset="0"/>
+            </a:endParaRPr>
           </a:p>
         </p:txBody>
       </p:sp>
@@ -3973,37 +4061,61 @@
           <a:bodyPr/>
           <a:lstStyle/>
           <a:p>
-            <a:pPr marL="0" indent="0">
+            <a:pPr marL="0" indent="0" algn="just">
               <a:buNone/>
             </a:pPr>
             <a:r>
-              <a:rPr lang="ru-RU" dirty="0" smtClean="0"/>
+              <a:rPr lang="ru-RU" dirty="0" smtClean="0">
+                <a:latin typeface="Arial" panose="020B0604020202020204" pitchFamily="34" charset="0"/>
+                <a:cs typeface="Arial" panose="020B0604020202020204" pitchFamily="34" charset="0"/>
+              </a:rPr>
               <a:t>Можем получить экспоненциальный рост производительности при линейном росте количества </a:t>
             </a:r>
             <a:r>
-              <a:rPr lang="ru-RU" dirty="0" err="1" smtClean="0"/>
+              <a:rPr lang="ru-RU" dirty="0" err="1" smtClean="0">
+                <a:latin typeface="Arial" panose="020B0604020202020204" pitchFamily="34" charset="0"/>
+                <a:cs typeface="Arial" panose="020B0604020202020204" pitchFamily="34" charset="0"/>
+              </a:rPr>
               <a:t>кубит</a:t>
             </a:r>
             <a:r>
-              <a:rPr lang="ru-RU" dirty="0" smtClean="0"/>
+              <a:rPr lang="ru-RU" dirty="0" smtClean="0">
+                <a:latin typeface="Arial" panose="020B0604020202020204" pitchFamily="34" charset="0"/>
+                <a:cs typeface="Arial" panose="020B0604020202020204" pitchFamily="34" charset="0"/>
+              </a:rPr>
               <a:t>. </a:t>
             </a:r>
             <a:br>
-              <a:rPr lang="ru-RU" dirty="0" smtClean="0"/>
+              <a:rPr lang="ru-RU" dirty="0" smtClean="0">
+                <a:latin typeface="Arial" panose="020B0604020202020204" pitchFamily="34" charset="0"/>
+                <a:cs typeface="Arial" panose="020B0604020202020204" pitchFamily="34" charset="0"/>
+              </a:rPr>
             </a:br>
             <a:r>
-              <a:rPr lang="ru-RU" dirty="0" smtClean="0"/>
+              <a:rPr lang="ru-RU" dirty="0" smtClean="0">
+                <a:latin typeface="Arial" panose="020B0604020202020204" pitchFamily="34" charset="0"/>
+                <a:cs typeface="Arial" panose="020B0604020202020204" pitchFamily="34" charset="0"/>
+              </a:rPr>
               <a:t>Для описания </a:t>
             </a:r>
             <a:r>
-              <a:rPr lang="ru-RU" dirty="0" err="1" smtClean="0"/>
+              <a:rPr lang="ru-RU" dirty="0" err="1" smtClean="0">
+                <a:latin typeface="Arial" panose="020B0604020202020204" pitchFamily="34" charset="0"/>
+                <a:cs typeface="Arial" panose="020B0604020202020204" pitchFamily="34" charset="0"/>
+              </a:rPr>
               <a:t>двухкубитного</a:t>
             </a:r>
             <a:r>
-              <a:rPr lang="ru-RU" dirty="0" smtClean="0"/>
+              <a:rPr lang="ru-RU" dirty="0" smtClean="0">
+                <a:latin typeface="Arial" panose="020B0604020202020204" pitchFamily="34" charset="0"/>
+                <a:cs typeface="Arial" panose="020B0604020202020204" pitchFamily="34" charset="0"/>
+              </a:rPr>
               <a:t> состояния требуется 4 комплексных числа.</a:t>
             </a:r>
-            <a:endParaRPr lang="ru-RU" dirty="0"/>
+            <a:endParaRPr lang="ru-RU" dirty="0">
+              <a:latin typeface="Arial" panose="020B0604020202020204" pitchFamily="34" charset="0"/>
+              <a:cs typeface="Arial" panose="020B0604020202020204" pitchFamily="34" charset="0"/>
+            </a:endParaRPr>
           </a:p>
         </p:txBody>
       </p:sp>
@@ -4085,161 +4197,343 @@
         </p:nvSpPr>
         <p:spPr/>
         <p:txBody>
-          <a:bodyPr/>
+          <a:bodyPr>
+            <a:normAutofit/>
+          </a:bodyPr>
           <a:lstStyle/>
           <a:p>
-            <a:r>
-              <a:rPr lang="ru-RU" dirty="0" smtClean="0"/>
+            <a:pPr algn="ctr"/>
+            <a:r>
+              <a:rPr lang="ru-RU" sz="4000" dirty="0" smtClean="0">
+                <a:latin typeface="Arial" panose="020B0604020202020204" pitchFamily="34" charset="0"/>
+                <a:cs typeface="Arial" panose="020B0604020202020204" pitchFamily="34" charset="0"/>
+              </a:rPr>
               <a:t>Алгоритм </a:t>
             </a:r>
             <a:r>
-              <a:rPr lang="ru-RU" dirty="0" err="1" smtClean="0"/>
+              <a:rPr lang="ru-RU" sz="4000" dirty="0" err="1" smtClean="0">
+                <a:latin typeface="Arial" panose="020B0604020202020204" pitchFamily="34" charset="0"/>
+                <a:cs typeface="Arial" panose="020B0604020202020204" pitchFamily="34" charset="0"/>
+              </a:rPr>
               <a:t>Шора</a:t>
             </a:r>
-            <a:endParaRPr lang="ru-RU" dirty="0"/>
-          </a:p>
-        </p:txBody>
-      </p:sp>
-      <p:sp>
-        <p:nvSpPr>
-          <p:cNvPr id="3" name="Объект 2"/>
-          <p:cNvSpPr>
-            <a:spLocks noGrp="1"/>
-          </p:cNvSpPr>
-          <p:nvPr>
-            <p:ph idx="1"/>
-          </p:nvPr>
-        </p:nvSpPr>
-        <p:spPr/>
-        <p:txBody>
-          <a:bodyPr/>
-          <a:lstStyle/>
-          <a:p>
-            <a:pPr marL="514350" indent="-514350">
-              <a:buAutoNum type="arabicPeriod"/>
-            </a:pPr>
-            <a:r>
-              <a:rPr lang="ru-RU" dirty="0" smtClean="0"/>
-              <a:t>Выбрать </a:t>
-            </a:r>
-            <a:r>
-              <a:rPr lang="ru-RU" dirty="0"/>
-              <a:t>случайный остаток a по модулю </a:t>
-            </a:r>
-            <a:r>
-              <a:rPr lang="ru-RU" dirty="0" smtClean="0"/>
-              <a:t>N</a:t>
-            </a:r>
-            <a:r>
-              <a:rPr lang="en-US" dirty="0"/>
-              <a:t>.</a:t>
-            </a:r>
-            <a:endParaRPr lang="en-US" dirty="0" smtClean="0"/>
-          </a:p>
-          <a:p>
-            <a:pPr marL="514350" indent="-514350">
-              <a:buAutoNum type="arabicPeriod"/>
-            </a:pPr>
-            <a:r>
-              <a:rPr lang="ru-RU" dirty="0" smtClean="0"/>
-              <a:t>Проверить </a:t>
-            </a:r>
-            <a:r>
-              <a:rPr lang="ru-RU" dirty="0"/>
-              <a:t>НОД(a, N) = </a:t>
-            </a:r>
-            <a:r>
-              <a:rPr lang="ru-RU" dirty="0" smtClean="0"/>
-              <a:t>1</a:t>
-            </a:r>
-            <a:r>
-              <a:rPr lang="en-US" dirty="0" smtClean="0"/>
-              <a:t>.</a:t>
-            </a:r>
-          </a:p>
-          <a:p>
-            <a:pPr marL="514350" indent="-514350">
-              <a:buAutoNum type="arabicPeriod"/>
-            </a:pPr>
-            <a:r>
-              <a:rPr lang="ru-RU" dirty="0" smtClean="0"/>
-              <a:t>Найти </a:t>
-            </a:r>
-            <a:r>
-              <a:rPr lang="ru-RU" dirty="0"/>
-              <a:t>порядок r остатка a по модулю </a:t>
-            </a:r>
-            <a:r>
-              <a:rPr lang="ru-RU" dirty="0" smtClean="0"/>
-              <a:t>N</a:t>
-            </a:r>
-            <a:r>
-              <a:rPr lang="en-US" dirty="0" smtClean="0"/>
-              <a:t>.</a:t>
-            </a:r>
-          </a:p>
-          <a:p>
-            <a:pPr marL="514350" indent="-514350">
-              <a:buAutoNum type="arabicPeriod"/>
-            </a:pPr>
-            <a:r>
-              <a:rPr lang="ru-RU" dirty="0" smtClean="0"/>
-              <a:t>Если </a:t>
-            </a:r>
-            <a:r>
-              <a:rPr lang="ru-RU" dirty="0"/>
-              <a:t>r четен, вычислить НОД(a r/2 − 1, N</a:t>
-            </a:r>
-            <a:r>
-              <a:rPr lang="ru-RU" dirty="0" smtClean="0"/>
-              <a:t>)</a:t>
-            </a:r>
-            <a:r>
-              <a:rPr lang="en-US" dirty="0" smtClean="0"/>
-              <a:t>.</a:t>
-            </a:r>
-            <a:r>
-              <a:rPr lang="ru-RU" dirty="0" smtClean="0"/>
-              <a:t> </a:t>
-            </a:r>
-            <a:endParaRPr lang="en-US" dirty="0" smtClean="0"/>
-          </a:p>
-          <a:p>
-            <a:pPr marL="0" indent="0">
-              <a:buNone/>
-            </a:pPr>
-            <a:endParaRPr lang="en-US" dirty="0"/>
-          </a:p>
-          <a:p>
-            <a:pPr marL="0" indent="0">
-              <a:buNone/>
-            </a:pPr>
-            <a:r>
-              <a:rPr lang="ru-RU" dirty="0" smtClean="0"/>
-              <a:t>Анализ </a:t>
-            </a:r>
-            <a:r>
-              <a:rPr lang="ru-RU" dirty="0"/>
-              <a:t>алгоритма: с большой вероятностью полученное на четвертом шаге число будет нетривиальным делителем N. </a:t>
-            </a:r>
-            <a:endParaRPr lang="en-US" dirty="0" smtClean="0"/>
-          </a:p>
-          <a:p>
-            <a:pPr marL="0" indent="0">
-              <a:buNone/>
-            </a:pPr>
-            <a:r>
-              <a:rPr lang="ru-RU" dirty="0" smtClean="0"/>
-              <a:t>Трудный </a:t>
-            </a:r>
-            <a:r>
-              <a:rPr lang="ru-RU" dirty="0"/>
-              <a:t>шаг: найти порядок a по модулю N.</a:t>
-            </a:r>
-            <a:endParaRPr lang="ru-RU" dirty="0"/>
-          </a:p>
-        </p:txBody>
-      </p:sp>
+            <a:endParaRPr lang="ru-RU" sz="4000" dirty="0">
+              <a:latin typeface="Arial" panose="020B0604020202020204" pitchFamily="34" charset="0"/>
+              <a:cs typeface="Arial" panose="020B0604020202020204" pitchFamily="34" charset="0"/>
+            </a:endParaRPr>
+          </a:p>
+        </p:txBody>
+      </p:sp>
+      <mc:AlternateContent xmlns:mc="http://schemas.openxmlformats.org/markup-compatibility/2006">
+        <mc:Choice xmlns:a14="http://schemas.microsoft.com/office/drawing/2010/main" Requires="a14">
+          <p:sp>
+            <p:nvSpPr>
+              <p:cNvPr id="3" name="Объект 2"/>
+              <p:cNvSpPr>
+                <a:spLocks noGrp="1"/>
+              </p:cNvSpPr>
+              <p:nvPr>
+                <p:ph idx="1"/>
+              </p:nvPr>
+            </p:nvSpPr>
+            <p:spPr/>
+            <p:txBody>
+              <a:bodyPr/>
+              <a:lstStyle/>
+              <a:p>
+                <a:pPr marL="514350" indent="-514350" algn="just">
+                  <a:buAutoNum type="arabicPeriod"/>
+                </a:pPr>
+                <a:r>
+                  <a:rPr lang="ru-RU" dirty="0" smtClean="0">
+                    <a:latin typeface="Arial" panose="020B0604020202020204" pitchFamily="34" charset="0"/>
+                    <a:cs typeface="Arial" panose="020B0604020202020204" pitchFamily="34" charset="0"/>
+                  </a:rPr>
+                  <a:t>Выбрать </a:t>
+                </a:r>
+                <a:r>
+                  <a:rPr lang="ru-RU" dirty="0">
+                    <a:latin typeface="Arial" panose="020B0604020202020204" pitchFamily="34" charset="0"/>
+                    <a:cs typeface="Arial" panose="020B0604020202020204" pitchFamily="34" charset="0"/>
+                  </a:rPr>
+                  <a:t>случайный остаток a по модулю </a:t>
+                </a:r>
+                <a:r>
+                  <a:rPr lang="ru-RU" dirty="0" smtClean="0">
+                    <a:latin typeface="Arial" panose="020B0604020202020204" pitchFamily="34" charset="0"/>
+                    <a:cs typeface="Arial" panose="020B0604020202020204" pitchFamily="34" charset="0"/>
+                  </a:rPr>
+                  <a:t>N</a:t>
+                </a:r>
+                <a:r>
+                  <a:rPr lang="en-US" dirty="0">
+                    <a:latin typeface="Arial" panose="020B0604020202020204" pitchFamily="34" charset="0"/>
+                    <a:cs typeface="Arial" panose="020B0604020202020204" pitchFamily="34" charset="0"/>
+                  </a:rPr>
+                  <a:t>.</a:t>
+                </a:r>
+                <a:endParaRPr lang="en-US" dirty="0" smtClean="0">
+                  <a:latin typeface="Arial" panose="020B0604020202020204" pitchFamily="34" charset="0"/>
+                  <a:cs typeface="Arial" panose="020B0604020202020204" pitchFamily="34" charset="0"/>
+                </a:endParaRPr>
+              </a:p>
+              <a:p>
+                <a:pPr marL="514350" indent="-514350" algn="just">
+                  <a:buAutoNum type="arabicPeriod"/>
+                </a:pPr>
+                <a:r>
+                  <a:rPr lang="ru-RU" dirty="0" smtClean="0">
+                    <a:latin typeface="Arial" panose="020B0604020202020204" pitchFamily="34" charset="0"/>
+                    <a:cs typeface="Arial" panose="020B0604020202020204" pitchFamily="34" charset="0"/>
+                  </a:rPr>
+                  <a:t>Проверить </a:t>
+                </a:r>
+                <a:r>
+                  <a:rPr lang="ru-RU" dirty="0">
+                    <a:latin typeface="Arial" panose="020B0604020202020204" pitchFamily="34" charset="0"/>
+                    <a:cs typeface="Arial" panose="020B0604020202020204" pitchFamily="34" charset="0"/>
+                  </a:rPr>
+                  <a:t>НОД(a, N) = </a:t>
+                </a:r>
+                <a:r>
+                  <a:rPr lang="ru-RU" dirty="0" smtClean="0">
+                    <a:latin typeface="Arial" panose="020B0604020202020204" pitchFamily="34" charset="0"/>
+                    <a:cs typeface="Arial" panose="020B0604020202020204" pitchFamily="34" charset="0"/>
+                  </a:rPr>
+                  <a:t>1</a:t>
+                </a:r>
+                <a:r>
+                  <a:rPr lang="en-US" dirty="0" smtClean="0">
+                    <a:latin typeface="Arial" panose="020B0604020202020204" pitchFamily="34" charset="0"/>
+                    <a:cs typeface="Arial" panose="020B0604020202020204" pitchFamily="34" charset="0"/>
+                  </a:rPr>
+                  <a:t>.</a:t>
+                </a:r>
+              </a:p>
+              <a:p>
+                <a:pPr marL="514350" indent="-514350" algn="just">
+                  <a:buAutoNum type="arabicPeriod"/>
+                </a:pPr>
+                <a:r>
+                  <a:rPr lang="ru-RU" dirty="0" smtClean="0">
+                    <a:latin typeface="Arial" panose="020B0604020202020204" pitchFamily="34" charset="0"/>
+                    <a:cs typeface="Arial" panose="020B0604020202020204" pitchFamily="34" charset="0"/>
+                  </a:rPr>
+                  <a:t>Найти </a:t>
+                </a:r>
+                <a:r>
+                  <a:rPr lang="ru-RU" dirty="0">
+                    <a:latin typeface="Arial" panose="020B0604020202020204" pitchFamily="34" charset="0"/>
+                    <a:cs typeface="Arial" panose="020B0604020202020204" pitchFamily="34" charset="0"/>
+                  </a:rPr>
+                  <a:t>порядок r остатка a по модулю </a:t>
+                </a:r>
+                <a:r>
+                  <a:rPr lang="ru-RU" dirty="0" smtClean="0">
+                    <a:latin typeface="Arial" panose="020B0604020202020204" pitchFamily="34" charset="0"/>
+                    <a:cs typeface="Arial" panose="020B0604020202020204" pitchFamily="34" charset="0"/>
+                  </a:rPr>
+                  <a:t>N</a:t>
+                </a:r>
+                <a:r>
+                  <a:rPr lang="en-US" dirty="0" smtClean="0">
+                    <a:latin typeface="Arial" panose="020B0604020202020204" pitchFamily="34" charset="0"/>
+                    <a:cs typeface="Arial" panose="020B0604020202020204" pitchFamily="34" charset="0"/>
+                  </a:rPr>
+                  <a:t>.</a:t>
+                </a:r>
+              </a:p>
+              <a:p>
+                <a:pPr marL="514350" indent="-514350" algn="just">
+                  <a:buAutoNum type="arabicPeriod"/>
+                </a:pPr>
+                <a:r>
+                  <a:rPr lang="ru-RU" dirty="0" smtClean="0">
+                    <a:latin typeface="Arial" panose="020B0604020202020204" pitchFamily="34" charset="0"/>
+                    <a:cs typeface="Arial" panose="020B0604020202020204" pitchFamily="34" charset="0"/>
+                  </a:rPr>
+                  <a:t>Если </a:t>
+                </a:r>
+                <a:r>
+                  <a:rPr lang="ru-RU" dirty="0">
+                    <a:latin typeface="Arial" panose="020B0604020202020204" pitchFamily="34" charset="0"/>
+                    <a:cs typeface="Arial" panose="020B0604020202020204" pitchFamily="34" charset="0"/>
+                  </a:rPr>
+                  <a:t>r четен, вычислить </a:t>
+                </a:r>
+                <a14:m>
+                  <m:oMath xmlns:m="http://schemas.openxmlformats.org/officeDocument/2006/math">
+                    <m:r>
+                      <a:rPr lang="ru-RU" i="1" dirty="0" smtClean="0">
+                        <a:latin typeface="Cambria Math" panose="02040503050406030204" pitchFamily="18" charset="0"/>
+                      </a:rPr>
+                      <m:t>НОД(</m:t>
+                    </m:r>
+                    <m:sSup>
+                      <m:sSupPr>
+                        <m:ctrlPr>
+                          <a:rPr lang="ru-RU" i="1" dirty="0" smtClean="0">
+                            <a:latin typeface="Cambria Math" panose="02040503050406030204" pitchFamily="18" charset="0"/>
+                          </a:rPr>
+                        </m:ctrlPr>
+                      </m:sSupPr>
+                      <m:e>
+                        <m:r>
+                          <a:rPr lang="ru-RU" i="1" dirty="0">
+                            <a:latin typeface="Cambria Math" panose="02040503050406030204" pitchFamily="18" charset="0"/>
+                          </a:rPr>
+                          <m:t>𝑎</m:t>
+                        </m:r>
+                      </m:e>
+                      <m:sup>
+                        <m:r>
+                          <a:rPr lang="en-US" i="1" dirty="0">
+                            <a:latin typeface="Cambria Math" panose="02040503050406030204" pitchFamily="18" charset="0"/>
+                          </a:rPr>
+                          <m:t>^(</m:t>
+                        </m:r>
+                        <m:r>
+                          <a:rPr lang="ru-RU" i="1" dirty="0">
+                            <a:latin typeface="Cambria Math" panose="02040503050406030204" pitchFamily="18" charset="0"/>
+                          </a:rPr>
+                          <m:t>𝑟</m:t>
+                        </m:r>
+                        <m:r>
+                          <a:rPr lang="ru-RU" i="1" dirty="0">
+                            <a:latin typeface="Cambria Math" panose="02040503050406030204" pitchFamily="18" charset="0"/>
+                          </a:rPr>
+                          <m:t>/2)</m:t>
+                        </m:r>
+                      </m:sup>
+                    </m:sSup>
+                    <m:r>
+                      <a:rPr lang="ru-RU" i="1" dirty="0">
+                        <a:latin typeface="Cambria Math" panose="02040503050406030204" pitchFamily="18" charset="0"/>
+                      </a:rPr>
+                      <m:t>− 1, </m:t>
+                    </m:r>
+                    <m:r>
+                      <a:rPr lang="ru-RU" i="1" dirty="0">
+                        <a:latin typeface="Cambria Math" panose="02040503050406030204" pitchFamily="18" charset="0"/>
+                      </a:rPr>
+                      <m:t>𝑁</m:t>
+                    </m:r>
+                  </m:oMath>
+                </a14:m>
+                <a:r>
+                  <a:rPr lang="ru-RU" dirty="0" smtClean="0">
+                    <a:latin typeface="Arial" panose="020B0604020202020204" pitchFamily="34" charset="0"/>
+                    <a:cs typeface="Arial" panose="020B0604020202020204" pitchFamily="34" charset="0"/>
+                  </a:rPr>
+                  <a:t>)</a:t>
+                </a:r>
+                <a:r>
+                  <a:rPr lang="en-US" dirty="0" smtClean="0">
+                    <a:latin typeface="Arial" panose="020B0604020202020204" pitchFamily="34" charset="0"/>
+                    <a:cs typeface="Arial" panose="020B0604020202020204" pitchFamily="34" charset="0"/>
+                  </a:rPr>
+                  <a:t>.</a:t>
+                </a:r>
+                <a:r>
+                  <a:rPr lang="ru-RU" dirty="0" smtClean="0">
+                    <a:latin typeface="Arial" panose="020B0604020202020204" pitchFamily="34" charset="0"/>
+                    <a:cs typeface="Arial" panose="020B0604020202020204" pitchFamily="34" charset="0"/>
+                  </a:rPr>
+                  <a:t> </a:t>
+                </a:r>
+                <a:endParaRPr lang="en-US" dirty="0" smtClean="0">
+                  <a:latin typeface="Arial" panose="020B0604020202020204" pitchFamily="34" charset="0"/>
+                  <a:cs typeface="Arial" panose="020B0604020202020204" pitchFamily="34" charset="0"/>
+                </a:endParaRPr>
+              </a:p>
+              <a:p>
+                <a:pPr marL="0" indent="0" algn="just">
+                  <a:buNone/>
+                </a:pPr>
+                <a:endParaRPr lang="en-US" dirty="0">
+                  <a:latin typeface="Arial" panose="020B0604020202020204" pitchFamily="34" charset="0"/>
+                  <a:cs typeface="Arial" panose="020B0604020202020204" pitchFamily="34" charset="0"/>
+                </a:endParaRPr>
+              </a:p>
+              <a:p>
+                <a:pPr marL="0" indent="0" algn="just">
+                  <a:buNone/>
+                </a:pPr>
+                <a:r>
+                  <a:rPr lang="ru-RU" dirty="0" smtClean="0">
+                    <a:latin typeface="Arial" panose="020B0604020202020204" pitchFamily="34" charset="0"/>
+                    <a:cs typeface="Arial" panose="020B0604020202020204" pitchFamily="34" charset="0"/>
+                  </a:rPr>
+                  <a:t>Анализ </a:t>
+                </a:r>
+                <a:r>
+                  <a:rPr lang="ru-RU" dirty="0">
+                    <a:latin typeface="Arial" panose="020B0604020202020204" pitchFamily="34" charset="0"/>
+                    <a:cs typeface="Arial" panose="020B0604020202020204" pitchFamily="34" charset="0"/>
+                  </a:rPr>
+                  <a:t>алгоритма: с большой вероятностью полученное на четвертом шаге число будет нетривиальным делителем N. </a:t>
+                </a:r>
+                <a:endParaRPr lang="en-US" dirty="0" smtClean="0">
+                  <a:latin typeface="Arial" panose="020B0604020202020204" pitchFamily="34" charset="0"/>
+                  <a:cs typeface="Arial" panose="020B0604020202020204" pitchFamily="34" charset="0"/>
+                </a:endParaRPr>
+              </a:p>
+              <a:p>
+                <a:pPr marL="0" indent="0" algn="just">
+                  <a:buNone/>
+                </a:pPr>
+                <a:r>
+                  <a:rPr lang="ru-RU" dirty="0" smtClean="0">
+                    <a:latin typeface="Arial" panose="020B0604020202020204" pitchFamily="34" charset="0"/>
+                    <a:cs typeface="Arial" panose="020B0604020202020204" pitchFamily="34" charset="0"/>
+                  </a:rPr>
+                  <a:t>Трудный </a:t>
+                </a:r>
+                <a:r>
+                  <a:rPr lang="ru-RU" dirty="0">
+                    <a:latin typeface="Arial" panose="020B0604020202020204" pitchFamily="34" charset="0"/>
+                    <a:cs typeface="Arial" panose="020B0604020202020204" pitchFamily="34" charset="0"/>
+                  </a:rPr>
+                  <a:t>шаг: найти порядок a по модулю N.</a:t>
+                </a:r>
+              </a:p>
+            </p:txBody>
+          </p:sp>
+        </mc:Choice>
+        <mc:Fallback>
+          <p:sp>
+            <p:nvSpPr>
+              <p:cNvPr id="3" name="Объект 2"/>
+              <p:cNvSpPr>
+                <a:spLocks noGrp="1" noRot="1" noChangeAspect="1" noMove="1" noResize="1" noEditPoints="1" noAdjustHandles="1" noChangeArrowheads="1" noChangeShapeType="1" noTextEdit="1"/>
+              </p:cNvSpPr>
+              <p:nvPr>
+                <p:ph idx="1"/>
+              </p:nvPr>
+            </p:nvSpPr>
+            <p:spPr>
+              <a:blipFill rotWithShape="0">
+                <a:blip r:embed="rId2"/>
+                <a:stretch>
+                  <a:fillRect l="-1217" t="-2381" r="-1159"/>
+                </a:stretch>
+              </a:blipFill>
+            </p:spPr>
+            <p:txBody>
+              <a:bodyPr/>
+              <a:lstStyle/>
+              <a:p>
+                <a:r>
+                  <a:rPr lang="ru-RU">
+                    <a:noFill/>
+                  </a:rPr>
+                  <a:t> </a:t>
+                </a:r>
+              </a:p>
+            </p:txBody>
+          </p:sp>
+        </mc:Fallback>
+      </mc:AlternateContent>
     </p:spTree>
     <p:extLst>
       <p:ext uri="{BB962C8B-B14F-4D97-AF65-F5344CB8AC3E}">
@@ -4282,14 +4576,22 @@
         </p:nvSpPr>
         <p:spPr/>
         <p:txBody>
-          <a:bodyPr/>
+          <a:bodyPr>
+            <a:normAutofit/>
+          </a:bodyPr>
           <a:lstStyle/>
           <a:p>
             <a:r>
-              <a:rPr lang="ru-RU" dirty="0" smtClean="0"/>
+              <a:rPr lang="ru-RU" sz="4000" dirty="0" smtClean="0">
+                <a:latin typeface="Arial" panose="020B0604020202020204" pitchFamily="34" charset="0"/>
+                <a:cs typeface="Arial" panose="020B0604020202020204" pitchFamily="34" charset="0"/>
+              </a:rPr>
               <a:t>Классические алгоритмы факторизации</a:t>
             </a:r>
-            <a:endParaRPr lang="ru-RU" dirty="0"/>
+            <a:endParaRPr lang="ru-RU" sz="4000" dirty="0">
+              <a:latin typeface="Arial" panose="020B0604020202020204" pitchFamily="34" charset="0"/>
+              <a:cs typeface="Arial" panose="020B0604020202020204" pitchFamily="34" charset="0"/>
+            </a:endParaRPr>
           </a:p>
         </p:txBody>
       </p:sp>
@@ -4303,121 +4605,170 @@
             <p:ph type="body" idx="1"/>
           </p:nvPr>
         </p:nvSpPr>
+        <p:spPr>
+          <a:xfrm>
+            <a:off x="839788" y="1565834"/>
+            <a:ext cx="5157787" cy="823912"/>
+          </a:xfrm>
+        </p:spPr>
+        <p:txBody>
+          <a:bodyPr>
+            <a:normAutofit/>
+          </a:bodyPr>
+          <a:lstStyle/>
+          <a:p>
+            <a:r>
+              <a:rPr lang="ru-RU" sz="3200" dirty="0" smtClean="0">
+                <a:latin typeface="Arial" panose="020B0604020202020204" pitchFamily="34" charset="0"/>
+                <a:cs typeface="Arial" panose="020B0604020202020204" pitchFamily="34" charset="0"/>
+              </a:rPr>
+              <a:t>Детерминированный</a:t>
+            </a:r>
+            <a:r>
+              <a:rPr lang="ru-RU" sz="3200" dirty="0" smtClean="0">
+                <a:latin typeface="Arial" panose="020B0604020202020204" pitchFamily="34" charset="0"/>
+                <a:cs typeface="Arial" panose="020B0604020202020204" pitchFamily="34" charset="0"/>
+              </a:rPr>
+              <a:t>	</a:t>
+            </a:r>
+            <a:endParaRPr lang="ru-RU" sz="3200" dirty="0">
+              <a:latin typeface="Arial" panose="020B0604020202020204" pitchFamily="34" charset="0"/>
+              <a:cs typeface="Arial" panose="020B0604020202020204" pitchFamily="34" charset="0"/>
+            </a:endParaRPr>
+          </a:p>
+        </p:txBody>
+      </p:sp>
+      <p:sp>
+        <p:nvSpPr>
+          <p:cNvPr id="5" name="Объект 4"/>
+          <p:cNvSpPr>
+            <a:spLocks noGrp="1"/>
+          </p:cNvSpPr>
+          <p:nvPr>
+            <p:ph sz="half" idx="2"/>
+          </p:nvPr>
+        </p:nvSpPr>
         <p:spPr/>
         <p:txBody>
-          <a:bodyPr/>
+          <a:bodyPr>
+            <a:normAutofit/>
+          </a:bodyPr>
           <a:lstStyle/>
           <a:p>
-            <a:r>
-              <a:rPr lang="ru-RU" dirty="0" err="1" smtClean="0"/>
-              <a:t>Детерменированный</a:t>
-            </a:r>
-            <a:r>
-              <a:rPr lang="ru-RU" dirty="0" smtClean="0"/>
-              <a:t>	</a:t>
-            </a:r>
-            <a:endParaRPr lang="ru-RU" dirty="0"/>
-          </a:p>
-        </p:txBody>
-      </p:sp>
-      <p:sp>
-        <p:nvSpPr>
-          <p:cNvPr id="5" name="Объект 4"/>
-          <p:cNvSpPr>
-            <a:spLocks noGrp="1"/>
-          </p:cNvSpPr>
-          <p:nvPr>
-            <p:ph sz="half" idx="2"/>
+            <a:pPr marL="0" indent="0" algn="just">
+              <a:buNone/>
+            </a:pPr>
+            <a:r>
+              <a:rPr lang="ru-RU" sz="2400" dirty="0" smtClean="0">
+                <a:latin typeface="Arial" panose="020B0604020202020204" pitchFamily="34" charset="0"/>
+                <a:cs typeface="Arial" panose="020B0604020202020204" pitchFamily="34" charset="0"/>
+              </a:rPr>
+              <a:t>Метод квадратичных форм </a:t>
+            </a:r>
+            <a:r>
+              <a:rPr lang="ru-RU" sz="2400" dirty="0" err="1" smtClean="0">
+                <a:latin typeface="Arial" panose="020B0604020202020204" pitchFamily="34" charset="0"/>
+                <a:cs typeface="Arial" panose="020B0604020202020204" pitchFamily="34" charset="0"/>
+              </a:rPr>
+              <a:t>Шенкса</a:t>
+            </a:r>
+            <a:endParaRPr lang="ru-RU" sz="2400" dirty="0" smtClean="0">
+              <a:latin typeface="Arial" panose="020B0604020202020204" pitchFamily="34" charset="0"/>
+              <a:cs typeface="Arial" panose="020B0604020202020204" pitchFamily="34" charset="0"/>
+            </a:endParaRPr>
+          </a:p>
+          <a:p>
+            <a:pPr marL="0" indent="0" algn="just">
+              <a:buNone/>
+            </a:pPr>
+            <a:r>
+              <a:rPr lang="ru-RU" sz="2400" dirty="0" smtClean="0">
+                <a:latin typeface="Arial" panose="020B0604020202020204" pitchFamily="34" charset="0"/>
+                <a:cs typeface="Arial" panose="020B0604020202020204" pitchFamily="34" charset="0"/>
+              </a:rPr>
+              <a:t>Алгоритм </a:t>
+            </a:r>
+            <a:r>
+              <a:rPr lang="ru-RU" sz="2400" dirty="0" err="1" smtClean="0">
+                <a:latin typeface="Arial" panose="020B0604020202020204" pitchFamily="34" charset="0"/>
+                <a:cs typeface="Arial" panose="020B0604020202020204" pitchFamily="34" charset="0"/>
+              </a:rPr>
+              <a:t>Полларда-Штрассена</a:t>
+            </a:r>
+            <a:endParaRPr lang="ru-RU" sz="2400" dirty="0">
+              <a:latin typeface="Arial" panose="020B0604020202020204" pitchFamily="34" charset="0"/>
+              <a:cs typeface="Arial" panose="020B0604020202020204" pitchFamily="34" charset="0"/>
+            </a:endParaRPr>
+          </a:p>
+        </p:txBody>
+      </p:sp>
+      <p:sp>
+        <p:nvSpPr>
+          <p:cNvPr id="6" name="Текст 5"/>
+          <p:cNvSpPr>
+            <a:spLocks noGrp="1"/>
+          </p:cNvSpPr>
+          <p:nvPr>
+            <p:ph type="body" sz="quarter" idx="3"/>
+          </p:nvPr>
+        </p:nvSpPr>
+        <p:spPr>
+          <a:xfrm>
+            <a:off x="6172200" y="1565834"/>
+            <a:ext cx="5183188" cy="823912"/>
+          </a:xfrm>
+        </p:spPr>
+        <p:txBody>
+          <a:bodyPr>
+            <a:normAutofit/>
+          </a:bodyPr>
+          <a:lstStyle/>
+          <a:p>
+            <a:r>
+              <a:rPr lang="ru-RU" sz="3200" dirty="0" smtClean="0">
+                <a:latin typeface="Arial" panose="020B0604020202020204" pitchFamily="34" charset="0"/>
+                <a:cs typeface="Arial" panose="020B0604020202020204" pitchFamily="34" charset="0"/>
+              </a:rPr>
+              <a:t>Вероятностный</a:t>
+            </a:r>
+            <a:endParaRPr lang="ru-RU" sz="3200" dirty="0">
+              <a:latin typeface="Arial" panose="020B0604020202020204" pitchFamily="34" charset="0"/>
+              <a:cs typeface="Arial" panose="020B0604020202020204" pitchFamily="34" charset="0"/>
+            </a:endParaRPr>
+          </a:p>
+        </p:txBody>
+      </p:sp>
+      <p:sp>
+        <p:nvSpPr>
+          <p:cNvPr id="7" name="Объект 6"/>
+          <p:cNvSpPr>
+            <a:spLocks noGrp="1"/>
+          </p:cNvSpPr>
+          <p:nvPr>
+            <p:ph sz="quarter" idx="4"/>
           </p:nvPr>
         </p:nvSpPr>
         <p:spPr/>
         <p:txBody>
-          <a:bodyPr/>
+          <a:bodyPr>
+            <a:normAutofit/>
+          </a:bodyPr>
           <a:lstStyle/>
           <a:p>
             <a:pPr marL="0" indent="0">
               <a:buNone/>
             </a:pPr>
             <a:r>
-              <a:rPr lang="ru-RU" dirty="0" smtClean="0"/>
-              <a:t>Метод квадратичных форм </a:t>
-            </a:r>
-            <a:r>
-              <a:rPr lang="ru-RU" dirty="0" err="1" smtClean="0"/>
-              <a:t>Шенкса</a:t>
-            </a:r>
-            <a:endParaRPr lang="ru-RU" dirty="0" smtClean="0"/>
-          </a:p>
-          <a:p>
-            <a:pPr marL="0" indent="0">
-              <a:buNone/>
-            </a:pPr>
-            <a:r>
-              <a:rPr lang="ru-RU" dirty="0" smtClean="0"/>
-              <a:t>Алгоритм </a:t>
-            </a:r>
-            <a:r>
-              <a:rPr lang="ru-RU" dirty="0" err="1" smtClean="0"/>
-              <a:t>Полларда</a:t>
-            </a:r>
-            <a:r>
-              <a:rPr lang="ru-RU" dirty="0" smtClean="0"/>
-              <a:t> - </a:t>
-            </a:r>
-            <a:r>
-              <a:rPr lang="ru-RU" dirty="0" err="1" smtClean="0"/>
-              <a:t>Штрассена</a:t>
-            </a:r>
-            <a:endParaRPr lang="ru-RU" dirty="0"/>
-          </a:p>
-        </p:txBody>
-      </p:sp>
-      <p:sp>
-        <p:nvSpPr>
-          <p:cNvPr id="6" name="Текст 5"/>
-          <p:cNvSpPr>
-            <a:spLocks noGrp="1"/>
-          </p:cNvSpPr>
-          <p:nvPr>
-            <p:ph type="body" sz="quarter" idx="3"/>
-          </p:nvPr>
-        </p:nvSpPr>
-        <p:spPr/>
-        <p:txBody>
-          <a:bodyPr/>
-          <a:lstStyle/>
-          <a:p>
-            <a:r>
-              <a:rPr lang="ru-RU" dirty="0" smtClean="0"/>
-              <a:t>Вероятностный</a:t>
-            </a:r>
-            <a:endParaRPr lang="ru-RU" dirty="0"/>
-          </a:p>
-        </p:txBody>
-      </p:sp>
-      <p:sp>
-        <p:nvSpPr>
-          <p:cNvPr id="7" name="Объект 6"/>
-          <p:cNvSpPr>
-            <a:spLocks noGrp="1"/>
-          </p:cNvSpPr>
-          <p:nvPr>
-            <p:ph sz="quarter" idx="4"/>
-          </p:nvPr>
-        </p:nvSpPr>
-        <p:spPr/>
-        <p:txBody>
-          <a:bodyPr/>
-          <a:lstStyle/>
-          <a:p>
-            <a:pPr marL="0" indent="0">
-              <a:buNone/>
-            </a:pPr>
-            <a:r>
-              <a:rPr lang="ru-RU" dirty="0" smtClean="0"/>
+              <a:rPr lang="ru-RU" sz="2400" dirty="0" smtClean="0">
+                <a:latin typeface="Arial" panose="020B0604020202020204" pitchFamily="34" charset="0"/>
+                <a:cs typeface="Arial" panose="020B0604020202020204" pitchFamily="34" charset="0"/>
+              </a:rPr>
               <a:t>Метод решета числового поля</a:t>
             </a:r>
-            <a:endParaRPr lang="ru-RU" dirty="0"/>
+            <a:endParaRPr lang="ru-RU" sz="2400" dirty="0">
+              <a:latin typeface="Arial" panose="020B0604020202020204" pitchFamily="34" charset="0"/>
+              <a:cs typeface="Arial" panose="020B0604020202020204" pitchFamily="34" charset="0"/>
+            </a:endParaRPr>
           </a:p>
         </p:txBody>
       </p:sp>
@@ -4463,244 +4814,712 @@
         </p:nvSpPr>
         <p:spPr/>
         <p:txBody>
+          <a:bodyPr>
+            <a:normAutofit/>
+          </a:bodyPr>
+          <a:lstStyle/>
+          <a:p>
+            <a:r>
+              <a:rPr lang="ru-RU" sz="3200" dirty="0" smtClean="0">
+                <a:latin typeface="Arial" panose="020B0604020202020204" pitchFamily="34" charset="0"/>
+                <a:cs typeface="Arial" panose="020B0604020202020204" pitchFamily="34" charset="0"/>
+              </a:rPr>
+              <a:t>Квантовый алгоритм для систем линейных равенств</a:t>
+            </a:r>
+            <a:endParaRPr lang="ru-RU" sz="3200" dirty="0">
+              <a:latin typeface="Arial" panose="020B0604020202020204" pitchFamily="34" charset="0"/>
+              <a:cs typeface="Arial" panose="020B0604020202020204" pitchFamily="34" charset="0"/>
+            </a:endParaRPr>
+          </a:p>
+        </p:txBody>
+      </p:sp>
+      <p:sp>
+        <p:nvSpPr>
+          <p:cNvPr id="4" name="Текст 3"/>
+          <p:cNvSpPr>
+            <a:spLocks noGrp="1"/>
+          </p:cNvSpPr>
+          <p:nvPr>
+            <p:ph type="body" idx="1"/>
+          </p:nvPr>
+        </p:nvSpPr>
+        <p:spPr>
+          <a:xfrm>
+            <a:off x="839788" y="1409314"/>
+            <a:ext cx="5157787" cy="823912"/>
+          </a:xfrm>
+        </p:spPr>
+        <p:txBody>
           <a:bodyPr/>
           <a:lstStyle/>
           <a:p>
             <a:r>
+              <a:rPr lang="ru-RU" sz="2800" dirty="0" smtClean="0">
+                <a:latin typeface="Arial" panose="020B0604020202020204" pitchFamily="34" charset="0"/>
+                <a:cs typeface="Arial" panose="020B0604020202020204" pitchFamily="34" charset="0"/>
+              </a:rPr>
+              <a:t>Разложение Гаусса</a:t>
+            </a:r>
+            <a:r>
               <a:rPr lang="ru-RU" dirty="0" smtClean="0"/>
-              <a:t>Квантовый алгоритм для систем линейных равенств</a:t>
+              <a:t>	</a:t>
             </a:r>
             <a:endParaRPr lang="ru-RU" dirty="0"/>
           </a:p>
         </p:txBody>
       </p:sp>
-      <p:sp>
-        <p:nvSpPr>
-          <p:cNvPr id="4" name="Текст 3"/>
-          <p:cNvSpPr>
-            <a:spLocks noGrp="1"/>
-          </p:cNvSpPr>
-          <p:nvPr>
-            <p:ph type="body" idx="1"/>
-          </p:nvPr>
-        </p:nvSpPr>
-        <p:spPr/>
-        <p:txBody>
-          <a:bodyPr/>
+      <mc:AlternateContent xmlns:mc="http://schemas.openxmlformats.org/markup-compatibility/2006">
+        <mc:Choice xmlns:a14="http://schemas.microsoft.com/office/drawing/2010/main" Requires="a14">
+          <p:sp>
+            <p:nvSpPr>
+              <p:cNvPr id="5" name="Объект 4"/>
+              <p:cNvSpPr>
+                <a:spLocks noGrp="1"/>
+              </p:cNvSpPr>
+              <p:nvPr>
+                <p:ph sz="half" idx="2"/>
+              </p:nvPr>
+            </p:nvSpPr>
+            <p:spPr/>
+            <p:txBody>
+              <a:bodyPr/>
+              <a:lstStyle/>
+              <a:p>
+                <a:pPr algn="just"/>
+                <a:r>
+                  <a:rPr lang="ru-RU" dirty="0" smtClean="0">
+                    <a:latin typeface="Arial" panose="020B0604020202020204" pitchFamily="34" charset="0"/>
+                    <a:cs typeface="Arial" panose="020B0604020202020204" pitchFamily="34" charset="0"/>
+                  </a:rPr>
+                  <a:t>Работает за </a:t>
+                </a:r>
+                <a:r>
+                  <a:rPr lang="en-US" dirty="0" smtClean="0">
+                    <a:latin typeface="Arial" panose="020B0604020202020204" pitchFamily="34" charset="0"/>
+                    <a:cs typeface="Arial" panose="020B0604020202020204" pitchFamily="34" charset="0"/>
+                  </a:rPr>
+                  <a:t>O</a:t>
+                </a:r>
+                <a:r>
+                  <a:rPr lang="ru-RU" dirty="0" smtClean="0">
+                    <a:latin typeface="Arial" panose="020B0604020202020204" pitchFamily="34" charset="0"/>
+                    <a:cs typeface="Arial" panose="020B0604020202020204" pitchFamily="34" charset="0"/>
+                  </a:rPr>
+                  <a:t>(</a:t>
+                </a:r>
+                <a14:m>
+                  <m:oMath xmlns:m="http://schemas.openxmlformats.org/officeDocument/2006/math">
+                    <m:sSup>
+                      <m:sSupPr>
+                        <m:ctrlPr>
+                          <a:rPr lang="ru-RU" i="1" smtClean="0">
+                            <a:latin typeface="Cambria Math" panose="02040503050406030204" pitchFamily="18" charset="0"/>
+                          </a:rPr>
+                        </m:ctrlPr>
+                      </m:sSupPr>
+                      <m:e>
+                        <m:r>
+                          <a:rPr lang="en-US" b="0" i="1" smtClean="0">
+                            <a:latin typeface="Cambria Math" panose="02040503050406030204" pitchFamily="18" charset="0"/>
+                          </a:rPr>
+                          <m:t>𝑁</m:t>
+                        </m:r>
+                      </m:e>
+                      <m:sup>
+                        <m:r>
+                          <a:rPr lang="en-US" b="0" i="1" smtClean="0">
+                            <a:latin typeface="Cambria Math" panose="02040503050406030204" pitchFamily="18" charset="0"/>
+                          </a:rPr>
+                          <m:t>3</m:t>
+                        </m:r>
+                      </m:sup>
+                    </m:sSup>
+                  </m:oMath>
+                </a14:m>
+                <a:r>
+                  <a:rPr lang="en-US" dirty="0" smtClean="0">
+                    <a:latin typeface="Arial" panose="020B0604020202020204" pitchFamily="34" charset="0"/>
+                    <a:cs typeface="Arial" panose="020B0604020202020204" pitchFamily="34" charset="0"/>
+                  </a:rPr>
+                  <a:t>)</a:t>
+                </a:r>
+                <a:endParaRPr lang="en-US" dirty="0" smtClean="0">
+                  <a:latin typeface="Arial" panose="020B0604020202020204" pitchFamily="34" charset="0"/>
+                  <a:cs typeface="Arial" panose="020B0604020202020204" pitchFamily="34" charset="0"/>
+                </a:endParaRPr>
+              </a:p>
+              <a:p>
+                <a:pPr algn="just"/>
+                <a:r>
+                  <a:rPr lang="ru-RU" dirty="0" smtClean="0">
+                    <a:latin typeface="Arial" panose="020B0604020202020204" pitchFamily="34" charset="0"/>
+                    <a:cs typeface="Arial" panose="020B0604020202020204" pitchFamily="34" charset="0"/>
+                  </a:rPr>
+                  <a:t>Метод сопряженных градиентов оптимизирует до </a:t>
+                </a:r>
+                <a:r>
+                  <a:rPr lang="en-US" dirty="0" smtClean="0">
+                    <a:latin typeface="Arial" panose="020B0604020202020204" pitchFamily="34" charset="0"/>
+                    <a:cs typeface="Arial" panose="020B0604020202020204" pitchFamily="34" charset="0"/>
+                  </a:rPr>
+                  <a:t>O(</a:t>
+                </a:r>
+                <a:r>
+                  <a:rPr lang="en-US" dirty="0" err="1" smtClean="0">
+                    <a:latin typeface="Arial" panose="020B0604020202020204" pitchFamily="34" charset="0"/>
+                    <a:cs typeface="Arial" panose="020B0604020202020204" pitchFamily="34" charset="0"/>
+                  </a:rPr>
+                  <a:t>Nsk</a:t>
+                </a:r>
+                <a:r>
+                  <a:rPr lang="en-US" dirty="0" smtClean="0">
+                    <a:latin typeface="Arial" panose="020B0604020202020204" pitchFamily="34" charset="0"/>
+                    <a:cs typeface="Arial" panose="020B0604020202020204" pitchFamily="34" charset="0"/>
+                  </a:rPr>
+                  <a:t>)</a:t>
+                </a:r>
+                <a:endParaRPr lang="ru-RU" dirty="0" smtClean="0">
+                  <a:latin typeface="Arial" panose="020B0604020202020204" pitchFamily="34" charset="0"/>
+                  <a:cs typeface="Arial" panose="020B0604020202020204" pitchFamily="34" charset="0"/>
+                </a:endParaRPr>
+              </a:p>
+              <a:p>
+                <a:pPr marL="0" indent="0">
+                  <a:buNone/>
+                </a:pPr>
+                <a:endParaRPr lang="ru-RU" dirty="0">
+                  <a:latin typeface="Arial" panose="020B0604020202020204" pitchFamily="34" charset="0"/>
+                  <a:cs typeface="Arial" panose="020B0604020202020204" pitchFamily="34" charset="0"/>
+                </a:endParaRPr>
+              </a:p>
+            </p:txBody>
+          </p:sp>
+        </mc:Choice>
+        <mc:Fallback>
+          <p:sp>
+            <p:nvSpPr>
+              <p:cNvPr id="5" name="Объект 4"/>
+              <p:cNvSpPr>
+                <a:spLocks noGrp="1" noRot="1" noChangeAspect="1" noMove="1" noResize="1" noEditPoints="1" noAdjustHandles="1" noChangeArrowheads="1" noChangeShapeType="1" noTextEdit="1"/>
+              </p:cNvSpPr>
+              <p:nvPr>
+                <p:ph sz="half" idx="2"/>
+              </p:nvPr>
+            </p:nvSpPr>
+            <p:spPr>
+              <a:blipFill rotWithShape="0">
+                <a:blip r:embed="rId2"/>
+                <a:stretch>
+                  <a:fillRect l="-2128" t="-2980" r="-2364"/>
+                </a:stretch>
+              </a:blipFill>
+            </p:spPr>
+            <p:txBody>
+              <a:bodyPr/>
+              <a:lstStyle/>
+              <a:p>
+                <a:r>
+                  <a:rPr lang="ru-RU">
+                    <a:noFill/>
+                  </a:rPr>
+                  <a:t> </a:t>
+                </a:r>
+              </a:p>
+            </p:txBody>
+          </p:sp>
+        </mc:Fallback>
+      </mc:AlternateContent>
+      <p:sp>
+        <p:nvSpPr>
+          <p:cNvPr id="6" name="Текст 5"/>
+          <p:cNvSpPr>
+            <a:spLocks noGrp="1"/>
+          </p:cNvSpPr>
+          <p:nvPr>
+            <p:ph type="body" sz="quarter" idx="3"/>
+          </p:nvPr>
+        </p:nvSpPr>
+        <p:spPr>
+          <a:xfrm>
+            <a:off x="6172200" y="1431197"/>
+            <a:ext cx="5183188" cy="823912"/>
+          </a:xfrm>
+        </p:spPr>
+        <p:txBody>
+          <a:bodyPr>
+            <a:normAutofit/>
+          </a:bodyPr>
           <a:lstStyle/>
           <a:p>
             <a:r>
-              <a:rPr lang="ru-RU" dirty="0" smtClean="0"/>
-              <a:t>Разложение Гаусса	</a:t>
-            </a:r>
-            <a:endParaRPr lang="ru-RU" dirty="0"/>
-          </a:p>
-        </p:txBody>
-      </p:sp>
-      <p:sp>
-        <p:nvSpPr>
-          <p:cNvPr id="5" name="Объект 4"/>
-          <p:cNvSpPr>
-            <a:spLocks noGrp="1"/>
-          </p:cNvSpPr>
-          <p:nvPr>
-            <p:ph sz="half" idx="2"/>
-          </p:nvPr>
-        </p:nvSpPr>
-        <p:spPr/>
-        <p:txBody>
-          <a:bodyPr/>
-          <a:lstStyle/>
-          <a:p>
-            <a:r>
-              <a:rPr lang="ru-RU" dirty="0" smtClean="0"/>
-              <a:t>Работает за </a:t>
-            </a:r>
-            <a:r>
-              <a:rPr lang="en-US" dirty="0" smtClean="0"/>
-              <a:t>O</a:t>
-            </a:r>
-            <a:r>
-              <a:rPr lang="ru-RU" dirty="0" smtClean="0"/>
-              <a:t>(</a:t>
-            </a:r>
-            <a:r>
-              <a:rPr lang="en-US" dirty="0" smtClean="0"/>
-              <a:t>N^3)</a:t>
-            </a:r>
-          </a:p>
-          <a:p>
-            <a:r>
-              <a:rPr lang="ru-RU" dirty="0" smtClean="0"/>
-              <a:t>Метод сопряженных градиентов оптимизирует до </a:t>
-            </a:r>
-            <a:r>
-              <a:rPr lang="en-US" dirty="0" smtClean="0"/>
-              <a:t>O(</a:t>
-            </a:r>
-            <a:r>
-              <a:rPr lang="en-US" dirty="0" err="1" smtClean="0"/>
-              <a:t>Nsk</a:t>
-            </a:r>
-            <a:r>
-              <a:rPr lang="en-US" dirty="0" smtClean="0"/>
-              <a:t>)</a:t>
-            </a:r>
-            <a:endParaRPr lang="ru-RU" dirty="0" smtClean="0"/>
-          </a:p>
-          <a:p>
-            <a:r>
-              <a:rPr lang="ru-RU" dirty="0" smtClean="0"/>
-              <a:t>Если необходимы только итоговые сведения о результате, то </a:t>
-            </a:r>
-            <a:r>
-              <a:rPr lang="en-US" dirty="0" smtClean="0"/>
-              <a:t>O(</a:t>
-            </a:r>
-            <a:r>
-              <a:rPr lang="en-US" dirty="0" err="1" smtClean="0"/>
-              <a:t>Nsqrt</a:t>
-            </a:r>
-            <a:r>
-              <a:rPr lang="en-US" dirty="0" smtClean="0"/>
-              <a:t>(k)</a:t>
-            </a:r>
-            <a:r>
-              <a:rPr lang="ru-RU" dirty="0" smtClean="0"/>
-              <a:t>)</a:t>
-            </a:r>
-            <a:endParaRPr lang="en-US" dirty="0" smtClean="0"/>
-          </a:p>
-          <a:p>
-            <a:pPr marL="0" indent="0">
-              <a:buNone/>
-            </a:pPr>
-            <a:endParaRPr lang="ru-RU" dirty="0"/>
-          </a:p>
-        </p:txBody>
-      </p:sp>
-      <p:sp>
-        <p:nvSpPr>
-          <p:cNvPr id="6" name="Текст 5"/>
-          <p:cNvSpPr>
-            <a:spLocks noGrp="1"/>
-          </p:cNvSpPr>
-          <p:nvPr>
-            <p:ph type="body" sz="quarter" idx="3"/>
-          </p:nvPr>
-        </p:nvSpPr>
-        <p:spPr/>
-        <p:txBody>
-          <a:bodyPr/>
-          <a:lstStyle/>
-          <a:p>
-            <a:r>
-              <a:rPr lang="ru-RU" dirty="0" smtClean="0"/>
+              <a:rPr lang="ru-RU" sz="2800" dirty="0" smtClean="0">
+                <a:latin typeface="Arial" panose="020B0604020202020204" pitchFamily="34" charset="0"/>
+                <a:cs typeface="Arial" panose="020B0604020202020204" pitchFamily="34" charset="0"/>
+              </a:rPr>
               <a:t>Алгоритм ХХЛ</a:t>
             </a:r>
-            <a:endParaRPr lang="ru-RU" dirty="0"/>
-          </a:p>
-        </p:txBody>
-      </p:sp>
-      <p:sp>
-        <p:nvSpPr>
-          <p:cNvPr id="7" name="Объект 6"/>
-          <p:cNvSpPr>
-            <a:spLocks noGrp="1"/>
-          </p:cNvSpPr>
-          <p:nvPr>
-            <p:ph sz="quarter" idx="4"/>
-          </p:nvPr>
-        </p:nvSpPr>
-        <p:spPr/>
-        <p:txBody>
-          <a:bodyPr/>
-          <a:lstStyle/>
-          <a:p>
-            <a:r>
-              <a:rPr lang="ru-RU" dirty="0" smtClean="0"/>
-              <a:t>Базовая версия </a:t>
-            </a:r>
-            <a:r>
-              <a:rPr lang="en-US" dirty="0" smtClean="0"/>
-              <a:t>O(N log N k^2)</a:t>
-            </a:r>
-          </a:p>
-          <a:p>
-            <a:r>
-              <a:rPr lang="ru-RU" dirty="0" smtClean="0"/>
-              <a:t>Версия </a:t>
-            </a:r>
-            <a:r>
-              <a:rPr lang="ru-RU" dirty="0" err="1" smtClean="0"/>
-              <a:t>Хэрроу</a:t>
-            </a:r>
-            <a:r>
-              <a:rPr lang="ru-RU" dirty="0" smtClean="0"/>
-              <a:t> </a:t>
-            </a:r>
-            <a:r>
-              <a:rPr lang="en-US" dirty="0" smtClean="0"/>
-              <a:t>O(k^2 log N)</a:t>
-            </a:r>
-          </a:p>
-          <a:p>
-            <a:r>
-              <a:rPr lang="ru-RU" dirty="0" smtClean="0"/>
-              <a:t>Версия </a:t>
-            </a:r>
-            <a:r>
-              <a:rPr lang="ru-RU" dirty="0" err="1" smtClean="0"/>
-              <a:t>Амбаиниса</a:t>
-            </a:r>
-            <a:r>
-              <a:rPr lang="ru-RU" dirty="0" smtClean="0"/>
-              <a:t> </a:t>
-            </a:r>
-            <a:r>
-              <a:rPr lang="en-US" dirty="0" smtClean="0"/>
-              <a:t>O(k log^3 </a:t>
-            </a:r>
-            <a:r>
-              <a:rPr lang="en-US" dirty="0" err="1" smtClean="0"/>
-              <a:t>klogN</a:t>
-            </a:r>
-            <a:r>
-              <a:rPr lang="en-US" dirty="0" smtClean="0"/>
-              <a:t>)</a:t>
-            </a:r>
-          </a:p>
-          <a:p>
-            <a:r>
-              <a:rPr lang="ru-RU" dirty="0" smtClean="0"/>
-              <a:t>Версия </a:t>
-            </a:r>
-            <a:r>
-              <a:rPr lang="ru-RU" dirty="0" err="1" smtClean="0"/>
-              <a:t>Уоссинга</a:t>
-            </a:r>
-            <a:r>
-              <a:rPr lang="ru-RU" dirty="0" smtClean="0"/>
-              <a:t> </a:t>
-            </a:r>
-            <a:r>
-              <a:rPr lang="en-US" dirty="0" smtClean="0"/>
-              <a:t>O(</a:t>
-            </a:r>
-            <a:r>
-              <a:rPr lang="en-US" dirty="0" err="1" smtClean="0"/>
-              <a:t>sqrt</a:t>
-            </a:r>
-            <a:r>
-              <a:rPr lang="en-US" dirty="0" smtClean="0"/>
-              <a:t> N logNk^2)</a:t>
-            </a:r>
-          </a:p>
-          <a:p>
-            <a:endParaRPr lang="ru-RU" dirty="0"/>
-          </a:p>
-        </p:txBody>
-      </p:sp>
+            <a:endParaRPr lang="ru-RU" sz="2800" dirty="0">
+              <a:latin typeface="Arial" panose="020B0604020202020204" pitchFamily="34" charset="0"/>
+              <a:cs typeface="Arial" panose="020B0604020202020204" pitchFamily="34" charset="0"/>
+            </a:endParaRPr>
+          </a:p>
+        </p:txBody>
+      </p:sp>
+      <mc:AlternateContent xmlns:mc="http://schemas.openxmlformats.org/markup-compatibility/2006">
+        <mc:Choice xmlns:a14="http://schemas.microsoft.com/office/drawing/2010/main" Requires="a14">
+          <p:sp>
+            <p:nvSpPr>
+              <p:cNvPr id="7" name="Объект 6"/>
+              <p:cNvSpPr>
+                <a:spLocks noGrp="1"/>
+              </p:cNvSpPr>
+              <p:nvPr>
+                <p:ph sz="quarter" idx="4"/>
+              </p:nvPr>
+            </p:nvSpPr>
+            <p:spPr/>
+            <p:txBody>
+              <a:bodyPr/>
+              <a:lstStyle/>
+              <a:p>
+                <a:pPr algn="just"/>
+                <a:r>
+                  <a:rPr lang="ru-RU" dirty="0" smtClean="0">
+                    <a:latin typeface="Arial" panose="020B0604020202020204" pitchFamily="34" charset="0"/>
+                    <a:cs typeface="Arial" panose="020B0604020202020204" pitchFamily="34" charset="0"/>
+                  </a:rPr>
+                  <a:t>Базовая версия </a:t>
+                </a:r>
+                <a:r>
+                  <a:rPr lang="en-US" dirty="0" smtClean="0">
+                    <a:latin typeface="Arial" panose="020B0604020202020204" pitchFamily="34" charset="0"/>
+                    <a:cs typeface="Arial" panose="020B0604020202020204" pitchFamily="34" charset="0"/>
+                  </a:rPr>
+                  <a:t>O(N</a:t>
+                </a:r>
+                <a14:m>
+                  <m:oMath xmlns:m="http://schemas.openxmlformats.org/officeDocument/2006/math">
+                    <m:func>
+                      <m:funcPr>
+                        <m:ctrlPr>
+                          <a:rPr lang="en-US" i="1" smtClean="0">
+                            <a:latin typeface="Cambria Math" panose="02040503050406030204" pitchFamily="18" charset="0"/>
+                          </a:rPr>
+                        </m:ctrlPr>
+                      </m:funcPr>
+                      <m:fName>
+                        <m:r>
+                          <m:rPr>
+                            <m:sty m:val="p"/>
+                          </m:rPr>
+                          <a:rPr lang="en-US" i="0" smtClean="0">
+                            <a:latin typeface="Cambria Math" panose="02040503050406030204" pitchFamily="18" charset="0"/>
+                          </a:rPr>
+                          <m:t>log</m:t>
+                        </m:r>
+                      </m:fName>
+                      <m:e>
+                        <m:r>
+                          <a:rPr lang="en-US" b="0" i="1" smtClean="0">
+                            <a:latin typeface="Cambria Math" panose="02040503050406030204" pitchFamily="18" charset="0"/>
+                          </a:rPr>
+                          <m:t>𝑁</m:t>
+                        </m:r>
+                      </m:e>
+                    </m:func>
+                    <m:sSup>
+                      <m:sSupPr>
+                        <m:ctrlPr>
+                          <a:rPr lang="en-US" i="1" smtClean="0">
+                            <a:latin typeface="Cambria Math" panose="02040503050406030204" pitchFamily="18" charset="0"/>
+                          </a:rPr>
+                        </m:ctrlPr>
+                      </m:sSupPr>
+                      <m:e>
+                        <m:r>
+                          <a:rPr lang="en-US" b="0" i="1" smtClean="0">
+                            <a:latin typeface="Cambria Math" panose="02040503050406030204" pitchFamily="18" charset="0"/>
+                          </a:rPr>
+                          <m:t>𝑘</m:t>
+                        </m:r>
+                      </m:e>
+                      <m:sup>
+                        <m:r>
+                          <a:rPr lang="en-US" b="0" i="1" smtClean="0">
+                            <a:latin typeface="Cambria Math" panose="02040503050406030204" pitchFamily="18" charset="0"/>
+                          </a:rPr>
+                          <m:t>2</m:t>
+                        </m:r>
+                      </m:sup>
+                    </m:sSup>
+                  </m:oMath>
+                </a14:m>
+                <a:r>
+                  <a:rPr lang="en-US" dirty="0" smtClean="0">
+                    <a:latin typeface="Arial" panose="020B0604020202020204" pitchFamily="34" charset="0"/>
+                    <a:cs typeface="Arial" panose="020B0604020202020204" pitchFamily="34" charset="0"/>
+                  </a:rPr>
+                  <a:t>)</a:t>
+                </a:r>
+                <a:endParaRPr lang="en-US" dirty="0" smtClean="0">
+                  <a:latin typeface="Arial" panose="020B0604020202020204" pitchFamily="34" charset="0"/>
+                  <a:cs typeface="Arial" panose="020B0604020202020204" pitchFamily="34" charset="0"/>
+                </a:endParaRPr>
+              </a:p>
+              <a:p>
+                <a:pPr algn="just"/>
+                <a:r>
+                  <a:rPr lang="ru-RU" dirty="0" smtClean="0">
+                    <a:latin typeface="Arial" panose="020B0604020202020204" pitchFamily="34" charset="0"/>
+                    <a:cs typeface="Arial" panose="020B0604020202020204" pitchFamily="34" charset="0"/>
+                  </a:rPr>
+                  <a:t>Версия </a:t>
+                </a:r>
+                <a:r>
+                  <a:rPr lang="ru-RU" dirty="0" err="1" smtClean="0">
+                    <a:latin typeface="Arial" panose="020B0604020202020204" pitchFamily="34" charset="0"/>
+                    <a:cs typeface="Arial" panose="020B0604020202020204" pitchFamily="34" charset="0"/>
+                  </a:rPr>
+                  <a:t>Хэрроу</a:t>
+                </a:r>
+                <a:r>
+                  <a:rPr lang="ru-RU" dirty="0" smtClean="0">
+                    <a:latin typeface="Arial" panose="020B0604020202020204" pitchFamily="34" charset="0"/>
+                    <a:cs typeface="Arial" panose="020B0604020202020204" pitchFamily="34" charset="0"/>
+                  </a:rPr>
+                  <a:t> </a:t>
+                </a:r>
+                <a:r>
+                  <a:rPr lang="en-US" dirty="0" smtClean="0">
+                    <a:latin typeface="Arial" panose="020B0604020202020204" pitchFamily="34" charset="0"/>
+                    <a:cs typeface="Arial" panose="020B0604020202020204" pitchFamily="34" charset="0"/>
+                  </a:rPr>
+                  <a:t>O(</a:t>
+                </a:r>
+                <a14:m>
+                  <m:oMath xmlns:m="http://schemas.openxmlformats.org/officeDocument/2006/math">
+                    <m:sSup>
+                      <m:sSupPr>
+                        <m:ctrlPr>
+                          <a:rPr lang="en-US" i="1">
+                            <a:latin typeface="Cambria Math" panose="02040503050406030204" pitchFamily="18" charset="0"/>
+                          </a:rPr>
+                        </m:ctrlPr>
+                      </m:sSupPr>
+                      <m:e>
+                        <m:r>
+                          <a:rPr lang="en-US" i="1">
+                            <a:latin typeface="Cambria Math" panose="02040503050406030204" pitchFamily="18" charset="0"/>
+                          </a:rPr>
+                          <m:t>𝑘</m:t>
+                        </m:r>
+                      </m:e>
+                      <m:sup>
+                        <m:r>
+                          <a:rPr lang="en-US" i="1">
+                            <a:latin typeface="Cambria Math" panose="02040503050406030204" pitchFamily="18" charset="0"/>
+                          </a:rPr>
+                          <m:t>2</m:t>
+                        </m:r>
+                      </m:sup>
+                    </m:sSup>
+                    <m:func>
+                      <m:funcPr>
+                        <m:ctrlPr>
+                          <a:rPr lang="en-US" i="1">
+                            <a:latin typeface="Cambria Math" panose="02040503050406030204" pitchFamily="18" charset="0"/>
+                          </a:rPr>
+                        </m:ctrlPr>
+                      </m:funcPr>
+                      <m:fName>
+                        <m:r>
+                          <m:rPr>
+                            <m:sty m:val="p"/>
+                          </m:rPr>
+                          <a:rPr lang="en-US">
+                            <a:latin typeface="Cambria Math" panose="02040503050406030204" pitchFamily="18" charset="0"/>
+                          </a:rPr>
+                          <m:t>log</m:t>
+                        </m:r>
+                      </m:fName>
+                      <m:e>
+                        <m:r>
+                          <a:rPr lang="en-US" i="1">
+                            <a:latin typeface="Cambria Math" panose="02040503050406030204" pitchFamily="18" charset="0"/>
+                          </a:rPr>
+                          <m:t>𝑁</m:t>
+                        </m:r>
+                      </m:e>
+                    </m:func>
+                  </m:oMath>
+                </a14:m>
+                <a:r>
+                  <a:rPr lang="en-US" dirty="0" smtClean="0">
+                    <a:latin typeface="Arial" panose="020B0604020202020204" pitchFamily="34" charset="0"/>
+                    <a:cs typeface="Arial" panose="020B0604020202020204" pitchFamily="34" charset="0"/>
+                  </a:rPr>
+                  <a:t>)</a:t>
+                </a:r>
+              </a:p>
+              <a:p>
+                <a:r>
+                  <a:rPr lang="ru-RU" dirty="0" smtClean="0">
+                    <a:latin typeface="Arial" panose="020B0604020202020204" pitchFamily="34" charset="0"/>
+                    <a:cs typeface="Arial" panose="020B0604020202020204" pitchFamily="34" charset="0"/>
+                  </a:rPr>
+                  <a:t>Версия </a:t>
+                </a:r>
+                <a:r>
+                  <a:rPr lang="ru-RU" dirty="0" err="1" smtClean="0">
+                    <a:latin typeface="Arial" panose="020B0604020202020204" pitchFamily="34" charset="0"/>
+                    <a:cs typeface="Arial" panose="020B0604020202020204" pitchFamily="34" charset="0"/>
+                  </a:rPr>
+                  <a:t>Амбаиниса</a:t>
+                </a:r>
+                <a:r>
+                  <a:rPr lang="ru-RU" dirty="0" smtClean="0">
+                    <a:latin typeface="Arial" panose="020B0604020202020204" pitchFamily="34" charset="0"/>
+                    <a:cs typeface="Arial" panose="020B0604020202020204" pitchFamily="34" charset="0"/>
+                  </a:rPr>
+                  <a:t> </a:t>
+                </a:r>
+                <a:r>
+                  <a:rPr lang="en-US" dirty="0" smtClean="0">
+                    <a:latin typeface="Arial" panose="020B0604020202020204" pitchFamily="34" charset="0"/>
+                    <a:cs typeface="Arial" panose="020B0604020202020204" pitchFamily="34" charset="0"/>
+                  </a:rPr>
+                  <a:t/>
+                </a:r>
+                <a:br>
+                  <a:rPr lang="en-US" dirty="0" smtClean="0">
+                    <a:latin typeface="Arial" panose="020B0604020202020204" pitchFamily="34" charset="0"/>
+                    <a:cs typeface="Arial" panose="020B0604020202020204" pitchFamily="34" charset="0"/>
+                  </a:rPr>
+                </a:br>
+                <a:r>
+                  <a:rPr lang="en-US" dirty="0" smtClean="0">
+                    <a:latin typeface="Arial" panose="020B0604020202020204" pitchFamily="34" charset="0"/>
+                    <a:cs typeface="Arial" panose="020B0604020202020204" pitchFamily="34" charset="0"/>
+                  </a:rPr>
+                  <a:t>O(k log^3 k </a:t>
+                </a:r>
+                <a14:m>
+                  <m:oMath xmlns:m="http://schemas.openxmlformats.org/officeDocument/2006/math">
+                    <m:func>
+                      <m:funcPr>
+                        <m:ctrlPr>
+                          <a:rPr lang="en-US" i="1" dirty="0" smtClean="0">
+                            <a:latin typeface="Cambria Math" panose="02040503050406030204" pitchFamily="18" charset="0"/>
+                          </a:rPr>
+                        </m:ctrlPr>
+                      </m:funcPr>
+                      <m:fName>
+                        <m:r>
+                          <m:rPr>
+                            <m:sty m:val="p"/>
+                          </m:rPr>
+                          <a:rPr lang="en-US" i="0" dirty="0" smtClean="0">
+                            <a:latin typeface="Cambria Math" panose="02040503050406030204" pitchFamily="18" charset="0"/>
+                          </a:rPr>
+                          <m:t>log</m:t>
+                        </m:r>
+                      </m:fName>
+                      <m:e>
+                        <m:r>
+                          <a:rPr lang="en-US" b="0" i="1" dirty="0" smtClean="0">
+                            <a:latin typeface="Cambria Math" panose="02040503050406030204" pitchFamily="18" charset="0"/>
+                          </a:rPr>
+                          <m:t>𝑁</m:t>
+                        </m:r>
+                      </m:e>
+                    </m:func>
+                  </m:oMath>
+                </a14:m>
+                <a:r>
+                  <a:rPr lang="en-US" dirty="0" smtClean="0">
+                    <a:latin typeface="Arial" panose="020B0604020202020204" pitchFamily="34" charset="0"/>
+                    <a:cs typeface="Arial" panose="020B0604020202020204" pitchFamily="34" charset="0"/>
+                  </a:rPr>
+                  <a:t>)</a:t>
+                </a:r>
+                <a:endParaRPr lang="en-US" dirty="0" smtClean="0">
+                  <a:latin typeface="Arial" panose="020B0604020202020204" pitchFamily="34" charset="0"/>
+                  <a:cs typeface="Arial" panose="020B0604020202020204" pitchFamily="34" charset="0"/>
+                </a:endParaRPr>
+              </a:p>
+              <a:p>
+                <a:r>
+                  <a:rPr lang="ru-RU" dirty="0" smtClean="0">
+                    <a:latin typeface="Arial" panose="020B0604020202020204" pitchFamily="34" charset="0"/>
+                    <a:cs typeface="Arial" panose="020B0604020202020204" pitchFamily="34" charset="0"/>
+                  </a:rPr>
+                  <a:t>Версия </a:t>
+                </a:r>
+                <a:r>
+                  <a:rPr lang="ru-RU" dirty="0" err="1" smtClean="0">
+                    <a:latin typeface="Arial" panose="020B0604020202020204" pitchFamily="34" charset="0"/>
+                    <a:cs typeface="Arial" panose="020B0604020202020204" pitchFamily="34" charset="0"/>
+                  </a:rPr>
+                  <a:t>Уоссинга</a:t>
+                </a:r>
+                <a:r>
+                  <a:rPr lang="ru-RU" dirty="0" smtClean="0">
+                    <a:latin typeface="Arial" panose="020B0604020202020204" pitchFamily="34" charset="0"/>
+                    <a:cs typeface="Arial" panose="020B0604020202020204" pitchFamily="34" charset="0"/>
+                  </a:rPr>
+                  <a:t> </a:t>
+                </a:r>
+                <a:r>
+                  <a:rPr lang="en-US" dirty="0" smtClean="0">
+                    <a:latin typeface="Arial" panose="020B0604020202020204" pitchFamily="34" charset="0"/>
+                    <a:cs typeface="Arial" panose="020B0604020202020204" pitchFamily="34" charset="0"/>
+                  </a:rPr>
+                  <a:t/>
+                </a:r>
+                <a:br>
+                  <a:rPr lang="en-US" dirty="0" smtClean="0">
+                    <a:latin typeface="Arial" panose="020B0604020202020204" pitchFamily="34" charset="0"/>
+                    <a:cs typeface="Arial" panose="020B0604020202020204" pitchFamily="34" charset="0"/>
+                  </a:rPr>
+                </a:br>
+                <a:r>
+                  <a:rPr lang="en-US" dirty="0" smtClean="0">
+                    <a:latin typeface="Arial" panose="020B0604020202020204" pitchFamily="34" charset="0"/>
+                    <a:cs typeface="Arial" panose="020B0604020202020204" pitchFamily="34" charset="0"/>
+                  </a:rPr>
+                  <a:t>O(</a:t>
+                </a:r>
+                <a14:m>
+                  <m:oMath xmlns:m="http://schemas.openxmlformats.org/officeDocument/2006/math">
+                    <m:rad>
+                      <m:radPr>
+                        <m:degHide m:val="on"/>
+                        <m:ctrlPr>
+                          <a:rPr lang="en-US" i="1" smtClean="0">
+                            <a:latin typeface="Cambria Math" panose="02040503050406030204" pitchFamily="18" charset="0"/>
+                          </a:rPr>
+                        </m:ctrlPr>
+                      </m:radPr>
+                      <m:deg/>
+                      <m:e>
+                        <m:r>
+                          <a:rPr lang="en-US" b="0" i="1" smtClean="0">
+                            <a:latin typeface="Cambria Math" panose="02040503050406030204" pitchFamily="18" charset="0"/>
+                          </a:rPr>
+                          <m:t>𝑁</m:t>
+                        </m:r>
+                      </m:e>
+                    </m:rad>
+                    <m:func>
+                      <m:funcPr>
+                        <m:ctrlPr>
+                          <a:rPr lang="en-US" i="1" smtClean="0">
+                            <a:latin typeface="Cambria Math" panose="02040503050406030204" pitchFamily="18" charset="0"/>
+                          </a:rPr>
+                        </m:ctrlPr>
+                      </m:funcPr>
+                      <m:fName>
+                        <m:r>
+                          <m:rPr>
+                            <m:sty m:val="p"/>
+                          </m:rPr>
+                          <a:rPr lang="en-US" i="0" smtClean="0">
+                            <a:latin typeface="Cambria Math" panose="02040503050406030204" pitchFamily="18" charset="0"/>
+                          </a:rPr>
+                          <m:t>log</m:t>
+                        </m:r>
+                      </m:fName>
+                      <m:e>
+                        <m:r>
+                          <a:rPr lang="en-US" b="0" i="1" smtClean="0">
+                            <a:latin typeface="Cambria Math" panose="02040503050406030204" pitchFamily="18" charset="0"/>
+                          </a:rPr>
+                          <m:t>𝑁</m:t>
+                        </m:r>
+                        <m:sSup>
+                          <m:sSupPr>
+                            <m:ctrlPr>
+                              <a:rPr lang="en-US" b="0" i="1" smtClean="0">
+                                <a:latin typeface="Cambria Math" panose="02040503050406030204" pitchFamily="18" charset="0"/>
+                              </a:rPr>
+                            </m:ctrlPr>
+                          </m:sSupPr>
+                          <m:e>
+                            <m:r>
+                              <a:rPr lang="en-US" b="0" i="1" smtClean="0">
+                                <a:latin typeface="Cambria Math" panose="02040503050406030204" pitchFamily="18" charset="0"/>
+                              </a:rPr>
+                              <m:t>𝑘</m:t>
+                            </m:r>
+                          </m:e>
+                          <m:sup>
+                            <m:r>
+                              <a:rPr lang="en-US" b="0" i="1" smtClean="0">
+                                <a:latin typeface="Cambria Math" panose="02040503050406030204" pitchFamily="18" charset="0"/>
+                              </a:rPr>
+                              <m:t>2</m:t>
+                            </m:r>
+                          </m:sup>
+                        </m:sSup>
+                      </m:e>
+                    </m:func>
+                  </m:oMath>
+                </a14:m>
+                <a:r>
+                  <a:rPr lang="en-US" dirty="0" smtClean="0">
+                    <a:latin typeface="Arial" panose="020B0604020202020204" pitchFamily="34" charset="0"/>
+                    <a:cs typeface="Arial" panose="020B0604020202020204" pitchFamily="34" charset="0"/>
+                  </a:rPr>
+                  <a:t>)</a:t>
+                </a:r>
+                <a:endParaRPr lang="en-US" dirty="0" smtClean="0">
+                  <a:latin typeface="Arial" panose="020B0604020202020204" pitchFamily="34" charset="0"/>
+                  <a:cs typeface="Arial" panose="020B0604020202020204" pitchFamily="34" charset="0"/>
+                </a:endParaRPr>
+              </a:p>
+              <a:p>
+                <a:endParaRPr lang="ru-RU" dirty="0">
+                  <a:latin typeface="Arial" panose="020B0604020202020204" pitchFamily="34" charset="0"/>
+                  <a:cs typeface="Arial" panose="020B0604020202020204" pitchFamily="34" charset="0"/>
+                </a:endParaRPr>
+              </a:p>
+            </p:txBody>
+          </p:sp>
+        </mc:Choice>
+        <mc:Fallback>
+          <p:sp>
+            <p:nvSpPr>
+              <p:cNvPr id="7" name="Объект 6"/>
+              <p:cNvSpPr>
+                <a:spLocks noGrp="1" noRot="1" noChangeAspect="1" noMove="1" noResize="1" noEditPoints="1" noAdjustHandles="1" noChangeArrowheads="1" noChangeShapeType="1" noTextEdit="1"/>
+              </p:cNvSpPr>
+              <p:nvPr>
+                <p:ph sz="quarter" idx="4"/>
+              </p:nvPr>
+            </p:nvSpPr>
+            <p:spPr>
+              <a:blipFill rotWithShape="0">
+                <a:blip r:embed="rId3"/>
+                <a:stretch>
+                  <a:fillRect l="-2118" t="-2980" r="-1059"/>
+                </a:stretch>
+              </a:blipFill>
+            </p:spPr>
+            <p:txBody>
+              <a:bodyPr/>
+              <a:lstStyle/>
+              <a:p>
+                <a:r>
+                  <a:rPr lang="ru-RU">
+                    <a:noFill/>
+                  </a:rPr>
+                  <a:t> </a:t>
+                </a:r>
+              </a:p>
+            </p:txBody>
+          </p:sp>
+        </mc:Fallback>
+      </mc:AlternateContent>
     </p:spTree>
     <p:extLst>
       <p:ext uri="{BB962C8B-B14F-4D97-AF65-F5344CB8AC3E}">
@@ -4743,533 +5562,1757 @@
         </p:nvSpPr>
         <p:spPr>
           <a:xfrm>
-            <a:off x="838200" y="63457"/>
-            <a:ext cx="10515600" cy="1325563"/>
+            <a:off x="1156385" y="164758"/>
+            <a:ext cx="10011034" cy="897924"/>
           </a:xfrm>
         </p:spPr>
         <p:txBody>
-          <a:bodyPr/>
+          <a:bodyPr>
+            <a:normAutofit/>
+          </a:bodyPr>
           <a:lstStyle/>
           <a:p>
             <a:r>
-              <a:rPr lang="ru-RU" dirty="0" smtClean="0"/>
+              <a:rPr lang="ru-RU" sz="4000" dirty="0" smtClean="0">
+                <a:latin typeface="Arial" panose="020B0604020202020204" pitchFamily="34" charset="0"/>
+                <a:cs typeface="Arial" panose="020B0604020202020204" pitchFamily="34" charset="0"/>
+              </a:rPr>
               <a:t>Сравнительный анализ алгоритмов</a:t>
             </a:r>
-            <a:endParaRPr lang="ru-RU" dirty="0"/>
-          </a:p>
-        </p:txBody>
-      </p:sp>
-      <p:graphicFrame>
-        <p:nvGraphicFramePr>
-          <p:cNvPr id="9" name="Объект 8"/>
-          <p:cNvGraphicFramePr>
-            <a:graphicFrameLocks noGrp="1"/>
-          </p:cNvGraphicFramePr>
-          <p:nvPr>
-            <p:ph idx="1"/>
-            <p:extLst>
-              <p:ext uri="{D42A27DB-BD31-4B8C-83A1-F6EECF244321}">
-                <p14:modId xmlns:p14="http://schemas.microsoft.com/office/powerpoint/2010/main" val="2944265686"/>
-              </p:ext>
-            </p:extLst>
-          </p:nvPr>
-        </p:nvGraphicFramePr>
-        <p:xfrm>
-          <a:off x="838198" y="1389020"/>
-          <a:ext cx="10515602" cy="5120640"/>
-        </p:xfrm>
-        <a:graphic>
-          <a:graphicData uri="http://schemas.openxmlformats.org/drawingml/2006/table">
-            <a:tbl>
-              <a:tblPr firstRow="1" bandRow="1">
-                <a:tableStyleId>{D7AC3CCA-C797-4891-BE02-D94E43425B78}</a:tableStyleId>
-              </a:tblPr>
-              <a:tblGrid>
-                <a:gridCol w="3505200"/>
-                <a:gridCol w="2362200"/>
-                <a:gridCol w="2397211"/>
-                <a:gridCol w="2250991"/>
-              </a:tblGrid>
-              <a:tr h="370840">
-                <a:tc>
-                  <a:txBody>
-                    <a:bodyPr/>
-                    <a:lstStyle/>
-                    <a:p>
-                      <a:r>
-                        <a:rPr lang="ru-RU" b="0" dirty="0" smtClean="0"/>
-                        <a:t>Сбалансированность функции(</a:t>
-                      </a:r>
-                      <a:r>
-                        <a:rPr lang="ru-RU" b="0" dirty="0" err="1" smtClean="0"/>
-                        <a:t>детерменированный</a:t>
-                      </a:r>
-                      <a:r>
-                        <a:rPr lang="ru-RU" b="0" dirty="0" smtClean="0"/>
-                        <a:t>)</a:t>
-                      </a:r>
-                      <a:endParaRPr lang="ru-RU" b="0" dirty="0"/>
-                    </a:p>
-                  </a:txBody>
-                  <a:tcPr/>
-                </a:tc>
-                <a:tc>
-                  <a:txBody>
-                    <a:bodyPr/>
-                    <a:lstStyle/>
-                    <a:p>
-                      <a:pPr algn="ctr"/>
-                      <a:r>
-                        <a:rPr lang="en-US" b="0" dirty="0" smtClean="0"/>
-                        <a:t>O(2^(n-1) + 1)</a:t>
-                      </a:r>
-                      <a:endParaRPr lang="ru-RU" b="0" dirty="0"/>
-                    </a:p>
-                  </a:txBody>
-                  <a:tcPr/>
-                </a:tc>
-                <a:tc>
-                  <a:txBody>
-                    <a:bodyPr/>
-                    <a:lstStyle/>
-                    <a:p>
-                      <a:pPr algn="ctr"/>
-                      <a:endParaRPr lang="ru-RU" dirty="0"/>
-                    </a:p>
-                  </a:txBody>
-                  <a:tcPr/>
-                </a:tc>
-                <a:tc>
-                  <a:txBody>
-                    <a:bodyPr/>
-                    <a:lstStyle/>
-                    <a:p>
-                      <a:endParaRPr lang="ru-RU" dirty="0"/>
-                    </a:p>
-                  </a:txBody>
-                  <a:tcPr/>
-                </a:tc>
-              </a:tr>
-              <a:tr h="370840">
-                <a:tc>
-                  <a:txBody>
-                    <a:bodyPr/>
-                    <a:lstStyle/>
-                    <a:p>
-                      <a:r>
-                        <a:rPr lang="ru-RU" dirty="0" smtClean="0"/>
-                        <a:t>Сбалансированность функции(вероятностный)</a:t>
-                      </a:r>
-                      <a:endParaRPr lang="ru-RU" dirty="0"/>
-                    </a:p>
-                  </a:txBody>
-                  <a:tcPr/>
-                </a:tc>
-                <a:tc>
-                  <a:txBody>
-                    <a:bodyPr/>
-                    <a:lstStyle/>
-                    <a:p>
-                      <a:pPr algn="ctr"/>
-                      <a:endParaRPr lang="ru-RU" dirty="0"/>
-                    </a:p>
-                  </a:txBody>
-                  <a:tcPr/>
-                </a:tc>
-                <a:tc>
-                  <a:txBody>
-                    <a:bodyPr/>
-                    <a:lstStyle/>
-                    <a:p>
-                      <a:pPr algn="ctr"/>
-                      <a:endParaRPr lang="ru-RU" dirty="0"/>
-                    </a:p>
-                  </a:txBody>
-                  <a:tcPr/>
-                </a:tc>
-                <a:tc>
-                  <a:txBody>
-                    <a:bodyPr/>
-                    <a:lstStyle/>
-                    <a:p>
-                      <a:r>
-                        <a:rPr lang="ru-RU" dirty="0" smtClean="0"/>
-                        <a:t>С вероятностью 99,9</a:t>
-                      </a:r>
-                      <a:endParaRPr lang="ru-RU" dirty="0"/>
-                    </a:p>
-                  </a:txBody>
-                  <a:tcPr/>
-                </a:tc>
-              </a:tr>
-              <a:tr h="370840">
-                <a:tc>
-                  <a:txBody>
-                    <a:bodyPr/>
-                    <a:lstStyle/>
-                    <a:p>
-                      <a:r>
-                        <a:rPr lang="ru-RU" dirty="0" smtClean="0"/>
-                        <a:t>Алгоритм </a:t>
-                      </a:r>
-                      <a:r>
-                        <a:rPr lang="ru-RU" dirty="0" err="1" smtClean="0"/>
-                        <a:t>Дейча-Джозы</a:t>
-                      </a:r>
-                      <a:endParaRPr lang="ru-RU" dirty="0"/>
-                    </a:p>
-                  </a:txBody>
-                  <a:tcPr/>
-                </a:tc>
-                <a:tc>
-                  <a:txBody>
-                    <a:bodyPr/>
-                    <a:lstStyle/>
-                    <a:p>
-                      <a:pPr marL="0" marR="0" lvl="0" indent="0" algn="ctr" defTabSz="914400" rtl="0" eaLnBrk="1" fontAlgn="auto" latinLnBrk="0" hangingPunct="1">
-                        <a:lnSpc>
-                          <a:spcPct val="100000"/>
-                        </a:lnSpc>
-                        <a:spcBef>
-                          <a:spcPts val="0"/>
-                        </a:spcBef>
-                        <a:spcAft>
-                          <a:spcPts val="0"/>
-                        </a:spcAft>
-                        <a:buClrTx/>
-                        <a:buSzTx/>
-                        <a:buFontTx/>
-                        <a:buNone/>
-                        <a:tabLst/>
-                        <a:defRPr/>
-                      </a:pPr>
-                      <a:r>
-                        <a:rPr lang="en-US" dirty="0" smtClean="0"/>
-                        <a:t>O(1)</a:t>
-                      </a:r>
-                      <a:endParaRPr lang="ru-RU" dirty="0" smtClean="0"/>
-                    </a:p>
-                    <a:p>
-                      <a:pPr algn="ctr"/>
-                      <a:endParaRPr lang="ru-RU" dirty="0"/>
-                    </a:p>
-                  </a:txBody>
-                  <a:tcPr/>
-                </a:tc>
-                <a:tc>
-                  <a:txBody>
-                    <a:bodyPr/>
-                    <a:lstStyle/>
-                    <a:p>
-                      <a:pPr algn="ctr"/>
-                      <a:endParaRPr lang="ru-RU" dirty="0"/>
-                    </a:p>
-                  </a:txBody>
-                  <a:tcPr/>
-                </a:tc>
-                <a:tc>
-                  <a:txBody>
-                    <a:bodyPr/>
-                    <a:lstStyle/>
-                    <a:p>
-                      <a:endParaRPr lang="ru-RU" dirty="0"/>
-                    </a:p>
-                  </a:txBody>
-                  <a:tcPr/>
-                </a:tc>
-              </a:tr>
-              <a:tr h="370840">
-                <a:tc>
-                  <a:txBody>
-                    <a:bodyPr/>
-                    <a:lstStyle/>
-                    <a:p>
-                      <a:r>
-                        <a:rPr lang="ru-RU" dirty="0" smtClean="0"/>
-                        <a:t>Метод квадратичных форм </a:t>
-                      </a:r>
-                      <a:r>
-                        <a:rPr lang="ru-RU" dirty="0" err="1" smtClean="0"/>
-                        <a:t>Шенкса</a:t>
-                      </a:r>
-                      <a:endParaRPr lang="ru-RU" dirty="0"/>
-                    </a:p>
-                  </a:txBody>
-                  <a:tcPr/>
-                </a:tc>
-                <a:tc>
-                  <a:txBody>
-                    <a:bodyPr/>
-                    <a:lstStyle/>
-                    <a:p>
-                      <a:pPr algn="ctr"/>
-                      <a:endParaRPr lang="ru-RU" dirty="0"/>
-                    </a:p>
-                  </a:txBody>
-                  <a:tcPr/>
-                </a:tc>
-                <a:tc>
-                  <a:txBody>
-                    <a:bodyPr/>
-                    <a:lstStyle/>
-                    <a:p>
-                      <a:pPr algn="ctr"/>
-                      <a:endParaRPr lang="ru-RU" dirty="0"/>
-                    </a:p>
-                  </a:txBody>
-                  <a:tcPr/>
-                </a:tc>
-                <a:tc>
-                  <a:txBody>
-                    <a:bodyPr/>
-                    <a:lstStyle/>
-                    <a:p>
-                      <a:endParaRPr lang="ru-RU" dirty="0"/>
-                    </a:p>
-                  </a:txBody>
-                  <a:tcPr/>
-                </a:tc>
-              </a:tr>
-              <a:tr h="370840">
-                <a:tc>
-                  <a:txBody>
-                    <a:bodyPr/>
-                    <a:lstStyle/>
-                    <a:p>
-                      <a:r>
-                        <a:rPr lang="ru-RU" dirty="0" smtClean="0"/>
-                        <a:t>Метод решета числового поля</a:t>
-                      </a:r>
-                      <a:endParaRPr lang="en-US" dirty="0" smtClean="0"/>
-                    </a:p>
-                    <a:p>
-                      <a:endParaRPr lang="ru-RU" dirty="0"/>
-                    </a:p>
-                  </a:txBody>
-                  <a:tcPr/>
-                </a:tc>
-                <a:tc>
-                  <a:txBody>
-                    <a:bodyPr/>
-                    <a:lstStyle/>
-                    <a:p>
-                      <a:pPr algn="ctr"/>
-                      <a:endParaRPr lang="ru-RU" dirty="0"/>
-                    </a:p>
-                  </a:txBody>
-                  <a:tcPr/>
-                </a:tc>
-                <a:tc>
-                  <a:txBody>
-                    <a:bodyPr/>
-                    <a:lstStyle/>
-                    <a:p>
-                      <a:pPr algn="ctr"/>
-                      <a:endParaRPr lang="ru-RU" dirty="0"/>
-                    </a:p>
-                  </a:txBody>
-                  <a:tcPr/>
-                </a:tc>
-                <a:tc>
-                  <a:txBody>
-                    <a:bodyPr/>
-                    <a:lstStyle/>
-                    <a:p>
-                      <a:r>
-                        <a:rPr lang="ru-RU" dirty="0" smtClean="0"/>
-                        <a:t>С вероятностью 1</a:t>
-                      </a:r>
-                      <a:r>
-                        <a:rPr lang="en-US" dirty="0" smtClean="0"/>
-                        <a:t>/2</a:t>
-                      </a:r>
-                      <a:endParaRPr lang="ru-RU" dirty="0"/>
-                    </a:p>
-                  </a:txBody>
-                  <a:tcPr/>
-                </a:tc>
-              </a:tr>
-              <a:tr h="370840">
-                <a:tc>
-                  <a:txBody>
-                    <a:bodyPr/>
-                    <a:lstStyle/>
-                    <a:p>
-                      <a:r>
-                        <a:rPr lang="ru-RU" dirty="0" smtClean="0"/>
-                        <a:t>Алгоритм</a:t>
-                      </a:r>
-                      <a:r>
-                        <a:rPr lang="ru-RU" baseline="0" dirty="0" smtClean="0"/>
-                        <a:t> </a:t>
-                      </a:r>
-                      <a:r>
-                        <a:rPr lang="ru-RU" baseline="0" dirty="0" err="1" smtClean="0"/>
-                        <a:t>Шора</a:t>
-                      </a:r>
-                      <a:endParaRPr lang="en-US" baseline="0" dirty="0" smtClean="0"/>
-                    </a:p>
-                    <a:p>
-                      <a:endParaRPr lang="ru-RU" dirty="0"/>
-                    </a:p>
-                  </a:txBody>
-                  <a:tcPr/>
-                </a:tc>
-                <a:tc>
-                  <a:txBody>
-                    <a:bodyPr/>
-                    <a:lstStyle/>
-                    <a:p>
-                      <a:pPr algn="ctr"/>
-                      <a:r>
-                        <a:rPr lang="en-US" dirty="0" smtClean="0"/>
-                        <a:t>O(log^3(N))</a:t>
-                      </a:r>
-                      <a:endParaRPr lang="ru-RU" dirty="0"/>
-                    </a:p>
-                  </a:txBody>
-                  <a:tcPr/>
-                </a:tc>
-                <a:tc>
-                  <a:txBody>
-                    <a:bodyPr/>
-                    <a:lstStyle/>
-                    <a:p>
-                      <a:pPr algn="ctr"/>
-                      <a:r>
-                        <a:rPr lang="en-US" dirty="0" smtClean="0"/>
-                        <a:t>O(log N) </a:t>
-                      </a:r>
-                      <a:r>
-                        <a:rPr lang="ru-RU" dirty="0" err="1" smtClean="0"/>
-                        <a:t>кубит</a:t>
-                      </a:r>
-                      <a:endParaRPr lang="ru-RU" dirty="0"/>
-                    </a:p>
-                  </a:txBody>
-                  <a:tcPr/>
-                </a:tc>
-                <a:tc>
-                  <a:txBody>
-                    <a:bodyPr/>
-                    <a:lstStyle/>
-                    <a:p>
-                      <a:endParaRPr lang="ru-RU" dirty="0"/>
-                    </a:p>
-                  </a:txBody>
-                  <a:tcPr/>
-                </a:tc>
-              </a:tr>
-              <a:tr h="370840">
-                <a:tc>
-                  <a:txBody>
-                    <a:bodyPr/>
-                    <a:lstStyle/>
-                    <a:p>
-                      <a:r>
-                        <a:rPr lang="ru-RU" dirty="0" smtClean="0"/>
-                        <a:t>Алгоритм ХХЛ</a:t>
-                      </a:r>
-                      <a:endParaRPr lang="en-US" dirty="0" smtClean="0"/>
-                    </a:p>
-                    <a:p>
-                      <a:endParaRPr lang="ru-RU" dirty="0"/>
-                    </a:p>
-                  </a:txBody>
-                  <a:tcPr/>
-                </a:tc>
-                <a:tc>
-                  <a:txBody>
-                    <a:bodyPr/>
-                    <a:lstStyle/>
-                    <a:p>
-                      <a:pPr algn="ctr"/>
-                      <a:endParaRPr lang="ru-RU"/>
-                    </a:p>
-                  </a:txBody>
-                  <a:tcPr/>
-                </a:tc>
-                <a:tc>
-                  <a:txBody>
-                    <a:bodyPr/>
-                    <a:lstStyle/>
-                    <a:p>
-                      <a:pPr algn="ctr"/>
-                      <a:endParaRPr lang="ru-RU" dirty="0"/>
-                    </a:p>
-                  </a:txBody>
-                  <a:tcPr/>
-                </a:tc>
-                <a:tc>
-                  <a:txBody>
-                    <a:bodyPr/>
-                    <a:lstStyle/>
-                    <a:p>
-                      <a:endParaRPr lang="ru-RU" dirty="0"/>
-                    </a:p>
-                  </a:txBody>
-                  <a:tcPr/>
-                </a:tc>
-              </a:tr>
-              <a:tr h="370840">
-                <a:tc>
-                  <a:txBody>
-                    <a:bodyPr/>
-                    <a:lstStyle/>
-                    <a:p>
-                      <a:r>
-                        <a:rPr lang="ru-RU" dirty="0" smtClean="0"/>
-                        <a:t>Разложение Гаусса</a:t>
-                      </a:r>
-                      <a:endParaRPr lang="en-US" dirty="0" smtClean="0"/>
-                    </a:p>
-                    <a:p>
-                      <a:endParaRPr lang="ru-RU" dirty="0"/>
-                    </a:p>
-                  </a:txBody>
-                  <a:tcPr/>
-                </a:tc>
-                <a:tc>
-                  <a:txBody>
-                    <a:bodyPr/>
-                    <a:lstStyle/>
-                    <a:p>
-                      <a:pPr algn="ctr"/>
-                      <a:r>
-                        <a:rPr lang="en-US" dirty="0" smtClean="0"/>
-                        <a:t>O(N^3)</a:t>
-                      </a:r>
-                      <a:endParaRPr lang="ru-RU" dirty="0"/>
-                    </a:p>
-                  </a:txBody>
-                  <a:tcPr/>
-                </a:tc>
-                <a:tc>
-                  <a:txBody>
-                    <a:bodyPr/>
-                    <a:lstStyle/>
-                    <a:p>
-                      <a:pPr algn="ctr"/>
-                      <a:endParaRPr lang="ru-RU" dirty="0"/>
-                    </a:p>
-                  </a:txBody>
-                  <a:tcPr/>
-                </a:tc>
-                <a:tc>
-                  <a:txBody>
-                    <a:bodyPr/>
-                    <a:lstStyle/>
-                    <a:p>
-                      <a:endParaRPr lang="ru-RU" dirty="0"/>
-                    </a:p>
-                  </a:txBody>
-                  <a:tcPr/>
-                </a:tc>
-              </a:tr>
-            </a:tbl>
-          </a:graphicData>
-        </a:graphic>
-      </p:graphicFrame>
+            <a:endParaRPr lang="ru-RU" sz="4000" dirty="0">
+              <a:latin typeface="Arial" panose="020B0604020202020204" pitchFamily="34" charset="0"/>
+              <a:cs typeface="Arial" panose="020B0604020202020204" pitchFamily="34" charset="0"/>
+            </a:endParaRPr>
+          </a:p>
+        </p:txBody>
+      </p:sp>
+      <mc:AlternateContent xmlns:mc="http://schemas.openxmlformats.org/markup-compatibility/2006">
+        <mc:Choice xmlns:a14="http://schemas.microsoft.com/office/drawing/2010/main" Requires="a14">
+          <p:graphicFrame>
+            <p:nvGraphicFramePr>
+              <p:cNvPr id="9" name="Объект 8"/>
+              <p:cNvGraphicFramePr>
+                <a:graphicFrameLocks noGrp="1"/>
+              </p:cNvGraphicFramePr>
+              <p:nvPr>
+                <p:ph idx="1"/>
+                <p:extLst>
+                  <p:ext uri="{D42A27DB-BD31-4B8C-83A1-F6EECF244321}">
+                    <p14:modId xmlns:p14="http://schemas.microsoft.com/office/powerpoint/2010/main" val="1241202706"/>
+                  </p:ext>
+                </p:extLst>
+              </p:nvPr>
+            </p:nvGraphicFramePr>
+            <p:xfrm>
+              <a:off x="970004" y="1227438"/>
+              <a:ext cx="10383796" cy="5125703"/>
+            </p:xfrm>
+            <a:graphic>
+              <a:graphicData uri="http://schemas.openxmlformats.org/drawingml/2006/table">
+                <a:tbl>
+                  <a:tblPr firstRow="1" bandRow="1">
+                    <a:tableStyleId>{D7AC3CCA-C797-4891-BE02-D94E43425B78}</a:tableStyleId>
+                  </a:tblPr>
+                  <a:tblGrid>
+                    <a:gridCol w="4483312"/>
+                    <a:gridCol w="3021363"/>
+                    <a:gridCol w="2879121"/>
+                  </a:tblGrid>
+                  <a:tr h="645143">
+                    <a:tc>
+                      <a:txBody>
+                        <a:bodyPr/>
+                        <a:lstStyle/>
+                        <a:p>
+                          <a:r>
+                            <a:rPr lang="ru-RU" b="0" dirty="0" smtClean="0">
+                              <a:latin typeface="Arial" panose="020B0604020202020204" pitchFamily="34" charset="0"/>
+                              <a:cs typeface="Arial" panose="020B0604020202020204" pitchFamily="34" charset="0"/>
+                            </a:rPr>
+                            <a:t>Сбалансированность </a:t>
+                          </a:r>
+                          <a:r>
+                            <a:rPr lang="ru-RU" b="0" dirty="0" smtClean="0">
+                              <a:latin typeface="Arial" panose="020B0604020202020204" pitchFamily="34" charset="0"/>
+                              <a:cs typeface="Arial" panose="020B0604020202020204" pitchFamily="34" charset="0"/>
+                            </a:rPr>
+                            <a:t>функции(детерминированный</a:t>
+                          </a:r>
+                          <a:r>
+                            <a:rPr lang="ru-RU" b="0" dirty="0" smtClean="0">
+                              <a:latin typeface="Arial" panose="020B0604020202020204" pitchFamily="34" charset="0"/>
+                              <a:cs typeface="Arial" panose="020B0604020202020204" pitchFamily="34" charset="0"/>
+                            </a:rPr>
+                            <a:t>)</a:t>
+                          </a:r>
+                          <a:endParaRPr lang="ru-RU" b="0" dirty="0">
+                            <a:latin typeface="Arial" panose="020B0604020202020204" pitchFamily="34" charset="0"/>
+                            <a:cs typeface="Arial" panose="020B0604020202020204" pitchFamily="34" charset="0"/>
+                          </a:endParaRPr>
+                        </a:p>
+                      </a:txBody>
+                      <a:tcPr/>
+                    </a:tc>
+                    <a:tc>
+                      <a:txBody>
+                        <a:bodyPr/>
+                        <a:lstStyle/>
+                        <a:p>
+                          <a:pPr algn="ctr"/>
+                          <a:r>
+                            <a:rPr lang="en-US" b="0" dirty="0" smtClean="0">
+                              <a:latin typeface="Arial" panose="020B0604020202020204" pitchFamily="34" charset="0"/>
+                              <a:cs typeface="Arial" panose="020B0604020202020204" pitchFamily="34" charset="0"/>
+                            </a:rPr>
+                            <a:t>O(</a:t>
+                          </a:r>
+                          <a14:m>
+                            <m:oMath xmlns:m="http://schemas.openxmlformats.org/officeDocument/2006/math">
+                              <m:sSup>
+                                <m:sSupPr>
+                                  <m:ctrlPr>
+                                    <a:rPr lang="en-US" b="0" i="1" smtClean="0">
+                                      <a:latin typeface="Cambria Math" panose="02040503050406030204" pitchFamily="18" charset="0"/>
+                                    </a:rPr>
+                                  </m:ctrlPr>
+                                </m:sSupPr>
+                                <m:e>
+                                  <m:r>
+                                    <a:rPr lang="en-US" b="0" i="1" smtClean="0">
+                                      <a:latin typeface="Cambria Math" panose="02040503050406030204" pitchFamily="18" charset="0"/>
+                                    </a:rPr>
+                                    <m:t>2</m:t>
+                                  </m:r>
+                                </m:e>
+                                <m:sup>
+                                  <m:r>
+                                    <a:rPr lang="en-US" b="0" i="1" smtClean="0">
+                                      <a:latin typeface="Cambria Math" panose="02040503050406030204" pitchFamily="18" charset="0"/>
+                                    </a:rPr>
+                                    <m:t>𝑛</m:t>
+                                  </m:r>
+                                  <m:r>
+                                    <a:rPr lang="en-US" b="0" i="1" smtClean="0">
+                                      <a:latin typeface="Cambria Math" panose="02040503050406030204" pitchFamily="18" charset="0"/>
+                                    </a:rPr>
+                                    <m:t>−1</m:t>
+                                  </m:r>
+                                </m:sup>
+                              </m:sSup>
+                            </m:oMath>
+                          </a14:m>
+                          <a:r>
+                            <a:rPr lang="en-US" b="0" dirty="0" smtClean="0">
+                              <a:latin typeface="Arial" panose="020B0604020202020204" pitchFamily="34" charset="0"/>
+                              <a:cs typeface="Arial" panose="020B0604020202020204" pitchFamily="34" charset="0"/>
+                            </a:rPr>
+                            <a:t> </a:t>
+                          </a:r>
+                          <a:r>
+                            <a:rPr lang="en-US" b="0" dirty="0" smtClean="0">
+                              <a:latin typeface="Arial" panose="020B0604020202020204" pitchFamily="34" charset="0"/>
+                              <a:cs typeface="Arial" panose="020B0604020202020204" pitchFamily="34" charset="0"/>
+                            </a:rPr>
+                            <a:t>+ 1)</a:t>
+                          </a:r>
+                          <a:endParaRPr lang="ru-RU" b="0" dirty="0">
+                            <a:latin typeface="Arial" panose="020B0604020202020204" pitchFamily="34" charset="0"/>
+                            <a:cs typeface="Arial" panose="020B0604020202020204" pitchFamily="34" charset="0"/>
+                          </a:endParaRPr>
+                        </a:p>
+                      </a:txBody>
+                      <a:tcPr/>
+                    </a:tc>
+                    <a:tc>
+                      <a:txBody>
+                        <a:bodyPr/>
+                        <a:lstStyle/>
+                        <a:p>
+                          <a:endParaRPr lang="ru-RU" dirty="0">
+                            <a:latin typeface="Arial" panose="020B0604020202020204" pitchFamily="34" charset="0"/>
+                            <a:cs typeface="Arial" panose="020B0604020202020204" pitchFamily="34" charset="0"/>
+                          </a:endParaRPr>
+                        </a:p>
+                      </a:txBody>
+                      <a:tcPr/>
+                    </a:tc>
+                  </a:tr>
+                  <a:tr h="370840">
+                    <a:tc>
+                      <a:txBody>
+                        <a:bodyPr/>
+                        <a:lstStyle/>
+                        <a:p>
+                          <a:r>
+                            <a:rPr lang="ru-RU" dirty="0" smtClean="0">
+                              <a:latin typeface="Arial" panose="020B0604020202020204" pitchFamily="34" charset="0"/>
+                              <a:cs typeface="Arial" panose="020B0604020202020204" pitchFamily="34" charset="0"/>
+                            </a:rPr>
+                            <a:t>Сбалансированность функции(вероятностный)</a:t>
+                          </a:r>
+                          <a:endParaRPr lang="ru-RU" dirty="0">
+                            <a:latin typeface="Arial" panose="020B0604020202020204" pitchFamily="34" charset="0"/>
+                            <a:cs typeface="Arial" panose="020B0604020202020204" pitchFamily="34" charset="0"/>
+                          </a:endParaRPr>
+                        </a:p>
+                      </a:txBody>
+                      <a:tcPr/>
+                    </a:tc>
+                    <a:tc>
+                      <a:txBody>
+                        <a:bodyPr/>
+                        <a:lstStyle/>
+                        <a:p>
+                          <a:pPr algn="ctr"/>
+                          <a:r>
+                            <a:rPr lang="en-US" dirty="0" smtClean="0">
+                              <a:latin typeface="Arial" panose="020B0604020202020204" pitchFamily="34" charset="0"/>
+                              <a:cs typeface="Arial" panose="020B0604020202020204" pitchFamily="34" charset="0"/>
+                            </a:rPr>
+                            <a:t>O(log</a:t>
+                          </a:r>
+                          <a14:m>
+                            <m:oMath xmlns:m="http://schemas.openxmlformats.org/officeDocument/2006/math">
+                              <m:f>
+                                <m:fPr>
+                                  <m:ctrlPr>
+                                    <a:rPr lang="en-US" i="1" smtClean="0">
+                                      <a:latin typeface="Cambria Math" panose="02040503050406030204" pitchFamily="18" charset="0"/>
+                                    </a:rPr>
+                                  </m:ctrlPr>
+                                </m:fPr>
+                                <m:num>
+                                  <m:r>
+                                    <a:rPr lang="en-US" b="0" i="1" smtClean="0">
+                                      <a:latin typeface="Cambria Math" panose="02040503050406030204" pitchFamily="18" charset="0"/>
+                                    </a:rPr>
+                                    <m:t>1</m:t>
+                                  </m:r>
+                                </m:num>
+                                <m:den>
+                                  <m:r>
+                                    <a:rPr lang="en-US" b="0" i="1" smtClean="0">
+                                      <a:latin typeface="Cambria Math" panose="02040503050406030204" pitchFamily="18" charset="0"/>
+                                    </a:rPr>
+                                    <m:t>1−</m:t>
+                                  </m:r>
+                                  <m:r>
+                                    <a:rPr lang="en-US" b="0" i="1" smtClean="0">
+                                      <a:latin typeface="Cambria Math" panose="02040503050406030204" pitchFamily="18" charset="0"/>
+                                    </a:rPr>
+                                    <m:t>𝑝</m:t>
+                                  </m:r>
+                                </m:den>
+                              </m:f>
+                            </m:oMath>
+                          </a14:m>
+                          <a:r>
+                            <a:rPr lang="en-US" dirty="0" smtClean="0">
+                              <a:latin typeface="Arial" panose="020B0604020202020204" pitchFamily="34" charset="0"/>
+                              <a:cs typeface="Arial" panose="020B0604020202020204" pitchFamily="34" charset="0"/>
+                            </a:rPr>
+                            <a:t>)</a:t>
+                          </a:r>
+                          <a:endParaRPr lang="ru-RU" dirty="0">
+                            <a:latin typeface="Arial" panose="020B0604020202020204" pitchFamily="34" charset="0"/>
+                            <a:cs typeface="Arial" panose="020B0604020202020204" pitchFamily="34" charset="0"/>
+                          </a:endParaRPr>
+                        </a:p>
+                      </a:txBody>
+                      <a:tcPr/>
+                    </a:tc>
+                    <a:tc>
+                      <a:txBody>
+                        <a:bodyPr/>
+                        <a:lstStyle/>
+                        <a:p>
+                          <a:r>
+                            <a:rPr lang="ru-RU" dirty="0" smtClean="0">
+                              <a:latin typeface="Arial" panose="020B0604020202020204" pitchFamily="34" charset="0"/>
+                              <a:cs typeface="Arial" panose="020B0604020202020204" pitchFamily="34" charset="0"/>
+                            </a:rPr>
+                            <a:t>Вероятность</a:t>
+                          </a:r>
+                          <a:r>
+                            <a:rPr lang="ru-RU" baseline="0" dirty="0" smtClean="0">
+                              <a:latin typeface="Arial" panose="020B0604020202020204" pitchFamily="34" charset="0"/>
+                              <a:cs typeface="Arial" panose="020B0604020202020204" pitchFamily="34" charset="0"/>
+                            </a:rPr>
+                            <a:t> 99,9 при 14 вызовах</a:t>
+                          </a:r>
+                          <a:endParaRPr lang="ru-RU" dirty="0">
+                            <a:latin typeface="Arial" panose="020B0604020202020204" pitchFamily="34" charset="0"/>
+                            <a:cs typeface="Arial" panose="020B0604020202020204" pitchFamily="34" charset="0"/>
+                          </a:endParaRPr>
+                        </a:p>
+                      </a:txBody>
+                      <a:tcPr/>
+                    </a:tc>
+                  </a:tr>
+                  <a:tr h="370840">
+                    <a:tc>
+                      <a:txBody>
+                        <a:bodyPr/>
+                        <a:lstStyle/>
+                        <a:p>
+                          <a:r>
+                            <a:rPr lang="ru-RU" dirty="0" smtClean="0">
+                              <a:latin typeface="Arial" panose="020B0604020202020204" pitchFamily="34" charset="0"/>
+                              <a:cs typeface="Arial" panose="020B0604020202020204" pitchFamily="34" charset="0"/>
+                            </a:rPr>
+                            <a:t>Алгоритм </a:t>
+                          </a:r>
+                          <a:r>
+                            <a:rPr lang="ru-RU" dirty="0" err="1" smtClean="0">
+                              <a:latin typeface="Arial" panose="020B0604020202020204" pitchFamily="34" charset="0"/>
+                              <a:cs typeface="Arial" panose="020B0604020202020204" pitchFamily="34" charset="0"/>
+                            </a:rPr>
+                            <a:t>Дейча-Джозы</a:t>
+                          </a:r>
+                          <a:endParaRPr lang="ru-RU" dirty="0">
+                            <a:latin typeface="Arial" panose="020B0604020202020204" pitchFamily="34" charset="0"/>
+                            <a:cs typeface="Arial" panose="020B0604020202020204" pitchFamily="34" charset="0"/>
+                          </a:endParaRPr>
+                        </a:p>
+                      </a:txBody>
+                      <a:tcPr/>
+                    </a:tc>
+                    <a:tc>
+                      <a:txBody>
+                        <a:bodyPr/>
+                        <a:lstStyle/>
+                        <a:p>
+                          <a:pPr marL="0" marR="0" lvl="0" indent="0" algn="ctr" defTabSz="914400" rtl="0" eaLnBrk="1" fontAlgn="auto" latinLnBrk="0" hangingPunct="1">
+                            <a:lnSpc>
+                              <a:spcPct val="100000"/>
+                            </a:lnSpc>
+                            <a:spcBef>
+                              <a:spcPts val="0"/>
+                            </a:spcBef>
+                            <a:spcAft>
+                              <a:spcPts val="0"/>
+                            </a:spcAft>
+                            <a:buClrTx/>
+                            <a:buSzTx/>
+                            <a:buFontTx/>
+                            <a:buNone/>
+                            <a:tabLst/>
+                            <a:defRPr/>
+                          </a:pPr>
+                          <a:r>
+                            <a:rPr lang="en-US" dirty="0" smtClean="0">
+                              <a:latin typeface="Arial" panose="020B0604020202020204" pitchFamily="34" charset="0"/>
+                              <a:cs typeface="Arial" panose="020B0604020202020204" pitchFamily="34" charset="0"/>
+                            </a:rPr>
+                            <a:t>O(1)</a:t>
+                          </a:r>
+                          <a:endParaRPr lang="ru-RU" dirty="0" smtClean="0">
+                            <a:latin typeface="Arial" panose="020B0604020202020204" pitchFamily="34" charset="0"/>
+                            <a:cs typeface="Arial" panose="020B0604020202020204" pitchFamily="34" charset="0"/>
+                          </a:endParaRPr>
+                        </a:p>
+                        <a:p>
+                          <a:pPr algn="ctr"/>
+                          <a:endParaRPr lang="ru-RU" dirty="0">
+                            <a:latin typeface="Arial" panose="020B0604020202020204" pitchFamily="34" charset="0"/>
+                            <a:cs typeface="Arial" panose="020B0604020202020204" pitchFamily="34" charset="0"/>
+                          </a:endParaRPr>
+                        </a:p>
+                      </a:txBody>
+                      <a:tcPr/>
+                    </a:tc>
+                    <a:tc>
+                      <a:txBody>
+                        <a:bodyPr/>
+                        <a:lstStyle/>
+                        <a:p>
+                          <a:endParaRPr lang="ru-RU" dirty="0">
+                            <a:latin typeface="Arial" panose="020B0604020202020204" pitchFamily="34" charset="0"/>
+                            <a:cs typeface="Arial" panose="020B0604020202020204" pitchFamily="34" charset="0"/>
+                          </a:endParaRPr>
+                        </a:p>
+                      </a:txBody>
+                      <a:tcPr/>
+                    </a:tc>
+                  </a:tr>
+                  <a:tr h="370840">
+                    <a:tc>
+                      <a:txBody>
+                        <a:bodyPr/>
+                        <a:lstStyle/>
+                        <a:p>
+                          <a:r>
+                            <a:rPr lang="ru-RU" dirty="0" smtClean="0">
+                              <a:latin typeface="Arial" panose="020B0604020202020204" pitchFamily="34" charset="0"/>
+                              <a:cs typeface="Arial" panose="020B0604020202020204" pitchFamily="34" charset="0"/>
+                            </a:rPr>
+                            <a:t>Метод квадратичных форм </a:t>
+                          </a:r>
+                          <a:r>
+                            <a:rPr lang="ru-RU" dirty="0" err="1" smtClean="0">
+                              <a:latin typeface="Arial" panose="020B0604020202020204" pitchFamily="34" charset="0"/>
+                              <a:cs typeface="Arial" panose="020B0604020202020204" pitchFamily="34" charset="0"/>
+                            </a:rPr>
+                            <a:t>Шенкса</a:t>
+                          </a:r>
+                          <a:endParaRPr lang="ru-RU" dirty="0" smtClean="0">
+                            <a:latin typeface="Arial" panose="020B0604020202020204" pitchFamily="34" charset="0"/>
+                            <a:cs typeface="Arial" panose="020B0604020202020204" pitchFamily="34" charset="0"/>
+                          </a:endParaRPr>
+                        </a:p>
+                        <a:p>
+                          <a:endParaRPr lang="ru-RU" dirty="0">
+                            <a:latin typeface="Arial" panose="020B0604020202020204" pitchFamily="34" charset="0"/>
+                            <a:cs typeface="Arial" panose="020B0604020202020204" pitchFamily="34" charset="0"/>
+                          </a:endParaRPr>
+                        </a:p>
+                      </a:txBody>
+                      <a:tcPr/>
+                    </a:tc>
+                    <a:tc>
+                      <a:txBody>
+                        <a:bodyPr/>
+                        <a:lstStyle/>
+                        <a:p>
+                          <a:pPr algn="ctr"/>
+                          <a:r>
+                            <a:rPr lang="en-US" sz="1800" b="0" i="0" u="none" strike="noStrike" kern="1200" dirty="0" smtClean="0">
+                              <a:solidFill>
+                                <a:schemeClr val="dk1"/>
+                              </a:solidFill>
+                              <a:effectLst/>
+                              <a:latin typeface="Arial" panose="020B0604020202020204" pitchFamily="34" charset="0"/>
+                              <a:ea typeface="+mn-ea"/>
+                              <a:cs typeface="Arial" panose="020B0604020202020204" pitchFamily="34" charset="0"/>
+                            </a:rPr>
+                            <a:t>O(</a:t>
+                          </a:r>
+                          <a14:m>
+                            <m:oMath xmlns:m="http://schemas.openxmlformats.org/officeDocument/2006/math">
+                              <m:sSup>
+                                <m:sSupPr>
+                                  <m:ctrlPr>
+                                    <a:rPr lang="en-US" sz="1800" b="0" i="1" u="none" strike="noStrike" kern="1200" smtClean="0">
+                                      <a:solidFill>
+                                        <a:schemeClr val="dk1"/>
+                                      </a:solidFill>
+                                      <a:effectLst/>
+                                      <a:latin typeface="Cambria Math" panose="02040503050406030204" pitchFamily="18" charset="0"/>
+                                      <a:ea typeface="+mn-ea"/>
+                                      <a:cs typeface="+mn-cs"/>
+                                    </a:rPr>
+                                  </m:ctrlPr>
+                                </m:sSupPr>
+                                <m:e>
+                                  <m:r>
+                                    <a:rPr lang="en-US" sz="1800" b="0" i="1" u="none" strike="noStrike" kern="1200" smtClean="0">
+                                      <a:solidFill>
+                                        <a:schemeClr val="dk1"/>
+                                      </a:solidFill>
+                                      <a:effectLst/>
+                                      <a:latin typeface="Cambria Math" panose="02040503050406030204" pitchFamily="18" charset="0"/>
+                                      <a:ea typeface="+mn-ea"/>
+                                      <a:cs typeface="+mn-cs"/>
+                                    </a:rPr>
+                                    <m:t>𝑛</m:t>
+                                  </m:r>
+                                </m:e>
+                                <m:sup>
+                                  <m:f>
+                                    <m:fPr>
+                                      <m:ctrlPr>
+                                        <a:rPr lang="en-US" sz="1800" b="0" i="1" u="none" strike="noStrike" kern="1200" smtClean="0">
+                                          <a:solidFill>
+                                            <a:schemeClr val="dk1"/>
+                                          </a:solidFill>
+                                          <a:effectLst/>
+                                          <a:latin typeface="Cambria Math" panose="02040503050406030204" pitchFamily="18" charset="0"/>
+                                          <a:ea typeface="+mn-ea"/>
+                                          <a:cs typeface="+mn-cs"/>
+                                        </a:rPr>
+                                      </m:ctrlPr>
+                                    </m:fPr>
+                                    <m:num>
+                                      <m:r>
+                                        <a:rPr lang="en-US" sz="1800" b="0" i="1" u="none" strike="noStrike" kern="1200" smtClean="0">
+                                          <a:solidFill>
+                                            <a:schemeClr val="dk1"/>
+                                          </a:solidFill>
+                                          <a:effectLst/>
+                                          <a:latin typeface="Cambria Math" panose="02040503050406030204" pitchFamily="18" charset="0"/>
+                                          <a:ea typeface="+mn-ea"/>
+                                          <a:cs typeface="+mn-cs"/>
+                                        </a:rPr>
+                                        <m:t>1</m:t>
+                                      </m:r>
+                                    </m:num>
+                                    <m:den>
+                                      <m:r>
+                                        <a:rPr lang="en-US" sz="1800" b="0" i="1" u="none" strike="noStrike" kern="1200" smtClean="0">
+                                          <a:solidFill>
+                                            <a:schemeClr val="dk1"/>
+                                          </a:solidFill>
+                                          <a:effectLst/>
+                                          <a:latin typeface="Cambria Math" panose="02040503050406030204" pitchFamily="18" charset="0"/>
+                                          <a:ea typeface="+mn-ea"/>
+                                          <a:cs typeface="+mn-cs"/>
+                                        </a:rPr>
+                                        <m:t>5</m:t>
+                                      </m:r>
+                                    </m:den>
+                                  </m:f>
+                                  <m:r>
+                                    <a:rPr lang="en-US" sz="1800" b="0" i="1" u="none" strike="noStrike" kern="1200" smtClean="0">
+                                      <a:solidFill>
+                                        <a:schemeClr val="dk1"/>
+                                      </a:solidFill>
+                                      <a:effectLst/>
+                                      <a:latin typeface="Cambria Math" panose="02040503050406030204" pitchFamily="18" charset="0"/>
+                                      <a:ea typeface="+mn-ea"/>
+                                      <a:cs typeface="+mn-cs"/>
+                                    </a:rPr>
+                                    <m:t>+</m:t>
+                                  </m:r>
+                                  <m:r>
+                                    <m:rPr>
+                                      <m:nor/>
+                                    </m:rPr>
+                                    <a:rPr lang="el-GR" sz="1800" b="0" i="0" u="none" strike="noStrike" kern="1200" dirty="0" smtClean="0">
+                                      <a:solidFill>
+                                        <a:schemeClr val="dk1"/>
+                                      </a:solidFill>
+                                      <a:effectLst/>
+                                      <a:latin typeface="Arial" panose="020B0604020202020204" pitchFamily="34" charset="0"/>
+                                      <a:ea typeface="+mn-ea"/>
+                                      <a:cs typeface="Arial" panose="020B0604020202020204" pitchFamily="34" charset="0"/>
+                                    </a:rPr>
+                                    <m:t>ε</m:t>
+                                  </m:r>
+                                </m:sup>
+                              </m:sSup>
+                            </m:oMath>
+                          </a14:m>
+                          <a:r>
+                            <a:rPr lang="el-GR" sz="1800" b="0" i="0" u="none" strike="noStrike" kern="1200" dirty="0" smtClean="0">
+                              <a:solidFill>
+                                <a:schemeClr val="dk1"/>
+                              </a:solidFill>
+                              <a:effectLst/>
+                              <a:latin typeface="Arial" panose="020B0604020202020204" pitchFamily="34" charset="0"/>
+                              <a:ea typeface="+mn-ea"/>
+                              <a:cs typeface="Arial" panose="020B0604020202020204" pitchFamily="34" charset="0"/>
+                            </a:rPr>
+                            <a:t>)</a:t>
+                          </a:r>
+                          <a:endParaRPr lang="ru-RU" dirty="0">
+                            <a:latin typeface="Arial" panose="020B0604020202020204" pitchFamily="34" charset="0"/>
+                            <a:cs typeface="Arial" panose="020B0604020202020204" pitchFamily="34" charset="0"/>
+                          </a:endParaRPr>
+                        </a:p>
+                      </a:txBody>
+                      <a:tcPr/>
+                    </a:tc>
+                    <a:tc>
+                      <a:txBody>
+                        <a:bodyPr/>
+                        <a:lstStyle/>
+                        <a:p>
+                          <a:endParaRPr lang="ru-RU" dirty="0">
+                            <a:latin typeface="Arial" panose="020B0604020202020204" pitchFamily="34" charset="0"/>
+                            <a:cs typeface="Arial" panose="020B0604020202020204" pitchFamily="34" charset="0"/>
+                          </a:endParaRPr>
+                        </a:p>
+                      </a:txBody>
+                      <a:tcPr/>
+                    </a:tc>
+                  </a:tr>
+                  <a:tr h="370840">
+                    <a:tc>
+                      <a:txBody>
+                        <a:bodyPr/>
+                        <a:lstStyle/>
+                        <a:p>
+                          <a:r>
+                            <a:rPr lang="ru-RU" dirty="0" smtClean="0">
+                              <a:latin typeface="Arial" panose="020B0604020202020204" pitchFamily="34" charset="0"/>
+                              <a:cs typeface="Arial" panose="020B0604020202020204" pitchFamily="34" charset="0"/>
+                            </a:rPr>
+                            <a:t>Метод решета числового поля</a:t>
+                          </a:r>
+                          <a:endParaRPr lang="en-US" dirty="0" smtClean="0">
+                            <a:latin typeface="Arial" panose="020B0604020202020204" pitchFamily="34" charset="0"/>
+                            <a:cs typeface="Arial" panose="020B0604020202020204" pitchFamily="34" charset="0"/>
+                          </a:endParaRPr>
+                        </a:p>
+                        <a:p>
+                          <a:endParaRPr lang="ru-RU" dirty="0">
+                            <a:latin typeface="Arial" panose="020B0604020202020204" pitchFamily="34" charset="0"/>
+                            <a:cs typeface="Arial" panose="020B0604020202020204" pitchFamily="34" charset="0"/>
+                          </a:endParaRPr>
+                        </a:p>
+                      </a:txBody>
+                      <a:tcPr/>
+                    </a:tc>
+                    <a:tc>
+                      <a:txBody>
+                        <a:bodyPr/>
+                        <a:lstStyle/>
+                        <a:p>
+                          <a:pPr algn="ctr"/>
+                          <a:r>
+                            <a:rPr lang="en-US" dirty="0" smtClean="0">
+                              <a:latin typeface="Arial" panose="020B0604020202020204" pitchFamily="34" charset="0"/>
+                              <a:cs typeface="Arial" panose="020B0604020202020204" pitchFamily="34" charset="0"/>
+                            </a:rPr>
+                            <a:t>exp(</a:t>
+                          </a:r>
+                          <a14:m>
+                            <m:oMath xmlns:m="http://schemas.openxmlformats.org/officeDocument/2006/math">
+                              <m:sSup>
+                                <m:sSupPr>
+                                  <m:ctrlPr>
+                                    <a:rPr lang="en-US" i="1" smtClean="0">
+                                      <a:latin typeface="Cambria Math" panose="02040503050406030204" pitchFamily="18" charset="0"/>
+                                    </a:rPr>
+                                  </m:ctrlPr>
+                                </m:sSupPr>
+                                <m:e>
+                                  <m:r>
+                                    <a:rPr lang="en-US" b="0" i="1" smtClean="0">
+                                      <a:latin typeface="Cambria Math" panose="02040503050406030204" pitchFamily="18" charset="0"/>
+                                    </a:rPr>
+                                    <m:t>(</m:t>
+                                  </m:r>
+                                  <m:f>
+                                    <m:fPr>
+                                      <m:ctrlPr>
+                                        <a:rPr lang="en-US" i="1" smtClean="0">
+                                          <a:latin typeface="Cambria Math" panose="02040503050406030204" pitchFamily="18" charset="0"/>
+                                        </a:rPr>
+                                      </m:ctrlPr>
+                                    </m:fPr>
+                                    <m:num>
+                                      <m:r>
+                                        <a:rPr lang="en-US" b="0" i="1" smtClean="0">
+                                          <a:latin typeface="Cambria Math" panose="02040503050406030204" pitchFamily="18" charset="0"/>
+                                        </a:rPr>
+                                        <m:t>32</m:t>
+                                      </m:r>
+                                    </m:num>
+                                    <m:den>
+                                      <m:r>
+                                        <a:rPr lang="en-US" b="0" i="1" smtClean="0">
+                                          <a:latin typeface="Cambria Math" panose="02040503050406030204" pitchFamily="18" charset="0"/>
+                                        </a:rPr>
+                                        <m:t>9</m:t>
+                                      </m:r>
+                                    </m:den>
+                                  </m:f>
+                                  <m:r>
+                                    <a:rPr lang="en-US" b="0" i="1" smtClean="0">
+                                      <a:latin typeface="Cambria Math" panose="02040503050406030204" pitchFamily="18" charset="0"/>
+                                    </a:rPr>
+                                    <m:t> </m:t>
+                                  </m:r>
+                                  <m:func>
+                                    <m:funcPr>
+                                      <m:ctrlPr>
+                                        <a:rPr lang="en-US" b="0" i="1" smtClean="0">
+                                          <a:latin typeface="Cambria Math" panose="02040503050406030204" pitchFamily="18" charset="0"/>
+                                        </a:rPr>
+                                      </m:ctrlPr>
+                                    </m:funcPr>
+                                    <m:fName>
+                                      <m:r>
+                                        <m:rPr>
+                                          <m:sty m:val="p"/>
+                                        </m:rPr>
+                                        <a:rPr lang="en-US" b="0" i="0" smtClean="0">
+                                          <a:latin typeface="Cambria Math" panose="02040503050406030204" pitchFamily="18" charset="0"/>
+                                        </a:rPr>
+                                        <m:t>log</m:t>
+                                      </m:r>
+                                    </m:fName>
+                                    <m:e>
+                                      <m:r>
+                                        <a:rPr lang="en-US" b="0" i="1" smtClean="0">
+                                          <a:latin typeface="Cambria Math" panose="02040503050406030204" pitchFamily="18" charset="0"/>
+                                        </a:rPr>
+                                        <m:t>𝑁</m:t>
+                                      </m:r>
+                                    </m:e>
+                                  </m:func>
+                                  <m:r>
+                                    <a:rPr lang="en-US" b="0" i="1" smtClean="0">
+                                      <a:latin typeface="Cambria Math" panose="02040503050406030204" pitchFamily="18" charset="0"/>
+                                    </a:rPr>
+                                    <m:t>)</m:t>
+                                  </m:r>
+                                </m:e>
+                                <m:sup>
+                                  <m:f>
+                                    <m:fPr>
+                                      <m:ctrlPr>
+                                        <a:rPr lang="en-US" i="1" smtClean="0">
+                                          <a:latin typeface="Cambria Math" panose="02040503050406030204" pitchFamily="18" charset="0"/>
+                                        </a:rPr>
+                                      </m:ctrlPr>
+                                    </m:fPr>
+                                    <m:num>
+                                      <m:r>
+                                        <a:rPr lang="en-US" b="0" i="1" smtClean="0">
+                                          <a:latin typeface="Cambria Math" panose="02040503050406030204" pitchFamily="18" charset="0"/>
+                                        </a:rPr>
+                                        <m:t>1</m:t>
+                                      </m:r>
+                                    </m:num>
+                                    <m:den>
+                                      <m:r>
+                                        <a:rPr lang="en-US" b="0" i="1" smtClean="0">
+                                          <a:latin typeface="Cambria Math" panose="02040503050406030204" pitchFamily="18" charset="0"/>
+                                        </a:rPr>
+                                        <m:t>3</m:t>
+                                      </m:r>
+                                    </m:den>
+                                  </m:f>
+                                </m:sup>
+                              </m:sSup>
+                            </m:oMath>
+                          </a14:m>
+                          <a:r>
+                            <a:rPr lang="en-US" dirty="0" smtClean="0">
+                              <a:latin typeface="Arial" panose="020B0604020202020204" pitchFamily="34" charset="0"/>
+                              <a:cs typeface="Arial" panose="020B0604020202020204" pitchFamily="34" charset="0"/>
+                            </a:rPr>
+                            <a:t> *</a:t>
+                          </a:r>
+                          <a14:m>
+                            <m:oMath xmlns:m="http://schemas.openxmlformats.org/officeDocument/2006/math">
+                              <m:sSup>
+                                <m:sSupPr>
+                                  <m:ctrlPr>
+                                    <a:rPr lang="en-US" i="1" dirty="0" smtClean="0">
+                                      <a:latin typeface="Cambria Math" panose="02040503050406030204" pitchFamily="18" charset="0"/>
+                                    </a:rPr>
+                                  </m:ctrlPr>
+                                </m:sSupPr>
+                                <m:e>
+                                  <m:func>
+                                    <m:funcPr>
+                                      <m:ctrlPr>
+                                        <a:rPr lang="en-US" i="1" smtClean="0">
+                                          <a:latin typeface="Cambria Math" panose="02040503050406030204" pitchFamily="18" charset="0"/>
+                                        </a:rPr>
+                                      </m:ctrlPr>
+                                    </m:funcPr>
+                                    <m:fName>
+                                      <m:r>
+                                        <m:rPr>
+                                          <m:sty m:val="p"/>
+                                        </m:rPr>
+                                        <a:rPr lang="en-US" i="0" smtClean="0">
+                                          <a:latin typeface="Cambria Math" panose="02040503050406030204" pitchFamily="18" charset="0"/>
+                                        </a:rPr>
+                                        <m:t>log</m:t>
+                                      </m:r>
+                                    </m:fName>
+                                    <m:e>
+                                      <m:func>
+                                        <m:funcPr>
+                                          <m:ctrlPr>
+                                            <a:rPr lang="en-US" i="1" smtClean="0">
+                                              <a:latin typeface="Cambria Math" panose="02040503050406030204" pitchFamily="18" charset="0"/>
+                                            </a:rPr>
+                                          </m:ctrlPr>
+                                        </m:funcPr>
+                                        <m:fName>
+                                          <m:r>
+                                            <m:rPr>
+                                              <m:sty m:val="p"/>
+                                            </m:rPr>
+                                            <a:rPr lang="en-US" i="0" smtClean="0">
+                                              <a:latin typeface="Cambria Math" panose="02040503050406030204" pitchFamily="18" charset="0"/>
+                                            </a:rPr>
+                                            <m:t>log</m:t>
+                                          </m:r>
+                                        </m:fName>
+                                        <m:e>
+                                          <m:r>
+                                            <a:rPr lang="en-US" b="0" i="1" smtClean="0">
+                                              <a:latin typeface="Cambria Math" panose="02040503050406030204" pitchFamily="18" charset="0"/>
+                                            </a:rPr>
+                                            <m:t>𝑁</m:t>
+                                          </m:r>
+                                        </m:e>
+                                      </m:func>
+                                    </m:e>
+                                  </m:func>
+                                </m:e>
+                                <m:sup>
+                                  <m:f>
+                                    <m:fPr>
+                                      <m:ctrlPr>
+                                        <a:rPr lang="en-US" i="1" dirty="0" smtClean="0">
+                                          <a:latin typeface="Cambria Math" panose="02040503050406030204" pitchFamily="18" charset="0"/>
+                                        </a:rPr>
+                                      </m:ctrlPr>
+                                    </m:fPr>
+                                    <m:num>
+                                      <m:r>
+                                        <a:rPr lang="en-US" b="0" i="1" dirty="0" smtClean="0">
+                                          <a:latin typeface="Cambria Math" panose="02040503050406030204" pitchFamily="18" charset="0"/>
+                                        </a:rPr>
+                                        <m:t>2</m:t>
+                                      </m:r>
+                                    </m:num>
+                                    <m:den>
+                                      <m:r>
+                                        <a:rPr lang="en-US" b="0" i="1" dirty="0" smtClean="0">
+                                          <a:latin typeface="Cambria Math" panose="02040503050406030204" pitchFamily="18" charset="0"/>
+                                        </a:rPr>
+                                        <m:t>3</m:t>
+                                      </m:r>
+                                    </m:den>
+                                  </m:f>
+                                </m:sup>
+                              </m:sSup>
+                            </m:oMath>
+                          </a14:m>
+                          <a:r>
+                            <a:rPr lang="en-US" dirty="0" smtClean="0">
+                              <a:latin typeface="Arial" panose="020B0604020202020204" pitchFamily="34" charset="0"/>
+                              <a:cs typeface="Arial" panose="020B0604020202020204" pitchFamily="34" charset="0"/>
+                            </a:rPr>
+                            <a:t>)</a:t>
+                          </a:r>
+                          <a:endParaRPr lang="ru-RU" dirty="0">
+                            <a:latin typeface="Arial" panose="020B0604020202020204" pitchFamily="34" charset="0"/>
+                            <a:cs typeface="Arial" panose="020B0604020202020204" pitchFamily="34" charset="0"/>
+                          </a:endParaRPr>
+                        </a:p>
+                      </a:txBody>
+                      <a:tcPr/>
+                    </a:tc>
+                    <a:tc>
+                      <a:txBody>
+                        <a:bodyPr/>
+                        <a:lstStyle/>
+                        <a:p>
+                          <a:r>
+                            <a:rPr lang="ru-RU" dirty="0" smtClean="0">
+                              <a:latin typeface="Arial" panose="020B0604020202020204" pitchFamily="34" charset="0"/>
+                              <a:cs typeface="Arial" panose="020B0604020202020204" pitchFamily="34" charset="0"/>
+                            </a:rPr>
+                            <a:t>С вероятностью 1</a:t>
+                          </a:r>
+                          <a:r>
+                            <a:rPr lang="en-US" dirty="0" smtClean="0">
+                              <a:latin typeface="Arial" panose="020B0604020202020204" pitchFamily="34" charset="0"/>
+                              <a:cs typeface="Arial" panose="020B0604020202020204" pitchFamily="34" charset="0"/>
+                            </a:rPr>
+                            <a:t>/2</a:t>
+                          </a:r>
+                          <a:endParaRPr lang="ru-RU" dirty="0">
+                            <a:latin typeface="Arial" panose="020B0604020202020204" pitchFamily="34" charset="0"/>
+                            <a:cs typeface="Arial" panose="020B0604020202020204" pitchFamily="34" charset="0"/>
+                          </a:endParaRPr>
+                        </a:p>
+                      </a:txBody>
+                      <a:tcPr/>
+                    </a:tc>
+                  </a:tr>
+                  <a:tr h="370840">
+                    <a:tc>
+                      <a:txBody>
+                        <a:bodyPr/>
+                        <a:lstStyle/>
+                        <a:p>
+                          <a:r>
+                            <a:rPr lang="ru-RU" dirty="0" smtClean="0">
+                              <a:latin typeface="Arial" panose="020B0604020202020204" pitchFamily="34" charset="0"/>
+                              <a:cs typeface="Arial" panose="020B0604020202020204" pitchFamily="34" charset="0"/>
+                            </a:rPr>
+                            <a:t>Алгоритм</a:t>
+                          </a:r>
+                          <a:r>
+                            <a:rPr lang="ru-RU" baseline="0" dirty="0" smtClean="0">
+                              <a:latin typeface="Arial" panose="020B0604020202020204" pitchFamily="34" charset="0"/>
+                              <a:cs typeface="Arial" panose="020B0604020202020204" pitchFamily="34" charset="0"/>
+                            </a:rPr>
+                            <a:t> </a:t>
+                          </a:r>
+                          <a:r>
+                            <a:rPr lang="ru-RU" baseline="0" dirty="0" err="1" smtClean="0">
+                              <a:latin typeface="Arial" panose="020B0604020202020204" pitchFamily="34" charset="0"/>
+                              <a:cs typeface="Arial" panose="020B0604020202020204" pitchFamily="34" charset="0"/>
+                            </a:rPr>
+                            <a:t>Шора</a:t>
+                          </a:r>
+                          <a:endParaRPr lang="en-US" baseline="0" dirty="0" smtClean="0">
+                            <a:latin typeface="Arial" panose="020B0604020202020204" pitchFamily="34" charset="0"/>
+                            <a:cs typeface="Arial" panose="020B0604020202020204" pitchFamily="34" charset="0"/>
+                          </a:endParaRPr>
+                        </a:p>
+                        <a:p>
+                          <a:endParaRPr lang="ru-RU" dirty="0">
+                            <a:latin typeface="Arial" panose="020B0604020202020204" pitchFamily="34" charset="0"/>
+                            <a:cs typeface="Arial" panose="020B0604020202020204" pitchFamily="34" charset="0"/>
+                          </a:endParaRPr>
+                        </a:p>
+                      </a:txBody>
+                      <a:tcPr/>
+                    </a:tc>
+                    <a:tc>
+                      <a:txBody>
+                        <a:bodyPr/>
+                        <a:lstStyle/>
+                        <a:p>
+                          <a:pPr algn="ctr"/>
+                          <a:r>
+                            <a:rPr lang="en-US" dirty="0" smtClean="0">
+                              <a:latin typeface="Arial" panose="020B0604020202020204" pitchFamily="34" charset="0"/>
+                              <a:cs typeface="Arial" panose="020B0604020202020204" pitchFamily="34" charset="0"/>
+                            </a:rPr>
+                            <a:t>O(log^3(N))</a:t>
+                          </a:r>
+                          <a:endParaRPr lang="ru-RU" dirty="0">
+                            <a:latin typeface="Arial" panose="020B0604020202020204" pitchFamily="34" charset="0"/>
+                            <a:cs typeface="Arial" panose="020B0604020202020204" pitchFamily="34" charset="0"/>
+                          </a:endParaRPr>
+                        </a:p>
+                      </a:txBody>
+                      <a:tcPr/>
+                    </a:tc>
+                    <a:tc>
+                      <a:txBody>
+                        <a:bodyPr/>
+                        <a:lstStyle/>
+                        <a:p>
+                          <a:endParaRPr lang="ru-RU" dirty="0">
+                            <a:latin typeface="Arial" panose="020B0604020202020204" pitchFamily="34" charset="0"/>
+                            <a:cs typeface="Arial" panose="020B0604020202020204" pitchFamily="34" charset="0"/>
+                          </a:endParaRPr>
+                        </a:p>
+                      </a:txBody>
+                      <a:tcPr/>
+                    </a:tc>
+                  </a:tr>
+                  <a:tr h="370840">
+                    <a:tc>
+                      <a:txBody>
+                        <a:bodyPr/>
+                        <a:lstStyle/>
+                        <a:p>
+                          <a:r>
+                            <a:rPr lang="ru-RU" dirty="0" smtClean="0">
+                              <a:latin typeface="Arial" panose="020B0604020202020204" pitchFamily="34" charset="0"/>
+                              <a:cs typeface="Arial" panose="020B0604020202020204" pitchFamily="34" charset="0"/>
+                            </a:rPr>
+                            <a:t>Алгоритм ХХЛ</a:t>
+                          </a:r>
+                          <a:endParaRPr lang="en-US" dirty="0" smtClean="0">
+                            <a:latin typeface="Arial" panose="020B0604020202020204" pitchFamily="34" charset="0"/>
+                            <a:cs typeface="Arial" panose="020B0604020202020204" pitchFamily="34" charset="0"/>
+                          </a:endParaRPr>
+                        </a:p>
+                        <a:p>
+                          <a:endParaRPr lang="ru-RU" dirty="0">
+                            <a:latin typeface="Arial" panose="020B0604020202020204" pitchFamily="34" charset="0"/>
+                            <a:cs typeface="Arial" panose="020B0604020202020204" pitchFamily="34" charset="0"/>
+                          </a:endParaRPr>
+                        </a:p>
+                      </a:txBody>
+                      <a:tcPr/>
+                    </a:tc>
+                    <a:tc>
+                      <a:txBody>
+                        <a:bodyPr/>
+                        <a:lstStyle/>
+                        <a:p>
+                          <a:pPr algn="ctr"/>
+                          <a:r>
+                            <a:rPr lang="en-US" dirty="0" smtClean="0">
+                              <a:latin typeface="Arial" panose="020B0604020202020204" pitchFamily="34" charset="0"/>
+                              <a:cs typeface="Arial" panose="020B0604020202020204" pitchFamily="34" charset="0"/>
+                            </a:rPr>
+                            <a:t>O(N</a:t>
+                          </a:r>
+                          <a14:m>
+                            <m:oMath xmlns:m="http://schemas.openxmlformats.org/officeDocument/2006/math">
+                              <m:func>
+                                <m:funcPr>
+                                  <m:ctrlPr>
+                                    <a:rPr lang="en-US" i="1" smtClean="0">
+                                      <a:latin typeface="Cambria Math" panose="02040503050406030204" pitchFamily="18" charset="0"/>
+                                    </a:rPr>
+                                  </m:ctrlPr>
+                                </m:funcPr>
+                                <m:fName>
+                                  <m:r>
+                                    <m:rPr>
+                                      <m:sty m:val="p"/>
+                                    </m:rPr>
+                                    <a:rPr lang="en-US" i="0" smtClean="0">
+                                      <a:latin typeface="Cambria Math" panose="02040503050406030204" pitchFamily="18" charset="0"/>
+                                    </a:rPr>
+                                    <m:t>log</m:t>
+                                  </m:r>
+                                </m:fName>
+                                <m:e>
+                                  <m:r>
+                                    <a:rPr lang="en-US" b="0" i="1" smtClean="0">
+                                      <a:latin typeface="Cambria Math" panose="02040503050406030204" pitchFamily="18" charset="0"/>
+                                    </a:rPr>
+                                    <m:t>𝑁</m:t>
+                                  </m:r>
+                                </m:e>
+                              </m:func>
+                              <m:sSup>
+                                <m:sSupPr>
+                                  <m:ctrlPr>
+                                    <a:rPr lang="en-US" i="1" smtClean="0">
+                                      <a:latin typeface="Cambria Math" panose="02040503050406030204" pitchFamily="18" charset="0"/>
+                                    </a:rPr>
+                                  </m:ctrlPr>
+                                </m:sSupPr>
+                                <m:e>
+                                  <m:r>
+                                    <a:rPr lang="en-US" b="0" i="1" smtClean="0">
+                                      <a:latin typeface="Cambria Math" panose="02040503050406030204" pitchFamily="18" charset="0"/>
+                                    </a:rPr>
+                                    <m:t>𝑘</m:t>
+                                  </m:r>
+                                </m:e>
+                                <m:sup>
+                                  <m:r>
+                                    <a:rPr lang="en-US" b="0" i="1" smtClean="0">
+                                      <a:latin typeface="Cambria Math" panose="02040503050406030204" pitchFamily="18" charset="0"/>
+                                    </a:rPr>
+                                    <m:t>2</m:t>
+                                  </m:r>
+                                </m:sup>
+                              </m:sSup>
+                            </m:oMath>
+                          </a14:m>
+                          <a:r>
+                            <a:rPr lang="en-US" dirty="0" smtClean="0">
+                              <a:latin typeface="Arial" panose="020B0604020202020204" pitchFamily="34" charset="0"/>
+                              <a:cs typeface="Arial" panose="020B0604020202020204" pitchFamily="34" charset="0"/>
+                            </a:rPr>
+                            <a:t>)</a:t>
+                          </a:r>
+                          <a:endParaRPr lang="ru-RU" dirty="0">
+                            <a:latin typeface="Arial" panose="020B0604020202020204" pitchFamily="34" charset="0"/>
+                            <a:cs typeface="Arial" panose="020B0604020202020204" pitchFamily="34" charset="0"/>
+                          </a:endParaRPr>
+                        </a:p>
+                      </a:txBody>
+                      <a:tcPr/>
+                    </a:tc>
+                    <a:tc>
+                      <a:txBody>
+                        <a:bodyPr/>
+                        <a:lstStyle/>
+                        <a:p>
+                          <a:endParaRPr lang="ru-RU" dirty="0">
+                            <a:latin typeface="Arial" panose="020B0604020202020204" pitchFamily="34" charset="0"/>
+                            <a:cs typeface="Arial" panose="020B0604020202020204" pitchFamily="34" charset="0"/>
+                          </a:endParaRPr>
+                        </a:p>
+                      </a:txBody>
+                      <a:tcPr/>
+                    </a:tc>
+                  </a:tr>
+                  <a:tr h="370840">
+                    <a:tc>
+                      <a:txBody>
+                        <a:bodyPr/>
+                        <a:lstStyle/>
+                        <a:p>
+                          <a:r>
+                            <a:rPr lang="ru-RU" dirty="0" smtClean="0">
+                              <a:latin typeface="Arial" panose="020B0604020202020204" pitchFamily="34" charset="0"/>
+                              <a:cs typeface="Arial" panose="020B0604020202020204" pitchFamily="34" charset="0"/>
+                            </a:rPr>
+                            <a:t>Разложение Гаусса</a:t>
+                          </a:r>
+                          <a:endParaRPr lang="en-US" dirty="0" smtClean="0">
+                            <a:latin typeface="Arial" panose="020B0604020202020204" pitchFamily="34" charset="0"/>
+                            <a:cs typeface="Arial" panose="020B0604020202020204" pitchFamily="34" charset="0"/>
+                          </a:endParaRPr>
+                        </a:p>
+                        <a:p>
+                          <a:endParaRPr lang="ru-RU" dirty="0">
+                            <a:latin typeface="Arial" panose="020B0604020202020204" pitchFamily="34" charset="0"/>
+                            <a:cs typeface="Arial" panose="020B0604020202020204" pitchFamily="34" charset="0"/>
+                          </a:endParaRPr>
+                        </a:p>
+                      </a:txBody>
+                      <a:tcPr/>
+                    </a:tc>
+                    <a:tc>
+                      <a:txBody>
+                        <a:bodyPr/>
+                        <a:lstStyle/>
+                        <a:p>
+                          <a:pPr algn="ctr"/>
+                          <a:r>
+                            <a:rPr lang="en-US" dirty="0" smtClean="0">
+                              <a:latin typeface="Arial" panose="020B0604020202020204" pitchFamily="34" charset="0"/>
+                              <a:cs typeface="Arial" panose="020B0604020202020204" pitchFamily="34" charset="0"/>
+                            </a:rPr>
+                            <a:t>O</a:t>
+                          </a:r>
+                          <a:r>
+                            <a:rPr lang="ru-RU" dirty="0" smtClean="0">
+                              <a:latin typeface="Arial" panose="020B0604020202020204" pitchFamily="34" charset="0"/>
+                              <a:cs typeface="Arial" panose="020B0604020202020204" pitchFamily="34" charset="0"/>
+                            </a:rPr>
+                            <a:t>(</a:t>
+                          </a:r>
+                          <a14:m>
+                            <m:oMath xmlns:m="http://schemas.openxmlformats.org/officeDocument/2006/math">
+                              <m:sSup>
+                                <m:sSupPr>
+                                  <m:ctrlPr>
+                                    <a:rPr lang="ru-RU" i="1" smtClean="0">
+                                      <a:latin typeface="Cambria Math" panose="02040503050406030204" pitchFamily="18" charset="0"/>
+                                    </a:rPr>
+                                  </m:ctrlPr>
+                                </m:sSupPr>
+                                <m:e>
+                                  <m:r>
+                                    <a:rPr lang="en-US" b="0" i="1" smtClean="0">
+                                      <a:latin typeface="Cambria Math" panose="02040503050406030204" pitchFamily="18" charset="0"/>
+                                    </a:rPr>
+                                    <m:t>𝑁</m:t>
+                                  </m:r>
+                                </m:e>
+                                <m:sup>
+                                  <m:r>
+                                    <a:rPr lang="en-US" b="0" i="1" smtClean="0">
+                                      <a:latin typeface="Cambria Math" panose="02040503050406030204" pitchFamily="18" charset="0"/>
+                                    </a:rPr>
+                                    <m:t>3</m:t>
+                                  </m:r>
+                                </m:sup>
+                              </m:sSup>
+                            </m:oMath>
+                          </a14:m>
+                          <a:r>
+                            <a:rPr lang="en-US" dirty="0" smtClean="0">
+                              <a:latin typeface="Arial" panose="020B0604020202020204" pitchFamily="34" charset="0"/>
+                              <a:cs typeface="Arial" panose="020B0604020202020204" pitchFamily="34" charset="0"/>
+                            </a:rPr>
+                            <a:t>)</a:t>
+                          </a:r>
+                        </a:p>
+                      </a:txBody>
+                      <a:tcPr/>
+                    </a:tc>
+                    <a:tc>
+                      <a:txBody>
+                        <a:bodyPr/>
+                        <a:lstStyle/>
+                        <a:p>
+                          <a:endParaRPr lang="ru-RU" dirty="0">
+                            <a:latin typeface="Arial" panose="020B0604020202020204" pitchFamily="34" charset="0"/>
+                            <a:cs typeface="Arial" panose="020B0604020202020204" pitchFamily="34" charset="0"/>
+                          </a:endParaRPr>
+                        </a:p>
+                      </a:txBody>
+                      <a:tcPr/>
+                    </a:tc>
+                  </a:tr>
+                </a:tbl>
+              </a:graphicData>
+            </a:graphic>
+          </p:graphicFrame>
+        </mc:Choice>
+        <mc:Fallback>
+          <p:graphicFrame>
+            <p:nvGraphicFramePr>
+              <p:cNvPr id="9" name="Объект 8"/>
+              <p:cNvGraphicFramePr>
+                <a:graphicFrameLocks noGrp="1"/>
+              </p:cNvGraphicFramePr>
+              <p:nvPr>
+                <p:ph idx="1"/>
+                <p:extLst>
+                  <p:ext uri="{D42A27DB-BD31-4B8C-83A1-F6EECF244321}">
+                    <p14:modId xmlns:p14="http://schemas.microsoft.com/office/powerpoint/2010/main" val="1241202706"/>
+                  </p:ext>
+                </p:extLst>
+              </p:nvPr>
+            </p:nvGraphicFramePr>
+            <p:xfrm>
+              <a:off x="970004" y="1227438"/>
+              <a:ext cx="10383796" cy="5125703"/>
+            </p:xfrm>
+            <a:graphic>
+              <a:graphicData uri="http://schemas.openxmlformats.org/drawingml/2006/table">
+                <a:tbl>
+                  <a:tblPr firstRow="1" bandRow="1">
+                    <a:tableStyleId>{D7AC3CCA-C797-4891-BE02-D94E43425B78}</a:tableStyleId>
+                  </a:tblPr>
+                  <a:tblGrid>
+                    <a:gridCol w="4483312"/>
+                    <a:gridCol w="3021363"/>
+                    <a:gridCol w="2879121"/>
+                  </a:tblGrid>
+                  <a:tr h="645143">
+                    <a:tc>
+                      <a:txBody>
+                        <a:bodyPr/>
+                        <a:lstStyle/>
+                        <a:p>
+                          <a:r>
+                            <a:rPr lang="ru-RU" b="0" dirty="0" smtClean="0">
+                              <a:latin typeface="Arial" panose="020B0604020202020204" pitchFamily="34" charset="0"/>
+                              <a:cs typeface="Arial" panose="020B0604020202020204" pitchFamily="34" charset="0"/>
+                            </a:rPr>
+                            <a:t>Сбалансированность </a:t>
+                          </a:r>
+                          <a:r>
+                            <a:rPr lang="ru-RU" b="0" dirty="0" smtClean="0">
+                              <a:latin typeface="Arial" panose="020B0604020202020204" pitchFamily="34" charset="0"/>
+                              <a:cs typeface="Arial" panose="020B0604020202020204" pitchFamily="34" charset="0"/>
+                            </a:rPr>
+                            <a:t>функции(детерминированный</a:t>
+                          </a:r>
+                          <a:r>
+                            <a:rPr lang="ru-RU" b="0" dirty="0" smtClean="0">
+                              <a:latin typeface="Arial" panose="020B0604020202020204" pitchFamily="34" charset="0"/>
+                              <a:cs typeface="Arial" panose="020B0604020202020204" pitchFamily="34" charset="0"/>
+                            </a:rPr>
+                            <a:t>)</a:t>
+                          </a:r>
+                          <a:endParaRPr lang="ru-RU" b="0" dirty="0">
+                            <a:latin typeface="Arial" panose="020B0604020202020204" pitchFamily="34" charset="0"/>
+                            <a:cs typeface="Arial" panose="020B0604020202020204" pitchFamily="34" charset="0"/>
+                          </a:endParaRPr>
+                        </a:p>
+                      </a:txBody>
+                      <a:tcPr/>
+                    </a:tc>
+                    <a:tc>
+                      <a:txBody>
+                        <a:bodyPr/>
+                        <a:lstStyle/>
+                        <a:p>
+                          <a:endParaRPr lang="ru-RU"/>
+                        </a:p>
+                      </a:txBody>
+                      <a:tcPr>
+                        <a:blipFill rotWithShape="0">
+                          <a:blip r:embed="rId2"/>
+                          <a:stretch>
+                            <a:fillRect l="-148589" t="-4717" r="-95565" b="-696226"/>
+                          </a:stretch>
+                        </a:blipFill>
+                      </a:tcPr>
+                    </a:tc>
+                    <a:tc>
+                      <a:txBody>
+                        <a:bodyPr/>
+                        <a:lstStyle/>
+                        <a:p>
+                          <a:endParaRPr lang="ru-RU" dirty="0">
+                            <a:latin typeface="Arial" panose="020B0604020202020204" pitchFamily="34" charset="0"/>
+                            <a:cs typeface="Arial" panose="020B0604020202020204" pitchFamily="34" charset="0"/>
+                          </a:endParaRPr>
+                        </a:p>
+                      </a:txBody>
+                      <a:tcPr/>
+                    </a:tc>
+                  </a:tr>
+                  <a:tr h="640080">
+                    <a:tc>
+                      <a:txBody>
+                        <a:bodyPr/>
+                        <a:lstStyle/>
+                        <a:p>
+                          <a:r>
+                            <a:rPr lang="ru-RU" dirty="0" smtClean="0">
+                              <a:latin typeface="Arial" panose="020B0604020202020204" pitchFamily="34" charset="0"/>
+                              <a:cs typeface="Arial" panose="020B0604020202020204" pitchFamily="34" charset="0"/>
+                            </a:rPr>
+                            <a:t>Сбалансированность функции(вероятностный)</a:t>
+                          </a:r>
+                          <a:endParaRPr lang="ru-RU" dirty="0">
+                            <a:latin typeface="Arial" panose="020B0604020202020204" pitchFamily="34" charset="0"/>
+                            <a:cs typeface="Arial" panose="020B0604020202020204" pitchFamily="34" charset="0"/>
+                          </a:endParaRPr>
+                        </a:p>
+                      </a:txBody>
+                      <a:tcPr/>
+                    </a:tc>
+                    <a:tc>
+                      <a:txBody>
+                        <a:bodyPr/>
+                        <a:lstStyle/>
+                        <a:p>
+                          <a:endParaRPr lang="ru-RU"/>
+                        </a:p>
+                      </a:txBody>
+                      <a:tcPr>
+                        <a:blipFill rotWithShape="0">
+                          <a:blip r:embed="rId2"/>
+                          <a:stretch>
+                            <a:fillRect l="-148589" t="-105714" r="-95565" b="-602857"/>
+                          </a:stretch>
+                        </a:blipFill>
+                      </a:tcPr>
+                    </a:tc>
+                    <a:tc>
+                      <a:txBody>
+                        <a:bodyPr/>
+                        <a:lstStyle/>
+                        <a:p>
+                          <a:r>
+                            <a:rPr lang="ru-RU" dirty="0" smtClean="0">
+                              <a:latin typeface="Arial" panose="020B0604020202020204" pitchFamily="34" charset="0"/>
+                              <a:cs typeface="Arial" panose="020B0604020202020204" pitchFamily="34" charset="0"/>
+                            </a:rPr>
+                            <a:t>Вероятность</a:t>
+                          </a:r>
+                          <a:r>
+                            <a:rPr lang="ru-RU" baseline="0" dirty="0" smtClean="0">
+                              <a:latin typeface="Arial" panose="020B0604020202020204" pitchFamily="34" charset="0"/>
+                              <a:cs typeface="Arial" panose="020B0604020202020204" pitchFamily="34" charset="0"/>
+                            </a:rPr>
+                            <a:t> 99,9 при 14 вызовах</a:t>
+                          </a:r>
+                          <a:endParaRPr lang="ru-RU" dirty="0">
+                            <a:latin typeface="Arial" panose="020B0604020202020204" pitchFamily="34" charset="0"/>
+                            <a:cs typeface="Arial" panose="020B0604020202020204" pitchFamily="34" charset="0"/>
+                          </a:endParaRPr>
+                        </a:p>
+                      </a:txBody>
+                      <a:tcPr/>
+                    </a:tc>
+                  </a:tr>
+                  <a:tr h="640080">
+                    <a:tc>
+                      <a:txBody>
+                        <a:bodyPr/>
+                        <a:lstStyle/>
+                        <a:p>
+                          <a:r>
+                            <a:rPr lang="ru-RU" dirty="0" smtClean="0">
+                              <a:latin typeface="Arial" panose="020B0604020202020204" pitchFamily="34" charset="0"/>
+                              <a:cs typeface="Arial" panose="020B0604020202020204" pitchFamily="34" charset="0"/>
+                            </a:rPr>
+                            <a:t>Алгоритм </a:t>
+                          </a:r>
+                          <a:r>
+                            <a:rPr lang="ru-RU" dirty="0" err="1" smtClean="0">
+                              <a:latin typeface="Arial" panose="020B0604020202020204" pitchFamily="34" charset="0"/>
+                              <a:cs typeface="Arial" panose="020B0604020202020204" pitchFamily="34" charset="0"/>
+                            </a:rPr>
+                            <a:t>Дейча-Джозы</a:t>
+                          </a:r>
+                          <a:endParaRPr lang="ru-RU" dirty="0">
+                            <a:latin typeface="Arial" panose="020B0604020202020204" pitchFamily="34" charset="0"/>
+                            <a:cs typeface="Arial" panose="020B0604020202020204" pitchFamily="34" charset="0"/>
+                          </a:endParaRPr>
+                        </a:p>
+                      </a:txBody>
+                      <a:tcPr/>
+                    </a:tc>
+                    <a:tc>
+                      <a:txBody>
+                        <a:bodyPr/>
+                        <a:lstStyle/>
+                        <a:p>
+                          <a:pPr marL="0" marR="0" lvl="0" indent="0" algn="ctr" defTabSz="914400" rtl="0" eaLnBrk="1" fontAlgn="auto" latinLnBrk="0" hangingPunct="1">
+                            <a:lnSpc>
+                              <a:spcPct val="100000"/>
+                            </a:lnSpc>
+                            <a:spcBef>
+                              <a:spcPts val="0"/>
+                            </a:spcBef>
+                            <a:spcAft>
+                              <a:spcPts val="0"/>
+                            </a:spcAft>
+                            <a:buClrTx/>
+                            <a:buSzTx/>
+                            <a:buFontTx/>
+                            <a:buNone/>
+                            <a:tabLst/>
+                            <a:defRPr/>
+                          </a:pPr>
+                          <a:r>
+                            <a:rPr lang="en-US" dirty="0" smtClean="0">
+                              <a:latin typeface="Arial" panose="020B0604020202020204" pitchFamily="34" charset="0"/>
+                              <a:cs typeface="Arial" panose="020B0604020202020204" pitchFamily="34" charset="0"/>
+                            </a:rPr>
+                            <a:t>O(1)</a:t>
+                          </a:r>
+                          <a:endParaRPr lang="ru-RU" dirty="0" smtClean="0">
+                            <a:latin typeface="Arial" panose="020B0604020202020204" pitchFamily="34" charset="0"/>
+                            <a:cs typeface="Arial" panose="020B0604020202020204" pitchFamily="34" charset="0"/>
+                          </a:endParaRPr>
+                        </a:p>
+                        <a:p>
+                          <a:pPr algn="ctr"/>
+                          <a:endParaRPr lang="ru-RU" dirty="0">
+                            <a:latin typeface="Arial" panose="020B0604020202020204" pitchFamily="34" charset="0"/>
+                            <a:cs typeface="Arial" panose="020B0604020202020204" pitchFamily="34" charset="0"/>
+                          </a:endParaRPr>
+                        </a:p>
+                      </a:txBody>
+                      <a:tcPr/>
+                    </a:tc>
+                    <a:tc>
+                      <a:txBody>
+                        <a:bodyPr/>
+                        <a:lstStyle/>
+                        <a:p>
+                          <a:endParaRPr lang="ru-RU" dirty="0">
+                            <a:latin typeface="Arial" panose="020B0604020202020204" pitchFamily="34" charset="0"/>
+                            <a:cs typeface="Arial" panose="020B0604020202020204" pitchFamily="34" charset="0"/>
+                          </a:endParaRPr>
+                        </a:p>
+                      </a:txBody>
+                      <a:tcPr/>
+                    </a:tc>
+                  </a:tr>
+                  <a:tr h="640080">
+                    <a:tc>
+                      <a:txBody>
+                        <a:bodyPr/>
+                        <a:lstStyle/>
+                        <a:p>
+                          <a:r>
+                            <a:rPr lang="ru-RU" dirty="0" smtClean="0">
+                              <a:latin typeface="Arial" panose="020B0604020202020204" pitchFamily="34" charset="0"/>
+                              <a:cs typeface="Arial" panose="020B0604020202020204" pitchFamily="34" charset="0"/>
+                            </a:rPr>
+                            <a:t>Метод квадратичных форм </a:t>
+                          </a:r>
+                          <a:r>
+                            <a:rPr lang="ru-RU" dirty="0" err="1" smtClean="0">
+                              <a:latin typeface="Arial" panose="020B0604020202020204" pitchFamily="34" charset="0"/>
+                              <a:cs typeface="Arial" panose="020B0604020202020204" pitchFamily="34" charset="0"/>
+                            </a:rPr>
+                            <a:t>Шенкса</a:t>
+                          </a:r>
+                          <a:endParaRPr lang="ru-RU" dirty="0" smtClean="0">
+                            <a:latin typeface="Arial" panose="020B0604020202020204" pitchFamily="34" charset="0"/>
+                            <a:cs typeface="Arial" panose="020B0604020202020204" pitchFamily="34" charset="0"/>
+                          </a:endParaRPr>
+                        </a:p>
+                        <a:p>
+                          <a:endParaRPr lang="ru-RU" dirty="0">
+                            <a:latin typeface="Arial" panose="020B0604020202020204" pitchFamily="34" charset="0"/>
+                            <a:cs typeface="Arial" panose="020B0604020202020204" pitchFamily="34" charset="0"/>
+                          </a:endParaRPr>
+                        </a:p>
+                      </a:txBody>
+                      <a:tcPr/>
+                    </a:tc>
+                    <a:tc>
+                      <a:txBody>
+                        <a:bodyPr/>
+                        <a:lstStyle/>
+                        <a:p>
+                          <a:endParaRPr lang="ru-RU"/>
+                        </a:p>
+                      </a:txBody>
+                      <a:tcPr>
+                        <a:blipFill rotWithShape="0">
+                          <a:blip r:embed="rId2"/>
+                          <a:stretch>
+                            <a:fillRect l="-148589" t="-305714" r="-95565" b="-402857"/>
+                          </a:stretch>
+                        </a:blipFill>
+                      </a:tcPr>
+                    </a:tc>
+                    <a:tc>
+                      <a:txBody>
+                        <a:bodyPr/>
+                        <a:lstStyle/>
+                        <a:p>
+                          <a:endParaRPr lang="ru-RU" dirty="0">
+                            <a:latin typeface="Arial" panose="020B0604020202020204" pitchFamily="34" charset="0"/>
+                            <a:cs typeface="Arial" panose="020B0604020202020204" pitchFamily="34" charset="0"/>
+                          </a:endParaRPr>
+                        </a:p>
+                      </a:txBody>
+                      <a:tcPr/>
+                    </a:tc>
+                  </a:tr>
+                  <a:tr h="640080">
+                    <a:tc>
+                      <a:txBody>
+                        <a:bodyPr/>
+                        <a:lstStyle/>
+                        <a:p>
+                          <a:r>
+                            <a:rPr lang="ru-RU" dirty="0" smtClean="0">
+                              <a:latin typeface="Arial" panose="020B0604020202020204" pitchFamily="34" charset="0"/>
+                              <a:cs typeface="Arial" panose="020B0604020202020204" pitchFamily="34" charset="0"/>
+                            </a:rPr>
+                            <a:t>Метод решета числового поля</a:t>
+                          </a:r>
+                          <a:endParaRPr lang="en-US" dirty="0" smtClean="0">
+                            <a:latin typeface="Arial" panose="020B0604020202020204" pitchFamily="34" charset="0"/>
+                            <a:cs typeface="Arial" panose="020B0604020202020204" pitchFamily="34" charset="0"/>
+                          </a:endParaRPr>
+                        </a:p>
+                        <a:p>
+                          <a:endParaRPr lang="ru-RU" dirty="0">
+                            <a:latin typeface="Arial" panose="020B0604020202020204" pitchFamily="34" charset="0"/>
+                            <a:cs typeface="Arial" panose="020B0604020202020204" pitchFamily="34" charset="0"/>
+                          </a:endParaRPr>
+                        </a:p>
+                      </a:txBody>
+                      <a:tcPr/>
+                    </a:tc>
+                    <a:tc>
+                      <a:txBody>
+                        <a:bodyPr/>
+                        <a:lstStyle/>
+                        <a:p>
+                          <a:endParaRPr lang="ru-RU"/>
+                        </a:p>
+                      </a:txBody>
+                      <a:tcPr>
+                        <a:blipFill rotWithShape="0">
+                          <a:blip r:embed="rId2"/>
+                          <a:stretch>
+                            <a:fillRect l="-148589" t="-401887" r="-95565" b="-299057"/>
+                          </a:stretch>
+                        </a:blipFill>
+                      </a:tcPr>
+                    </a:tc>
+                    <a:tc>
+                      <a:txBody>
+                        <a:bodyPr/>
+                        <a:lstStyle/>
+                        <a:p>
+                          <a:r>
+                            <a:rPr lang="ru-RU" dirty="0" smtClean="0">
+                              <a:latin typeface="Arial" panose="020B0604020202020204" pitchFamily="34" charset="0"/>
+                              <a:cs typeface="Arial" panose="020B0604020202020204" pitchFamily="34" charset="0"/>
+                            </a:rPr>
+                            <a:t>С вероятностью 1</a:t>
+                          </a:r>
+                          <a:r>
+                            <a:rPr lang="en-US" dirty="0" smtClean="0">
+                              <a:latin typeface="Arial" panose="020B0604020202020204" pitchFamily="34" charset="0"/>
+                              <a:cs typeface="Arial" panose="020B0604020202020204" pitchFamily="34" charset="0"/>
+                            </a:rPr>
+                            <a:t>/2</a:t>
+                          </a:r>
+                          <a:endParaRPr lang="ru-RU" dirty="0">
+                            <a:latin typeface="Arial" panose="020B0604020202020204" pitchFamily="34" charset="0"/>
+                            <a:cs typeface="Arial" panose="020B0604020202020204" pitchFamily="34" charset="0"/>
+                          </a:endParaRPr>
+                        </a:p>
+                      </a:txBody>
+                      <a:tcPr/>
+                    </a:tc>
+                  </a:tr>
+                  <a:tr h="640080">
+                    <a:tc>
+                      <a:txBody>
+                        <a:bodyPr/>
+                        <a:lstStyle/>
+                        <a:p>
+                          <a:r>
+                            <a:rPr lang="ru-RU" dirty="0" smtClean="0">
+                              <a:latin typeface="Arial" panose="020B0604020202020204" pitchFamily="34" charset="0"/>
+                              <a:cs typeface="Arial" panose="020B0604020202020204" pitchFamily="34" charset="0"/>
+                            </a:rPr>
+                            <a:t>Алгоритм</a:t>
+                          </a:r>
+                          <a:r>
+                            <a:rPr lang="ru-RU" baseline="0" dirty="0" smtClean="0">
+                              <a:latin typeface="Arial" panose="020B0604020202020204" pitchFamily="34" charset="0"/>
+                              <a:cs typeface="Arial" panose="020B0604020202020204" pitchFamily="34" charset="0"/>
+                            </a:rPr>
+                            <a:t> </a:t>
+                          </a:r>
+                          <a:r>
+                            <a:rPr lang="ru-RU" baseline="0" dirty="0" err="1" smtClean="0">
+                              <a:latin typeface="Arial" panose="020B0604020202020204" pitchFamily="34" charset="0"/>
+                              <a:cs typeface="Arial" panose="020B0604020202020204" pitchFamily="34" charset="0"/>
+                            </a:rPr>
+                            <a:t>Шора</a:t>
+                          </a:r>
+                          <a:endParaRPr lang="en-US" baseline="0" dirty="0" smtClean="0">
+                            <a:latin typeface="Arial" panose="020B0604020202020204" pitchFamily="34" charset="0"/>
+                            <a:cs typeface="Arial" panose="020B0604020202020204" pitchFamily="34" charset="0"/>
+                          </a:endParaRPr>
+                        </a:p>
+                        <a:p>
+                          <a:endParaRPr lang="ru-RU" dirty="0">
+                            <a:latin typeface="Arial" panose="020B0604020202020204" pitchFamily="34" charset="0"/>
+                            <a:cs typeface="Arial" panose="020B0604020202020204" pitchFamily="34" charset="0"/>
+                          </a:endParaRPr>
+                        </a:p>
+                      </a:txBody>
+                      <a:tcPr/>
+                    </a:tc>
+                    <a:tc>
+                      <a:txBody>
+                        <a:bodyPr/>
+                        <a:lstStyle/>
+                        <a:p>
+                          <a:pPr algn="ctr"/>
+                          <a:r>
+                            <a:rPr lang="en-US" dirty="0" smtClean="0">
+                              <a:latin typeface="Arial" panose="020B0604020202020204" pitchFamily="34" charset="0"/>
+                              <a:cs typeface="Arial" panose="020B0604020202020204" pitchFamily="34" charset="0"/>
+                            </a:rPr>
+                            <a:t>O(log^3(N))</a:t>
+                          </a:r>
+                          <a:endParaRPr lang="ru-RU" dirty="0">
+                            <a:latin typeface="Arial" panose="020B0604020202020204" pitchFamily="34" charset="0"/>
+                            <a:cs typeface="Arial" panose="020B0604020202020204" pitchFamily="34" charset="0"/>
+                          </a:endParaRPr>
+                        </a:p>
+                      </a:txBody>
+                      <a:tcPr/>
+                    </a:tc>
+                    <a:tc>
+                      <a:txBody>
+                        <a:bodyPr/>
+                        <a:lstStyle/>
+                        <a:p>
+                          <a:endParaRPr lang="ru-RU" dirty="0">
+                            <a:latin typeface="Arial" panose="020B0604020202020204" pitchFamily="34" charset="0"/>
+                            <a:cs typeface="Arial" panose="020B0604020202020204" pitchFamily="34" charset="0"/>
+                          </a:endParaRPr>
+                        </a:p>
+                      </a:txBody>
+                      <a:tcPr/>
+                    </a:tc>
+                  </a:tr>
+                  <a:tr h="640080">
+                    <a:tc>
+                      <a:txBody>
+                        <a:bodyPr/>
+                        <a:lstStyle/>
+                        <a:p>
+                          <a:r>
+                            <a:rPr lang="ru-RU" dirty="0" smtClean="0">
+                              <a:latin typeface="Arial" panose="020B0604020202020204" pitchFamily="34" charset="0"/>
+                              <a:cs typeface="Arial" panose="020B0604020202020204" pitchFamily="34" charset="0"/>
+                            </a:rPr>
+                            <a:t>Алгоритм ХХЛ</a:t>
+                          </a:r>
+                          <a:endParaRPr lang="en-US" dirty="0" smtClean="0">
+                            <a:latin typeface="Arial" panose="020B0604020202020204" pitchFamily="34" charset="0"/>
+                            <a:cs typeface="Arial" panose="020B0604020202020204" pitchFamily="34" charset="0"/>
+                          </a:endParaRPr>
+                        </a:p>
+                        <a:p>
+                          <a:endParaRPr lang="ru-RU" dirty="0">
+                            <a:latin typeface="Arial" panose="020B0604020202020204" pitchFamily="34" charset="0"/>
+                            <a:cs typeface="Arial" panose="020B0604020202020204" pitchFamily="34" charset="0"/>
+                          </a:endParaRPr>
+                        </a:p>
+                      </a:txBody>
+                      <a:tcPr/>
+                    </a:tc>
+                    <a:tc>
+                      <a:txBody>
+                        <a:bodyPr/>
+                        <a:lstStyle/>
+                        <a:p>
+                          <a:endParaRPr lang="ru-RU"/>
+                        </a:p>
+                      </a:txBody>
+                      <a:tcPr>
+                        <a:blipFill rotWithShape="0">
+                          <a:blip r:embed="rId2"/>
+                          <a:stretch>
+                            <a:fillRect l="-148589" t="-606667" r="-95565" b="-101905"/>
+                          </a:stretch>
+                        </a:blipFill>
+                      </a:tcPr>
+                    </a:tc>
+                    <a:tc>
+                      <a:txBody>
+                        <a:bodyPr/>
+                        <a:lstStyle/>
+                        <a:p>
+                          <a:endParaRPr lang="ru-RU" dirty="0">
+                            <a:latin typeface="Arial" panose="020B0604020202020204" pitchFamily="34" charset="0"/>
+                            <a:cs typeface="Arial" panose="020B0604020202020204" pitchFamily="34" charset="0"/>
+                          </a:endParaRPr>
+                        </a:p>
+                      </a:txBody>
+                      <a:tcPr/>
+                    </a:tc>
+                  </a:tr>
+                  <a:tr h="640080">
+                    <a:tc>
+                      <a:txBody>
+                        <a:bodyPr/>
+                        <a:lstStyle/>
+                        <a:p>
+                          <a:r>
+                            <a:rPr lang="ru-RU" dirty="0" smtClean="0">
+                              <a:latin typeface="Arial" panose="020B0604020202020204" pitchFamily="34" charset="0"/>
+                              <a:cs typeface="Arial" panose="020B0604020202020204" pitchFamily="34" charset="0"/>
+                            </a:rPr>
+                            <a:t>Разложение Гаусса</a:t>
+                          </a:r>
+                          <a:endParaRPr lang="en-US" dirty="0" smtClean="0">
+                            <a:latin typeface="Arial" panose="020B0604020202020204" pitchFamily="34" charset="0"/>
+                            <a:cs typeface="Arial" panose="020B0604020202020204" pitchFamily="34" charset="0"/>
+                          </a:endParaRPr>
+                        </a:p>
+                        <a:p>
+                          <a:endParaRPr lang="ru-RU" dirty="0">
+                            <a:latin typeface="Arial" panose="020B0604020202020204" pitchFamily="34" charset="0"/>
+                            <a:cs typeface="Arial" panose="020B0604020202020204" pitchFamily="34" charset="0"/>
+                          </a:endParaRPr>
+                        </a:p>
+                      </a:txBody>
+                      <a:tcPr/>
+                    </a:tc>
+                    <a:tc>
+                      <a:txBody>
+                        <a:bodyPr/>
+                        <a:lstStyle/>
+                        <a:p>
+                          <a:endParaRPr lang="ru-RU"/>
+                        </a:p>
+                      </a:txBody>
+                      <a:tcPr>
+                        <a:blipFill rotWithShape="0">
+                          <a:blip r:embed="rId2"/>
+                          <a:stretch>
+                            <a:fillRect l="-148589" t="-706667" r="-95565" b="-1905"/>
+                          </a:stretch>
+                        </a:blipFill>
+                      </a:tcPr>
+                    </a:tc>
+                    <a:tc>
+                      <a:txBody>
+                        <a:bodyPr/>
+                        <a:lstStyle/>
+                        <a:p>
+                          <a:endParaRPr lang="ru-RU" dirty="0">
+                            <a:latin typeface="Arial" panose="020B0604020202020204" pitchFamily="34" charset="0"/>
+                            <a:cs typeface="Arial" panose="020B0604020202020204" pitchFamily="34" charset="0"/>
+                          </a:endParaRPr>
+                        </a:p>
+                      </a:txBody>
+                      <a:tcPr/>
+                    </a:tc>
+                  </a:tr>
+                </a:tbl>
+              </a:graphicData>
+            </a:graphic>
+          </p:graphicFrame>
+        </mc:Fallback>
+      </mc:AlternateContent>
     </p:spTree>
     <p:extLst>
       <p:ext uri="{BB962C8B-B14F-4D97-AF65-F5344CB8AC3E}">
@@ -5310,19 +7353,27 @@
             <p:ph type="title"/>
           </p:nvPr>
         </p:nvSpPr>
-        <p:spPr/>
-        <p:txBody>
-          <a:bodyPr/>
+        <p:spPr>
+          <a:xfrm>
+            <a:off x="838200" y="365126"/>
+            <a:ext cx="10515600" cy="804648"/>
+          </a:xfrm>
+        </p:spPr>
+        <p:txBody>
+          <a:bodyPr>
+            <a:normAutofit/>
+          </a:bodyPr>
           <a:lstStyle/>
           <a:p>
-            <a:r>
-              <a:rPr lang="ru-RU" dirty="0" smtClean="0">
+            <a:pPr algn="ctr"/>
+            <a:r>
+              <a:rPr lang="ru-RU" sz="4000" dirty="0" smtClean="0">
                 <a:latin typeface="Arial" panose="020B0604020202020204" pitchFamily="34" charset="0"/>
                 <a:cs typeface="Arial" panose="020B0604020202020204" pitchFamily="34" charset="0"/>
               </a:rPr>
               <a:t>Результат работы</a:t>
             </a:r>
-            <a:endParaRPr lang="ru-RU" dirty="0"/>
+            <a:endParaRPr lang="ru-RU" sz="4000" dirty="0"/>
           </a:p>
         </p:txBody>
       </p:sp>
@@ -5336,10 +7387,15 @@
             <p:ph idx="1"/>
           </p:nvPr>
         </p:nvSpPr>
-        <p:spPr/>
+        <p:spPr>
+          <a:xfrm>
+            <a:off x="838200" y="1095632"/>
+            <a:ext cx="10515600" cy="5081331"/>
+          </a:xfrm>
+        </p:spPr>
         <p:txBody>
           <a:bodyPr>
-            <a:normAutofit lnSpcReduction="10000"/>
+            <a:normAutofit/>
           </a:bodyPr>
           <a:lstStyle/>
           <a:p>
@@ -5474,7 +7530,10 @@
             </a:endParaRPr>
           </a:p>
           <a:p>
-            <a:endParaRPr lang="ru-RU" dirty="0"/>
+            <a:endParaRPr lang="ru-RU" dirty="0">
+              <a:latin typeface="Arial" panose="020B0604020202020204" pitchFamily="34" charset="0"/>
+              <a:cs typeface="Arial" panose="020B0604020202020204" pitchFamily="34" charset="0"/>
+            </a:endParaRPr>
           </a:p>
         </p:txBody>
       </p:sp>
@@ -5518,98 +7577,58 @@
             <p:ph type="title"/>
           </p:nvPr>
         </p:nvSpPr>
-        <p:spPr/>
-        <p:txBody>
-          <a:bodyPr/>
-          <a:lstStyle/>
-          <a:p>
-            <a:r>
-              <a:rPr lang="ru-RU" dirty="0"/>
-              <a:t>История развития квантовых вычислений</a:t>
-            </a:r>
-          </a:p>
-        </p:txBody>
-      </p:sp>
-      <p:sp>
-        <p:nvSpPr>
-          <p:cNvPr id="5" name="Текст 4"/>
-          <p:cNvSpPr>
-            <a:spLocks noGrp="1"/>
-          </p:cNvSpPr>
-          <p:nvPr>
-            <p:ph type="body" idx="1"/>
-          </p:nvPr>
-        </p:nvSpPr>
-        <p:spPr/>
-        <p:txBody>
-          <a:bodyPr/>
-          <a:lstStyle/>
-          <a:p>
-            <a:r>
-              <a:rPr lang="ru-RU" dirty="0" smtClean="0"/>
-              <a:t>Современные компьютеры	</a:t>
-            </a:r>
-            <a:endParaRPr lang="ru-RU" dirty="0"/>
-          </a:p>
-        </p:txBody>
-      </p:sp>
-      <p:sp>
-        <p:nvSpPr>
-          <p:cNvPr id="3" name="Объект 2"/>
-          <p:cNvSpPr>
-            <a:spLocks noGrp="1"/>
-          </p:cNvSpPr>
-          <p:nvPr>
-            <p:ph sz="half" idx="2"/>
-          </p:nvPr>
-        </p:nvSpPr>
-        <p:spPr/>
+        <p:spPr>
+          <a:xfrm>
+            <a:off x="839788" y="365126"/>
+            <a:ext cx="10515600" cy="681080"/>
+          </a:xfrm>
+        </p:spPr>
         <p:txBody>
           <a:bodyPr>
             <a:normAutofit/>
           </a:bodyPr>
           <a:lstStyle/>
           <a:p>
-            <a:pPr marL="0" indent="0" algn="just">
-              <a:buNone/>
-            </a:pPr>
-            <a:r>
-              <a:rPr lang="ru-RU" dirty="0" smtClean="0"/>
-              <a:t>Основаны </a:t>
-            </a:r>
-            <a:r>
-              <a:rPr lang="ru-RU" dirty="0"/>
-              <a:t>на классической </a:t>
-            </a:r>
-            <a:r>
-              <a:rPr lang="ru-RU" dirty="0" smtClean="0"/>
-              <a:t>физике и ограничены</a:t>
-            </a:r>
-            <a:r>
-              <a:rPr lang="ru-RU" dirty="0"/>
-              <a:t>, тем фактом, что система может быть только в одном состоянии. </a:t>
-            </a:r>
-          </a:p>
-        </p:txBody>
-      </p:sp>
-      <p:sp>
-        <p:nvSpPr>
-          <p:cNvPr id="6" name="Текст 5"/>
-          <p:cNvSpPr>
-            <a:spLocks noGrp="1"/>
-          </p:cNvSpPr>
-          <p:nvPr>
-            <p:ph type="body" sz="quarter" idx="3"/>
-          </p:nvPr>
-        </p:nvSpPr>
-        <p:spPr/>
+            <a:r>
+              <a:rPr lang="ru-RU" sz="4000" dirty="0">
+                <a:latin typeface="Arial" panose="020B0604020202020204" pitchFamily="34" charset="0"/>
+                <a:cs typeface="Arial" panose="020B0604020202020204" pitchFamily="34" charset="0"/>
+              </a:rPr>
+              <a:t>История развития квантовых вычислений</a:t>
+            </a:r>
+          </a:p>
+        </p:txBody>
+      </p:sp>
+      <p:sp>
+        <p:nvSpPr>
+          <p:cNvPr id="5" name="Текст 4"/>
+          <p:cNvSpPr>
+            <a:spLocks noGrp="1"/>
+          </p:cNvSpPr>
+          <p:nvPr>
+            <p:ph type="body" idx="1"/>
+          </p:nvPr>
+        </p:nvSpPr>
+        <p:spPr>
+          <a:xfrm>
+            <a:off x="939801" y="1170417"/>
+            <a:ext cx="5157787" cy="823912"/>
+          </a:xfrm>
+        </p:spPr>
         <p:txBody>
           <a:bodyPr/>
           <a:lstStyle/>
           <a:p>
             <a:r>
+              <a:rPr lang="ru-RU" sz="2800" dirty="0" smtClean="0">
+                <a:latin typeface="Arial" panose="020B0604020202020204" pitchFamily="34" charset="0"/>
+                <a:cs typeface="Arial" panose="020B0604020202020204" pitchFamily="34" charset="0"/>
+              </a:rPr>
+              <a:t>Современные компьютеры</a:t>
+            </a:r>
+            <a:r>
               <a:rPr lang="ru-RU" dirty="0" smtClean="0"/>
-              <a:t>Квантовые компьютеры</a:t>
+              <a:t>	</a:t>
             </a:r>
             <a:endParaRPr lang="ru-RU" dirty="0"/>
           </a:p>
@@ -5617,15 +7636,20 @@
       </p:sp>
       <p:sp>
         <p:nvSpPr>
-          <p:cNvPr id="7" name="Объект 6"/>
-          <p:cNvSpPr>
-            <a:spLocks noGrp="1"/>
-          </p:cNvSpPr>
-          <p:nvPr>
-            <p:ph sz="quarter" idx="4"/>
-          </p:nvPr>
-        </p:nvSpPr>
-        <p:spPr/>
+          <p:cNvPr id="3" name="Объект 2"/>
+          <p:cNvSpPr>
+            <a:spLocks noGrp="1"/>
+          </p:cNvSpPr>
+          <p:nvPr>
+            <p:ph sz="half" idx="2"/>
+          </p:nvPr>
+        </p:nvSpPr>
+        <p:spPr>
+          <a:xfrm>
+            <a:off x="839788" y="1994329"/>
+            <a:ext cx="5157787" cy="4195334"/>
+          </a:xfrm>
+        </p:spPr>
         <p:txBody>
           <a:bodyPr>
             <a:normAutofit/>
@@ -5636,21 +7660,291 @@
               <a:buNone/>
             </a:pPr>
             <a:r>
+              <a:rPr lang="ru-RU" dirty="0" smtClean="0">
+                <a:latin typeface="Arial" panose="020B0604020202020204" pitchFamily="34" charset="0"/>
+                <a:cs typeface="Arial" panose="020B0604020202020204" pitchFamily="34" charset="0"/>
+              </a:rPr>
+              <a:t>Основаны </a:t>
+            </a:r>
+            <a:r>
+              <a:rPr lang="ru-RU" dirty="0">
+                <a:latin typeface="Arial" panose="020B0604020202020204" pitchFamily="34" charset="0"/>
+                <a:cs typeface="Arial" panose="020B0604020202020204" pitchFamily="34" charset="0"/>
+              </a:rPr>
+              <a:t>на классической </a:t>
+            </a:r>
+            <a:r>
+              <a:rPr lang="ru-RU" dirty="0" smtClean="0">
+                <a:latin typeface="Arial" panose="020B0604020202020204" pitchFamily="34" charset="0"/>
+                <a:cs typeface="Arial" panose="020B0604020202020204" pitchFamily="34" charset="0"/>
+              </a:rPr>
+              <a:t>физике и </a:t>
+            </a:r>
+            <a:r>
+              <a:rPr lang="ru-RU" dirty="0" smtClean="0">
+                <a:latin typeface="Arial" panose="020B0604020202020204" pitchFamily="34" charset="0"/>
+                <a:cs typeface="Arial" panose="020B0604020202020204" pitchFamily="34" charset="0"/>
+              </a:rPr>
+              <a:t>ограничены </a:t>
+            </a:r>
+            <a:r>
+              <a:rPr lang="ru-RU" dirty="0">
+                <a:latin typeface="Arial" panose="020B0604020202020204" pitchFamily="34" charset="0"/>
+                <a:cs typeface="Arial" panose="020B0604020202020204" pitchFamily="34" charset="0"/>
+              </a:rPr>
+              <a:t>тем фактом, что система может быть только в одном состоянии. </a:t>
+            </a:r>
+          </a:p>
+        </p:txBody>
+      </p:sp>
+      <p:sp>
+        <p:nvSpPr>
+          <p:cNvPr id="7" name="Объект 6"/>
+          <p:cNvSpPr>
+            <a:spLocks noGrp="1"/>
+          </p:cNvSpPr>
+          <p:nvPr>
+            <p:ph sz="quarter" idx="4"/>
+          </p:nvPr>
+        </p:nvSpPr>
+        <p:spPr>
+          <a:xfrm>
+            <a:off x="6172200" y="1994329"/>
+            <a:ext cx="5183188" cy="4195334"/>
+          </a:xfrm>
+        </p:spPr>
+        <p:txBody>
+          <a:bodyPr>
+            <a:normAutofit/>
+          </a:bodyPr>
+          <a:lstStyle/>
+          <a:p>
+            <a:pPr marL="0" indent="0" algn="just">
+              <a:buNone/>
+            </a:pPr>
+            <a:r>
+              <a:rPr lang="ru-RU" dirty="0" smtClean="0">
+                <a:latin typeface="Arial" panose="020B0604020202020204" pitchFamily="34" charset="0"/>
+                <a:cs typeface="Arial" panose="020B0604020202020204" pitchFamily="34" charset="0"/>
+              </a:rPr>
+              <a:t>Система может находится в суперпозиции нескольких различных состояний одновременно. </a:t>
+            </a:r>
+          </a:p>
+          <a:p>
+            <a:pPr marL="0" indent="0" algn="just">
+              <a:buNone/>
+            </a:pPr>
+            <a:r>
+              <a:rPr lang="ru-RU" dirty="0" smtClean="0">
+                <a:latin typeface="Arial" panose="020B0604020202020204" pitchFamily="34" charset="0"/>
+                <a:cs typeface="Arial" panose="020B0604020202020204" pitchFamily="34" charset="0"/>
+              </a:rPr>
+              <a:t>Территориально разделенные квантовые системы могут быть переплетены друг с другом и благодаря этому, операции перестают быть локальными.</a:t>
+            </a:r>
+          </a:p>
+          <a:p>
+            <a:pPr algn="just"/>
+            <a:endParaRPr lang="ru-RU" dirty="0"/>
+          </a:p>
+        </p:txBody>
+      </p:sp>
+      <p:sp>
+        <p:nvSpPr>
+          <p:cNvPr id="8" name="Текст 4"/>
+          <p:cNvSpPr txBox="1">
+            <a:spLocks/>
+          </p:cNvSpPr>
+          <p:nvPr/>
+        </p:nvSpPr>
+        <p:spPr>
+          <a:xfrm>
+            <a:off x="6097588" y="1107057"/>
+            <a:ext cx="5157787" cy="531018"/>
+          </a:xfrm>
+          <a:prstGeom prst="rect">
+            <a:avLst/>
+          </a:prstGeom>
+        </p:spPr>
+        <p:txBody>
+          <a:bodyPr vert="horz" lIns="91440" tIns="45720" rIns="91440" bIns="45720" rtlCol="0" anchor="b">
+            <a:normAutofit/>
+          </a:bodyPr>
+          <a:lstStyle>
+            <a:lvl1pPr marL="0" indent="0" algn="l" defTabSz="914400" rtl="0" eaLnBrk="1" latinLnBrk="0" hangingPunct="1">
+              <a:lnSpc>
+                <a:spcPct val="90000"/>
+              </a:lnSpc>
+              <a:spcBef>
+                <a:spcPts val="1000"/>
+              </a:spcBef>
+              <a:buFont typeface="Arial" panose="020B0604020202020204" pitchFamily="34" charset="0"/>
+              <a:buNone/>
+              <a:defRPr sz="2400" b="1" kern="1200">
+                <a:solidFill>
+                  <a:schemeClr val="tx1"/>
+                </a:solidFill>
+                <a:latin typeface="+mn-lt"/>
+                <a:ea typeface="+mn-ea"/>
+                <a:cs typeface="+mn-cs"/>
+              </a:defRPr>
+            </a:lvl1pPr>
+            <a:lvl2pPr marL="457200" indent="0" algn="l" defTabSz="914400" rtl="0" eaLnBrk="1" latinLnBrk="0" hangingPunct="1">
+              <a:lnSpc>
+                <a:spcPct val="90000"/>
+              </a:lnSpc>
+              <a:spcBef>
+                <a:spcPts val="500"/>
+              </a:spcBef>
+              <a:buFont typeface="Arial" panose="020B0604020202020204" pitchFamily="34" charset="0"/>
+              <a:buNone/>
+              <a:defRPr sz="2000" b="1" kern="1200">
+                <a:solidFill>
+                  <a:schemeClr val="tx1"/>
+                </a:solidFill>
+                <a:latin typeface="+mn-lt"/>
+                <a:ea typeface="+mn-ea"/>
+                <a:cs typeface="+mn-cs"/>
+              </a:defRPr>
+            </a:lvl2pPr>
+            <a:lvl3pPr marL="914400" indent="0" algn="l" defTabSz="914400" rtl="0" eaLnBrk="1" latinLnBrk="0" hangingPunct="1">
+              <a:lnSpc>
+                <a:spcPct val="90000"/>
+              </a:lnSpc>
+              <a:spcBef>
+                <a:spcPts val="500"/>
+              </a:spcBef>
+              <a:buFont typeface="Arial" panose="020B0604020202020204" pitchFamily="34" charset="0"/>
+              <a:buNone/>
+              <a:defRPr sz="1800" b="1" kern="1200">
+                <a:solidFill>
+                  <a:schemeClr val="tx1"/>
+                </a:solidFill>
+                <a:latin typeface="+mn-lt"/>
+                <a:ea typeface="+mn-ea"/>
+                <a:cs typeface="+mn-cs"/>
+              </a:defRPr>
+            </a:lvl3pPr>
+            <a:lvl4pPr marL="1371600" indent="0" algn="l" defTabSz="914400" rtl="0" eaLnBrk="1" latinLnBrk="0" hangingPunct="1">
+              <a:lnSpc>
+                <a:spcPct val="90000"/>
+              </a:lnSpc>
+              <a:spcBef>
+                <a:spcPts val="500"/>
+              </a:spcBef>
+              <a:buFont typeface="Arial" panose="020B0604020202020204" pitchFamily="34" charset="0"/>
+              <a:buNone/>
+              <a:defRPr sz="1600" b="1" kern="1200">
+                <a:solidFill>
+                  <a:schemeClr val="tx1"/>
+                </a:solidFill>
+                <a:latin typeface="+mn-lt"/>
+                <a:ea typeface="+mn-ea"/>
+                <a:cs typeface="+mn-cs"/>
+              </a:defRPr>
+            </a:lvl4pPr>
+            <a:lvl5pPr marL="1828800" indent="0" algn="l" defTabSz="914400" rtl="0" eaLnBrk="1" latinLnBrk="0" hangingPunct="1">
+              <a:lnSpc>
+                <a:spcPct val="90000"/>
+              </a:lnSpc>
+              <a:spcBef>
+                <a:spcPts val="500"/>
+              </a:spcBef>
+              <a:buFont typeface="Arial" panose="020B0604020202020204" pitchFamily="34" charset="0"/>
+              <a:buNone/>
+              <a:defRPr sz="1600" b="1" kern="1200">
+                <a:solidFill>
+                  <a:schemeClr val="tx1"/>
+                </a:solidFill>
+                <a:latin typeface="+mn-lt"/>
+                <a:ea typeface="+mn-ea"/>
+                <a:cs typeface="+mn-cs"/>
+              </a:defRPr>
+            </a:lvl5pPr>
+            <a:lvl6pPr marL="2286000" indent="0" algn="l" defTabSz="914400" rtl="0" eaLnBrk="1" latinLnBrk="0" hangingPunct="1">
+              <a:lnSpc>
+                <a:spcPct val="90000"/>
+              </a:lnSpc>
+              <a:spcBef>
+                <a:spcPts val="500"/>
+              </a:spcBef>
+              <a:buFont typeface="Arial" panose="020B0604020202020204" pitchFamily="34" charset="0"/>
+              <a:buNone/>
+              <a:defRPr sz="1600" b="1" kern="1200">
+                <a:solidFill>
+                  <a:schemeClr val="tx1"/>
+                </a:solidFill>
+                <a:latin typeface="+mn-lt"/>
+                <a:ea typeface="+mn-ea"/>
+                <a:cs typeface="+mn-cs"/>
+              </a:defRPr>
+            </a:lvl6pPr>
+            <a:lvl7pPr marL="2743200" indent="0" algn="l" defTabSz="914400" rtl="0" eaLnBrk="1" latinLnBrk="0" hangingPunct="1">
+              <a:lnSpc>
+                <a:spcPct val="90000"/>
+              </a:lnSpc>
+              <a:spcBef>
+                <a:spcPts val="500"/>
+              </a:spcBef>
+              <a:buFont typeface="Arial" panose="020B0604020202020204" pitchFamily="34" charset="0"/>
+              <a:buNone/>
+              <a:defRPr sz="1600" b="1" kern="1200">
+                <a:solidFill>
+                  <a:schemeClr val="tx1"/>
+                </a:solidFill>
+                <a:latin typeface="+mn-lt"/>
+                <a:ea typeface="+mn-ea"/>
+                <a:cs typeface="+mn-cs"/>
+              </a:defRPr>
+            </a:lvl7pPr>
+            <a:lvl8pPr marL="3200400" indent="0" algn="l" defTabSz="914400" rtl="0" eaLnBrk="1" latinLnBrk="0" hangingPunct="1">
+              <a:lnSpc>
+                <a:spcPct val="90000"/>
+              </a:lnSpc>
+              <a:spcBef>
+                <a:spcPts val="500"/>
+              </a:spcBef>
+              <a:buFont typeface="Arial" panose="020B0604020202020204" pitchFamily="34" charset="0"/>
+              <a:buNone/>
+              <a:defRPr sz="1600" b="1" kern="1200">
+                <a:solidFill>
+                  <a:schemeClr val="tx1"/>
+                </a:solidFill>
+                <a:latin typeface="+mn-lt"/>
+                <a:ea typeface="+mn-ea"/>
+                <a:cs typeface="+mn-cs"/>
+              </a:defRPr>
+            </a:lvl8pPr>
+            <a:lvl9pPr marL="3657600" indent="0" algn="l" defTabSz="914400" rtl="0" eaLnBrk="1" latinLnBrk="0" hangingPunct="1">
+              <a:lnSpc>
+                <a:spcPct val="90000"/>
+              </a:lnSpc>
+              <a:spcBef>
+                <a:spcPts val="500"/>
+              </a:spcBef>
+              <a:buFont typeface="Arial" panose="020B0604020202020204" pitchFamily="34" charset="0"/>
+              <a:buNone/>
+              <a:defRPr sz="1600" b="1" kern="1200">
+                <a:solidFill>
+                  <a:schemeClr val="tx1"/>
+                </a:solidFill>
+                <a:latin typeface="+mn-lt"/>
+                <a:ea typeface="+mn-ea"/>
+                <a:cs typeface="+mn-cs"/>
+              </a:defRPr>
+            </a:lvl9pPr>
+          </a:lstStyle>
+          <a:p>
+            <a:r>
+              <a:rPr lang="ru-RU" sz="2800" dirty="0" smtClean="0">
+                <a:latin typeface="Arial" panose="020B0604020202020204" pitchFamily="34" charset="0"/>
+                <a:cs typeface="Arial" panose="020B0604020202020204" pitchFamily="34" charset="0"/>
+              </a:rPr>
+              <a:t>Квантовые компьютеры</a:t>
+            </a:r>
+            <a:r>
               <a:rPr lang="ru-RU" dirty="0" smtClean="0"/>
-              <a:t>Система может находится в суперпозиции нескольких различных состояний одновременно. </a:t>
-            </a:r>
-          </a:p>
-          <a:p>
-            <a:pPr marL="0" indent="0" algn="just">
-              <a:buNone/>
-            </a:pPr>
-            <a:r>
-              <a:rPr lang="ru-RU" dirty="0" smtClean="0"/>
-              <a:t>Территориально разделенные квантовые системы могут быть переплетены друг с другом и благодаря этому, операции перестают быть локальными.</a:t>
-            </a:r>
-          </a:p>
-          <a:p>
-            <a:pPr algn="just"/>
+              <a:t>	</a:t>
+            </a:r>
             <a:endParaRPr lang="ru-RU" dirty="0"/>
           </a:p>
         </p:txBody>
@@ -5697,110 +7991,192 @@
         </p:nvSpPr>
         <p:spPr/>
         <p:txBody>
-          <a:bodyPr/>
-          <a:lstStyle/>
-          <a:p>
-            <a:r>
-              <a:rPr lang="ru-RU" dirty="0"/>
-              <a:t>История развития квантовых вычислений</a:t>
-            </a:r>
-          </a:p>
-        </p:txBody>
-      </p:sp>
-      <p:sp>
-        <p:nvSpPr>
-          <p:cNvPr id="7" name="Объект 6"/>
-          <p:cNvSpPr>
-            <a:spLocks noGrp="1"/>
-          </p:cNvSpPr>
-          <p:nvPr>
-            <p:ph idx="1"/>
-          </p:nvPr>
-        </p:nvSpPr>
-        <p:spPr/>
-        <p:txBody>
           <a:bodyPr>
             <a:normAutofit/>
           </a:bodyPr>
           <a:lstStyle/>
           <a:p>
+            <a:r>
+              <a:rPr lang="ru-RU" sz="4000" dirty="0">
+                <a:latin typeface="Arial" panose="020B0604020202020204" pitchFamily="34" charset="0"/>
+                <a:cs typeface="Arial" panose="020B0604020202020204" pitchFamily="34" charset="0"/>
+              </a:rPr>
+              <a:t>История развития квантовых вычислений</a:t>
+            </a:r>
+          </a:p>
+        </p:txBody>
+      </p:sp>
+      <p:sp>
+        <p:nvSpPr>
+          <p:cNvPr id="7" name="Объект 6"/>
+          <p:cNvSpPr>
+            <a:spLocks noGrp="1"/>
+          </p:cNvSpPr>
+          <p:nvPr>
+            <p:ph idx="1"/>
+          </p:nvPr>
+        </p:nvSpPr>
+        <p:spPr/>
+        <p:txBody>
+          <a:bodyPr>
+            <a:normAutofit/>
+          </a:bodyPr>
+          <a:lstStyle/>
+          <a:p>
             <a:pPr marL="0" indent="0" algn="just">
               <a:buNone/>
             </a:pPr>
             <a:r>
-              <a:rPr lang="ru-RU" dirty="0" smtClean="0"/>
+              <a:rPr lang="ru-RU" dirty="0" smtClean="0">
+                <a:latin typeface="Arial" panose="020B0604020202020204" pitchFamily="34" charset="0"/>
+                <a:cs typeface="Arial" panose="020B0604020202020204" pitchFamily="34" charset="0"/>
+              </a:rPr>
               <a:t>Квантовое состояние |</a:t>
             </a:r>
             <a:r>
-              <a:rPr lang="ru-RU" dirty="0"/>
+              <a:rPr lang="ru-RU" dirty="0">
+                <a:latin typeface="Arial" panose="020B0604020202020204" pitchFamily="34" charset="0"/>
+                <a:cs typeface="Arial" panose="020B0604020202020204" pitchFamily="34" charset="0"/>
+              </a:rPr>
               <a:t>φ&gt; это суперпозиция классических состояний: |φ&gt; = α</a:t>
             </a:r>
             <a:r>
-              <a:rPr lang="ru-RU" baseline="-25000" dirty="0"/>
+              <a:rPr lang="ru-RU" baseline="-25000" dirty="0">
+                <a:latin typeface="Arial" panose="020B0604020202020204" pitchFamily="34" charset="0"/>
+                <a:cs typeface="Arial" panose="020B0604020202020204" pitchFamily="34" charset="0"/>
+              </a:rPr>
               <a:t>1</a:t>
             </a:r>
             <a:r>
-              <a:rPr lang="ru-RU" dirty="0"/>
+              <a:rPr lang="ru-RU" dirty="0">
+                <a:latin typeface="Arial" panose="020B0604020202020204" pitchFamily="34" charset="0"/>
+                <a:cs typeface="Arial" panose="020B0604020202020204" pitchFamily="34" charset="0"/>
+              </a:rPr>
               <a:t>|1&gt; + α</a:t>
             </a:r>
             <a:r>
-              <a:rPr lang="ru-RU" baseline="-25000" dirty="0"/>
+              <a:rPr lang="ru-RU" baseline="-25000" dirty="0">
+                <a:latin typeface="Arial" panose="020B0604020202020204" pitchFamily="34" charset="0"/>
+                <a:cs typeface="Arial" panose="020B0604020202020204" pitchFamily="34" charset="0"/>
+              </a:rPr>
               <a:t>2</a:t>
             </a:r>
             <a:r>
-              <a:rPr lang="ru-RU" dirty="0"/>
+              <a:rPr lang="ru-RU" dirty="0">
+                <a:latin typeface="Arial" panose="020B0604020202020204" pitchFamily="34" charset="0"/>
+                <a:cs typeface="Arial" panose="020B0604020202020204" pitchFamily="34" charset="0"/>
+              </a:rPr>
               <a:t>|2&gt; +…+ α</a:t>
             </a:r>
             <a:r>
-              <a:rPr lang="ru-RU" baseline="-25000" dirty="0"/>
+              <a:rPr lang="ru-RU" baseline="-25000" dirty="0">
+                <a:latin typeface="Arial" panose="020B0604020202020204" pitchFamily="34" charset="0"/>
+                <a:cs typeface="Arial" panose="020B0604020202020204" pitchFamily="34" charset="0"/>
+              </a:rPr>
               <a:t>N</a:t>
             </a:r>
             <a:r>
-              <a:rPr lang="ru-RU" dirty="0"/>
-              <a:t>|N&gt;, где α</a:t>
-            </a:r>
-            <a:r>
-              <a:rPr lang="en-US" baseline="-25000" dirty="0" err="1"/>
+              <a:rPr lang="ru-RU" dirty="0">
+                <a:latin typeface="Arial" panose="020B0604020202020204" pitchFamily="34" charset="0"/>
+                <a:cs typeface="Arial" panose="020B0604020202020204" pitchFamily="34" charset="0"/>
+              </a:rPr>
+              <a:t>|N&gt;, </a:t>
+            </a:r>
+            <a:endParaRPr lang="ru-RU" dirty="0" smtClean="0">
+              <a:latin typeface="Arial" panose="020B0604020202020204" pitchFamily="34" charset="0"/>
+              <a:cs typeface="Arial" panose="020B0604020202020204" pitchFamily="34" charset="0"/>
+            </a:endParaRPr>
+          </a:p>
+          <a:p>
+            <a:pPr marL="0" indent="0" algn="just">
+              <a:buNone/>
+            </a:pPr>
+            <a:r>
+              <a:rPr lang="ru-RU" dirty="0" smtClean="0">
+                <a:latin typeface="Arial" panose="020B0604020202020204" pitchFamily="34" charset="0"/>
+                <a:cs typeface="Arial" panose="020B0604020202020204" pitchFamily="34" charset="0"/>
+              </a:rPr>
+              <a:t>где </a:t>
+            </a:r>
+            <a:r>
+              <a:rPr lang="ru-RU" dirty="0">
+                <a:latin typeface="Arial" panose="020B0604020202020204" pitchFamily="34" charset="0"/>
+                <a:cs typeface="Arial" panose="020B0604020202020204" pitchFamily="34" charset="0"/>
+              </a:rPr>
+              <a:t>α</a:t>
+            </a:r>
+            <a:r>
+              <a:rPr lang="en-US" baseline="-25000" dirty="0" err="1">
+                <a:latin typeface="Arial" panose="020B0604020202020204" pitchFamily="34" charset="0"/>
+                <a:cs typeface="Arial" panose="020B0604020202020204" pitchFamily="34" charset="0"/>
+              </a:rPr>
               <a:t>i</a:t>
             </a:r>
             <a:r>
-              <a:rPr lang="ru-RU" dirty="0"/>
+              <a:rPr lang="ru-RU" dirty="0">
+                <a:latin typeface="Arial" panose="020B0604020202020204" pitchFamily="34" charset="0"/>
+                <a:cs typeface="Arial" panose="020B0604020202020204" pitchFamily="34" charset="0"/>
+              </a:rPr>
               <a:t> – комплексное число. </a:t>
             </a:r>
-            <a:endParaRPr lang="ru-RU" dirty="0" smtClean="0"/>
+            <a:endParaRPr lang="ru-RU" dirty="0" smtClean="0">
+              <a:latin typeface="Arial" panose="020B0604020202020204" pitchFamily="34" charset="0"/>
+              <a:cs typeface="Arial" panose="020B0604020202020204" pitchFamily="34" charset="0"/>
+            </a:endParaRPr>
           </a:p>
           <a:p>
             <a:pPr marL="0" indent="0" algn="just">
               <a:buNone/>
             </a:pPr>
             <a:r>
-              <a:rPr lang="ru-RU" dirty="0" smtClean="0"/>
+              <a:rPr lang="ru-RU" dirty="0" smtClean="0">
+                <a:latin typeface="Arial" panose="020B0604020202020204" pitchFamily="34" charset="0"/>
+                <a:cs typeface="Arial" panose="020B0604020202020204" pitchFamily="34" charset="0"/>
+              </a:rPr>
               <a:t>|</a:t>
             </a:r>
             <a:r>
-              <a:rPr lang="ru-RU" dirty="0"/>
+              <a:rPr lang="ru-RU" dirty="0">
+                <a:latin typeface="Arial" panose="020B0604020202020204" pitchFamily="34" charset="0"/>
+                <a:cs typeface="Arial" panose="020B0604020202020204" pitchFamily="34" charset="0"/>
+              </a:rPr>
               <a:t>1&gt;, ..., |N&gt; формирует ортонормальный базис </a:t>
             </a:r>
             <a:r>
-              <a:rPr lang="en-US" dirty="0"/>
+              <a:rPr lang="en-US" dirty="0">
+                <a:latin typeface="Arial" panose="020B0604020202020204" pitchFamily="34" charset="0"/>
+                <a:cs typeface="Arial" panose="020B0604020202020204" pitchFamily="34" charset="0"/>
+              </a:rPr>
               <a:t>N</a:t>
             </a:r>
             <a:r>
-              <a:rPr lang="ru-RU" dirty="0"/>
+              <a:rPr lang="ru-RU" dirty="0">
+                <a:latin typeface="Arial" panose="020B0604020202020204" pitchFamily="34" charset="0"/>
+                <a:cs typeface="Arial" panose="020B0604020202020204" pitchFamily="34" charset="0"/>
+              </a:rPr>
               <a:t>-размерного Гильбертова пространства, в котором квантовое состояние |φ&gt; является вектором. </a:t>
             </a:r>
-            <a:endParaRPr lang="ru-RU" dirty="0" smtClean="0"/>
+            <a:endParaRPr lang="ru-RU" dirty="0" smtClean="0">
+              <a:latin typeface="Arial" panose="020B0604020202020204" pitchFamily="34" charset="0"/>
+              <a:cs typeface="Arial" panose="020B0604020202020204" pitchFamily="34" charset="0"/>
+            </a:endParaRPr>
           </a:p>
           <a:p>
             <a:pPr marL="0" indent="0" algn="just">
               <a:buNone/>
             </a:pPr>
             <a:r>
-              <a:rPr lang="ru-RU" dirty="0" smtClean="0"/>
+              <a:rPr lang="ru-RU" dirty="0" smtClean="0">
+                <a:latin typeface="Arial" panose="020B0604020202020204" pitchFamily="34" charset="0"/>
+                <a:cs typeface="Arial" panose="020B0604020202020204" pitchFamily="34" charset="0"/>
+              </a:rPr>
               <a:t>С </a:t>
             </a:r>
             <a:r>
-              <a:rPr lang="ru-RU" dirty="0"/>
+              <a:rPr lang="ru-RU" dirty="0">
+                <a:latin typeface="Arial" panose="020B0604020202020204" pitchFamily="34" charset="0"/>
+                <a:cs typeface="Arial" panose="020B0604020202020204" pitchFamily="34" charset="0"/>
+              </a:rPr>
               <a:t>квантовым состоянием можно проводить 2 операции: измерить и изменить унитарно, без измерения.</a:t>
             </a:r>
           </a:p>
@@ -5854,40 +8230,54 @@
         </p:nvSpPr>
         <p:spPr/>
         <p:txBody>
+          <a:bodyPr>
+            <a:normAutofit/>
+          </a:bodyPr>
+          <a:lstStyle/>
+          <a:p>
+            <a:r>
+              <a:rPr lang="ru-RU" sz="4000" dirty="0" smtClean="0">
+                <a:latin typeface="Arial" panose="020B0604020202020204" pitchFamily="34" charset="0"/>
+                <a:cs typeface="Arial" panose="020B0604020202020204" pitchFamily="34" charset="0"/>
+              </a:rPr>
+              <a:t>История развития квантовых вычислений</a:t>
+            </a:r>
+            <a:endParaRPr lang="ru-RU" sz="4000" dirty="0">
+              <a:latin typeface="Arial" panose="020B0604020202020204" pitchFamily="34" charset="0"/>
+              <a:cs typeface="Arial" panose="020B0604020202020204" pitchFamily="34" charset="0"/>
+            </a:endParaRPr>
+          </a:p>
+        </p:txBody>
+      </p:sp>
+      <p:sp>
+        <p:nvSpPr>
+          <p:cNvPr id="3" name="Объект 2"/>
+          <p:cNvSpPr>
+            <a:spLocks noGrp="1"/>
+          </p:cNvSpPr>
+          <p:nvPr>
+            <p:ph idx="1"/>
+          </p:nvPr>
+        </p:nvSpPr>
+        <p:spPr/>
+        <p:txBody>
           <a:bodyPr/>
           <a:lstStyle/>
           <a:p>
-            <a:r>
-              <a:rPr lang="ru-RU" dirty="0" smtClean="0"/>
-              <a:t>История развития квантовых вычислений</a:t>
-            </a:r>
-            <a:endParaRPr lang="ru-RU" dirty="0"/>
-          </a:p>
-        </p:txBody>
-      </p:sp>
-      <p:sp>
-        <p:nvSpPr>
-          <p:cNvPr id="3" name="Объект 2"/>
-          <p:cNvSpPr>
-            <a:spLocks noGrp="1"/>
-          </p:cNvSpPr>
-          <p:nvPr>
-            <p:ph idx="1"/>
-          </p:nvPr>
-        </p:nvSpPr>
-        <p:spPr/>
-        <p:txBody>
-          <a:bodyPr/>
-          <a:lstStyle/>
-          <a:p>
             <a:pPr marL="0" indent="0" algn="just">
               <a:buNone/>
             </a:pPr>
             <a:r>
-              <a:rPr lang="ru-RU" dirty="0"/>
+              <a:rPr lang="ru-RU" dirty="0">
+                <a:latin typeface="Arial" panose="020B0604020202020204" pitchFamily="34" charset="0"/>
+                <a:cs typeface="Arial" panose="020B0604020202020204" pitchFamily="34" charset="0"/>
+              </a:rPr>
               <a:t>Задача обработки квантовой информации состоит в решении определенного класса проблем, которых не могут решить классические компьютеры за приемлемое время. </a:t>
             </a:r>
-            <a:endParaRPr lang="ru-RU" b="1" dirty="0"/>
+            <a:endParaRPr lang="ru-RU" b="1" dirty="0">
+              <a:latin typeface="Arial" panose="020B0604020202020204" pitchFamily="34" charset="0"/>
+              <a:cs typeface="Arial" panose="020B0604020202020204" pitchFamily="34" charset="0"/>
+            </a:endParaRPr>
           </a:p>
         </p:txBody>
       </p:sp>
@@ -5933,100 +8323,175 @@
         </p:nvSpPr>
         <p:spPr/>
         <p:txBody>
-          <a:bodyPr/>
-          <a:lstStyle/>
-          <a:p>
-            <a:r>
-              <a:rPr lang="ru-RU" dirty="0" smtClean="0"/>
-              <a:t>Задачи теории квантовых вычислений</a:t>
-            </a:r>
-            <a:endParaRPr lang="ru-RU" dirty="0"/>
-          </a:p>
-        </p:txBody>
-      </p:sp>
-      <p:sp>
-        <p:nvSpPr>
-          <p:cNvPr id="3" name="Объект 2"/>
-          <p:cNvSpPr>
-            <a:spLocks noGrp="1"/>
-          </p:cNvSpPr>
-          <p:nvPr>
-            <p:ph idx="1"/>
-          </p:nvPr>
-        </p:nvSpPr>
-        <p:spPr/>
-        <p:txBody>
           <a:bodyPr>
             <a:normAutofit/>
           </a:bodyPr>
           <a:lstStyle/>
           <a:p>
             <a:r>
-              <a:rPr lang="ru-RU" dirty="0" smtClean="0"/>
+              <a:rPr lang="ru-RU" sz="4000" dirty="0" smtClean="0">
+                <a:latin typeface="Arial" panose="020B0604020202020204" pitchFamily="34" charset="0"/>
+                <a:cs typeface="Arial" panose="020B0604020202020204" pitchFamily="34" charset="0"/>
+              </a:rPr>
+              <a:t>Задачи теории квантовых вычислений</a:t>
+            </a:r>
+            <a:endParaRPr lang="ru-RU" sz="4000" dirty="0">
+              <a:latin typeface="Arial" panose="020B0604020202020204" pitchFamily="34" charset="0"/>
+              <a:cs typeface="Arial" panose="020B0604020202020204" pitchFamily="34" charset="0"/>
+            </a:endParaRPr>
+          </a:p>
+        </p:txBody>
+      </p:sp>
+      <p:sp>
+        <p:nvSpPr>
+          <p:cNvPr id="3" name="Объект 2"/>
+          <p:cNvSpPr>
+            <a:spLocks noGrp="1"/>
+          </p:cNvSpPr>
+          <p:nvPr>
+            <p:ph idx="1"/>
+          </p:nvPr>
+        </p:nvSpPr>
+        <p:spPr/>
+        <p:txBody>
+          <a:bodyPr>
+            <a:normAutofit/>
+          </a:bodyPr>
+          <a:lstStyle/>
+          <a:p>
+            <a:pPr algn="just"/>
+            <a:r>
+              <a:rPr lang="ru-RU" dirty="0" smtClean="0">
+                <a:latin typeface="Arial" panose="020B0604020202020204" pitchFamily="34" charset="0"/>
+                <a:cs typeface="Arial" panose="020B0604020202020204" pitchFamily="34" charset="0"/>
+              </a:rPr>
               <a:t>Продолжение процесса </a:t>
             </a:r>
             <a:r>
-              <a:rPr lang="ru-RU" dirty="0"/>
+              <a:rPr lang="ru-RU" dirty="0">
+                <a:latin typeface="Arial" panose="020B0604020202020204" pitchFamily="34" charset="0"/>
+                <a:cs typeface="Arial" panose="020B0604020202020204" pitchFamily="34" charset="0"/>
+              </a:rPr>
               <a:t>миниатюризации, который сделал современные компьютеры мощными и </a:t>
             </a:r>
             <a:r>
-              <a:rPr lang="ru-RU" dirty="0" smtClean="0"/>
-              <a:t>дешевым и </a:t>
-            </a:r>
-            <a:r>
-              <a:rPr lang="ru-RU" dirty="0"/>
-              <a:t>практически достиг </a:t>
-            </a:r>
-            <a:r>
-              <a:rPr lang="ru-RU" dirty="0" smtClean="0"/>
+              <a:rPr lang="ru-RU" dirty="0" smtClean="0">
+                <a:latin typeface="Arial" panose="020B0604020202020204" pitchFamily="34" charset="0"/>
+                <a:cs typeface="Arial" panose="020B0604020202020204" pitchFamily="34" charset="0"/>
+              </a:rPr>
+              <a:t>дешевым и</a:t>
+            </a:r>
+            <a:br>
+              <a:rPr lang="ru-RU" dirty="0" smtClean="0">
+                <a:latin typeface="Arial" panose="020B0604020202020204" pitchFamily="34" charset="0"/>
+                <a:cs typeface="Arial" panose="020B0604020202020204" pitchFamily="34" charset="0"/>
+              </a:rPr>
+            </a:br>
+            <a:r>
+              <a:rPr lang="ru-RU" dirty="0" smtClean="0">
+                <a:latin typeface="Arial" panose="020B0604020202020204" pitchFamily="34" charset="0"/>
+                <a:cs typeface="Arial" panose="020B0604020202020204" pitchFamily="34" charset="0"/>
+              </a:rPr>
+              <a:t>практически </a:t>
+            </a:r>
+            <a:r>
+              <a:rPr lang="ru-RU" dirty="0">
+                <a:latin typeface="Arial" panose="020B0604020202020204" pitchFamily="34" charset="0"/>
+                <a:cs typeface="Arial" panose="020B0604020202020204" pitchFamily="34" charset="0"/>
+              </a:rPr>
+              <a:t>достиг </a:t>
+            </a:r>
+            <a:r>
+              <a:rPr lang="ru-RU" dirty="0" smtClean="0">
+                <a:latin typeface="Arial" panose="020B0604020202020204" pitchFamily="34" charset="0"/>
+                <a:cs typeface="Arial" panose="020B0604020202020204" pitchFamily="34" charset="0"/>
+              </a:rPr>
               <a:t>микро-уровней</a:t>
             </a:r>
           </a:p>
           <a:p>
-            <a:r>
-              <a:rPr lang="ru-RU" dirty="0" smtClean="0"/>
+            <a:pPr algn="just"/>
+            <a:r>
+              <a:rPr lang="ru-RU" dirty="0" smtClean="0">
+                <a:latin typeface="Arial" panose="020B0604020202020204" pitchFamily="34" charset="0"/>
+                <a:cs typeface="Arial" panose="020B0604020202020204" pitchFamily="34" charset="0"/>
+              </a:rPr>
               <a:t>ускорение некоторых вычислений </a:t>
             </a:r>
             <a:r>
-              <a:rPr lang="ru-RU" dirty="0"/>
+              <a:rPr lang="ru-RU" dirty="0">
+                <a:latin typeface="Arial" panose="020B0604020202020204" pitchFamily="34" charset="0"/>
+                <a:cs typeface="Arial" panose="020B0604020202020204" pitchFamily="34" charset="0"/>
+              </a:rPr>
               <a:t>и </a:t>
             </a:r>
             <a:r>
-              <a:rPr lang="ru-RU" dirty="0" smtClean="0"/>
+              <a:rPr lang="ru-RU" dirty="0" smtClean="0">
+                <a:latin typeface="Arial" panose="020B0604020202020204" pitchFamily="34" charset="0"/>
+                <a:cs typeface="Arial" panose="020B0604020202020204" pitchFamily="34" charset="0"/>
+              </a:rPr>
               <a:t>реализация идей, недоступных </a:t>
             </a:r>
             <a:r>
-              <a:rPr lang="ru-RU" dirty="0"/>
+              <a:rPr lang="ru-RU" dirty="0">
+                <a:latin typeface="Arial" panose="020B0604020202020204" pitchFamily="34" charset="0"/>
+                <a:cs typeface="Arial" panose="020B0604020202020204" pitchFamily="34" charset="0"/>
+              </a:rPr>
               <a:t>классическим </a:t>
             </a:r>
             <a:r>
-              <a:rPr lang="ru-RU" dirty="0" smtClean="0"/>
+              <a:rPr lang="ru-RU" dirty="0" smtClean="0">
+                <a:latin typeface="Arial" panose="020B0604020202020204" pitchFamily="34" charset="0"/>
+                <a:cs typeface="Arial" panose="020B0604020202020204" pitchFamily="34" charset="0"/>
+              </a:rPr>
               <a:t>компьютерам</a:t>
             </a:r>
             <a:r>
-              <a:rPr lang="en-US" dirty="0"/>
+              <a:rPr lang="en-US" dirty="0">
+                <a:latin typeface="Arial" panose="020B0604020202020204" pitchFamily="34" charset="0"/>
+                <a:cs typeface="Arial" panose="020B0604020202020204" pitchFamily="34" charset="0"/>
+              </a:rPr>
               <a:t>;</a:t>
             </a:r>
-            <a:endParaRPr lang="ru-RU" dirty="0"/>
-          </a:p>
-          <a:p>
-            <a:r>
-              <a:rPr lang="ru-RU" dirty="0" smtClean="0"/>
+            <a:endParaRPr lang="ru-RU" dirty="0">
+              <a:latin typeface="Arial" panose="020B0604020202020204" pitchFamily="34" charset="0"/>
+              <a:cs typeface="Arial" panose="020B0604020202020204" pitchFamily="34" charset="0"/>
+            </a:endParaRPr>
+          </a:p>
+          <a:p>
+            <a:pPr algn="just"/>
+            <a:r>
+              <a:rPr lang="ru-RU" dirty="0" smtClean="0">
+                <a:latin typeface="Arial" panose="020B0604020202020204" pitchFamily="34" charset="0"/>
+                <a:cs typeface="Arial" panose="020B0604020202020204" pitchFamily="34" charset="0"/>
+              </a:rPr>
               <a:t>выявление возможности </a:t>
             </a:r>
             <a:r>
-              <a:rPr lang="ru-RU" dirty="0"/>
+              <a:rPr lang="ru-RU" dirty="0">
+                <a:latin typeface="Arial" panose="020B0604020202020204" pitchFamily="34" charset="0"/>
+                <a:cs typeface="Arial" panose="020B0604020202020204" pitchFamily="34" charset="0"/>
+              </a:rPr>
               <a:t>и ограничения самого допустимо-сильного вычислительного устройства, которое может позволить нам </a:t>
             </a:r>
             <a:r>
-              <a:rPr lang="ru-RU" dirty="0" smtClean="0"/>
+              <a:rPr lang="ru-RU" dirty="0" smtClean="0">
+                <a:latin typeface="Arial" panose="020B0604020202020204" pitchFamily="34" charset="0"/>
+                <a:cs typeface="Arial" panose="020B0604020202020204" pitchFamily="34" charset="0"/>
+              </a:rPr>
               <a:t>природа</a:t>
             </a:r>
             <a:r>
-              <a:rPr lang="en-US" dirty="0" smtClean="0"/>
+              <a:rPr lang="en-US" dirty="0" smtClean="0">
+                <a:latin typeface="Arial" panose="020B0604020202020204" pitchFamily="34" charset="0"/>
+                <a:cs typeface="Arial" panose="020B0604020202020204" pitchFamily="34" charset="0"/>
+              </a:rPr>
               <a:t>;</a:t>
             </a:r>
-            <a:endParaRPr lang="ru-RU" dirty="0"/>
+            <a:endParaRPr lang="ru-RU" dirty="0">
+              <a:latin typeface="Arial" panose="020B0604020202020204" pitchFamily="34" charset="0"/>
+              <a:cs typeface="Arial" panose="020B0604020202020204" pitchFamily="34" charset="0"/>
+            </a:endParaRPr>
           </a:p>
           <a:p>
             <a:endParaRPr lang="ru-RU" dirty="0"/>
@@ -6075,129 +8540,207 @@
         </p:nvSpPr>
         <p:spPr/>
         <p:txBody>
+          <a:bodyPr>
+            <a:normAutofit/>
+          </a:bodyPr>
+          <a:lstStyle/>
+          <a:p>
+            <a:pPr algn="ctr"/>
+            <a:r>
+              <a:rPr lang="ru-RU" sz="4000" dirty="0" err="1" smtClean="0">
+                <a:latin typeface="Arial" panose="020B0604020202020204" pitchFamily="34" charset="0"/>
+                <a:cs typeface="Arial" panose="020B0604020202020204" pitchFamily="34" charset="0"/>
+              </a:rPr>
+              <a:t>Кубиты</a:t>
+            </a:r>
+            <a:endParaRPr lang="ru-RU" sz="4000" dirty="0">
+              <a:latin typeface="Arial" panose="020B0604020202020204" pitchFamily="34" charset="0"/>
+              <a:cs typeface="Arial" panose="020B0604020202020204" pitchFamily="34" charset="0"/>
+            </a:endParaRPr>
+          </a:p>
+        </p:txBody>
+      </p:sp>
+      <p:sp>
+        <p:nvSpPr>
+          <p:cNvPr id="3" name="Объект 2"/>
+          <p:cNvSpPr>
+            <a:spLocks noGrp="1"/>
+          </p:cNvSpPr>
+          <p:nvPr>
+            <p:ph idx="1"/>
+          </p:nvPr>
+        </p:nvSpPr>
+        <p:spPr/>
+        <p:txBody>
           <a:bodyPr/>
           <a:lstStyle/>
           <a:p>
-            <a:r>
-              <a:rPr lang="ru-RU" dirty="0" err="1" smtClean="0"/>
-              <a:t>Кубиты</a:t>
-            </a:r>
-            <a:endParaRPr lang="ru-RU" dirty="0"/>
-          </a:p>
-        </p:txBody>
-      </p:sp>
-      <p:sp>
-        <p:nvSpPr>
-          <p:cNvPr id="3" name="Объект 2"/>
-          <p:cNvSpPr>
-            <a:spLocks noGrp="1"/>
-          </p:cNvSpPr>
-          <p:nvPr>
-            <p:ph idx="1"/>
-          </p:nvPr>
-        </p:nvSpPr>
-        <p:spPr/>
-        <p:txBody>
-          <a:bodyPr/>
-          <a:lstStyle/>
-          <a:p>
             <a:pPr marL="0" indent="0" algn="just">
               <a:buNone/>
             </a:pPr>
             <a:r>
-              <a:rPr lang="ru-RU" dirty="0" smtClean="0"/>
+              <a:rPr lang="ru-RU" dirty="0" smtClean="0">
+                <a:latin typeface="Arial" panose="020B0604020202020204" pitchFamily="34" charset="0"/>
+                <a:cs typeface="Arial" panose="020B0604020202020204" pitchFamily="34" charset="0"/>
+              </a:rPr>
               <a:t>Рассмотрим </a:t>
             </a:r>
             <a:r>
-              <a:rPr lang="ru-RU" dirty="0"/>
+              <a:rPr lang="ru-RU" dirty="0">
+                <a:latin typeface="Arial" panose="020B0604020202020204" pitchFamily="34" charset="0"/>
+                <a:cs typeface="Arial" panose="020B0604020202020204" pitchFamily="34" charset="0"/>
+              </a:rPr>
               <a:t>систему, которая может быть в двух базовых состояниях, назовем их |0&gt; и |1&gt;. </a:t>
             </a:r>
-            <a:endParaRPr lang="ru-RU" dirty="0" smtClean="0"/>
+            <a:endParaRPr lang="ru-RU" dirty="0" smtClean="0">
+              <a:latin typeface="Arial" panose="020B0604020202020204" pitchFamily="34" charset="0"/>
+              <a:cs typeface="Arial" panose="020B0604020202020204" pitchFamily="34" charset="0"/>
+            </a:endParaRPr>
           </a:p>
           <a:p>
             <a:pPr marL="0" indent="0" algn="just">
               <a:buNone/>
             </a:pPr>
             <a:r>
-              <a:rPr lang="ru-RU" dirty="0" smtClean="0"/>
+              <a:rPr lang="ru-RU" dirty="0" smtClean="0">
+                <a:latin typeface="Arial" panose="020B0604020202020204" pitchFamily="34" charset="0"/>
+                <a:cs typeface="Arial" panose="020B0604020202020204" pitchFamily="34" charset="0"/>
+              </a:rPr>
               <a:t>Представим </a:t>
             </a:r>
             <a:r>
-              <a:rPr lang="ru-RU" dirty="0" err="1"/>
+              <a:rPr lang="ru-RU" dirty="0" err="1">
+                <a:latin typeface="Arial" panose="020B0604020202020204" pitchFamily="34" charset="0"/>
+                <a:cs typeface="Arial" panose="020B0604020202020204" pitchFamily="34" charset="0"/>
+              </a:rPr>
               <a:t>кубит</a:t>
             </a:r>
             <a:r>
-              <a:rPr lang="ru-RU" dirty="0"/>
+              <a:rPr lang="ru-RU" dirty="0">
+                <a:latin typeface="Arial" panose="020B0604020202020204" pitchFamily="34" charset="0"/>
+                <a:cs typeface="Arial" panose="020B0604020202020204" pitchFamily="34" charset="0"/>
+              </a:rPr>
               <a:t> как α</a:t>
             </a:r>
             <a:r>
-              <a:rPr lang="ru-RU" baseline="-25000" dirty="0"/>
+              <a:rPr lang="ru-RU" baseline="-25000" dirty="0">
+                <a:latin typeface="Arial" panose="020B0604020202020204" pitchFamily="34" charset="0"/>
+                <a:cs typeface="Arial" panose="020B0604020202020204" pitchFamily="34" charset="0"/>
+              </a:rPr>
               <a:t>0</a:t>
             </a:r>
             <a:r>
-              <a:rPr lang="ru-RU" dirty="0"/>
+              <a:rPr lang="ru-RU" dirty="0">
+                <a:latin typeface="Arial" panose="020B0604020202020204" pitchFamily="34" charset="0"/>
+                <a:cs typeface="Arial" panose="020B0604020202020204" pitchFamily="34" charset="0"/>
+              </a:rPr>
               <a:t>|0&gt; + α</a:t>
             </a:r>
             <a:r>
-              <a:rPr lang="ru-RU" baseline="-25000" dirty="0"/>
+              <a:rPr lang="ru-RU" baseline="-25000" dirty="0">
+                <a:latin typeface="Arial" panose="020B0604020202020204" pitchFamily="34" charset="0"/>
+                <a:cs typeface="Arial" panose="020B0604020202020204" pitchFamily="34" charset="0"/>
+              </a:rPr>
               <a:t>1</a:t>
             </a:r>
             <a:r>
-              <a:rPr lang="ru-RU" dirty="0"/>
+              <a:rPr lang="ru-RU" dirty="0">
+                <a:latin typeface="Arial" panose="020B0604020202020204" pitchFamily="34" charset="0"/>
+                <a:cs typeface="Arial" panose="020B0604020202020204" pitchFamily="34" charset="0"/>
+              </a:rPr>
               <a:t>|1&gt;, |α</a:t>
             </a:r>
             <a:r>
-              <a:rPr lang="ru-RU" baseline="-25000" dirty="0"/>
+              <a:rPr lang="ru-RU" baseline="-25000" dirty="0">
+                <a:latin typeface="Arial" panose="020B0604020202020204" pitchFamily="34" charset="0"/>
+                <a:cs typeface="Arial" panose="020B0604020202020204" pitchFamily="34" charset="0"/>
+              </a:rPr>
               <a:t>0</a:t>
             </a:r>
             <a:r>
-              <a:rPr lang="ru-RU" dirty="0"/>
+              <a:rPr lang="ru-RU" dirty="0">
+                <a:latin typeface="Arial" panose="020B0604020202020204" pitchFamily="34" charset="0"/>
+                <a:cs typeface="Arial" panose="020B0604020202020204" pitchFamily="34" charset="0"/>
+              </a:rPr>
               <a:t>|^2+ |α</a:t>
             </a:r>
             <a:r>
-              <a:rPr lang="ru-RU" baseline="-25000" dirty="0"/>
+              <a:rPr lang="ru-RU" baseline="-25000" dirty="0">
+                <a:latin typeface="Arial" panose="020B0604020202020204" pitchFamily="34" charset="0"/>
+                <a:cs typeface="Arial" panose="020B0604020202020204" pitchFamily="34" charset="0"/>
+              </a:rPr>
               <a:t>1</a:t>
             </a:r>
             <a:r>
-              <a:rPr lang="ru-RU" dirty="0"/>
+              <a:rPr lang="ru-RU" dirty="0">
+                <a:latin typeface="Arial" panose="020B0604020202020204" pitchFamily="34" charset="0"/>
+                <a:cs typeface="Arial" panose="020B0604020202020204" pitchFamily="34" charset="0"/>
+              </a:rPr>
               <a:t>|^2= 1. </a:t>
             </a:r>
-            <a:endParaRPr lang="ru-RU" dirty="0" smtClean="0"/>
+            <a:endParaRPr lang="ru-RU" dirty="0" smtClean="0">
+              <a:latin typeface="Arial" panose="020B0604020202020204" pitchFamily="34" charset="0"/>
+              <a:cs typeface="Arial" panose="020B0604020202020204" pitchFamily="34" charset="0"/>
+            </a:endParaRPr>
           </a:p>
           <a:p>
             <a:pPr marL="0" indent="0" algn="just">
               <a:buNone/>
             </a:pPr>
             <a:r>
-              <a:rPr lang="ru-RU" dirty="0" smtClean="0"/>
+              <a:rPr lang="ru-RU" dirty="0" smtClean="0">
+                <a:latin typeface="Arial" panose="020B0604020202020204" pitchFamily="34" charset="0"/>
+                <a:cs typeface="Arial" panose="020B0604020202020204" pitchFamily="34" charset="0"/>
+              </a:rPr>
               <a:t>Квантовому </a:t>
             </a:r>
             <a:r>
-              <a:rPr lang="ru-RU" dirty="0"/>
+              <a:rPr lang="ru-RU" dirty="0">
+                <a:latin typeface="Arial" panose="020B0604020202020204" pitchFamily="34" charset="0"/>
+                <a:cs typeface="Arial" panose="020B0604020202020204" pitchFamily="34" charset="0"/>
+              </a:rPr>
               <a:t>компьютеру необходимо как минимум 10</a:t>
             </a:r>
             <a:r>
-              <a:rPr lang="ru-RU" baseline="30000" dirty="0"/>
+              <a:rPr lang="ru-RU" baseline="30000" dirty="0">
+                <a:latin typeface="Arial" panose="020B0604020202020204" pitchFamily="34" charset="0"/>
+                <a:cs typeface="Arial" panose="020B0604020202020204" pitchFamily="34" charset="0"/>
+              </a:rPr>
               <a:t>2</a:t>
             </a:r>
             <a:r>
-              <a:rPr lang="ru-RU" dirty="0"/>
+              <a:rPr lang="ru-RU" dirty="0">
+                <a:latin typeface="Arial" panose="020B0604020202020204" pitchFamily="34" charset="0"/>
+                <a:cs typeface="Arial" panose="020B0604020202020204" pitchFamily="34" charset="0"/>
+              </a:rPr>
               <a:t> – 10</a:t>
             </a:r>
             <a:r>
-              <a:rPr lang="ru-RU" baseline="30000" dirty="0"/>
+              <a:rPr lang="ru-RU" baseline="30000" dirty="0">
+                <a:latin typeface="Arial" panose="020B0604020202020204" pitchFamily="34" charset="0"/>
+                <a:cs typeface="Arial" panose="020B0604020202020204" pitchFamily="34" charset="0"/>
+              </a:rPr>
               <a:t>3</a:t>
             </a:r>
             <a:r>
-              <a:rPr lang="ru-RU" dirty="0"/>
+              <a:rPr lang="ru-RU" dirty="0">
+                <a:latin typeface="Arial" panose="020B0604020202020204" pitchFamily="34" charset="0"/>
+                <a:cs typeface="Arial" panose="020B0604020202020204" pitchFamily="34" charset="0"/>
+              </a:rPr>
               <a:t> </a:t>
             </a:r>
             <a:r>
-              <a:rPr lang="ru-RU" dirty="0" err="1"/>
+              <a:rPr lang="ru-RU" dirty="0" err="1">
+                <a:latin typeface="Arial" panose="020B0604020202020204" pitchFamily="34" charset="0"/>
+                <a:cs typeface="Arial" panose="020B0604020202020204" pitchFamily="34" charset="0"/>
+              </a:rPr>
               <a:t>кубит</a:t>
             </a:r>
             <a:r>
-              <a:rPr lang="ru-RU" dirty="0"/>
+              <a:rPr lang="ru-RU" dirty="0">
+                <a:latin typeface="Arial" panose="020B0604020202020204" pitchFamily="34" charset="0"/>
+                <a:cs typeface="Arial" panose="020B0604020202020204" pitchFamily="34" charset="0"/>
+              </a:rPr>
               <a:t>, для выполнения алгоритмов, более эффективных, чем их классические аналоги.</a:t>
             </a:r>
           </a:p>
@@ -6248,17 +8791,20 @@
         </p:nvSpPr>
         <p:spPr/>
         <p:txBody>
-          <a:bodyPr/>
+          <a:bodyPr>
+            <a:normAutofit/>
+          </a:bodyPr>
           <a:lstStyle/>
           <a:p>
-            <a:r>
-              <a:rPr lang="ru-RU" dirty="0" smtClean="0">
+            <a:pPr algn="ctr"/>
+            <a:r>
+              <a:rPr lang="ru-RU" sz="4000" dirty="0" smtClean="0">
                 <a:latin typeface="Arial" panose="020B0604020202020204" pitchFamily="34" charset="0"/>
                 <a:cs typeface="Arial" panose="020B0604020202020204" pitchFamily="34" charset="0"/>
               </a:rPr>
               <a:t>Задачи работы</a:t>
             </a:r>
-            <a:endParaRPr lang="ru-RU" dirty="0"/>
+            <a:endParaRPr lang="ru-RU" sz="4000" dirty="0"/>
           </a:p>
         </p:txBody>
       </p:sp>
@@ -6406,90 +8952,129 @@
         </p:nvSpPr>
         <p:spPr/>
         <p:txBody>
+          <a:bodyPr>
+            <a:normAutofit/>
+          </a:bodyPr>
+          <a:lstStyle/>
+          <a:p>
+            <a:pPr algn="ctr"/>
+            <a:r>
+              <a:rPr lang="ru-RU" sz="4000" dirty="0" smtClean="0">
+                <a:latin typeface="Arial" panose="020B0604020202020204" pitchFamily="34" charset="0"/>
+                <a:cs typeface="Arial" panose="020B0604020202020204" pitchFamily="34" charset="0"/>
+              </a:rPr>
+              <a:t>Задачи работы</a:t>
+            </a:r>
+            <a:endParaRPr lang="ru-RU" sz="4000" dirty="0"/>
+          </a:p>
+        </p:txBody>
+      </p:sp>
+      <p:sp>
+        <p:nvSpPr>
+          <p:cNvPr id="3" name="Объект 2"/>
+          <p:cNvSpPr>
+            <a:spLocks noGrp="1"/>
+          </p:cNvSpPr>
+          <p:nvPr>
+            <p:ph idx="1"/>
+          </p:nvPr>
+        </p:nvSpPr>
+        <p:spPr/>
+        <p:txBody>
           <a:bodyPr/>
           <a:lstStyle/>
           <a:p>
+            <a:pPr lvl="0" algn="just"/>
+            <a:r>
+              <a:rPr lang="ru-RU" dirty="0">
+                <a:latin typeface="Arial" panose="020B0604020202020204" pitchFamily="34" charset="0"/>
+                <a:cs typeface="Arial" panose="020B0604020202020204" pitchFamily="34" charset="0"/>
+              </a:rPr>
+              <a:t>Алгоритм </a:t>
+            </a:r>
+            <a:r>
+              <a:rPr lang="ru-RU" dirty="0" err="1">
+                <a:latin typeface="Arial" panose="020B0604020202020204" pitchFamily="34" charset="0"/>
+                <a:cs typeface="Arial" panose="020B0604020202020204" pitchFamily="34" charset="0"/>
+              </a:rPr>
+              <a:t>Дейча-Джозы</a:t>
+            </a:r>
+            <a:r>
+              <a:rPr lang="ru-RU" dirty="0">
+                <a:latin typeface="Arial" panose="020B0604020202020204" pitchFamily="34" charset="0"/>
+                <a:cs typeface="Arial" panose="020B0604020202020204" pitchFamily="34" charset="0"/>
+              </a:rPr>
+              <a:t> для определения сбалансированности функции</a:t>
+            </a:r>
+          </a:p>
+          <a:p>
+            <a:pPr lvl="0" algn="just"/>
+            <a:r>
+              <a:rPr lang="ru-RU" dirty="0">
+                <a:latin typeface="Arial" panose="020B0604020202020204" pitchFamily="34" charset="0"/>
+                <a:cs typeface="Arial" panose="020B0604020202020204" pitchFamily="34" charset="0"/>
+              </a:rPr>
+              <a:t>Алгоритм </a:t>
+            </a:r>
+            <a:r>
+              <a:rPr lang="ru-RU" dirty="0" err="1">
+                <a:latin typeface="Arial" panose="020B0604020202020204" pitchFamily="34" charset="0"/>
+                <a:cs typeface="Arial" panose="020B0604020202020204" pitchFamily="34" charset="0"/>
+              </a:rPr>
+              <a:t>Шора</a:t>
+            </a:r>
+            <a:r>
+              <a:rPr lang="ru-RU" dirty="0">
+                <a:latin typeface="Arial" panose="020B0604020202020204" pitchFamily="34" charset="0"/>
+                <a:cs typeface="Arial" panose="020B0604020202020204" pitchFamily="34" charset="0"/>
+              </a:rPr>
+              <a:t> для факторизации числа</a:t>
+            </a:r>
+          </a:p>
+          <a:p>
+            <a:pPr lvl="0" algn="just"/>
+            <a:r>
+              <a:rPr lang="ru-RU" dirty="0">
+                <a:latin typeface="Arial" panose="020B0604020202020204" pitchFamily="34" charset="0"/>
+                <a:cs typeface="Arial" panose="020B0604020202020204" pitchFamily="34" charset="0"/>
+              </a:rPr>
+              <a:t>Квантовый обход графа</a:t>
+            </a:r>
+          </a:p>
+          <a:p>
+            <a:pPr lvl="0" algn="just"/>
+            <a:r>
+              <a:rPr lang="ru-RU" dirty="0">
+                <a:latin typeface="Arial" panose="020B0604020202020204" pitchFamily="34" charset="0"/>
+                <a:cs typeface="Arial" panose="020B0604020202020204" pitchFamily="34" charset="0"/>
+              </a:rPr>
+              <a:t>Квантовый алгоритм для систем линейных равенств </a:t>
+            </a:r>
             <a:r>
               <a:rPr lang="ru-RU" dirty="0" smtClean="0">
                 <a:latin typeface="Arial" panose="020B0604020202020204" pitchFamily="34" charset="0"/>
                 <a:cs typeface="Arial" panose="020B0604020202020204" pitchFamily="34" charset="0"/>
               </a:rPr>
-              <a:t>Задачи работы</a:t>
-            </a:r>
-            <a:endParaRPr lang="ru-RU" dirty="0"/>
-          </a:p>
-        </p:txBody>
-      </p:sp>
-      <p:sp>
-        <p:nvSpPr>
-          <p:cNvPr id="3" name="Объект 2"/>
-          <p:cNvSpPr>
-            <a:spLocks noGrp="1"/>
-          </p:cNvSpPr>
-          <p:nvPr>
-            <p:ph idx="1"/>
-          </p:nvPr>
-        </p:nvSpPr>
-        <p:spPr/>
-        <p:txBody>
-          <a:bodyPr/>
-          <a:lstStyle/>
-          <a:p>
-            <a:pPr lvl="0" algn="just"/>
-            <a:r>
-              <a:rPr lang="ru-RU" dirty="0"/>
-              <a:t>Алгоритм </a:t>
-            </a:r>
-            <a:r>
-              <a:rPr lang="ru-RU" dirty="0" err="1"/>
-              <a:t>Дейча-Джозы</a:t>
-            </a:r>
-            <a:r>
-              <a:rPr lang="ru-RU" dirty="0"/>
-              <a:t> для определения сбалансированности функции</a:t>
-            </a:r>
-          </a:p>
-          <a:p>
-            <a:pPr lvl="0" algn="just"/>
-            <a:r>
-              <a:rPr lang="ru-RU" dirty="0"/>
-              <a:t>Алгоритм </a:t>
-            </a:r>
-            <a:r>
-              <a:rPr lang="ru-RU" dirty="0" err="1"/>
-              <a:t>Шора</a:t>
-            </a:r>
-            <a:r>
-              <a:rPr lang="ru-RU" dirty="0"/>
-              <a:t> для факторизации числа</a:t>
-            </a:r>
-          </a:p>
-          <a:p>
-            <a:pPr lvl="0" algn="just"/>
-            <a:r>
-              <a:rPr lang="ru-RU" dirty="0"/>
-              <a:t>Квантовый обход графа</a:t>
-            </a:r>
-          </a:p>
-          <a:p>
-            <a:pPr lvl="0" algn="just"/>
-            <a:r>
-              <a:rPr lang="ru-RU" dirty="0"/>
-              <a:t>Квантовый алгоритм для систем линейных равенств </a:t>
-            </a:r>
-            <a:r>
-              <a:rPr lang="ru-RU" dirty="0" smtClean="0"/>
               <a:t/>
             </a:r>
             <a:br>
-              <a:rPr lang="ru-RU" dirty="0" smtClean="0"/>
+              <a:rPr lang="ru-RU" dirty="0" smtClean="0">
+                <a:latin typeface="Arial" panose="020B0604020202020204" pitchFamily="34" charset="0"/>
+                <a:cs typeface="Arial" panose="020B0604020202020204" pitchFamily="34" charset="0"/>
+              </a:rPr>
             </a:br>
             <a:r>
-              <a:rPr lang="ru-RU" dirty="0" smtClean="0"/>
+              <a:rPr lang="ru-RU" dirty="0" smtClean="0">
+                <a:latin typeface="Arial" panose="020B0604020202020204" pitchFamily="34" charset="0"/>
+                <a:cs typeface="Arial" panose="020B0604020202020204" pitchFamily="34" charset="0"/>
+              </a:rPr>
               <a:t>(</a:t>
             </a:r>
             <a:r>
-              <a:rPr lang="ru-RU" dirty="0"/>
+              <a:rPr lang="ru-RU" dirty="0">
+                <a:latin typeface="Arial" panose="020B0604020202020204" pitchFamily="34" charset="0"/>
+                <a:cs typeface="Arial" panose="020B0604020202020204" pitchFamily="34" charset="0"/>
+              </a:rPr>
               <a:t>Алгоритм ХХЛ)</a:t>
             </a:r>
           </a:p>
@@ -6552,13 +9137,13 @@
           <a:p>
             <a:pPr algn="ctr"/>
             <a:r>
-              <a:rPr lang="ru-RU" dirty="0" smtClean="0">
+              <a:rPr lang="ru-RU" sz="4000" dirty="0" smtClean="0">
                 <a:latin typeface="Arial" panose="020B0604020202020204" pitchFamily="34" charset="0"/>
                 <a:cs typeface="Arial" panose="020B0604020202020204" pitchFamily="34" charset="0"/>
               </a:rPr>
               <a:t>Средства реализации</a:t>
             </a:r>
-            <a:endParaRPr lang="ru-RU" dirty="0">
+            <a:endParaRPr lang="ru-RU" sz="4000" dirty="0">
               <a:latin typeface="Arial" panose="020B0604020202020204" pitchFamily="34" charset="0"/>
               <a:cs typeface="Arial" panose="020B0604020202020204" pitchFamily="34" charset="0"/>
             </a:endParaRPr>
@@ -6596,14 +9181,14 @@
               </a:spcBef>
             </a:pPr>
             <a:r>
-              <a:rPr lang="ru-RU" sz="2400" dirty="0" smtClean="0">
+              <a:rPr lang="ru-RU" dirty="0" smtClean="0">
                 <a:latin typeface="Arial" panose="020B0604020202020204" pitchFamily="34" charset="0"/>
                 <a:cs typeface="Arial" panose="020B0604020202020204" pitchFamily="34" charset="0"/>
               </a:rPr>
               <a:t>ОС </a:t>
             </a:r>
             <a:r>
-              <a:rPr lang="en-US" sz="2400" dirty="0">
+              <a:rPr lang="en-US" dirty="0">
                 <a:latin typeface="Arial" panose="020B0604020202020204" pitchFamily="34" charset="0"/>
                 <a:cs typeface="Arial" panose="020B0604020202020204" pitchFamily="34" charset="0"/>
               </a:rPr>
@@ -6620,21 +9205,21 @@
               </a:spcBef>
             </a:pPr>
             <a:r>
-              <a:rPr lang="ru-RU" sz="2400" dirty="0" smtClean="0">
+              <a:rPr lang="ru-RU" dirty="0" smtClean="0">
                 <a:latin typeface="Arial" panose="020B0604020202020204" pitchFamily="34" charset="0"/>
                 <a:cs typeface="Arial" panose="020B0604020202020204" pitchFamily="34" charset="0"/>
               </a:rPr>
               <a:t>универсальная </a:t>
             </a:r>
             <a:r>
-              <a:rPr lang="ru-RU" sz="2400" dirty="0">
+              <a:rPr lang="ru-RU" dirty="0">
                 <a:latin typeface="Arial" panose="020B0604020202020204" pitchFamily="34" charset="0"/>
                 <a:cs typeface="Arial" panose="020B0604020202020204" pitchFamily="34" charset="0"/>
               </a:rPr>
               <a:t>платформа разработки .</a:t>
             </a:r>
             <a:r>
-              <a:rPr lang="en-US" sz="2400" dirty="0">
+              <a:rPr lang="en-US" dirty="0">
                 <a:latin typeface="Arial" panose="020B0604020202020204" pitchFamily="34" charset="0"/>
                 <a:cs typeface="Arial" panose="020B0604020202020204" pitchFamily="34" charset="0"/>
               </a:rPr>
@@ -6651,21 +9236,21 @@
               </a:spcBef>
             </a:pPr>
             <a:r>
-              <a:rPr lang="ru-RU" sz="2400" dirty="0" smtClean="0">
+              <a:rPr lang="ru-RU" dirty="0" smtClean="0">
                 <a:latin typeface="Arial" panose="020B0604020202020204" pitchFamily="34" charset="0"/>
                 <a:cs typeface="Arial" panose="020B0604020202020204" pitchFamily="34" charset="0"/>
               </a:rPr>
               <a:t>пакет </a:t>
             </a:r>
             <a:r>
-              <a:rPr lang="ru-RU" sz="2400" dirty="0">
+              <a:rPr lang="ru-RU" dirty="0">
                 <a:latin typeface="Arial" panose="020B0604020202020204" pitchFamily="34" charset="0"/>
                 <a:cs typeface="Arial" panose="020B0604020202020204" pitchFamily="34" charset="0"/>
               </a:rPr>
               <a:t>разработки </a:t>
             </a:r>
             <a:r>
-              <a:rPr lang="en-US" sz="2400" dirty="0">
+              <a:rPr lang="en-US" dirty="0">
                 <a:latin typeface="Arial" panose="020B0604020202020204" pitchFamily="34" charset="0"/>
                 <a:cs typeface="Arial" panose="020B0604020202020204" pitchFamily="34" charset="0"/>
               </a:rPr>
@@ -6682,21 +9267,21 @@
               </a:spcBef>
             </a:pPr>
             <a:r>
-              <a:rPr lang="ru-RU" sz="2400" dirty="0" smtClean="0">
+              <a:rPr lang="ru-RU" dirty="0" smtClean="0">
                 <a:latin typeface="Arial" panose="020B0604020202020204" pitchFamily="34" charset="0"/>
                 <a:cs typeface="Arial" panose="020B0604020202020204" pitchFamily="34" charset="0"/>
               </a:rPr>
               <a:t>редактор </a:t>
             </a:r>
             <a:r>
-              <a:rPr lang="ru-RU" sz="2400" dirty="0">
+              <a:rPr lang="ru-RU" dirty="0">
                 <a:latin typeface="Arial" panose="020B0604020202020204" pitchFamily="34" charset="0"/>
                 <a:cs typeface="Arial" panose="020B0604020202020204" pitchFamily="34" charset="0"/>
               </a:rPr>
               <a:t>исходного кода </a:t>
             </a:r>
             <a:r>
-              <a:rPr lang="en-US" sz="2400" dirty="0">
+              <a:rPr lang="en-US" dirty="0">
                 <a:latin typeface="Arial" panose="020B0604020202020204" pitchFamily="34" charset="0"/>
                 <a:cs typeface="Arial" panose="020B0604020202020204" pitchFamily="34" charset="0"/>
               </a:rPr>
@@ -6713,14 +9298,14 @@
               </a:spcBef>
             </a:pPr>
             <a:r>
-              <a:rPr lang="ru-RU" sz="2400" dirty="0" smtClean="0">
+              <a:rPr lang="ru-RU" dirty="0" smtClean="0">
                 <a:latin typeface="Arial" panose="020B0604020202020204" pitchFamily="34" charset="0"/>
                 <a:cs typeface="Arial" panose="020B0604020202020204" pitchFamily="34" charset="0"/>
               </a:rPr>
               <a:t>язык </a:t>
             </a:r>
             <a:r>
-              <a:rPr lang="en-US" sz="2400" dirty="0">
+              <a:rPr lang="en-US" dirty="0">
                 <a:latin typeface="Arial" panose="020B0604020202020204" pitchFamily="34" charset="0"/>
                 <a:cs typeface="Arial" panose="020B0604020202020204" pitchFamily="34" charset="0"/>
               </a:rPr>
@@ -6737,14 +9322,14 @@
               </a:spcBef>
             </a:pPr>
             <a:r>
-              <a:rPr lang="ru-RU" sz="2400" dirty="0" smtClean="0">
+              <a:rPr lang="ru-RU" dirty="0" smtClean="0">
                 <a:latin typeface="Arial" panose="020B0604020202020204" pitchFamily="34" charset="0"/>
                 <a:cs typeface="Arial" panose="020B0604020202020204" pitchFamily="34" charset="0"/>
               </a:rPr>
               <a:t>язык </a:t>
             </a:r>
             <a:r>
-              <a:rPr lang="en-US" sz="2400" dirty="0">
+              <a:rPr lang="en-US" dirty="0">
                 <a:latin typeface="Arial" panose="020B0604020202020204" pitchFamily="34" charset="0"/>
                 <a:cs typeface="Arial" panose="020B0604020202020204" pitchFamily="34" charset="0"/>
               </a:rPr>

--- a/Черниговских 2к 14гр.pptx
+++ b/Черниговских 2к 14гр.pptx
@@ -5,7 +5,7 @@
     <p:sldMasterId id="2147483648" r:id="rId1"/>
   </p:sldMasterIdLst>
   <p:sldIdLst>
-    <p:sldId id="256" r:id="rId2"/>
+    <p:sldId id="277" r:id="rId2"/>
     <p:sldId id="257" r:id="rId3"/>
     <p:sldId id="258" r:id="rId4"/>
     <p:sldId id="259" r:id="rId5"/>
@@ -124,7 +124,7 @@
   </p:defaultTextStyle>
   <p:extLst>
     <p:ext uri="{EFAFB233-063F-42B5-8137-9DF3F51BA10A}">
-      <p15:sldGuideLst xmlns:p15="http://schemas.microsoft.com/office/powerpoint/2012/main"/>
+      <p15:sldGuideLst xmlns:p15="http://schemas.microsoft.com/office/powerpoint/2012/main" xmlns=""/>
     </p:ext>
   </p:extLst>
 </p:presentation>
@@ -2989,52 +2989,219 @@
       </p:grpSpPr>
       <p:sp>
         <p:nvSpPr>
-          <p:cNvPr id="2" name="Заголовок 1"/>
-          <p:cNvSpPr>
-            <a:spLocks noGrp="1"/>
-          </p:cNvSpPr>
-          <p:nvPr>
-            <p:ph type="ctrTitle"/>
-          </p:nvPr>
-        </p:nvSpPr>
-        <p:spPr/>
-        <p:txBody>
-          <a:bodyPr/>
+          <p:cNvPr id="3" name="Подзаголовок 2"/>
+          <p:cNvSpPr>
+            <a:spLocks noGrp="1"/>
+          </p:cNvSpPr>
+          <p:nvPr>
+            <p:ph type="subTitle" idx="1"/>
+          </p:nvPr>
+        </p:nvSpPr>
+        <p:spPr>
+          <a:xfrm>
+            <a:off x="611447" y="649995"/>
+            <a:ext cx="10922924" cy="5731698"/>
+          </a:xfrm>
+        </p:spPr>
+        <p:txBody>
+          <a:bodyPr>
+            <a:normAutofit/>
+          </a:bodyPr>
           <a:lstStyle/>
           <a:p>
-            <a:endParaRPr lang="ru-RU"/>
-          </a:p>
-        </p:txBody>
-      </p:sp>
-      <p:sp>
-        <p:nvSpPr>
-          <p:cNvPr id="3" name="Подзаголовок 2"/>
-          <p:cNvSpPr>
-            <a:spLocks noGrp="1"/>
-          </p:cNvSpPr>
-          <p:nvPr>
-            <p:ph type="subTitle" idx="1"/>
-          </p:nvPr>
-        </p:nvSpPr>
-        <p:spPr/>
-        <p:txBody>
-          <a:bodyPr/>
-          <a:lstStyle/>
-          <a:p>
-            <a:endParaRPr lang="ru-RU"/>
-          </a:p>
-        </p:txBody>
-      </p:sp>
+            <a:endParaRPr lang="ru-RU" sz="3600" dirty="0" smtClean="0"/>
+          </a:p>
+          <a:p>
+            <a:r>
+              <a:rPr lang="ru-RU" sz="4000" dirty="0">
+                <a:solidFill>
+                  <a:schemeClr val="tx1"/>
+                </a:solidFill>
+                <a:latin typeface="Arial" panose="020B0604020202020204" pitchFamily="34" charset="0"/>
+                <a:cs typeface="Arial" panose="020B0604020202020204" pitchFamily="34" charset="0"/>
+              </a:rPr>
+              <a:t>Сравнительный анализ алгоритмов квантовых вычислений с их классическими </a:t>
+            </a:r>
+            <a:r>
+              <a:rPr lang="ru-RU" sz="4000" dirty="0" smtClean="0">
+                <a:solidFill>
+                  <a:schemeClr val="tx1"/>
+                </a:solidFill>
+                <a:latin typeface="Arial" panose="020B0604020202020204" pitchFamily="34" charset="0"/>
+                <a:cs typeface="Arial" panose="020B0604020202020204" pitchFamily="34" charset="0"/>
+              </a:rPr>
+              <a:t>аналогами</a:t>
+            </a:r>
+            <a:endParaRPr lang="ru-RU" sz="4000" dirty="0">
+              <a:solidFill>
+                <a:schemeClr val="tx1"/>
+              </a:solidFill>
+              <a:latin typeface="Arial" panose="020B0604020202020204" pitchFamily="34" charset="0"/>
+              <a:cs typeface="Arial" panose="020B0604020202020204" pitchFamily="34" charset="0"/>
+            </a:endParaRPr>
+          </a:p>
+          <a:p>
+            <a:endParaRPr lang="ru-RU" sz="1600" dirty="0" smtClean="0">
+              <a:latin typeface="Arial" panose="020B0604020202020204" pitchFamily="34" charset="0"/>
+              <a:cs typeface="Arial" panose="020B0604020202020204" pitchFamily="34" charset="0"/>
+            </a:endParaRPr>
+          </a:p>
+          <a:p>
+            <a:endParaRPr lang="ru-RU" sz="1600" dirty="0">
+              <a:latin typeface="Arial" panose="020B0604020202020204" pitchFamily="34" charset="0"/>
+              <a:cs typeface="Arial" panose="020B0604020202020204" pitchFamily="34" charset="0"/>
+            </a:endParaRPr>
+          </a:p>
+          <a:p>
+            <a:endParaRPr lang="ru-RU" sz="1600" dirty="0" smtClean="0">
+              <a:latin typeface="Arial" panose="020B0604020202020204" pitchFamily="34" charset="0"/>
+              <a:cs typeface="Arial" panose="020B0604020202020204" pitchFamily="34" charset="0"/>
+            </a:endParaRPr>
+          </a:p>
+          <a:p>
+            <a:pPr algn="r"/>
+            <a:endParaRPr lang="ru-RU" dirty="0" smtClean="0">
+              <a:latin typeface="Arial" panose="020B0604020202020204" pitchFamily="34" charset="0"/>
+              <a:cs typeface="Arial" panose="020B0604020202020204" pitchFamily="34" charset="0"/>
+            </a:endParaRPr>
+          </a:p>
+          <a:p>
+            <a:pPr algn="l"/>
+            <a:r>
+              <a:rPr lang="ru-RU" dirty="0" smtClean="0">
+                <a:latin typeface="Arial" panose="020B0604020202020204" pitchFamily="34" charset="0"/>
+                <a:cs typeface="Arial" panose="020B0604020202020204" pitchFamily="34" charset="0"/>
+              </a:rPr>
+              <a:t>				</a:t>
+            </a:r>
+            <a:r>
+              <a:rPr lang="ru-RU" dirty="0" smtClean="0">
+                <a:latin typeface="Arial" panose="020B0604020202020204" pitchFamily="34" charset="0"/>
+                <a:cs typeface="Arial" panose="020B0604020202020204" pitchFamily="34" charset="0"/>
+              </a:rPr>
+              <a:t>	</a:t>
+            </a:r>
+            <a:r>
+              <a:rPr lang="ru-RU" sz="2000" dirty="0" smtClean="0">
+                <a:solidFill>
+                  <a:schemeClr val="tx1"/>
+                </a:solidFill>
+                <a:latin typeface="Arial" panose="020B0604020202020204" pitchFamily="34" charset="0"/>
+                <a:cs typeface="Arial" panose="020B0604020202020204" pitchFamily="34" charset="0"/>
+              </a:rPr>
+              <a:t>Автор </a:t>
+            </a:r>
+            <a:r>
+              <a:rPr lang="ru-RU" sz="2000" dirty="0" smtClean="0">
+                <a:solidFill>
+                  <a:schemeClr val="tx1"/>
+                </a:solidFill>
+                <a:latin typeface="Arial" panose="020B0604020202020204" pitchFamily="34" charset="0"/>
+                <a:cs typeface="Arial" panose="020B0604020202020204" pitchFamily="34" charset="0"/>
+              </a:rPr>
+              <a:t>ВКР: Черниговских Р.И.</a:t>
+            </a:r>
+          </a:p>
+          <a:p>
+            <a:pPr algn="l">
+              <a:lnSpc>
+                <a:spcPct val="110000"/>
+              </a:lnSpc>
+            </a:pPr>
+            <a:r>
+              <a:rPr lang="ru-RU" sz="2000" dirty="0" smtClean="0">
+                <a:solidFill>
+                  <a:schemeClr val="tx1"/>
+                </a:solidFill>
+                <a:latin typeface="Arial" panose="020B0604020202020204" pitchFamily="34" charset="0"/>
+                <a:cs typeface="Arial" panose="020B0604020202020204" pitchFamily="34" charset="0"/>
+              </a:rPr>
+              <a:t>				</a:t>
+            </a:r>
+            <a:r>
+              <a:rPr lang="ru-RU" sz="2000" dirty="0" smtClean="0">
+                <a:solidFill>
+                  <a:schemeClr val="tx1"/>
+                </a:solidFill>
+                <a:latin typeface="Arial" panose="020B0604020202020204" pitchFamily="34" charset="0"/>
+                <a:cs typeface="Arial" panose="020B0604020202020204" pitchFamily="34" charset="0"/>
+              </a:rPr>
+              <a:t>	Руководитель</a:t>
+            </a:r>
+            <a:r>
+              <a:rPr lang="ru-RU" sz="2000" dirty="0" smtClean="0">
+                <a:solidFill>
+                  <a:schemeClr val="tx1"/>
+                </a:solidFill>
+                <a:latin typeface="Arial" panose="020B0604020202020204" pitchFamily="34" charset="0"/>
+                <a:cs typeface="Arial" panose="020B0604020202020204" pitchFamily="34" charset="0"/>
+              </a:rPr>
+              <a:t>: </a:t>
+            </a:r>
+            <a:r>
+              <a:rPr lang="ru-RU" sz="2000" dirty="0">
+                <a:latin typeface="Arial" panose="020B0604020202020204" pitchFamily="34" charset="0"/>
+                <a:cs typeface="Arial" panose="020B0604020202020204" pitchFamily="34" charset="0"/>
+              </a:rPr>
+              <a:t>к.ф.-м.н., доцент Барановский Е. С.</a:t>
+            </a:r>
+            <a:endParaRPr lang="ru-RU" sz="2000" dirty="0">
+              <a:solidFill>
+                <a:schemeClr val="tx1"/>
+              </a:solidFill>
+              <a:latin typeface="Arial" panose="020B0604020202020204" pitchFamily="34" charset="0"/>
+              <a:cs typeface="Arial" panose="020B0604020202020204" pitchFamily="34" charset="0"/>
+            </a:endParaRPr>
+          </a:p>
+        </p:txBody>
+      </p:sp>
+      <p:pic>
+        <p:nvPicPr>
+          <p:cNvPr id="4" name="Рисунок 3"/>
+          <p:cNvPicPr>
+            <a:picLocks noChangeAspect="1"/>
+          </p:cNvPicPr>
+          <p:nvPr/>
+        </p:nvPicPr>
+        <p:blipFill>
+          <a:blip r:embed="rId2" cstate="print">
+            <a:extLst>
+              <a:ext uri="{28A0092B-C50C-407E-A947-70E740481C1C}">
+                <a14:useLocalDpi xmlns:a14="http://schemas.microsoft.com/office/drawing/2010/main" val="0"/>
+              </a:ext>
+            </a:extLst>
+          </a:blip>
+          <a:stretch>
+            <a:fillRect/>
+          </a:stretch>
+        </p:blipFill>
+        <p:spPr>
+          <a:xfrm>
+            <a:off x="719403" y="3564467"/>
+            <a:ext cx="3193362" cy="2518955"/>
+          </a:xfrm>
+          <a:prstGeom prst="rect">
+            <a:avLst/>
+          </a:prstGeom>
+        </p:spPr>
+      </p:pic>
     </p:spTree>
     <p:extLst>
       <p:ext uri="{BB962C8B-B14F-4D97-AF65-F5344CB8AC3E}">
-        <p14:creationId xmlns:p14="http://schemas.microsoft.com/office/powerpoint/2010/main" val="2632446927"/>
+        <p14:creationId xmlns:p14="http://schemas.microsoft.com/office/powerpoint/2010/main" val="3600416117"/>
       </p:ext>
     </p:extLst>
   </p:cSld>
   <p:clrMapOvr>
     <a:masterClrMapping/>
   </p:clrMapOvr>
+  <p:timing>
+    <p:tnLst>
+      <p:par>
+        <p:cTn id="1" dur="indefinite" restart="never" nodeType="tmRoot"/>
+      </p:par>
+    </p:tnLst>
+  </p:timing>
 </p:sld>
 </file>
 
@@ -4224,8 +4391,8 @@
           </a:p>
         </p:txBody>
       </p:sp>
-      <mc:AlternateContent xmlns:mc="http://schemas.openxmlformats.org/markup-compatibility/2006">
-        <mc:Choice xmlns:a14="http://schemas.microsoft.com/office/drawing/2010/main" Requires="a14">
+      <mc:AlternateContent xmlns:mc="http://schemas.openxmlformats.org/markup-compatibility/2006" xmlns:a14="http://schemas.microsoft.com/office/drawing/2010/main">
+        <mc:Choice Requires="a14">
           <p:sp>
             <p:nvSpPr>
               <p:cNvPr id="3" name="Объект 2"/>
@@ -4373,7 +4540,7 @@
                       <m:sSupPr>
                         <m:ctrlPr>
                           <a:rPr lang="ru-RU" i="1" dirty="0" smtClean="0">
-                            <a:latin typeface="Cambria Math" panose="02040503050406030204" pitchFamily="18" charset="0"/>
+                            <a:latin typeface="Cambria Math"/>
                           </a:rPr>
                         </m:ctrlPr>
                       </m:sSupPr>
@@ -4500,7 +4667,7 @@
             </p:txBody>
           </p:sp>
         </mc:Choice>
-        <mc:Fallback>
+        <mc:Fallback xmlns="">
           <p:sp>
             <p:nvSpPr>
               <p:cNvPr id="3" name="Объект 2"/>
@@ -4622,14 +4789,7 @@
                 <a:latin typeface="Arial" panose="020B0604020202020204" pitchFamily="34" charset="0"/>
                 <a:cs typeface="Arial" panose="020B0604020202020204" pitchFamily="34" charset="0"/>
               </a:rPr>
-              <a:t>Детерминированный</a:t>
-            </a:r>
-            <a:r>
-              <a:rPr lang="ru-RU" sz="3200" dirty="0" smtClean="0">
-                <a:latin typeface="Arial" panose="020B0604020202020204" pitchFamily="34" charset="0"/>
-                <a:cs typeface="Arial" panose="020B0604020202020204" pitchFamily="34" charset="0"/>
-              </a:rPr>
-              <a:t>	</a:t>
+              <a:t>Детерминированный	</a:t>
             </a:r>
             <a:endParaRPr lang="ru-RU" sz="3200" dirty="0">
               <a:latin typeface="Arial" panose="020B0604020202020204" pitchFamily="34" charset="0"/>
@@ -4868,8 +5028,8 @@
           </a:p>
         </p:txBody>
       </p:sp>
-      <mc:AlternateContent xmlns:mc="http://schemas.openxmlformats.org/markup-compatibility/2006">
-        <mc:Choice xmlns:a14="http://schemas.microsoft.com/office/drawing/2010/main" Requires="a14">
+      <mc:AlternateContent xmlns:mc="http://schemas.openxmlformats.org/markup-compatibility/2006" xmlns:a14="http://schemas.microsoft.com/office/drawing/2010/main">
+        <mc:Choice Requires="a14">
           <p:sp>
             <p:nvSpPr>
               <p:cNvPr id="5" name="Объект 4"/>
@@ -4913,7 +5073,7 @@
                       <m:sSupPr>
                         <m:ctrlPr>
                           <a:rPr lang="ru-RU" i="1" smtClean="0">
-                            <a:latin typeface="Cambria Math" panose="02040503050406030204" pitchFamily="18" charset="0"/>
+                            <a:latin typeface="Cambria Math"/>
                           </a:rPr>
                         </m:ctrlPr>
                       </m:sSupPr>
@@ -4943,10 +5103,6 @@
                   </a:rPr>
                   <a:t>)</a:t>
                 </a:r>
-                <a:endParaRPr lang="en-US" dirty="0" smtClean="0">
-                  <a:latin typeface="Arial" panose="020B0604020202020204" pitchFamily="34" charset="0"/>
-                  <a:cs typeface="Arial" panose="020B0604020202020204" pitchFamily="34" charset="0"/>
-                </a:endParaRPr>
               </a:p>
               <a:p>
                 <a:pPr algn="just"/>
@@ -4995,7 +5151,7 @@
             </p:txBody>
           </p:sp>
         </mc:Choice>
-        <mc:Fallback>
+        <mc:Fallback xmlns="">
           <p:sp>
             <p:nvSpPr>
               <p:cNvPr id="5" name="Объект 4"/>
@@ -5065,8 +5221,8 @@
           </a:p>
         </p:txBody>
       </p:sp>
-      <mc:AlternateContent xmlns:mc="http://schemas.openxmlformats.org/markup-compatibility/2006">
-        <mc:Choice xmlns:a14="http://schemas.microsoft.com/office/drawing/2010/main" Requires="a14">
+      <mc:AlternateContent xmlns:mc="http://schemas.openxmlformats.org/markup-compatibility/2006" xmlns:a14="http://schemas.microsoft.com/office/drawing/2010/main">
+        <mc:Choice Requires="a14">
           <p:sp>
             <p:nvSpPr>
               <p:cNvPr id="7" name="Объект 6"/>
@@ -5103,7 +5259,7 @@
                       <m:funcPr>
                         <m:ctrlPr>
                           <a:rPr lang="en-US" i="1" smtClean="0">
-                            <a:latin typeface="Cambria Math" panose="02040503050406030204" pitchFamily="18" charset="0"/>
+                            <a:latin typeface="Cambria Math"/>
                           </a:rPr>
                         </m:ctrlPr>
                       </m:funcPr>
@@ -5131,7 +5287,7 @@
                       <m:sSupPr>
                         <m:ctrlPr>
                           <a:rPr lang="en-US" i="1" smtClean="0">
-                            <a:latin typeface="Cambria Math" panose="02040503050406030204" pitchFamily="18" charset="0"/>
+                            <a:latin typeface="Cambria Math"/>
                           </a:rPr>
                         </m:ctrlPr>
                       </m:sSupPr>
@@ -5161,10 +5317,6 @@
                   </a:rPr>
                   <a:t>)</a:t>
                 </a:r>
-                <a:endParaRPr lang="en-US" dirty="0" smtClean="0">
-                  <a:latin typeface="Arial" panose="020B0604020202020204" pitchFamily="34" charset="0"/>
-                  <a:cs typeface="Arial" panose="020B0604020202020204" pitchFamily="34" charset="0"/>
-                </a:endParaRPr>
               </a:p>
               <a:p>
                 <a:pPr algn="just"/>
@@ -5202,7 +5354,7 @@
                       <m:sSupPr>
                         <m:ctrlPr>
                           <a:rPr lang="en-US" i="1">
-                            <a:latin typeface="Cambria Math" panose="02040503050406030204" pitchFamily="18" charset="0"/>
+                            <a:latin typeface="Cambria Math"/>
                           </a:rPr>
                         </m:ctrlPr>
                       </m:sSupPr>
@@ -5227,7 +5379,7 @@
                       <m:funcPr>
                         <m:ctrlPr>
                           <a:rPr lang="en-US" i="1">
-                            <a:latin typeface="Cambria Math" panose="02040503050406030204" pitchFamily="18" charset="0"/>
+                            <a:latin typeface="Cambria Math"/>
                           </a:rPr>
                         </m:ctrlPr>
                       </m:funcPr>
@@ -5309,7 +5461,7 @@
                       <m:funcPr>
                         <m:ctrlPr>
                           <a:rPr lang="en-US" i="1" dirty="0" smtClean="0">
-                            <a:latin typeface="Cambria Math" panose="02040503050406030204" pitchFamily="18" charset="0"/>
+                            <a:latin typeface="Cambria Math"/>
                           </a:rPr>
                         </m:ctrlPr>
                       </m:funcPr>
@@ -5342,10 +5494,6 @@
                   </a:rPr>
                   <a:t>)</a:t>
                 </a:r>
-                <a:endParaRPr lang="en-US" dirty="0" smtClean="0">
-                  <a:latin typeface="Arial" panose="020B0604020202020204" pitchFamily="34" charset="0"/>
-                  <a:cs typeface="Arial" panose="020B0604020202020204" pitchFamily="34" charset="0"/>
-                </a:endParaRPr>
               </a:p>
               <a:p>
                 <a:r>
@@ -5396,7 +5544,7 @@
                         <m:degHide m:val="on"/>
                         <m:ctrlPr>
                           <a:rPr lang="en-US" i="1" smtClean="0">
-                            <a:latin typeface="Cambria Math" panose="02040503050406030204" pitchFamily="18" charset="0"/>
+                            <a:latin typeface="Cambria Math"/>
                           </a:rPr>
                         </m:ctrlPr>
                       </m:radPr>
@@ -5414,7 +5562,7 @@
                       <m:funcPr>
                         <m:ctrlPr>
                           <a:rPr lang="en-US" i="1" smtClean="0">
-                            <a:latin typeface="Cambria Math" panose="02040503050406030204" pitchFamily="18" charset="0"/>
+                            <a:latin typeface="Cambria Math"/>
                           </a:rPr>
                         </m:ctrlPr>
                       </m:funcPr>
@@ -5440,7 +5588,7 @@
                           <m:sSupPr>
                             <m:ctrlPr>
                               <a:rPr lang="en-US" b="0" i="1" smtClean="0">
-                                <a:latin typeface="Cambria Math" panose="02040503050406030204" pitchFamily="18" charset="0"/>
+                                <a:latin typeface="Cambria Math"/>
                               </a:rPr>
                             </m:ctrlPr>
                           </m:sSupPr>
@@ -5472,10 +5620,6 @@
                   </a:rPr>
                   <a:t>)</a:t>
                 </a:r>
-                <a:endParaRPr lang="en-US" dirty="0" smtClean="0">
-                  <a:latin typeface="Arial" panose="020B0604020202020204" pitchFamily="34" charset="0"/>
-                  <a:cs typeface="Arial" panose="020B0604020202020204" pitchFamily="34" charset="0"/>
-                </a:endParaRPr>
               </a:p>
               <a:p>
                 <a:endParaRPr lang="ru-RU" dirty="0">
@@ -5486,7 +5630,7 @@
             </p:txBody>
           </p:sp>
         </mc:Choice>
-        <mc:Fallback>
+        <mc:Fallback xmlns="">
           <p:sp>
             <p:nvSpPr>
               <p:cNvPr id="7" name="Объект 6"/>
@@ -5586,8 +5730,8 @@
           </a:p>
         </p:txBody>
       </p:sp>
-      <mc:AlternateContent xmlns:mc="http://schemas.openxmlformats.org/markup-compatibility/2006">
-        <mc:Choice xmlns:a14="http://schemas.microsoft.com/office/drawing/2010/main" Requires="a14">
+      <mc:AlternateContent xmlns:mc="http://schemas.openxmlformats.org/markup-compatibility/2006" xmlns:a14="http://schemas.microsoft.com/office/drawing/2010/main">
+        <mc:Choice Requires="a14">
           <p:graphicFrame>
             <p:nvGraphicFramePr>
               <p:cNvPr id="9" name="Объект 8"/>
@@ -5629,21 +5773,7 @@
                               <a:latin typeface="Arial" panose="020B0604020202020204" pitchFamily="34" charset="0"/>
                               <a:cs typeface="Arial" panose="020B0604020202020204" pitchFamily="34" charset="0"/>
                             </a:rPr>
-                            <a:t>Сбалансированность </a:t>
-                          </a:r>
-                          <a:r>
-                            <a:rPr lang="ru-RU" b="0" dirty="0" smtClean="0">
-                              <a:latin typeface="Arial" panose="020B0604020202020204" pitchFamily="34" charset="0"/>
-                              <a:cs typeface="Arial" panose="020B0604020202020204" pitchFamily="34" charset="0"/>
-                            </a:rPr>
-                            <a:t>функции(детерминированный</a:t>
-                          </a:r>
-                          <a:r>
-                            <a:rPr lang="ru-RU" b="0" dirty="0" smtClean="0">
-                              <a:latin typeface="Arial" panose="020B0604020202020204" pitchFamily="34" charset="0"/>
-                              <a:cs typeface="Arial" panose="020B0604020202020204" pitchFamily="34" charset="0"/>
-                            </a:rPr>
-                            <a:t>)</a:t>
+                            <a:t>Сбалансированность функции(детерминированный)</a:t>
                           </a:r>
                           <a:endParaRPr lang="ru-RU" b="0" dirty="0">
                             <a:latin typeface="Arial" panose="020B0604020202020204" pitchFamily="34" charset="0"/>
@@ -5672,7 +5802,7 @@
                                 <m:sSupPr>
                                   <m:ctrlPr>
                                     <a:rPr lang="en-US" b="0" i="1" smtClean="0">
-                                      <a:latin typeface="Cambria Math" panose="02040503050406030204" pitchFamily="18" charset="0"/>
+                                      <a:latin typeface="Cambria Math"/>
                                     </a:rPr>
                                   </m:ctrlPr>
                                 </m:sSupPr>
@@ -5706,14 +5836,7 @@
                               <a:latin typeface="Arial" panose="020B0604020202020204" pitchFamily="34" charset="0"/>
                               <a:cs typeface="Arial" panose="020B0604020202020204" pitchFamily="34" charset="0"/>
                             </a:rPr>
-                            <a:t> </a:t>
-                          </a:r>
-                          <a:r>
-                            <a:rPr lang="en-US" b="0" dirty="0" smtClean="0">
-                              <a:latin typeface="Arial" panose="020B0604020202020204" pitchFamily="34" charset="0"/>
-                              <a:cs typeface="Arial" panose="020B0604020202020204" pitchFamily="34" charset="0"/>
-                            </a:rPr>
-                            <a:t>+ 1)</a:t>
+                            <a:t> + 1)</a:t>
                           </a:r>
                           <a:endParaRPr lang="ru-RU" b="0" dirty="0">
                             <a:latin typeface="Arial" panose="020B0604020202020204" pitchFamily="34" charset="0"/>
@@ -5777,7 +5900,7 @@
                                 <m:fPr>
                                   <m:ctrlPr>
                                     <a:rPr lang="en-US" i="1" smtClean="0">
-                                      <a:latin typeface="Cambria Math" panose="02040503050406030204" pitchFamily="18" charset="0"/>
+                                      <a:latin typeface="Cambria Math"/>
                                     </a:rPr>
                                   </m:ctrlPr>
                                 </m:fPr>
@@ -5997,7 +6120,7 @@
                                         <a:schemeClr val="dk1"/>
                                       </a:solidFill>
                                       <a:effectLst/>
-                                      <a:latin typeface="Cambria Math" panose="02040503050406030204" pitchFamily="18" charset="0"/>
+                                      <a:latin typeface="Cambria Math"/>
                                       <a:ea typeface="+mn-ea"/>
                                       <a:cs typeface="+mn-cs"/>
                                     </a:rPr>
@@ -6026,7 +6149,7 @@
                                             <a:schemeClr val="dk1"/>
                                           </a:solidFill>
                                           <a:effectLst/>
-                                          <a:latin typeface="Cambria Math" panose="02040503050406030204" pitchFamily="18" charset="0"/>
+                                          <a:latin typeface="Cambria Math"/>
                                           <a:ea typeface="+mn-ea"/>
                                           <a:cs typeface="+mn-cs"/>
                                         </a:rPr>
@@ -6172,7 +6295,7 @@
                                 <m:sSupPr>
                                   <m:ctrlPr>
                                     <a:rPr lang="en-US" i="1" smtClean="0">
-                                      <a:latin typeface="Cambria Math" panose="02040503050406030204" pitchFamily="18" charset="0"/>
+                                      <a:latin typeface="Cambria Math"/>
                                     </a:rPr>
                                   </m:ctrlPr>
                                 </m:sSupPr>
@@ -6187,7 +6310,7 @@
                                     <m:fPr>
                                       <m:ctrlPr>
                                         <a:rPr lang="en-US" i="1" smtClean="0">
-                                          <a:latin typeface="Cambria Math" panose="02040503050406030204" pitchFamily="18" charset="0"/>
+                                          <a:latin typeface="Cambria Math"/>
                                         </a:rPr>
                                       </m:ctrlPr>
                                     </m:fPr>
@@ -6218,7 +6341,7 @@
                                     <m:funcPr>
                                       <m:ctrlPr>
                                         <a:rPr lang="en-US" b="0" i="1" smtClean="0">
-                                          <a:latin typeface="Cambria Math" panose="02040503050406030204" pitchFamily="18" charset="0"/>
+                                          <a:latin typeface="Cambria Math"/>
                                         </a:rPr>
                                       </m:ctrlPr>
                                     </m:funcPr>
@@ -6254,7 +6377,7 @@
                                     <m:fPr>
                                       <m:ctrlPr>
                                         <a:rPr lang="en-US" i="1" smtClean="0">
-                                          <a:latin typeface="Cambria Math" panose="02040503050406030204" pitchFamily="18" charset="0"/>
+                                          <a:latin typeface="Cambria Math"/>
                                         </a:rPr>
                                       </m:ctrlPr>
                                     </m:fPr>
@@ -6292,7 +6415,7 @@
                                 <m:sSupPr>
                                   <m:ctrlPr>
                                     <a:rPr lang="en-US" i="1" dirty="0" smtClean="0">
-                                      <a:latin typeface="Cambria Math" panose="02040503050406030204" pitchFamily="18" charset="0"/>
+                                      <a:latin typeface="Cambria Math"/>
                                     </a:rPr>
                                   </m:ctrlPr>
                                 </m:sSupPr>
@@ -6301,7 +6424,7 @@
                                     <m:funcPr>
                                       <m:ctrlPr>
                                         <a:rPr lang="en-US" i="1" smtClean="0">
-                                          <a:latin typeface="Cambria Math" panose="02040503050406030204" pitchFamily="18" charset="0"/>
+                                          <a:latin typeface="Cambria Math"/>
                                         </a:rPr>
                                       </m:ctrlPr>
                                     </m:funcPr>
@@ -6321,7 +6444,7 @@
                                         <m:funcPr>
                                           <m:ctrlPr>
                                             <a:rPr lang="en-US" i="1" smtClean="0">
-                                              <a:latin typeface="Cambria Math" panose="02040503050406030204" pitchFamily="18" charset="0"/>
+                                              <a:latin typeface="Cambria Math"/>
                                             </a:rPr>
                                           </m:ctrlPr>
                                         </m:funcPr>
@@ -6353,7 +6476,7 @@
                                     <m:fPr>
                                       <m:ctrlPr>
                                         <a:rPr lang="en-US" i="1" dirty="0" smtClean="0">
-                                          <a:latin typeface="Cambria Math" panose="02040503050406030204" pitchFamily="18" charset="0"/>
+                                          <a:latin typeface="Cambria Math"/>
                                         </a:rPr>
                                       </m:ctrlPr>
                                     </m:fPr>
@@ -6543,7 +6666,7 @@
                                 <m:funcPr>
                                   <m:ctrlPr>
                                     <a:rPr lang="en-US" i="1" smtClean="0">
-                                      <a:latin typeface="Cambria Math" panose="02040503050406030204" pitchFamily="18" charset="0"/>
+                                      <a:latin typeface="Cambria Math"/>
                                     </a:rPr>
                                   </m:ctrlPr>
                                 </m:funcPr>
@@ -6571,7 +6694,7 @@
                                 <m:sSupPr>
                                   <m:ctrlPr>
                                     <a:rPr lang="en-US" i="1" smtClean="0">
-                                      <a:latin typeface="Cambria Math" panose="02040503050406030204" pitchFamily="18" charset="0"/>
+                                      <a:latin typeface="Cambria Math"/>
                                     </a:rPr>
                                   </m:ctrlPr>
                                 </m:sSupPr>
@@ -6676,7 +6799,7 @@
                                 <m:sSupPr>
                                   <m:ctrlPr>
                                     <a:rPr lang="ru-RU" i="1" smtClean="0">
-                                      <a:latin typeface="Cambria Math" panose="02040503050406030204" pitchFamily="18" charset="0"/>
+                                      <a:latin typeface="Cambria Math"/>
                                     </a:rPr>
                                   </m:ctrlPr>
                                 </m:sSupPr>
@@ -6729,7 +6852,7 @@
             </a:graphic>
           </p:graphicFrame>
         </mc:Choice>
-        <mc:Fallback>
+        <mc:Fallback xmlns="">
           <p:graphicFrame>
             <p:nvGraphicFramePr>
               <p:cNvPr id="9" name="Объект 8"/>
@@ -7678,14 +7801,7 @@
                 <a:latin typeface="Arial" panose="020B0604020202020204" pitchFamily="34" charset="0"/>
                 <a:cs typeface="Arial" panose="020B0604020202020204" pitchFamily="34" charset="0"/>
               </a:rPr>
-              <a:t>физике и </a:t>
-            </a:r>
-            <a:r>
-              <a:rPr lang="ru-RU" dirty="0" smtClean="0">
-                <a:latin typeface="Arial" panose="020B0604020202020204" pitchFamily="34" charset="0"/>
-                <a:cs typeface="Arial" panose="020B0604020202020204" pitchFamily="34" charset="0"/>
-              </a:rPr>
-              <a:t>ограничены </a:t>
+              <a:t>физике и ограничены </a:t>
             </a:r>
             <a:r>
               <a:rPr lang="ru-RU" dirty="0">
@@ -9507,10 +9623,10 @@
   <a:themeElements>
     <a:clrScheme name="Стандартная">
       <a:dk1>
-        <a:sysClr val="windowText" lastClr="000000"/>
+        <a:sysClr val="windowText" lastClr="2C2C2C"/>
       </a:dk1>
       <a:lt1>
-        <a:sysClr val="window" lastClr="FFFFFF"/>
+        <a:sysClr val="window" lastClr="DEDEDE"/>
       </a:lt1>
       <a:dk2>
         <a:srgbClr val="44546A"/>
@@ -9757,7 +9873,7 @@
   <a:extraClrSchemeLst/>
   <a:extLst>
     <a:ext uri="{05A4C25C-085E-4340-85A3-A5531E510DB2}">
-      <thm15:themeFamily xmlns:thm15="http://schemas.microsoft.com/office/thememl/2012/main" name="Office Theme" id="{62F939B6-93AF-4DB8-9C6B-D6C7DFDC589F}" vid="{4A3C46E8-61CC-4603-A589-7422A47A8E4A}"/>
+      <thm15:themeFamily xmlns:thm15="http://schemas.microsoft.com/office/thememl/2012/main" xmlns="" name="Office Theme" id="{62F939B6-93AF-4DB8-9C6B-D6C7DFDC589F}" vid="{4A3C46E8-61CC-4603-A589-7422A47A8E4A}"/>
     </a:ext>
   </a:extLst>
 </a:theme>

--- a/Черниговских 2к 14гр.pptx
+++ b/Черниговских 2к 14гр.pptx
@@ -124,7 +124,7 @@
   </p:defaultTextStyle>
   <p:extLst>
     <p:ext uri="{EFAFB233-063F-42B5-8137-9DF3F51BA10A}">
-      <p15:sldGuideLst xmlns:p15="http://schemas.microsoft.com/office/powerpoint/2012/main" xmlns=""/>
+      <p15:sldGuideLst xmlns="" xmlns:p15="http://schemas.microsoft.com/office/powerpoint/2012/main"/>
     </p:ext>
   </p:extLst>
 </p:presentation>
@@ -261,7 +261,7 @@
           <a:p>
             <a:fld id="{B9A30A3E-041F-48E3-A867-6DD25CD1267F}" type="datetimeFigureOut">
               <a:rPr lang="ru-RU" smtClean="0"/>
-              <a:t>07.06.2019</a:t>
+              <a:t>08.06.2019</a:t>
             </a:fld>
             <a:endParaRPr lang="ru-RU"/>
           </a:p>
@@ -431,7 +431,7 @@
           <a:p>
             <a:fld id="{B9A30A3E-041F-48E3-A867-6DD25CD1267F}" type="datetimeFigureOut">
               <a:rPr lang="ru-RU" smtClean="0"/>
-              <a:t>07.06.2019</a:t>
+              <a:t>08.06.2019</a:t>
             </a:fld>
             <a:endParaRPr lang="ru-RU"/>
           </a:p>
@@ -611,7 +611,7 @@
           <a:p>
             <a:fld id="{B9A30A3E-041F-48E3-A867-6DD25CD1267F}" type="datetimeFigureOut">
               <a:rPr lang="ru-RU" smtClean="0"/>
-              <a:t>07.06.2019</a:t>
+              <a:t>08.06.2019</a:t>
             </a:fld>
             <a:endParaRPr lang="ru-RU"/>
           </a:p>
@@ -781,7 +781,7 @@
           <a:p>
             <a:fld id="{B9A30A3E-041F-48E3-A867-6DD25CD1267F}" type="datetimeFigureOut">
               <a:rPr lang="ru-RU" smtClean="0"/>
-              <a:t>07.06.2019</a:t>
+              <a:t>08.06.2019</a:t>
             </a:fld>
             <a:endParaRPr lang="ru-RU"/>
           </a:p>
@@ -1027,7 +1027,7 @@
           <a:p>
             <a:fld id="{B9A30A3E-041F-48E3-A867-6DD25CD1267F}" type="datetimeFigureOut">
               <a:rPr lang="ru-RU" smtClean="0"/>
-              <a:t>07.06.2019</a:t>
+              <a:t>08.06.2019</a:t>
             </a:fld>
             <a:endParaRPr lang="ru-RU"/>
           </a:p>
@@ -1259,7 +1259,7 @@
           <a:p>
             <a:fld id="{B9A30A3E-041F-48E3-A867-6DD25CD1267F}" type="datetimeFigureOut">
               <a:rPr lang="ru-RU" smtClean="0"/>
-              <a:t>07.06.2019</a:t>
+              <a:t>08.06.2019</a:t>
             </a:fld>
             <a:endParaRPr lang="ru-RU"/>
           </a:p>
@@ -1626,7 +1626,7 @@
           <a:p>
             <a:fld id="{B9A30A3E-041F-48E3-A867-6DD25CD1267F}" type="datetimeFigureOut">
               <a:rPr lang="ru-RU" smtClean="0"/>
-              <a:t>07.06.2019</a:t>
+              <a:t>08.06.2019</a:t>
             </a:fld>
             <a:endParaRPr lang="ru-RU"/>
           </a:p>
@@ -1744,7 +1744,7 @@
           <a:p>
             <a:fld id="{B9A30A3E-041F-48E3-A867-6DD25CD1267F}" type="datetimeFigureOut">
               <a:rPr lang="ru-RU" smtClean="0"/>
-              <a:t>07.06.2019</a:t>
+              <a:t>08.06.2019</a:t>
             </a:fld>
             <a:endParaRPr lang="ru-RU"/>
           </a:p>
@@ -1839,7 +1839,7 @@
           <a:p>
             <a:fld id="{B9A30A3E-041F-48E3-A867-6DD25CD1267F}" type="datetimeFigureOut">
               <a:rPr lang="ru-RU" smtClean="0"/>
-              <a:t>07.06.2019</a:t>
+              <a:t>08.06.2019</a:t>
             </a:fld>
             <a:endParaRPr lang="ru-RU"/>
           </a:p>
@@ -2116,7 +2116,7 @@
           <a:p>
             <a:fld id="{B9A30A3E-041F-48E3-A867-6DD25CD1267F}" type="datetimeFigureOut">
               <a:rPr lang="ru-RU" smtClean="0"/>
-              <a:t>07.06.2019</a:t>
+              <a:t>08.06.2019</a:t>
             </a:fld>
             <a:endParaRPr lang="ru-RU"/>
           </a:p>
@@ -2369,7 +2369,7 @@
           <a:p>
             <a:fld id="{B9A30A3E-041F-48E3-A867-6DD25CD1267F}" type="datetimeFigureOut">
               <a:rPr lang="ru-RU" smtClean="0"/>
-              <a:t>07.06.2019</a:t>
+              <a:t>08.06.2019</a:t>
             </a:fld>
             <a:endParaRPr lang="ru-RU"/>
           </a:p>
@@ -2582,7 +2582,7 @@
           <a:p>
             <a:fld id="{B9A30A3E-041F-48E3-A867-6DD25CD1267F}" type="datetimeFigureOut">
               <a:rPr lang="ru-RU" smtClean="0"/>
-              <a:t>07.06.2019</a:t>
+              <a:t>08.06.2019</a:t>
             </a:fld>
             <a:endParaRPr lang="ru-RU"/>
           </a:p>
@@ -3072,14 +3072,7 @@
                 <a:latin typeface="Arial" panose="020B0604020202020204" pitchFamily="34" charset="0"/>
                 <a:cs typeface="Arial" panose="020B0604020202020204" pitchFamily="34" charset="0"/>
               </a:rPr>
-              <a:t>				</a:t>
-            </a:r>
-            <a:r>
-              <a:rPr lang="ru-RU" dirty="0" smtClean="0">
-                <a:latin typeface="Arial" panose="020B0604020202020204" pitchFamily="34" charset="0"/>
-                <a:cs typeface="Arial" panose="020B0604020202020204" pitchFamily="34" charset="0"/>
-              </a:rPr>
-              <a:t>	</a:t>
+              <a:t>					</a:t>
             </a:r>
             <a:r>
               <a:rPr lang="ru-RU" sz="2000" dirty="0" smtClean="0">
@@ -3089,17 +3082,7 @@
                 <a:latin typeface="Arial" panose="020B0604020202020204" pitchFamily="34" charset="0"/>
                 <a:cs typeface="Arial" panose="020B0604020202020204" pitchFamily="34" charset="0"/>
               </a:rPr>
-              <a:t>Автор </a:t>
-            </a:r>
-            <a:r>
-              <a:rPr lang="ru-RU" sz="2000" dirty="0" smtClean="0">
-                <a:solidFill>
-                  <a:schemeClr val="tx1"/>
-                </a:solidFill>
-                <a:latin typeface="Arial" panose="020B0604020202020204" pitchFamily="34" charset="0"/>
-                <a:cs typeface="Arial" panose="020B0604020202020204" pitchFamily="34" charset="0"/>
-              </a:rPr>
-              <a:t>ВКР: Черниговских Р.И.</a:t>
+              <a:t>Автор ВКР: Черниговских Р.И.</a:t>
             </a:r>
           </a:p>
           <a:p>
@@ -3116,27 +3099,7 @@
                 <a:latin typeface="Arial" panose="020B0604020202020204" pitchFamily="34" charset="0"/>
                 <a:cs typeface="Arial" panose="020B0604020202020204" pitchFamily="34" charset="0"/>
               </a:rPr>
-              <a:t>				</a:t>
-            </a:r>
-            <a:r>
-              <a:rPr lang="ru-RU" sz="2000" dirty="0" smtClean="0">
-                <a:solidFill>
-                  <a:schemeClr val="tx1"/>
-                </a:solidFill>
-                <a:latin typeface="Arial" panose="020B0604020202020204" pitchFamily="34" charset="0"/>
-                <a:cs typeface="Arial" panose="020B0604020202020204" pitchFamily="34" charset="0"/>
-              </a:rPr>
-              <a:t>	Руководитель</a:t>
-            </a:r>
-            <a:r>
-              <a:rPr lang="ru-RU" sz="2000" dirty="0" smtClean="0">
-                <a:solidFill>
-                  <a:schemeClr val="tx1"/>
-                </a:solidFill>
-                <a:latin typeface="Arial" panose="020B0604020202020204" pitchFamily="34" charset="0"/>
-                <a:cs typeface="Arial" panose="020B0604020202020204" pitchFamily="34" charset="0"/>
-              </a:rPr>
-              <a:t>: </a:t>
+              <a:t>					Руководитель: </a:t>
             </a:r>
             <a:r>
               <a:rPr lang="ru-RU" sz="2000" dirty="0">
@@ -7712,6 +7675,7 @@
           </a:bodyPr>
           <a:lstStyle/>
           <a:p>
+            <a:pPr algn="ctr"/>
             <a:r>
               <a:rPr lang="ru-RU" sz="4000" dirty="0">
                 <a:latin typeface="Arial" panose="020B0604020202020204" pitchFamily="34" charset="0"/>
@@ -8075,6 +8039,13 @@
   <p:clrMapOvr>
     <a:masterClrMapping/>
   </p:clrMapOvr>
+  <p:timing>
+    <p:tnLst>
+      <p:par>
+        <p:cTn id="1" dur="indefinite" restart="never" nodeType="tmRoot"/>
+      </p:par>
+    </p:tnLst>
+  </p:timing>
 </p:sld>
 </file>
 
@@ -8112,6 +8083,7 @@
           </a:bodyPr>
           <a:lstStyle/>
           <a:p>
+            <a:pPr algn="ctr"/>
             <a:r>
               <a:rPr lang="ru-RU" sz="4000" dirty="0">
                 <a:latin typeface="Arial" panose="020B0604020202020204" pitchFamily="34" charset="0"/>
@@ -8314,6 +8286,13 @@
   <p:clrMapOvr>
     <a:masterClrMapping/>
   </p:clrMapOvr>
+  <p:timing>
+    <p:tnLst>
+      <p:par>
+        <p:cTn id="1" dur="indefinite" restart="never" nodeType="tmRoot"/>
+      </p:par>
+    </p:tnLst>
+  </p:timing>
 </p:sld>
 </file>
 
@@ -8351,6 +8330,7 @@
           </a:bodyPr>
           <a:lstStyle/>
           <a:p>
+            <a:pPr algn="ctr"/>
             <a:r>
               <a:rPr lang="ru-RU" sz="4000" dirty="0" smtClean="0">
                 <a:latin typeface="Arial" panose="020B0604020202020204" pitchFamily="34" charset="0"/>
@@ -8407,6 +8387,13 @@
   <p:clrMapOvr>
     <a:masterClrMapping/>
   </p:clrMapOvr>
+  <p:timing>
+    <p:tnLst>
+      <p:par>
+        <p:cTn id="1" dur="indefinite" restart="never" nodeType="tmRoot"/>
+      </p:par>
+    </p:tnLst>
+  </p:timing>
 </p:sld>
 </file>
 
@@ -8444,6 +8431,7 @@
           </a:bodyPr>
           <a:lstStyle/>
           <a:p>
+            <a:pPr algn="ctr"/>
             <a:r>
               <a:rPr lang="ru-RU" sz="4000" dirty="0" smtClean="0">
                 <a:latin typeface="Arial" panose="020B0604020202020204" pitchFamily="34" charset="0"/>
@@ -8524,6 +8512,17 @@
               </a:rPr>
               <a:t>микро-уровней</a:t>
             </a:r>
+            <a:r>
+              <a:rPr lang="en-US" dirty="0" smtClean="0">
+                <a:latin typeface="Arial" panose="020B0604020202020204" pitchFamily="34" charset="0"/>
+                <a:cs typeface="Arial" panose="020B0604020202020204" pitchFamily="34" charset="0"/>
+              </a:rPr>
+              <a:t>;</a:t>
+            </a:r>
+            <a:endParaRPr lang="ru-RU" dirty="0" smtClean="0">
+              <a:latin typeface="Arial" panose="020B0604020202020204" pitchFamily="34" charset="0"/>
+              <a:cs typeface="Arial" panose="020B0604020202020204" pitchFamily="34" charset="0"/>
+            </a:endParaRPr>
           </a:p>
           <a:p>
             <a:pPr algn="just"/>
@@ -8624,6 +8623,13 @@
   <p:clrMapOvr>
     <a:masterClrMapping/>
   </p:clrMapOvr>
+  <p:timing>
+    <p:tnLst>
+      <p:par>
+        <p:cTn id="1" dur="indefinite" restart="never" nodeType="tmRoot"/>
+      </p:par>
+    </p:tnLst>
+  </p:timing>
 </p:sld>
 </file>
 
@@ -8875,6 +8881,13 @@
   <p:clrMapOvr>
     <a:masterClrMapping/>
   </p:clrMapOvr>
+  <p:timing>
+    <p:tnLst>
+      <p:par>
+        <p:cTn id="1" dur="indefinite" restart="never" nodeType="tmRoot"/>
+      </p:par>
+    </p:tnLst>
+  </p:timing>
 </p:sld>
 </file>
 
@@ -9036,6 +9049,13 @@
   <p:clrMapOvr>
     <a:masterClrMapping/>
   </p:clrMapOvr>
+  <p:timing>
+    <p:tnLst>
+      <p:par>
+        <p:cTn id="1" dur="indefinite" restart="never" nodeType="tmRoot"/>
+      </p:par>
+    </p:tnLst>
+  </p:timing>
 </p:sld>
 </file>
 
@@ -9150,21 +9170,18 @@
           <a:p>
             <a:pPr lvl="0" algn="just"/>
             <a:r>
+              <a:rPr lang="ru-RU" dirty="0" smtClean="0">
+                <a:latin typeface="Arial" panose="020B0604020202020204" pitchFamily="34" charset="0"/>
+                <a:cs typeface="Arial" panose="020B0604020202020204" pitchFamily="34" charset="0"/>
+              </a:rPr>
+              <a:t>Квантовый </a:t>
+            </a:r>
+            <a:r>
               <a:rPr lang="ru-RU" dirty="0">
                 <a:latin typeface="Arial" panose="020B0604020202020204" pitchFamily="34" charset="0"/>
                 <a:cs typeface="Arial" panose="020B0604020202020204" pitchFamily="34" charset="0"/>
               </a:rPr>
-              <a:t>Квантовый обход графа</a:t>
-            </a:r>
-          </a:p>
-          <a:p>
-            <a:pPr lvl="0" algn="just"/>
-            <a:r>
-              <a:rPr lang="ru-RU" dirty="0">
-                <a:latin typeface="Arial" panose="020B0604020202020204" pitchFamily="34" charset="0"/>
-                <a:cs typeface="Arial" panose="020B0604020202020204" pitchFamily="34" charset="0"/>
-              </a:rPr>
-              <a:t>Квантовый алгоритм для систем линейных равенств </a:t>
+              <a:t>алгоритм для систем линейных равенств </a:t>
             </a:r>
             <a:r>
               <a:rPr lang="ru-RU" dirty="0" smtClean="0">
@@ -9209,6 +9226,13 @@
   <p:clrMapOvr>
     <a:masterClrMapping/>
   </p:clrMapOvr>
+  <p:timing>
+    <p:tnLst>
+      <p:par>
+        <p:cTn id="1" dur="indefinite" restart="never" nodeType="tmRoot"/>
+      </p:par>
+    </p:tnLst>
+  </p:timing>
 </p:sld>
 </file>
 
@@ -9873,7 +9897,7 @@
   <a:extraClrSchemeLst/>
   <a:extLst>
     <a:ext uri="{05A4C25C-085E-4340-85A3-A5531E510DB2}">
-      <thm15:themeFamily xmlns:thm15="http://schemas.microsoft.com/office/thememl/2012/main" xmlns="" name="Office Theme" id="{62F939B6-93AF-4DB8-9C6B-D6C7DFDC589F}" vid="{4A3C46E8-61CC-4603-A589-7422A47A8E4A}"/>
+      <thm15:themeFamily xmlns="" xmlns:thm15="http://schemas.microsoft.com/office/thememl/2012/main" name="Office Theme" id="{62F939B6-93AF-4DB8-9C6B-D6C7DFDC589F}" vid="{4A3C46E8-61CC-4603-A589-7422A47A8E4A}"/>
     </a:ext>
   </a:extLst>
 </a:theme>

--- a/Черниговских 2к 14гр.pptx
+++ b/Черниговских 2к 14гр.pptx
@@ -1,11 +1,14 @@
 
 <file path=ppt/presentation.xml><?xml version="1.0" encoding="utf-8"?>
-<p:presentation xmlns:a="http://schemas.openxmlformats.org/drawingml/2006/main" xmlns:r="http://schemas.openxmlformats.org/officeDocument/2006/relationships" xmlns:p="http://schemas.openxmlformats.org/presentationml/2006/main" saveSubsetFonts="1">
+<p:presentation xmlns:a="http://schemas.openxmlformats.org/drawingml/2006/main" xmlns:r="http://schemas.openxmlformats.org/officeDocument/2006/relationships" xmlns:p="http://schemas.openxmlformats.org/presentationml/2006/main" showSpecialPlsOnTitleSld="0" saveSubsetFonts="1">
   <p:sldMasterIdLst>
     <p:sldMasterId id="2147483648" r:id="rId1"/>
   </p:sldMasterIdLst>
+  <p:notesMasterIdLst>
+    <p:notesMasterId r:id="rId21"/>
+  </p:notesMasterIdLst>
   <p:sldIdLst>
-    <p:sldId id="256" r:id="rId2"/>
+    <p:sldId id="277" r:id="rId2"/>
     <p:sldId id="257" r:id="rId3"/>
     <p:sldId id="258" r:id="rId4"/>
     <p:sldId id="259" r:id="rId5"/>
@@ -124,10 +127,455 @@
   </p:defaultTextStyle>
   <p:extLst>
     <p:ext uri="{EFAFB233-063F-42B5-8137-9DF3F51BA10A}">
-      <p15:sldGuideLst xmlns:p15="http://schemas.microsoft.com/office/powerpoint/2012/main"/>
+      <p15:sldGuideLst xmlns:p15="http://schemas.microsoft.com/office/powerpoint/2012/main">
+        <p15:guide id="1" orient="horz" pos="2160">
+          <p15:clr>
+            <a:srgbClr val="A4A3A4"/>
+          </p15:clr>
+        </p15:guide>
+        <p15:guide id="2" pos="3840">
+          <p15:clr>
+            <a:srgbClr val="A4A3A4"/>
+          </p15:clr>
+        </p15:guide>
+      </p15:sldGuideLst>
     </p:ext>
   </p:extLst>
 </p:presentation>
+</file>
+
+<file path=ppt/notesMasters/notesMaster1.xml><?xml version="1.0" encoding="utf-8"?>
+<p:notesMaster xmlns:a="http://schemas.openxmlformats.org/drawingml/2006/main" xmlns:r="http://schemas.openxmlformats.org/officeDocument/2006/relationships" xmlns:p="http://schemas.openxmlformats.org/presentationml/2006/main">
+  <p:cSld>
+    <p:bg>
+      <p:bgRef idx="1001">
+        <a:schemeClr val="bg1"/>
+      </p:bgRef>
+    </p:bg>
+    <p:spTree>
+      <p:nvGrpSpPr>
+        <p:cNvPr id="1" name=""/>
+        <p:cNvGrpSpPr/>
+        <p:nvPr/>
+      </p:nvGrpSpPr>
+      <p:grpSpPr>
+        <a:xfrm>
+          <a:off x="0" y="0"/>
+          <a:ext cx="0" cy="0"/>
+          <a:chOff x="0" y="0"/>
+          <a:chExt cx="0" cy="0"/>
+        </a:xfrm>
+      </p:grpSpPr>
+      <p:sp>
+        <p:nvSpPr>
+          <p:cNvPr id="2" name="Верхний колонтитул 1"/>
+          <p:cNvSpPr>
+            <a:spLocks noGrp="1"/>
+          </p:cNvSpPr>
+          <p:nvPr>
+            <p:ph type="hdr" sz="quarter"/>
+          </p:nvPr>
+        </p:nvSpPr>
+        <p:spPr>
+          <a:xfrm>
+            <a:off x="0" y="0"/>
+            <a:ext cx="2971800" cy="458788"/>
+          </a:xfrm>
+          <a:prstGeom prst="rect">
+            <a:avLst/>
+          </a:prstGeom>
+        </p:spPr>
+        <p:txBody>
+          <a:bodyPr vert="horz" lIns="91440" tIns="45720" rIns="91440" bIns="45720" rtlCol="0"/>
+          <a:lstStyle>
+            <a:lvl1pPr algn="l">
+              <a:defRPr sz="1200"/>
+            </a:lvl1pPr>
+          </a:lstStyle>
+          <a:p>
+            <a:endParaRPr lang="ru-RU"/>
+          </a:p>
+        </p:txBody>
+      </p:sp>
+      <p:sp>
+        <p:nvSpPr>
+          <p:cNvPr id="3" name="Дата 2"/>
+          <p:cNvSpPr>
+            <a:spLocks noGrp="1"/>
+          </p:cNvSpPr>
+          <p:nvPr>
+            <p:ph type="dt" idx="1"/>
+          </p:nvPr>
+        </p:nvSpPr>
+        <p:spPr>
+          <a:xfrm>
+            <a:off x="3884613" y="0"/>
+            <a:ext cx="2971800" cy="458788"/>
+          </a:xfrm>
+          <a:prstGeom prst="rect">
+            <a:avLst/>
+          </a:prstGeom>
+        </p:spPr>
+        <p:txBody>
+          <a:bodyPr vert="horz" lIns="91440" tIns="45720" rIns="91440" bIns="45720" rtlCol="0"/>
+          <a:lstStyle>
+            <a:lvl1pPr algn="r">
+              <a:defRPr sz="1200"/>
+            </a:lvl1pPr>
+          </a:lstStyle>
+          <a:p>
+            <a:fld id="{2946843A-35D9-4BF0-8BAE-64F1E98BC786}" type="datetimeFigureOut">
+              <a:rPr lang="ru-RU" smtClean="0"/>
+              <a:t>08.06.2019</a:t>
+            </a:fld>
+            <a:endParaRPr lang="ru-RU"/>
+          </a:p>
+        </p:txBody>
+      </p:sp>
+      <p:sp>
+        <p:nvSpPr>
+          <p:cNvPr id="4" name="Образ слайда 3"/>
+          <p:cNvSpPr>
+            <a:spLocks noGrp="1" noRot="1" noChangeAspect="1"/>
+          </p:cNvSpPr>
+          <p:nvPr>
+            <p:ph type="sldImg" idx="2"/>
+          </p:nvPr>
+        </p:nvSpPr>
+        <p:spPr>
+          <a:xfrm>
+            <a:off x="685800" y="1143000"/>
+            <a:ext cx="5486400" cy="3086100"/>
+          </a:xfrm>
+          <a:prstGeom prst="rect">
+            <a:avLst/>
+          </a:prstGeom>
+          <a:noFill/>
+          <a:ln w="12700">
+            <a:solidFill>
+              <a:prstClr val="black"/>
+            </a:solidFill>
+          </a:ln>
+        </p:spPr>
+        <p:txBody>
+          <a:bodyPr vert="horz" lIns="91440" tIns="45720" rIns="91440" bIns="45720" rtlCol="0" anchor="ctr"/>
+          <a:lstStyle/>
+          <a:p>
+            <a:endParaRPr lang="ru-RU"/>
+          </a:p>
+        </p:txBody>
+      </p:sp>
+      <p:sp>
+        <p:nvSpPr>
+          <p:cNvPr id="5" name="Заметки 4"/>
+          <p:cNvSpPr>
+            <a:spLocks noGrp="1"/>
+          </p:cNvSpPr>
+          <p:nvPr>
+            <p:ph type="body" sz="quarter" idx="3"/>
+          </p:nvPr>
+        </p:nvSpPr>
+        <p:spPr>
+          <a:xfrm>
+            <a:off x="685800" y="4400550"/>
+            <a:ext cx="5486400" cy="3600450"/>
+          </a:xfrm>
+          <a:prstGeom prst="rect">
+            <a:avLst/>
+          </a:prstGeom>
+        </p:spPr>
+        <p:txBody>
+          <a:bodyPr vert="horz" lIns="91440" tIns="45720" rIns="91440" bIns="45720" rtlCol="0"/>
+          <a:lstStyle/>
+          <a:p>
+            <a:pPr lvl="0"/>
+            <a:r>
+              <a:rPr lang="ru-RU" smtClean="0"/>
+              <a:t>Образец текста</a:t>
+            </a:r>
+          </a:p>
+          <a:p>
+            <a:pPr lvl="1"/>
+            <a:r>
+              <a:rPr lang="ru-RU" smtClean="0"/>
+              <a:t>Второй уровень</a:t>
+            </a:r>
+          </a:p>
+          <a:p>
+            <a:pPr lvl="2"/>
+            <a:r>
+              <a:rPr lang="ru-RU" smtClean="0"/>
+              <a:t>Третий уровень</a:t>
+            </a:r>
+          </a:p>
+          <a:p>
+            <a:pPr lvl="3"/>
+            <a:r>
+              <a:rPr lang="ru-RU" smtClean="0"/>
+              <a:t>Четвертый уровень</a:t>
+            </a:r>
+          </a:p>
+          <a:p>
+            <a:pPr lvl="4"/>
+            <a:r>
+              <a:rPr lang="ru-RU" smtClean="0"/>
+              <a:t>Пятый уровень</a:t>
+            </a:r>
+            <a:endParaRPr lang="ru-RU"/>
+          </a:p>
+        </p:txBody>
+      </p:sp>
+      <p:sp>
+        <p:nvSpPr>
+          <p:cNvPr id="6" name="Нижний колонтитул 5"/>
+          <p:cNvSpPr>
+            <a:spLocks noGrp="1"/>
+          </p:cNvSpPr>
+          <p:nvPr>
+            <p:ph type="ftr" sz="quarter" idx="4"/>
+          </p:nvPr>
+        </p:nvSpPr>
+        <p:spPr>
+          <a:xfrm>
+            <a:off x="0" y="8685213"/>
+            <a:ext cx="2971800" cy="458787"/>
+          </a:xfrm>
+          <a:prstGeom prst="rect">
+            <a:avLst/>
+          </a:prstGeom>
+        </p:spPr>
+        <p:txBody>
+          <a:bodyPr vert="horz" lIns="91440" tIns="45720" rIns="91440" bIns="45720" rtlCol="0" anchor="b"/>
+          <a:lstStyle>
+            <a:lvl1pPr algn="l">
+              <a:defRPr sz="1200"/>
+            </a:lvl1pPr>
+          </a:lstStyle>
+          <a:p>
+            <a:endParaRPr lang="ru-RU"/>
+          </a:p>
+        </p:txBody>
+      </p:sp>
+      <p:sp>
+        <p:nvSpPr>
+          <p:cNvPr id="7" name="Номер слайда 6"/>
+          <p:cNvSpPr>
+            <a:spLocks noGrp="1"/>
+          </p:cNvSpPr>
+          <p:nvPr>
+            <p:ph type="sldNum" sz="quarter" idx="5"/>
+          </p:nvPr>
+        </p:nvSpPr>
+        <p:spPr>
+          <a:xfrm>
+            <a:off x="3884613" y="8685213"/>
+            <a:ext cx="2971800" cy="458787"/>
+          </a:xfrm>
+          <a:prstGeom prst="rect">
+            <a:avLst/>
+          </a:prstGeom>
+        </p:spPr>
+        <p:txBody>
+          <a:bodyPr vert="horz" lIns="91440" tIns="45720" rIns="91440" bIns="45720" rtlCol="0" anchor="b"/>
+          <a:lstStyle>
+            <a:lvl1pPr algn="r">
+              <a:defRPr sz="1200"/>
+            </a:lvl1pPr>
+          </a:lstStyle>
+          <a:p>
+            <a:fld id="{F15EF2D2-24D0-4238-9C0D-C81CCD232C53}" type="slidenum">
+              <a:rPr lang="ru-RU" smtClean="0"/>
+              <a:t>‹#›</a:t>
+            </a:fld>
+            <a:endParaRPr lang="ru-RU"/>
+          </a:p>
+        </p:txBody>
+      </p:sp>
+    </p:spTree>
+    <p:extLst>
+      <p:ext uri="{BB962C8B-B14F-4D97-AF65-F5344CB8AC3E}">
+        <p14:creationId xmlns:p14="http://schemas.microsoft.com/office/powerpoint/2010/main" val="3352442126"/>
+      </p:ext>
+    </p:extLst>
+  </p:cSld>
+  <p:clrMap bg1="lt1" tx1="dk1" bg2="lt2" tx2="dk2" accent1="accent1" accent2="accent2" accent3="accent3" accent4="accent4" accent5="accent5" accent6="accent6" hlink="hlink" folHlink="folHlink"/>
+  <p:notesStyle>
+    <a:lvl1pPr marL="0" algn="l" defTabSz="914400" rtl="0" eaLnBrk="1" latinLnBrk="0" hangingPunct="1">
+      <a:defRPr sz="1200" kern="1200">
+        <a:solidFill>
+          <a:schemeClr val="tx1"/>
+        </a:solidFill>
+        <a:latin typeface="+mn-lt"/>
+        <a:ea typeface="+mn-ea"/>
+        <a:cs typeface="+mn-cs"/>
+      </a:defRPr>
+    </a:lvl1pPr>
+    <a:lvl2pPr marL="457200" algn="l" defTabSz="914400" rtl="0" eaLnBrk="1" latinLnBrk="0" hangingPunct="1">
+      <a:defRPr sz="1200" kern="1200">
+        <a:solidFill>
+          <a:schemeClr val="tx1"/>
+        </a:solidFill>
+        <a:latin typeface="+mn-lt"/>
+        <a:ea typeface="+mn-ea"/>
+        <a:cs typeface="+mn-cs"/>
+      </a:defRPr>
+    </a:lvl2pPr>
+    <a:lvl3pPr marL="914400" algn="l" defTabSz="914400" rtl="0" eaLnBrk="1" latinLnBrk="0" hangingPunct="1">
+      <a:defRPr sz="1200" kern="1200">
+        <a:solidFill>
+          <a:schemeClr val="tx1"/>
+        </a:solidFill>
+        <a:latin typeface="+mn-lt"/>
+        <a:ea typeface="+mn-ea"/>
+        <a:cs typeface="+mn-cs"/>
+      </a:defRPr>
+    </a:lvl3pPr>
+    <a:lvl4pPr marL="1371600" algn="l" defTabSz="914400" rtl="0" eaLnBrk="1" latinLnBrk="0" hangingPunct="1">
+      <a:defRPr sz="1200" kern="1200">
+        <a:solidFill>
+          <a:schemeClr val="tx1"/>
+        </a:solidFill>
+        <a:latin typeface="+mn-lt"/>
+        <a:ea typeface="+mn-ea"/>
+        <a:cs typeface="+mn-cs"/>
+      </a:defRPr>
+    </a:lvl4pPr>
+    <a:lvl5pPr marL="1828800" algn="l" defTabSz="914400" rtl="0" eaLnBrk="1" latinLnBrk="0" hangingPunct="1">
+      <a:defRPr sz="1200" kern="1200">
+        <a:solidFill>
+          <a:schemeClr val="tx1"/>
+        </a:solidFill>
+        <a:latin typeface="+mn-lt"/>
+        <a:ea typeface="+mn-ea"/>
+        <a:cs typeface="+mn-cs"/>
+      </a:defRPr>
+    </a:lvl5pPr>
+    <a:lvl6pPr marL="2286000" algn="l" defTabSz="914400" rtl="0" eaLnBrk="1" latinLnBrk="0" hangingPunct="1">
+      <a:defRPr sz="1200" kern="1200">
+        <a:solidFill>
+          <a:schemeClr val="tx1"/>
+        </a:solidFill>
+        <a:latin typeface="+mn-lt"/>
+        <a:ea typeface="+mn-ea"/>
+        <a:cs typeface="+mn-cs"/>
+      </a:defRPr>
+    </a:lvl6pPr>
+    <a:lvl7pPr marL="2743200" algn="l" defTabSz="914400" rtl="0" eaLnBrk="1" latinLnBrk="0" hangingPunct="1">
+      <a:defRPr sz="1200" kern="1200">
+        <a:solidFill>
+          <a:schemeClr val="tx1"/>
+        </a:solidFill>
+        <a:latin typeface="+mn-lt"/>
+        <a:ea typeface="+mn-ea"/>
+        <a:cs typeface="+mn-cs"/>
+      </a:defRPr>
+    </a:lvl7pPr>
+    <a:lvl8pPr marL="3200400" algn="l" defTabSz="914400" rtl="0" eaLnBrk="1" latinLnBrk="0" hangingPunct="1">
+      <a:defRPr sz="1200" kern="1200">
+        <a:solidFill>
+          <a:schemeClr val="tx1"/>
+        </a:solidFill>
+        <a:latin typeface="+mn-lt"/>
+        <a:ea typeface="+mn-ea"/>
+        <a:cs typeface="+mn-cs"/>
+      </a:defRPr>
+    </a:lvl8pPr>
+    <a:lvl9pPr marL="3657600" algn="l" defTabSz="914400" rtl="0" eaLnBrk="1" latinLnBrk="0" hangingPunct="1">
+      <a:defRPr sz="1200" kern="1200">
+        <a:solidFill>
+          <a:schemeClr val="tx1"/>
+        </a:solidFill>
+        <a:latin typeface="+mn-lt"/>
+        <a:ea typeface="+mn-ea"/>
+        <a:cs typeface="+mn-cs"/>
+      </a:defRPr>
+    </a:lvl9pPr>
+  </p:notesStyle>
+</p:notesMaster>
+</file>
+
+<file path=ppt/notesSlides/notesSlide1.xml><?xml version="1.0" encoding="utf-8"?>
+<p:notes xmlns:a="http://schemas.openxmlformats.org/drawingml/2006/main" xmlns:r="http://schemas.openxmlformats.org/officeDocument/2006/relationships" xmlns:p="http://schemas.openxmlformats.org/presentationml/2006/main">
+  <p:cSld>
+    <p:spTree>
+      <p:nvGrpSpPr>
+        <p:cNvPr id="1" name=""/>
+        <p:cNvGrpSpPr/>
+        <p:nvPr/>
+      </p:nvGrpSpPr>
+      <p:grpSpPr>
+        <a:xfrm>
+          <a:off x="0" y="0"/>
+          <a:ext cx="0" cy="0"/>
+          <a:chOff x="0" y="0"/>
+          <a:chExt cx="0" cy="0"/>
+        </a:xfrm>
+      </p:grpSpPr>
+      <p:sp>
+        <p:nvSpPr>
+          <p:cNvPr id="2" name="Образ слайда 1"/>
+          <p:cNvSpPr>
+            <a:spLocks noGrp="1" noRot="1" noChangeAspect="1"/>
+          </p:cNvSpPr>
+          <p:nvPr>
+            <p:ph type="sldImg"/>
+          </p:nvPr>
+        </p:nvSpPr>
+        <p:spPr/>
+      </p:sp>
+      <p:sp>
+        <p:nvSpPr>
+          <p:cNvPr id="3" name="Заметки 2"/>
+          <p:cNvSpPr>
+            <a:spLocks noGrp="1"/>
+          </p:cNvSpPr>
+          <p:nvPr>
+            <p:ph type="body" idx="1"/>
+          </p:nvPr>
+        </p:nvSpPr>
+        <p:spPr/>
+        <p:txBody>
+          <a:bodyPr/>
+          <a:lstStyle/>
+          <a:p>
+            <a:endParaRPr lang="ru-RU"/>
+          </a:p>
+        </p:txBody>
+      </p:sp>
+      <p:sp>
+        <p:nvSpPr>
+          <p:cNvPr id="4" name="Номер слайда 3"/>
+          <p:cNvSpPr>
+            <a:spLocks noGrp="1"/>
+          </p:cNvSpPr>
+          <p:nvPr>
+            <p:ph type="sldNum" sz="quarter" idx="10"/>
+          </p:nvPr>
+        </p:nvSpPr>
+        <p:spPr/>
+        <p:txBody>
+          <a:bodyPr/>
+          <a:lstStyle/>
+          <a:p>
+            <a:fld id="{F15EF2D2-24D0-4238-9C0D-C81CCD232C53}" type="slidenum">
+              <a:rPr lang="ru-RU" smtClean="0"/>
+              <a:t>1</a:t>
+            </a:fld>
+            <a:endParaRPr lang="ru-RU"/>
+          </a:p>
+        </p:txBody>
+      </p:sp>
+    </p:spTree>
+    <p:extLst>
+      <p:ext uri="{BB962C8B-B14F-4D97-AF65-F5344CB8AC3E}">
+        <p14:creationId xmlns:p14="http://schemas.microsoft.com/office/powerpoint/2010/main" val="1036009180"/>
+      </p:ext>
+    </p:extLst>
+  </p:cSld>
+  <p:clrMapOvr>
+    <a:masterClrMapping/>
+  </p:clrMapOvr>
+</p:notes>
 </file>
 
 <file path=ppt/slideLayouts/slideLayout1.xml><?xml version="1.0" encoding="utf-8"?>
@@ -259,9 +707,9 @@
           <a:bodyPr/>
           <a:lstStyle/>
           <a:p>
-            <a:fld id="{B9A30A3E-041F-48E3-A867-6DD25CD1267F}" type="datetimeFigureOut">
+            <a:fld id="{ACEA4292-5554-475D-B664-BA0A31623B9C}" type="datetime1">
               <a:rPr lang="ru-RU" smtClean="0"/>
-              <a:t>07.06.2019</a:t>
+              <a:t>08.06.2019</a:t>
             </a:fld>
             <a:endParaRPr lang="ru-RU"/>
           </a:p>
@@ -429,9 +877,9 @@
           <a:bodyPr/>
           <a:lstStyle/>
           <a:p>
-            <a:fld id="{B9A30A3E-041F-48E3-A867-6DD25CD1267F}" type="datetimeFigureOut">
+            <a:fld id="{9AE17B96-DDC5-40BA-991C-2D08A1C05514}" type="datetime1">
               <a:rPr lang="ru-RU" smtClean="0"/>
-              <a:t>07.06.2019</a:t>
+              <a:t>08.06.2019</a:t>
             </a:fld>
             <a:endParaRPr lang="ru-RU"/>
           </a:p>
@@ -609,9 +1057,9 @@
           <a:bodyPr/>
           <a:lstStyle/>
           <a:p>
-            <a:fld id="{B9A30A3E-041F-48E3-A867-6DD25CD1267F}" type="datetimeFigureOut">
+            <a:fld id="{F7B6DD4E-A493-4D05-9522-6678AD082DF4}" type="datetime1">
               <a:rPr lang="ru-RU" smtClean="0"/>
-              <a:t>07.06.2019</a:t>
+              <a:t>08.06.2019</a:t>
             </a:fld>
             <a:endParaRPr lang="ru-RU"/>
           </a:p>
@@ -779,9 +1227,9 @@
           <a:bodyPr/>
           <a:lstStyle/>
           <a:p>
-            <a:fld id="{B9A30A3E-041F-48E3-A867-6DD25CD1267F}" type="datetimeFigureOut">
+            <a:fld id="{C52E83A4-C9CA-481E-9A1A-B5EB86571EF2}" type="datetime1">
               <a:rPr lang="ru-RU" smtClean="0"/>
-              <a:t>07.06.2019</a:t>
+              <a:t>08.06.2019</a:t>
             </a:fld>
             <a:endParaRPr lang="ru-RU"/>
           </a:p>
@@ -1025,9 +1473,9 @@
           <a:bodyPr/>
           <a:lstStyle/>
           <a:p>
-            <a:fld id="{B9A30A3E-041F-48E3-A867-6DD25CD1267F}" type="datetimeFigureOut">
+            <a:fld id="{A02C7D28-38F5-4464-A107-A35A75D2ACC9}" type="datetime1">
               <a:rPr lang="ru-RU" smtClean="0"/>
-              <a:t>07.06.2019</a:t>
+              <a:t>08.06.2019</a:t>
             </a:fld>
             <a:endParaRPr lang="ru-RU"/>
           </a:p>
@@ -1257,9 +1705,9 @@
           <a:bodyPr/>
           <a:lstStyle/>
           <a:p>
-            <a:fld id="{B9A30A3E-041F-48E3-A867-6DD25CD1267F}" type="datetimeFigureOut">
+            <a:fld id="{582D4DDD-E495-4DD4-8EA4-6C256F9BFD48}" type="datetime1">
               <a:rPr lang="ru-RU" smtClean="0"/>
-              <a:t>07.06.2019</a:t>
+              <a:t>08.06.2019</a:t>
             </a:fld>
             <a:endParaRPr lang="ru-RU"/>
           </a:p>
@@ -1624,9 +2072,9 @@
           <a:bodyPr/>
           <a:lstStyle/>
           <a:p>
-            <a:fld id="{B9A30A3E-041F-48E3-A867-6DD25CD1267F}" type="datetimeFigureOut">
+            <a:fld id="{CE012395-86A7-44E9-8D35-AC59C38A68F3}" type="datetime1">
               <a:rPr lang="ru-RU" smtClean="0"/>
-              <a:t>07.06.2019</a:t>
+              <a:t>08.06.2019</a:t>
             </a:fld>
             <a:endParaRPr lang="ru-RU"/>
           </a:p>
@@ -1742,9 +2190,9 @@
           <a:bodyPr/>
           <a:lstStyle/>
           <a:p>
-            <a:fld id="{B9A30A3E-041F-48E3-A867-6DD25CD1267F}" type="datetimeFigureOut">
+            <a:fld id="{7B9C1957-8F80-46C2-B2E3-7C5AD9999EA3}" type="datetime1">
               <a:rPr lang="ru-RU" smtClean="0"/>
-              <a:t>07.06.2019</a:t>
+              <a:t>08.06.2019</a:t>
             </a:fld>
             <a:endParaRPr lang="ru-RU"/>
           </a:p>
@@ -1837,9 +2285,9 @@
           <a:bodyPr/>
           <a:lstStyle/>
           <a:p>
-            <a:fld id="{B9A30A3E-041F-48E3-A867-6DD25CD1267F}" type="datetimeFigureOut">
+            <a:fld id="{AE9183CF-3A30-4ABA-ACBD-3E400FF5BCCA}" type="datetime1">
               <a:rPr lang="ru-RU" smtClean="0"/>
-              <a:t>07.06.2019</a:t>
+              <a:t>08.06.2019</a:t>
             </a:fld>
             <a:endParaRPr lang="ru-RU"/>
           </a:p>
@@ -2114,9 +2562,9 @@
           <a:bodyPr/>
           <a:lstStyle/>
           <a:p>
-            <a:fld id="{B9A30A3E-041F-48E3-A867-6DD25CD1267F}" type="datetimeFigureOut">
+            <a:fld id="{3AC75F83-7F3A-4A0F-A0D0-B635467D33BC}" type="datetime1">
               <a:rPr lang="ru-RU" smtClean="0"/>
-              <a:t>07.06.2019</a:t>
+              <a:t>08.06.2019</a:t>
             </a:fld>
             <a:endParaRPr lang="ru-RU"/>
           </a:p>
@@ -2367,9 +2815,9 @@
           <a:bodyPr/>
           <a:lstStyle/>
           <a:p>
-            <a:fld id="{B9A30A3E-041F-48E3-A867-6DD25CD1267F}" type="datetimeFigureOut">
+            <a:fld id="{DE332B42-1215-4F8B-8601-BADFCC94324D}" type="datetime1">
               <a:rPr lang="ru-RU" smtClean="0"/>
-              <a:t>07.06.2019</a:t>
+              <a:t>08.06.2019</a:t>
             </a:fld>
             <a:endParaRPr lang="ru-RU"/>
           </a:p>
@@ -2580,9 +3028,9 @@
             </a:lvl1pPr>
           </a:lstStyle>
           <a:p>
-            <a:fld id="{B9A30A3E-041F-48E3-A867-6DD25CD1267F}" type="datetimeFigureOut">
+            <a:fld id="{CC3869A5-DBAE-4837-868E-F9CB23C4D3AC}" type="datetime1">
               <a:rPr lang="ru-RU" smtClean="0"/>
-              <a:t>07.06.2019</a:t>
+              <a:t>08.06.2019</a:t>
             </a:fld>
             <a:endParaRPr lang="ru-RU"/>
           </a:p>
@@ -2687,6 +3135,7 @@
     <p:sldLayoutId id="2147483658" r:id="rId10"/>
     <p:sldLayoutId id="2147483659" r:id="rId11"/>
   </p:sldLayoutIdLst>
+  <p:hf hdr="0" ftr="0" dt="0"/>
   <p:txStyles>
     <p:titleStyle>
       <a:lvl1pPr algn="l" defTabSz="914400" rtl="0" eaLnBrk="1" latinLnBrk="0" hangingPunct="1">
@@ -2989,52 +3438,260 @@
       </p:grpSpPr>
       <p:sp>
         <p:nvSpPr>
-          <p:cNvPr id="2" name="Заголовок 1"/>
-          <p:cNvSpPr>
-            <a:spLocks noGrp="1"/>
-          </p:cNvSpPr>
-          <p:nvPr>
-            <p:ph type="ctrTitle"/>
-          </p:nvPr>
-        </p:nvSpPr>
-        <p:spPr/>
-        <p:txBody>
-          <a:bodyPr/>
+          <p:cNvPr id="3" name="Подзаголовок 2"/>
+          <p:cNvSpPr>
+            <a:spLocks noGrp="1"/>
+          </p:cNvSpPr>
+          <p:nvPr>
+            <p:ph type="subTitle" idx="1"/>
+          </p:nvPr>
+        </p:nvSpPr>
+        <p:spPr>
+          <a:xfrm>
+            <a:off x="611447" y="649995"/>
+            <a:ext cx="10922924" cy="5731698"/>
+          </a:xfrm>
+        </p:spPr>
+        <p:txBody>
+          <a:bodyPr>
+            <a:normAutofit/>
+          </a:bodyPr>
           <a:lstStyle/>
           <a:p>
-            <a:endParaRPr lang="ru-RU"/>
-          </a:p>
-        </p:txBody>
-      </p:sp>
-      <p:sp>
-        <p:nvSpPr>
-          <p:cNvPr id="3" name="Подзаголовок 2"/>
-          <p:cNvSpPr>
-            <a:spLocks noGrp="1"/>
-          </p:cNvSpPr>
-          <p:nvPr>
-            <p:ph type="subTitle" idx="1"/>
-          </p:nvPr>
-        </p:nvSpPr>
-        <p:spPr/>
-        <p:txBody>
-          <a:bodyPr/>
-          <a:lstStyle/>
-          <a:p>
-            <a:endParaRPr lang="ru-RU"/>
-          </a:p>
-        </p:txBody>
-      </p:sp>
+            <a:endParaRPr lang="ru-RU" sz="3600" dirty="0" smtClean="0"/>
+          </a:p>
+          <a:p>
+            <a:r>
+              <a:rPr lang="ru-RU" sz="4000" dirty="0">
+                <a:solidFill>
+                  <a:schemeClr val="tx1"/>
+                </a:solidFill>
+                <a:latin typeface="Arial" panose="020B0604020202020204" pitchFamily="34" charset="0"/>
+                <a:cs typeface="Arial" panose="020B0604020202020204" pitchFamily="34" charset="0"/>
+              </a:rPr>
+              <a:t>Сравнительный </a:t>
+            </a:r>
+            <a:r>
+              <a:rPr lang="ru-RU" sz="4000" dirty="0" smtClean="0">
+                <a:solidFill>
+                  <a:schemeClr val="tx1"/>
+                </a:solidFill>
+                <a:latin typeface="Arial" panose="020B0604020202020204" pitchFamily="34" charset="0"/>
+                <a:cs typeface="Arial" panose="020B0604020202020204" pitchFamily="34" charset="0"/>
+              </a:rPr>
+              <a:t>анализ</a:t>
+            </a:r>
+            <a:br>
+              <a:rPr lang="ru-RU" sz="4000" dirty="0" smtClean="0">
+                <a:solidFill>
+                  <a:schemeClr val="tx1"/>
+                </a:solidFill>
+                <a:latin typeface="Arial" panose="020B0604020202020204" pitchFamily="34" charset="0"/>
+                <a:cs typeface="Arial" panose="020B0604020202020204" pitchFamily="34" charset="0"/>
+              </a:rPr>
+            </a:br>
+            <a:r>
+              <a:rPr lang="ru-RU" sz="4000" dirty="0" smtClean="0">
+                <a:solidFill>
+                  <a:schemeClr val="tx1"/>
+                </a:solidFill>
+                <a:latin typeface="Arial" panose="020B0604020202020204" pitchFamily="34" charset="0"/>
+                <a:cs typeface="Arial" panose="020B0604020202020204" pitchFamily="34" charset="0"/>
+              </a:rPr>
+              <a:t>алгоритмов </a:t>
+            </a:r>
+            <a:r>
+              <a:rPr lang="ru-RU" sz="4000" dirty="0">
+                <a:solidFill>
+                  <a:schemeClr val="tx1"/>
+                </a:solidFill>
+                <a:latin typeface="Arial" panose="020B0604020202020204" pitchFamily="34" charset="0"/>
+                <a:cs typeface="Arial" panose="020B0604020202020204" pitchFamily="34" charset="0"/>
+              </a:rPr>
+              <a:t>квантовых </a:t>
+            </a:r>
+            <a:r>
+              <a:rPr lang="ru-RU" sz="4000" dirty="0" smtClean="0">
+                <a:solidFill>
+                  <a:schemeClr val="tx1"/>
+                </a:solidFill>
+                <a:latin typeface="Arial" panose="020B0604020202020204" pitchFamily="34" charset="0"/>
+                <a:cs typeface="Arial" panose="020B0604020202020204" pitchFamily="34" charset="0"/>
+              </a:rPr>
+              <a:t>вычислений</a:t>
+            </a:r>
+            <a:br>
+              <a:rPr lang="ru-RU" sz="4000" dirty="0" smtClean="0">
+                <a:solidFill>
+                  <a:schemeClr val="tx1"/>
+                </a:solidFill>
+                <a:latin typeface="Arial" panose="020B0604020202020204" pitchFamily="34" charset="0"/>
+                <a:cs typeface="Arial" panose="020B0604020202020204" pitchFamily="34" charset="0"/>
+              </a:rPr>
+            </a:br>
+            <a:r>
+              <a:rPr lang="ru-RU" sz="4000" dirty="0" smtClean="0">
+                <a:solidFill>
+                  <a:schemeClr val="tx1"/>
+                </a:solidFill>
+                <a:latin typeface="Arial" panose="020B0604020202020204" pitchFamily="34" charset="0"/>
+                <a:cs typeface="Arial" panose="020B0604020202020204" pitchFamily="34" charset="0"/>
+              </a:rPr>
+              <a:t>с </a:t>
+            </a:r>
+            <a:r>
+              <a:rPr lang="ru-RU" sz="4000" dirty="0">
+                <a:solidFill>
+                  <a:schemeClr val="tx1"/>
+                </a:solidFill>
+                <a:latin typeface="Arial" panose="020B0604020202020204" pitchFamily="34" charset="0"/>
+                <a:cs typeface="Arial" panose="020B0604020202020204" pitchFamily="34" charset="0"/>
+              </a:rPr>
+              <a:t>их классическими </a:t>
+            </a:r>
+            <a:r>
+              <a:rPr lang="ru-RU" sz="4000" dirty="0" smtClean="0">
+                <a:solidFill>
+                  <a:schemeClr val="tx1"/>
+                </a:solidFill>
+                <a:latin typeface="Arial" panose="020B0604020202020204" pitchFamily="34" charset="0"/>
+                <a:cs typeface="Arial" panose="020B0604020202020204" pitchFamily="34" charset="0"/>
+              </a:rPr>
+              <a:t>аналогами</a:t>
+            </a:r>
+            <a:endParaRPr lang="ru-RU" sz="4000" dirty="0">
+              <a:solidFill>
+                <a:schemeClr val="tx1"/>
+              </a:solidFill>
+              <a:latin typeface="Arial" panose="020B0604020202020204" pitchFamily="34" charset="0"/>
+              <a:cs typeface="Arial" panose="020B0604020202020204" pitchFamily="34" charset="0"/>
+            </a:endParaRPr>
+          </a:p>
+          <a:p>
+            <a:endParaRPr lang="ru-RU" sz="1600" dirty="0" smtClean="0">
+              <a:latin typeface="Arial" panose="020B0604020202020204" pitchFamily="34" charset="0"/>
+              <a:cs typeface="Arial" panose="020B0604020202020204" pitchFamily="34" charset="0"/>
+            </a:endParaRPr>
+          </a:p>
+          <a:p>
+            <a:endParaRPr lang="ru-RU" sz="1600" dirty="0">
+              <a:latin typeface="Arial" panose="020B0604020202020204" pitchFamily="34" charset="0"/>
+              <a:cs typeface="Arial" panose="020B0604020202020204" pitchFamily="34" charset="0"/>
+            </a:endParaRPr>
+          </a:p>
+          <a:p>
+            <a:endParaRPr lang="ru-RU" sz="1600" dirty="0" smtClean="0">
+              <a:latin typeface="Arial" panose="020B0604020202020204" pitchFamily="34" charset="0"/>
+              <a:cs typeface="Arial" panose="020B0604020202020204" pitchFamily="34" charset="0"/>
+            </a:endParaRPr>
+          </a:p>
+          <a:p>
+            <a:pPr algn="r"/>
+            <a:endParaRPr lang="ru-RU" dirty="0" smtClean="0">
+              <a:latin typeface="Arial" panose="020B0604020202020204" pitchFamily="34" charset="0"/>
+              <a:cs typeface="Arial" panose="020B0604020202020204" pitchFamily="34" charset="0"/>
+            </a:endParaRPr>
+          </a:p>
+          <a:p>
+            <a:pPr algn="l"/>
+            <a:r>
+              <a:rPr lang="ru-RU" dirty="0" smtClean="0">
+                <a:latin typeface="Arial" panose="020B0604020202020204" pitchFamily="34" charset="0"/>
+                <a:cs typeface="Arial" panose="020B0604020202020204" pitchFamily="34" charset="0"/>
+              </a:rPr>
+              <a:t>					</a:t>
+            </a:r>
+            <a:r>
+              <a:rPr lang="ru-RU" sz="2000" dirty="0" smtClean="0">
+                <a:solidFill>
+                  <a:schemeClr val="tx1"/>
+                </a:solidFill>
+                <a:latin typeface="Arial" panose="020B0604020202020204" pitchFamily="34" charset="0"/>
+                <a:cs typeface="Arial" panose="020B0604020202020204" pitchFamily="34" charset="0"/>
+              </a:rPr>
+              <a:t>Обучающийся: Черниговских Р. И.</a:t>
+            </a:r>
+          </a:p>
+          <a:p>
+            <a:pPr algn="l">
+              <a:lnSpc>
+                <a:spcPct val="110000"/>
+              </a:lnSpc>
+            </a:pPr>
+            <a:r>
+              <a:rPr lang="ru-RU" sz="2000" dirty="0" smtClean="0">
+                <a:solidFill>
+                  <a:schemeClr val="tx1"/>
+                </a:solidFill>
+                <a:latin typeface="Arial" panose="020B0604020202020204" pitchFamily="34" charset="0"/>
+                <a:cs typeface="Arial" panose="020B0604020202020204" pitchFamily="34" charset="0"/>
+              </a:rPr>
+              <a:t>					Руководитель: </a:t>
+            </a:r>
+            <a:r>
+              <a:rPr lang="ru-RU" sz="2000" dirty="0">
+                <a:latin typeface="Arial" panose="020B0604020202020204" pitchFamily="34" charset="0"/>
+                <a:cs typeface="Arial" panose="020B0604020202020204" pitchFamily="34" charset="0"/>
+              </a:rPr>
+              <a:t>к.ф.-м.н., доцент Барановский Е. С.</a:t>
+            </a:r>
+            <a:endParaRPr lang="ru-RU" sz="2000" dirty="0">
+              <a:solidFill>
+                <a:schemeClr val="tx1"/>
+              </a:solidFill>
+              <a:latin typeface="Arial" panose="020B0604020202020204" pitchFamily="34" charset="0"/>
+              <a:cs typeface="Arial" panose="020B0604020202020204" pitchFamily="34" charset="0"/>
+            </a:endParaRPr>
+          </a:p>
+        </p:txBody>
+      </p:sp>
+      <p:pic>
+        <p:nvPicPr>
+          <p:cNvPr id="4" name="Рисунок 3"/>
+          <p:cNvPicPr>
+            <a:picLocks noChangeAspect="1"/>
+          </p:cNvPicPr>
+          <p:nvPr/>
+        </p:nvPicPr>
+        <p:blipFill>
+          <a:blip r:embed="rId3" cstate="print">
+            <a:extLst>
+              <a:ext uri="{28A0092B-C50C-407E-A947-70E740481C1C}">
+                <a14:useLocalDpi xmlns:a14="http://schemas.microsoft.com/office/drawing/2010/main" val="0"/>
+              </a:ext>
+            </a:extLst>
+          </a:blip>
+          <a:stretch>
+            <a:fillRect/>
+          </a:stretch>
+        </p:blipFill>
+        <p:spPr>
+          <a:xfrm>
+            <a:off x="719403" y="3426941"/>
+            <a:ext cx="3193362" cy="2656481"/>
+          </a:xfrm>
+          <a:prstGeom prst="rect">
+            <a:avLst/>
+          </a:prstGeom>
+        </p:spPr>
+      </p:pic>
     </p:spTree>
     <p:extLst>
       <p:ext uri="{BB962C8B-B14F-4D97-AF65-F5344CB8AC3E}">
-        <p14:creationId xmlns:p14="http://schemas.microsoft.com/office/powerpoint/2010/main" val="2632446927"/>
+        <p14:creationId xmlns:p14="http://schemas.microsoft.com/office/powerpoint/2010/main" val="3600416117"/>
       </p:ext>
     </p:extLst>
   </p:cSld>
   <p:clrMapOvr>
     <a:masterClrMapping/>
   </p:clrMapOvr>
+  <p:timing>
+    <p:tnLst>
+      <p:par>
+        <p:cTn id="1" dur="indefinite" restart="never" nodeType="tmRoot"/>
+      </p:par>
+    </p:tnLst>
+  </p:timing>
 </p:sld>
 </file>
 
@@ -3079,21 +3736,21 @@
           <a:p>
             <a:pPr algn="ctr"/>
             <a:r>
-              <a:rPr lang="ru-RU" sz="2800" dirty="0">
+              <a:rPr lang="ru-RU" sz="4000" dirty="0">
                 <a:latin typeface="Arial" panose="020B0604020202020204" pitchFamily="34" charset="0"/>
                 <a:cs typeface="Arial" panose="020B0604020202020204" pitchFamily="34" charset="0"/>
               </a:rPr>
               <a:t>Требования к </a:t>
             </a:r>
             <a:r>
-              <a:rPr lang="ru-RU" sz="2800" dirty="0" smtClean="0">
+              <a:rPr lang="ru-RU" sz="4000" dirty="0" smtClean="0">
                 <a:latin typeface="Arial" panose="020B0604020202020204" pitchFamily="34" charset="0"/>
                 <a:cs typeface="Arial" panose="020B0604020202020204" pitchFamily="34" charset="0"/>
               </a:rPr>
               <a:t>программному и </a:t>
             </a:r>
             <a:r>
-              <a:rPr lang="ru-RU" sz="2800" dirty="0">
+              <a:rPr lang="ru-RU" sz="4000" dirty="0">
                 <a:latin typeface="Arial" panose="020B0604020202020204" pitchFamily="34" charset="0"/>
                 <a:cs typeface="Arial" panose="020B0604020202020204" pitchFamily="34" charset="0"/>
               </a:rPr>
@@ -3134,7 +3791,7 @@
         <p:spPr>
           <a:xfrm>
             <a:off x="838200" y="1319996"/>
-            <a:ext cx="11243528" cy="5401479"/>
+            <a:ext cx="11243528" cy="4431983"/>
           </a:xfrm>
           <a:prstGeom prst="rect">
             <a:avLst/>
@@ -3327,7 +3984,7 @@
               <a:t>системные требования</a:t>
             </a:r>
             <a:r>
-              <a:rPr lang="ru-RU" sz="2400" dirty="0">
+              <a:rPr lang="ru-RU" sz="2400" dirty="0" smtClean="0">
                 <a:latin typeface="Arial" panose="020B0604020202020204" pitchFamily="34" charset="0"/>
                 <a:cs typeface="Arial" panose="020B0604020202020204" pitchFamily="34" charset="0"/>
               </a:rPr>
@@ -3341,39 +3998,18 @@
               </a:lnSpc>
             </a:pPr>
             <a:r>
+              <a:rPr lang="ru-RU" sz="2400" dirty="0" smtClean="0">
+                <a:latin typeface="Arial" panose="020B0604020202020204" pitchFamily="34" charset="0"/>
+                <a:cs typeface="Arial" panose="020B0604020202020204" pitchFamily="34" charset="0"/>
+              </a:rPr>
+              <a:t>ОЗУ </a:t>
+            </a:r>
+            <a:r>
               <a:rPr lang="ru-RU" sz="2400" dirty="0">
                 <a:latin typeface="Arial" panose="020B0604020202020204" pitchFamily="34" charset="0"/>
                 <a:cs typeface="Arial" panose="020B0604020202020204" pitchFamily="34" charset="0"/>
               </a:rPr>
-              <a:t>•	</a:t>
-            </a:r>
-            <a:r>
-              <a:rPr lang="ru-RU" sz="2400" dirty="0" smtClean="0">
-                <a:latin typeface="Arial" panose="020B0604020202020204" pitchFamily="34" charset="0"/>
-                <a:cs typeface="Arial" panose="020B0604020202020204" pitchFamily="34" charset="0"/>
-              </a:rPr>
-              <a:t>процессор </a:t>
-            </a:r>
-            <a:r>
-              <a:rPr lang="ru-RU" sz="2400" dirty="0">
-                <a:latin typeface="Arial" panose="020B0604020202020204" pitchFamily="34" charset="0"/>
-                <a:cs typeface="Arial" panose="020B0604020202020204" pitchFamily="34" charset="0"/>
-              </a:rPr>
-              <a:t>с тактовой частотой 1,6 ГГц; </a:t>
-            </a:r>
-          </a:p>
-          <a:p>
-            <a:pPr indent="628650">
-              <a:lnSpc>
-                <a:spcPct val="150000"/>
-              </a:lnSpc>
-            </a:pPr>
-            <a:r>
-              <a:rPr lang="ru-RU" sz="2400" dirty="0">
-                <a:latin typeface="Arial" panose="020B0604020202020204" pitchFamily="34" charset="0"/>
-                <a:cs typeface="Arial" panose="020B0604020202020204" pitchFamily="34" charset="0"/>
-              </a:rPr>
-              <a:t>•	ОЗУ объемом </a:t>
+              <a:t>объемом </a:t>
             </a:r>
             <a:r>
               <a:rPr lang="ru-RU" sz="2400" dirty="0" smtClean="0">
@@ -3407,36 +4043,6 @@
                 <a:spcPct val="150000"/>
               </a:lnSpc>
             </a:pPr>
-            <a:r>
-              <a:rPr lang="ru-RU" sz="2400" dirty="0">
-                <a:latin typeface="Arial" panose="020B0604020202020204" pitchFamily="34" charset="0"/>
-                <a:cs typeface="Arial" panose="020B0604020202020204" pitchFamily="34" charset="0"/>
-              </a:rPr>
-              <a:t>•	4 Гб </a:t>
-            </a:r>
-            <a:r>
-              <a:rPr lang="ru-RU" sz="2400" dirty="0" smtClean="0">
-                <a:latin typeface="Arial" panose="020B0604020202020204" pitchFamily="34" charset="0"/>
-                <a:cs typeface="Arial" panose="020B0604020202020204" pitchFamily="34" charset="0"/>
-              </a:rPr>
-              <a:t>пространства на </a:t>
-            </a:r>
-            <a:r>
-              <a:rPr lang="ru-RU" sz="2400" dirty="0">
-                <a:latin typeface="Arial" panose="020B0604020202020204" pitchFamily="34" charset="0"/>
-                <a:cs typeface="Arial" panose="020B0604020202020204" pitchFamily="34" charset="0"/>
-              </a:rPr>
-              <a:t>жестком диске</a:t>
-            </a:r>
-            <a:r>
-              <a:rPr lang="ru-RU" sz="2400" dirty="0" smtClean="0">
-                <a:latin typeface="Arial" panose="020B0604020202020204" pitchFamily="34" charset="0"/>
-                <a:cs typeface="Arial" panose="020B0604020202020204" pitchFamily="34" charset="0"/>
-              </a:rPr>
-              <a:t>.</a:t>
-            </a:r>
-          </a:p>
-          <a:p>
             <a:endParaRPr lang="ru-RU" dirty="0"/>
           </a:p>
         </p:txBody>
@@ -3545,25 +4151,65 @@
               <a:t>Пусть </a:t>
             </a:r>
             <a:r>
-              <a:rPr lang="en-US" dirty="0">
+              <a:rPr lang="en-US" i="1" dirty="0">
                 <a:latin typeface="Arial" panose="020B0604020202020204" pitchFamily="34" charset="0"/>
                 <a:cs typeface="Arial" panose="020B0604020202020204" pitchFamily="34" charset="0"/>
               </a:rPr>
               <a:t>f</a:t>
             </a:r>
             <a:r>
+              <a:rPr lang="ru-RU" i="1" dirty="0">
+                <a:latin typeface="Arial" panose="020B0604020202020204" pitchFamily="34" charset="0"/>
+                <a:cs typeface="Arial" panose="020B0604020202020204" pitchFamily="34" charset="0"/>
+              </a:rPr>
+              <a:t>: {0, 1} =&gt; {0, 1} </a:t>
+            </a:r>
+            <a:r>
               <a:rPr lang="ru-RU" dirty="0">
                 <a:latin typeface="Arial" panose="020B0604020202020204" pitchFamily="34" charset="0"/>
                 <a:cs typeface="Arial" panose="020B0604020202020204" pitchFamily="34" charset="0"/>
               </a:rPr>
-              <a:t>: {0, 1} =&gt; {0, 1} бинарная функция. Заметим, что возможно только четыре значения для </a:t>
-            </a:r>
-            <a:r>
-              <a:rPr lang="en-US" dirty="0">
+              <a:t>бинарная функция</a:t>
+            </a:r>
+            <a:r>
+              <a:rPr lang="ru-RU" dirty="0" smtClean="0">
+                <a:latin typeface="Arial" panose="020B0604020202020204" pitchFamily="34" charset="0"/>
+                <a:cs typeface="Arial" panose="020B0604020202020204" pitchFamily="34" charset="0"/>
+              </a:rPr>
+              <a:t>.</a:t>
+            </a:r>
+          </a:p>
+          <a:p>
+            <a:pPr marL="0" indent="0">
+              <a:buNone/>
+            </a:pPr>
+            <a:r>
+              <a:rPr lang="ru-RU" dirty="0" smtClean="0">
+                <a:latin typeface="Arial" panose="020B0604020202020204" pitchFamily="34" charset="0"/>
+                <a:cs typeface="Arial" panose="020B0604020202020204" pitchFamily="34" charset="0"/>
+              </a:rPr>
+              <a:t>Заметим</a:t>
+            </a:r>
+            <a:r>
+              <a:rPr lang="ru-RU" dirty="0">
+                <a:latin typeface="Arial" panose="020B0604020202020204" pitchFamily="34" charset="0"/>
+                <a:cs typeface="Arial" panose="020B0604020202020204" pitchFamily="34" charset="0"/>
+              </a:rPr>
+              <a:t>, что возможно только четыре значения для </a:t>
+            </a:r>
+            <a:r>
+              <a:rPr lang="en-US" i="1" dirty="0" smtClean="0">
                 <a:latin typeface="Arial" panose="020B0604020202020204" pitchFamily="34" charset="0"/>
                 <a:cs typeface="Arial" panose="020B0604020202020204" pitchFamily="34" charset="0"/>
               </a:rPr>
               <a:t>f</a:t>
+            </a:r>
+            <a:r>
+              <a:rPr lang="ru-RU" dirty="0">
+                <a:latin typeface="Arial" panose="020B0604020202020204" pitchFamily="34" charset="0"/>
+                <a:cs typeface="Arial" panose="020B0604020202020204" pitchFamily="34" charset="0"/>
+              </a:rPr>
+              <a:t>:</a:t>
             </a:r>
             <a:endParaRPr lang="ru-RU" dirty="0">
               <a:latin typeface="Arial" panose="020B0604020202020204" pitchFamily="34" charset="0"/>
@@ -3575,39 +4221,32 @@
               <a:buNone/>
             </a:pPr>
             <a:r>
-              <a:rPr lang="ru-RU" dirty="0">
+              <a:rPr lang="ru-RU" i="1" dirty="0">
                 <a:latin typeface="Arial" panose="020B0604020202020204" pitchFamily="34" charset="0"/>
                 <a:cs typeface="Arial" panose="020B0604020202020204" pitchFamily="34" charset="0"/>
               </a:rPr>
               <a:t>f</a:t>
             </a:r>
             <a:r>
-              <a:rPr lang="ru-RU" baseline="-25000" dirty="0">
+              <a:rPr lang="ru-RU" i="1" baseline="-25000" dirty="0">
                 <a:latin typeface="Arial" panose="020B0604020202020204" pitchFamily="34" charset="0"/>
                 <a:cs typeface="Arial" panose="020B0604020202020204" pitchFamily="34" charset="0"/>
               </a:rPr>
               <a:t>1</a:t>
             </a:r>
             <a:r>
-              <a:rPr lang="ru-RU" dirty="0">
-                <a:latin typeface="Arial" panose="020B0604020202020204" pitchFamily="34" charset="0"/>
-                <a:cs typeface="Arial" panose="020B0604020202020204" pitchFamily="34" charset="0"/>
-              </a:rPr>
-              <a:t>:0→0, 1→0,f</a:t>
-            </a:r>
-            <a:r>
-              <a:rPr lang="ru-RU" baseline="-25000" dirty="0">
-                <a:latin typeface="Arial" panose="020B0604020202020204" pitchFamily="34" charset="0"/>
-                <a:cs typeface="Arial" panose="020B0604020202020204" pitchFamily="34" charset="0"/>
-              </a:rPr>
-              <a:t>2</a:t>
-            </a:r>
-            <a:r>
-              <a:rPr lang="ru-RU" dirty="0">
-                <a:latin typeface="Arial" panose="020B0604020202020204" pitchFamily="34" charset="0"/>
-                <a:cs typeface="Arial" panose="020B0604020202020204" pitchFamily="34" charset="0"/>
-              </a:rPr>
-              <a:t>:0→1, 1→1,</a:t>
+              <a:rPr lang="ru-RU" i="1" dirty="0">
+                <a:latin typeface="Arial" panose="020B0604020202020204" pitchFamily="34" charset="0"/>
+                <a:cs typeface="Arial" panose="020B0604020202020204" pitchFamily="34" charset="0"/>
+              </a:rPr>
+              <a:t>:0→0, 1→0</a:t>
+            </a:r>
+            <a:r>
+              <a:rPr lang="ru-RU" i="1" dirty="0" smtClean="0">
+                <a:latin typeface="Arial" panose="020B0604020202020204" pitchFamily="34" charset="0"/>
+                <a:cs typeface="Arial" panose="020B0604020202020204" pitchFamily="34" charset="0"/>
+              </a:rPr>
+              <a:t>,</a:t>
             </a:r>
           </a:p>
           <a:p>
@@ -3615,42 +4254,101 @@
               <a:buNone/>
             </a:pPr>
             <a:r>
-              <a:rPr lang="ru-RU" dirty="0">
+              <a:rPr lang="ru-RU" i="1" dirty="0" smtClean="0">
                 <a:latin typeface="Arial" panose="020B0604020202020204" pitchFamily="34" charset="0"/>
                 <a:cs typeface="Arial" panose="020B0604020202020204" pitchFamily="34" charset="0"/>
               </a:rPr>
               <a:t>f</a:t>
             </a:r>
             <a:r>
-              <a:rPr lang="ru-RU" baseline="-25000" dirty="0">
+              <a:rPr lang="ru-RU" i="1" baseline="-25000" dirty="0" smtClean="0">
+                <a:latin typeface="Arial" panose="020B0604020202020204" pitchFamily="34" charset="0"/>
+                <a:cs typeface="Arial" panose="020B0604020202020204" pitchFamily="34" charset="0"/>
+              </a:rPr>
+              <a:t>2</a:t>
+            </a:r>
+            <a:r>
+              <a:rPr lang="ru-RU" i="1" dirty="0" smtClean="0">
+                <a:latin typeface="Arial" panose="020B0604020202020204" pitchFamily="34" charset="0"/>
+                <a:cs typeface="Arial" panose="020B0604020202020204" pitchFamily="34" charset="0"/>
+              </a:rPr>
+              <a:t>:0</a:t>
+            </a:r>
+            <a:r>
+              <a:rPr lang="ru-RU" i="1" dirty="0">
+                <a:latin typeface="Arial" panose="020B0604020202020204" pitchFamily="34" charset="0"/>
+                <a:cs typeface="Arial" panose="020B0604020202020204" pitchFamily="34" charset="0"/>
+              </a:rPr>
+              <a:t>→1, 1→1,</a:t>
+            </a:r>
+          </a:p>
+          <a:p>
+            <a:pPr marL="0" indent="0" algn="ctr">
+              <a:buNone/>
+            </a:pPr>
+            <a:r>
+              <a:rPr lang="ru-RU" i="1" dirty="0">
+                <a:latin typeface="Arial" panose="020B0604020202020204" pitchFamily="34" charset="0"/>
+                <a:cs typeface="Arial" panose="020B0604020202020204" pitchFamily="34" charset="0"/>
+              </a:rPr>
+              <a:t>f</a:t>
+            </a:r>
+            <a:r>
+              <a:rPr lang="ru-RU" i="1" baseline="-25000" dirty="0">
                 <a:latin typeface="Arial" panose="020B0604020202020204" pitchFamily="34" charset="0"/>
                 <a:cs typeface="Arial" panose="020B0604020202020204" pitchFamily="34" charset="0"/>
               </a:rPr>
               <a:t>3</a:t>
             </a:r>
             <a:r>
-              <a:rPr lang="ru-RU" dirty="0">
-                <a:latin typeface="Arial" panose="020B0604020202020204" pitchFamily="34" charset="0"/>
-                <a:cs typeface="Arial" panose="020B0604020202020204" pitchFamily="34" charset="0"/>
-              </a:rPr>
-              <a:t>:0→0, 1→1,f</a:t>
-            </a:r>
-            <a:r>
-              <a:rPr lang="ru-RU" baseline="-25000" dirty="0">
+              <a:rPr lang="ru-RU" i="1" dirty="0">
+                <a:latin typeface="Arial" panose="020B0604020202020204" pitchFamily="34" charset="0"/>
+                <a:cs typeface="Arial" panose="020B0604020202020204" pitchFamily="34" charset="0"/>
+              </a:rPr>
+              <a:t>:0→0, 1→1</a:t>
+            </a:r>
+            <a:r>
+              <a:rPr lang="ru-RU" i="1" dirty="0" smtClean="0">
+                <a:latin typeface="Arial" panose="020B0604020202020204" pitchFamily="34" charset="0"/>
+                <a:cs typeface="Arial" panose="020B0604020202020204" pitchFamily="34" charset="0"/>
+              </a:rPr>
+              <a:t>,</a:t>
+            </a:r>
+          </a:p>
+          <a:p>
+            <a:pPr marL="0" indent="0" algn="ctr">
+              <a:buNone/>
+            </a:pPr>
+            <a:r>
+              <a:rPr lang="ru-RU" i="1" dirty="0" smtClean="0">
+                <a:latin typeface="Arial" panose="020B0604020202020204" pitchFamily="34" charset="0"/>
+                <a:cs typeface="Arial" panose="020B0604020202020204" pitchFamily="34" charset="0"/>
+              </a:rPr>
+              <a:t>f</a:t>
+            </a:r>
+            <a:r>
+              <a:rPr lang="ru-RU" i="1" baseline="-25000" dirty="0" smtClean="0">
                 <a:latin typeface="Arial" panose="020B0604020202020204" pitchFamily="34" charset="0"/>
                 <a:cs typeface="Arial" panose="020B0604020202020204" pitchFamily="34" charset="0"/>
               </a:rPr>
               <a:t>4</a:t>
             </a:r>
             <a:r>
-              <a:rPr lang="ru-RU" dirty="0">
-                <a:latin typeface="Arial" panose="020B0604020202020204" pitchFamily="34" charset="0"/>
-                <a:cs typeface="Arial" panose="020B0604020202020204" pitchFamily="34" charset="0"/>
-              </a:rPr>
-              <a:t>:0→1, 1→0</a:t>
-            </a:r>
-            <a:r>
-              <a:rPr lang="ru-RU" dirty="0" smtClean="0">
+              <a:rPr lang="ru-RU" i="1" dirty="0" smtClean="0">
+                <a:latin typeface="Arial" panose="020B0604020202020204" pitchFamily="34" charset="0"/>
+                <a:cs typeface="Arial" panose="020B0604020202020204" pitchFamily="34" charset="0"/>
+              </a:rPr>
+              <a:t>:0</a:t>
+            </a:r>
+            <a:r>
+              <a:rPr lang="ru-RU" i="1" dirty="0">
+                <a:latin typeface="Arial" panose="020B0604020202020204" pitchFamily="34" charset="0"/>
+                <a:cs typeface="Arial" panose="020B0604020202020204" pitchFamily="34" charset="0"/>
+              </a:rPr>
+              <a:t>→1, 1→0</a:t>
+            </a:r>
+            <a:r>
+              <a:rPr lang="ru-RU" i="1" dirty="0" smtClean="0">
                 <a:latin typeface="Arial" panose="020B0604020202020204" pitchFamily="34" charset="0"/>
                 <a:cs typeface="Arial" panose="020B0604020202020204" pitchFamily="34" charset="0"/>
               </a:rPr>
@@ -3671,6 +4369,29 @@
           </a:p>
           <a:p>
             <a:endParaRPr lang="ru-RU" dirty="0"/>
+          </a:p>
+        </p:txBody>
+      </p:sp>
+      <p:sp>
+        <p:nvSpPr>
+          <p:cNvPr id="4" name="Номер слайда 3"/>
+          <p:cNvSpPr>
+            <a:spLocks noGrp="1"/>
+          </p:cNvSpPr>
+          <p:nvPr>
+            <p:ph type="sldNum" sz="quarter" idx="12"/>
+          </p:nvPr>
+        </p:nvSpPr>
+        <p:spPr/>
+        <p:txBody>
+          <a:bodyPr/>
+          <a:lstStyle/>
+          <a:p>
+            <a:fld id="{ADDC721D-FED4-4080-8955-62676588A2D9}" type="slidenum">
+              <a:rPr lang="ru-RU" smtClean="0"/>
+              <a:t>11</a:t>
+            </a:fld>
+            <a:endParaRPr lang="ru-RU"/>
           </a:p>
         </p:txBody>
       </p:sp>
@@ -3777,6 +4498,29 @@
           </a:xfrm>
         </p:spPr>
       </p:pic>
+      <p:sp>
+        <p:nvSpPr>
+          <p:cNvPr id="3" name="Номер слайда 2"/>
+          <p:cNvSpPr>
+            <a:spLocks noGrp="1"/>
+          </p:cNvSpPr>
+          <p:nvPr>
+            <p:ph type="sldNum" sz="quarter" idx="12"/>
+          </p:nvPr>
+        </p:nvSpPr>
+        <p:spPr/>
+        <p:txBody>
+          <a:bodyPr/>
+          <a:lstStyle/>
+          <a:p>
+            <a:fld id="{ADDC721D-FED4-4080-8955-62676588A2D9}" type="slidenum">
+              <a:rPr lang="ru-RU" smtClean="0"/>
+              <a:t>12</a:t>
+            </a:fld>
+            <a:endParaRPr lang="ru-RU"/>
+          </a:p>
+        </p:txBody>
+      </p:sp>
     </p:spTree>
     <p:extLst>
       <p:ext uri="{BB962C8B-B14F-4D97-AF65-F5344CB8AC3E}">
@@ -3965,6 +4709,29 @@
           </a:prstGeom>
         </p:spPr>
       </p:pic>
+      <p:sp>
+        <p:nvSpPr>
+          <p:cNvPr id="4" name="Номер слайда 3"/>
+          <p:cNvSpPr>
+            <a:spLocks noGrp="1"/>
+          </p:cNvSpPr>
+          <p:nvPr>
+            <p:ph type="sldNum" sz="quarter" idx="12"/>
+          </p:nvPr>
+        </p:nvSpPr>
+        <p:spPr/>
+        <p:txBody>
+          <a:bodyPr/>
+          <a:lstStyle/>
+          <a:p>
+            <a:fld id="{ADDC721D-FED4-4080-8955-62676588A2D9}" type="slidenum">
+              <a:rPr lang="ru-RU" smtClean="0"/>
+              <a:t>13</a:t>
+            </a:fld>
+            <a:endParaRPr lang="ru-RU"/>
+          </a:p>
+        </p:txBody>
+      </p:sp>
     </p:spTree>
     <p:extLst>
       <p:ext uri="{BB962C8B-B14F-4D97-AF65-F5344CB8AC3E}">
@@ -4061,7 +4828,7 @@
           <a:bodyPr/>
           <a:lstStyle/>
           <a:p>
-            <a:pPr marL="0" indent="0" algn="just">
+            <a:pPr marL="0" indent="0">
               <a:buNone/>
             </a:pPr>
             <a:r>
@@ -4069,7 +4836,14 @@
                 <a:latin typeface="Arial" panose="020B0604020202020204" pitchFamily="34" charset="0"/>
                 <a:cs typeface="Arial" panose="020B0604020202020204" pitchFamily="34" charset="0"/>
               </a:rPr>
-              <a:t>Можем получить экспоненциальный рост производительности при линейном росте количества </a:t>
+              <a:t>Имеем экспоненциальный </a:t>
+            </a:r>
+            <a:r>
+              <a:rPr lang="ru-RU" dirty="0" smtClean="0">
+                <a:latin typeface="Arial" panose="020B0604020202020204" pitchFamily="34" charset="0"/>
+                <a:cs typeface="Arial" panose="020B0604020202020204" pitchFamily="34" charset="0"/>
+              </a:rPr>
+              <a:t>рост производительности при линейном росте количества </a:t>
             </a:r>
             <a:r>
               <a:rPr lang="ru-RU" dirty="0" err="1" smtClean="0">
@@ -4148,6 +4922,29 @@
           </a:xfrm>
         </p:spPr>
       </p:pic>
+      <p:sp>
+        <p:nvSpPr>
+          <p:cNvPr id="3" name="Номер слайда 2"/>
+          <p:cNvSpPr>
+            <a:spLocks noGrp="1"/>
+          </p:cNvSpPr>
+          <p:nvPr>
+            <p:ph type="sldNum" sz="quarter" idx="12"/>
+          </p:nvPr>
+        </p:nvSpPr>
+        <p:spPr/>
+        <p:txBody>
+          <a:bodyPr/>
+          <a:lstStyle/>
+          <a:p>
+            <a:fld id="{ADDC721D-FED4-4080-8955-62676588A2D9}" type="slidenum">
+              <a:rPr lang="ru-RU" smtClean="0"/>
+              <a:t>14</a:t>
+            </a:fld>
+            <a:endParaRPr lang="ru-RU"/>
+          </a:p>
+        </p:txBody>
+      </p:sp>
     </p:spTree>
     <p:extLst>
       <p:ext uri="{BB962C8B-B14F-4D97-AF65-F5344CB8AC3E}">
@@ -4256,10 +5053,24 @@
                     <a:latin typeface="Arial" panose="020B0604020202020204" pitchFamily="34" charset="0"/>
                     <a:cs typeface="Arial" panose="020B0604020202020204" pitchFamily="34" charset="0"/>
                   </a:rPr>
-                  <a:t>случайный остаток a по модулю </a:t>
+                  <a:t>случайный остаток </a:t>
                 </a:r>
                 <a:r>
-                  <a:rPr lang="ru-RU" dirty="0" smtClean="0">
+                  <a:rPr lang="ru-RU" i="1" dirty="0">
+                    <a:latin typeface="Arial" panose="020B0604020202020204" pitchFamily="34" charset="0"/>
+                    <a:cs typeface="Arial" panose="020B0604020202020204" pitchFamily="34" charset="0"/>
+                  </a:rPr>
+                  <a:t>a</a:t>
+                </a:r>
+                <a:r>
+                  <a:rPr lang="ru-RU" dirty="0">
+                    <a:latin typeface="Arial" panose="020B0604020202020204" pitchFamily="34" charset="0"/>
+                    <a:cs typeface="Arial" panose="020B0604020202020204" pitchFamily="34" charset="0"/>
+                  </a:rPr>
+                  <a:t> по модулю </a:t>
+                </a:r>
+                <a:r>
+                  <a:rPr lang="ru-RU" i="1" dirty="0" smtClean="0">
                     <a:latin typeface="Arial" panose="020B0604020202020204" pitchFamily="34" charset="0"/>
                     <a:cs typeface="Arial" panose="020B0604020202020204" pitchFamily="34" charset="0"/>
                   </a:rPr>
@@ -4289,14 +5100,14 @@
                   <a:t>Проверить </a:t>
                 </a:r>
                 <a:r>
-                  <a:rPr lang="ru-RU" dirty="0">
+                  <a:rPr lang="ru-RU" i="1" dirty="0">
                     <a:latin typeface="Arial" panose="020B0604020202020204" pitchFamily="34" charset="0"/>
                     <a:cs typeface="Arial" panose="020B0604020202020204" pitchFamily="34" charset="0"/>
                   </a:rPr>
                   <a:t>НОД(a, N) = </a:t>
                 </a:r>
                 <a:r>
-                  <a:rPr lang="ru-RU" dirty="0" smtClean="0">
+                  <a:rPr lang="ru-RU" i="1" dirty="0" smtClean="0">
                     <a:latin typeface="Arial" panose="020B0604020202020204" pitchFamily="34" charset="0"/>
                     <a:cs typeface="Arial" panose="020B0604020202020204" pitchFamily="34" charset="0"/>
                   </a:rPr>
@@ -4329,7 +5140,7 @@
                   <a:t>порядок r остатка a по модулю </a:t>
                 </a:r>
                 <a:r>
-                  <a:rPr lang="ru-RU" dirty="0" smtClean="0">
+                  <a:rPr lang="ru-RU" i="1" dirty="0" smtClean="0">
                     <a:latin typeface="Arial" panose="020B0604020202020204" pitchFamily="34" charset="0"/>
                     <a:cs typeface="Arial" panose="020B0604020202020204" pitchFamily="34" charset="0"/>
                   </a:rPr>
@@ -4364,7 +5175,7 @@
                 <a14:m>
                   <m:oMath xmlns:m="http://schemas.openxmlformats.org/officeDocument/2006/math">
                     <m:r>
-                      <a:rPr lang="ru-RU" i="1" dirty="0" smtClean="0">
+                      <a:rPr lang="ru-RU" i="0" dirty="0" smtClean="0">
                         <a:latin typeface="Cambria Math" panose="02040503050406030204" pitchFamily="18" charset="0"/>
                       </a:rPr>
                       <m:t>НОД(</m:t>
@@ -4372,34 +5183,40 @@
                     <m:sSup>
                       <m:sSupPr>
                         <m:ctrlPr>
-                          <a:rPr lang="ru-RU" i="1" dirty="0" smtClean="0">
+                          <a:rPr lang="ru-RU" dirty="0" smtClean="0">
                             <a:latin typeface="Cambria Math" panose="02040503050406030204" pitchFamily="18" charset="0"/>
                           </a:rPr>
                         </m:ctrlPr>
                       </m:sSupPr>
                       <m:e>
                         <m:r>
-                          <a:rPr lang="ru-RU" i="1" dirty="0">
+                          <m:rPr>
+                            <m:sty m:val="p"/>
+                          </m:rPr>
+                          <a:rPr lang="ru-RU" i="0" dirty="0">
                             <a:latin typeface="Cambria Math" panose="02040503050406030204" pitchFamily="18" charset="0"/>
                           </a:rPr>
-                          <m:t>𝑎</m:t>
+                          <m:t>a</m:t>
                         </m:r>
                       </m:e>
                       <m:sup>
                         <m:r>
-                          <a:rPr lang="en-US" i="1" dirty="0">
+                          <a:rPr lang="en-US" i="0" dirty="0">
                             <a:latin typeface="Cambria Math" panose="02040503050406030204" pitchFamily="18" charset="0"/>
                           </a:rPr>
                           <m:t>^(</m:t>
                         </m:r>
                         <m:r>
-                          <a:rPr lang="ru-RU" i="1" dirty="0">
+                          <m:rPr>
+                            <m:sty m:val="p"/>
+                          </m:rPr>
+                          <a:rPr lang="ru-RU" i="0" dirty="0">
                             <a:latin typeface="Cambria Math" panose="02040503050406030204" pitchFamily="18" charset="0"/>
                           </a:rPr>
-                          <m:t>𝑟</m:t>
+                          <m:t>r</m:t>
                         </m:r>
                         <m:r>
-                          <a:rPr lang="ru-RU" i="1" dirty="0">
+                          <a:rPr lang="ru-RU" i="0" dirty="0">
                             <a:latin typeface="Cambria Math" panose="02040503050406030204" pitchFamily="18" charset="0"/>
                           </a:rPr>
                           <m:t>/2)</m:t>
@@ -4407,16 +5224,19 @@
                       </m:sup>
                     </m:sSup>
                     <m:r>
-                      <a:rPr lang="ru-RU" i="1" dirty="0">
+                      <a:rPr lang="ru-RU" i="0" dirty="0">
                         <a:latin typeface="Cambria Math" panose="02040503050406030204" pitchFamily="18" charset="0"/>
                       </a:rPr>
                       <m:t>− 1, </m:t>
                     </m:r>
                     <m:r>
-                      <a:rPr lang="ru-RU" i="1" dirty="0">
+                      <m:rPr>
+                        <m:sty m:val="p"/>
+                      </m:rPr>
+                      <a:rPr lang="ru-RU" i="0" dirty="0">
                         <a:latin typeface="Cambria Math" panose="02040503050406030204" pitchFamily="18" charset="0"/>
                       </a:rPr>
-                      <m:t>𝑁</m:t>
+                      <m:t>N</m:t>
                     </m:r>
                   </m:oMath>
                 </a14:m>
@@ -4471,7 +5291,21 @@
                     <a:latin typeface="Arial" panose="020B0604020202020204" pitchFamily="34" charset="0"/>
                     <a:cs typeface="Arial" panose="020B0604020202020204" pitchFamily="34" charset="0"/>
                   </a:rPr>
-                  <a:t>алгоритма: с большой вероятностью полученное на четвертом шаге число будет нетривиальным делителем N. </a:t>
+                  <a:t>алгоритма: с большой вероятностью полученное на четвертом шаге число будет нетривиальным делителем </a:t>
+                </a:r>
+                <a:r>
+                  <a:rPr lang="ru-RU" i="1" dirty="0">
+                    <a:latin typeface="Arial" panose="020B0604020202020204" pitchFamily="34" charset="0"/>
+                    <a:cs typeface="Arial" panose="020B0604020202020204" pitchFamily="34" charset="0"/>
+                  </a:rPr>
+                  <a:t>N</a:t>
+                </a:r>
+                <a:r>
+                  <a:rPr lang="ru-RU" dirty="0">
+                    <a:latin typeface="Arial" panose="020B0604020202020204" pitchFamily="34" charset="0"/>
+                    <a:cs typeface="Arial" panose="020B0604020202020204" pitchFamily="34" charset="0"/>
+                  </a:rPr>
+                  <a:t>. </a:t>
                 </a:r>
                 <a:endParaRPr lang="en-US" dirty="0" smtClean="0">
                   <a:latin typeface="Arial" panose="020B0604020202020204" pitchFamily="34" charset="0"/>
@@ -4494,7 +5328,21 @@
                     <a:latin typeface="Arial" panose="020B0604020202020204" pitchFamily="34" charset="0"/>
                     <a:cs typeface="Arial" panose="020B0604020202020204" pitchFamily="34" charset="0"/>
                   </a:rPr>
-                  <a:t>шаг: найти порядок a по модулю N.</a:t>
+                  <a:t>шаг: найти порядок a по модулю </a:t>
+                </a:r>
+                <a:r>
+                  <a:rPr lang="ru-RU" i="1" dirty="0">
+                    <a:latin typeface="Arial" panose="020B0604020202020204" pitchFamily="34" charset="0"/>
+                    <a:cs typeface="Arial" panose="020B0604020202020204" pitchFamily="34" charset="0"/>
+                  </a:rPr>
+                  <a:t>N</a:t>
+                </a:r>
+                <a:r>
+                  <a:rPr lang="ru-RU" dirty="0">
+                    <a:latin typeface="Arial" panose="020B0604020202020204" pitchFamily="34" charset="0"/>
+                    <a:cs typeface="Arial" panose="020B0604020202020204" pitchFamily="34" charset="0"/>
+                  </a:rPr>
+                  <a:t>.</a:t>
                 </a:r>
               </a:p>
             </p:txBody>
@@ -4534,6 +5382,29 @@
           </p:sp>
         </mc:Fallback>
       </mc:AlternateContent>
+      <p:sp>
+        <p:nvSpPr>
+          <p:cNvPr id="4" name="Номер слайда 3"/>
+          <p:cNvSpPr>
+            <a:spLocks noGrp="1"/>
+          </p:cNvSpPr>
+          <p:nvPr>
+            <p:ph type="sldNum" sz="quarter" idx="12"/>
+          </p:nvPr>
+        </p:nvSpPr>
+        <p:spPr/>
+        <p:txBody>
+          <a:bodyPr/>
+          <a:lstStyle/>
+          <a:p>
+            <a:fld id="{ADDC721D-FED4-4080-8955-62676588A2D9}" type="slidenum">
+              <a:rPr lang="ru-RU" smtClean="0"/>
+              <a:t>15</a:t>
+            </a:fld>
+            <a:endParaRPr lang="ru-RU"/>
+          </a:p>
+        </p:txBody>
+      </p:sp>
     </p:spTree>
     <p:extLst>
       <p:ext uri="{BB962C8B-B14F-4D97-AF65-F5344CB8AC3E}">
@@ -4622,14 +5493,7 @@
                 <a:latin typeface="Arial" panose="020B0604020202020204" pitchFamily="34" charset="0"/>
                 <a:cs typeface="Arial" panose="020B0604020202020204" pitchFamily="34" charset="0"/>
               </a:rPr>
-              <a:t>Детерминированный</a:t>
-            </a:r>
-            <a:r>
-              <a:rPr lang="ru-RU" sz="3200" dirty="0" smtClean="0">
-                <a:latin typeface="Arial" panose="020B0604020202020204" pitchFamily="34" charset="0"/>
-                <a:cs typeface="Arial" panose="020B0604020202020204" pitchFamily="34" charset="0"/>
-              </a:rPr>
-              <a:t>	</a:t>
+              <a:t>Детерминированный	</a:t>
             </a:r>
             <a:endParaRPr lang="ru-RU" sz="3200" dirty="0">
               <a:latin typeface="Arial" panose="020B0604020202020204" pitchFamily="34" charset="0"/>
@@ -4769,6 +5633,29 @@
               <a:latin typeface="Arial" panose="020B0604020202020204" pitchFamily="34" charset="0"/>
               <a:cs typeface="Arial" panose="020B0604020202020204" pitchFamily="34" charset="0"/>
             </a:endParaRPr>
+          </a:p>
+        </p:txBody>
+      </p:sp>
+      <p:sp>
+        <p:nvSpPr>
+          <p:cNvPr id="3" name="Номер слайда 2"/>
+          <p:cNvSpPr>
+            <a:spLocks noGrp="1"/>
+          </p:cNvSpPr>
+          <p:nvPr>
+            <p:ph type="sldNum" sz="quarter" idx="12"/>
+          </p:nvPr>
+        </p:nvSpPr>
+        <p:spPr/>
+        <p:txBody>
+          <a:bodyPr/>
+          <a:lstStyle/>
+          <a:p>
+            <a:fld id="{ADDC721D-FED4-4080-8955-62676588A2D9}" type="slidenum">
+              <a:rPr lang="ru-RU" smtClean="0"/>
+              <a:t>16</a:t>
+            </a:fld>
+            <a:endParaRPr lang="ru-RU"/>
           </a:p>
         </p:txBody>
       </p:sp>
@@ -4819,14 +5706,42 @@
           </a:bodyPr>
           <a:lstStyle/>
           <a:p>
-            <a:r>
-              <a:rPr lang="ru-RU" sz="3200" dirty="0" smtClean="0">
-                <a:latin typeface="Arial" panose="020B0604020202020204" pitchFamily="34" charset="0"/>
-                <a:cs typeface="Arial" panose="020B0604020202020204" pitchFamily="34" charset="0"/>
-              </a:rPr>
-              <a:t>Квантовый алгоритм для систем линейных равенств</a:t>
-            </a:r>
-            <a:endParaRPr lang="ru-RU" sz="3200" dirty="0">
+            <a:pPr algn="ctr"/>
+            <a:r>
+              <a:rPr lang="ru-RU" sz="4000" dirty="0" smtClean="0">
+                <a:latin typeface="Arial" panose="020B0604020202020204" pitchFamily="34" charset="0"/>
+                <a:cs typeface="Arial" panose="020B0604020202020204" pitchFamily="34" charset="0"/>
+              </a:rPr>
+              <a:t>Квантовый алгоритм для </a:t>
+            </a:r>
+            <a:r>
+              <a:rPr lang="ru-RU" sz="4000" dirty="0" smtClean="0">
+                <a:latin typeface="Arial" panose="020B0604020202020204" pitchFamily="34" charset="0"/>
+                <a:cs typeface="Arial" panose="020B0604020202020204" pitchFamily="34" charset="0"/>
+              </a:rPr>
+              <a:t/>
+            </a:r>
+            <a:br>
+              <a:rPr lang="ru-RU" sz="4000" dirty="0" smtClean="0">
+                <a:latin typeface="Arial" panose="020B0604020202020204" pitchFamily="34" charset="0"/>
+                <a:cs typeface="Arial" panose="020B0604020202020204" pitchFamily="34" charset="0"/>
+              </a:rPr>
+            </a:br>
+            <a:r>
+              <a:rPr lang="ru-RU" sz="4000" dirty="0" smtClean="0">
+                <a:latin typeface="Arial" panose="020B0604020202020204" pitchFamily="34" charset="0"/>
+                <a:cs typeface="Arial" panose="020B0604020202020204" pitchFamily="34" charset="0"/>
+              </a:rPr>
+              <a:t>систем </a:t>
+            </a:r>
+            <a:r>
+              <a:rPr lang="ru-RU" sz="4000" dirty="0" smtClean="0">
+                <a:latin typeface="Arial" panose="020B0604020202020204" pitchFamily="34" charset="0"/>
+                <a:cs typeface="Arial" panose="020B0604020202020204" pitchFamily="34" charset="0"/>
+              </a:rPr>
+              <a:t>линейных равенств</a:t>
+            </a:r>
+            <a:endParaRPr lang="ru-RU" sz="4000" dirty="0">
               <a:latin typeface="Arial" panose="020B0604020202020204" pitchFamily="34" charset="0"/>
               <a:cs typeface="Arial" panose="020B0604020202020204" pitchFamily="34" charset="0"/>
             </a:endParaRPr>
@@ -4885,7 +5800,6 @@
               <a:bodyPr/>
               <a:lstStyle/>
               <a:p>
-                <a:pPr algn="just"/>
                 <a:r>
                   <a:rPr lang="ru-RU" dirty="0" smtClean="0">
                     <a:latin typeface="Arial" panose="020B0604020202020204" pitchFamily="34" charset="0"/>
@@ -4894,14 +5808,14 @@
                   <a:t>Работает за </a:t>
                 </a:r>
                 <a:r>
-                  <a:rPr lang="en-US" dirty="0" smtClean="0">
+                  <a:rPr lang="en-US" i="1" dirty="0" smtClean="0">
                     <a:latin typeface="Arial" panose="020B0604020202020204" pitchFamily="34" charset="0"/>
                     <a:cs typeface="Arial" panose="020B0604020202020204" pitchFamily="34" charset="0"/>
                   </a:rPr>
                   <a:t>O</a:t>
                 </a:r>
                 <a:r>
-                  <a:rPr lang="ru-RU" dirty="0" smtClean="0">
+                  <a:rPr lang="ru-RU" i="1" dirty="0" smtClean="0">
                     <a:latin typeface="Arial" panose="020B0604020202020204" pitchFamily="34" charset="0"/>
                     <a:cs typeface="Arial" panose="020B0604020202020204" pitchFamily="34" charset="0"/>
                   </a:rPr>
@@ -4937,19 +5851,14 @@
                   </m:oMath>
                 </a14:m>
                 <a:r>
-                  <a:rPr lang="en-US" dirty="0" smtClean="0">
+                  <a:rPr lang="en-US" i="1" dirty="0" smtClean="0">
                     <a:latin typeface="Arial" panose="020B0604020202020204" pitchFamily="34" charset="0"/>
                     <a:cs typeface="Arial" panose="020B0604020202020204" pitchFamily="34" charset="0"/>
                   </a:rPr>
                   <a:t>)</a:t>
                 </a:r>
-                <a:endParaRPr lang="en-US" dirty="0" smtClean="0">
-                  <a:latin typeface="Arial" panose="020B0604020202020204" pitchFamily="34" charset="0"/>
-                  <a:cs typeface="Arial" panose="020B0604020202020204" pitchFamily="34" charset="0"/>
-                </a:endParaRPr>
               </a:p>
               <a:p>
-                <a:pPr algn="just"/>
                 <a:r>
                   <a:rPr lang="ru-RU" dirty="0" smtClean="0">
                     <a:latin typeface="Arial" panose="020B0604020202020204" pitchFamily="34" charset="0"/>
@@ -4958,27 +5867,27 @@
                   <a:t>Метод сопряженных градиентов оптимизирует до </a:t>
                 </a:r>
                 <a:r>
-                  <a:rPr lang="en-US" dirty="0" smtClean="0">
+                  <a:rPr lang="en-US" i="1" dirty="0" smtClean="0">
                     <a:latin typeface="Arial" panose="020B0604020202020204" pitchFamily="34" charset="0"/>
                     <a:cs typeface="Arial" panose="020B0604020202020204" pitchFamily="34" charset="0"/>
                   </a:rPr>
                   <a:t>O(</a:t>
                 </a:r>
                 <a:r>
-                  <a:rPr lang="en-US" dirty="0" err="1" smtClean="0">
+                  <a:rPr lang="en-US" i="1" dirty="0" err="1" smtClean="0">
                     <a:latin typeface="Arial" panose="020B0604020202020204" pitchFamily="34" charset="0"/>
                     <a:cs typeface="Arial" panose="020B0604020202020204" pitchFamily="34" charset="0"/>
                   </a:rPr>
                   <a:t>Nsk</a:t>
                 </a:r>
                 <a:r>
-                  <a:rPr lang="en-US" dirty="0" smtClean="0">
+                  <a:rPr lang="en-US" i="1" dirty="0" smtClean="0">
                     <a:latin typeface="Arial" panose="020B0604020202020204" pitchFamily="34" charset="0"/>
                     <a:cs typeface="Arial" panose="020B0604020202020204" pitchFamily="34" charset="0"/>
                   </a:rPr>
                   <a:t>)</a:t>
                 </a:r>
-                <a:endParaRPr lang="ru-RU" dirty="0" smtClean="0">
+                <a:endParaRPr lang="ru-RU" i="1" dirty="0" smtClean="0">
                   <a:latin typeface="Arial" panose="020B0604020202020204" pitchFamily="34" charset="0"/>
                   <a:cs typeface="Arial" panose="020B0604020202020204" pitchFamily="34" charset="0"/>
                 </a:endParaRPr>
@@ -5010,7 +5919,7 @@
               <a:blipFill rotWithShape="0">
                 <a:blip r:embed="rId2"/>
                 <a:stretch>
-                  <a:fillRect l="-2128" t="-2980" r="-2364"/>
+                  <a:fillRect l="-2128" t="-2980"/>
                 </a:stretch>
               </a:blipFill>
             </p:spPr>
@@ -5082,7 +5991,6 @@
               <a:bodyPr/>
               <a:lstStyle/>
               <a:p>
-                <a:pPr algn="just"/>
                 <a:r>
                   <a:rPr lang="ru-RU" dirty="0" smtClean="0">
                     <a:latin typeface="Arial" panose="020B0604020202020204" pitchFamily="34" charset="0"/>
@@ -5091,7 +5999,7 @@
                   <a:t>Базовая версия </a:t>
                 </a:r>
                 <a:r>
-                  <a:rPr lang="en-US" dirty="0" smtClean="0">
+                  <a:rPr lang="en-US" i="1" dirty="0" smtClean="0">
                     <a:latin typeface="Arial" panose="020B0604020202020204" pitchFamily="34" charset="0"/>
                     <a:cs typeface="Arial" panose="020B0604020202020204" pitchFamily="34" charset="0"/>
                   </a:rPr>
@@ -5109,13 +6017,10 @@
                       </m:funcPr>
                       <m:fName>
                         <m:r>
-                          <m:rPr>
-                            <m:sty m:val="p"/>
-                          </m:rPr>
-                          <a:rPr lang="en-US" i="0" smtClean="0">
+                          <a:rPr lang="en-US" i="1" smtClean="0">
                             <a:latin typeface="Cambria Math" panose="02040503050406030204" pitchFamily="18" charset="0"/>
                           </a:rPr>
-                          <m:t>log</m:t>
+                          <m:t>𝑙𝑜𝑔</m:t>
                         </m:r>
                       </m:fName>
                       <m:e>
@@ -5155,19 +6060,14 @@
                   </m:oMath>
                 </a14:m>
                 <a:r>
-                  <a:rPr lang="en-US" dirty="0" smtClean="0">
+                  <a:rPr lang="en-US" i="1" dirty="0" smtClean="0">
                     <a:latin typeface="Arial" panose="020B0604020202020204" pitchFamily="34" charset="0"/>
                     <a:cs typeface="Arial" panose="020B0604020202020204" pitchFamily="34" charset="0"/>
                   </a:rPr>
                   <a:t>)</a:t>
                 </a:r>
-                <a:endParaRPr lang="en-US" dirty="0" smtClean="0">
-                  <a:latin typeface="Arial" panose="020B0604020202020204" pitchFamily="34" charset="0"/>
-                  <a:cs typeface="Arial" panose="020B0604020202020204" pitchFamily="34" charset="0"/>
-                </a:endParaRPr>
               </a:p>
               <a:p>
-                <a:pPr algn="just"/>
                 <a:r>
                   <a:rPr lang="ru-RU" dirty="0" smtClean="0">
                     <a:latin typeface="Arial" panose="020B0604020202020204" pitchFamily="34" charset="0"/>
@@ -5190,7 +6090,7 @@
                   <a:t> </a:t>
                 </a:r>
                 <a:r>
-                  <a:rPr lang="en-US" dirty="0" smtClean="0">
+                  <a:rPr lang="en-US" i="1" dirty="0" smtClean="0">
                     <a:latin typeface="Arial" panose="020B0604020202020204" pitchFamily="34" charset="0"/>
                     <a:cs typeface="Arial" panose="020B0604020202020204" pitchFamily="34" charset="0"/>
                   </a:rPr>
@@ -5233,13 +6133,10 @@
                       </m:funcPr>
                       <m:fName>
                         <m:r>
-                          <m:rPr>
-                            <m:sty m:val="p"/>
-                          </m:rPr>
-                          <a:rPr lang="en-US">
+                          <a:rPr lang="en-US" i="1">
                             <a:latin typeface="Cambria Math" panose="02040503050406030204" pitchFamily="18" charset="0"/>
                           </a:rPr>
-                          <m:t>log</m:t>
+                          <m:t>𝑙𝑜𝑔</m:t>
                         </m:r>
                       </m:fName>
                       <m:e>
@@ -5254,7 +6151,7 @@
                   </m:oMath>
                 </a14:m>
                 <a:r>
-                  <a:rPr lang="en-US" dirty="0" smtClean="0">
+                  <a:rPr lang="en-US" i="1" dirty="0" smtClean="0">
                     <a:latin typeface="Arial" panose="020B0604020202020204" pitchFamily="34" charset="0"/>
                     <a:cs typeface="Arial" panose="020B0604020202020204" pitchFamily="34" charset="0"/>
                   </a:rPr>
@@ -5297,7 +6194,7 @@
                   </a:rPr>
                 </a:br>
                 <a:r>
-                  <a:rPr lang="en-US" dirty="0" smtClean="0">
+                  <a:rPr lang="en-US" i="1" dirty="0" smtClean="0">
                     <a:latin typeface="Arial" panose="020B0604020202020204" pitchFamily="34" charset="0"/>
                     <a:cs typeface="Arial" panose="020B0604020202020204" pitchFamily="34" charset="0"/>
                   </a:rPr>
@@ -5315,13 +6212,10 @@
                       </m:funcPr>
                       <m:fName>
                         <m:r>
-                          <m:rPr>
-                            <m:sty m:val="p"/>
-                          </m:rPr>
-                          <a:rPr lang="en-US" i="0" dirty="0" smtClean="0">
+                          <a:rPr lang="en-US" i="1" dirty="0" smtClean="0">
                             <a:latin typeface="Cambria Math" panose="02040503050406030204" pitchFamily="18" charset="0"/>
                           </a:rPr>
-                          <m:t>log</m:t>
+                          <m:t>𝑙𝑜𝑔</m:t>
                         </m:r>
                       </m:fName>
                       <m:e>
@@ -5336,16 +6230,12 @@
                   </m:oMath>
                 </a14:m>
                 <a:r>
-                  <a:rPr lang="en-US" dirty="0" smtClean="0">
+                  <a:rPr lang="en-US" i="1" dirty="0" smtClean="0">
                     <a:latin typeface="Arial" panose="020B0604020202020204" pitchFamily="34" charset="0"/>
                     <a:cs typeface="Arial" panose="020B0604020202020204" pitchFamily="34" charset="0"/>
                   </a:rPr>
                   <a:t>)</a:t>
                 </a:r>
-                <a:endParaRPr lang="en-US" dirty="0" smtClean="0">
-                  <a:latin typeface="Arial" panose="020B0604020202020204" pitchFamily="34" charset="0"/>
-                  <a:cs typeface="Arial" panose="020B0604020202020204" pitchFamily="34" charset="0"/>
-                </a:endParaRPr>
               </a:p>
               <a:p>
                 <a:r>
@@ -5383,7 +6273,7 @@
                   </a:rPr>
                 </a:br>
                 <a:r>
-                  <a:rPr lang="en-US" dirty="0" smtClean="0">
+                  <a:rPr lang="en-US" i="1" dirty="0" smtClean="0">
                     <a:latin typeface="Arial" panose="020B0604020202020204" pitchFamily="34" charset="0"/>
                     <a:cs typeface="Arial" panose="020B0604020202020204" pitchFamily="34" charset="0"/>
                   </a:rPr>
@@ -5420,13 +6310,10 @@
                       </m:funcPr>
                       <m:fName>
                         <m:r>
-                          <m:rPr>
-                            <m:sty m:val="p"/>
-                          </m:rPr>
-                          <a:rPr lang="en-US" i="0" smtClean="0">
+                          <a:rPr lang="en-US" i="1" smtClean="0">
                             <a:latin typeface="Cambria Math" panose="02040503050406030204" pitchFamily="18" charset="0"/>
                           </a:rPr>
-                          <m:t>log</m:t>
+                          <m:t>𝑙𝑜𝑔</m:t>
                         </m:r>
                       </m:fName>
                       <m:e>
@@ -5466,16 +6353,12 @@
                   </m:oMath>
                 </a14:m>
                 <a:r>
-                  <a:rPr lang="en-US" dirty="0" smtClean="0">
+                  <a:rPr lang="en-US" i="1" dirty="0" smtClean="0">
                     <a:latin typeface="Arial" panose="020B0604020202020204" pitchFamily="34" charset="0"/>
                     <a:cs typeface="Arial" panose="020B0604020202020204" pitchFamily="34" charset="0"/>
                   </a:rPr>
                   <a:t>)</a:t>
                 </a:r>
-                <a:endParaRPr lang="en-US" dirty="0" smtClean="0">
-                  <a:latin typeface="Arial" panose="020B0604020202020204" pitchFamily="34" charset="0"/>
-                  <a:cs typeface="Arial" panose="020B0604020202020204" pitchFamily="34" charset="0"/>
-                </a:endParaRPr>
               </a:p>
               <a:p>
                 <a:endParaRPr lang="ru-RU" dirty="0">
@@ -5501,7 +6384,7 @@
               <a:blipFill rotWithShape="0">
                 <a:blip r:embed="rId3"/>
                 <a:stretch>
-                  <a:fillRect l="-2118" t="-2980" r="-1059"/>
+                  <a:fillRect l="-2118" t="-2980"/>
                 </a:stretch>
               </a:blipFill>
             </p:spPr>
@@ -5520,6 +6403,29 @@
           </p:sp>
         </mc:Fallback>
       </mc:AlternateContent>
+      <p:sp>
+        <p:nvSpPr>
+          <p:cNvPr id="3" name="Номер слайда 2"/>
+          <p:cNvSpPr>
+            <a:spLocks noGrp="1"/>
+          </p:cNvSpPr>
+          <p:nvPr>
+            <p:ph type="sldNum" sz="quarter" idx="12"/>
+          </p:nvPr>
+        </p:nvSpPr>
+        <p:spPr/>
+        <p:txBody>
+          <a:bodyPr/>
+          <a:lstStyle/>
+          <a:p>
+            <a:fld id="{ADDC721D-FED4-4080-8955-62676588A2D9}" type="slidenum">
+              <a:rPr lang="ru-RU" smtClean="0"/>
+              <a:t>17</a:t>
+            </a:fld>
+            <a:endParaRPr lang="ru-RU"/>
+          </a:p>
+        </p:txBody>
+      </p:sp>
     </p:spTree>
     <p:extLst>
       <p:ext uri="{BB962C8B-B14F-4D97-AF65-F5344CB8AC3E}">
@@ -5572,6 +6478,7 @@
           </a:bodyPr>
           <a:lstStyle/>
           <a:p>
+            <a:pPr algn="ctr"/>
             <a:r>
               <a:rPr lang="ru-RU" sz="4000" dirty="0" smtClean="0">
                 <a:latin typeface="Arial" panose="020B0604020202020204" pitchFamily="34" charset="0"/>
@@ -5598,7 +6505,7 @@
                 <p:ph idx="1"/>
                 <p:extLst>
                   <p:ext uri="{D42A27DB-BD31-4B8C-83A1-F6EECF244321}">
-                    <p14:modId xmlns:p14="http://schemas.microsoft.com/office/powerpoint/2010/main" val="1241202706"/>
+                    <p14:modId xmlns:p14="http://schemas.microsoft.com/office/powerpoint/2010/main" val="2278502247"/>
                   </p:ext>
                 </p:extLst>
               </p:nvPr>
@@ -5624,6 +6531,7 @@
                         <a:bodyPr/>
                         <a:lstStyle/>
                         <a:p>
+                          <a:pPr algn="l"/>
                           <a:r>
                             <a:rPr lang="ru-RU" b="0" dirty="0" smtClean="0">
                               <a:latin typeface="Arial" panose="020B0604020202020204" pitchFamily="34" charset="0"/>
@@ -5636,14 +6544,14 @@
                               <a:latin typeface="Arial" panose="020B0604020202020204" pitchFamily="34" charset="0"/>
                               <a:cs typeface="Arial" panose="020B0604020202020204" pitchFamily="34" charset="0"/>
                             </a:rPr>
-                            <a:t>функции(детерминированный</a:t>
+                            <a:t>функции (</a:t>
                           </a:r>
                           <a:r>
                             <a:rPr lang="ru-RU" b="0" dirty="0" smtClean="0">
                               <a:latin typeface="Arial" panose="020B0604020202020204" pitchFamily="34" charset="0"/>
                               <a:cs typeface="Arial" panose="020B0604020202020204" pitchFamily="34" charset="0"/>
                             </a:rPr>
-                            <a:t>)</a:t>
+                            <a:t>детерминированный)</a:t>
                           </a:r>
                           <a:endParaRPr lang="ru-RU" b="0" dirty="0">
                             <a:latin typeface="Arial" panose="020B0604020202020204" pitchFamily="34" charset="0"/>
@@ -5660,7 +6568,7 @@
                         <a:p>
                           <a:pPr algn="ctr"/>
                           <a:r>
-                            <a:rPr lang="en-US" b="0" dirty="0" smtClean="0">
+                            <a:rPr lang="en-US" b="0" i="1" dirty="0" smtClean="0">
                               <a:latin typeface="Arial" panose="020B0604020202020204" pitchFamily="34" charset="0"/>
                               <a:cs typeface="Arial" panose="020B0604020202020204" pitchFamily="34" charset="0"/>
                             </a:rPr>
@@ -5702,20 +6610,13 @@
                             </m:oMath>
                           </a14:m>
                           <a:r>
-                            <a:rPr lang="en-US" b="0" dirty="0" smtClean="0">
+                            <a:rPr lang="en-US" b="0" i="1" dirty="0" smtClean="0">
                               <a:latin typeface="Arial" panose="020B0604020202020204" pitchFamily="34" charset="0"/>
                               <a:cs typeface="Arial" panose="020B0604020202020204" pitchFamily="34" charset="0"/>
                             </a:rPr>
-                            <a:t> </a:t>
+                            <a:t> + 1)</a:t>
                           </a:r>
-                          <a:r>
-                            <a:rPr lang="en-US" b="0" dirty="0" smtClean="0">
-                              <a:latin typeface="Arial" panose="020B0604020202020204" pitchFamily="34" charset="0"/>
-                              <a:cs typeface="Arial" panose="020B0604020202020204" pitchFamily="34" charset="0"/>
-                            </a:rPr>
-                            <a:t>+ 1)</a:t>
-                          </a:r>
-                          <a:endParaRPr lang="ru-RU" b="0" dirty="0">
+                          <a:endParaRPr lang="ru-RU" b="0" i="1" dirty="0">
                             <a:latin typeface="Arial" panose="020B0604020202020204" pitchFamily="34" charset="0"/>
                             <a:cs typeface="Arial" panose="020B0604020202020204" pitchFamily="34" charset="0"/>
                           </a:endParaRPr>
@@ -5743,12 +6644,27 @@
                         <a:bodyPr/>
                         <a:lstStyle/>
                         <a:p>
+                          <a:pPr algn="l"/>
                           <a:r>
                             <a:rPr lang="ru-RU" dirty="0" smtClean="0">
                               <a:latin typeface="Arial" panose="020B0604020202020204" pitchFamily="34" charset="0"/>
                               <a:cs typeface="Arial" panose="020B0604020202020204" pitchFamily="34" charset="0"/>
                             </a:rPr>
-                            <a:t>Сбалансированность функции(вероятностный)</a:t>
+                            <a:t>Сбалансированность </a:t>
+                          </a:r>
+                          <a:r>
+                            <a:rPr lang="ru-RU" dirty="0" smtClean="0">
+                              <a:latin typeface="Arial" panose="020B0604020202020204" pitchFamily="34" charset="0"/>
+                              <a:cs typeface="Arial" panose="020B0604020202020204" pitchFamily="34" charset="0"/>
+                            </a:rPr>
+                            <a:t>функции (вероятностный</a:t>
+                          </a:r>
+                          <a:r>
+                            <a:rPr lang="ru-RU" dirty="0" smtClean="0">
+                              <a:latin typeface="Arial" panose="020B0604020202020204" pitchFamily="34" charset="0"/>
+                              <a:cs typeface="Arial" panose="020B0604020202020204" pitchFamily="34" charset="0"/>
+                            </a:rPr>
+                            <a:t>)</a:t>
                           </a:r>
                           <a:endParaRPr lang="ru-RU" dirty="0">
                             <a:latin typeface="Arial" panose="020B0604020202020204" pitchFamily="34" charset="0"/>
@@ -5765,7 +6681,7 @@
                         <a:p>
                           <a:pPr algn="ctr"/>
                           <a:r>
-                            <a:rPr lang="en-US" dirty="0" smtClean="0">
+                            <a:rPr lang="en-US" i="1" dirty="0" smtClean="0">
                               <a:latin typeface="Arial" panose="020B0604020202020204" pitchFamily="34" charset="0"/>
                               <a:cs typeface="Arial" panose="020B0604020202020204" pitchFamily="34" charset="0"/>
                             </a:rPr>
@@ -5807,13 +6723,13 @@
                             </m:oMath>
                           </a14:m>
                           <a:r>
-                            <a:rPr lang="en-US" dirty="0" smtClean="0">
+                            <a:rPr lang="en-US" i="1" dirty="0" smtClean="0">
                               <a:latin typeface="Arial" panose="020B0604020202020204" pitchFamily="34" charset="0"/>
                               <a:cs typeface="Arial" panose="020B0604020202020204" pitchFamily="34" charset="0"/>
                             </a:rPr>
                             <a:t>)</a:t>
                           </a:r>
-                          <a:endParaRPr lang="ru-RU" dirty="0">
+                          <a:endParaRPr lang="ru-RU" i="1" dirty="0">
                             <a:latin typeface="Arial" panose="020B0604020202020204" pitchFamily="34" charset="0"/>
                             <a:cs typeface="Arial" panose="020B0604020202020204" pitchFamily="34" charset="0"/>
                           </a:endParaRPr>
@@ -5838,7 +6754,34 @@
                               <a:latin typeface="Arial" panose="020B0604020202020204" pitchFamily="34" charset="0"/>
                               <a:cs typeface="Arial" panose="020B0604020202020204" pitchFamily="34" charset="0"/>
                             </a:rPr>
-                            <a:t> 99,9 при 14 вызовах</a:t>
+                            <a:t> 99,9 при </a:t>
+                          </a:r>
+                          <a:r>
+                            <a:rPr lang="ru-RU" baseline="0" dirty="0" smtClean="0">
+                              <a:latin typeface="Arial" panose="020B0604020202020204" pitchFamily="34" charset="0"/>
+                              <a:cs typeface="Arial" panose="020B0604020202020204" pitchFamily="34" charset="0"/>
+                            </a:rPr>
+                            <a:t/>
+                          </a:r>
+                          <a:br>
+                            <a:rPr lang="ru-RU" baseline="0" dirty="0" smtClean="0">
+                              <a:latin typeface="Arial" panose="020B0604020202020204" pitchFamily="34" charset="0"/>
+                              <a:cs typeface="Arial" panose="020B0604020202020204" pitchFamily="34" charset="0"/>
+                            </a:rPr>
+                          </a:br>
+                          <a:r>
+                            <a:rPr lang="ru-RU" baseline="0" dirty="0" smtClean="0">
+                              <a:latin typeface="Arial" panose="020B0604020202020204" pitchFamily="34" charset="0"/>
+                              <a:cs typeface="Arial" panose="020B0604020202020204" pitchFamily="34" charset="0"/>
+                            </a:rPr>
+                            <a:t>14 </a:t>
+                          </a:r>
+                          <a:r>
+                            <a:rPr lang="ru-RU" baseline="0" dirty="0" smtClean="0">
+                              <a:latin typeface="Arial" panose="020B0604020202020204" pitchFamily="34" charset="0"/>
+                              <a:cs typeface="Arial" panose="020B0604020202020204" pitchFamily="34" charset="0"/>
+                            </a:rPr>
+                            <a:t>вызовах</a:t>
                           </a:r>
                           <a:endParaRPr lang="ru-RU" dirty="0">
                             <a:latin typeface="Arial" panose="020B0604020202020204" pitchFamily="34" charset="0"/>
@@ -5855,6 +6798,7 @@
                         <a:bodyPr/>
                         <a:lstStyle/>
                         <a:p>
+                          <a:pPr algn="l"/>
                           <a:r>
                             <a:rPr lang="ru-RU" dirty="0" smtClean="0">
                               <a:latin typeface="Arial" panose="020B0604020202020204" pitchFamily="34" charset="0"/>
@@ -5900,20 +6844,20 @@
                             <a:defRPr/>
                           </a:pPr>
                           <a:r>
-                            <a:rPr lang="en-US" dirty="0" smtClean="0">
+                            <a:rPr lang="en-US" i="1" dirty="0" smtClean="0">
                               <a:latin typeface="Arial" panose="020B0604020202020204" pitchFamily="34" charset="0"/>
                               <a:cs typeface="Arial" panose="020B0604020202020204" pitchFamily="34" charset="0"/>
                             </a:rPr>
                             <a:t>O(1)</a:t>
                           </a:r>
-                          <a:endParaRPr lang="ru-RU" dirty="0" smtClean="0">
+                          <a:endParaRPr lang="ru-RU" i="1" dirty="0" smtClean="0">
                             <a:latin typeface="Arial" panose="020B0604020202020204" pitchFamily="34" charset="0"/>
                             <a:cs typeface="Arial" panose="020B0604020202020204" pitchFamily="34" charset="0"/>
                           </a:endParaRPr>
                         </a:p>
                         <a:p>
                           <a:pPr algn="ctr"/>
-                          <a:endParaRPr lang="ru-RU" dirty="0">
+                          <a:endParaRPr lang="ru-RU" i="1" dirty="0">
                             <a:latin typeface="Arial" panose="020B0604020202020204" pitchFamily="34" charset="0"/>
                             <a:cs typeface="Arial" panose="020B0604020202020204" pitchFamily="34" charset="0"/>
                           </a:endParaRPr>
@@ -5941,6 +6885,7 @@
                         <a:bodyPr/>
                         <a:lstStyle/>
                         <a:p>
+                          <a:pPr algn="l"/>
                           <a:r>
                             <a:rPr lang="ru-RU" dirty="0" smtClean="0">
                               <a:latin typeface="Arial" panose="020B0604020202020204" pitchFamily="34" charset="0"/>
@@ -5961,6 +6906,7 @@
                           </a:endParaRPr>
                         </a:p>
                         <a:p>
+                          <a:pPr algn="l"/>
                           <a:endParaRPr lang="ru-RU" dirty="0">
                             <a:latin typeface="Arial" panose="020B0604020202020204" pitchFamily="34" charset="0"/>
                             <a:cs typeface="Arial" panose="020B0604020202020204" pitchFamily="34" charset="0"/>
@@ -5976,7 +6922,7 @@
                         <a:p>
                           <a:pPr algn="ctr"/>
                           <a:r>
-                            <a:rPr lang="en-US" sz="1800" b="0" i="0" u="none" strike="noStrike" kern="1200" dirty="0" smtClean="0">
+                            <a:rPr lang="en-US" sz="1800" b="0" i="1" u="none" strike="noStrike" kern="1200" dirty="0" smtClean="0">
                               <a:solidFill>
                                 <a:schemeClr val="dk1"/>
                               </a:solidFill>
@@ -6077,7 +7023,7 @@
                                     <m:rPr>
                                       <m:nor/>
                                     </m:rPr>
-                                    <a:rPr lang="el-GR" sz="1800" b="0" i="0" u="none" strike="noStrike" kern="1200" dirty="0" smtClean="0">
+                                    <a:rPr lang="el-GR" sz="1800" b="0" i="1" u="none" strike="noStrike" kern="1200" dirty="0" smtClean="0">
                                       <a:solidFill>
                                         <a:schemeClr val="dk1"/>
                                       </a:solidFill>
@@ -6093,7 +7039,7 @@
                             </m:oMath>
                           </a14:m>
                           <a:r>
-                            <a:rPr lang="el-GR" sz="1800" b="0" i="0" u="none" strike="noStrike" kern="1200" dirty="0" smtClean="0">
+                            <a:rPr lang="el-GR" sz="1800" b="0" i="1" u="none" strike="noStrike" kern="1200" dirty="0" smtClean="0">
                               <a:solidFill>
                                 <a:schemeClr val="dk1"/>
                               </a:solidFill>
@@ -6104,7 +7050,7 @@
                             </a:rPr>
                             <a:t>)</a:t>
                           </a:r>
-                          <a:endParaRPr lang="ru-RU" dirty="0">
+                          <a:endParaRPr lang="ru-RU" i="1" dirty="0">
                             <a:latin typeface="Arial" panose="020B0604020202020204" pitchFamily="34" charset="0"/>
                             <a:cs typeface="Arial" panose="020B0604020202020204" pitchFamily="34" charset="0"/>
                           </a:endParaRPr>
@@ -6132,6 +7078,7 @@
                         <a:bodyPr/>
                         <a:lstStyle/>
                         <a:p>
+                          <a:pPr algn="l"/>
                           <a:r>
                             <a:rPr lang="ru-RU" dirty="0" smtClean="0">
                               <a:latin typeface="Arial" panose="020B0604020202020204" pitchFamily="34" charset="0"/>
@@ -6145,6 +7092,7 @@
                           </a:endParaRPr>
                         </a:p>
                         <a:p>
+                          <a:pPr algn="l"/>
                           <a:endParaRPr lang="ru-RU" dirty="0">
                             <a:latin typeface="Arial" panose="020B0604020202020204" pitchFamily="34" charset="0"/>
                             <a:cs typeface="Arial" panose="020B0604020202020204" pitchFamily="34" charset="0"/>
@@ -6160,7 +7108,7 @@
                         <a:p>
                           <a:pPr algn="ctr"/>
                           <a:r>
-                            <a:rPr lang="en-US" dirty="0" smtClean="0">
+                            <a:rPr lang="en-US" i="1" dirty="0" smtClean="0">
                               <a:latin typeface="Arial" panose="020B0604020202020204" pitchFamily="34" charset="0"/>
                               <a:cs typeface="Arial" panose="020B0604020202020204" pitchFamily="34" charset="0"/>
                             </a:rPr>
@@ -6224,13 +7172,10 @@
                                     </m:funcPr>
                                     <m:fName>
                                       <m:r>
-                                        <m:rPr>
-                                          <m:sty m:val="p"/>
-                                        </m:rPr>
-                                        <a:rPr lang="en-US" b="0" i="0" smtClean="0">
+                                        <a:rPr lang="en-US" b="0" i="1" smtClean="0">
                                           <a:latin typeface="Cambria Math" panose="02040503050406030204" pitchFamily="18" charset="0"/>
                                         </a:rPr>
-                                        <m:t>log</m:t>
+                                        <m:t>𝑙𝑜𝑔</m:t>
                                       </m:r>
                                     </m:fName>
                                     <m:e>
@@ -6280,7 +7225,7 @@
                             </m:oMath>
                           </a14:m>
                           <a:r>
-                            <a:rPr lang="en-US" dirty="0" smtClean="0">
+                            <a:rPr lang="en-US" i="1" dirty="0" smtClean="0">
                               <a:latin typeface="Arial" panose="020B0604020202020204" pitchFamily="34" charset="0"/>
                               <a:cs typeface="Arial" panose="020B0604020202020204" pitchFamily="34" charset="0"/>
                             </a:rPr>
@@ -6307,13 +7252,10 @@
                                     </m:funcPr>
                                     <m:fName>
                                       <m:r>
-                                        <m:rPr>
-                                          <m:sty m:val="p"/>
-                                        </m:rPr>
-                                        <a:rPr lang="en-US" i="0" smtClean="0">
+                                        <a:rPr lang="en-US" i="1" smtClean="0">
                                           <a:latin typeface="Cambria Math" panose="02040503050406030204" pitchFamily="18" charset="0"/>
                                         </a:rPr>
-                                        <m:t>log</m:t>
+                                        <m:t>𝑙𝑜𝑔</m:t>
                                       </m:r>
                                     </m:fName>
                                     <m:e>
@@ -6327,13 +7269,10 @@
                                         </m:funcPr>
                                         <m:fName>
                                           <m:r>
-                                            <m:rPr>
-                                              <m:sty m:val="p"/>
-                                            </m:rPr>
-                                            <a:rPr lang="en-US" i="0" smtClean="0">
+                                            <a:rPr lang="en-US" i="1" smtClean="0">
                                               <a:latin typeface="Cambria Math" panose="02040503050406030204" pitchFamily="18" charset="0"/>
                                             </a:rPr>
-                                            <m:t>log</m:t>
+                                            <m:t>𝑙𝑜𝑔</m:t>
                                           </m:r>
                                         </m:fName>
                                         <m:e>
@@ -6379,13 +7318,13 @@
                             </m:oMath>
                           </a14:m>
                           <a:r>
-                            <a:rPr lang="en-US" dirty="0" smtClean="0">
+                            <a:rPr lang="en-US" i="1" dirty="0" smtClean="0">
                               <a:latin typeface="Arial" panose="020B0604020202020204" pitchFamily="34" charset="0"/>
                               <a:cs typeface="Arial" panose="020B0604020202020204" pitchFamily="34" charset="0"/>
                             </a:rPr>
                             <a:t>)</a:t>
                           </a:r>
-                          <a:endParaRPr lang="ru-RU" dirty="0">
+                          <a:endParaRPr lang="ru-RU" i="1" dirty="0">
                             <a:latin typeface="Arial" panose="020B0604020202020204" pitchFamily="34" charset="0"/>
                             <a:cs typeface="Arial" panose="020B0604020202020204" pitchFamily="34" charset="0"/>
                           </a:endParaRPr>
@@ -6427,6 +7366,7 @@
                         <a:bodyPr/>
                         <a:lstStyle/>
                         <a:p>
+                          <a:pPr algn="l"/>
                           <a:r>
                             <a:rPr lang="ru-RU" dirty="0" smtClean="0">
                               <a:latin typeface="Arial" panose="020B0604020202020204" pitchFamily="34" charset="0"/>
@@ -6454,6 +7394,7 @@
                           </a:endParaRPr>
                         </a:p>
                         <a:p>
+                          <a:pPr algn="l"/>
                           <a:endParaRPr lang="ru-RU" dirty="0">
                             <a:latin typeface="Arial" panose="020B0604020202020204" pitchFamily="34" charset="0"/>
                             <a:cs typeface="Arial" panose="020B0604020202020204" pitchFamily="34" charset="0"/>
@@ -6469,13 +7410,13 @@
                         <a:p>
                           <a:pPr algn="ctr"/>
                           <a:r>
-                            <a:rPr lang="en-US" dirty="0" smtClean="0">
+                            <a:rPr lang="en-US" i="1" dirty="0" smtClean="0">
                               <a:latin typeface="Arial" panose="020B0604020202020204" pitchFamily="34" charset="0"/>
                               <a:cs typeface="Arial" panose="020B0604020202020204" pitchFamily="34" charset="0"/>
                             </a:rPr>
                             <a:t>O(log^3(N))</a:t>
                           </a:r>
-                          <a:endParaRPr lang="ru-RU" dirty="0">
+                          <a:endParaRPr lang="ru-RU" i="1" dirty="0">
                             <a:latin typeface="Arial" panose="020B0604020202020204" pitchFamily="34" charset="0"/>
                             <a:cs typeface="Arial" panose="020B0604020202020204" pitchFamily="34" charset="0"/>
                           </a:endParaRPr>
@@ -6503,6 +7444,7 @@
                         <a:bodyPr/>
                         <a:lstStyle/>
                         <a:p>
+                          <a:pPr algn="l"/>
                           <a:r>
                             <a:rPr lang="ru-RU" dirty="0" smtClean="0">
                               <a:latin typeface="Arial" panose="020B0604020202020204" pitchFamily="34" charset="0"/>
@@ -6516,6 +7458,7 @@
                           </a:endParaRPr>
                         </a:p>
                         <a:p>
+                          <a:pPr algn="l"/>
                           <a:endParaRPr lang="ru-RU" dirty="0">
                             <a:latin typeface="Arial" panose="020B0604020202020204" pitchFamily="34" charset="0"/>
                             <a:cs typeface="Arial" panose="020B0604020202020204" pitchFamily="34" charset="0"/>
@@ -6531,7 +7474,7 @@
                         <a:p>
                           <a:pPr algn="ctr"/>
                           <a:r>
-                            <a:rPr lang="en-US" dirty="0" smtClean="0">
+                            <a:rPr lang="en-US" i="1" dirty="0" smtClean="0">
                               <a:latin typeface="Arial" panose="020B0604020202020204" pitchFamily="34" charset="0"/>
                               <a:cs typeface="Arial" panose="020B0604020202020204" pitchFamily="34" charset="0"/>
                             </a:rPr>
@@ -6549,13 +7492,10 @@
                                 </m:funcPr>
                                 <m:fName>
                                   <m:r>
-                                    <m:rPr>
-                                      <m:sty m:val="p"/>
-                                    </m:rPr>
-                                    <a:rPr lang="en-US" i="0" smtClean="0">
+                                    <a:rPr lang="en-US" i="1" smtClean="0">
                                       <a:latin typeface="Cambria Math" panose="02040503050406030204" pitchFamily="18" charset="0"/>
                                     </a:rPr>
-                                    <m:t>log</m:t>
+                                    <m:t>𝑙𝑜𝑔</m:t>
                                   </m:r>
                                 </m:fName>
                                 <m:e>
@@ -6595,13 +7535,13 @@
                             </m:oMath>
                           </a14:m>
                           <a:r>
-                            <a:rPr lang="en-US" dirty="0" smtClean="0">
+                            <a:rPr lang="en-US" i="1" dirty="0" smtClean="0">
                               <a:latin typeface="Arial" panose="020B0604020202020204" pitchFamily="34" charset="0"/>
                               <a:cs typeface="Arial" panose="020B0604020202020204" pitchFamily="34" charset="0"/>
                             </a:rPr>
                             <a:t>)</a:t>
                           </a:r>
-                          <a:endParaRPr lang="ru-RU" dirty="0">
+                          <a:endParaRPr lang="ru-RU" i="1" dirty="0">
                             <a:latin typeface="Arial" panose="020B0604020202020204" pitchFamily="34" charset="0"/>
                             <a:cs typeface="Arial" panose="020B0604020202020204" pitchFamily="34" charset="0"/>
                           </a:endParaRPr>
@@ -6629,6 +7569,7 @@
                         <a:bodyPr/>
                         <a:lstStyle/>
                         <a:p>
+                          <a:pPr algn="l"/>
                           <a:r>
                             <a:rPr lang="ru-RU" dirty="0" smtClean="0">
                               <a:latin typeface="Arial" panose="020B0604020202020204" pitchFamily="34" charset="0"/>
@@ -6642,6 +7583,7 @@
                           </a:endParaRPr>
                         </a:p>
                         <a:p>
+                          <a:pPr algn="l"/>
                           <a:endParaRPr lang="ru-RU" dirty="0">
                             <a:latin typeface="Arial" panose="020B0604020202020204" pitchFamily="34" charset="0"/>
                             <a:cs typeface="Arial" panose="020B0604020202020204" pitchFamily="34" charset="0"/>
@@ -6657,14 +7599,14 @@
                         <a:p>
                           <a:pPr algn="ctr"/>
                           <a:r>
-                            <a:rPr lang="en-US" dirty="0" smtClean="0">
+                            <a:rPr lang="en-US" i="1" dirty="0" smtClean="0">
                               <a:latin typeface="Arial" panose="020B0604020202020204" pitchFamily="34" charset="0"/>
                               <a:cs typeface="Arial" panose="020B0604020202020204" pitchFamily="34" charset="0"/>
                             </a:rPr>
                             <a:t>O</a:t>
                           </a:r>
                           <a:r>
-                            <a:rPr lang="ru-RU" dirty="0" smtClean="0">
+                            <a:rPr lang="ru-RU" i="1" dirty="0" smtClean="0">
                               <a:latin typeface="Arial" panose="020B0604020202020204" pitchFamily="34" charset="0"/>
                               <a:cs typeface="Arial" panose="020B0604020202020204" pitchFamily="34" charset="0"/>
                             </a:rPr>
@@ -6700,7 +7642,7 @@
                             </m:oMath>
                           </a14:m>
                           <a:r>
-                            <a:rPr lang="en-US" dirty="0" smtClean="0">
+                            <a:rPr lang="en-US" i="1" dirty="0" smtClean="0">
                               <a:latin typeface="Arial" panose="020B0604020202020204" pitchFamily="34" charset="0"/>
                               <a:cs typeface="Arial" panose="020B0604020202020204" pitchFamily="34" charset="0"/>
                             </a:rPr>
@@ -6740,7 +7682,7 @@
                 <p:ph idx="1"/>
                 <p:extLst>
                   <p:ext uri="{D42A27DB-BD31-4B8C-83A1-F6EECF244321}">
-                    <p14:modId xmlns:p14="http://schemas.microsoft.com/office/powerpoint/2010/main" val="1241202706"/>
+                    <p14:modId xmlns:p14="http://schemas.microsoft.com/office/powerpoint/2010/main" val="2278502247"/>
                   </p:ext>
                 </p:extLst>
               </p:nvPr>
@@ -6766,6 +7708,7 @@
                         <a:bodyPr/>
                         <a:lstStyle/>
                         <a:p>
+                          <a:pPr algn="l"/>
                           <a:r>
                             <a:rPr lang="ru-RU" b="0" dirty="0" smtClean="0">
                               <a:latin typeface="Arial" panose="020B0604020202020204" pitchFamily="34" charset="0"/>
@@ -6778,14 +7721,14 @@
                               <a:latin typeface="Arial" panose="020B0604020202020204" pitchFamily="34" charset="0"/>
                               <a:cs typeface="Arial" panose="020B0604020202020204" pitchFamily="34" charset="0"/>
                             </a:rPr>
-                            <a:t>функции(детерминированный</a:t>
+                            <a:t>функции (</a:t>
                           </a:r>
                           <a:r>
                             <a:rPr lang="ru-RU" b="0" dirty="0" smtClean="0">
                               <a:latin typeface="Arial" panose="020B0604020202020204" pitchFamily="34" charset="0"/>
                               <a:cs typeface="Arial" panose="020B0604020202020204" pitchFamily="34" charset="0"/>
                             </a:rPr>
-                            <a:t>)</a:t>
+                            <a:t>детерминированный)</a:t>
                           </a:r>
                           <a:endParaRPr lang="ru-RU" b="0" dirty="0">
                             <a:latin typeface="Arial" panose="020B0604020202020204" pitchFamily="34" charset="0"/>
@@ -6832,12 +7775,27 @@
                         <a:bodyPr/>
                         <a:lstStyle/>
                         <a:p>
+                          <a:pPr algn="l"/>
                           <a:r>
                             <a:rPr lang="ru-RU" dirty="0" smtClean="0">
                               <a:latin typeface="Arial" panose="020B0604020202020204" pitchFamily="34" charset="0"/>
                               <a:cs typeface="Arial" panose="020B0604020202020204" pitchFamily="34" charset="0"/>
                             </a:rPr>
-                            <a:t>Сбалансированность функции(вероятностный)</a:t>
+                            <a:t>Сбалансированность </a:t>
+                          </a:r>
+                          <a:r>
+                            <a:rPr lang="ru-RU" dirty="0" smtClean="0">
+                              <a:latin typeface="Arial" panose="020B0604020202020204" pitchFamily="34" charset="0"/>
+                              <a:cs typeface="Arial" panose="020B0604020202020204" pitchFamily="34" charset="0"/>
+                            </a:rPr>
+                            <a:t>функции (вероятностный</a:t>
+                          </a:r>
+                          <a:r>
+                            <a:rPr lang="ru-RU" dirty="0" smtClean="0">
+                              <a:latin typeface="Arial" panose="020B0604020202020204" pitchFamily="34" charset="0"/>
+                              <a:cs typeface="Arial" panose="020B0604020202020204" pitchFamily="34" charset="0"/>
+                            </a:rPr>
+                            <a:t>)</a:t>
                           </a:r>
                           <a:endParaRPr lang="ru-RU" dirty="0">
                             <a:latin typeface="Arial" panose="020B0604020202020204" pitchFamily="34" charset="0"/>
@@ -6881,7 +7839,34 @@
                               <a:latin typeface="Arial" panose="020B0604020202020204" pitchFamily="34" charset="0"/>
                               <a:cs typeface="Arial" panose="020B0604020202020204" pitchFamily="34" charset="0"/>
                             </a:rPr>
-                            <a:t> 99,9 при 14 вызовах</a:t>
+                            <a:t> 99,9 при </a:t>
+                          </a:r>
+                          <a:r>
+                            <a:rPr lang="ru-RU" baseline="0" dirty="0" smtClean="0">
+                              <a:latin typeface="Arial" panose="020B0604020202020204" pitchFamily="34" charset="0"/>
+                              <a:cs typeface="Arial" panose="020B0604020202020204" pitchFamily="34" charset="0"/>
+                            </a:rPr>
+                            <a:t/>
+                          </a:r>
+                          <a:br>
+                            <a:rPr lang="ru-RU" baseline="0" dirty="0" smtClean="0">
+                              <a:latin typeface="Arial" panose="020B0604020202020204" pitchFamily="34" charset="0"/>
+                              <a:cs typeface="Arial" panose="020B0604020202020204" pitchFamily="34" charset="0"/>
+                            </a:rPr>
+                          </a:br>
+                          <a:r>
+                            <a:rPr lang="ru-RU" baseline="0" dirty="0" smtClean="0">
+                              <a:latin typeface="Arial" panose="020B0604020202020204" pitchFamily="34" charset="0"/>
+                              <a:cs typeface="Arial" panose="020B0604020202020204" pitchFamily="34" charset="0"/>
+                            </a:rPr>
+                            <a:t>14 </a:t>
+                          </a:r>
+                          <a:r>
+                            <a:rPr lang="ru-RU" baseline="0" dirty="0" smtClean="0">
+                              <a:latin typeface="Arial" panose="020B0604020202020204" pitchFamily="34" charset="0"/>
+                              <a:cs typeface="Arial" panose="020B0604020202020204" pitchFamily="34" charset="0"/>
+                            </a:rPr>
+                            <a:t>вызовах</a:t>
                           </a:r>
                           <a:endParaRPr lang="ru-RU" dirty="0">
                             <a:latin typeface="Arial" panose="020B0604020202020204" pitchFamily="34" charset="0"/>
@@ -6898,6 +7883,7 @@
                         <a:bodyPr/>
                         <a:lstStyle/>
                         <a:p>
+                          <a:pPr algn="l"/>
                           <a:r>
                             <a:rPr lang="ru-RU" dirty="0" smtClean="0">
                               <a:latin typeface="Arial" panose="020B0604020202020204" pitchFamily="34" charset="0"/>
@@ -6943,20 +7929,20 @@
                             <a:defRPr/>
                           </a:pPr>
                           <a:r>
-                            <a:rPr lang="en-US" dirty="0" smtClean="0">
+                            <a:rPr lang="en-US" i="1" dirty="0" smtClean="0">
                               <a:latin typeface="Arial" panose="020B0604020202020204" pitchFamily="34" charset="0"/>
                               <a:cs typeface="Arial" panose="020B0604020202020204" pitchFamily="34" charset="0"/>
                             </a:rPr>
                             <a:t>O(1)</a:t>
                           </a:r>
-                          <a:endParaRPr lang="ru-RU" dirty="0" smtClean="0">
+                          <a:endParaRPr lang="ru-RU" i="1" dirty="0" smtClean="0">
                             <a:latin typeface="Arial" panose="020B0604020202020204" pitchFamily="34" charset="0"/>
                             <a:cs typeface="Arial" panose="020B0604020202020204" pitchFamily="34" charset="0"/>
                           </a:endParaRPr>
                         </a:p>
                         <a:p>
                           <a:pPr algn="ctr"/>
-                          <a:endParaRPr lang="ru-RU" dirty="0">
+                          <a:endParaRPr lang="ru-RU" i="1" dirty="0">
                             <a:latin typeface="Arial" panose="020B0604020202020204" pitchFamily="34" charset="0"/>
                             <a:cs typeface="Arial" panose="020B0604020202020204" pitchFamily="34" charset="0"/>
                           </a:endParaRPr>
@@ -6984,6 +7970,7 @@
                         <a:bodyPr/>
                         <a:lstStyle/>
                         <a:p>
+                          <a:pPr algn="l"/>
                           <a:r>
                             <a:rPr lang="ru-RU" dirty="0" smtClean="0">
                               <a:latin typeface="Arial" panose="020B0604020202020204" pitchFamily="34" charset="0"/>
@@ -7004,6 +7991,7 @@
                           </a:endParaRPr>
                         </a:p>
                         <a:p>
+                          <a:pPr algn="l"/>
                           <a:endParaRPr lang="ru-RU" dirty="0">
                             <a:latin typeface="Arial" panose="020B0604020202020204" pitchFamily="34" charset="0"/>
                             <a:cs typeface="Arial" panose="020B0604020202020204" pitchFamily="34" charset="0"/>
@@ -7049,6 +8037,7 @@
                         <a:bodyPr/>
                         <a:lstStyle/>
                         <a:p>
+                          <a:pPr algn="l"/>
                           <a:r>
                             <a:rPr lang="ru-RU" dirty="0" smtClean="0">
                               <a:latin typeface="Arial" panose="020B0604020202020204" pitchFamily="34" charset="0"/>
@@ -7062,6 +8051,7 @@
                           </a:endParaRPr>
                         </a:p>
                         <a:p>
+                          <a:pPr algn="l"/>
                           <a:endParaRPr lang="ru-RU" dirty="0">
                             <a:latin typeface="Arial" panose="020B0604020202020204" pitchFamily="34" charset="0"/>
                             <a:cs typeface="Arial" panose="020B0604020202020204" pitchFamily="34" charset="0"/>
@@ -7121,6 +8111,7 @@
                         <a:bodyPr/>
                         <a:lstStyle/>
                         <a:p>
+                          <a:pPr algn="l"/>
                           <a:r>
                             <a:rPr lang="ru-RU" dirty="0" smtClean="0">
                               <a:latin typeface="Arial" panose="020B0604020202020204" pitchFamily="34" charset="0"/>
@@ -7148,6 +8139,7 @@
                           </a:endParaRPr>
                         </a:p>
                         <a:p>
+                          <a:pPr algn="l"/>
                           <a:endParaRPr lang="ru-RU" dirty="0">
                             <a:latin typeface="Arial" panose="020B0604020202020204" pitchFamily="34" charset="0"/>
                             <a:cs typeface="Arial" panose="020B0604020202020204" pitchFamily="34" charset="0"/>
@@ -7163,13 +8155,13 @@
                         <a:p>
                           <a:pPr algn="ctr"/>
                           <a:r>
-                            <a:rPr lang="en-US" dirty="0" smtClean="0">
+                            <a:rPr lang="en-US" i="1" dirty="0" smtClean="0">
                               <a:latin typeface="Arial" panose="020B0604020202020204" pitchFamily="34" charset="0"/>
                               <a:cs typeface="Arial" panose="020B0604020202020204" pitchFamily="34" charset="0"/>
                             </a:rPr>
                             <a:t>O(log^3(N))</a:t>
                           </a:r>
-                          <a:endParaRPr lang="ru-RU" dirty="0">
+                          <a:endParaRPr lang="ru-RU" i="1" dirty="0">
                             <a:latin typeface="Arial" panose="020B0604020202020204" pitchFamily="34" charset="0"/>
                             <a:cs typeface="Arial" panose="020B0604020202020204" pitchFamily="34" charset="0"/>
                           </a:endParaRPr>
@@ -7197,6 +8189,7 @@
                         <a:bodyPr/>
                         <a:lstStyle/>
                         <a:p>
+                          <a:pPr algn="l"/>
                           <a:r>
                             <a:rPr lang="ru-RU" dirty="0" smtClean="0">
                               <a:latin typeface="Arial" panose="020B0604020202020204" pitchFamily="34" charset="0"/>
@@ -7210,6 +8203,7 @@
                           </a:endParaRPr>
                         </a:p>
                         <a:p>
+                          <a:pPr algn="l"/>
                           <a:endParaRPr lang="ru-RU" dirty="0">
                             <a:latin typeface="Arial" panose="020B0604020202020204" pitchFamily="34" charset="0"/>
                             <a:cs typeface="Arial" panose="020B0604020202020204" pitchFamily="34" charset="0"/>
@@ -7255,6 +8249,7 @@
                         <a:bodyPr/>
                         <a:lstStyle/>
                         <a:p>
+                          <a:pPr algn="l"/>
                           <a:r>
                             <a:rPr lang="ru-RU" dirty="0" smtClean="0">
                               <a:latin typeface="Arial" panose="020B0604020202020204" pitchFamily="34" charset="0"/>
@@ -7268,6 +8263,7 @@
                           </a:endParaRPr>
                         </a:p>
                         <a:p>
+                          <a:pPr algn="l"/>
                           <a:endParaRPr lang="ru-RU" dirty="0">
                             <a:latin typeface="Arial" panose="020B0604020202020204" pitchFamily="34" charset="0"/>
                             <a:cs typeface="Arial" panose="020B0604020202020204" pitchFamily="34" charset="0"/>
@@ -7313,6 +8309,29 @@
           </p:graphicFrame>
         </mc:Fallback>
       </mc:AlternateContent>
+      <p:sp>
+        <p:nvSpPr>
+          <p:cNvPr id="3" name="Номер слайда 2"/>
+          <p:cNvSpPr>
+            <a:spLocks noGrp="1"/>
+          </p:cNvSpPr>
+          <p:nvPr>
+            <p:ph type="sldNum" sz="quarter" idx="12"/>
+          </p:nvPr>
+        </p:nvSpPr>
+        <p:spPr/>
+        <p:txBody>
+          <a:bodyPr/>
+          <a:lstStyle/>
+          <a:p>
+            <a:fld id="{ADDC721D-FED4-4080-8955-62676588A2D9}" type="slidenum">
+              <a:rPr lang="ru-RU" smtClean="0"/>
+              <a:t>18</a:t>
+            </a:fld>
+            <a:endParaRPr lang="ru-RU"/>
+          </a:p>
+        </p:txBody>
+      </p:sp>
     </p:spTree>
     <p:extLst>
       <p:ext uri="{BB962C8B-B14F-4D97-AF65-F5344CB8AC3E}">
@@ -7480,22 +8499,47 @@
                 <a:latin typeface="Arial" panose="020B0604020202020204" pitchFamily="34" charset="0"/>
                 <a:cs typeface="Arial" panose="020B0604020202020204" pitchFamily="34" charset="0"/>
               </a:rPr>
-              <a:t>изучен пакет </a:t>
+              <a:t>реализованы </a:t>
+            </a:r>
+            <a:r>
+              <a:rPr lang="ru-RU" dirty="0" smtClean="0">
+                <a:latin typeface="Arial" panose="020B0604020202020204" pitchFamily="34" charset="0"/>
+                <a:cs typeface="Arial" panose="020B0604020202020204" pitchFamily="34" charset="0"/>
+              </a:rPr>
+              <a:t>квантовые алгоритмы на эмуляторе квантового </a:t>
+            </a:r>
+            <a:r>
+              <a:rPr lang="ru-RU" dirty="0" smtClean="0">
+                <a:latin typeface="Arial" panose="020B0604020202020204" pitchFamily="34" charset="0"/>
+                <a:cs typeface="Arial" panose="020B0604020202020204" pitchFamily="34" charset="0"/>
+              </a:rPr>
+              <a:t>компьютера с помощью пакета </a:t>
+            </a:r>
+            <a:r>
+              <a:rPr lang="en-US" dirty="0">
+                <a:latin typeface="Arial" panose="020B0604020202020204" pitchFamily="34" charset="0"/>
+                <a:cs typeface="Arial" panose="020B0604020202020204" pitchFamily="34" charset="0"/>
+              </a:rPr>
+              <a:t>Microsoft Quantum Development </a:t>
             </a:r>
             <a:r>
               <a:rPr lang="en-US" dirty="0" smtClean="0">
                 <a:latin typeface="Arial" panose="020B0604020202020204" pitchFamily="34" charset="0"/>
                 <a:cs typeface="Arial" panose="020B0604020202020204" pitchFamily="34" charset="0"/>
               </a:rPr>
-              <a:t>Microsoft Quantum Development Kit</a:t>
+              <a:t>Kit</a:t>
             </a:r>
             <a:r>
               <a:rPr lang="ru-RU" dirty="0" smtClean="0">
                 <a:latin typeface="Arial" panose="020B0604020202020204" pitchFamily="34" charset="0"/>
                 <a:cs typeface="Arial" panose="020B0604020202020204" pitchFamily="34" charset="0"/>
               </a:rPr>
-              <a:t>;</a:t>
-            </a:r>
+              <a:t>.</a:t>
+            </a:r>
+            <a:endParaRPr lang="ru-RU" dirty="0">
+              <a:latin typeface="Arial" panose="020B0604020202020204" pitchFamily="34" charset="0"/>
+              <a:cs typeface="Arial" panose="020B0604020202020204" pitchFamily="34" charset="0"/>
+            </a:endParaRPr>
           </a:p>
           <a:p>
             <a:pPr marL="357188" indent="-357188" algn="just" defTabSz="900113">
@@ -7506,13 +8550,10 @@
                 <a:spcPts val="0"/>
               </a:spcBef>
             </a:pPr>
-            <a:r>
-              <a:rPr lang="ru-RU" dirty="0" smtClean="0">
-                <a:latin typeface="Arial" panose="020B0604020202020204" pitchFamily="34" charset="0"/>
-                <a:cs typeface="Arial" panose="020B0604020202020204" pitchFamily="34" charset="0"/>
-              </a:rPr>
-              <a:t>реализованы квантовые алгоритмы на эмуляторе квантового компьютера.</a:t>
-            </a:r>
+            <a:endParaRPr lang="ru-RU" dirty="0" smtClean="0">
+              <a:latin typeface="Arial" panose="020B0604020202020204" pitchFamily="34" charset="0"/>
+              <a:cs typeface="Arial" panose="020B0604020202020204" pitchFamily="34" charset="0"/>
+            </a:endParaRPr>
           </a:p>
           <a:p>
             <a:pPr marL="0" indent="0" algn="just" defTabSz="900113">
@@ -7534,6 +8575,29 @@
               <a:latin typeface="Arial" panose="020B0604020202020204" pitchFamily="34" charset="0"/>
               <a:cs typeface="Arial" panose="020B0604020202020204" pitchFamily="34" charset="0"/>
             </a:endParaRPr>
+          </a:p>
+        </p:txBody>
+      </p:sp>
+      <p:sp>
+        <p:nvSpPr>
+          <p:cNvPr id="4" name="Номер слайда 3"/>
+          <p:cNvSpPr>
+            <a:spLocks noGrp="1"/>
+          </p:cNvSpPr>
+          <p:nvPr>
+            <p:ph type="sldNum" sz="quarter" idx="12"/>
+          </p:nvPr>
+        </p:nvSpPr>
+        <p:spPr/>
+        <p:txBody>
+          <a:bodyPr/>
+          <a:lstStyle/>
+          <a:p>
+            <a:fld id="{ADDC721D-FED4-4080-8955-62676588A2D9}" type="slidenum">
+              <a:rPr lang="ru-RU" smtClean="0"/>
+              <a:t>19</a:t>
+            </a:fld>
+            <a:endParaRPr lang="ru-RU"/>
           </a:p>
         </p:txBody>
       </p:sp>
@@ -7551,7 +8615,7 @@
 </file>
 
 <file path=ppt/slides/slide2.xml><?xml version="1.0" encoding="utf-8"?>
-<p:sld xmlns:a="http://schemas.openxmlformats.org/drawingml/2006/main" xmlns:r="http://schemas.openxmlformats.org/officeDocument/2006/relationships" xmlns:p="http://schemas.openxmlformats.org/presentationml/2006/main">
+<p:sld xmlns:a="http://schemas.openxmlformats.org/drawingml/2006/main" xmlns:r="http://schemas.openxmlformats.org/officeDocument/2006/relationships" xmlns:p="http://schemas.openxmlformats.org/presentationml/2006/main" show="0">
   <p:cSld>
     <p:spTree>
       <p:nvGrpSpPr>
@@ -7589,6 +8653,7 @@
           </a:bodyPr>
           <a:lstStyle/>
           <a:p>
+            <a:pPr algn="ctr"/>
             <a:r>
               <a:rPr lang="ru-RU" sz="4000" dirty="0">
                 <a:latin typeface="Arial" panose="020B0604020202020204" pitchFamily="34" charset="0"/>
@@ -7656,7 +8721,7 @@
           </a:bodyPr>
           <a:lstStyle/>
           <a:p>
-            <a:pPr marL="0" indent="0" algn="just">
+            <a:pPr marL="0" indent="0">
               <a:buNone/>
             </a:pPr>
             <a:r>
@@ -7678,14 +8743,7 @@
                 <a:latin typeface="Arial" panose="020B0604020202020204" pitchFamily="34" charset="0"/>
                 <a:cs typeface="Arial" panose="020B0604020202020204" pitchFamily="34" charset="0"/>
               </a:rPr>
-              <a:t>физике и </a:t>
-            </a:r>
-            <a:r>
-              <a:rPr lang="ru-RU" dirty="0" smtClean="0">
-                <a:latin typeface="Arial" panose="020B0604020202020204" pitchFamily="34" charset="0"/>
-                <a:cs typeface="Arial" panose="020B0604020202020204" pitchFamily="34" charset="0"/>
-              </a:rPr>
-              <a:t>ограничены </a:t>
+              <a:t>физике и ограничены </a:t>
             </a:r>
             <a:r>
               <a:rPr lang="ru-RU" dirty="0">
@@ -7719,7 +8777,7 @@
           </a:bodyPr>
           <a:lstStyle/>
           <a:p>
-            <a:pPr marL="0" indent="0" algn="just">
+            <a:pPr marL="0" indent="0">
               <a:buNone/>
             </a:pPr>
             <a:r>
@@ -7731,7 +8789,7 @@
             </a:r>
           </a:p>
           <a:p>
-            <a:pPr marL="0" indent="0" algn="just">
+            <a:pPr marL="0" indent="0">
               <a:buNone/>
             </a:pPr>
             <a:r>
@@ -7743,7 +8801,6 @@
             </a:r>
           </a:p>
           <a:p>
-            <a:pPr algn="just"/>
             <a:endParaRPr lang="ru-RU" dirty="0"/>
           </a:p>
         </p:txBody>
@@ -7949,6 +9006,29 @@
           </a:p>
         </p:txBody>
       </p:sp>
+      <p:sp>
+        <p:nvSpPr>
+          <p:cNvPr id="2" name="Номер слайда 1"/>
+          <p:cNvSpPr>
+            <a:spLocks noGrp="1"/>
+          </p:cNvSpPr>
+          <p:nvPr>
+            <p:ph type="sldNum" sz="quarter" idx="12"/>
+          </p:nvPr>
+        </p:nvSpPr>
+        <p:spPr/>
+        <p:txBody>
+          <a:bodyPr/>
+          <a:lstStyle/>
+          <a:p>
+            <a:fld id="{ADDC721D-FED4-4080-8955-62676588A2D9}" type="slidenum">
+              <a:rPr lang="ru-RU" smtClean="0"/>
+              <a:t>2</a:t>
+            </a:fld>
+            <a:endParaRPr lang="ru-RU"/>
+          </a:p>
+        </p:txBody>
+      </p:sp>
     </p:spTree>
     <p:extLst>
       <p:ext uri="{BB962C8B-B14F-4D97-AF65-F5344CB8AC3E}">
@@ -7959,11 +9039,26 @@
   <p:clrMapOvr>
     <a:masterClrMapping/>
   </p:clrMapOvr>
+  <mc:AlternateContent xmlns:mc="http://schemas.openxmlformats.org/markup-compatibility/2006">
+    <mc:Choice xmlns:p14="http://schemas.microsoft.com/office/powerpoint/2010/main" Requires="p14">
+      <p:transition spd="slow" p14:dur="2000"/>
+    </mc:Choice>
+    <mc:Fallback>
+      <p:transition spd="slow"/>
+    </mc:Fallback>
+  </mc:AlternateContent>
+  <p:timing>
+    <p:tnLst>
+      <p:par>
+        <p:cTn id="1" dur="indefinite" restart="never" nodeType="tmRoot"/>
+      </p:par>
+    </p:tnLst>
+  </p:timing>
 </p:sld>
 </file>
 
 <file path=ppt/slides/slide3.xml><?xml version="1.0" encoding="utf-8"?>
-<p:sld xmlns:a="http://schemas.openxmlformats.org/drawingml/2006/main" xmlns:r="http://schemas.openxmlformats.org/officeDocument/2006/relationships" xmlns:p="http://schemas.openxmlformats.org/presentationml/2006/main">
+<p:sld xmlns:a="http://schemas.openxmlformats.org/drawingml/2006/main" xmlns:r="http://schemas.openxmlformats.org/officeDocument/2006/relationships" xmlns:p="http://schemas.openxmlformats.org/presentationml/2006/main" show="0">
   <p:cSld>
     <p:spTree>
       <p:nvGrpSpPr>
@@ -7996,6 +9091,7 @@
           </a:bodyPr>
           <a:lstStyle/>
           <a:p>
+            <a:pPr algn="ctr"/>
             <a:r>
               <a:rPr lang="ru-RU" sz="4000" dirty="0">
                 <a:latin typeface="Arial" panose="020B0604020202020204" pitchFamily="34" charset="0"/>
@@ -8185,6 +9281,29 @@
               <a:buNone/>
             </a:pPr>
             <a:endParaRPr lang="ru-RU" dirty="0"/>
+          </a:p>
+        </p:txBody>
+      </p:sp>
+      <p:sp>
+        <p:nvSpPr>
+          <p:cNvPr id="3" name="Номер слайда 2"/>
+          <p:cNvSpPr>
+            <a:spLocks noGrp="1"/>
+          </p:cNvSpPr>
+          <p:nvPr>
+            <p:ph type="sldNum" sz="quarter" idx="12"/>
+          </p:nvPr>
+        </p:nvSpPr>
+        <p:spPr/>
+        <p:txBody>
+          <a:bodyPr/>
+          <a:lstStyle/>
+          <a:p>
+            <a:fld id="{ADDC721D-FED4-4080-8955-62676588A2D9}" type="slidenum">
+              <a:rPr lang="ru-RU" smtClean="0"/>
+              <a:t>3</a:t>
+            </a:fld>
+            <a:endParaRPr lang="ru-RU"/>
           </a:p>
         </p:txBody>
       </p:sp>
@@ -8198,11 +9317,26 @@
   <p:clrMapOvr>
     <a:masterClrMapping/>
   </p:clrMapOvr>
+  <mc:AlternateContent xmlns:mc="http://schemas.openxmlformats.org/markup-compatibility/2006">
+    <mc:Choice xmlns:p14="http://schemas.microsoft.com/office/powerpoint/2010/main" Requires="p14">
+      <p:transition spd="slow" p14:dur="2000"/>
+    </mc:Choice>
+    <mc:Fallback>
+      <p:transition spd="slow"/>
+    </mc:Fallback>
+  </mc:AlternateContent>
+  <p:timing>
+    <p:tnLst>
+      <p:par>
+        <p:cTn id="1" dur="indefinite" restart="never" nodeType="tmRoot"/>
+      </p:par>
+    </p:tnLst>
+  </p:timing>
 </p:sld>
 </file>
 
 <file path=ppt/slides/slide4.xml><?xml version="1.0" encoding="utf-8"?>
-<p:sld xmlns:a="http://schemas.openxmlformats.org/drawingml/2006/main" xmlns:r="http://schemas.openxmlformats.org/officeDocument/2006/relationships" xmlns:p="http://schemas.openxmlformats.org/presentationml/2006/main">
+<p:sld xmlns:a="http://schemas.openxmlformats.org/drawingml/2006/main" xmlns:r="http://schemas.openxmlformats.org/officeDocument/2006/relationships" xmlns:p="http://schemas.openxmlformats.org/presentationml/2006/main" show="0">
   <p:cSld>
     <p:spTree>
       <p:nvGrpSpPr>
@@ -8235,6 +9369,7 @@
           </a:bodyPr>
           <a:lstStyle/>
           <a:p>
+            <a:pPr algn="ctr"/>
             <a:r>
               <a:rPr lang="ru-RU" sz="4000" dirty="0" smtClean="0">
                 <a:latin typeface="Arial" panose="020B0604020202020204" pitchFamily="34" charset="0"/>
@@ -8278,6 +9413,29 @@
               <a:latin typeface="Arial" panose="020B0604020202020204" pitchFamily="34" charset="0"/>
               <a:cs typeface="Arial" panose="020B0604020202020204" pitchFamily="34" charset="0"/>
             </a:endParaRPr>
+          </a:p>
+        </p:txBody>
+      </p:sp>
+      <p:sp>
+        <p:nvSpPr>
+          <p:cNvPr id="4" name="Номер слайда 3"/>
+          <p:cNvSpPr>
+            <a:spLocks noGrp="1"/>
+          </p:cNvSpPr>
+          <p:nvPr>
+            <p:ph type="sldNum" sz="quarter" idx="12"/>
+          </p:nvPr>
+        </p:nvSpPr>
+        <p:spPr/>
+        <p:txBody>
+          <a:bodyPr/>
+          <a:lstStyle/>
+          <a:p>
+            <a:fld id="{ADDC721D-FED4-4080-8955-62676588A2D9}" type="slidenum">
+              <a:rPr lang="ru-RU" smtClean="0"/>
+              <a:t>4</a:t>
+            </a:fld>
+            <a:endParaRPr lang="ru-RU"/>
           </a:p>
         </p:txBody>
       </p:sp>
@@ -8291,6 +9449,21 @@
   <p:clrMapOvr>
     <a:masterClrMapping/>
   </p:clrMapOvr>
+  <mc:AlternateContent xmlns:mc="http://schemas.openxmlformats.org/markup-compatibility/2006">
+    <mc:Choice xmlns:p14="http://schemas.microsoft.com/office/powerpoint/2010/main" Requires="p14">
+      <p:transition spd="slow" p14:dur="2000"/>
+    </mc:Choice>
+    <mc:Fallback>
+      <p:transition spd="slow"/>
+    </mc:Fallback>
+  </mc:AlternateContent>
+  <p:timing>
+    <p:tnLst>
+      <p:par>
+        <p:cTn id="1" dur="indefinite" restart="never" nodeType="tmRoot"/>
+      </p:par>
+    </p:tnLst>
+  </p:timing>
 </p:sld>
 </file>
 
@@ -8328,6 +9501,7 @@
           </a:bodyPr>
           <a:lstStyle/>
           <a:p>
+            <a:pPr algn="ctr"/>
             <a:r>
               <a:rPr lang="ru-RU" sz="4000" dirty="0" smtClean="0">
                 <a:latin typeface="Arial" panose="020B0604020202020204" pitchFamily="34" charset="0"/>
@@ -8408,6 +9582,17 @@
               </a:rPr>
               <a:t>микро-уровней</a:t>
             </a:r>
+            <a:r>
+              <a:rPr lang="en-US" dirty="0" smtClean="0">
+                <a:latin typeface="Arial" panose="020B0604020202020204" pitchFamily="34" charset="0"/>
+                <a:cs typeface="Arial" panose="020B0604020202020204" pitchFamily="34" charset="0"/>
+              </a:rPr>
+              <a:t>;</a:t>
+            </a:r>
+            <a:endParaRPr lang="ru-RU" dirty="0" smtClean="0">
+              <a:latin typeface="Arial" panose="020B0604020202020204" pitchFamily="34" charset="0"/>
+              <a:cs typeface="Arial" panose="020B0604020202020204" pitchFamily="34" charset="0"/>
+            </a:endParaRPr>
           </a:p>
           <a:p>
             <a:pPr algn="just"/>
@@ -8495,6 +9680,29 @@
           </a:p>
           <a:p>
             <a:endParaRPr lang="ru-RU" dirty="0"/>
+          </a:p>
+        </p:txBody>
+      </p:sp>
+      <p:sp>
+        <p:nvSpPr>
+          <p:cNvPr id="4" name="Номер слайда 3"/>
+          <p:cNvSpPr>
+            <a:spLocks noGrp="1"/>
+          </p:cNvSpPr>
+          <p:nvPr>
+            <p:ph type="sldNum" sz="quarter" idx="12"/>
+          </p:nvPr>
+        </p:nvSpPr>
+        <p:spPr/>
+        <p:txBody>
+          <a:bodyPr/>
+          <a:lstStyle/>
+          <a:p>
+            <a:fld id="{ADDC721D-FED4-4080-8955-62676588A2D9}" type="slidenum">
+              <a:rPr lang="ru-RU" smtClean="0"/>
+              <a:t>5</a:t>
+            </a:fld>
+            <a:endParaRPr lang="ru-RU"/>
           </a:p>
         </p:txBody>
       </p:sp>
@@ -8508,11 +9716,18 @@
   <p:clrMapOvr>
     <a:masterClrMapping/>
   </p:clrMapOvr>
+  <p:timing>
+    <p:tnLst>
+      <p:par>
+        <p:cTn id="1" dur="indefinite" restart="never" nodeType="tmRoot"/>
+      </p:par>
+    </p:tnLst>
+  </p:timing>
 </p:sld>
 </file>
 
 <file path=ppt/slides/slide6.xml><?xml version="1.0" encoding="utf-8"?>
-<p:sld xmlns:a="http://schemas.openxmlformats.org/drawingml/2006/main" xmlns:r="http://schemas.openxmlformats.org/officeDocument/2006/relationships" xmlns:p="http://schemas.openxmlformats.org/presentationml/2006/main">
+<p:sld xmlns:a="http://schemas.openxmlformats.org/drawingml/2006/main" xmlns:r="http://schemas.openxmlformats.org/officeDocument/2006/relationships" xmlns:p="http://schemas.openxmlformats.org/presentationml/2006/main" show="0">
   <p:cSld>
     <p:spTree>
       <p:nvGrpSpPr>
@@ -8749,6 +9964,29 @@
           </a:p>
         </p:txBody>
       </p:sp>
+      <p:sp>
+        <p:nvSpPr>
+          <p:cNvPr id="4" name="Номер слайда 3"/>
+          <p:cNvSpPr>
+            <a:spLocks noGrp="1"/>
+          </p:cNvSpPr>
+          <p:nvPr>
+            <p:ph type="sldNum" sz="quarter" idx="12"/>
+          </p:nvPr>
+        </p:nvSpPr>
+        <p:spPr/>
+        <p:txBody>
+          <a:bodyPr/>
+          <a:lstStyle/>
+          <a:p>
+            <a:fld id="{ADDC721D-FED4-4080-8955-62676588A2D9}" type="slidenum">
+              <a:rPr lang="ru-RU" smtClean="0"/>
+              <a:t>6</a:t>
+            </a:fld>
+            <a:endParaRPr lang="ru-RU"/>
+          </a:p>
+        </p:txBody>
+      </p:sp>
     </p:spTree>
     <p:extLst>
       <p:ext uri="{BB962C8B-B14F-4D97-AF65-F5344CB8AC3E}">
@@ -8759,6 +9997,21 @@
   <p:clrMapOvr>
     <a:masterClrMapping/>
   </p:clrMapOvr>
+  <mc:AlternateContent xmlns:mc="http://schemas.openxmlformats.org/markup-compatibility/2006">
+    <mc:Choice xmlns:p14="http://schemas.microsoft.com/office/powerpoint/2010/main" Requires="p14">
+      <p:transition spd="slow" p14:dur="2000"/>
+    </mc:Choice>
+    <mc:Fallback>
+      <p:transition spd="slow"/>
+    </mc:Fallback>
+  </mc:AlternateContent>
+  <p:timing>
+    <p:tnLst>
+      <p:par>
+        <p:cTn id="1" dur="indefinite" restart="never" nodeType="tmRoot"/>
+      </p:par>
+    </p:tnLst>
+  </p:timing>
 </p:sld>
 </file>
 
@@ -8836,7 +10089,14 @@
                 <a:latin typeface="Arial" panose="020B0604020202020204" pitchFamily="34" charset="0"/>
                 <a:cs typeface="Arial" panose="020B0604020202020204" pitchFamily="34" charset="0"/>
               </a:rPr>
-              <a:t>изучение основ квантовых вычислений и технологий;</a:t>
+              <a:t>Изучение </a:t>
+            </a:r>
+            <a:r>
+              <a:rPr lang="ru-RU" dirty="0" smtClean="0">
+                <a:latin typeface="Arial" panose="020B0604020202020204" pitchFamily="34" charset="0"/>
+                <a:cs typeface="Arial" panose="020B0604020202020204" pitchFamily="34" charset="0"/>
+              </a:rPr>
+              <a:t>основ квантовых вычислений и технологий;</a:t>
             </a:r>
           </a:p>
           <a:p>
@@ -8853,8 +10113,26 @@
                 <a:latin typeface="Arial" panose="020B0604020202020204" pitchFamily="34" charset="0"/>
                 <a:cs typeface="Arial" panose="020B0604020202020204" pitchFamily="34" charset="0"/>
               </a:rPr>
-              <a:t>анализ наиболее известных задач и алгоритмов в данной области</a:t>
-            </a:r>
+              <a:t>анализ наиболее известных задач и алгоритмов в данной </a:t>
+            </a:r>
+            <a:r>
+              <a:rPr lang="ru-RU" dirty="0" smtClean="0">
+                <a:latin typeface="Arial" panose="020B0604020202020204" pitchFamily="34" charset="0"/>
+                <a:cs typeface="Arial" panose="020B0604020202020204" pitchFamily="34" charset="0"/>
+              </a:rPr>
+              <a:t>области</a:t>
+            </a:r>
+            <a:r>
+              <a:rPr lang="en-US" dirty="0" smtClean="0">
+                <a:latin typeface="Arial" panose="020B0604020202020204" pitchFamily="34" charset="0"/>
+                <a:cs typeface="Arial" panose="020B0604020202020204" pitchFamily="34" charset="0"/>
+              </a:rPr>
+              <a:t>;</a:t>
+            </a:r>
+            <a:endParaRPr lang="ru-RU" dirty="0" smtClean="0">
+              <a:latin typeface="Arial" panose="020B0604020202020204" pitchFamily="34" charset="0"/>
+              <a:cs typeface="Arial" panose="020B0604020202020204" pitchFamily="34" charset="0"/>
+            </a:endParaRPr>
           </a:p>
           <a:p>
             <a:pPr marL="357188" indent="-357188" algn="just" defTabSz="900113">
@@ -8901,12 +10179,53 @@
                 <a:latin typeface="Arial" panose="020B0604020202020204" pitchFamily="34" charset="0"/>
                 <a:cs typeface="Arial" panose="020B0604020202020204" pitchFamily="34" charset="0"/>
               </a:rPr>
-              <a:t>реализация классических и квантовых версий алгоритмов</a:t>
-            </a:r>
+              <a:t>реализация классических и квантовых версий </a:t>
+            </a:r>
+            <a:r>
+              <a:rPr lang="ru-RU" dirty="0" smtClean="0">
+                <a:latin typeface="Arial" panose="020B0604020202020204" pitchFamily="34" charset="0"/>
+                <a:cs typeface="Arial" panose="020B0604020202020204" pitchFamily="34" charset="0"/>
+              </a:rPr>
+              <a:t>алгоритмов</a:t>
+            </a:r>
+            <a:r>
+              <a:rPr lang="en-US" dirty="0">
+                <a:latin typeface="Arial" panose="020B0604020202020204" pitchFamily="34" charset="0"/>
+                <a:cs typeface="Arial" panose="020B0604020202020204" pitchFamily="34" charset="0"/>
+              </a:rPr>
+              <a:t>.</a:t>
+            </a:r>
+            <a:endParaRPr lang="ru-RU" dirty="0" smtClean="0">
+              <a:latin typeface="Arial" panose="020B0604020202020204" pitchFamily="34" charset="0"/>
+              <a:cs typeface="Arial" panose="020B0604020202020204" pitchFamily="34" charset="0"/>
+            </a:endParaRPr>
           </a:p>
           <a:p>
             <a:pPr algn="just"/>
             <a:endParaRPr lang="ru-RU" dirty="0"/>
+          </a:p>
+        </p:txBody>
+      </p:sp>
+      <p:sp>
+        <p:nvSpPr>
+          <p:cNvPr id="4" name="Номер слайда 3"/>
+          <p:cNvSpPr>
+            <a:spLocks noGrp="1"/>
+          </p:cNvSpPr>
+          <p:nvPr>
+            <p:ph type="sldNum" sz="quarter" idx="12"/>
+          </p:nvPr>
+        </p:nvSpPr>
+        <p:spPr/>
+        <p:txBody>
+          <a:bodyPr/>
+          <a:lstStyle/>
+          <a:p>
+            <a:fld id="{ADDC721D-FED4-4080-8955-62676588A2D9}" type="slidenum">
+              <a:rPr lang="ru-RU" smtClean="0"/>
+              <a:t>7</a:t>
+            </a:fld>
+            <a:endParaRPr lang="ru-RU"/>
           </a:p>
         </p:txBody>
       </p:sp>
@@ -8920,6 +10239,13 @@
   <p:clrMapOvr>
     <a:masterClrMapping/>
   </p:clrMapOvr>
+  <p:timing>
+    <p:tnLst>
+      <p:par>
+        <p:cTn id="1" dur="indefinite" restart="never" nodeType="tmRoot"/>
+      </p:par>
+    </p:tnLst>
+  </p:timing>
 </p:sld>
 </file>
 
@@ -8984,7 +10310,7 @@
           <a:bodyPr/>
           <a:lstStyle/>
           <a:p>
-            <a:pPr lvl="0" algn="just"/>
+            <a:pPr lvl="0"/>
             <a:r>
               <a:rPr lang="ru-RU" dirty="0">
                 <a:latin typeface="Arial" panose="020B0604020202020204" pitchFamily="34" charset="0"/>
@@ -9004,11 +10330,22 @@
                 <a:latin typeface="Arial" panose="020B0604020202020204" pitchFamily="34" charset="0"/>
                 <a:cs typeface="Arial" panose="020B0604020202020204" pitchFamily="34" charset="0"/>
               </a:rPr>
-              <a:t> для определения сбалансированности функции</a:t>
-            </a:r>
-          </a:p>
-          <a:p>
-            <a:pPr lvl="0" algn="just"/>
+              <a:t> для определения сбалансированности </a:t>
+            </a:r>
+            <a:r>
+              <a:rPr lang="ru-RU" dirty="0" smtClean="0">
+                <a:latin typeface="Arial" panose="020B0604020202020204" pitchFamily="34" charset="0"/>
+                <a:cs typeface="Arial" panose="020B0604020202020204" pitchFamily="34" charset="0"/>
+              </a:rPr>
+              <a:t>функции.</a:t>
+            </a:r>
+            <a:endParaRPr lang="ru-RU" dirty="0">
+              <a:latin typeface="Arial" panose="020B0604020202020204" pitchFamily="34" charset="0"/>
+              <a:cs typeface="Arial" panose="020B0604020202020204" pitchFamily="34" charset="0"/>
+            </a:endParaRPr>
+          </a:p>
+          <a:p>
+            <a:pPr lvl="0"/>
             <a:r>
               <a:rPr lang="ru-RU" dirty="0">
                 <a:latin typeface="Arial" panose="020B0604020202020204" pitchFamily="34" charset="0"/>
@@ -9028,27 +10365,42 @@
                 <a:latin typeface="Arial" panose="020B0604020202020204" pitchFamily="34" charset="0"/>
                 <a:cs typeface="Arial" panose="020B0604020202020204" pitchFamily="34" charset="0"/>
               </a:rPr>
-              <a:t> для факторизации числа</a:t>
-            </a:r>
-          </a:p>
-          <a:p>
-            <a:pPr lvl="0" algn="just"/>
+              <a:t> для факторизации </a:t>
+            </a:r>
+            <a:r>
+              <a:rPr lang="ru-RU" dirty="0" smtClean="0">
+                <a:latin typeface="Arial" panose="020B0604020202020204" pitchFamily="34" charset="0"/>
+                <a:cs typeface="Arial" panose="020B0604020202020204" pitchFamily="34" charset="0"/>
+              </a:rPr>
+              <a:t>числа.</a:t>
+            </a:r>
+            <a:endParaRPr lang="ru-RU" dirty="0">
+              <a:latin typeface="Arial" panose="020B0604020202020204" pitchFamily="34" charset="0"/>
+              <a:cs typeface="Arial" panose="020B0604020202020204" pitchFamily="34" charset="0"/>
+            </a:endParaRPr>
+          </a:p>
+          <a:p>
+            <a:pPr lvl="0"/>
+            <a:r>
+              <a:rPr lang="ru-RU" dirty="0" smtClean="0">
+                <a:latin typeface="Arial" panose="020B0604020202020204" pitchFamily="34" charset="0"/>
+                <a:cs typeface="Arial" panose="020B0604020202020204" pitchFamily="34" charset="0"/>
+              </a:rPr>
+              <a:t>Квантовый </a:t>
+            </a:r>
+            <a:r>
+              <a:rPr lang="ru-RU" dirty="0" smtClean="0">
+                <a:latin typeface="Arial" panose="020B0604020202020204" pitchFamily="34" charset="0"/>
+                <a:cs typeface="Arial" panose="020B0604020202020204" pitchFamily="34" charset="0"/>
+              </a:rPr>
+              <a:t>алгоритм </a:t>
+            </a:r>
             <a:r>
               <a:rPr lang="ru-RU" dirty="0">
                 <a:latin typeface="Arial" panose="020B0604020202020204" pitchFamily="34" charset="0"/>
                 <a:cs typeface="Arial" panose="020B0604020202020204" pitchFamily="34" charset="0"/>
               </a:rPr>
-              <a:t>Квантовый обход графа</a:t>
-            </a:r>
-          </a:p>
-          <a:p>
-            <a:pPr lvl="0" algn="just"/>
-            <a:r>
-              <a:rPr lang="ru-RU" dirty="0">
-                <a:latin typeface="Arial" panose="020B0604020202020204" pitchFamily="34" charset="0"/>
-                <a:cs typeface="Arial" panose="020B0604020202020204" pitchFamily="34" charset="0"/>
-              </a:rPr>
-              <a:t>Квантовый алгоритм для систем линейных равенств </a:t>
+              <a:t>для систем линейных равенств </a:t>
             </a:r>
             <a:r>
               <a:rPr lang="ru-RU" dirty="0" smtClean="0">
@@ -9075,11 +10427,45 @@
                 <a:latin typeface="Arial" panose="020B0604020202020204" pitchFamily="34" charset="0"/>
                 <a:cs typeface="Arial" panose="020B0604020202020204" pitchFamily="34" charset="0"/>
               </a:rPr>
-              <a:t>Алгоритм ХХЛ)</a:t>
-            </a:r>
+              <a:t>Алгоритм ХХЛ</a:t>
+            </a:r>
+            <a:r>
+              <a:rPr lang="ru-RU" dirty="0" smtClean="0">
+                <a:latin typeface="Arial" panose="020B0604020202020204" pitchFamily="34" charset="0"/>
+                <a:cs typeface="Arial" panose="020B0604020202020204" pitchFamily="34" charset="0"/>
+              </a:rPr>
+              <a:t>).</a:t>
+            </a:r>
+            <a:endParaRPr lang="ru-RU" dirty="0">
+              <a:latin typeface="Arial" panose="020B0604020202020204" pitchFamily="34" charset="0"/>
+              <a:cs typeface="Arial" panose="020B0604020202020204" pitchFamily="34" charset="0"/>
+            </a:endParaRPr>
           </a:p>
           <a:p>
             <a:endParaRPr lang="ru-RU" dirty="0"/>
+          </a:p>
+        </p:txBody>
+      </p:sp>
+      <p:sp>
+        <p:nvSpPr>
+          <p:cNvPr id="4" name="Номер слайда 3"/>
+          <p:cNvSpPr>
+            <a:spLocks noGrp="1"/>
+          </p:cNvSpPr>
+          <p:nvPr>
+            <p:ph type="sldNum" sz="quarter" idx="12"/>
+          </p:nvPr>
+        </p:nvSpPr>
+        <p:spPr/>
+        <p:txBody>
+          <a:bodyPr/>
+          <a:lstStyle/>
+          <a:p>
+            <a:fld id="{ADDC721D-FED4-4080-8955-62676588A2D9}" type="slidenum">
+              <a:rPr lang="ru-RU" smtClean="0"/>
+              <a:t>8</a:t>
+            </a:fld>
+            <a:endParaRPr lang="ru-RU"/>
           </a:p>
         </p:txBody>
       </p:sp>
@@ -9093,6 +10479,13 @@
   <p:clrMapOvr>
     <a:masterClrMapping/>
   </p:clrMapOvr>
+  <p:timing>
+    <p:tnLst>
+      <p:par>
+        <p:cTn id="1" dur="indefinite" restart="never" nodeType="tmRoot"/>
+      </p:par>
+    </p:tnLst>
+  </p:timing>
 </p:sld>
 </file>
 
@@ -9761,4 +11154,265 @@
     </a:ext>
   </a:extLst>
 </a:theme>
+</file>
+
+<file path=ppt/theme/theme2.xml><?xml version="1.0" encoding="utf-8"?>
+<a:theme xmlns:a="http://schemas.openxmlformats.org/drawingml/2006/main" name="Тема Office">
+  <a:themeElements>
+    <a:clrScheme name="Стандартная">
+      <a:dk1>
+        <a:sysClr val="windowText" lastClr="000000"/>
+      </a:dk1>
+      <a:lt1>
+        <a:sysClr val="window" lastClr="FFFFFF"/>
+      </a:lt1>
+      <a:dk2>
+        <a:srgbClr val="44546A"/>
+      </a:dk2>
+      <a:lt2>
+        <a:srgbClr val="E7E6E6"/>
+      </a:lt2>
+      <a:accent1>
+        <a:srgbClr val="5B9BD5"/>
+      </a:accent1>
+      <a:accent2>
+        <a:srgbClr val="ED7D31"/>
+      </a:accent2>
+      <a:accent3>
+        <a:srgbClr val="A5A5A5"/>
+      </a:accent3>
+      <a:accent4>
+        <a:srgbClr val="FFC000"/>
+      </a:accent4>
+      <a:accent5>
+        <a:srgbClr val="4472C4"/>
+      </a:accent5>
+      <a:accent6>
+        <a:srgbClr val="70AD47"/>
+      </a:accent6>
+      <a:hlink>
+        <a:srgbClr val="0563C1"/>
+      </a:hlink>
+      <a:folHlink>
+        <a:srgbClr val="954F72"/>
+      </a:folHlink>
+    </a:clrScheme>
+    <a:fontScheme name="Стандартная">
+      <a:majorFont>
+        <a:latin typeface="Calibri Light" panose="020F0302020204030204"/>
+        <a:ea typeface=""/>
+        <a:cs typeface=""/>
+        <a:font script="Jpan" typeface="ＭＳ Ｐゴシック"/>
+        <a:font script="Hang" typeface="맑은 고딕"/>
+        <a:font script="Hans" typeface="宋体"/>
+        <a:font script="Hant" typeface="新細明體"/>
+        <a:font script="Arab" typeface="Times New Roman"/>
+        <a:font script="Hebr" typeface="Times New Roman"/>
+        <a:font script="Thai" typeface="Angsana New"/>
+        <a:font script="Ethi" typeface="Nyala"/>
+        <a:font script="Beng" typeface="Vrinda"/>
+        <a:font script="Gujr" typeface="Shruti"/>
+        <a:font script="Khmr" typeface="MoolBoran"/>
+        <a:font script="Knda" typeface="Tunga"/>
+        <a:font script="Guru" typeface="Raavi"/>
+        <a:font script="Cans" typeface="Euphemia"/>
+        <a:font script="Cher" typeface="Plantagenet Cherokee"/>
+        <a:font script="Yiii" typeface="Microsoft Yi Baiti"/>
+        <a:font script="Tibt" typeface="Microsoft Himalaya"/>
+        <a:font script="Thaa" typeface="MV Boli"/>
+        <a:font script="Deva" typeface="Mangal"/>
+        <a:font script="Telu" typeface="Gautami"/>
+        <a:font script="Taml" typeface="Latha"/>
+        <a:font script="Syrc" typeface="Estrangelo Edessa"/>
+        <a:font script="Orya" typeface="Kalinga"/>
+        <a:font script="Mlym" typeface="Kartika"/>
+        <a:font script="Laoo" typeface="DokChampa"/>
+        <a:font script="Sinh" typeface="Iskoola Pota"/>
+        <a:font script="Mong" typeface="Mongolian Baiti"/>
+        <a:font script="Viet" typeface="Times New Roman"/>
+        <a:font script="Uigh" typeface="Microsoft Uighur"/>
+        <a:font script="Geor" typeface="Sylfaen"/>
+      </a:majorFont>
+      <a:minorFont>
+        <a:latin typeface="Calibri" panose="020F0502020204030204"/>
+        <a:ea typeface=""/>
+        <a:cs typeface=""/>
+        <a:font script="Jpan" typeface="ＭＳ Ｐゴシック"/>
+        <a:font script="Hang" typeface="맑은 고딕"/>
+        <a:font script="Hans" typeface="宋体"/>
+        <a:font script="Hant" typeface="新細明體"/>
+        <a:font script="Arab" typeface="Arial"/>
+        <a:font script="Hebr" typeface="Arial"/>
+        <a:font script="Thai" typeface="Cordia New"/>
+        <a:font script="Ethi" typeface="Nyala"/>
+        <a:font script="Beng" typeface="Vrinda"/>
+        <a:font script="Gujr" typeface="Shruti"/>
+        <a:font script="Khmr" typeface="DaunPenh"/>
+        <a:font script="Knda" typeface="Tunga"/>
+        <a:font script="Guru" typeface="Raavi"/>
+        <a:font script="Cans" typeface="Euphemia"/>
+        <a:font script="Cher" typeface="Plantagenet Cherokee"/>
+        <a:font script="Yiii" typeface="Microsoft Yi Baiti"/>
+        <a:font script="Tibt" typeface="Microsoft Himalaya"/>
+        <a:font script="Thaa" typeface="MV Boli"/>
+        <a:font script="Deva" typeface="Mangal"/>
+        <a:font script="Telu" typeface="Gautami"/>
+        <a:font script="Taml" typeface="Latha"/>
+        <a:font script="Syrc" typeface="Estrangelo Edessa"/>
+        <a:font script="Orya" typeface="Kalinga"/>
+        <a:font script="Mlym" typeface="Kartika"/>
+        <a:font script="Laoo" typeface="DokChampa"/>
+        <a:font script="Sinh" typeface="Iskoola Pota"/>
+        <a:font script="Mong" typeface="Mongolian Baiti"/>
+        <a:font script="Viet" typeface="Arial"/>
+        <a:font script="Uigh" typeface="Microsoft Uighur"/>
+        <a:font script="Geor" typeface="Sylfaen"/>
+      </a:minorFont>
+    </a:fontScheme>
+    <a:fmtScheme name="Стандартная">
+      <a:fillStyleLst>
+        <a:solidFill>
+          <a:schemeClr val="phClr"/>
+        </a:solidFill>
+        <a:gradFill rotWithShape="1">
+          <a:gsLst>
+            <a:gs pos="0">
+              <a:schemeClr val="phClr">
+                <a:lumMod val="110000"/>
+                <a:satMod val="105000"/>
+                <a:tint val="67000"/>
+              </a:schemeClr>
+            </a:gs>
+            <a:gs pos="50000">
+              <a:schemeClr val="phClr">
+                <a:lumMod val="105000"/>
+                <a:satMod val="103000"/>
+                <a:tint val="73000"/>
+              </a:schemeClr>
+            </a:gs>
+            <a:gs pos="100000">
+              <a:schemeClr val="phClr">
+                <a:lumMod val="105000"/>
+                <a:satMod val="109000"/>
+                <a:tint val="81000"/>
+              </a:schemeClr>
+            </a:gs>
+          </a:gsLst>
+          <a:lin ang="5400000" scaled="0"/>
+        </a:gradFill>
+        <a:gradFill rotWithShape="1">
+          <a:gsLst>
+            <a:gs pos="0">
+              <a:schemeClr val="phClr">
+                <a:satMod val="103000"/>
+                <a:lumMod val="102000"/>
+                <a:tint val="94000"/>
+              </a:schemeClr>
+            </a:gs>
+            <a:gs pos="50000">
+              <a:schemeClr val="phClr">
+                <a:satMod val="110000"/>
+                <a:lumMod val="100000"/>
+                <a:shade val="100000"/>
+              </a:schemeClr>
+            </a:gs>
+            <a:gs pos="100000">
+              <a:schemeClr val="phClr">
+                <a:lumMod val="99000"/>
+                <a:satMod val="120000"/>
+                <a:shade val="78000"/>
+              </a:schemeClr>
+            </a:gs>
+          </a:gsLst>
+          <a:lin ang="5400000" scaled="0"/>
+        </a:gradFill>
+      </a:fillStyleLst>
+      <a:lnStyleLst>
+        <a:ln w="6350" cap="flat" cmpd="sng" algn="ctr">
+          <a:solidFill>
+            <a:schemeClr val="phClr"/>
+          </a:solidFill>
+          <a:prstDash val="solid"/>
+          <a:miter lim="800000"/>
+        </a:ln>
+        <a:ln w="12700" cap="flat" cmpd="sng" algn="ctr">
+          <a:solidFill>
+            <a:schemeClr val="phClr"/>
+          </a:solidFill>
+          <a:prstDash val="solid"/>
+          <a:miter lim="800000"/>
+        </a:ln>
+        <a:ln w="19050" cap="flat" cmpd="sng" algn="ctr">
+          <a:solidFill>
+            <a:schemeClr val="phClr"/>
+          </a:solidFill>
+          <a:prstDash val="solid"/>
+          <a:miter lim="800000"/>
+        </a:ln>
+      </a:lnStyleLst>
+      <a:effectStyleLst>
+        <a:effectStyle>
+          <a:effectLst/>
+        </a:effectStyle>
+        <a:effectStyle>
+          <a:effectLst/>
+        </a:effectStyle>
+        <a:effectStyle>
+          <a:effectLst>
+            <a:outerShdw blurRad="57150" dist="19050" dir="5400000" algn="ctr" rotWithShape="0">
+              <a:srgbClr val="000000">
+                <a:alpha val="63000"/>
+              </a:srgbClr>
+            </a:outerShdw>
+          </a:effectLst>
+        </a:effectStyle>
+      </a:effectStyleLst>
+      <a:bgFillStyleLst>
+        <a:solidFill>
+          <a:schemeClr val="phClr"/>
+        </a:solidFill>
+        <a:solidFill>
+          <a:schemeClr val="phClr">
+            <a:tint val="95000"/>
+            <a:satMod val="170000"/>
+          </a:schemeClr>
+        </a:solidFill>
+        <a:gradFill rotWithShape="1">
+          <a:gsLst>
+            <a:gs pos="0">
+              <a:schemeClr val="phClr">
+                <a:tint val="93000"/>
+                <a:satMod val="150000"/>
+                <a:shade val="98000"/>
+                <a:lumMod val="102000"/>
+              </a:schemeClr>
+            </a:gs>
+            <a:gs pos="50000">
+              <a:schemeClr val="phClr">
+                <a:tint val="98000"/>
+                <a:satMod val="130000"/>
+                <a:shade val="90000"/>
+                <a:lumMod val="103000"/>
+              </a:schemeClr>
+            </a:gs>
+            <a:gs pos="100000">
+              <a:schemeClr val="phClr">
+                <a:shade val="63000"/>
+                <a:satMod val="120000"/>
+              </a:schemeClr>
+            </a:gs>
+          </a:gsLst>
+          <a:lin ang="5400000" scaled="0"/>
+        </a:gradFill>
+      </a:bgFillStyleLst>
+    </a:fmtScheme>
+  </a:themeElements>
+  <a:objectDefaults/>
+  <a:extraClrSchemeLst/>
+  <a:extLst>
+    <a:ext uri="{05A4C25C-085E-4340-85A3-A5531E510DB2}">
+      <thm15:themeFamily xmlns:thm15="http://schemas.microsoft.com/office/thememl/2012/main" name="Office Theme" id="{62F939B6-93AF-4DB8-9C6B-D6C7DFDC589F}" vid="{4A3C46E8-61CC-4603-A589-7422A47A8E4A}"/>
+    </a:ext>
+  </a:extLst>
+</a:theme>
 </file>
--- a/Черниговских 2к 14гр.pptx
+++ b/Черниговских 2к 14гр.pptx
@@ -29,7 +29,7 @@
     <p:sldId id="267" r:id="rId20"/>
   </p:sldIdLst>
   <p:sldSz cx="12192000" cy="6858000"/>
-  <p:notesSz cx="6858000" cy="9144000"/>
+  <p:notesSz cx="6735763" cy="9856788"/>
   <p:defaultTextStyle>
     <a:defPPr>
       <a:defRPr lang="ru-RU"/>
@@ -179,7 +179,7 @@
         <p:spPr>
           <a:xfrm>
             <a:off x="0" y="0"/>
-            <a:ext cx="2971800" cy="458788"/>
+            <a:ext cx="2918831" cy="494551"/>
           </a:xfrm>
           <a:prstGeom prst="rect">
             <a:avLst/>
@@ -209,8 +209,8 @@
         </p:nvSpPr>
         <p:spPr>
           <a:xfrm>
-            <a:off x="3884613" y="0"/>
-            <a:ext cx="2971800" cy="458788"/>
+            <a:off x="3815373" y="0"/>
+            <a:ext cx="2918831" cy="494551"/>
           </a:xfrm>
           <a:prstGeom prst="rect">
             <a:avLst/>
@@ -226,7 +226,7 @@
           <a:p>
             <a:fld id="{2946843A-35D9-4BF0-8BAE-64F1E98BC786}" type="datetimeFigureOut">
               <a:rPr lang="ru-RU" smtClean="0"/>
-              <a:t>08.06.2019</a:t>
+              <a:t>10.06.2019</a:t>
             </a:fld>
             <a:endParaRPr lang="ru-RU"/>
           </a:p>
@@ -244,8 +244,8 @@
         </p:nvSpPr>
         <p:spPr>
           <a:xfrm>
-            <a:off x="685800" y="1143000"/>
-            <a:ext cx="5486400" cy="3086100"/>
+            <a:off x="411163" y="1231900"/>
+            <a:ext cx="5913437" cy="3327400"/>
           </a:xfrm>
           <a:prstGeom prst="rect">
             <a:avLst/>
@@ -277,8 +277,8 @@
         </p:nvSpPr>
         <p:spPr>
           <a:xfrm>
-            <a:off x="685800" y="4400550"/>
-            <a:ext cx="5486400" cy="3600450"/>
+            <a:off x="673577" y="4743579"/>
+            <a:ext cx="5388610" cy="3881110"/>
           </a:xfrm>
           <a:prstGeom prst="rect">
             <a:avLst/>
@@ -337,8 +337,8 @@
         </p:nvSpPr>
         <p:spPr>
           <a:xfrm>
-            <a:off x="0" y="8685213"/>
-            <a:ext cx="2971800" cy="458787"/>
+            <a:off x="0" y="9362238"/>
+            <a:ext cx="2918831" cy="494550"/>
           </a:xfrm>
           <a:prstGeom prst="rect">
             <a:avLst/>
@@ -368,8 +368,8 @@
         </p:nvSpPr>
         <p:spPr>
           <a:xfrm>
-            <a:off x="3884613" y="8685213"/>
-            <a:ext cx="2971800" cy="458787"/>
+            <a:off x="3815373" y="9362238"/>
+            <a:ext cx="2918831" cy="494550"/>
           </a:xfrm>
           <a:prstGeom prst="rect">
             <a:avLst/>
@@ -578,6 +578,174 @@
 </p:notes>
 </file>
 
+<file path=ppt/notesSlides/notesSlide2.xml><?xml version="1.0" encoding="utf-8"?>
+<p:notes xmlns:a="http://schemas.openxmlformats.org/drawingml/2006/main" xmlns:r="http://schemas.openxmlformats.org/officeDocument/2006/relationships" xmlns:p="http://schemas.openxmlformats.org/presentationml/2006/main">
+  <p:cSld>
+    <p:spTree>
+      <p:nvGrpSpPr>
+        <p:cNvPr id="1" name=""/>
+        <p:cNvGrpSpPr/>
+        <p:nvPr/>
+      </p:nvGrpSpPr>
+      <p:grpSpPr>
+        <a:xfrm>
+          <a:off x="0" y="0"/>
+          <a:ext cx="0" cy="0"/>
+          <a:chOff x="0" y="0"/>
+          <a:chExt cx="0" cy="0"/>
+        </a:xfrm>
+      </p:grpSpPr>
+      <p:sp>
+        <p:nvSpPr>
+          <p:cNvPr id="2" name="Образ слайда 1"/>
+          <p:cNvSpPr>
+            <a:spLocks noGrp="1" noRot="1" noChangeAspect="1"/>
+          </p:cNvSpPr>
+          <p:nvPr>
+            <p:ph type="sldImg"/>
+          </p:nvPr>
+        </p:nvSpPr>
+        <p:spPr/>
+      </p:sp>
+      <p:sp>
+        <p:nvSpPr>
+          <p:cNvPr id="3" name="Заметки 2"/>
+          <p:cNvSpPr>
+            <a:spLocks noGrp="1"/>
+          </p:cNvSpPr>
+          <p:nvPr>
+            <p:ph type="body" idx="1"/>
+          </p:nvPr>
+        </p:nvSpPr>
+        <p:spPr/>
+        <p:txBody>
+          <a:bodyPr/>
+          <a:lstStyle/>
+          <a:p>
+            <a:endParaRPr lang="ru-RU"/>
+          </a:p>
+        </p:txBody>
+      </p:sp>
+      <p:sp>
+        <p:nvSpPr>
+          <p:cNvPr id="4" name="Номер слайда 3"/>
+          <p:cNvSpPr>
+            <a:spLocks noGrp="1"/>
+          </p:cNvSpPr>
+          <p:nvPr>
+            <p:ph type="sldNum" sz="quarter" idx="10"/>
+          </p:nvPr>
+        </p:nvSpPr>
+        <p:spPr/>
+        <p:txBody>
+          <a:bodyPr/>
+          <a:lstStyle/>
+          <a:p>
+            <a:fld id="{F15EF2D2-24D0-4238-9C0D-C81CCD232C53}" type="slidenum">
+              <a:rPr lang="ru-RU" smtClean="0"/>
+              <a:t>8</a:t>
+            </a:fld>
+            <a:endParaRPr lang="ru-RU"/>
+          </a:p>
+        </p:txBody>
+      </p:sp>
+    </p:spTree>
+    <p:extLst>
+      <p:ext uri="{BB962C8B-B14F-4D97-AF65-F5344CB8AC3E}">
+        <p14:creationId xmlns:p14="http://schemas.microsoft.com/office/powerpoint/2010/main" val="86048327"/>
+      </p:ext>
+    </p:extLst>
+  </p:cSld>
+  <p:clrMapOvr>
+    <a:masterClrMapping/>
+  </p:clrMapOvr>
+</p:notes>
+</file>
+
+<file path=ppt/notesSlides/notesSlide3.xml><?xml version="1.0" encoding="utf-8"?>
+<p:notes xmlns:a="http://schemas.openxmlformats.org/drawingml/2006/main" xmlns:r="http://schemas.openxmlformats.org/officeDocument/2006/relationships" xmlns:p="http://schemas.openxmlformats.org/presentationml/2006/main">
+  <p:cSld>
+    <p:spTree>
+      <p:nvGrpSpPr>
+        <p:cNvPr id="1" name=""/>
+        <p:cNvGrpSpPr/>
+        <p:nvPr/>
+      </p:nvGrpSpPr>
+      <p:grpSpPr>
+        <a:xfrm>
+          <a:off x="0" y="0"/>
+          <a:ext cx="0" cy="0"/>
+          <a:chOff x="0" y="0"/>
+          <a:chExt cx="0" cy="0"/>
+        </a:xfrm>
+      </p:grpSpPr>
+      <p:sp>
+        <p:nvSpPr>
+          <p:cNvPr id="2" name="Образ слайда 1"/>
+          <p:cNvSpPr>
+            <a:spLocks noGrp="1" noRot="1" noChangeAspect="1"/>
+          </p:cNvSpPr>
+          <p:nvPr>
+            <p:ph type="sldImg"/>
+          </p:nvPr>
+        </p:nvSpPr>
+        <p:spPr/>
+      </p:sp>
+      <p:sp>
+        <p:nvSpPr>
+          <p:cNvPr id="3" name="Заметки 2"/>
+          <p:cNvSpPr>
+            <a:spLocks noGrp="1"/>
+          </p:cNvSpPr>
+          <p:nvPr>
+            <p:ph type="body" idx="1"/>
+          </p:nvPr>
+        </p:nvSpPr>
+        <p:spPr/>
+        <p:txBody>
+          <a:bodyPr/>
+          <a:lstStyle/>
+          <a:p>
+            <a:endParaRPr lang="ru-RU"/>
+          </a:p>
+        </p:txBody>
+      </p:sp>
+      <p:sp>
+        <p:nvSpPr>
+          <p:cNvPr id="4" name="Номер слайда 3"/>
+          <p:cNvSpPr>
+            <a:spLocks noGrp="1"/>
+          </p:cNvSpPr>
+          <p:nvPr>
+            <p:ph type="sldNum" sz="quarter" idx="10"/>
+          </p:nvPr>
+        </p:nvSpPr>
+        <p:spPr/>
+        <p:txBody>
+          <a:bodyPr/>
+          <a:lstStyle/>
+          <a:p>
+            <a:fld id="{F15EF2D2-24D0-4238-9C0D-C81CCD232C53}" type="slidenum">
+              <a:rPr lang="ru-RU" smtClean="0"/>
+              <a:t>9</a:t>
+            </a:fld>
+            <a:endParaRPr lang="ru-RU"/>
+          </a:p>
+        </p:txBody>
+      </p:sp>
+    </p:spTree>
+    <p:extLst>
+      <p:ext uri="{BB962C8B-B14F-4D97-AF65-F5344CB8AC3E}">
+        <p14:creationId xmlns:p14="http://schemas.microsoft.com/office/powerpoint/2010/main" val="2793172418"/>
+      </p:ext>
+    </p:extLst>
+  </p:cSld>
+  <p:clrMapOvr>
+    <a:masterClrMapping/>
+  </p:clrMapOvr>
+</p:notes>
+</file>
+
 <file path=ppt/slideLayouts/slideLayout1.xml><?xml version="1.0" encoding="utf-8"?>
 <p:sldLayout xmlns:a="http://schemas.openxmlformats.org/drawingml/2006/main" xmlns:r="http://schemas.openxmlformats.org/officeDocument/2006/relationships" xmlns:p="http://schemas.openxmlformats.org/presentationml/2006/main" type="title" preserve="1">
   <p:cSld name="Титульный слайд">
@@ -707,9 +875,9 @@
           <a:bodyPr/>
           <a:lstStyle/>
           <a:p>
-            <a:fld id="{ACEA4292-5554-475D-B664-BA0A31623B9C}" type="datetime1">
+            <a:fld id="{BCA46830-E682-405C-8364-0C9541E639DF}" type="datetime1">
               <a:rPr lang="ru-RU" smtClean="0"/>
-              <a:t>08.06.2019</a:t>
+              <a:t>10.06.2019</a:t>
             </a:fld>
             <a:endParaRPr lang="ru-RU"/>
           </a:p>
@@ -877,9 +1045,9 @@
           <a:bodyPr/>
           <a:lstStyle/>
           <a:p>
-            <a:fld id="{9AE17B96-DDC5-40BA-991C-2D08A1C05514}" type="datetime1">
+            <a:fld id="{3E44BB8C-CB05-479D-8CEA-872765ADD396}" type="datetime1">
               <a:rPr lang="ru-RU" smtClean="0"/>
-              <a:t>08.06.2019</a:t>
+              <a:t>10.06.2019</a:t>
             </a:fld>
             <a:endParaRPr lang="ru-RU"/>
           </a:p>
@@ -1057,9 +1225,9 @@
           <a:bodyPr/>
           <a:lstStyle/>
           <a:p>
-            <a:fld id="{F7B6DD4E-A493-4D05-9522-6678AD082DF4}" type="datetime1">
+            <a:fld id="{B4E89E9D-2A67-4B46-84B4-9A88CD3E91F3}" type="datetime1">
               <a:rPr lang="ru-RU" smtClean="0"/>
-              <a:t>08.06.2019</a:t>
+              <a:t>10.06.2019</a:t>
             </a:fld>
             <a:endParaRPr lang="ru-RU"/>
           </a:p>
@@ -1227,9 +1395,9 @@
           <a:bodyPr/>
           <a:lstStyle/>
           <a:p>
-            <a:fld id="{C52E83A4-C9CA-481E-9A1A-B5EB86571EF2}" type="datetime1">
+            <a:fld id="{E3505345-DD1D-40F9-B05D-80736C9A64BE}" type="datetime1">
               <a:rPr lang="ru-RU" smtClean="0"/>
-              <a:t>08.06.2019</a:t>
+              <a:t>10.06.2019</a:t>
             </a:fld>
             <a:endParaRPr lang="ru-RU"/>
           </a:p>
@@ -1473,9 +1641,9 @@
           <a:bodyPr/>
           <a:lstStyle/>
           <a:p>
-            <a:fld id="{A02C7D28-38F5-4464-A107-A35A75D2ACC9}" type="datetime1">
+            <a:fld id="{59EE47BA-54A9-4DFA-A58A-0556F2F6BBF3}" type="datetime1">
               <a:rPr lang="ru-RU" smtClean="0"/>
-              <a:t>08.06.2019</a:t>
+              <a:t>10.06.2019</a:t>
             </a:fld>
             <a:endParaRPr lang="ru-RU"/>
           </a:p>
@@ -1705,9 +1873,9 @@
           <a:bodyPr/>
           <a:lstStyle/>
           <a:p>
-            <a:fld id="{582D4DDD-E495-4DD4-8EA4-6C256F9BFD48}" type="datetime1">
+            <a:fld id="{976D76BB-ADA0-4F80-9D28-2566A92BA848}" type="datetime1">
               <a:rPr lang="ru-RU" smtClean="0"/>
-              <a:t>08.06.2019</a:t>
+              <a:t>10.06.2019</a:t>
             </a:fld>
             <a:endParaRPr lang="ru-RU"/>
           </a:p>
@@ -2072,9 +2240,9 @@
           <a:bodyPr/>
           <a:lstStyle/>
           <a:p>
-            <a:fld id="{CE012395-86A7-44E9-8D35-AC59C38A68F3}" type="datetime1">
+            <a:fld id="{95DE2552-BD6E-4AD4-BAD1-EC0578C01B0B}" type="datetime1">
               <a:rPr lang="ru-RU" smtClean="0"/>
-              <a:t>08.06.2019</a:t>
+              <a:t>10.06.2019</a:t>
             </a:fld>
             <a:endParaRPr lang="ru-RU"/>
           </a:p>
@@ -2190,9 +2358,9 @@
           <a:bodyPr/>
           <a:lstStyle/>
           <a:p>
-            <a:fld id="{7B9C1957-8F80-46C2-B2E3-7C5AD9999EA3}" type="datetime1">
+            <a:fld id="{02E396A1-89C2-4BBE-AB5B-B0CB8942B161}" type="datetime1">
               <a:rPr lang="ru-RU" smtClean="0"/>
-              <a:t>08.06.2019</a:t>
+              <a:t>10.06.2019</a:t>
             </a:fld>
             <a:endParaRPr lang="ru-RU"/>
           </a:p>
@@ -2285,9 +2453,9 @@
           <a:bodyPr/>
           <a:lstStyle/>
           <a:p>
-            <a:fld id="{AE9183CF-3A30-4ABA-ACBD-3E400FF5BCCA}" type="datetime1">
+            <a:fld id="{956BDFD6-CB9C-4C9A-9A46-77F5F3732A82}" type="datetime1">
               <a:rPr lang="ru-RU" smtClean="0"/>
-              <a:t>08.06.2019</a:t>
+              <a:t>10.06.2019</a:t>
             </a:fld>
             <a:endParaRPr lang="ru-RU"/>
           </a:p>
@@ -2562,9 +2730,9 @@
           <a:bodyPr/>
           <a:lstStyle/>
           <a:p>
-            <a:fld id="{3AC75F83-7F3A-4A0F-A0D0-B635467D33BC}" type="datetime1">
+            <a:fld id="{7EEFFDAA-0F05-4D26-AB82-65ABB6376715}" type="datetime1">
               <a:rPr lang="ru-RU" smtClean="0"/>
-              <a:t>08.06.2019</a:t>
+              <a:t>10.06.2019</a:t>
             </a:fld>
             <a:endParaRPr lang="ru-RU"/>
           </a:p>
@@ -2815,9 +2983,9 @@
           <a:bodyPr/>
           <a:lstStyle/>
           <a:p>
-            <a:fld id="{DE332B42-1215-4F8B-8601-BADFCC94324D}" type="datetime1">
+            <a:fld id="{058A3315-5A26-493E-90F4-99CDED3D5A99}" type="datetime1">
               <a:rPr lang="ru-RU" smtClean="0"/>
-              <a:t>08.06.2019</a:t>
+              <a:t>10.06.2019</a:t>
             </a:fld>
             <a:endParaRPr lang="ru-RU"/>
           </a:p>
@@ -3028,9 +3196,9 @@
             </a:lvl1pPr>
           </a:lstStyle>
           <a:p>
-            <a:fld id="{CC3869A5-DBAE-4837-868E-F9CB23C4D3AC}" type="datetime1">
+            <a:fld id="{14311CDF-AC48-44CB-A4FA-2A9648FE0477}" type="datetime1">
               <a:rPr lang="ru-RU" smtClean="0"/>
-              <a:t>08.06.2019</a:t>
+              <a:t>10.06.2019</a:t>
             </a:fld>
             <a:endParaRPr lang="ru-RU"/>
           </a:p>
@@ -3761,29 +3929,6 @@
       </p:sp>
       <p:sp>
         <p:nvSpPr>
-          <p:cNvPr id="6" name="Номер слайда 5"/>
-          <p:cNvSpPr>
-            <a:spLocks noGrp="1"/>
-          </p:cNvSpPr>
-          <p:nvPr>
-            <p:ph type="sldNum" sz="quarter" idx="12"/>
-          </p:nvPr>
-        </p:nvSpPr>
-        <p:spPr/>
-        <p:txBody>
-          <a:bodyPr/>
-          <a:lstStyle/>
-          <a:p>
-            <a:fld id="{9F8F935D-8440-4F22-BB36-0C9F8FDC1692}" type="slidenum">
-              <a:rPr lang="ru-RU" sz="2400" smtClean="0"/>
-              <a:t>10</a:t>
-            </a:fld>
-            <a:endParaRPr lang="ru-RU" sz="2400" dirty="0"/>
-          </a:p>
-        </p:txBody>
-      </p:sp>
-      <p:sp>
-        <p:nvSpPr>
           <p:cNvPr id="7" name="TextBox 6"/>
           <p:cNvSpPr txBox="1"/>
           <p:nvPr/>
@@ -4044,6 +4189,29 @@
               </a:lnSpc>
             </a:pPr>
             <a:endParaRPr lang="ru-RU" dirty="0"/>
+          </a:p>
+        </p:txBody>
+      </p:sp>
+      <p:sp>
+        <p:nvSpPr>
+          <p:cNvPr id="3" name="Номер слайда 2"/>
+          <p:cNvSpPr>
+            <a:spLocks noGrp="1"/>
+          </p:cNvSpPr>
+          <p:nvPr>
+            <p:ph type="sldNum" sz="quarter" idx="12"/>
+          </p:nvPr>
+        </p:nvSpPr>
+        <p:spPr/>
+        <p:txBody>
+          <a:bodyPr/>
+          <a:lstStyle/>
+          <a:p>
+            <a:fld id="{ADDC721D-FED4-4080-8955-62676588A2D9}" type="slidenum">
+              <a:rPr lang="ru-RU" smtClean="0"/>
+              <a:t>10</a:t>
+            </a:fld>
+            <a:endParaRPr lang="ru-RU"/>
           </a:p>
         </p:txBody>
       </p:sp>
@@ -4133,10 +4301,15 @@
             <p:ph idx="1"/>
           </p:nvPr>
         </p:nvSpPr>
-        <p:spPr/>
+        <p:spPr>
+          <a:xfrm>
+            <a:off x="838200" y="1433384"/>
+            <a:ext cx="10515600" cy="4743579"/>
+          </a:xfrm>
+        </p:spPr>
         <p:txBody>
           <a:bodyPr>
-            <a:normAutofit/>
+            <a:normAutofit lnSpcReduction="10000"/>
           </a:bodyPr>
           <a:lstStyle/>
           <a:p>
@@ -4211,149 +4384,184 @@
               </a:rPr>
               <a:t>:</a:t>
             </a:r>
-            <a:endParaRPr lang="ru-RU" dirty="0">
+          </a:p>
+          <a:p>
+            <a:pPr marL="0" indent="0" algn="ctr">
+              <a:buNone/>
+            </a:pPr>
+            <a:r>
+              <a:rPr lang="ru-RU" i="1" dirty="0">
+                <a:latin typeface="Arial" panose="020B0604020202020204" pitchFamily="34" charset="0"/>
+                <a:cs typeface="Arial" panose="020B0604020202020204" pitchFamily="34" charset="0"/>
+              </a:rPr>
+              <a:t>f</a:t>
+            </a:r>
+            <a:r>
+              <a:rPr lang="ru-RU" i="1" baseline="-25000" dirty="0">
+                <a:latin typeface="Arial" panose="020B0604020202020204" pitchFamily="34" charset="0"/>
+                <a:cs typeface="Arial" panose="020B0604020202020204" pitchFamily="34" charset="0"/>
+              </a:rPr>
+              <a:t>1</a:t>
+            </a:r>
+            <a:r>
+              <a:rPr lang="ru-RU" i="1" dirty="0">
+                <a:latin typeface="Arial" panose="020B0604020202020204" pitchFamily="34" charset="0"/>
+                <a:cs typeface="Arial" panose="020B0604020202020204" pitchFamily="34" charset="0"/>
+              </a:rPr>
+              <a:t>:0→0, 1→0</a:t>
+            </a:r>
+            <a:r>
+              <a:rPr lang="ru-RU" i="1" dirty="0" smtClean="0">
+                <a:latin typeface="Arial" panose="020B0604020202020204" pitchFamily="34" charset="0"/>
+                <a:cs typeface="Arial" panose="020B0604020202020204" pitchFamily="34" charset="0"/>
+              </a:rPr>
+              <a:t>,</a:t>
+            </a:r>
+          </a:p>
+          <a:p>
+            <a:pPr marL="0" indent="0" algn="ctr">
+              <a:buNone/>
+            </a:pPr>
+            <a:r>
+              <a:rPr lang="ru-RU" i="1" dirty="0" smtClean="0">
+                <a:latin typeface="Arial" panose="020B0604020202020204" pitchFamily="34" charset="0"/>
+                <a:cs typeface="Arial" panose="020B0604020202020204" pitchFamily="34" charset="0"/>
+              </a:rPr>
+              <a:t>f</a:t>
+            </a:r>
+            <a:r>
+              <a:rPr lang="ru-RU" i="1" baseline="-25000" dirty="0" smtClean="0">
+                <a:latin typeface="Arial" panose="020B0604020202020204" pitchFamily="34" charset="0"/>
+                <a:cs typeface="Arial" panose="020B0604020202020204" pitchFamily="34" charset="0"/>
+              </a:rPr>
+              <a:t>2</a:t>
+            </a:r>
+            <a:r>
+              <a:rPr lang="ru-RU" i="1" dirty="0" smtClean="0">
+                <a:latin typeface="Arial" panose="020B0604020202020204" pitchFamily="34" charset="0"/>
+                <a:cs typeface="Arial" panose="020B0604020202020204" pitchFamily="34" charset="0"/>
+              </a:rPr>
+              <a:t>:0</a:t>
+            </a:r>
+            <a:r>
+              <a:rPr lang="ru-RU" i="1" dirty="0">
+                <a:latin typeface="Arial" panose="020B0604020202020204" pitchFamily="34" charset="0"/>
+                <a:cs typeface="Arial" panose="020B0604020202020204" pitchFamily="34" charset="0"/>
+              </a:rPr>
+              <a:t>→1, 1→1,</a:t>
+            </a:r>
+          </a:p>
+          <a:p>
+            <a:pPr marL="0" indent="0" algn="ctr">
+              <a:buNone/>
+            </a:pPr>
+            <a:r>
+              <a:rPr lang="ru-RU" i="1" dirty="0">
+                <a:latin typeface="Arial" panose="020B0604020202020204" pitchFamily="34" charset="0"/>
+                <a:cs typeface="Arial" panose="020B0604020202020204" pitchFamily="34" charset="0"/>
+              </a:rPr>
+              <a:t>f</a:t>
+            </a:r>
+            <a:r>
+              <a:rPr lang="ru-RU" i="1" baseline="-25000" dirty="0">
+                <a:latin typeface="Arial" panose="020B0604020202020204" pitchFamily="34" charset="0"/>
+                <a:cs typeface="Arial" panose="020B0604020202020204" pitchFamily="34" charset="0"/>
+              </a:rPr>
+              <a:t>3</a:t>
+            </a:r>
+            <a:r>
+              <a:rPr lang="ru-RU" i="1" dirty="0">
+                <a:latin typeface="Arial" panose="020B0604020202020204" pitchFamily="34" charset="0"/>
+                <a:cs typeface="Arial" panose="020B0604020202020204" pitchFamily="34" charset="0"/>
+              </a:rPr>
+              <a:t>:0→0, 1→1</a:t>
+            </a:r>
+            <a:r>
+              <a:rPr lang="ru-RU" i="1" dirty="0" smtClean="0">
+                <a:latin typeface="Arial" panose="020B0604020202020204" pitchFamily="34" charset="0"/>
+                <a:cs typeface="Arial" panose="020B0604020202020204" pitchFamily="34" charset="0"/>
+              </a:rPr>
+              <a:t>,</a:t>
+            </a:r>
+          </a:p>
+          <a:p>
+            <a:pPr marL="0" indent="0" algn="ctr">
+              <a:buNone/>
+            </a:pPr>
+            <a:r>
+              <a:rPr lang="ru-RU" i="1" dirty="0" smtClean="0">
+                <a:latin typeface="Arial" panose="020B0604020202020204" pitchFamily="34" charset="0"/>
+                <a:cs typeface="Arial" panose="020B0604020202020204" pitchFamily="34" charset="0"/>
+              </a:rPr>
+              <a:t>f</a:t>
+            </a:r>
+            <a:r>
+              <a:rPr lang="ru-RU" i="1" baseline="-25000" dirty="0" smtClean="0">
+                <a:latin typeface="Arial" panose="020B0604020202020204" pitchFamily="34" charset="0"/>
+                <a:cs typeface="Arial" panose="020B0604020202020204" pitchFamily="34" charset="0"/>
+              </a:rPr>
+              <a:t>4</a:t>
+            </a:r>
+            <a:r>
+              <a:rPr lang="ru-RU" i="1" dirty="0" smtClean="0">
+                <a:latin typeface="Arial" panose="020B0604020202020204" pitchFamily="34" charset="0"/>
+                <a:cs typeface="Arial" panose="020B0604020202020204" pitchFamily="34" charset="0"/>
+              </a:rPr>
+              <a:t>:0</a:t>
+            </a:r>
+            <a:r>
+              <a:rPr lang="ru-RU" i="1" dirty="0">
+                <a:latin typeface="Arial" panose="020B0604020202020204" pitchFamily="34" charset="0"/>
+                <a:cs typeface="Arial" panose="020B0604020202020204" pitchFamily="34" charset="0"/>
+              </a:rPr>
+              <a:t>→1, 1→0</a:t>
+            </a:r>
+            <a:r>
+              <a:rPr lang="ru-RU" i="1" dirty="0" smtClean="0">
+                <a:latin typeface="Arial" panose="020B0604020202020204" pitchFamily="34" charset="0"/>
+                <a:cs typeface="Arial" panose="020B0604020202020204" pitchFamily="34" charset="0"/>
+              </a:rPr>
+              <a:t>.</a:t>
+            </a:r>
+          </a:p>
+          <a:p>
+            <a:pPr marL="0" indent="0">
+              <a:buNone/>
+            </a:pPr>
+            <a:r>
+              <a:rPr lang="ru-RU" dirty="0" smtClean="0"/>
+              <a:t>Их </a:t>
+            </a:r>
+            <a:r>
+              <a:rPr lang="ru-RU" dirty="0"/>
+              <a:t>можно разделить на две категории: константные и сбалансированные</a:t>
+            </a:r>
+            <a:r>
+              <a:rPr lang="ru-RU" dirty="0" smtClean="0"/>
+              <a:t>.</a:t>
+            </a:r>
+            <a:r>
+              <a:rPr lang="ru-RU" dirty="0"/>
+              <a:t> </a:t>
+            </a:r>
+            <a:endParaRPr lang="ru-RU" dirty="0" smtClean="0"/>
+          </a:p>
+          <a:p>
+            <a:pPr marL="0" indent="0">
+              <a:buNone/>
+            </a:pPr>
+            <a:r>
+              <a:rPr lang="ru-RU" dirty="0" smtClean="0"/>
+              <a:t>Задача: определить </a:t>
+            </a:r>
+            <a:r>
+              <a:rPr lang="ru-RU" dirty="0"/>
+              <a:t>к какой из этих двух категорий относится функция в черном ящике.</a:t>
+            </a:r>
+            <a:endParaRPr lang="ru-RU" i="1" dirty="0" smtClean="0">
               <a:latin typeface="Arial" panose="020B0604020202020204" pitchFamily="34" charset="0"/>
               <a:cs typeface="Arial" panose="020B0604020202020204" pitchFamily="34" charset="0"/>
             </a:endParaRPr>
-          </a:p>
-          <a:p>
-            <a:pPr marL="0" indent="0" algn="ctr">
-              <a:buNone/>
-            </a:pPr>
-            <a:r>
-              <a:rPr lang="ru-RU" i="1" dirty="0">
-                <a:latin typeface="Arial" panose="020B0604020202020204" pitchFamily="34" charset="0"/>
-                <a:cs typeface="Arial" panose="020B0604020202020204" pitchFamily="34" charset="0"/>
-              </a:rPr>
-              <a:t>f</a:t>
-            </a:r>
-            <a:r>
-              <a:rPr lang="ru-RU" i="1" baseline="-25000" dirty="0">
-                <a:latin typeface="Arial" panose="020B0604020202020204" pitchFamily="34" charset="0"/>
-                <a:cs typeface="Arial" panose="020B0604020202020204" pitchFamily="34" charset="0"/>
-              </a:rPr>
-              <a:t>1</a:t>
-            </a:r>
-            <a:r>
-              <a:rPr lang="ru-RU" i="1" dirty="0">
-                <a:latin typeface="Arial" panose="020B0604020202020204" pitchFamily="34" charset="0"/>
-                <a:cs typeface="Arial" panose="020B0604020202020204" pitchFamily="34" charset="0"/>
-              </a:rPr>
-              <a:t>:0→0, 1→0</a:t>
-            </a:r>
-            <a:r>
-              <a:rPr lang="ru-RU" i="1" dirty="0" smtClean="0">
-                <a:latin typeface="Arial" panose="020B0604020202020204" pitchFamily="34" charset="0"/>
-                <a:cs typeface="Arial" panose="020B0604020202020204" pitchFamily="34" charset="0"/>
-              </a:rPr>
-              <a:t>,</a:t>
-            </a:r>
-          </a:p>
-          <a:p>
-            <a:pPr marL="0" indent="0" algn="ctr">
-              <a:buNone/>
-            </a:pPr>
-            <a:r>
-              <a:rPr lang="ru-RU" i="1" dirty="0" smtClean="0">
-                <a:latin typeface="Arial" panose="020B0604020202020204" pitchFamily="34" charset="0"/>
-                <a:cs typeface="Arial" panose="020B0604020202020204" pitchFamily="34" charset="0"/>
-              </a:rPr>
-              <a:t>f</a:t>
-            </a:r>
-            <a:r>
-              <a:rPr lang="ru-RU" i="1" baseline="-25000" dirty="0" smtClean="0">
-                <a:latin typeface="Arial" panose="020B0604020202020204" pitchFamily="34" charset="0"/>
-                <a:cs typeface="Arial" panose="020B0604020202020204" pitchFamily="34" charset="0"/>
-              </a:rPr>
-              <a:t>2</a:t>
-            </a:r>
-            <a:r>
-              <a:rPr lang="ru-RU" i="1" dirty="0" smtClean="0">
-                <a:latin typeface="Arial" panose="020B0604020202020204" pitchFamily="34" charset="0"/>
-                <a:cs typeface="Arial" panose="020B0604020202020204" pitchFamily="34" charset="0"/>
-              </a:rPr>
-              <a:t>:0</a:t>
-            </a:r>
-            <a:r>
-              <a:rPr lang="ru-RU" i="1" dirty="0">
-                <a:latin typeface="Arial" panose="020B0604020202020204" pitchFamily="34" charset="0"/>
-                <a:cs typeface="Arial" panose="020B0604020202020204" pitchFamily="34" charset="0"/>
-              </a:rPr>
-              <a:t>→1, 1→1,</a:t>
-            </a:r>
-          </a:p>
-          <a:p>
-            <a:pPr marL="0" indent="0" algn="ctr">
-              <a:buNone/>
-            </a:pPr>
-            <a:r>
-              <a:rPr lang="ru-RU" i="1" dirty="0">
-                <a:latin typeface="Arial" panose="020B0604020202020204" pitchFamily="34" charset="0"/>
-                <a:cs typeface="Arial" panose="020B0604020202020204" pitchFamily="34" charset="0"/>
-              </a:rPr>
-              <a:t>f</a:t>
-            </a:r>
-            <a:r>
-              <a:rPr lang="ru-RU" i="1" baseline="-25000" dirty="0">
-                <a:latin typeface="Arial" panose="020B0604020202020204" pitchFamily="34" charset="0"/>
-                <a:cs typeface="Arial" panose="020B0604020202020204" pitchFamily="34" charset="0"/>
-              </a:rPr>
-              <a:t>3</a:t>
-            </a:r>
-            <a:r>
-              <a:rPr lang="ru-RU" i="1" dirty="0">
-                <a:latin typeface="Arial" panose="020B0604020202020204" pitchFamily="34" charset="0"/>
-                <a:cs typeface="Arial" panose="020B0604020202020204" pitchFamily="34" charset="0"/>
-              </a:rPr>
-              <a:t>:0→0, 1→1</a:t>
-            </a:r>
-            <a:r>
-              <a:rPr lang="ru-RU" i="1" dirty="0" smtClean="0">
-                <a:latin typeface="Arial" panose="020B0604020202020204" pitchFamily="34" charset="0"/>
-                <a:cs typeface="Arial" panose="020B0604020202020204" pitchFamily="34" charset="0"/>
-              </a:rPr>
-              <a:t>,</a:t>
-            </a:r>
-          </a:p>
-          <a:p>
-            <a:pPr marL="0" indent="0" algn="ctr">
-              <a:buNone/>
-            </a:pPr>
-            <a:r>
-              <a:rPr lang="ru-RU" i="1" dirty="0" smtClean="0">
-                <a:latin typeface="Arial" panose="020B0604020202020204" pitchFamily="34" charset="0"/>
-                <a:cs typeface="Arial" panose="020B0604020202020204" pitchFamily="34" charset="0"/>
-              </a:rPr>
-              <a:t>f</a:t>
-            </a:r>
-            <a:r>
-              <a:rPr lang="ru-RU" i="1" baseline="-25000" dirty="0" smtClean="0">
-                <a:latin typeface="Arial" panose="020B0604020202020204" pitchFamily="34" charset="0"/>
-                <a:cs typeface="Arial" panose="020B0604020202020204" pitchFamily="34" charset="0"/>
-              </a:rPr>
-              <a:t>4</a:t>
-            </a:r>
-            <a:r>
-              <a:rPr lang="ru-RU" i="1" dirty="0" smtClean="0">
-                <a:latin typeface="Arial" panose="020B0604020202020204" pitchFamily="34" charset="0"/>
-                <a:cs typeface="Arial" panose="020B0604020202020204" pitchFamily="34" charset="0"/>
-              </a:rPr>
-              <a:t>:0</a:t>
-            </a:r>
-            <a:r>
-              <a:rPr lang="ru-RU" i="1" dirty="0">
-                <a:latin typeface="Arial" panose="020B0604020202020204" pitchFamily="34" charset="0"/>
-                <a:cs typeface="Arial" panose="020B0604020202020204" pitchFamily="34" charset="0"/>
-              </a:rPr>
-              <a:t>→1, 1→0</a:t>
-            </a:r>
-            <a:r>
-              <a:rPr lang="ru-RU" i="1" dirty="0" smtClean="0">
-                <a:latin typeface="Arial" panose="020B0604020202020204" pitchFamily="34" charset="0"/>
-                <a:cs typeface="Arial" panose="020B0604020202020204" pitchFamily="34" charset="0"/>
-              </a:rPr>
-              <a:t>.</a:t>
-            </a:r>
           </a:p>
           <a:p>
             <a:pPr marL="0" indent="0">
@@ -4409,7 +4617,7 @@
 </file>
 
 <file path=ppt/slides/slide12.xml><?xml version="1.0" encoding="utf-8"?>
-<p:sld xmlns:a="http://schemas.openxmlformats.org/drawingml/2006/main" xmlns:r="http://schemas.openxmlformats.org/officeDocument/2006/relationships" xmlns:p="http://schemas.openxmlformats.org/presentationml/2006/main">
+<p:sld xmlns:a="http://schemas.openxmlformats.org/drawingml/2006/main" xmlns:r="http://schemas.openxmlformats.org/officeDocument/2006/relationships" xmlns:p="http://schemas.openxmlformats.org/presentationml/2006/main" show="0">
   <p:cSld>
     <p:spTree>
       <p:nvGrpSpPr>
@@ -4531,6 +4739,14 @@
   <p:clrMapOvr>
     <a:masterClrMapping/>
   </p:clrMapOvr>
+  <mc:AlternateContent xmlns:mc="http://schemas.openxmlformats.org/markup-compatibility/2006" xmlns:p14="http://schemas.microsoft.com/office/powerpoint/2010/main">
+    <mc:Choice Requires="p14">
+      <p:transition spd="slow" p14:dur="2000"/>
+    </mc:Choice>
+    <mc:Fallback xmlns="">
+      <p:transition spd="slow"/>
+    </mc:Fallback>
+  </mc:AlternateContent>
 </p:sld>
 </file>
 
@@ -4820,8 +5036,8 @@
         </p:nvSpPr>
         <p:spPr>
           <a:xfrm>
-            <a:off x="838200" y="1825625"/>
-            <a:ext cx="10889512" cy="1895770"/>
+            <a:off x="838200" y="1825624"/>
+            <a:ext cx="10889512" cy="3965575"/>
           </a:xfrm>
         </p:spPr>
         <p:txBody>
@@ -4836,14 +5052,7 @@
                 <a:latin typeface="Arial" panose="020B0604020202020204" pitchFamily="34" charset="0"/>
                 <a:cs typeface="Arial" panose="020B0604020202020204" pitchFamily="34" charset="0"/>
               </a:rPr>
-              <a:t>Имеем экспоненциальный </a:t>
-            </a:r>
-            <a:r>
-              <a:rPr lang="ru-RU" dirty="0" smtClean="0">
-                <a:latin typeface="Arial" panose="020B0604020202020204" pitchFamily="34" charset="0"/>
-                <a:cs typeface="Arial" panose="020B0604020202020204" pitchFamily="34" charset="0"/>
-              </a:rPr>
-              <a:t>рост производительности при линейном росте количества </a:t>
+              <a:t>Имеем экспоненциальный рост производительности при линейном росте количества </a:t>
             </a:r>
             <a:r>
               <a:rPr lang="ru-RU" dirty="0" err="1" smtClean="0">
@@ -4884,7 +5093,92 @@
                 <a:latin typeface="Arial" panose="020B0604020202020204" pitchFamily="34" charset="0"/>
                 <a:cs typeface="Arial" panose="020B0604020202020204" pitchFamily="34" charset="0"/>
               </a:rPr>
-              <a:t> состояния требуется 4 комплексных числа.</a:t>
+              <a:t> состояния требуется 4 комплексных числа</a:t>
+            </a:r>
+            <a:r>
+              <a:rPr lang="en-US" dirty="0">
+                <a:latin typeface="Arial" panose="020B0604020202020204" pitchFamily="34" charset="0"/>
+                <a:cs typeface="Arial" panose="020B0604020202020204" pitchFamily="34" charset="0"/>
+              </a:rPr>
+              <a:t>:</a:t>
+            </a:r>
+            <a:endParaRPr lang="en-US" dirty="0" smtClean="0">
+              <a:latin typeface="Arial" panose="020B0604020202020204" pitchFamily="34" charset="0"/>
+              <a:cs typeface="Arial" panose="020B0604020202020204" pitchFamily="34" charset="0"/>
+            </a:endParaRPr>
+          </a:p>
+          <a:p>
+            <a:pPr marL="0" indent="0">
+              <a:buNone/>
+            </a:pPr>
+            <a:endParaRPr lang="en-US" dirty="0">
+              <a:latin typeface="Arial" panose="020B0604020202020204" pitchFamily="34" charset="0"/>
+              <a:cs typeface="Arial" panose="020B0604020202020204" pitchFamily="34" charset="0"/>
+            </a:endParaRPr>
+          </a:p>
+          <a:p>
+            <a:pPr marL="0" indent="0">
+              <a:buNone/>
+            </a:pPr>
+            <a:endParaRPr lang="en-US" dirty="0" smtClean="0">
+              <a:latin typeface="Arial" panose="020B0604020202020204" pitchFamily="34" charset="0"/>
+              <a:cs typeface="Arial" panose="020B0604020202020204" pitchFamily="34" charset="0"/>
+            </a:endParaRPr>
+          </a:p>
+          <a:p>
+            <a:pPr marL="0" indent="0">
+              <a:buNone/>
+            </a:pPr>
+            <a:endParaRPr lang="en-US" dirty="0">
+              <a:latin typeface="Arial" panose="020B0604020202020204" pitchFamily="34" charset="0"/>
+              <a:cs typeface="Arial" panose="020B0604020202020204" pitchFamily="34" charset="0"/>
+            </a:endParaRPr>
+          </a:p>
+          <a:p>
+            <a:pPr marL="0" indent="0">
+              <a:buNone/>
+            </a:pPr>
+            <a:r>
+              <a:rPr lang="ru-RU" dirty="0" smtClean="0">
+                <a:latin typeface="Arial" panose="020B0604020202020204" pitchFamily="34" charset="0"/>
+                <a:cs typeface="Arial" panose="020B0604020202020204" pitchFamily="34" charset="0"/>
+              </a:rPr>
+              <a:t>а для </a:t>
+            </a:r>
+            <a:r>
+              <a:rPr lang="en-US" dirty="0" smtClean="0">
+                <a:latin typeface="Arial" panose="020B0604020202020204" pitchFamily="34" charset="0"/>
+                <a:cs typeface="Arial" panose="020B0604020202020204" pitchFamily="34" charset="0"/>
+              </a:rPr>
+              <a:t>N-</a:t>
+            </a:r>
+            <a:r>
+              <a:rPr lang="ru-RU" dirty="0" err="1" smtClean="0">
+                <a:latin typeface="Arial" panose="020B0604020202020204" pitchFamily="34" charset="0"/>
+                <a:cs typeface="Arial" panose="020B0604020202020204" pitchFamily="34" charset="0"/>
+              </a:rPr>
+              <a:t>кубитного</a:t>
+            </a:r>
+            <a:r>
+              <a:rPr lang="ru-RU" dirty="0" smtClean="0">
+                <a:latin typeface="Arial" panose="020B0604020202020204" pitchFamily="34" charset="0"/>
+                <a:cs typeface="Arial" panose="020B0604020202020204" pitchFamily="34" charset="0"/>
+              </a:rPr>
+              <a:t> </a:t>
+            </a:r>
+            <a:r>
+              <a:rPr lang="en-US" dirty="0" smtClean="0">
+                <a:latin typeface="Arial" panose="020B0604020202020204" pitchFamily="34" charset="0"/>
+                <a:cs typeface="Arial" panose="020B0604020202020204" pitchFamily="34" charset="0"/>
+              </a:rPr>
+              <a:t>2^N </a:t>
+            </a:r>
+            <a:r>
+              <a:rPr lang="ru-RU" dirty="0" smtClean="0">
+                <a:latin typeface="Arial" panose="020B0604020202020204" pitchFamily="34" charset="0"/>
+                <a:cs typeface="Arial" panose="020B0604020202020204" pitchFamily="34" charset="0"/>
+              </a:rPr>
+              <a:t>чисел.</a:t>
             </a:r>
             <a:endParaRPr lang="ru-RU" dirty="0">
               <a:latin typeface="Arial" panose="020B0604020202020204" pitchFamily="34" charset="0"/>
@@ -5021,8 +5315,8 @@
           </a:p>
         </p:txBody>
       </p:sp>
-      <mc:AlternateContent xmlns:mc="http://schemas.openxmlformats.org/markup-compatibility/2006">
-        <mc:Choice xmlns:a14="http://schemas.microsoft.com/office/drawing/2010/main" Requires="a14">
+      <mc:AlternateContent xmlns:mc="http://schemas.openxmlformats.org/markup-compatibility/2006" xmlns:a14="http://schemas.microsoft.com/office/drawing/2010/main">
+        <mc:Choice Requires="a14">
           <p:sp>
             <p:nvSpPr>
               <p:cNvPr id="3" name="Объект 2"/>
@@ -5183,7 +5477,7 @@
                     <m:sSup>
                       <m:sSupPr>
                         <m:ctrlPr>
-                          <a:rPr lang="ru-RU" dirty="0" smtClean="0">
+                          <a:rPr lang="ru-RU" i="1" dirty="0" smtClean="0">
                             <a:latin typeface="Cambria Math" panose="02040503050406030204" pitchFamily="18" charset="0"/>
                           </a:rPr>
                         </m:ctrlPr>
@@ -5348,7 +5642,7 @@
             </p:txBody>
           </p:sp>
         </mc:Choice>
-        <mc:Fallback>
+        <mc:Fallback xmlns="">
           <p:sp>
             <p:nvSpPr>
               <p:cNvPr id="3" name="Объект 2"/>
@@ -5714,13 +6008,6 @@
               </a:rPr>
               <a:t>Квантовый алгоритм для </a:t>
             </a:r>
-            <a:r>
-              <a:rPr lang="ru-RU" sz="4000" dirty="0" smtClean="0">
-                <a:latin typeface="Arial" panose="020B0604020202020204" pitchFamily="34" charset="0"/>
-                <a:cs typeface="Arial" panose="020B0604020202020204" pitchFamily="34" charset="0"/>
-              </a:rPr>
-              <a:t/>
-            </a:r>
             <a:br>
               <a:rPr lang="ru-RU" sz="4000" dirty="0" smtClean="0">
                 <a:latin typeface="Arial" panose="020B0604020202020204" pitchFamily="34" charset="0"/>
@@ -5732,14 +6019,7 @@
                 <a:latin typeface="Arial" panose="020B0604020202020204" pitchFamily="34" charset="0"/>
                 <a:cs typeface="Arial" panose="020B0604020202020204" pitchFamily="34" charset="0"/>
               </a:rPr>
-              <a:t>систем </a:t>
-            </a:r>
-            <a:r>
-              <a:rPr lang="ru-RU" sz="4000" dirty="0" smtClean="0">
-                <a:latin typeface="Arial" panose="020B0604020202020204" pitchFamily="34" charset="0"/>
-                <a:cs typeface="Arial" panose="020B0604020202020204" pitchFamily="34" charset="0"/>
-              </a:rPr>
-              <a:t>линейных равенств</a:t>
+              <a:t>систем линейных равенств</a:t>
             </a:r>
             <a:endParaRPr lang="ru-RU" sz="4000" dirty="0">
               <a:latin typeface="Arial" panose="020B0604020202020204" pitchFamily="34" charset="0"/>
@@ -5783,8 +6063,8 @@
           </a:p>
         </p:txBody>
       </p:sp>
-      <mc:AlternateContent xmlns:mc="http://schemas.openxmlformats.org/markup-compatibility/2006">
-        <mc:Choice xmlns:a14="http://schemas.microsoft.com/office/drawing/2010/main" Requires="a14">
+      <mc:AlternateContent xmlns:mc="http://schemas.openxmlformats.org/markup-compatibility/2006" xmlns:a14="http://schemas.microsoft.com/office/drawing/2010/main">
+        <mc:Choice Requires="a14">
           <p:sp>
             <p:nvSpPr>
               <p:cNvPr id="5" name="Объект 4"/>
@@ -5904,7 +6184,7 @@
             </p:txBody>
           </p:sp>
         </mc:Choice>
-        <mc:Fallback>
+        <mc:Fallback xmlns="">
           <p:sp>
             <p:nvSpPr>
               <p:cNvPr id="5" name="Объект 4"/>
@@ -5974,8 +6254,8 @@
           </a:p>
         </p:txBody>
       </p:sp>
-      <mc:AlternateContent xmlns:mc="http://schemas.openxmlformats.org/markup-compatibility/2006">
-        <mc:Choice xmlns:a14="http://schemas.microsoft.com/office/drawing/2010/main" Requires="a14">
+      <mc:AlternateContent xmlns:mc="http://schemas.openxmlformats.org/markup-compatibility/2006" xmlns:a14="http://schemas.microsoft.com/office/drawing/2010/main">
+        <mc:Choice Requires="a14">
           <p:sp>
             <p:nvSpPr>
               <p:cNvPr id="7" name="Объект 6"/>
@@ -6369,7 +6649,7 @@
             </p:txBody>
           </p:sp>
         </mc:Choice>
-        <mc:Fallback>
+        <mc:Fallback xmlns="">
           <p:sp>
             <p:nvSpPr>
               <p:cNvPr id="7" name="Объект 6"/>
@@ -6493,8 +6773,8 @@
           </a:p>
         </p:txBody>
       </p:sp>
-      <mc:AlternateContent xmlns:mc="http://schemas.openxmlformats.org/markup-compatibility/2006">
-        <mc:Choice xmlns:a14="http://schemas.microsoft.com/office/drawing/2010/main" Requires="a14">
+      <mc:AlternateContent xmlns:mc="http://schemas.openxmlformats.org/markup-compatibility/2006" xmlns:a14="http://schemas.microsoft.com/office/drawing/2010/main">
+        <mc:Choice Requires="a14">
           <p:graphicFrame>
             <p:nvGraphicFramePr>
               <p:cNvPr id="9" name="Объект 8"/>
@@ -6537,21 +6817,7 @@
                               <a:latin typeface="Arial" panose="020B0604020202020204" pitchFamily="34" charset="0"/>
                               <a:cs typeface="Arial" panose="020B0604020202020204" pitchFamily="34" charset="0"/>
                             </a:rPr>
-                            <a:t>Сбалансированность </a:t>
-                          </a:r>
-                          <a:r>
-                            <a:rPr lang="ru-RU" b="0" dirty="0" smtClean="0">
-                              <a:latin typeface="Arial" panose="020B0604020202020204" pitchFamily="34" charset="0"/>
-                              <a:cs typeface="Arial" panose="020B0604020202020204" pitchFamily="34" charset="0"/>
-                            </a:rPr>
-                            <a:t>функции (</a:t>
-                          </a:r>
-                          <a:r>
-                            <a:rPr lang="ru-RU" b="0" dirty="0" smtClean="0">
-                              <a:latin typeface="Arial" panose="020B0604020202020204" pitchFamily="34" charset="0"/>
-                              <a:cs typeface="Arial" panose="020B0604020202020204" pitchFamily="34" charset="0"/>
-                            </a:rPr>
-                            <a:t>детерминированный)</a:t>
+                            <a:t>Сбалансированность функции (детерминированный)</a:t>
                           </a:r>
                           <a:endParaRPr lang="ru-RU" b="0" dirty="0">
                             <a:latin typeface="Arial" panose="020B0604020202020204" pitchFamily="34" charset="0"/>
@@ -6650,21 +6916,7 @@
                               <a:latin typeface="Arial" panose="020B0604020202020204" pitchFamily="34" charset="0"/>
                               <a:cs typeface="Arial" panose="020B0604020202020204" pitchFamily="34" charset="0"/>
                             </a:rPr>
-                            <a:t>Сбалансированность </a:t>
-                          </a:r>
-                          <a:r>
-                            <a:rPr lang="ru-RU" dirty="0" smtClean="0">
-                              <a:latin typeface="Arial" panose="020B0604020202020204" pitchFamily="34" charset="0"/>
-                              <a:cs typeface="Arial" panose="020B0604020202020204" pitchFamily="34" charset="0"/>
-                            </a:rPr>
-                            <a:t>функции (вероятностный</a:t>
-                          </a:r>
-                          <a:r>
-                            <a:rPr lang="ru-RU" dirty="0" smtClean="0">
-                              <a:latin typeface="Arial" panose="020B0604020202020204" pitchFamily="34" charset="0"/>
-                              <a:cs typeface="Arial" panose="020B0604020202020204" pitchFamily="34" charset="0"/>
-                            </a:rPr>
-                            <a:t>)</a:t>
+                            <a:t>Сбалансированность функции (вероятностный)</a:t>
                           </a:r>
                           <a:endParaRPr lang="ru-RU" dirty="0">
                             <a:latin typeface="Arial" panose="020B0604020202020204" pitchFamily="34" charset="0"/>
@@ -6756,13 +7008,6 @@
                             </a:rPr>
                             <a:t> 99,9 при </a:t>
                           </a:r>
-                          <a:r>
-                            <a:rPr lang="ru-RU" baseline="0" dirty="0" smtClean="0">
-                              <a:latin typeface="Arial" panose="020B0604020202020204" pitchFamily="34" charset="0"/>
-                              <a:cs typeface="Arial" panose="020B0604020202020204" pitchFamily="34" charset="0"/>
-                            </a:rPr>
-                            <a:t/>
-                          </a:r>
                           <a:br>
                             <a:rPr lang="ru-RU" baseline="0" dirty="0" smtClean="0">
                               <a:latin typeface="Arial" panose="020B0604020202020204" pitchFamily="34" charset="0"/>
@@ -6774,14 +7019,7 @@
                               <a:latin typeface="Arial" panose="020B0604020202020204" pitchFamily="34" charset="0"/>
                               <a:cs typeface="Arial" panose="020B0604020202020204" pitchFamily="34" charset="0"/>
                             </a:rPr>
-                            <a:t>14 </a:t>
-                          </a:r>
-                          <a:r>
-                            <a:rPr lang="ru-RU" baseline="0" dirty="0" smtClean="0">
-                              <a:latin typeface="Arial" panose="020B0604020202020204" pitchFamily="34" charset="0"/>
-                              <a:cs typeface="Arial" panose="020B0604020202020204" pitchFamily="34" charset="0"/>
-                            </a:rPr>
-                            <a:t>вызовах</a:t>
+                            <a:t>14 вызовах</a:t>
                           </a:r>
                           <a:endParaRPr lang="ru-RU" dirty="0">
                             <a:latin typeface="Arial" panose="020B0604020202020204" pitchFamily="34" charset="0"/>
@@ -7671,7 +7909,7 @@
             </a:graphic>
           </p:graphicFrame>
         </mc:Choice>
-        <mc:Fallback>
+        <mc:Fallback xmlns="">
           <p:graphicFrame>
             <p:nvGraphicFramePr>
               <p:cNvPr id="9" name="Объект 8"/>
@@ -8431,7 +8669,7 @@
                 <a:latin typeface="Arial" panose="020B0604020202020204" pitchFamily="34" charset="0"/>
                 <a:cs typeface="Arial" panose="020B0604020202020204" pitchFamily="34" charset="0"/>
               </a:rPr>
-              <a:t>изучены основы квантовых вычислений и технологий;</a:t>
+              <a:t>Изучены основы квантовых вычислений и технологий;</a:t>
             </a:r>
           </a:p>
           <a:p>
@@ -8499,21 +8737,7 @@
                 <a:latin typeface="Arial" panose="020B0604020202020204" pitchFamily="34" charset="0"/>
                 <a:cs typeface="Arial" panose="020B0604020202020204" pitchFamily="34" charset="0"/>
               </a:rPr>
-              <a:t>реализованы </a:t>
-            </a:r>
-            <a:r>
-              <a:rPr lang="ru-RU" dirty="0" smtClean="0">
-                <a:latin typeface="Arial" panose="020B0604020202020204" pitchFamily="34" charset="0"/>
-                <a:cs typeface="Arial" panose="020B0604020202020204" pitchFamily="34" charset="0"/>
-              </a:rPr>
-              <a:t>квантовые алгоритмы на эмуляторе квантового </a:t>
-            </a:r>
-            <a:r>
-              <a:rPr lang="ru-RU" dirty="0" smtClean="0">
-                <a:latin typeface="Arial" panose="020B0604020202020204" pitchFamily="34" charset="0"/>
-                <a:cs typeface="Arial" panose="020B0604020202020204" pitchFamily="34" charset="0"/>
-              </a:rPr>
-              <a:t>компьютера с помощью пакета </a:t>
+              <a:t>реализованы квантовые алгоритмы на эмуляторе квантового компьютера с помощью пакета </a:t>
             </a:r>
             <a:r>
               <a:rPr lang="en-US" dirty="0">
@@ -9025,7 +9249,7 @@
               <a:rPr lang="ru-RU" smtClean="0"/>
               <a:t>2</a:t>
             </a:fld>
-            <a:endParaRPr lang="ru-RU"/>
+            <a:endParaRPr lang="ru-RU" dirty="0"/>
           </a:p>
         </p:txBody>
       </p:sp>
@@ -9039,11 +9263,11 @@
   <p:clrMapOvr>
     <a:masterClrMapping/>
   </p:clrMapOvr>
-  <mc:AlternateContent xmlns:mc="http://schemas.openxmlformats.org/markup-compatibility/2006">
-    <mc:Choice xmlns:p14="http://schemas.microsoft.com/office/powerpoint/2010/main" Requires="p14">
+  <mc:AlternateContent xmlns:mc="http://schemas.openxmlformats.org/markup-compatibility/2006" xmlns:p14="http://schemas.microsoft.com/office/powerpoint/2010/main">
+    <mc:Choice Requires="p14">
       <p:transition spd="slow" p14:dur="2000"/>
     </mc:Choice>
-    <mc:Fallback>
+    <mc:Fallback xmlns="">
       <p:transition spd="slow"/>
     </mc:Fallback>
   </mc:AlternateContent>
@@ -9317,11 +9541,11 @@
   <p:clrMapOvr>
     <a:masterClrMapping/>
   </p:clrMapOvr>
-  <mc:AlternateContent xmlns:mc="http://schemas.openxmlformats.org/markup-compatibility/2006">
-    <mc:Choice xmlns:p14="http://schemas.microsoft.com/office/powerpoint/2010/main" Requires="p14">
+  <mc:AlternateContent xmlns:mc="http://schemas.openxmlformats.org/markup-compatibility/2006" xmlns:p14="http://schemas.microsoft.com/office/powerpoint/2010/main">
+    <mc:Choice Requires="p14">
       <p:transition spd="slow" p14:dur="2000"/>
     </mc:Choice>
-    <mc:Fallback>
+    <mc:Fallback xmlns="">
       <p:transition spd="slow"/>
     </mc:Fallback>
   </mc:AlternateContent>
@@ -9449,11 +9673,11 @@
   <p:clrMapOvr>
     <a:masterClrMapping/>
   </p:clrMapOvr>
-  <mc:AlternateContent xmlns:mc="http://schemas.openxmlformats.org/markup-compatibility/2006">
-    <mc:Choice xmlns:p14="http://schemas.microsoft.com/office/powerpoint/2010/main" Requires="p14">
+  <mc:AlternateContent xmlns:mc="http://schemas.openxmlformats.org/markup-compatibility/2006" xmlns:p14="http://schemas.microsoft.com/office/powerpoint/2010/main">
+    <mc:Choice Requires="p14">
       <p:transition spd="slow" p14:dur="2000"/>
     </mc:Choice>
-    <mc:Fallback>
+    <mc:Fallback xmlns="">
       <p:transition spd="slow"/>
     </mc:Fallback>
   </mc:AlternateContent>
@@ -9664,14 +9888,7 @@
                 <a:latin typeface="Arial" panose="020B0604020202020204" pitchFamily="34" charset="0"/>
                 <a:cs typeface="Arial" panose="020B0604020202020204" pitchFamily="34" charset="0"/>
               </a:rPr>
-              <a:t>природа</a:t>
-            </a:r>
-            <a:r>
-              <a:rPr lang="en-US" dirty="0" smtClean="0">
-                <a:latin typeface="Arial" panose="020B0604020202020204" pitchFamily="34" charset="0"/>
-                <a:cs typeface="Arial" panose="020B0604020202020204" pitchFamily="34" charset="0"/>
-              </a:rPr>
-              <a:t>;</a:t>
+              <a:t>природа.</a:t>
             </a:r>
             <a:endParaRPr lang="ru-RU" dirty="0">
               <a:latin typeface="Arial" panose="020B0604020202020204" pitchFamily="34" charset="0"/>
@@ -9997,11 +10214,11 @@
   <p:clrMapOvr>
     <a:masterClrMapping/>
   </p:clrMapOvr>
-  <mc:AlternateContent xmlns:mc="http://schemas.openxmlformats.org/markup-compatibility/2006">
-    <mc:Choice xmlns:p14="http://schemas.microsoft.com/office/powerpoint/2010/main" Requires="p14">
+  <mc:AlternateContent xmlns:mc="http://schemas.openxmlformats.org/markup-compatibility/2006" xmlns:p14="http://schemas.microsoft.com/office/powerpoint/2010/main">
+    <mc:Choice Requires="p14">
       <p:transition spd="slow" p14:dur="2000"/>
     </mc:Choice>
-    <mc:Fallback>
+    <mc:Fallback xmlns="">
       <p:transition spd="slow"/>
     </mc:Fallback>
   </mc:AlternateContent>
@@ -10089,14 +10306,7 @@
                 <a:latin typeface="Arial" panose="020B0604020202020204" pitchFamily="34" charset="0"/>
                 <a:cs typeface="Arial" panose="020B0604020202020204" pitchFamily="34" charset="0"/>
               </a:rPr>
-              <a:t>Изучение </a:t>
-            </a:r>
-            <a:r>
-              <a:rPr lang="ru-RU" dirty="0" smtClean="0">
-                <a:latin typeface="Arial" panose="020B0604020202020204" pitchFamily="34" charset="0"/>
-                <a:cs typeface="Arial" panose="020B0604020202020204" pitchFamily="34" charset="0"/>
-              </a:rPr>
-              <a:t>основ квантовых вычислений и технологий;</a:t>
+              <a:t>Изучение основ квантовых вычислений и технологий;</a:t>
             </a:r>
           </a:p>
           <a:p>
@@ -10113,14 +10323,7 @@
                 <a:latin typeface="Arial" panose="020B0604020202020204" pitchFamily="34" charset="0"/>
                 <a:cs typeface="Arial" panose="020B0604020202020204" pitchFamily="34" charset="0"/>
               </a:rPr>
-              <a:t>анализ наиболее известных задач и алгоритмов в данной </a:t>
-            </a:r>
-            <a:r>
-              <a:rPr lang="ru-RU" dirty="0" smtClean="0">
-                <a:latin typeface="Arial" panose="020B0604020202020204" pitchFamily="34" charset="0"/>
-                <a:cs typeface="Arial" panose="020B0604020202020204" pitchFamily="34" charset="0"/>
-              </a:rPr>
-              <a:t>области</a:t>
+              <a:t>анализ наиболее известных задач и алгоритмов в данной области</a:t>
             </a:r>
             <a:r>
               <a:rPr lang="en-US" dirty="0" smtClean="0">
@@ -10179,14 +10382,7 @@
                 <a:latin typeface="Arial" panose="020B0604020202020204" pitchFamily="34" charset="0"/>
                 <a:cs typeface="Arial" panose="020B0604020202020204" pitchFamily="34" charset="0"/>
               </a:rPr>
-              <a:t>реализация классических и квантовых версий </a:t>
-            </a:r>
-            <a:r>
-              <a:rPr lang="ru-RU" dirty="0" smtClean="0">
-                <a:latin typeface="Arial" panose="020B0604020202020204" pitchFamily="34" charset="0"/>
-                <a:cs typeface="Arial" panose="020B0604020202020204" pitchFamily="34" charset="0"/>
-              </a:rPr>
-              <a:t>алгоритмов</a:t>
+              <a:t>реализация классических и квантовых версий алгоритмов</a:t>
             </a:r>
             <a:r>
               <a:rPr lang="en-US" dirty="0">
@@ -10339,6 +10535,60 @@
               </a:rPr>
               <a:t>функции.</a:t>
             </a:r>
+          </a:p>
+          <a:p>
+            <a:pPr lvl="0"/>
+            <a:r>
+              <a:rPr lang="ru-RU" dirty="0" smtClean="0">
+                <a:latin typeface="Arial" panose="020B0604020202020204" pitchFamily="34" charset="0"/>
+                <a:cs typeface="Arial" panose="020B0604020202020204" pitchFamily="34" charset="0"/>
+              </a:rPr>
+              <a:t>Алгоритм </a:t>
+            </a:r>
+            <a:r>
+              <a:rPr lang="ru-RU" dirty="0" err="1">
+                <a:latin typeface="Arial" panose="020B0604020202020204" pitchFamily="34" charset="0"/>
+                <a:cs typeface="Arial" panose="020B0604020202020204" pitchFamily="34" charset="0"/>
+              </a:rPr>
+              <a:t>Шора</a:t>
+            </a:r>
+            <a:r>
+              <a:rPr lang="ru-RU" dirty="0">
+                <a:latin typeface="Arial" panose="020B0604020202020204" pitchFamily="34" charset="0"/>
+                <a:cs typeface="Arial" panose="020B0604020202020204" pitchFamily="34" charset="0"/>
+              </a:rPr>
+              <a:t> для факторизации </a:t>
+            </a:r>
+            <a:r>
+              <a:rPr lang="ru-RU" dirty="0" smtClean="0">
+                <a:latin typeface="Arial" panose="020B0604020202020204" pitchFamily="34" charset="0"/>
+                <a:cs typeface="Arial" panose="020B0604020202020204" pitchFamily="34" charset="0"/>
+              </a:rPr>
+              <a:t>числа.</a:t>
+            </a:r>
+          </a:p>
+          <a:p>
+            <a:r>
+              <a:rPr lang="ru-RU" dirty="0">
+                <a:latin typeface="Arial" panose="020B0604020202020204" pitchFamily="34" charset="0"/>
+                <a:cs typeface="Arial" panose="020B0604020202020204" pitchFamily="34" charset="0"/>
+              </a:rPr>
+              <a:t>Алгоритм </a:t>
+            </a:r>
+            <a:r>
+              <a:rPr lang="ru-RU" dirty="0" err="1" smtClean="0">
+                <a:latin typeface="Arial" panose="020B0604020202020204" pitchFamily="34" charset="0"/>
+                <a:cs typeface="Arial" panose="020B0604020202020204" pitchFamily="34" charset="0"/>
+              </a:rPr>
+              <a:t>Гровера</a:t>
+            </a:r>
+            <a:r>
+              <a:rPr lang="ru-RU" dirty="0" smtClean="0">
+                <a:latin typeface="Arial" panose="020B0604020202020204" pitchFamily="34" charset="0"/>
+                <a:cs typeface="Arial" panose="020B0604020202020204" pitchFamily="34" charset="0"/>
+              </a:rPr>
+              <a:t> для поиска.</a:t>
+            </a:r>
             <a:endParaRPr lang="ru-RU" dirty="0">
               <a:latin typeface="Arial" panose="020B0604020202020204" pitchFamily="34" charset="0"/>
               <a:cs typeface="Arial" panose="020B0604020202020204" pitchFamily="34" charset="0"/>
@@ -10347,53 +10597,11 @@
           <a:p>
             <a:pPr lvl="0"/>
             <a:r>
-              <a:rPr lang="ru-RU" dirty="0">
-                <a:latin typeface="Arial" panose="020B0604020202020204" pitchFamily="34" charset="0"/>
-                <a:cs typeface="Arial" panose="020B0604020202020204" pitchFamily="34" charset="0"/>
-              </a:rPr>
-              <a:t>Алгоритм </a:t>
-            </a:r>
-            <a:r>
-              <a:rPr lang="ru-RU" dirty="0" err="1">
-                <a:latin typeface="Arial" panose="020B0604020202020204" pitchFamily="34" charset="0"/>
-                <a:cs typeface="Arial" panose="020B0604020202020204" pitchFamily="34" charset="0"/>
-              </a:rPr>
-              <a:t>Шора</a:t>
-            </a:r>
-            <a:r>
-              <a:rPr lang="ru-RU" dirty="0">
-                <a:latin typeface="Arial" panose="020B0604020202020204" pitchFamily="34" charset="0"/>
-                <a:cs typeface="Arial" panose="020B0604020202020204" pitchFamily="34" charset="0"/>
-              </a:rPr>
-              <a:t> для факторизации </a:t>
-            </a:r>
-            <a:r>
               <a:rPr lang="ru-RU" dirty="0" smtClean="0">
                 <a:latin typeface="Arial" panose="020B0604020202020204" pitchFamily="34" charset="0"/>
                 <a:cs typeface="Arial" panose="020B0604020202020204" pitchFamily="34" charset="0"/>
               </a:rPr>
-              <a:t>числа.</a:t>
-            </a:r>
-            <a:endParaRPr lang="ru-RU" dirty="0">
-              <a:latin typeface="Arial" panose="020B0604020202020204" pitchFamily="34" charset="0"/>
-              <a:cs typeface="Arial" panose="020B0604020202020204" pitchFamily="34" charset="0"/>
-            </a:endParaRPr>
-          </a:p>
-          <a:p>
-            <a:pPr lvl="0"/>
-            <a:r>
-              <a:rPr lang="ru-RU" dirty="0" smtClean="0">
-                <a:latin typeface="Arial" panose="020B0604020202020204" pitchFamily="34" charset="0"/>
-                <a:cs typeface="Arial" panose="020B0604020202020204" pitchFamily="34" charset="0"/>
-              </a:rPr>
-              <a:t>Квантовый </a:t>
-            </a:r>
-            <a:r>
-              <a:rPr lang="ru-RU" dirty="0" smtClean="0">
-                <a:latin typeface="Arial" panose="020B0604020202020204" pitchFamily="34" charset="0"/>
-                <a:cs typeface="Arial" panose="020B0604020202020204" pitchFamily="34" charset="0"/>
-              </a:rPr>
-              <a:t>алгоритм </a:t>
+              <a:t>Квантовый алгоритм </a:t>
             </a:r>
             <a:r>
               <a:rPr lang="ru-RU" dirty="0">
@@ -10854,7 +11062,7 @@
       </p:sp>
       <p:sp>
         <p:nvSpPr>
-          <p:cNvPr id="6" name="Номер слайда 5"/>
+          <p:cNvPr id="4" name="Номер слайда 3"/>
           <p:cNvSpPr>
             <a:spLocks noGrp="1"/>
           </p:cNvSpPr>
@@ -10867,11 +11075,11 @@
           <a:bodyPr/>
           <a:lstStyle/>
           <a:p>
-            <a:fld id="{9F8F935D-8440-4F22-BB36-0C9F8FDC1692}" type="slidenum">
-              <a:rPr lang="ru-RU" sz="2400" smtClean="0"/>
+            <a:fld id="{ADDC721D-FED4-4080-8955-62676588A2D9}" type="slidenum">
+              <a:rPr lang="ru-RU" smtClean="0"/>
               <a:t>9</a:t>
             </a:fld>
-            <a:endParaRPr lang="ru-RU" sz="2400" dirty="0"/>
+            <a:endParaRPr lang="ru-RU"/>
           </a:p>
         </p:txBody>
       </p:sp>

--- a/Черниговских 2к 14гр.pptx
+++ b/Черниговских 2к 14гр.pptx
@@ -5,7 +5,7 @@
     <p:sldMasterId id="2147483648" r:id="rId1"/>
   </p:sldMasterIdLst>
   <p:notesMasterIdLst>
-    <p:notesMasterId r:id="rId21"/>
+    <p:notesMasterId r:id="rId23"/>
   </p:notesMasterIdLst>
   <p:sldIdLst>
     <p:sldId id="277" r:id="rId2"/>
@@ -15,18 +15,20 @@
     <p:sldId id="260" r:id="rId6"/>
     <p:sldId id="261" r:id="rId7"/>
     <p:sldId id="262" r:id="rId8"/>
-    <p:sldId id="263" r:id="rId9"/>
-    <p:sldId id="265" r:id="rId10"/>
-    <p:sldId id="266" r:id="rId11"/>
-    <p:sldId id="269" r:id="rId12"/>
-    <p:sldId id="274" r:id="rId13"/>
-    <p:sldId id="273" r:id="rId14"/>
-    <p:sldId id="275" r:id="rId15"/>
-    <p:sldId id="270" r:id="rId16"/>
-    <p:sldId id="276" r:id="rId17"/>
-    <p:sldId id="272" r:id="rId18"/>
-    <p:sldId id="268" r:id="rId19"/>
-    <p:sldId id="267" r:id="rId20"/>
+    <p:sldId id="278" r:id="rId9"/>
+    <p:sldId id="263" r:id="rId10"/>
+    <p:sldId id="265" r:id="rId11"/>
+    <p:sldId id="266" r:id="rId12"/>
+    <p:sldId id="269" r:id="rId13"/>
+    <p:sldId id="279" r:id="rId14"/>
+    <p:sldId id="274" r:id="rId15"/>
+    <p:sldId id="273" r:id="rId16"/>
+    <p:sldId id="275" r:id="rId17"/>
+    <p:sldId id="270" r:id="rId18"/>
+    <p:sldId id="276" r:id="rId19"/>
+    <p:sldId id="272" r:id="rId20"/>
+    <p:sldId id="268" r:id="rId21"/>
+    <p:sldId id="267" r:id="rId22"/>
   </p:sldIdLst>
   <p:sldSz cx="12192000" cy="6858000"/>
   <p:notesSz cx="6735763" cy="9856788"/>
@@ -127,7 +129,7 @@
   </p:defaultTextStyle>
   <p:extLst>
     <p:ext uri="{EFAFB233-063F-42B5-8137-9DF3F51BA10A}">
-      <p15:sldGuideLst xmlns:p15="http://schemas.microsoft.com/office/powerpoint/2012/main">
+      <p15:sldGuideLst xmlns:p15="http://schemas.microsoft.com/office/powerpoint/2012/main" xmlns="">
         <p15:guide id="1" orient="horz" pos="2160">
           <p15:clr>
             <a:srgbClr val="A4A3A4"/>
@@ -226,7 +228,7 @@
           <a:p>
             <a:fld id="{2946843A-35D9-4BF0-8BAE-64F1E98BC786}" type="datetimeFigureOut">
               <a:rPr lang="ru-RU" smtClean="0"/>
-              <a:t>10.06.2019</a:t>
+              <a:t>12.06.2019</a:t>
             </a:fld>
             <a:endParaRPr lang="ru-RU"/>
           </a:p>
@@ -643,7 +645,7 @@
           <a:p>
             <a:fld id="{F15EF2D2-24D0-4238-9C0D-C81CCD232C53}" type="slidenum">
               <a:rPr lang="ru-RU" smtClean="0"/>
-              <a:t>8</a:t>
+              <a:t>9</a:t>
             </a:fld>
             <a:endParaRPr lang="ru-RU"/>
           </a:p>
@@ -727,7 +729,7 @@
           <a:p>
             <a:fld id="{F15EF2D2-24D0-4238-9C0D-C81CCD232C53}" type="slidenum">
               <a:rPr lang="ru-RU" smtClean="0"/>
-              <a:t>9</a:t>
+              <a:t>10</a:t>
             </a:fld>
             <a:endParaRPr lang="ru-RU"/>
           </a:p>
@@ -877,7 +879,7 @@
           <a:p>
             <a:fld id="{BCA46830-E682-405C-8364-0C9541E639DF}" type="datetime1">
               <a:rPr lang="ru-RU" smtClean="0"/>
-              <a:t>10.06.2019</a:t>
+              <a:t>12.06.2019</a:t>
             </a:fld>
             <a:endParaRPr lang="ru-RU"/>
           </a:p>
@@ -1047,7 +1049,7 @@
           <a:p>
             <a:fld id="{3E44BB8C-CB05-479D-8CEA-872765ADD396}" type="datetime1">
               <a:rPr lang="ru-RU" smtClean="0"/>
-              <a:t>10.06.2019</a:t>
+              <a:t>12.06.2019</a:t>
             </a:fld>
             <a:endParaRPr lang="ru-RU"/>
           </a:p>
@@ -1227,7 +1229,7 @@
           <a:p>
             <a:fld id="{B4E89E9D-2A67-4B46-84B4-9A88CD3E91F3}" type="datetime1">
               <a:rPr lang="ru-RU" smtClean="0"/>
-              <a:t>10.06.2019</a:t>
+              <a:t>12.06.2019</a:t>
             </a:fld>
             <a:endParaRPr lang="ru-RU"/>
           </a:p>
@@ -1397,7 +1399,7 @@
           <a:p>
             <a:fld id="{E3505345-DD1D-40F9-B05D-80736C9A64BE}" type="datetime1">
               <a:rPr lang="ru-RU" smtClean="0"/>
-              <a:t>10.06.2019</a:t>
+              <a:t>12.06.2019</a:t>
             </a:fld>
             <a:endParaRPr lang="ru-RU"/>
           </a:p>
@@ -1643,7 +1645,7 @@
           <a:p>
             <a:fld id="{59EE47BA-54A9-4DFA-A58A-0556F2F6BBF3}" type="datetime1">
               <a:rPr lang="ru-RU" smtClean="0"/>
-              <a:t>10.06.2019</a:t>
+              <a:t>12.06.2019</a:t>
             </a:fld>
             <a:endParaRPr lang="ru-RU"/>
           </a:p>
@@ -1875,7 +1877,7 @@
           <a:p>
             <a:fld id="{976D76BB-ADA0-4F80-9D28-2566A92BA848}" type="datetime1">
               <a:rPr lang="ru-RU" smtClean="0"/>
-              <a:t>10.06.2019</a:t>
+              <a:t>12.06.2019</a:t>
             </a:fld>
             <a:endParaRPr lang="ru-RU"/>
           </a:p>
@@ -2242,7 +2244,7 @@
           <a:p>
             <a:fld id="{95DE2552-BD6E-4AD4-BAD1-EC0578C01B0B}" type="datetime1">
               <a:rPr lang="ru-RU" smtClean="0"/>
-              <a:t>10.06.2019</a:t>
+              <a:t>12.06.2019</a:t>
             </a:fld>
             <a:endParaRPr lang="ru-RU"/>
           </a:p>
@@ -2360,7 +2362,7 @@
           <a:p>
             <a:fld id="{02E396A1-89C2-4BBE-AB5B-B0CB8942B161}" type="datetime1">
               <a:rPr lang="ru-RU" smtClean="0"/>
-              <a:t>10.06.2019</a:t>
+              <a:t>12.06.2019</a:t>
             </a:fld>
             <a:endParaRPr lang="ru-RU"/>
           </a:p>
@@ -2455,7 +2457,7 @@
           <a:p>
             <a:fld id="{956BDFD6-CB9C-4C9A-9A46-77F5F3732A82}" type="datetime1">
               <a:rPr lang="ru-RU" smtClean="0"/>
-              <a:t>10.06.2019</a:t>
+              <a:t>12.06.2019</a:t>
             </a:fld>
             <a:endParaRPr lang="ru-RU"/>
           </a:p>
@@ -2732,7 +2734,7 @@
           <a:p>
             <a:fld id="{7EEFFDAA-0F05-4D26-AB82-65ABB6376715}" type="datetime1">
               <a:rPr lang="ru-RU" smtClean="0"/>
-              <a:t>10.06.2019</a:t>
+              <a:t>12.06.2019</a:t>
             </a:fld>
             <a:endParaRPr lang="ru-RU"/>
           </a:p>
@@ -2985,7 +2987,7 @@
           <a:p>
             <a:fld id="{058A3315-5A26-493E-90F4-99CDED3D5A99}" type="datetime1">
               <a:rPr lang="ru-RU" smtClean="0"/>
-              <a:t>10.06.2019</a:t>
+              <a:t>12.06.2019</a:t>
             </a:fld>
             <a:endParaRPr lang="ru-RU"/>
           </a:p>
@@ -3198,7 +3200,7 @@
           <a:p>
             <a:fld id="{14311CDF-AC48-44CB-A4FA-2A9648FE0477}" type="datetime1">
               <a:rPr lang="ru-RU" smtClean="0"/>
-              <a:t>10.06.2019</a:t>
+              <a:t>12.06.2019</a:t>
             </a:fld>
             <a:endParaRPr lang="ru-RU"/>
           </a:p>
@@ -3801,7 +3803,21 @@
                 <a:latin typeface="Arial" panose="020B0604020202020204" pitchFamily="34" charset="0"/>
                 <a:cs typeface="Arial" panose="020B0604020202020204" pitchFamily="34" charset="0"/>
               </a:rPr>
-              <a:t>к.ф.-м.н., доцент Барановский Е. С.</a:t>
+              <a:t>к.ф.-м.н., </a:t>
+            </a:r>
+            <a:r>
+              <a:rPr lang="ru-RU" sz="2000" dirty="0" smtClean="0">
+                <a:latin typeface="Arial" panose="020B0604020202020204" pitchFamily="34" charset="0"/>
+                <a:cs typeface="Arial" panose="020B0604020202020204" pitchFamily="34" charset="0"/>
+              </a:rPr>
+              <a:t>доц. </a:t>
+            </a:r>
+            <a:r>
+              <a:rPr lang="ru-RU" sz="2000" dirty="0">
+                <a:latin typeface="Arial" panose="020B0604020202020204" pitchFamily="34" charset="0"/>
+                <a:cs typeface="Arial" panose="020B0604020202020204" pitchFamily="34" charset="0"/>
+              </a:rPr>
+              <a:t>Барановский Е. С.</a:t>
             </a:r>
             <a:endParaRPr lang="ru-RU" sz="2000" dirty="0">
               <a:solidFill>
@@ -3892,8 +3908,8 @@
         </p:nvSpPr>
         <p:spPr>
           <a:xfrm>
-            <a:off x="838200" y="114301"/>
-            <a:ext cx="10515600" cy="907192"/>
+            <a:off x="838199" y="0"/>
+            <a:ext cx="10515600" cy="1325563"/>
           </a:xfrm>
         </p:spPr>
         <p:txBody>
@@ -3904,297 +3920,331 @@
           <a:p>
             <a:pPr algn="ctr"/>
             <a:r>
-              <a:rPr lang="ru-RU" sz="4000" dirty="0">
-                <a:latin typeface="Arial" panose="020B0604020202020204" pitchFamily="34" charset="0"/>
-                <a:cs typeface="Arial" panose="020B0604020202020204" pitchFamily="34" charset="0"/>
-              </a:rPr>
-              <a:t>Требования к </a:t>
-            </a:r>
-            <a:r>
               <a:rPr lang="ru-RU" sz="4000" dirty="0" smtClean="0">
                 <a:latin typeface="Arial" panose="020B0604020202020204" pitchFamily="34" charset="0"/>
                 <a:cs typeface="Arial" panose="020B0604020202020204" pitchFamily="34" charset="0"/>
               </a:rPr>
-              <a:t>программному и </a:t>
-            </a:r>
-            <a:r>
-              <a:rPr lang="ru-RU" sz="4000" dirty="0">
-                <a:latin typeface="Arial" panose="020B0604020202020204" pitchFamily="34" charset="0"/>
-                <a:cs typeface="Arial" panose="020B0604020202020204" pitchFamily="34" charset="0"/>
-              </a:rPr>
-              <a:t>аппаратному обеспечению</a:t>
-            </a:r>
-          </a:p>
-        </p:txBody>
-      </p:sp>
-      <p:sp>
-        <p:nvSpPr>
-          <p:cNvPr id="7" name="TextBox 6"/>
-          <p:cNvSpPr txBox="1"/>
-          <p:nvPr/>
-        </p:nvSpPr>
-        <p:spPr>
-          <a:xfrm>
-            <a:off x="838200" y="1319996"/>
-            <a:ext cx="11243528" cy="4431983"/>
-          </a:xfrm>
-          <a:prstGeom prst="rect">
-            <a:avLst/>
-          </a:prstGeom>
-          <a:noFill/>
-        </p:spPr>
-        <p:txBody>
-          <a:bodyPr wrap="square" rtlCol="0">
-            <a:spAutoFit/>
-          </a:bodyPr>
-          <a:lstStyle/>
-          <a:p>
-            <a:pPr indent="628650" algn="just">
-              <a:lnSpc>
-                <a:spcPct val="150000"/>
-              </a:lnSpc>
-            </a:pPr>
-            <a:r>
-              <a:rPr lang="ru-RU" sz="2600" b="1" dirty="0" smtClean="0">
-                <a:latin typeface="Arial" panose="020B0604020202020204" pitchFamily="34" charset="0"/>
-                <a:cs typeface="Arial" panose="020B0604020202020204" pitchFamily="34" charset="0"/>
-              </a:rPr>
-              <a:t>Необходимое программное обеспечение:</a:t>
-            </a:r>
-            <a:r>
-              <a:rPr lang="ru-RU" sz="2400" b="1" dirty="0" smtClean="0">
-                <a:latin typeface="Arial" panose="020B0604020202020204" pitchFamily="34" charset="0"/>
-                <a:cs typeface="Arial" panose="020B0604020202020204" pitchFamily="34" charset="0"/>
-              </a:rPr>
-              <a:t> </a:t>
-            </a:r>
-            <a:endParaRPr lang="ru-RU" sz="2400" b="1" dirty="0">
+              <a:t>Средства реализации</a:t>
+            </a:r>
+            <a:endParaRPr lang="ru-RU" sz="4000" dirty="0">
               <a:latin typeface="Arial" panose="020B0604020202020204" pitchFamily="34" charset="0"/>
               <a:cs typeface="Arial" panose="020B0604020202020204" pitchFamily="34" charset="0"/>
             </a:endParaRPr>
           </a:p>
-          <a:p>
-            <a:pPr marL="900113" indent="-271463" defTabSz="900113">
+        </p:txBody>
+      </p:sp>
+      <p:sp>
+        <p:nvSpPr>
+          <p:cNvPr id="3" name="Объект 2"/>
+          <p:cNvSpPr>
+            <a:spLocks noGrp="1"/>
+          </p:cNvSpPr>
+          <p:nvPr>
+            <p:ph idx="1"/>
+          </p:nvPr>
+        </p:nvSpPr>
+        <p:spPr>
+          <a:xfrm>
+            <a:off x="671511" y="1325563"/>
+            <a:ext cx="10848975" cy="4629150"/>
+          </a:xfrm>
+        </p:spPr>
+        <p:txBody>
+          <a:bodyPr>
+            <a:noAutofit/>
+          </a:bodyPr>
+          <a:lstStyle/>
+          <a:p>
+            <a:pPr marL="628650" indent="263525">
               <a:lnSpc>
                 <a:spcPct val="150000"/>
               </a:lnSpc>
               <a:spcBef>
                 <a:spcPts val="0"/>
               </a:spcBef>
-              <a:buFont typeface="Arial" panose="020B0604020202020204" pitchFamily="34" charset="0"/>
-              <a:buChar char="•"/>
-              <a:tabLst>
-                <a:tab pos="357188" algn="l"/>
-                <a:tab pos="900113" algn="l"/>
-              </a:tabLst>
             </a:pPr>
             <a:r>
-              <a:rPr lang="en-US" sz="2400" dirty="0" smtClean="0">
-                <a:latin typeface="Arial" panose="020B0604020202020204" pitchFamily="34" charset="0"/>
-                <a:cs typeface="Arial" panose="020B0604020202020204" pitchFamily="34" charset="0"/>
-              </a:rPr>
-              <a:t>Windows 7+ / Linux / </a:t>
-            </a:r>
-            <a:r>
-              <a:rPr lang="en-US" sz="2400" dirty="0" err="1" smtClean="0">
-                <a:latin typeface="Arial" panose="020B0604020202020204" pitchFamily="34" charset="0"/>
-                <a:cs typeface="Arial" panose="020B0604020202020204" pitchFamily="34" charset="0"/>
-              </a:rPr>
-              <a:t>macOS</a:t>
-            </a:r>
-            <a:r>
-              <a:rPr lang="en-US" sz="2400" dirty="0" smtClean="0">
-                <a:latin typeface="Arial" panose="020B0604020202020204" pitchFamily="34" charset="0"/>
-                <a:cs typeface="Arial" panose="020B0604020202020204" pitchFamily="34" charset="0"/>
-              </a:rPr>
-              <a:t>;</a:t>
-            </a:r>
-            <a:endParaRPr lang="ru-RU" sz="2400" dirty="0" smtClean="0">
-              <a:latin typeface="Arial" panose="020B0604020202020204" pitchFamily="34" charset="0"/>
-              <a:cs typeface="Arial" panose="020B0604020202020204" pitchFamily="34" charset="0"/>
-            </a:endParaRPr>
-          </a:p>
-          <a:p>
-            <a:pPr marL="900113" indent="-271463" defTabSz="900113">
+              <a:rPr lang="ru-RU" dirty="0" smtClean="0">
+                <a:latin typeface="Arial" panose="020B0604020202020204" pitchFamily="34" charset="0"/>
+                <a:cs typeface="Arial" panose="020B0604020202020204" pitchFamily="34" charset="0"/>
+              </a:rPr>
+              <a:t>ОС </a:t>
+            </a:r>
+            <a:r>
+              <a:rPr lang="en-US" dirty="0">
+                <a:latin typeface="Arial" panose="020B0604020202020204" pitchFamily="34" charset="0"/>
+                <a:cs typeface="Arial" panose="020B0604020202020204" pitchFamily="34" charset="0"/>
+              </a:rPr>
+              <a:t>Windows 10 Pro;</a:t>
+            </a:r>
+          </a:p>
+          <a:p>
+            <a:pPr marL="628650" indent="263525">
               <a:lnSpc>
                 <a:spcPct val="150000"/>
               </a:lnSpc>
               <a:spcBef>
                 <a:spcPts val="0"/>
               </a:spcBef>
-              <a:buFont typeface="Arial" panose="020B0604020202020204" pitchFamily="34" charset="0"/>
-              <a:buChar char="•"/>
-              <a:tabLst>
-                <a:tab pos="357188" algn="l"/>
-                <a:tab pos="900113" algn="l"/>
-              </a:tabLst>
             </a:pPr>
             <a:r>
-              <a:rPr lang="en-US" sz="2400" dirty="0" err="1" smtClean="0">
-                <a:latin typeface="Arial" panose="020B0604020202020204" pitchFamily="34" charset="0"/>
-                <a:cs typeface="Arial" panose="020B0604020202020204" pitchFamily="34" charset="0"/>
-              </a:rPr>
-              <a:t>.Net</a:t>
-            </a:r>
-            <a:r>
-              <a:rPr lang="en-US" sz="2400" dirty="0" smtClean="0">
-                <a:latin typeface="Arial" panose="020B0604020202020204" pitchFamily="34" charset="0"/>
-                <a:cs typeface="Arial" panose="020B0604020202020204" pitchFamily="34" charset="0"/>
-              </a:rPr>
-              <a:t> Core SDK 2.1+</a:t>
-            </a:r>
-            <a:r>
-              <a:rPr lang="en-US" sz="2400" dirty="0">
-                <a:latin typeface="Arial" panose="020B0604020202020204" pitchFamily="34" charset="0"/>
-                <a:cs typeface="Arial" panose="020B0604020202020204" pitchFamily="34" charset="0"/>
-              </a:rPr>
-              <a:t>.</a:t>
-            </a:r>
-            <a:endParaRPr lang="ru-RU" sz="2400" dirty="0" smtClean="0">
-              <a:latin typeface="Arial" panose="020B0604020202020204" pitchFamily="34" charset="0"/>
-              <a:cs typeface="Arial" panose="020B0604020202020204" pitchFamily="34" charset="0"/>
-            </a:endParaRPr>
-          </a:p>
-          <a:p>
-            <a:pPr marL="628650" defTabSz="900113">
+              <a:rPr lang="ru-RU" dirty="0" smtClean="0">
+                <a:latin typeface="Arial" panose="020B0604020202020204" pitchFamily="34" charset="0"/>
+                <a:cs typeface="Arial" panose="020B0604020202020204" pitchFamily="34" charset="0"/>
+              </a:rPr>
+              <a:t>универсальная </a:t>
+            </a:r>
+            <a:r>
+              <a:rPr lang="ru-RU" dirty="0">
+                <a:latin typeface="Arial" panose="020B0604020202020204" pitchFamily="34" charset="0"/>
+                <a:cs typeface="Arial" panose="020B0604020202020204" pitchFamily="34" charset="0"/>
+              </a:rPr>
+              <a:t>платформа разработки .</a:t>
+            </a:r>
+            <a:r>
+              <a:rPr lang="en-US" dirty="0">
+                <a:latin typeface="Arial" panose="020B0604020202020204" pitchFamily="34" charset="0"/>
+                <a:cs typeface="Arial" panose="020B0604020202020204" pitchFamily="34" charset="0"/>
+              </a:rPr>
+              <a:t>Net Core SDK 2.2;</a:t>
+            </a:r>
+          </a:p>
+          <a:p>
+            <a:pPr marL="628650" indent="263525">
               <a:lnSpc>
                 <a:spcPct val="150000"/>
               </a:lnSpc>
               <a:spcBef>
                 <a:spcPts val="0"/>
               </a:spcBef>
-              <a:tabLst>
-                <a:tab pos="357188" algn="l"/>
-                <a:tab pos="900113" algn="l"/>
-              </a:tabLst>
             </a:pPr>
             <a:r>
-              <a:rPr lang="en-US" sz="2400" b="1" dirty="0" smtClean="0">
-                <a:latin typeface="Arial" panose="020B0604020202020204" pitchFamily="34" charset="0"/>
-                <a:cs typeface="Arial" panose="020B0604020202020204" pitchFamily="34" charset="0"/>
-              </a:rPr>
-              <a:t>IDE </a:t>
-            </a:r>
-            <a:r>
-              <a:rPr lang="ru-RU" sz="2400" b="1" dirty="0" smtClean="0">
-                <a:latin typeface="Arial" panose="020B0604020202020204" pitchFamily="34" charset="0"/>
-                <a:cs typeface="Arial" panose="020B0604020202020204" pitchFamily="34" charset="0"/>
-              </a:rPr>
-              <a:t>для упрощения работы с приложением:</a:t>
-            </a:r>
-          </a:p>
-          <a:p>
-            <a:pPr marL="628650" defTabSz="900113">
+              <a:rPr lang="ru-RU" dirty="0" smtClean="0">
+                <a:latin typeface="Arial" panose="020B0604020202020204" pitchFamily="34" charset="0"/>
+                <a:cs typeface="Arial" panose="020B0604020202020204" pitchFamily="34" charset="0"/>
+              </a:rPr>
+              <a:t>пакет </a:t>
+            </a:r>
+            <a:r>
+              <a:rPr lang="ru-RU" dirty="0">
+                <a:latin typeface="Arial" panose="020B0604020202020204" pitchFamily="34" charset="0"/>
+                <a:cs typeface="Arial" panose="020B0604020202020204" pitchFamily="34" charset="0"/>
+              </a:rPr>
+              <a:t>разработки </a:t>
+            </a:r>
+            <a:r>
+              <a:rPr lang="en-US" dirty="0">
+                <a:latin typeface="Arial" panose="020B0604020202020204" pitchFamily="34" charset="0"/>
+                <a:cs typeface="Arial" panose="020B0604020202020204" pitchFamily="34" charset="0"/>
+              </a:rPr>
+              <a:t>Microsoft Quantum Development Kit 0.6;</a:t>
+            </a:r>
+          </a:p>
+          <a:p>
+            <a:pPr marL="628650" indent="263525">
               <a:lnSpc>
                 <a:spcPct val="150000"/>
               </a:lnSpc>
               <a:spcBef>
                 <a:spcPts val="0"/>
               </a:spcBef>
-              <a:tabLst>
-                <a:tab pos="357188" algn="l"/>
-                <a:tab pos="900113" algn="l"/>
-              </a:tabLst>
             </a:pPr>
             <a:r>
-              <a:rPr lang="en-US" sz="2400" dirty="0" smtClean="0">
-                <a:latin typeface="Arial" panose="020B0604020202020204" pitchFamily="34" charset="0"/>
-                <a:cs typeface="Arial" panose="020B0604020202020204" pitchFamily="34" charset="0"/>
-              </a:rPr>
-              <a:t>Visual Studio 2017 / Visual Studio for Mac / Visual Studio Code.</a:t>
-            </a:r>
-            <a:endParaRPr lang="ru-RU" sz="2400" dirty="0" smtClean="0">
+              <a:rPr lang="ru-RU" dirty="0" smtClean="0">
+                <a:latin typeface="Arial" panose="020B0604020202020204" pitchFamily="34" charset="0"/>
+                <a:cs typeface="Arial" panose="020B0604020202020204" pitchFamily="34" charset="0"/>
+              </a:rPr>
+              <a:t>редактор </a:t>
+            </a:r>
+            <a:r>
+              <a:rPr lang="ru-RU" dirty="0">
+                <a:latin typeface="Arial" panose="020B0604020202020204" pitchFamily="34" charset="0"/>
+                <a:cs typeface="Arial" panose="020B0604020202020204" pitchFamily="34" charset="0"/>
+              </a:rPr>
+              <a:t>исходного кода </a:t>
+            </a:r>
+            <a:r>
+              <a:rPr lang="en-US" dirty="0">
+                <a:latin typeface="Arial" panose="020B0604020202020204" pitchFamily="34" charset="0"/>
+                <a:cs typeface="Arial" panose="020B0604020202020204" pitchFamily="34" charset="0"/>
+              </a:rPr>
+              <a:t>Visual Studio Code 1.33;</a:t>
+            </a:r>
+          </a:p>
+          <a:p>
+            <a:pPr marL="628650" indent="263525">
+              <a:lnSpc>
+                <a:spcPct val="150000"/>
+              </a:lnSpc>
+              <a:spcBef>
+                <a:spcPts val="0"/>
+              </a:spcBef>
+            </a:pPr>
+            <a:r>
+              <a:rPr lang="ru-RU" dirty="0" smtClean="0">
+                <a:latin typeface="Arial" panose="020B0604020202020204" pitchFamily="34" charset="0"/>
+                <a:cs typeface="Arial" panose="020B0604020202020204" pitchFamily="34" charset="0"/>
+              </a:rPr>
+              <a:t>язык </a:t>
+            </a:r>
+            <a:r>
+              <a:rPr lang="en-US" dirty="0">
+                <a:latin typeface="Arial" panose="020B0604020202020204" pitchFamily="34" charset="0"/>
+                <a:cs typeface="Arial" panose="020B0604020202020204" pitchFamily="34" charset="0"/>
+              </a:rPr>
+              <a:t>C# 7.0;</a:t>
+            </a:r>
+          </a:p>
+          <a:p>
+            <a:pPr marL="628650" indent="263525">
+              <a:lnSpc>
+                <a:spcPct val="150000"/>
+              </a:lnSpc>
+              <a:spcBef>
+                <a:spcPts val="0"/>
+              </a:spcBef>
+            </a:pPr>
+            <a:r>
+              <a:rPr lang="ru-RU" dirty="0" smtClean="0">
+                <a:latin typeface="Arial" panose="020B0604020202020204" pitchFamily="34" charset="0"/>
+                <a:cs typeface="Arial" panose="020B0604020202020204" pitchFamily="34" charset="0"/>
+              </a:rPr>
+              <a:t>язык </a:t>
+            </a:r>
+            <a:r>
+              <a:rPr lang="en-US" dirty="0">
+                <a:latin typeface="Arial" panose="020B0604020202020204" pitchFamily="34" charset="0"/>
+                <a:cs typeface="Arial" panose="020B0604020202020204" pitchFamily="34" charset="0"/>
+              </a:rPr>
+              <a:t>Q#.</a:t>
+            </a:r>
+          </a:p>
+          <a:p>
+            <a:pPr marL="628650" indent="263525">
+              <a:lnSpc>
+                <a:spcPct val="150000"/>
+              </a:lnSpc>
+              <a:spcBef>
+                <a:spcPts val="0"/>
+              </a:spcBef>
+            </a:pPr>
+            <a:endParaRPr lang="ru-RU" sz="2200" dirty="0">
               <a:latin typeface="Arial" panose="020B0604020202020204" pitchFamily="34" charset="0"/>
               <a:cs typeface="Arial" panose="020B0604020202020204" pitchFamily="34" charset="0"/>
             </a:endParaRPr>
           </a:p>
           <a:p>
-            <a:pPr indent="628650">
+            <a:pPr marL="0" indent="628650" algn="just">
               <a:lnSpc>
                 <a:spcPct val="150000"/>
               </a:lnSpc>
+              <a:spcBef>
+                <a:spcPts val="0"/>
+              </a:spcBef>
+              <a:buNone/>
             </a:pPr>
-            <a:r>
-              <a:rPr lang="ru-RU" sz="2400" b="1" dirty="0" smtClean="0">
-                <a:latin typeface="Arial" panose="020B0604020202020204" pitchFamily="34" charset="0"/>
-                <a:cs typeface="Arial" panose="020B0604020202020204" pitchFamily="34" charset="0"/>
-              </a:rPr>
-              <a:t>Минимальные </a:t>
-            </a:r>
-            <a:r>
-              <a:rPr lang="ru-RU" sz="2400" b="1" dirty="0">
-                <a:latin typeface="Arial" panose="020B0604020202020204" pitchFamily="34" charset="0"/>
-                <a:cs typeface="Arial" panose="020B0604020202020204" pitchFamily="34" charset="0"/>
-              </a:rPr>
-              <a:t>системные требования</a:t>
-            </a:r>
-            <a:r>
-              <a:rPr lang="ru-RU" sz="2400" dirty="0" smtClean="0">
-                <a:latin typeface="Arial" panose="020B0604020202020204" pitchFamily="34" charset="0"/>
-                <a:cs typeface="Arial" panose="020B0604020202020204" pitchFamily="34" charset="0"/>
-              </a:rPr>
-              <a:t>:</a:t>
-            </a:r>
-          </a:p>
-          <a:p>
-            <a:pPr indent="628650">
+            <a:endParaRPr lang="ru-RU" sz="3200" dirty="0">
+              <a:latin typeface="Arial" panose="020B0604020202020204" pitchFamily="34" charset="0"/>
+              <a:cs typeface="Arial" panose="020B0604020202020204" pitchFamily="34" charset="0"/>
+            </a:endParaRPr>
+          </a:p>
+          <a:p>
+            <a:pPr marL="0" indent="628650" algn="just">
               <a:lnSpc>
                 <a:spcPct val="150000"/>
               </a:lnSpc>
+              <a:spcBef>
+                <a:spcPts val="0"/>
+              </a:spcBef>
+              <a:buNone/>
             </a:pPr>
             <a:r>
-              <a:rPr lang="ru-RU" sz="2400" dirty="0" smtClean="0">
-                <a:latin typeface="Arial" panose="020B0604020202020204" pitchFamily="34" charset="0"/>
-                <a:cs typeface="Arial" panose="020B0604020202020204" pitchFamily="34" charset="0"/>
-              </a:rPr>
-              <a:t>ОЗУ </a:t>
-            </a:r>
-            <a:r>
-              <a:rPr lang="ru-RU" sz="2400" dirty="0">
-                <a:latin typeface="Arial" panose="020B0604020202020204" pitchFamily="34" charset="0"/>
-                <a:cs typeface="Arial" panose="020B0604020202020204" pitchFamily="34" charset="0"/>
-              </a:rPr>
-              <a:t>объемом </a:t>
-            </a:r>
-            <a:r>
-              <a:rPr lang="ru-RU" sz="2400" dirty="0" smtClean="0">
-                <a:latin typeface="Arial" panose="020B0604020202020204" pitchFamily="34" charset="0"/>
-                <a:cs typeface="Arial" panose="020B0604020202020204" pitchFamily="34" charset="0"/>
-              </a:rPr>
-              <a:t>4</a:t>
-            </a:r>
-            <a:r>
-              <a:rPr lang="en-US" sz="2400" dirty="0" smtClean="0">
-                <a:latin typeface="Arial" panose="020B0604020202020204" pitchFamily="34" charset="0"/>
-                <a:cs typeface="Arial" panose="020B0604020202020204" pitchFamily="34" charset="0"/>
+              <a:rPr lang="ru-RU" sz="2000" dirty="0" smtClean="0">
+                <a:latin typeface="+mj-lt"/>
+              </a:rPr>
+              <a:t>			</a:t>
+            </a:r>
+          </a:p>
+          <a:p>
+            <a:pPr marL="0" indent="628650" algn="just">
+              <a:lnSpc>
+                <a:spcPct val="150000"/>
+              </a:lnSpc>
+              <a:spcBef>
+                <a:spcPts val="0"/>
+              </a:spcBef>
+              <a:buNone/>
+            </a:pPr>
+            <a:r>
+              <a:rPr lang="ru-RU" sz="2000" dirty="0">
+                <a:latin typeface="+mj-lt"/>
               </a:rPr>
               <a:t> </a:t>
             </a:r>
             <a:r>
-              <a:rPr lang="ru-RU" sz="2400" dirty="0" smtClean="0">
-                <a:latin typeface="Arial" panose="020B0604020202020204" pitchFamily="34" charset="0"/>
-                <a:cs typeface="Arial" panose="020B0604020202020204" pitchFamily="34" charset="0"/>
-              </a:rPr>
-              <a:t>Гб;</a:t>
-            </a:r>
-            <a:endParaRPr lang="ru-RU" sz="2400" dirty="0">
+              <a:rPr lang="ru-RU" sz="2000" dirty="0" smtClean="0">
+                <a:latin typeface="+mj-lt"/>
+              </a:rPr>
+              <a:t>    									                        </a:t>
+            </a:r>
+            <a:endParaRPr lang="ru-RU" sz="2000" dirty="0">
+              <a:latin typeface="+mj-lt"/>
+              <a:cs typeface="Arial" panose="020B0604020202020204" pitchFamily="34" charset="0"/>
+            </a:endParaRPr>
+          </a:p>
+          <a:p>
+            <a:pPr marL="0" indent="628650" algn="just">
+              <a:lnSpc>
+                <a:spcPct val="150000"/>
+              </a:lnSpc>
+              <a:spcBef>
+                <a:spcPts val="0"/>
+              </a:spcBef>
+              <a:buNone/>
+            </a:pPr>
+            <a:endParaRPr lang="ru-RU" sz="3200" dirty="0">
               <a:latin typeface="Arial" panose="020B0604020202020204" pitchFamily="34" charset="0"/>
               <a:cs typeface="Arial" panose="020B0604020202020204" pitchFamily="34" charset="0"/>
             </a:endParaRPr>
           </a:p>
           <a:p>
-            <a:pPr marL="900113" indent="-271463">
+            <a:pPr marL="0" indent="628650" algn="just">
               <a:lnSpc>
                 <a:spcPct val="150000"/>
               </a:lnSpc>
+              <a:spcBef>
+                <a:spcPts val="0"/>
+              </a:spcBef>
+              <a:buNone/>
             </a:pPr>
-            <a:endParaRPr lang="ru-RU" dirty="0"/>
-          </a:p>
-        </p:txBody>
-      </p:sp>
-      <p:sp>
-        <p:nvSpPr>
-          <p:cNvPr id="3" name="Номер слайда 2"/>
+            <a:endParaRPr lang="ru-RU" sz="3200" dirty="0">
+              <a:latin typeface="Arial" panose="020B0604020202020204" pitchFamily="34" charset="0"/>
+              <a:cs typeface="Arial" panose="020B0604020202020204" pitchFamily="34" charset="0"/>
+            </a:endParaRPr>
+          </a:p>
+          <a:p>
+            <a:pPr marL="0" indent="628650" algn="just">
+              <a:lnSpc>
+                <a:spcPct val="150000"/>
+              </a:lnSpc>
+              <a:spcBef>
+                <a:spcPts val="0"/>
+              </a:spcBef>
+              <a:buNone/>
+            </a:pPr>
+            <a:r>
+              <a:rPr lang="ru-RU" sz="3200" dirty="0">
+                <a:latin typeface="Arial" panose="020B0604020202020204" pitchFamily="34" charset="0"/>
+                <a:cs typeface="Arial" panose="020B0604020202020204" pitchFamily="34" charset="0"/>
+              </a:rPr>
+              <a:t>											        </a:t>
+            </a:r>
+          </a:p>
+        </p:txBody>
+      </p:sp>
+      <p:sp>
+        <p:nvSpPr>
+          <p:cNvPr id="4" name="Номер слайда 3"/>
           <p:cNvSpPr>
             <a:spLocks noGrp="1"/>
           </p:cNvSpPr>
@@ -4218,7 +4268,7 @@
     </p:spTree>
     <p:extLst>
       <p:ext uri="{BB962C8B-B14F-4D97-AF65-F5344CB8AC3E}">
-        <p14:creationId xmlns:p14="http://schemas.microsoft.com/office/powerpoint/2010/main" val="2868743933"/>
+        <p14:creationId xmlns:p14="http://schemas.microsoft.com/office/powerpoint/2010/main" val="723238843"/>
       </p:ext>
     </p:extLst>
   </p:cSld>
@@ -4262,6 +4312,398 @@
             <p:ph type="title"/>
           </p:nvPr>
         </p:nvSpPr>
+        <p:spPr>
+          <a:xfrm>
+            <a:off x="838200" y="452968"/>
+            <a:ext cx="10515600" cy="907192"/>
+          </a:xfrm>
+        </p:spPr>
+        <p:txBody>
+          <a:bodyPr>
+            <a:noAutofit/>
+          </a:bodyPr>
+          <a:lstStyle/>
+          <a:p>
+            <a:pPr algn="ctr"/>
+            <a:r>
+              <a:rPr lang="ru-RU" sz="4000" dirty="0">
+                <a:latin typeface="Arial" panose="020B0604020202020204" pitchFamily="34" charset="0"/>
+                <a:cs typeface="Arial" panose="020B0604020202020204" pitchFamily="34" charset="0"/>
+              </a:rPr>
+              <a:t>Требования к </a:t>
+            </a:r>
+            <a:r>
+              <a:rPr lang="ru-RU" sz="4000" dirty="0" smtClean="0">
+                <a:latin typeface="Arial" panose="020B0604020202020204" pitchFamily="34" charset="0"/>
+                <a:cs typeface="Arial" panose="020B0604020202020204" pitchFamily="34" charset="0"/>
+              </a:rPr>
+              <a:t>программному </a:t>
+            </a:r>
+            <a:r>
+              <a:rPr lang="ru-RU" sz="4000" dirty="0" smtClean="0">
+                <a:latin typeface="Arial" panose="020B0604020202020204" pitchFamily="34" charset="0"/>
+                <a:cs typeface="Arial" panose="020B0604020202020204" pitchFamily="34" charset="0"/>
+              </a:rPr>
+              <a:t/>
+            </a:r>
+            <a:br>
+              <a:rPr lang="ru-RU" sz="4000" dirty="0" smtClean="0">
+                <a:latin typeface="Arial" panose="020B0604020202020204" pitchFamily="34" charset="0"/>
+                <a:cs typeface="Arial" panose="020B0604020202020204" pitchFamily="34" charset="0"/>
+              </a:rPr>
+            </a:br>
+            <a:r>
+              <a:rPr lang="ru-RU" sz="4000" dirty="0" smtClean="0">
+                <a:latin typeface="Arial" panose="020B0604020202020204" pitchFamily="34" charset="0"/>
+                <a:cs typeface="Arial" panose="020B0604020202020204" pitchFamily="34" charset="0"/>
+              </a:rPr>
+              <a:t>и </a:t>
+            </a:r>
+            <a:r>
+              <a:rPr lang="ru-RU" sz="4000" dirty="0">
+                <a:latin typeface="Arial" panose="020B0604020202020204" pitchFamily="34" charset="0"/>
+                <a:cs typeface="Arial" panose="020B0604020202020204" pitchFamily="34" charset="0"/>
+              </a:rPr>
+              <a:t>аппаратному обеспечению</a:t>
+            </a:r>
+          </a:p>
+        </p:txBody>
+      </p:sp>
+      <p:sp>
+        <p:nvSpPr>
+          <p:cNvPr id="7" name="TextBox 6"/>
+          <p:cNvSpPr txBox="1"/>
+          <p:nvPr/>
+        </p:nvSpPr>
+        <p:spPr>
+          <a:xfrm>
+            <a:off x="778933" y="1717930"/>
+            <a:ext cx="11243528" cy="4431983"/>
+          </a:xfrm>
+          <a:prstGeom prst="rect">
+            <a:avLst/>
+          </a:prstGeom>
+          <a:noFill/>
+        </p:spPr>
+        <p:txBody>
+          <a:bodyPr wrap="square" rtlCol="0">
+            <a:spAutoFit/>
+          </a:bodyPr>
+          <a:lstStyle/>
+          <a:p>
+            <a:pPr indent="628650" algn="just">
+              <a:lnSpc>
+                <a:spcPct val="150000"/>
+              </a:lnSpc>
+            </a:pPr>
+            <a:r>
+              <a:rPr lang="ru-RU" sz="2600" b="1" dirty="0" smtClean="0">
+                <a:latin typeface="Arial" panose="020B0604020202020204" pitchFamily="34" charset="0"/>
+                <a:cs typeface="Arial" panose="020B0604020202020204" pitchFamily="34" charset="0"/>
+              </a:rPr>
+              <a:t>Необходимое программное обеспечение:</a:t>
+            </a:r>
+            <a:r>
+              <a:rPr lang="ru-RU" sz="2400" b="1" dirty="0" smtClean="0">
+                <a:latin typeface="Arial" panose="020B0604020202020204" pitchFamily="34" charset="0"/>
+                <a:cs typeface="Arial" panose="020B0604020202020204" pitchFamily="34" charset="0"/>
+              </a:rPr>
+              <a:t> </a:t>
+            </a:r>
+            <a:endParaRPr lang="ru-RU" sz="2400" b="1" dirty="0">
+              <a:latin typeface="Arial" panose="020B0604020202020204" pitchFamily="34" charset="0"/>
+              <a:cs typeface="Arial" panose="020B0604020202020204" pitchFamily="34" charset="0"/>
+            </a:endParaRPr>
+          </a:p>
+          <a:p>
+            <a:pPr marL="900113" indent="-271463" defTabSz="900113">
+              <a:lnSpc>
+                <a:spcPct val="150000"/>
+              </a:lnSpc>
+              <a:spcBef>
+                <a:spcPts val="0"/>
+              </a:spcBef>
+              <a:buFont typeface="Arial" panose="020B0604020202020204" pitchFamily="34" charset="0"/>
+              <a:buChar char="•"/>
+              <a:tabLst>
+                <a:tab pos="357188" algn="l"/>
+                <a:tab pos="900113" algn="l"/>
+              </a:tabLst>
+            </a:pPr>
+            <a:r>
+              <a:rPr lang="en-US" sz="2400" dirty="0" smtClean="0">
+                <a:latin typeface="Arial" panose="020B0604020202020204" pitchFamily="34" charset="0"/>
+                <a:cs typeface="Arial" panose="020B0604020202020204" pitchFamily="34" charset="0"/>
+              </a:rPr>
+              <a:t>Windows 7+ / Linux / </a:t>
+            </a:r>
+            <a:r>
+              <a:rPr lang="en-US" sz="2400" dirty="0" err="1" smtClean="0">
+                <a:latin typeface="Arial" panose="020B0604020202020204" pitchFamily="34" charset="0"/>
+                <a:cs typeface="Arial" panose="020B0604020202020204" pitchFamily="34" charset="0"/>
+              </a:rPr>
+              <a:t>macOS</a:t>
+            </a:r>
+            <a:r>
+              <a:rPr lang="en-US" sz="2400" dirty="0" smtClean="0">
+                <a:latin typeface="Arial" panose="020B0604020202020204" pitchFamily="34" charset="0"/>
+                <a:cs typeface="Arial" panose="020B0604020202020204" pitchFamily="34" charset="0"/>
+              </a:rPr>
+              <a:t>;</a:t>
+            </a:r>
+            <a:endParaRPr lang="ru-RU" sz="2400" dirty="0" smtClean="0">
+              <a:latin typeface="Arial" panose="020B0604020202020204" pitchFamily="34" charset="0"/>
+              <a:cs typeface="Arial" panose="020B0604020202020204" pitchFamily="34" charset="0"/>
+            </a:endParaRPr>
+          </a:p>
+          <a:p>
+            <a:pPr marL="900113" indent="-271463" defTabSz="900113">
+              <a:lnSpc>
+                <a:spcPct val="150000"/>
+              </a:lnSpc>
+              <a:spcBef>
+                <a:spcPts val="0"/>
+              </a:spcBef>
+              <a:buFont typeface="Arial" panose="020B0604020202020204" pitchFamily="34" charset="0"/>
+              <a:buChar char="•"/>
+              <a:tabLst>
+                <a:tab pos="357188" algn="l"/>
+                <a:tab pos="900113" algn="l"/>
+              </a:tabLst>
+            </a:pPr>
+            <a:r>
+              <a:rPr lang="en-US" sz="2400" dirty="0" err="1" smtClean="0">
+                <a:latin typeface="Arial" panose="020B0604020202020204" pitchFamily="34" charset="0"/>
+                <a:cs typeface="Arial" panose="020B0604020202020204" pitchFamily="34" charset="0"/>
+              </a:rPr>
+              <a:t>.Net</a:t>
+            </a:r>
+            <a:r>
+              <a:rPr lang="en-US" sz="2400" dirty="0" smtClean="0">
+                <a:latin typeface="Arial" panose="020B0604020202020204" pitchFamily="34" charset="0"/>
+                <a:cs typeface="Arial" panose="020B0604020202020204" pitchFamily="34" charset="0"/>
+              </a:rPr>
+              <a:t> Core SDK 2.1+</a:t>
+            </a:r>
+            <a:r>
+              <a:rPr lang="en-US" sz="2400" dirty="0">
+                <a:latin typeface="Arial" panose="020B0604020202020204" pitchFamily="34" charset="0"/>
+                <a:cs typeface="Arial" panose="020B0604020202020204" pitchFamily="34" charset="0"/>
+              </a:rPr>
+              <a:t>.</a:t>
+            </a:r>
+            <a:endParaRPr lang="ru-RU" sz="2400" dirty="0" smtClean="0">
+              <a:latin typeface="Arial" panose="020B0604020202020204" pitchFamily="34" charset="0"/>
+              <a:cs typeface="Arial" panose="020B0604020202020204" pitchFamily="34" charset="0"/>
+            </a:endParaRPr>
+          </a:p>
+          <a:p>
+            <a:pPr marL="628650" defTabSz="900113">
+              <a:lnSpc>
+                <a:spcPct val="150000"/>
+              </a:lnSpc>
+              <a:spcBef>
+                <a:spcPts val="0"/>
+              </a:spcBef>
+              <a:tabLst>
+                <a:tab pos="357188" algn="l"/>
+                <a:tab pos="900113" algn="l"/>
+              </a:tabLst>
+            </a:pPr>
+            <a:r>
+              <a:rPr lang="en-US" sz="2400" b="1" dirty="0" smtClean="0">
+                <a:latin typeface="Arial" panose="020B0604020202020204" pitchFamily="34" charset="0"/>
+                <a:cs typeface="Arial" panose="020B0604020202020204" pitchFamily="34" charset="0"/>
+              </a:rPr>
+              <a:t>IDE </a:t>
+            </a:r>
+            <a:r>
+              <a:rPr lang="ru-RU" sz="2400" b="1" dirty="0" smtClean="0">
+                <a:latin typeface="Arial" panose="020B0604020202020204" pitchFamily="34" charset="0"/>
+                <a:cs typeface="Arial" panose="020B0604020202020204" pitchFamily="34" charset="0"/>
+              </a:rPr>
+              <a:t>для упрощения работы с приложением:</a:t>
+            </a:r>
+          </a:p>
+          <a:p>
+            <a:pPr marL="628650" defTabSz="900113">
+              <a:lnSpc>
+                <a:spcPct val="150000"/>
+              </a:lnSpc>
+              <a:spcBef>
+                <a:spcPts val="0"/>
+              </a:spcBef>
+              <a:tabLst>
+                <a:tab pos="357188" algn="l"/>
+                <a:tab pos="900113" algn="l"/>
+              </a:tabLst>
+            </a:pPr>
+            <a:r>
+              <a:rPr lang="en-US" sz="2400" dirty="0" smtClean="0">
+                <a:latin typeface="Arial" panose="020B0604020202020204" pitchFamily="34" charset="0"/>
+                <a:cs typeface="Arial" panose="020B0604020202020204" pitchFamily="34" charset="0"/>
+              </a:rPr>
+              <a:t>Visual Studio 2017 / Visual Studio for Mac / Visual Studio Code.</a:t>
+            </a:r>
+            <a:endParaRPr lang="ru-RU" sz="2400" dirty="0" smtClean="0">
+              <a:latin typeface="Arial" panose="020B0604020202020204" pitchFamily="34" charset="0"/>
+              <a:cs typeface="Arial" panose="020B0604020202020204" pitchFamily="34" charset="0"/>
+            </a:endParaRPr>
+          </a:p>
+          <a:p>
+            <a:pPr indent="628650">
+              <a:lnSpc>
+                <a:spcPct val="150000"/>
+              </a:lnSpc>
+            </a:pPr>
+            <a:r>
+              <a:rPr lang="ru-RU" sz="2400" b="1" dirty="0" smtClean="0">
+                <a:latin typeface="Arial" panose="020B0604020202020204" pitchFamily="34" charset="0"/>
+                <a:cs typeface="Arial" panose="020B0604020202020204" pitchFamily="34" charset="0"/>
+              </a:rPr>
+              <a:t>Минимальные </a:t>
+            </a:r>
+            <a:r>
+              <a:rPr lang="ru-RU" sz="2400" b="1" dirty="0">
+                <a:latin typeface="Arial" panose="020B0604020202020204" pitchFamily="34" charset="0"/>
+                <a:cs typeface="Arial" panose="020B0604020202020204" pitchFamily="34" charset="0"/>
+              </a:rPr>
+              <a:t>системные требования</a:t>
+            </a:r>
+            <a:r>
+              <a:rPr lang="ru-RU" sz="2400" dirty="0" smtClean="0">
+                <a:latin typeface="Arial" panose="020B0604020202020204" pitchFamily="34" charset="0"/>
+                <a:cs typeface="Arial" panose="020B0604020202020204" pitchFamily="34" charset="0"/>
+              </a:rPr>
+              <a:t>:</a:t>
+            </a:r>
+          </a:p>
+          <a:p>
+            <a:pPr indent="628650">
+              <a:lnSpc>
+                <a:spcPct val="150000"/>
+              </a:lnSpc>
+            </a:pPr>
+            <a:r>
+              <a:rPr lang="ru-RU" sz="2400" dirty="0" smtClean="0">
+                <a:latin typeface="Arial" panose="020B0604020202020204" pitchFamily="34" charset="0"/>
+                <a:cs typeface="Arial" panose="020B0604020202020204" pitchFamily="34" charset="0"/>
+              </a:rPr>
+              <a:t>ОЗУ </a:t>
+            </a:r>
+            <a:r>
+              <a:rPr lang="ru-RU" sz="2400" dirty="0">
+                <a:latin typeface="Arial" panose="020B0604020202020204" pitchFamily="34" charset="0"/>
+                <a:cs typeface="Arial" panose="020B0604020202020204" pitchFamily="34" charset="0"/>
+              </a:rPr>
+              <a:t>объемом </a:t>
+            </a:r>
+            <a:r>
+              <a:rPr lang="ru-RU" sz="2400" dirty="0" smtClean="0">
+                <a:latin typeface="Arial" panose="020B0604020202020204" pitchFamily="34" charset="0"/>
+                <a:cs typeface="Arial" panose="020B0604020202020204" pitchFamily="34" charset="0"/>
+              </a:rPr>
+              <a:t>4</a:t>
+            </a:r>
+            <a:r>
+              <a:rPr lang="en-US" sz="2400" dirty="0" smtClean="0">
+                <a:latin typeface="Arial" panose="020B0604020202020204" pitchFamily="34" charset="0"/>
+                <a:cs typeface="Arial" panose="020B0604020202020204" pitchFamily="34" charset="0"/>
+              </a:rPr>
+              <a:t> </a:t>
+            </a:r>
+            <a:r>
+              <a:rPr lang="ru-RU" sz="2400" dirty="0" smtClean="0">
+                <a:latin typeface="Arial" panose="020B0604020202020204" pitchFamily="34" charset="0"/>
+                <a:cs typeface="Arial" panose="020B0604020202020204" pitchFamily="34" charset="0"/>
+              </a:rPr>
+              <a:t>Гб;</a:t>
+            </a:r>
+            <a:endParaRPr lang="ru-RU" sz="2400" dirty="0">
+              <a:latin typeface="Arial" panose="020B0604020202020204" pitchFamily="34" charset="0"/>
+              <a:cs typeface="Arial" panose="020B0604020202020204" pitchFamily="34" charset="0"/>
+            </a:endParaRPr>
+          </a:p>
+          <a:p>
+            <a:pPr marL="900113" indent="-271463">
+              <a:lnSpc>
+                <a:spcPct val="150000"/>
+              </a:lnSpc>
+            </a:pPr>
+            <a:endParaRPr lang="ru-RU" dirty="0"/>
+          </a:p>
+        </p:txBody>
+      </p:sp>
+      <p:sp>
+        <p:nvSpPr>
+          <p:cNvPr id="3" name="Номер слайда 2"/>
+          <p:cNvSpPr>
+            <a:spLocks noGrp="1"/>
+          </p:cNvSpPr>
+          <p:nvPr>
+            <p:ph type="sldNum" sz="quarter" idx="12"/>
+          </p:nvPr>
+        </p:nvSpPr>
+        <p:spPr/>
+        <p:txBody>
+          <a:bodyPr/>
+          <a:lstStyle/>
+          <a:p>
+            <a:fld id="{ADDC721D-FED4-4080-8955-62676588A2D9}" type="slidenum">
+              <a:rPr lang="ru-RU" smtClean="0"/>
+              <a:t>11</a:t>
+            </a:fld>
+            <a:endParaRPr lang="ru-RU"/>
+          </a:p>
+        </p:txBody>
+      </p:sp>
+    </p:spTree>
+    <p:extLst>
+      <p:ext uri="{BB962C8B-B14F-4D97-AF65-F5344CB8AC3E}">
+        <p14:creationId xmlns:p14="http://schemas.microsoft.com/office/powerpoint/2010/main" val="2868743933"/>
+      </p:ext>
+    </p:extLst>
+  </p:cSld>
+  <p:clrMapOvr>
+    <a:masterClrMapping/>
+  </p:clrMapOvr>
+  <p:timing>
+    <p:tnLst>
+      <p:par>
+        <p:cTn id="1" dur="indefinite" restart="never" nodeType="tmRoot"/>
+      </p:par>
+    </p:tnLst>
+  </p:timing>
+</p:sld>
+</file>
+
+<file path=ppt/slides/slide12.xml><?xml version="1.0" encoding="utf-8"?>
+<p:sld xmlns:a="http://schemas.openxmlformats.org/drawingml/2006/main" xmlns:r="http://schemas.openxmlformats.org/officeDocument/2006/relationships" xmlns:p="http://schemas.openxmlformats.org/presentationml/2006/main">
+  <p:cSld>
+    <p:spTree>
+      <p:nvGrpSpPr>
+        <p:cNvPr id="1" name=""/>
+        <p:cNvGrpSpPr/>
+        <p:nvPr/>
+      </p:nvGrpSpPr>
+      <p:grpSpPr>
+        <a:xfrm>
+          <a:off x="0" y="0"/>
+          <a:ext cx="0" cy="0"/>
+          <a:chOff x="0" y="0"/>
+          <a:chExt cx="0" cy="0"/>
+        </a:xfrm>
+      </p:grpSpPr>
+      <p:sp>
+        <p:nvSpPr>
+          <p:cNvPr id="2" name="Заголовок 1"/>
+          <p:cNvSpPr>
+            <a:spLocks noGrp="1"/>
+          </p:cNvSpPr>
+          <p:nvPr>
+            <p:ph type="title"/>
+          </p:nvPr>
+        </p:nvSpPr>
         <p:spPr/>
         <p:txBody>
           <a:bodyPr>
@@ -4275,14 +4717,7 @@
                 <a:latin typeface="Arial" panose="020B0604020202020204" pitchFamily="34" charset="0"/>
                 <a:cs typeface="Arial" panose="020B0604020202020204" pitchFamily="34" charset="0"/>
               </a:rPr>
-              <a:t>Алгоритм </a:t>
-            </a:r>
-            <a:r>
-              <a:rPr lang="ru-RU" sz="4000" dirty="0" err="1" smtClean="0">
-                <a:latin typeface="Arial" panose="020B0604020202020204" pitchFamily="34" charset="0"/>
-                <a:cs typeface="Arial" panose="020B0604020202020204" pitchFamily="34" charset="0"/>
-              </a:rPr>
-              <a:t>Дейча-Джозы</a:t>
+              <a:t>Проверка функции на сбалансированность</a:t>
             </a:r>
             <a:endParaRPr lang="ru-RU" sz="4000" dirty="0">
               <a:latin typeface="Arial" panose="020B0604020202020204" pitchFamily="34" charset="0"/>
@@ -4597,7 +5032,7 @@
           <a:p>
             <a:fld id="{ADDC721D-FED4-4080-8955-62676588A2D9}" type="slidenum">
               <a:rPr lang="ru-RU" smtClean="0"/>
-              <a:t>11</a:t>
+              <a:t>12</a:t>
             </a:fld>
             <a:endParaRPr lang="ru-RU"/>
           </a:p>
@@ -4613,10 +5048,146 @@
   <p:clrMapOvr>
     <a:masterClrMapping/>
   </p:clrMapOvr>
+  <p:timing>
+    <p:tnLst>
+      <p:par>
+        <p:cTn id="1" dur="indefinite" restart="never" nodeType="tmRoot"/>
+      </p:par>
+    </p:tnLst>
+  </p:timing>
 </p:sld>
 </file>
 
-<file path=ppt/slides/slide12.xml><?xml version="1.0" encoding="utf-8"?>
+<file path=ppt/slides/slide13.xml><?xml version="1.0" encoding="utf-8"?>
+<p:sld xmlns:a="http://schemas.openxmlformats.org/drawingml/2006/main" xmlns:r="http://schemas.openxmlformats.org/officeDocument/2006/relationships" xmlns:p="http://schemas.openxmlformats.org/presentationml/2006/main">
+  <p:cSld>
+    <p:spTree>
+      <p:nvGrpSpPr>
+        <p:cNvPr id="1" name=""/>
+        <p:cNvGrpSpPr/>
+        <p:nvPr/>
+      </p:nvGrpSpPr>
+      <p:grpSpPr>
+        <a:xfrm>
+          <a:off x="0" y="0"/>
+          <a:ext cx="0" cy="0"/>
+          <a:chOff x="0" y="0"/>
+          <a:chExt cx="0" cy="0"/>
+        </a:xfrm>
+      </p:grpSpPr>
+      <p:pic>
+        <p:nvPicPr>
+          <p:cNvPr id="5" name="Объект 4"/>
+          <p:cNvPicPr>
+            <a:picLocks noGrp="1" noChangeAspect="1"/>
+          </p:cNvPicPr>
+          <p:nvPr>
+            <p:ph idx="1"/>
+          </p:nvPr>
+        </p:nvPicPr>
+        <p:blipFill>
+          <a:blip r:embed="rId2">
+            <a:extLst>
+              <a:ext uri="{28A0092B-C50C-407E-A947-70E740481C1C}">
+                <a14:useLocalDpi xmlns:a14="http://schemas.microsoft.com/office/drawing/2010/main" val="0"/>
+              </a:ext>
+            </a:extLst>
+          </a:blip>
+          <a:stretch>
+            <a:fillRect/>
+          </a:stretch>
+        </p:blipFill>
+        <p:spPr>
+          <a:xfrm>
+            <a:off x="3519274" y="1124353"/>
+            <a:ext cx="5366500" cy="5225647"/>
+          </a:xfrm>
+        </p:spPr>
+      </p:pic>
+      <p:sp>
+        <p:nvSpPr>
+          <p:cNvPr id="4" name="Номер слайда 3"/>
+          <p:cNvSpPr>
+            <a:spLocks noGrp="1"/>
+          </p:cNvSpPr>
+          <p:nvPr>
+            <p:ph type="sldNum" sz="quarter" idx="12"/>
+          </p:nvPr>
+        </p:nvSpPr>
+        <p:spPr/>
+        <p:txBody>
+          <a:bodyPr/>
+          <a:lstStyle/>
+          <a:p>
+            <a:fld id="{ADDC721D-FED4-4080-8955-62676588A2D9}" type="slidenum">
+              <a:rPr lang="ru-RU" smtClean="0"/>
+              <a:t>13</a:t>
+            </a:fld>
+            <a:endParaRPr lang="ru-RU"/>
+          </a:p>
+        </p:txBody>
+      </p:sp>
+      <p:sp>
+        <p:nvSpPr>
+          <p:cNvPr id="6" name="Прямоугольник 5"/>
+          <p:cNvSpPr/>
+          <p:nvPr/>
+        </p:nvSpPr>
+        <p:spPr>
+          <a:xfrm>
+            <a:off x="606971" y="416467"/>
+            <a:ext cx="11237895" cy="707886"/>
+          </a:xfrm>
+          <a:prstGeom prst="rect">
+            <a:avLst/>
+          </a:prstGeom>
+        </p:spPr>
+        <p:txBody>
+          <a:bodyPr wrap="square">
+            <a:spAutoFit/>
+          </a:bodyPr>
+          <a:lstStyle/>
+          <a:p>
+            <a:pPr algn="ctr"/>
+            <a:r>
+              <a:rPr lang="ru-RU" sz="4000" dirty="0">
+                <a:latin typeface="Arial" panose="020B0604020202020204" pitchFamily="34" charset="0"/>
+                <a:cs typeface="Arial" panose="020B0604020202020204" pitchFamily="34" charset="0"/>
+              </a:rPr>
+              <a:t>Алгоритм </a:t>
+            </a:r>
+            <a:r>
+              <a:rPr lang="ru-RU" sz="4000" dirty="0" err="1">
+                <a:latin typeface="Arial" panose="020B0604020202020204" pitchFamily="34" charset="0"/>
+                <a:cs typeface="Arial" panose="020B0604020202020204" pitchFamily="34" charset="0"/>
+              </a:rPr>
+              <a:t>Дейча-Джозы</a:t>
+            </a:r>
+            <a:endParaRPr lang="ru-RU" sz="4000" dirty="0"/>
+          </a:p>
+        </p:txBody>
+      </p:sp>
+    </p:spTree>
+    <p:extLst>
+      <p:ext uri="{BB962C8B-B14F-4D97-AF65-F5344CB8AC3E}">
+        <p14:creationId xmlns:p14="http://schemas.microsoft.com/office/powerpoint/2010/main" val="3477067644"/>
+      </p:ext>
+    </p:extLst>
+  </p:cSld>
+  <p:clrMapOvr>
+    <a:masterClrMapping/>
+  </p:clrMapOvr>
+  <p:timing>
+    <p:tnLst>
+      <p:par>
+        <p:cTn id="1" dur="indefinite" restart="never" nodeType="tmRoot"/>
+      </p:par>
+    </p:tnLst>
+  </p:timing>
+</p:sld>
+</file>
+
+<file path=ppt/slides/slide14.xml><?xml version="1.0" encoding="utf-8"?>
 <p:sld xmlns:a="http://schemas.openxmlformats.org/drawingml/2006/main" xmlns:r="http://schemas.openxmlformats.org/officeDocument/2006/relationships" xmlns:p="http://schemas.openxmlformats.org/presentationml/2006/main" show="0">
   <p:cSld>
     <p:spTree>
@@ -4723,7 +5294,7 @@
           <a:p>
             <a:fld id="{ADDC721D-FED4-4080-8955-62676588A2D9}" type="slidenum">
               <a:rPr lang="ru-RU" smtClean="0"/>
-              <a:t>12</a:t>
+              <a:t>14</a:t>
             </a:fld>
             <a:endParaRPr lang="ru-RU"/>
           </a:p>
@@ -4739,19 +5310,26 @@
   <p:clrMapOvr>
     <a:masterClrMapping/>
   </p:clrMapOvr>
-  <mc:AlternateContent xmlns:mc="http://schemas.openxmlformats.org/markup-compatibility/2006" xmlns:p14="http://schemas.microsoft.com/office/powerpoint/2010/main">
-    <mc:Choice Requires="p14">
+  <mc:AlternateContent xmlns:mc="http://schemas.openxmlformats.org/markup-compatibility/2006">
+    <mc:Choice xmlns:p14="http://schemas.microsoft.com/office/powerpoint/2010/main" Requires="p14">
       <p:transition spd="slow" p14:dur="2000"/>
     </mc:Choice>
-    <mc:Fallback xmlns="">
+    <mc:Fallback>
       <p:transition spd="slow"/>
     </mc:Fallback>
   </mc:AlternateContent>
+  <p:timing>
+    <p:tnLst>
+      <p:par>
+        <p:cTn id="1" dur="indefinite" restart="never" nodeType="tmRoot"/>
+      </p:par>
+    </p:tnLst>
+  </p:timing>
 </p:sld>
 </file>
 
-<file path=ppt/slides/slide13.xml><?xml version="1.0" encoding="utf-8"?>
-<p:sld xmlns:a="http://schemas.openxmlformats.org/drawingml/2006/main" xmlns:r="http://schemas.openxmlformats.org/officeDocument/2006/relationships" xmlns:p="http://schemas.openxmlformats.org/presentationml/2006/main">
+<file path=ppt/slides/slide15.xml><?xml version="1.0" encoding="utf-8"?>
+<p:sld xmlns:a="http://schemas.openxmlformats.org/drawingml/2006/main" xmlns:r="http://schemas.openxmlformats.org/officeDocument/2006/relationships" xmlns:p="http://schemas.openxmlformats.org/presentationml/2006/main" show="0">
   <p:cSld>
     <p:spTree>
       <p:nvGrpSpPr>
@@ -4942,7 +5520,7 @@
           <a:p>
             <a:fld id="{ADDC721D-FED4-4080-8955-62676588A2D9}" type="slidenum">
               <a:rPr lang="ru-RU" smtClean="0"/>
-              <a:t>13</a:t>
+              <a:t>15</a:t>
             </a:fld>
             <a:endParaRPr lang="ru-RU"/>
           </a:p>
@@ -4958,6 +5536,14 @@
   <p:clrMapOvr>
     <a:masterClrMapping/>
   </p:clrMapOvr>
+  <mc:AlternateContent xmlns:mc="http://schemas.openxmlformats.org/markup-compatibility/2006">
+    <mc:Choice xmlns:p14="http://schemas.microsoft.com/office/powerpoint/2010/main" Requires="p14">
+      <p:transition spd="slow" p14:dur="2000"/>
+    </mc:Choice>
+    <mc:Fallback>
+      <p:transition spd="slow"/>
+    </mc:Fallback>
+  </mc:AlternateContent>
   <p:timing>
     <p:tnLst>
       <p:par>
@@ -4968,8 +5554,8 @@
 </p:sld>
 </file>
 
-<file path=ppt/slides/slide14.xml><?xml version="1.0" encoding="utf-8"?>
-<p:sld xmlns:a="http://schemas.openxmlformats.org/drawingml/2006/main" xmlns:r="http://schemas.openxmlformats.org/officeDocument/2006/relationships" xmlns:p="http://schemas.openxmlformats.org/presentationml/2006/main">
+<file path=ppt/slides/slide16.xml><?xml version="1.0" encoding="utf-8"?>
+<p:sld xmlns:a="http://schemas.openxmlformats.org/drawingml/2006/main" xmlns:r="http://schemas.openxmlformats.org/officeDocument/2006/relationships" xmlns:p="http://schemas.openxmlformats.org/presentationml/2006/main" show="0">
   <p:cSld>
     <p:spTree>
       <p:nvGrpSpPr>
@@ -5233,7 +5819,7 @@
           <a:p>
             <a:fld id="{ADDC721D-FED4-4080-8955-62676588A2D9}" type="slidenum">
               <a:rPr lang="ru-RU" smtClean="0"/>
-              <a:t>14</a:t>
+              <a:t>16</a:t>
             </a:fld>
             <a:endParaRPr lang="ru-RU"/>
           </a:p>
@@ -5249,6 +5835,14 @@
   <p:clrMapOvr>
     <a:masterClrMapping/>
   </p:clrMapOvr>
+  <mc:AlternateContent xmlns:mc="http://schemas.openxmlformats.org/markup-compatibility/2006">
+    <mc:Choice xmlns:p14="http://schemas.microsoft.com/office/powerpoint/2010/main" Requires="p14">
+      <p:transition spd="slow" p14:dur="2000"/>
+    </mc:Choice>
+    <mc:Fallback>
+      <p:transition spd="slow"/>
+    </mc:Fallback>
+  </mc:AlternateContent>
   <p:timing>
     <p:tnLst>
       <p:par>
@@ -5259,7 +5853,7 @@
 </p:sld>
 </file>
 
-<file path=ppt/slides/slide15.xml><?xml version="1.0" encoding="utf-8"?>
+<file path=ppt/slides/slide17.xml><?xml version="1.0" encoding="utf-8"?>
 <p:sld xmlns:a="http://schemas.openxmlformats.org/drawingml/2006/main" xmlns:r="http://schemas.openxmlformats.org/officeDocument/2006/relationships" xmlns:p="http://schemas.openxmlformats.org/presentationml/2006/main">
   <p:cSld>
     <p:spTree>
@@ -5478,7 +6072,7 @@
                       <m:sSupPr>
                         <m:ctrlPr>
                           <a:rPr lang="ru-RU" i="1" dirty="0" smtClean="0">
-                            <a:latin typeface="Cambria Math" panose="02040503050406030204" pitchFamily="18" charset="0"/>
+                            <a:latin typeface="Cambria Math"/>
                           </a:rPr>
                         </m:ctrlPr>
                       </m:sSupPr>
@@ -5693,7 +6287,7 @@
           <a:p>
             <a:fld id="{ADDC721D-FED4-4080-8955-62676588A2D9}" type="slidenum">
               <a:rPr lang="ru-RU" smtClean="0"/>
-              <a:t>15</a:t>
+              <a:t>17</a:t>
             </a:fld>
             <a:endParaRPr lang="ru-RU"/>
           </a:p>
@@ -5709,10 +6303,17 @@
   <p:clrMapOvr>
     <a:masterClrMapping/>
   </p:clrMapOvr>
+  <p:timing>
+    <p:tnLst>
+      <p:par>
+        <p:cTn id="1" dur="indefinite" restart="never" nodeType="tmRoot"/>
+      </p:par>
+    </p:tnLst>
+  </p:timing>
 </p:sld>
 </file>
 
-<file path=ppt/slides/slide16.xml><?xml version="1.0" encoding="utf-8"?>
+<file path=ppt/slides/slide18.xml><?xml version="1.0" encoding="utf-8"?>
 <p:sld xmlns:a="http://schemas.openxmlformats.org/drawingml/2006/main" xmlns:r="http://schemas.openxmlformats.org/officeDocument/2006/relationships" xmlns:p="http://schemas.openxmlformats.org/presentationml/2006/main">
   <p:cSld>
     <p:spTree>
@@ -5746,12 +6347,20 @@
           </a:bodyPr>
           <a:lstStyle/>
           <a:p>
+            <a:pPr algn="ctr"/>
             <a:r>
               <a:rPr lang="ru-RU" sz="4000" dirty="0" smtClean="0">
                 <a:latin typeface="Arial" panose="020B0604020202020204" pitchFamily="34" charset="0"/>
                 <a:cs typeface="Arial" panose="020B0604020202020204" pitchFamily="34" charset="0"/>
               </a:rPr>
-              <a:t>Классические алгоритмы факторизации</a:t>
+              <a:t>Алгоритм </a:t>
+            </a:r>
+            <a:r>
+              <a:rPr lang="ru-RU" sz="4000" dirty="0" err="1" smtClean="0">
+                <a:latin typeface="Arial" panose="020B0604020202020204" pitchFamily="34" charset="0"/>
+                <a:cs typeface="Arial" panose="020B0604020202020204" pitchFamily="34" charset="0"/>
+              </a:rPr>
+              <a:t>Шенкса</a:t>
             </a:r>
             <a:endParaRPr lang="ru-RU" sz="4000" dirty="0">
               <a:latin typeface="Arial" panose="020B0604020202020204" pitchFamily="34" charset="0"/>
@@ -5762,176 +6371,6 @@
       </p:sp>
       <p:sp>
         <p:nvSpPr>
-          <p:cNvPr id="4" name="Текст 3"/>
-          <p:cNvSpPr>
-            <a:spLocks noGrp="1"/>
-          </p:cNvSpPr>
-          <p:nvPr>
-            <p:ph type="body" idx="1"/>
-          </p:nvPr>
-        </p:nvSpPr>
-        <p:spPr>
-          <a:xfrm>
-            <a:off x="839788" y="1565834"/>
-            <a:ext cx="5157787" cy="823912"/>
-          </a:xfrm>
-        </p:spPr>
-        <p:txBody>
-          <a:bodyPr>
-            <a:normAutofit/>
-          </a:bodyPr>
-          <a:lstStyle/>
-          <a:p>
-            <a:r>
-              <a:rPr lang="ru-RU" sz="3200" dirty="0" smtClean="0">
-                <a:latin typeface="Arial" panose="020B0604020202020204" pitchFamily="34" charset="0"/>
-                <a:cs typeface="Arial" panose="020B0604020202020204" pitchFamily="34" charset="0"/>
-              </a:rPr>
-              <a:t>Детерминированный	</a:t>
-            </a:r>
-            <a:endParaRPr lang="ru-RU" sz="3200" dirty="0">
-              <a:latin typeface="Arial" panose="020B0604020202020204" pitchFamily="34" charset="0"/>
-              <a:cs typeface="Arial" panose="020B0604020202020204" pitchFamily="34" charset="0"/>
-            </a:endParaRPr>
-          </a:p>
-        </p:txBody>
-      </p:sp>
-      <p:sp>
-        <p:nvSpPr>
-          <p:cNvPr id="5" name="Объект 4"/>
-          <p:cNvSpPr>
-            <a:spLocks noGrp="1"/>
-          </p:cNvSpPr>
-          <p:nvPr>
-            <p:ph sz="half" idx="2"/>
-          </p:nvPr>
-        </p:nvSpPr>
-        <p:spPr/>
-        <p:txBody>
-          <a:bodyPr>
-            <a:normAutofit/>
-          </a:bodyPr>
-          <a:lstStyle/>
-          <a:p>
-            <a:pPr marL="0" indent="0" algn="just">
-              <a:buNone/>
-            </a:pPr>
-            <a:r>
-              <a:rPr lang="ru-RU" sz="2400" dirty="0" smtClean="0">
-                <a:latin typeface="Arial" panose="020B0604020202020204" pitchFamily="34" charset="0"/>
-                <a:cs typeface="Arial" panose="020B0604020202020204" pitchFamily="34" charset="0"/>
-              </a:rPr>
-              <a:t>Метод квадратичных форм </a:t>
-            </a:r>
-            <a:r>
-              <a:rPr lang="ru-RU" sz="2400" dirty="0" err="1" smtClean="0">
-                <a:latin typeface="Arial" panose="020B0604020202020204" pitchFamily="34" charset="0"/>
-                <a:cs typeface="Arial" panose="020B0604020202020204" pitchFamily="34" charset="0"/>
-              </a:rPr>
-              <a:t>Шенкса</a:t>
-            </a:r>
-            <a:endParaRPr lang="ru-RU" sz="2400" dirty="0" smtClean="0">
-              <a:latin typeface="Arial" panose="020B0604020202020204" pitchFamily="34" charset="0"/>
-              <a:cs typeface="Arial" panose="020B0604020202020204" pitchFamily="34" charset="0"/>
-            </a:endParaRPr>
-          </a:p>
-          <a:p>
-            <a:pPr marL="0" indent="0" algn="just">
-              <a:buNone/>
-            </a:pPr>
-            <a:r>
-              <a:rPr lang="ru-RU" sz="2400" dirty="0" smtClean="0">
-                <a:latin typeface="Arial" panose="020B0604020202020204" pitchFamily="34" charset="0"/>
-                <a:cs typeface="Arial" panose="020B0604020202020204" pitchFamily="34" charset="0"/>
-              </a:rPr>
-              <a:t>Алгоритм </a:t>
-            </a:r>
-            <a:r>
-              <a:rPr lang="ru-RU" sz="2400" dirty="0" err="1" smtClean="0">
-                <a:latin typeface="Arial" panose="020B0604020202020204" pitchFamily="34" charset="0"/>
-                <a:cs typeface="Arial" panose="020B0604020202020204" pitchFamily="34" charset="0"/>
-              </a:rPr>
-              <a:t>Полларда-Штрассена</a:t>
-            </a:r>
-            <a:endParaRPr lang="ru-RU" sz="2400" dirty="0">
-              <a:latin typeface="Arial" panose="020B0604020202020204" pitchFamily="34" charset="0"/>
-              <a:cs typeface="Arial" panose="020B0604020202020204" pitchFamily="34" charset="0"/>
-            </a:endParaRPr>
-          </a:p>
-        </p:txBody>
-      </p:sp>
-      <p:sp>
-        <p:nvSpPr>
-          <p:cNvPr id="6" name="Текст 5"/>
-          <p:cNvSpPr>
-            <a:spLocks noGrp="1"/>
-          </p:cNvSpPr>
-          <p:nvPr>
-            <p:ph type="body" sz="quarter" idx="3"/>
-          </p:nvPr>
-        </p:nvSpPr>
-        <p:spPr>
-          <a:xfrm>
-            <a:off x="6172200" y="1565834"/>
-            <a:ext cx="5183188" cy="823912"/>
-          </a:xfrm>
-        </p:spPr>
-        <p:txBody>
-          <a:bodyPr>
-            <a:normAutofit/>
-          </a:bodyPr>
-          <a:lstStyle/>
-          <a:p>
-            <a:r>
-              <a:rPr lang="ru-RU" sz="3200" dirty="0" smtClean="0">
-                <a:latin typeface="Arial" panose="020B0604020202020204" pitchFamily="34" charset="0"/>
-                <a:cs typeface="Arial" panose="020B0604020202020204" pitchFamily="34" charset="0"/>
-              </a:rPr>
-              <a:t>Вероятностный</a:t>
-            </a:r>
-            <a:endParaRPr lang="ru-RU" sz="3200" dirty="0">
-              <a:latin typeface="Arial" panose="020B0604020202020204" pitchFamily="34" charset="0"/>
-              <a:cs typeface="Arial" panose="020B0604020202020204" pitchFamily="34" charset="0"/>
-            </a:endParaRPr>
-          </a:p>
-        </p:txBody>
-      </p:sp>
-      <p:sp>
-        <p:nvSpPr>
-          <p:cNvPr id="7" name="Объект 6"/>
-          <p:cNvSpPr>
-            <a:spLocks noGrp="1"/>
-          </p:cNvSpPr>
-          <p:nvPr>
-            <p:ph sz="quarter" idx="4"/>
-          </p:nvPr>
-        </p:nvSpPr>
-        <p:spPr/>
-        <p:txBody>
-          <a:bodyPr>
-            <a:normAutofit/>
-          </a:bodyPr>
-          <a:lstStyle/>
-          <a:p>
-            <a:pPr marL="0" indent="0">
-              <a:buNone/>
-            </a:pPr>
-            <a:r>
-              <a:rPr lang="ru-RU" sz="2400" dirty="0" smtClean="0">
-                <a:latin typeface="Arial" panose="020B0604020202020204" pitchFamily="34" charset="0"/>
-                <a:cs typeface="Arial" panose="020B0604020202020204" pitchFamily="34" charset="0"/>
-              </a:rPr>
-              <a:t>Метод решета числового поля</a:t>
-            </a:r>
-            <a:endParaRPr lang="ru-RU" sz="2400" dirty="0">
-              <a:latin typeface="Arial" panose="020B0604020202020204" pitchFamily="34" charset="0"/>
-              <a:cs typeface="Arial" panose="020B0604020202020204" pitchFamily="34" charset="0"/>
-            </a:endParaRPr>
-          </a:p>
-        </p:txBody>
-      </p:sp>
-      <p:sp>
-        <p:nvSpPr>
           <p:cNvPr id="3" name="Номер слайда 2"/>
           <p:cNvSpPr>
             <a:spLocks noGrp="1"/>
@@ -5947,7 +6386,7 @@
           <a:p>
             <a:fld id="{ADDC721D-FED4-4080-8955-62676588A2D9}" type="slidenum">
               <a:rPr lang="ru-RU" smtClean="0"/>
-              <a:t>16</a:t>
+              <a:t>18</a:t>
             </a:fld>
             <a:endParaRPr lang="ru-RU"/>
           </a:p>
@@ -5963,10 +6402,17 @@
   <p:clrMapOvr>
     <a:masterClrMapping/>
   </p:clrMapOvr>
+  <p:timing>
+    <p:tnLst>
+      <p:par>
+        <p:cTn id="1" dur="indefinite" restart="never" nodeType="tmRoot"/>
+      </p:par>
+    </p:tnLst>
+  </p:timing>
 </p:sld>
 </file>
 
-<file path=ppt/slides/slide17.xml><?xml version="1.0" encoding="utf-8"?>
+<file path=ppt/slides/slide19.xml><?xml version="1.0" encoding="utf-8"?>
 <p:sld xmlns:a="http://schemas.openxmlformats.org/drawingml/2006/main" xmlns:r="http://schemas.openxmlformats.org/officeDocument/2006/relationships" xmlns:p="http://schemas.openxmlformats.org/presentationml/2006/main">
   <p:cSld>
     <p:spTree>
@@ -6107,7 +6553,7 @@
                       <m:sSupPr>
                         <m:ctrlPr>
                           <a:rPr lang="ru-RU" i="1" smtClean="0">
-                            <a:latin typeface="Cambria Math" panose="02040503050406030204" pitchFamily="18" charset="0"/>
+                            <a:latin typeface="Cambria Math"/>
                           </a:rPr>
                         </m:ctrlPr>
                       </m:sSupPr>
@@ -6291,7 +6737,7 @@
                       <m:funcPr>
                         <m:ctrlPr>
                           <a:rPr lang="en-US" i="1" smtClean="0">
-                            <a:latin typeface="Cambria Math" panose="02040503050406030204" pitchFamily="18" charset="0"/>
+                            <a:latin typeface="Cambria Math"/>
                           </a:rPr>
                         </m:ctrlPr>
                       </m:funcPr>
@@ -6316,7 +6762,7 @@
                       <m:sSupPr>
                         <m:ctrlPr>
                           <a:rPr lang="en-US" i="1" smtClean="0">
-                            <a:latin typeface="Cambria Math" panose="02040503050406030204" pitchFamily="18" charset="0"/>
+                            <a:latin typeface="Cambria Math"/>
                           </a:rPr>
                         </m:ctrlPr>
                       </m:sSupPr>
@@ -6382,7 +6828,7 @@
                       <m:sSupPr>
                         <m:ctrlPr>
                           <a:rPr lang="en-US" i="1">
-                            <a:latin typeface="Cambria Math" panose="02040503050406030204" pitchFamily="18" charset="0"/>
+                            <a:latin typeface="Cambria Math"/>
                           </a:rPr>
                         </m:ctrlPr>
                       </m:sSupPr>
@@ -6407,7 +6853,7 @@
                       <m:funcPr>
                         <m:ctrlPr>
                           <a:rPr lang="en-US" i="1">
-                            <a:latin typeface="Cambria Math" panose="02040503050406030204" pitchFamily="18" charset="0"/>
+                            <a:latin typeface="Cambria Math"/>
                           </a:rPr>
                         </m:ctrlPr>
                       </m:funcPr>
@@ -6486,7 +6932,7 @@
                       <m:funcPr>
                         <m:ctrlPr>
                           <a:rPr lang="en-US" i="1" dirty="0" smtClean="0">
-                            <a:latin typeface="Cambria Math" panose="02040503050406030204" pitchFamily="18" charset="0"/>
+                            <a:latin typeface="Cambria Math"/>
                           </a:rPr>
                         </m:ctrlPr>
                       </m:funcPr>
@@ -6566,7 +7012,7 @@
                         <m:degHide m:val="on"/>
                         <m:ctrlPr>
                           <a:rPr lang="en-US" i="1" smtClean="0">
-                            <a:latin typeface="Cambria Math" panose="02040503050406030204" pitchFamily="18" charset="0"/>
+                            <a:latin typeface="Cambria Math"/>
                           </a:rPr>
                         </m:ctrlPr>
                       </m:radPr>
@@ -6584,7 +7030,7 @@
                       <m:funcPr>
                         <m:ctrlPr>
                           <a:rPr lang="en-US" i="1" smtClean="0">
-                            <a:latin typeface="Cambria Math" panose="02040503050406030204" pitchFamily="18" charset="0"/>
+                            <a:latin typeface="Cambria Math"/>
                           </a:rPr>
                         </m:ctrlPr>
                       </m:funcPr>
@@ -6607,7 +7053,7 @@
                           <m:sSupPr>
                             <m:ctrlPr>
                               <a:rPr lang="en-US" b="0" i="1" smtClean="0">
-                                <a:latin typeface="Cambria Math" panose="02040503050406030204" pitchFamily="18" charset="0"/>
+                                <a:latin typeface="Cambria Math"/>
                               </a:rPr>
                             </m:ctrlPr>
                           </m:sSupPr>
@@ -6700,7 +7146,7 @@
           <a:p>
             <a:fld id="{ADDC721D-FED4-4080-8955-62676588A2D9}" type="slidenum">
               <a:rPr lang="ru-RU" smtClean="0"/>
-              <a:t>17</a:t>
+              <a:t>19</a:t>
             </a:fld>
             <a:endParaRPr lang="ru-RU"/>
           </a:p>
@@ -6716,2125 +7162,13 @@
   <p:clrMapOvr>
     <a:masterClrMapping/>
   </p:clrMapOvr>
-</p:sld>
-</file>
-
-<file path=ppt/slides/slide18.xml><?xml version="1.0" encoding="utf-8"?>
-<p:sld xmlns:a="http://schemas.openxmlformats.org/drawingml/2006/main" xmlns:r="http://schemas.openxmlformats.org/officeDocument/2006/relationships" xmlns:p="http://schemas.openxmlformats.org/presentationml/2006/main">
-  <p:cSld>
-    <p:spTree>
-      <p:nvGrpSpPr>
-        <p:cNvPr id="1" name=""/>
-        <p:cNvGrpSpPr/>
-        <p:nvPr/>
-      </p:nvGrpSpPr>
-      <p:grpSpPr>
-        <a:xfrm>
-          <a:off x="0" y="0"/>
-          <a:ext cx="0" cy="0"/>
-          <a:chOff x="0" y="0"/>
-          <a:chExt cx="0" cy="0"/>
-        </a:xfrm>
-      </p:grpSpPr>
-      <p:sp>
-        <p:nvSpPr>
-          <p:cNvPr id="2" name="Заголовок 1"/>
-          <p:cNvSpPr>
-            <a:spLocks noGrp="1"/>
-          </p:cNvSpPr>
-          <p:nvPr>
-            <p:ph type="title"/>
-          </p:nvPr>
-        </p:nvSpPr>
-        <p:spPr>
-          <a:xfrm>
-            <a:off x="1156385" y="164758"/>
-            <a:ext cx="10011034" cy="897924"/>
-          </a:xfrm>
-        </p:spPr>
-        <p:txBody>
-          <a:bodyPr>
-            <a:normAutofit/>
-          </a:bodyPr>
-          <a:lstStyle/>
-          <a:p>
-            <a:pPr algn="ctr"/>
-            <a:r>
-              <a:rPr lang="ru-RU" sz="4000" dirty="0" smtClean="0">
-                <a:latin typeface="Arial" panose="020B0604020202020204" pitchFamily="34" charset="0"/>
-                <a:cs typeface="Arial" panose="020B0604020202020204" pitchFamily="34" charset="0"/>
-              </a:rPr>
-              <a:t>Сравнительный анализ алгоритмов</a:t>
-            </a:r>
-            <a:endParaRPr lang="ru-RU" sz="4000" dirty="0">
-              <a:latin typeface="Arial" panose="020B0604020202020204" pitchFamily="34" charset="0"/>
-              <a:cs typeface="Arial" panose="020B0604020202020204" pitchFamily="34" charset="0"/>
-            </a:endParaRPr>
-          </a:p>
-        </p:txBody>
-      </p:sp>
-      <mc:AlternateContent xmlns:mc="http://schemas.openxmlformats.org/markup-compatibility/2006" xmlns:a14="http://schemas.microsoft.com/office/drawing/2010/main">
-        <mc:Choice Requires="a14">
-          <p:graphicFrame>
-            <p:nvGraphicFramePr>
-              <p:cNvPr id="9" name="Объект 8"/>
-              <p:cNvGraphicFramePr>
-                <a:graphicFrameLocks noGrp="1"/>
-              </p:cNvGraphicFramePr>
-              <p:nvPr>
-                <p:ph idx="1"/>
-                <p:extLst>
-                  <p:ext uri="{D42A27DB-BD31-4B8C-83A1-F6EECF244321}">
-                    <p14:modId xmlns:p14="http://schemas.microsoft.com/office/powerpoint/2010/main" val="2278502247"/>
-                  </p:ext>
-                </p:extLst>
-              </p:nvPr>
-            </p:nvGraphicFramePr>
-            <p:xfrm>
-              <a:off x="970004" y="1227438"/>
-              <a:ext cx="10383796" cy="5125703"/>
-            </p:xfrm>
-            <a:graphic>
-              <a:graphicData uri="http://schemas.openxmlformats.org/drawingml/2006/table">
-                <a:tbl>
-                  <a:tblPr firstRow="1" bandRow="1">
-                    <a:tableStyleId>{D7AC3CCA-C797-4891-BE02-D94E43425B78}</a:tableStyleId>
-                  </a:tblPr>
-                  <a:tblGrid>
-                    <a:gridCol w="4483312"/>
-                    <a:gridCol w="3021363"/>
-                    <a:gridCol w="2879121"/>
-                  </a:tblGrid>
-                  <a:tr h="645143">
-                    <a:tc>
-                      <a:txBody>
-                        <a:bodyPr/>
-                        <a:lstStyle/>
-                        <a:p>
-                          <a:pPr algn="l"/>
-                          <a:r>
-                            <a:rPr lang="ru-RU" b="0" dirty="0" smtClean="0">
-                              <a:latin typeface="Arial" panose="020B0604020202020204" pitchFamily="34" charset="0"/>
-                              <a:cs typeface="Arial" panose="020B0604020202020204" pitchFamily="34" charset="0"/>
-                            </a:rPr>
-                            <a:t>Сбалансированность функции (детерминированный)</a:t>
-                          </a:r>
-                          <a:endParaRPr lang="ru-RU" b="0" dirty="0">
-                            <a:latin typeface="Arial" panose="020B0604020202020204" pitchFamily="34" charset="0"/>
-                            <a:cs typeface="Arial" panose="020B0604020202020204" pitchFamily="34" charset="0"/>
-                          </a:endParaRPr>
-                        </a:p>
-                      </a:txBody>
-                      <a:tcPr/>
-                    </a:tc>
-                    <a:tc>
-                      <a:txBody>
-                        <a:bodyPr/>
-                        <a:lstStyle/>
-                        <a:p>
-                          <a:pPr algn="ctr"/>
-                          <a:r>
-                            <a:rPr lang="en-US" b="0" i="1" dirty="0" smtClean="0">
-                              <a:latin typeface="Arial" panose="020B0604020202020204" pitchFamily="34" charset="0"/>
-                              <a:cs typeface="Arial" panose="020B0604020202020204" pitchFamily="34" charset="0"/>
-                            </a:rPr>
-                            <a:t>O(</a:t>
-                          </a:r>
-                          <a14:m>
-                            <m:oMath xmlns:m="http://schemas.openxmlformats.org/officeDocument/2006/math">
-                              <m:sSup>
-                                <m:sSupPr>
-                                  <m:ctrlPr>
-                                    <a:rPr lang="en-US" b="0" i="1" smtClean="0">
-                                      <a:latin typeface="Cambria Math" panose="02040503050406030204" pitchFamily="18" charset="0"/>
-                                    </a:rPr>
-                                  </m:ctrlPr>
-                                </m:sSupPr>
-                                <m:e>
-                                  <m:r>
-                                    <a:rPr lang="en-US" b="0" i="1" smtClean="0">
-                                      <a:latin typeface="Cambria Math" panose="02040503050406030204" pitchFamily="18" charset="0"/>
-                                    </a:rPr>
-                                    <m:t>2</m:t>
-                                  </m:r>
-                                </m:e>
-                                <m:sup>
-                                  <m:r>
-                                    <a:rPr lang="en-US" b="0" i="1" smtClean="0">
-                                      <a:latin typeface="Cambria Math" panose="02040503050406030204" pitchFamily="18" charset="0"/>
-                                    </a:rPr>
-                                    <m:t>𝑛</m:t>
-                                  </m:r>
-                                  <m:r>
-                                    <a:rPr lang="en-US" b="0" i="1" smtClean="0">
-                                      <a:latin typeface="Cambria Math" panose="02040503050406030204" pitchFamily="18" charset="0"/>
-                                    </a:rPr>
-                                    <m:t>−1</m:t>
-                                  </m:r>
-                                </m:sup>
-                              </m:sSup>
-                            </m:oMath>
-                          </a14:m>
-                          <a:r>
-                            <a:rPr lang="en-US" b="0" i="1" dirty="0" smtClean="0">
-                              <a:latin typeface="Arial" panose="020B0604020202020204" pitchFamily="34" charset="0"/>
-                              <a:cs typeface="Arial" panose="020B0604020202020204" pitchFamily="34" charset="0"/>
-                            </a:rPr>
-                            <a:t> + 1)</a:t>
-                          </a:r>
-                          <a:endParaRPr lang="ru-RU" b="0" i="1" dirty="0">
-                            <a:latin typeface="Arial" panose="020B0604020202020204" pitchFamily="34" charset="0"/>
-                            <a:cs typeface="Arial" panose="020B0604020202020204" pitchFamily="34" charset="0"/>
-                          </a:endParaRPr>
-                        </a:p>
-                      </a:txBody>
-                      <a:tcPr/>
-                    </a:tc>
-                    <a:tc>
-                      <a:txBody>
-                        <a:bodyPr/>
-                        <a:lstStyle/>
-                        <a:p>
-                          <a:endParaRPr lang="ru-RU" dirty="0">
-                            <a:latin typeface="Arial" panose="020B0604020202020204" pitchFamily="34" charset="0"/>
-                            <a:cs typeface="Arial" panose="020B0604020202020204" pitchFamily="34" charset="0"/>
-                          </a:endParaRPr>
-                        </a:p>
-                      </a:txBody>
-                      <a:tcPr/>
-                    </a:tc>
-                  </a:tr>
-                  <a:tr h="370840">
-                    <a:tc>
-                      <a:txBody>
-                        <a:bodyPr/>
-                        <a:lstStyle/>
-                        <a:p>
-                          <a:pPr algn="l"/>
-                          <a:r>
-                            <a:rPr lang="ru-RU" dirty="0" smtClean="0">
-                              <a:latin typeface="Arial" panose="020B0604020202020204" pitchFamily="34" charset="0"/>
-                              <a:cs typeface="Arial" panose="020B0604020202020204" pitchFamily="34" charset="0"/>
-                            </a:rPr>
-                            <a:t>Сбалансированность функции (вероятностный)</a:t>
-                          </a:r>
-                          <a:endParaRPr lang="ru-RU" dirty="0">
-                            <a:latin typeface="Arial" panose="020B0604020202020204" pitchFamily="34" charset="0"/>
-                            <a:cs typeface="Arial" panose="020B0604020202020204" pitchFamily="34" charset="0"/>
-                          </a:endParaRPr>
-                        </a:p>
-                      </a:txBody>
-                      <a:tcPr/>
-                    </a:tc>
-                    <a:tc>
-                      <a:txBody>
-                        <a:bodyPr/>
-                        <a:lstStyle/>
-                        <a:p>
-                          <a:pPr algn="ctr"/>
-                          <a:r>
-                            <a:rPr lang="en-US" i="1" dirty="0" smtClean="0">
-                              <a:latin typeface="Arial" panose="020B0604020202020204" pitchFamily="34" charset="0"/>
-                              <a:cs typeface="Arial" panose="020B0604020202020204" pitchFamily="34" charset="0"/>
-                            </a:rPr>
-                            <a:t>O(log</a:t>
-                          </a:r>
-                          <a14:m>
-                            <m:oMath xmlns:m="http://schemas.openxmlformats.org/officeDocument/2006/math">
-                              <m:f>
-                                <m:fPr>
-                                  <m:ctrlPr>
-                                    <a:rPr lang="en-US" i="1" smtClean="0">
-                                      <a:latin typeface="Cambria Math" panose="02040503050406030204" pitchFamily="18" charset="0"/>
-                                    </a:rPr>
-                                  </m:ctrlPr>
-                                </m:fPr>
-                                <m:num>
-                                  <m:r>
-                                    <a:rPr lang="en-US" b="0" i="1" smtClean="0">
-                                      <a:latin typeface="Cambria Math" panose="02040503050406030204" pitchFamily="18" charset="0"/>
-                                    </a:rPr>
-                                    <m:t>1</m:t>
-                                  </m:r>
-                                </m:num>
-                                <m:den>
-                                  <m:r>
-                                    <a:rPr lang="en-US" b="0" i="1" smtClean="0">
-                                      <a:latin typeface="Cambria Math" panose="02040503050406030204" pitchFamily="18" charset="0"/>
-                                    </a:rPr>
-                                    <m:t>1−</m:t>
-                                  </m:r>
-                                  <m:r>
-                                    <a:rPr lang="en-US" b="0" i="1" smtClean="0">
-                                      <a:latin typeface="Cambria Math" panose="02040503050406030204" pitchFamily="18" charset="0"/>
-                                    </a:rPr>
-                                    <m:t>𝑝</m:t>
-                                  </m:r>
-                                </m:den>
-                              </m:f>
-                            </m:oMath>
-                          </a14:m>
-                          <a:r>
-                            <a:rPr lang="en-US" i="1" dirty="0" smtClean="0">
-                              <a:latin typeface="Arial" panose="020B0604020202020204" pitchFamily="34" charset="0"/>
-                              <a:cs typeface="Arial" panose="020B0604020202020204" pitchFamily="34" charset="0"/>
-                            </a:rPr>
-                            <a:t>)</a:t>
-                          </a:r>
-                          <a:endParaRPr lang="ru-RU" i="1" dirty="0">
-                            <a:latin typeface="Arial" panose="020B0604020202020204" pitchFamily="34" charset="0"/>
-                            <a:cs typeface="Arial" panose="020B0604020202020204" pitchFamily="34" charset="0"/>
-                          </a:endParaRPr>
-                        </a:p>
-                      </a:txBody>
-                      <a:tcPr/>
-                    </a:tc>
-                    <a:tc>
-                      <a:txBody>
-                        <a:bodyPr/>
-                        <a:lstStyle/>
-                        <a:p>
-                          <a:r>
-                            <a:rPr lang="ru-RU" dirty="0" smtClean="0">
-                              <a:latin typeface="Arial" panose="020B0604020202020204" pitchFamily="34" charset="0"/>
-                              <a:cs typeface="Arial" panose="020B0604020202020204" pitchFamily="34" charset="0"/>
-                            </a:rPr>
-                            <a:t>Вероятность</a:t>
-                          </a:r>
-                          <a:r>
-                            <a:rPr lang="ru-RU" baseline="0" dirty="0" smtClean="0">
-                              <a:latin typeface="Arial" panose="020B0604020202020204" pitchFamily="34" charset="0"/>
-                              <a:cs typeface="Arial" panose="020B0604020202020204" pitchFamily="34" charset="0"/>
-                            </a:rPr>
-                            <a:t> 99,9 при </a:t>
-                          </a:r>
-                          <a:br>
-                            <a:rPr lang="ru-RU" baseline="0" dirty="0" smtClean="0">
-                              <a:latin typeface="Arial" panose="020B0604020202020204" pitchFamily="34" charset="0"/>
-                              <a:cs typeface="Arial" panose="020B0604020202020204" pitchFamily="34" charset="0"/>
-                            </a:rPr>
-                          </a:br>
-                          <a:r>
-                            <a:rPr lang="ru-RU" baseline="0" dirty="0" smtClean="0">
-                              <a:latin typeface="Arial" panose="020B0604020202020204" pitchFamily="34" charset="0"/>
-                              <a:cs typeface="Arial" panose="020B0604020202020204" pitchFamily="34" charset="0"/>
-                            </a:rPr>
-                            <a:t>14 вызовах</a:t>
-                          </a:r>
-                          <a:endParaRPr lang="ru-RU" dirty="0">
-                            <a:latin typeface="Arial" panose="020B0604020202020204" pitchFamily="34" charset="0"/>
-                            <a:cs typeface="Arial" panose="020B0604020202020204" pitchFamily="34" charset="0"/>
-                          </a:endParaRPr>
-                        </a:p>
-                      </a:txBody>
-                      <a:tcPr/>
-                    </a:tc>
-                  </a:tr>
-                  <a:tr h="370840">
-                    <a:tc>
-                      <a:txBody>
-                        <a:bodyPr/>
-                        <a:lstStyle/>
-                        <a:p>
-                          <a:pPr algn="l"/>
-                          <a:r>
-                            <a:rPr lang="ru-RU" dirty="0" smtClean="0">
-                              <a:latin typeface="Arial" panose="020B0604020202020204" pitchFamily="34" charset="0"/>
-                              <a:cs typeface="Arial" panose="020B0604020202020204" pitchFamily="34" charset="0"/>
-                            </a:rPr>
-                            <a:t>Алгоритм </a:t>
-                          </a:r>
-                          <a:r>
-                            <a:rPr lang="ru-RU" dirty="0" err="1" smtClean="0">
-                              <a:latin typeface="Arial" panose="020B0604020202020204" pitchFamily="34" charset="0"/>
-                              <a:cs typeface="Arial" panose="020B0604020202020204" pitchFamily="34" charset="0"/>
-                            </a:rPr>
-                            <a:t>Дейча-Джозы</a:t>
-                          </a:r>
-                          <a:endParaRPr lang="ru-RU" dirty="0">
-                            <a:latin typeface="Arial" panose="020B0604020202020204" pitchFamily="34" charset="0"/>
-                            <a:cs typeface="Arial" panose="020B0604020202020204" pitchFamily="34" charset="0"/>
-                          </a:endParaRPr>
-                        </a:p>
-                      </a:txBody>
-                      <a:tcPr/>
-                    </a:tc>
-                    <a:tc>
-                      <a:txBody>
-                        <a:bodyPr/>
-                        <a:lstStyle/>
-                        <a:p>
-                          <a:pPr marL="0" marR="0" lvl="0" indent="0" algn="ctr" defTabSz="914400" rtl="0" eaLnBrk="1" fontAlgn="auto" latinLnBrk="0" hangingPunct="1">
-                            <a:lnSpc>
-                              <a:spcPct val="100000"/>
-                            </a:lnSpc>
-                            <a:spcBef>
-                              <a:spcPts val="0"/>
-                            </a:spcBef>
-                            <a:spcAft>
-                              <a:spcPts val="0"/>
-                            </a:spcAft>
-                            <a:buClrTx/>
-                            <a:buSzTx/>
-                            <a:buFontTx/>
-                            <a:buNone/>
-                            <a:tabLst/>
-                            <a:defRPr/>
-                          </a:pPr>
-                          <a:r>
-                            <a:rPr lang="en-US" i="1" dirty="0" smtClean="0">
-                              <a:latin typeface="Arial" panose="020B0604020202020204" pitchFamily="34" charset="0"/>
-                              <a:cs typeface="Arial" panose="020B0604020202020204" pitchFamily="34" charset="0"/>
-                            </a:rPr>
-                            <a:t>O(1)</a:t>
-                          </a:r>
-                          <a:endParaRPr lang="ru-RU" i="1" dirty="0" smtClean="0">
-                            <a:latin typeface="Arial" panose="020B0604020202020204" pitchFamily="34" charset="0"/>
-                            <a:cs typeface="Arial" panose="020B0604020202020204" pitchFamily="34" charset="0"/>
-                          </a:endParaRPr>
-                        </a:p>
-                        <a:p>
-                          <a:pPr algn="ctr"/>
-                          <a:endParaRPr lang="ru-RU" i="1" dirty="0">
-                            <a:latin typeface="Arial" panose="020B0604020202020204" pitchFamily="34" charset="0"/>
-                            <a:cs typeface="Arial" panose="020B0604020202020204" pitchFamily="34" charset="0"/>
-                          </a:endParaRPr>
-                        </a:p>
-                      </a:txBody>
-                      <a:tcPr/>
-                    </a:tc>
-                    <a:tc>
-                      <a:txBody>
-                        <a:bodyPr/>
-                        <a:lstStyle/>
-                        <a:p>
-                          <a:endParaRPr lang="ru-RU" dirty="0">
-                            <a:latin typeface="Arial" panose="020B0604020202020204" pitchFamily="34" charset="0"/>
-                            <a:cs typeface="Arial" panose="020B0604020202020204" pitchFamily="34" charset="0"/>
-                          </a:endParaRPr>
-                        </a:p>
-                      </a:txBody>
-                      <a:tcPr/>
-                    </a:tc>
-                  </a:tr>
-                  <a:tr h="370840">
-                    <a:tc>
-                      <a:txBody>
-                        <a:bodyPr/>
-                        <a:lstStyle/>
-                        <a:p>
-                          <a:pPr algn="l"/>
-                          <a:r>
-                            <a:rPr lang="ru-RU" dirty="0" smtClean="0">
-                              <a:latin typeface="Arial" panose="020B0604020202020204" pitchFamily="34" charset="0"/>
-                              <a:cs typeface="Arial" panose="020B0604020202020204" pitchFamily="34" charset="0"/>
-                            </a:rPr>
-                            <a:t>Метод квадратичных форм </a:t>
-                          </a:r>
-                          <a:r>
-                            <a:rPr lang="ru-RU" dirty="0" err="1" smtClean="0">
-                              <a:latin typeface="Arial" panose="020B0604020202020204" pitchFamily="34" charset="0"/>
-                              <a:cs typeface="Arial" panose="020B0604020202020204" pitchFamily="34" charset="0"/>
-                            </a:rPr>
-                            <a:t>Шенкса</a:t>
-                          </a:r>
-                          <a:endParaRPr lang="ru-RU" dirty="0" smtClean="0">
-                            <a:latin typeface="Arial" panose="020B0604020202020204" pitchFamily="34" charset="0"/>
-                            <a:cs typeface="Arial" panose="020B0604020202020204" pitchFamily="34" charset="0"/>
-                          </a:endParaRPr>
-                        </a:p>
-                        <a:p>
-                          <a:pPr algn="l"/>
-                          <a:endParaRPr lang="ru-RU" dirty="0">
-                            <a:latin typeface="Arial" panose="020B0604020202020204" pitchFamily="34" charset="0"/>
-                            <a:cs typeface="Arial" panose="020B0604020202020204" pitchFamily="34" charset="0"/>
-                          </a:endParaRPr>
-                        </a:p>
-                      </a:txBody>
-                      <a:tcPr/>
-                    </a:tc>
-                    <a:tc>
-                      <a:txBody>
-                        <a:bodyPr/>
-                        <a:lstStyle/>
-                        <a:p>
-                          <a:pPr algn="ctr"/>
-                          <a:r>
-                            <a:rPr lang="en-US" sz="1800" b="0" i="1" u="none" strike="noStrike" kern="1200" dirty="0" smtClean="0">
-                              <a:solidFill>
-                                <a:schemeClr val="dk1"/>
-                              </a:solidFill>
-                              <a:effectLst/>
-                              <a:latin typeface="Arial" panose="020B0604020202020204" pitchFamily="34" charset="0"/>
-                              <a:ea typeface="+mn-ea"/>
-                              <a:cs typeface="Arial" panose="020B0604020202020204" pitchFamily="34" charset="0"/>
-                            </a:rPr>
-                            <a:t>O(</a:t>
-                          </a:r>
-                          <a14:m>
-                            <m:oMath xmlns:m="http://schemas.openxmlformats.org/officeDocument/2006/math">
-                              <m:sSup>
-                                <m:sSupPr>
-                                  <m:ctrlPr>
-                                    <a:rPr lang="en-US" sz="1800" b="0" i="1" u="none" strike="noStrike" kern="1200" smtClean="0">
-                                      <a:solidFill>
-                                        <a:schemeClr val="dk1"/>
-                                      </a:solidFill>
-                                      <a:effectLst/>
-                                      <a:latin typeface="Cambria Math" panose="02040503050406030204" pitchFamily="18" charset="0"/>
-                                      <a:ea typeface="+mn-ea"/>
-                                      <a:cs typeface="+mn-cs"/>
-                                    </a:rPr>
-                                  </m:ctrlPr>
-                                </m:sSupPr>
-                                <m:e>
-                                  <m:r>
-                                    <a:rPr lang="en-US" sz="1800" b="0" i="1" u="none" strike="noStrike" kern="1200" smtClean="0">
-                                      <a:solidFill>
-                                        <a:schemeClr val="dk1"/>
-                                      </a:solidFill>
-                                      <a:effectLst/>
-                                      <a:latin typeface="Cambria Math" panose="02040503050406030204" pitchFamily="18" charset="0"/>
-                                      <a:ea typeface="+mn-ea"/>
-                                      <a:cs typeface="+mn-cs"/>
-                                    </a:rPr>
-                                    <m:t>𝑛</m:t>
-                                  </m:r>
-                                </m:e>
-                                <m:sup>
-                                  <m:f>
-                                    <m:fPr>
-                                      <m:ctrlPr>
-                                        <a:rPr lang="en-US" sz="1800" b="0" i="1" u="none" strike="noStrike" kern="1200" smtClean="0">
-                                          <a:solidFill>
-                                            <a:schemeClr val="dk1"/>
-                                          </a:solidFill>
-                                          <a:effectLst/>
-                                          <a:latin typeface="Cambria Math" panose="02040503050406030204" pitchFamily="18" charset="0"/>
-                                          <a:ea typeface="+mn-ea"/>
-                                          <a:cs typeface="+mn-cs"/>
-                                        </a:rPr>
-                                      </m:ctrlPr>
-                                    </m:fPr>
-                                    <m:num>
-                                      <m:r>
-                                        <a:rPr lang="en-US" sz="1800" b="0" i="1" u="none" strike="noStrike" kern="1200" smtClean="0">
-                                          <a:solidFill>
-                                            <a:schemeClr val="dk1"/>
-                                          </a:solidFill>
-                                          <a:effectLst/>
-                                          <a:latin typeface="Cambria Math" panose="02040503050406030204" pitchFamily="18" charset="0"/>
-                                          <a:ea typeface="+mn-ea"/>
-                                          <a:cs typeface="+mn-cs"/>
-                                        </a:rPr>
-                                        <m:t>1</m:t>
-                                      </m:r>
-                                    </m:num>
-                                    <m:den>
-                                      <m:r>
-                                        <a:rPr lang="en-US" sz="1800" b="0" i="1" u="none" strike="noStrike" kern="1200" smtClean="0">
-                                          <a:solidFill>
-                                            <a:schemeClr val="dk1"/>
-                                          </a:solidFill>
-                                          <a:effectLst/>
-                                          <a:latin typeface="Cambria Math" panose="02040503050406030204" pitchFamily="18" charset="0"/>
-                                          <a:ea typeface="+mn-ea"/>
-                                          <a:cs typeface="+mn-cs"/>
-                                        </a:rPr>
-                                        <m:t>5</m:t>
-                                      </m:r>
-                                    </m:den>
-                                  </m:f>
-                                  <m:r>
-                                    <a:rPr lang="en-US" sz="1800" b="0" i="1" u="none" strike="noStrike" kern="1200" smtClean="0">
-                                      <a:solidFill>
-                                        <a:schemeClr val="dk1"/>
-                                      </a:solidFill>
-                                      <a:effectLst/>
-                                      <a:latin typeface="Cambria Math" panose="02040503050406030204" pitchFamily="18" charset="0"/>
-                                      <a:ea typeface="+mn-ea"/>
-                                      <a:cs typeface="+mn-cs"/>
-                                    </a:rPr>
-                                    <m:t>+</m:t>
-                                  </m:r>
-                                  <m:r>
-                                    <m:rPr>
-                                      <m:nor/>
-                                    </m:rPr>
-                                    <a:rPr lang="el-GR" sz="1800" b="0" i="1" u="none" strike="noStrike" kern="1200" dirty="0" smtClean="0">
-                                      <a:solidFill>
-                                        <a:schemeClr val="dk1"/>
-                                      </a:solidFill>
-                                      <a:effectLst/>
-                                      <a:latin typeface="Arial" panose="020B0604020202020204" pitchFamily="34" charset="0"/>
-                                      <a:ea typeface="+mn-ea"/>
-                                      <a:cs typeface="Arial" panose="020B0604020202020204" pitchFamily="34" charset="0"/>
-                                    </a:rPr>
-                                    <m:t>ε</m:t>
-                                  </m:r>
-                                </m:sup>
-                              </m:sSup>
-                            </m:oMath>
-                          </a14:m>
-                          <a:r>
-                            <a:rPr lang="el-GR" sz="1800" b="0" i="1" u="none" strike="noStrike" kern="1200" dirty="0" smtClean="0">
-                              <a:solidFill>
-                                <a:schemeClr val="dk1"/>
-                              </a:solidFill>
-                              <a:effectLst/>
-                              <a:latin typeface="Arial" panose="020B0604020202020204" pitchFamily="34" charset="0"/>
-                              <a:ea typeface="+mn-ea"/>
-                              <a:cs typeface="Arial" panose="020B0604020202020204" pitchFamily="34" charset="0"/>
-                            </a:rPr>
-                            <a:t>)</a:t>
-                          </a:r>
-                          <a:endParaRPr lang="ru-RU" i="1" dirty="0">
-                            <a:latin typeface="Arial" panose="020B0604020202020204" pitchFamily="34" charset="0"/>
-                            <a:cs typeface="Arial" panose="020B0604020202020204" pitchFamily="34" charset="0"/>
-                          </a:endParaRPr>
-                        </a:p>
-                      </a:txBody>
-                      <a:tcPr/>
-                    </a:tc>
-                    <a:tc>
-                      <a:txBody>
-                        <a:bodyPr/>
-                        <a:lstStyle/>
-                        <a:p>
-                          <a:endParaRPr lang="ru-RU" dirty="0">
-                            <a:latin typeface="Arial" panose="020B0604020202020204" pitchFamily="34" charset="0"/>
-                            <a:cs typeface="Arial" panose="020B0604020202020204" pitchFamily="34" charset="0"/>
-                          </a:endParaRPr>
-                        </a:p>
-                      </a:txBody>
-                      <a:tcPr/>
-                    </a:tc>
-                  </a:tr>
-                  <a:tr h="370840">
-                    <a:tc>
-                      <a:txBody>
-                        <a:bodyPr/>
-                        <a:lstStyle/>
-                        <a:p>
-                          <a:pPr algn="l"/>
-                          <a:r>
-                            <a:rPr lang="ru-RU" dirty="0" smtClean="0">
-                              <a:latin typeface="Arial" panose="020B0604020202020204" pitchFamily="34" charset="0"/>
-                              <a:cs typeface="Arial" panose="020B0604020202020204" pitchFamily="34" charset="0"/>
-                            </a:rPr>
-                            <a:t>Метод решета числового поля</a:t>
-                          </a:r>
-                          <a:endParaRPr lang="en-US" dirty="0" smtClean="0">
-                            <a:latin typeface="Arial" panose="020B0604020202020204" pitchFamily="34" charset="0"/>
-                            <a:cs typeface="Arial" panose="020B0604020202020204" pitchFamily="34" charset="0"/>
-                          </a:endParaRPr>
-                        </a:p>
-                        <a:p>
-                          <a:pPr algn="l"/>
-                          <a:endParaRPr lang="ru-RU" dirty="0">
-                            <a:latin typeface="Arial" panose="020B0604020202020204" pitchFamily="34" charset="0"/>
-                            <a:cs typeface="Arial" panose="020B0604020202020204" pitchFamily="34" charset="0"/>
-                          </a:endParaRPr>
-                        </a:p>
-                      </a:txBody>
-                      <a:tcPr/>
-                    </a:tc>
-                    <a:tc>
-                      <a:txBody>
-                        <a:bodyPr/>
-                        <a:lstStyle/>
-                        <a:p>
-                          <a:pPr algn="ctr"/>
-                          <a:r>
-                            <a:rPr lang="en-US" i="1" dirty="0" smtClean="0">
-                              <a:latin typeface="Arial" panose="020B0604020202020204" pitchFamily="34" charset="0"/>
-                              <a:cs typeface="Arial" panose="020B0604020202020204" pitchFamily="34" charset="0"/>
-                            </a:rPr>
-                            <a:t>exp(</a:t>
-                          </a:r>
-                          <a14:m>
-                            <m:oMath xmlns:m="http://schemas.openxmlformats.org/officeDocument/2006/math">
-                              <m:sSup>
-                                <m:sSupPr>
-                                  <m:ctrlPr>
-                                    <a:rPr lang="en-US" i="1" smtClean="0">
-                                      <a:latin typeface="Cambria Math" panose="02040503050406030204" pitchFamily="18" charset="0"/>
-                                    </a:rPr>
-                                  </m:ctrlPr>
-                                </m:sSupPr>
-                                <m:e>
-                                  <m:r>
-                                    <a:rPr lang="en-US" b="0" i="1" smtClean="0">
-                                      <a:latin typeface="Cambria Math" panose="02040503050406030204" pitchFamily="18" charset="0"/>
-                                    </a:rPr>
-                                    <m:t>(</m:t>
-                                  </m:r>
-                                  <m:f>
-                                    <m:fPr>
-                                      <m:ctrlPr>
-                                        <a:rPr lang="en-US" i="1" smtClean="0">
-                                          <a:latin typeface="Cambria Math" panose="02040503050406030204" pitchFamily="18" charset="0"/>
-                                        </a:rPr>
-                                      </m:ctrlPr>
-                                    </m:fPr>
-                                    <m:num>
-                                      <m:r>
-                                        <a:rPr lang="en-US" b="0" i="1" smtClean="0">
-                                          <a:latin typeface="Cambria Math" panose="02040503050406030204" pitchFamily="18" charset="0"/>
-                                        </a:rPr>
-                                        <m:t>32</m:t>
-                                      </m:r>
-                                    </m:num>
-                                    <m:den>
-                                      <m:r>
-                                        <a:rPr lang="en-US" b="0" i="1" smtClean="0">
-                                          <a:latin typeface="Cambria Math" panose="02040503050406030204" pitchFamily="18" charset="0"/>
-                                        </a:rPr>
-                                        <m:t>9</m:t>
-                                      </m:r>
-                                    </m:den>
-                                  </m:f>
-                                  <m:r>
-                                    <a:rPr lang="en-US" b="0" i="1" smtClean="0">
-                                      <a:latin typeface="Cambria Math" panose="02040503050406030204" pitchFamily="18" charset="0"/>
-                                    </a:rPr>
-                                    <m:t> </m:t>
-                                  </m:r>
-                                  <m:func>
-                                    <m:funcPr>
-                                      <m:ctrlPr>
-                                        <a:rPr lang="en-US" b="0" i="1" smtClean="0">
-                                          <a:latin typeface="Cambria Math" panose="02040503050406030204" pitchFamily="18" charset="0"/>
-                                        </a:rPr>
-                                      </m:ctrlPr>
-                                    </m:funcPr>
-                                    <m:fName>
-                                      <m:r>
-                                        <a:rPr lang="en-US" b="0" i="1" smtClean="0">
-                                          <a:latin typeface="Cambria Math" panose="02040503050406030204" pitchFamily="18" charset="0"/>
-                                        </a:rPr>
-                                        <m:t>𝑙𝑜𝑔</m:t>
-                                      </m:r>
-                                    </m:fName>
-                                    <m:e>
-                                      <m:r>
-                                        <a:rPr lang="en-US" b="0" i="1" smtClean="0">
-                                          <a:latin typeface="Cambria Math" panose="02040503050406030204" pitchFamily="18" charset="0"/>
-                                        </a:rPr>
-                                        <m:t>𝑁</m:t>
-                                      </m:r>
-                                    </m:e>
-                                  </m:func>
-                                  <m:r>
-                                    <a:rPr lang="en-US" b="0" i="1" smtClean="0">
-                                      <a:latin typeface="Cambria Math" panose="02040503050406030204" pitchFamily="18" charset="0"/>
-                                    </a:rPr>
-                                    <m:t>)</m:t>
-                                  </m:r>
-                                </m:e>
-                                <m:sup>
-                                  <m:f>
-                                    <m:fPr>
-                                      <m:ctrlPr>
-                                        <a:rPr lang="en-US" i="1" smtClean="0">
-                                          <a:latin typeface="Cambria Math" panose="02040503050406030204" pitchFamily="18" charset="0"/>
-                                        </a:rPr>
-                                      </m:ctrlPr>
-                                    </m:fPr>
-                                    <m:num>
-                                      <m:r>
-                                        <a:rPr lang="en-US" b="0" i="1" smtClean="0">
-                                          <a:latin typeface="Cambria Math" panose="02040503050406030204" pitchFamily="18" charset="0"/>
-                                        </a:rPr>
-                                        <m:t>1</m:t>
-                                      </m:r>
-                                    </m:num>
-                                    <m:den>
-                                      <m:r>
-                                        <a:rPr lang="en-US" b="0" i="1" smtClean="0">
-                                          <a:latin typeface="Cambria Math" panose="02040503050406030204" pitchFamily="18" charset="0"/>
-                                        </a:rPr>
-                                        <m:t>3</m:t>
-                                      </m:r>
-                                    </m:den>
-                                  </m:f>
-                                </m:sup>
-                              </m:sSup>
-                            </m:oMath>
-                          </a14:m>
-                          <a:r>
-                            <a:rPr lang="en-US" i="1" dirty="0" smtClean="0">
-                              <a:latin typeface="Arial" panose="020B0604020202020204" pitchFamily="34" charset="0"/>
-                              <a:cs typeface="Arial" panose="020B0604020202020204" pitchFamily="34" charset="0"/>
-                            </a:rPr>
-                            <a:t> *</a:t>
-                          </a:r>
-                          <a14:m>
-                            <m:oMath xmlns:m="http://schemas.openxmlformats.org/officeDocument/2006/math">
-                              <m:sSup>
-                                <m:sSupPr>
-                                  <m:ctrlPr>
-                                    <a:rPr lang="en-US" i="1" dirty="0" smtClean="0">
-                                      <a:latin typeface="Cambria Math" panose="02040503050406030204" pitchFamily="18" charset="0"/>
-                                    </a:rPr>
-                                  </m:ctrlPr>
-                                </m:sSupPr>
-                                <m:e>
-                                  <m:func>
-                                    <m:funcPr>
-                                      <m:ctrlPr>
-                                        <a:rPr lang="en-US" i="1" smtClean="0">
-                                          <a:latin typeface="Cambria Math" panose="02040503050406030204" pitchFamily="18" charset="0"/>
-                                        </a:rPr>
-                                      </m:ctrlPr>
-                                    </m:funcPr>
-                                    <m:fName>
-                                      <m:r>
-                                        <a:rPr lang="en-US" i="1" smtClean="0">
-                                          <a:latin typeface="Cambria Math" panose="02040503050406030204" pitchFamily="18" charset="0"/>
-                                        </a:rPr>
-                                        <m:t>𝑙𝑜𝑔</m:t>
-                                      </m:r>
-                                    </m:fName>
-                                    <m:e>
-                                      <m:func>
-                                        <m:funcPr>
-                                          <m:ctrlPr>
-                                            <a:rPr lang="en-US" i="1" smtClean="0">
-                                              <a:latin typeface="Cambria Math" panose="02040503050406030204" pitchFamily="18" charset="0"/>
-                                            </a:rPr>
-                                          </m:ctrlPr>
-                                        </m:funcPr>
-                                        <m:fName>
-                                          <m:r>
-                                            <a:rPr lang="en-US" i="1" smtClean="0">
-                                              <a:latin typeface="Cambria Math" panose="02040503050406030204" pitchFamily="18" charset="0"/>
-                                            </a:rPr>
-                                            <m:t>𝑙𝑜𝑔</m:t>
-                                          </m:r>
-                                        </m:fName>
-                                        <m:e>
-                                          <m:r>
-                                            <a:rPr lang="en-US" b="0" i="1" smtClean="0">
-                                              <a:latin typeface="Cambria Math" panose="02040503050406030204" pitchFamily="18" charset="0"/>
-                                            </a:rPr>
-                                            <m:t>𝑁</m:t>
-                                          </m:r>
-                                        </m:e>
-                                      </m:func>
-                                    </m:e>
-                                  </m:func>
-                                </m:e>
-                                <m:sup>
-                                  <m:f>
-                                    <m:fPr>
-                                      <m:ctrlPr>
-                                        <a:rPr lang="en-US" i="1" dirty="0" smtClean="0">
-                                          <a:latin typeface="Cambria Math" panose="02040503050406030204" pitchFamily="18" charset="0"/>
-                                        </a:rPr>
-                                      </m:ctrlPr>
-                                    </m:fPr>
-                                    <m:num>
-                                      <m:r>
-                                        <a:rPr lang="en-US" b="0" i="1" dirty="0" smtClean="0">
-                                          <a:latin typeface="Cambria Math" panose="02040503050406030204" pitchFamily="18" charset="0"/>
-                                        </a:rPr>
-                                        <m:t>2</m:t>
-                                      </m:r>
-                                    </m:num>
-                                    <m:den>
-                                      <m:r>
-                                        <a:rPr lang="en-US" b="0" i="1" dirty="0" smtClean="0">
-                                          <a:latin typeface="Cambria Math" panose="02040503050406030204" pitchFamily="18" charset="0"/>
-                                        </a:rPr>
-                                        <m:t>3</m:t>
-                                      </m:r>
-                                    </m:den>
-                                  </m:f>
-                                </m:sup>
-                              </m:sSup>
-                            </m:oMath>
-                          </a14:m>
-                          <a:r>
-                            <a:rPr lang="en-US" i="1" dirty="0" smtClean="0">
-                              <a:latin typeface="Arial" panose="020B0604020202020204" pitchFamily="34" charset="0"/>
-                              <a:cs typeface="Arial" panose="020B0604020202020204" pitchFamily="34" charset="0"/>
-                            </a:rPr>
-                            <a:t>)</a:t>
-                          </a:r>
-                          <a:endParaRPr lang="ru-RU" i="1" dirty="0">
-                            <a:latin typeface="Arial" panose="020B0604020202020204" pitchFamily="34" charset="0"/>
-                            <a:cs typeface="Arial" panose="020B0604020202020204" pitchFamily="34" charset="0"/>
-                          </a:endParaRPr>
-                        </a:p>
-                      </a:txBody>
-                      <a:tcPr/>
-                    </a:tc>
-                    <a:tc>
-                      <a:txBody>
-                        <a:bodyPr/>
-                        <a:lstStyle/>
-                        <a:p>
-                          <a:r>
-                            <a:rPr lang="ru-RU" dirty="0" smtClean="0">
-                              <a:latin typeface="Arial" panose="020B0604020202020204" pitchFamily="34" charset="0"/>
-                              <a:cs typeface="Arial" panose="020B0604020202020204" pitchFamily="34" charset="0"/>
-                            </a:rPr>
-                            <a:t>С вероятностью 1</a:t>
-                          </a:r>
-                          <a:r>
-                            <a:rPr lang="en-US" dirty="0" smtClean="0">
-                              <a:latin typeface="Arial" panose="020B0604020202020204" pitchFamily="34" charset="0"/>
-                              <a:cs typeface="Arial" panose="020B0604020202020204" pitchFamily="34" charset="0"/>
-                            </a:rPr>
-                            <a:t>/2</a:t>
-                          </a:r>
-                          <a:endParaRPr lang="ru-RU" dirty="0">
-                            <a:latin typeface="Arial" panose="020B0604020202020204" pitchFamily="34" charset="0"/>
-                            <a:cs typeface="Arial" panose="020B0604020202020204" pitchFamily="34" charset="0"/>
-                          </a:endParaRPr>
-                        </a:p>
-                      </a:txBody>
-                      <a:tcPr/>
-                    </a:tc>
-                  </a:tr>
-                  <a:tr h="370840">
-                    <a:tc>
-                      <a:txBody>
-                        <a:bodyPr/>
-                        <a:lstStyle/>
-                        <a:p>
-                          <a:pPr algn="l"/>
-                          <a:r>
-                            <a:rPr lang="ru-RU" dirty="0" smtClean="0">
-                              <a:latin typeface="Arial" panose="020B0604020202020204" pitchFamily="34" charset="0"/>
-                              <a:cs typeface="Arial" panose="020B0604020202020204" pitchFamily="34" charset="0"/>
-                            </a:rPr>
-                            <a:t>Алгоритм</a:t>
-                          </a:r>
-                          <a:r>
-                            <a:rPr lang="ru-RU" baseline="0" dirty="0" smtClean="0">
-                              <a:latin typeface="Arial" panose="020B0604020202020204" pitchFamily="34" charset="0"/>
-                              <a:cs typeface="Arial" panose="020B0604020202020204" pitchFamily="34" charset="0"/>
-                            </a:rPr>
-                            <a:t> </a:t>
-                          </a:r>
-                          <a:r>
-                            <a:rPr lang="ru-RU" baseline="0" dirty="0" err="1" smtClean="0">
-                              <a:latin typeface="Arial" panose="020B0604020202020204" pitchFamily="34" charset="0"/>
-                              <a:cs typeface="Arial" panose="020B0604020202020204" pitchFamily="34" charset="0"/>
-                            </a:rPr>
-                            <a:t>Шора</a:t>
-                          </a:r>
-                          <a:endParaRPr lang="en-US" baseline="0" dirty="0" smtClean="0">
-                            <a:latin typeface="Arial" panose="020B0604020202020204" pitchFamily="34" charset="0"/>
-                            <a:cs typeface="Arial" panose="020B0604020202020204" pitchFamily="34" charset="0"/>
-                          </a:endParaRPr>
-                        </a:p>
-                        <a:p>
-                          <a:pPr algn="l"/>
-                          <a:endParaRPr lang="ru-RU" dirty="0">
-                            <a:latin typeface="Arial" panose="020B0604020202020204" pitchFamily="34" charset="0"/>
-                            <a:cs typeface="Arial" panose="020B0604020202020204" pitchFamily="34" charset="0"/>
-                          </a:endParaRPr>
-                        </a:p>
-                      </a:txBody>
-                      <a:tcPr/>
-                    </a:tc>
-                    <a:tc>
-                      <a:txBody>
-                        <a:bodyPr/>
-                        <a:lstStyle/>
-                        <a:p>
-                          <a:pPr algn="ctr"/>
-                          <a:r>
-                            <a:rPr lang="en-US" i="1" dirty="0" smtClean="0">
-                              <a:latin typeface="Arial" panose="020B0604020202020204" pitchFamily="34" charset="0"/>
-                              <a:cs typeface="Arial" panose="020B0604020202020204" pitchFamily="34" charset="0"/>
-                            </a:rPr>
-                            <a:t>O(log^3(N))</a:t>
-                          </a:r>
-                          <a:endParaRPr lang="ru-RU" i="1" dirty="0">
-                            <a:latin typeface="Arial" panose="020B0604020202020204" pitchFamily="34" charset="0"/>
-                            <a:cs typeface="Arial" panose="020B0604020202020204" pitchFamily="34" charset="0"/>
-                          </a:endParaRPr>
-                        </a:p>
-                      </a:txBody>
-                      <a:tcPr/>
-                    </a:tc>
-                    <a:tc>
-                      <a:txBody>
-                        <a:bodyPr/>
-                        <a:lstStyle/>
-                        <a:p>
-                          <a:endParaRPr lang="ru-RU" dirty="0">
-                            <a:latin typeface="Arial" panose="020B0604020202020204" pitchFamily="34" charset="0"/>
-                            <a:cs typeface="Arial" panose="020B0604020202020204" pitchFamily="34" charset="0"/>
-                          </a:endParaRPr>
-                        </a:p>
-                      </a:txBody>
-                      <a:tcPr/>
-                    </a:tc>
-                  </a:tr>
-                  <a:tr h="370840">
-                    <a:tc>
-                      <a:txBody>
-                        <a:bodyPr/>
-                        <a:lstStyle/>
-                        <a:p>
-                          <a:pPr algn="l"/>
-                          <a:r>
-                            <a:rPr lang="ru-RU" dirty="0" smtClean="0">
-                              <a:latin typeface="Arial" panose="020B0604020202020204" pitchFamily="34" charset="0"/>
-                              <a:cs typeface="Arial" panose="020B0604020202020204" pitchFamily="34" charset="0"/>
-                            </a:rPr>
-                            <a:t>Алгоритм ХХЛ</a:t>
-                          </a:r>
-                          <a:endParaRPr lang="en-US" dirty="0" smtClean="0">
-                            <a:latin typeface="Arial" panose="020B0604020202020204" pitchFamily="34" charset="0"/>
-                            <a:cs typeface="Arial" panose="020B0604020202020204" pitchFamily="34" charset="0"/>
-                          </a:endParaRPr>
-                        </a:p>
-                        <a:p>
-                          <a:pPr algn="l"/>
-                          <a:endParaRPr lang="ru-RU" dirty="0">
-                            <a:latin typeface="Arial" panose="020B0604020202020204" pitchFamily="34" charset="0"/>
-                            <a:cs typeface="Arial" panose="020B0604020202020204" pitchFamily="34" charset="0"/>
-                          </a:endParaRPr>
-                        </a:p>
-                      </a:txBody>
-                      <a:tcPr/>
-                    </a:tc>
-                    <a:tc>
-                      <a:txBody>
-                        <a:bodyPr/>
-                        <a:lstStyle/>
-                        <a:p>
-                          <a:pPr algn="ctr"/>
-                          <a:r>
-                            <a:rPr lang="en-US" i="1" dirty="0" smtClean="0">
-                              <a:latin typeface="Arial" panose="020B0604020202020204" pitchFamily="34" charset="0"/>
-                              <a:cs typeface="Arial" panose="020B0604020202020204" pitchFamily="34" charset="0"/>
-                            </a:rPr>
-                            <a:t>O(N</a:t>
-                          </a:r>
-                          <a14:m>
-                            <m:oMath xmlns:m="http://schemas.openxmlformats.org/officeDocument/2006/math">
-                              <m:func>
-                                <m:funcPr>
-                                  <m:ctrlPr>
-                                    <a:rPr lang="en-US" i="1" smtClean="0">
-                                      <a:latin typeface="Cambria Math" panose="02040503050406030204" pitchFamily="18" charset="0"/>
-                                    </a:rPr>
-                                  </m:ctrlPr>
-                                </m:funcPr>
-                                <m:fName>
-                                  <m:r>
-                                    <a:rPr lang="en-US" i="1" smtClean="0">
-                                      <a:latin typeface="Cambria Math" panose="02040503050406030204" pitchFamily="18" charset="0"/>
-                                    </a:rPr>
-                                    <m:t>𝑙𝑜𝑔</m:t>
-                                  </m:r>
-                                </m:fName>
-                                <m:e>
-                                  <m:r>
-                                    <a:rPr lang="en-US" b="0" i="1" smtClean="0">
-                                      <a:latin typeface="Cambria Math" panose="02040503050406030204" pitchFamily="18" charset="0"/>
-                                    </a:rPr>
-                                    <m:t>𝑁</m:t>
-                                  </m:r>
-                                </m:e>
-                              </m:func>
-                              <m:sSup>
-                                <m:sSupPr>
-                                  <m:ctrlPr>
-                                    <a:rPr lang="en-US" i="1" smtClean="0">
-                                      <a:latin typeface="Cambria Math" panose="02040503050406030204" pitchFamily="18" charset="0"/>
-                                    </a:rPr>
-                                  </m:ctrlPr>
-                                </m:sSupPr>
-                                <m:e>
-                                  <m:r>
-                                    <a:rPr lang="en-US" b="0" i="1" smtClean="0">
-                                      <a:latin typeface="Cambria Math" panose="02040503050406030204" pitchFamily="18" charset="0"/>
-                                    </a:rPr>
-                                    <m:t>𝑘</m:t>
-                                  </m:r>
-                                </m:e>
-                                <m:sup>
-                                  <m:r>
-                                    <a:rPr lang="en-US" b="0" i="1" smtClean="0">
-                                      <a:latin typeface="Cambria Math" panose="02040503050406030204" pitchFamily="18" charset="0"/>
-                                    </a:rPr>
-                                    <m:t>2</m:t>
-                                  </m:r>
-                                </m:sup>
-                              </m:sSup>
-                            </m:oMath>
-                          </a14:m>
-                          <a:r>
-                            <a:rPr lang="en-US" i="1" dirty="0" smtClean="0">
-                              <a:latin typeface="Arial" panose="020B0604020202020204" pitchFamily="34" charset="0"/>
-                              <a:cs typeface="Arial" panose="020B0604020202020204" pitchFamily="34" charset="0"/>
-                            </a:rPr>
-                            <a:t>)</a:t>
-                          </a:r>
-                          <a:endParaRPr lang="ru-RU" i="1" dirty="0">
-                            <a:latin typeface="Arial" panose="020B0604020202020204" pitchFamily="34" charset="0"/>
-                            <a:cs typeface="Arial" panose="020B0604020202020204" pitchFamily="34" charset="0"/>
-                          </a:endParaRPr>
-                        </a:p>
-                      </a:txBody>
-                      <a:tcPr/>
-                    </a:tc>
-                    <a:tc>
-                      <a:txBody>
-                        <a:bodyPr/>
-                        <a:lstStyle/>
-                        <a:p>
-                          <a:endParaRPr lang="ru-RU" dirty="0">
-                            <a:latin typeface="Arial" panose="020B0604020202020204" pitchFamily="34" charset="0"/>
-                            <a:cs typeface="Arial" panose="020B0604020202020204" pitchFamily="34" charset="0"/>
-                          </a:endParaRPr>
-                        </a:p>
-                      </a:txBody>
-                      <a:tcPr/>
-                    </a:tc>
-                  </a:tr>
-                  <a:tr h="370840">
-                    <a:tc>
-                      <a:txBody>
-                        <a:bodyPr/>
-                        <a:lstStyle/>
-                        <a:p>
-                          <a:pPr algn="l"/>
-                          <a:r>
-                            <a:rPr lang="ru-RU" dirty="0" smtClean="0">
-                              <a:latin typeface="Arial" panose="020B0604020202020204" pitchFamily="34" charset="0"/>
-                              <a:cs typeface="Arial" panose="020B0604020202020204" pitchFamily="34" charset="0"/>
-                            </a:rPr>
-                            <a:t>Разложение Гаусса</a:t>
-                          </a:r>
-                          <a:endParaRPr lang="en-US" dirty="0" smtClean="0">
-                            <a:latin typeface="Arial" panose="020B0604020202020204" pitchFamily="34" charset="0"/>
-                            <a:cs typeface="Arial" panose="020B0604020202020204" pitchFamily="34" charset="0"/>
-                          </a:endParaRPr>
-                        </a:p>
-                        <a:p>
-                          <a:pPr algn="l"/>
-                          <a:endParaRPr lang="ru-RU" dirty="0">
-                            <a:latin typeface="Arial" panose="020B0604020202020204" pitchFamily="34" charset="0"/>
-                            <a:cs typeface="Arial" panose="020B0604020202020204" pitchFamily="34" charset="0"/>
-                          </a:endParaRPr>
-                        </a:p>
-                      </a:txBody>
-                      <a:tcPr/>
-                    </a:tc>
-                    <a:tc>
-                      <a:txBody>
-                        <a:bodyPr/>
-                        <a:lstStyle/>
-                        <a:p>
-                          <a:pPr algn="ctr"/>
-                          <a:r>
-                            <a:rPr lang="en-US" i="1" dirty="0" smtClean="0">
-                              <a:latin typeface="Arial" panose="020B0604020202020204" pitchFamily="34" charset="0"/>
-                              <a:cs typeface="Arial" panose="020B0604020202020204" pitchFamily="34" charset="0"/>
-                            </a:rPr>
-                            <a:t>O</a:t>
-                          </a:r>
-                          <a:r>
-                            <a:rPr lang="ru-RU" i="1" dirty="0" smtClean="0">
-                              <a:latin typeface="Arial" panose="020B0604020202020204" pitchFamily="34" charset="0"/>
-                              <a:cs typeface="Arial" panose="020B0604020202020204" pitchFamily="34" charset="0"/>
-                            </a:rPr>
-                            <a:t>(</a:t>
-                          </a:r>
-                          <a14:m>
-                            <m:oMath xmlns:m="http://schemas.openxmlformats.org/officeDocument/2006/math">
-                              <m:sSup>
-                                <m:sSupPr>
-                                  <m:ctrlPr>
-                                    <a:rPr lang="ru-RU" i="1" smtClean="0">
-                                      <a:latin typeface="Cambria Math" panose="02040503050406030204" pitchFamily="18" charset="0"/>
-                                    </a:rPr>
-                                  </m:ctrlPr>
-                                </m:sSupPr>
-                                <m:e>
-                                  <m:r>
-                                    <a:rPr lang="en-US" b="0" i="1" smtClean="0">
-                                      <a:latin typeface="Cambria Math" panose="02040503050406030204" pitchFamily="18" charset="0"/>
-                                    </a:rPr>
-                                    <m:t>𝑁</m:t>
-                                  </m:r>
-                                </m:e>
-                                <m:sup>
-                                  <m:r>
-                                    <a:rPr lang="en-US" b="0" i="1" smtClean="0">
-                                      <a:latin typeface="Cambria Math" panose="02040503050406030204" pitchFamily="18" charset="0"/>
-                                    </a:rPr>
-                                    <m:t>3</m:t>
-                                  </m:r>
-                                </m:sup>
-                              </m:sSup>
-                            </m:oMath>
-                          </a14:m>
-                          <a:r>
-                            <a:rPr lang="en-US" i="1" dirty="0" smtClean="0">
-                              <a:latin typeface="Arial" panose="020B0604020202020204" pitchFamily="34" charset="0"/>
-                              <a:cs typeface="Arial" panose="020B0604020202020204" pitchFamily="34" charset="0"/>
-                            </a:rPr>
-                            <a:t>)</a:t>
-                          </a:r>
-                        </a:p>
-                      </a:txBody>
-                      <a:tcPr/>
-                    </a:tc>
-                    <a:tc>
-                      <a:txBody>
-                        <a:bodyPr/>
-                        <a:lstStyle/>
-                        <a:p>
-                          <a:endParaRPr lang="ru-RU" dirty="0">
-                            <a:latin typeface="Arial" panose="020B0604020202020204" pitchFamily="34" charset="0"/>
-                            <a:cs typeface="Arial" panose="020B0604020202020204" pitchFamily="34" charset="0"/>
-                          </a:endParaRPr>
-                        </a:p>
-                      </a:txBody>
-                      <a:tcPr/>
-                    </a:tc>
-                  </a:tr>
-                </a:tbl>
-              </a:graphicData>
-            </a:graphic>
-          </p:graphicFrame>
-        </mc:Choice>
-        <mc:Fallback xmlns="">
-          <p:graphicFrame>
-            <p:nvGraphicFramePr>
-              <p:cNvPr id="9" name="Объект 8"/>
-              <p:cNvGraphicFramePr>
-                <a:graphicFrameLocks noGrp="1"/>
-              </p:cNvGraphicFramePr>
-              <p:nvPr>
-                <p:ph idx="1"/>
-                <p:extLst>
-                  <p:ext uri="{D42A27DB-BD31-4B8C-83A1-F6EECF244321}">
-                    <p14:modId xmlns:p14="http://schemas.microsoft.com/office/powerpoint/2010/main" val="2278502247"/>
-                  </p:ext>
-                </p:extLst>
-              </p:nvPr>
-            </p:nvGraphicFramePr>
-            <p:xfrm>
-              <a:off x="970004" y="1227438"/>
-              <a:ext cx="10383796" cy="5125703"/>
-            </p:xfrm>
-            <a:graphic>
-              <a:graphicData uri="http://schemas.openxmlformats.org/drawingml/2006/table">
-                <a:tbl>
-                  <a:tblPr firstRow="1" bandRow="1">
-                    <a:tableStyleId>{D7AC3CCA-C797-4891-BE02-D94E43425B78}</a:tableStyleId>
-                  </a:tblPr>
-                  <a:tblGrid>
-                    <a:gridCol w="4483312"/>
-                    <a:gridCol w="3021363"/>
-                    <a:gridCol w="2879121"/>
-                  </a:tblGrid>
-                  <a:tr h="645143">
-                    <a:tc>
-                      <a:txBody>
-                        <a:bodyPr/>
-                        <a:lstStyle/>
-                        <a:p>
-                          <a:pPr algn="l"/>
-                          <a:r>
-                            <a:rPr lang="ru-RU" b="0" dirty="0" smtClean="0">
-                              <a:latin typeface="Arial" panose="020B0604020202020204" pitchFamily="34" charset="0"/>
-                              <a:cs typeface="Arial" panose="020B0604020202020204" pitchFamily="34" charset="0"/>
-                            </a:rPr>
-                            <a:t>Сбалансированность </a:t>
-                          </a:r>
-                          <a:r>
-                            <a:rPr lang="ru-RU" b="0" dirty="0" smtClean="0">
-                              <a:latin typeface="Arial" panose="020B0604020202020204" pitchFamily="34" charset="0"/>
-                              <a:cs typeface="Arial" panose="020B0604020202020204" pitchFamily="34" charset="0"/>
-                            </a:rPr>
-                            <a:t>функции (</a:t>
-                          </a:r>
-                          <a:r>
-                            <a:rPr lang="ru-RU" b="0" dirty="0" smtClean="0">
-                              <a:latin typeface="Arial" panose="020B0604020202020204" pitchFamily="34" charset="0"/>
-                              <a:cs typeface="Arial" panose="020B0604020202020204" pitchFamily="34" charset="0"/>
-                            </a:rPr>
-                            <a:t>детерминированный)</a:t>
-                          </a:r>
-                          <a:endParaRPr lang="ru-RU" b="0" dirty="0">
-                            <a:latin typeface="Arial" panose="020B0604020202020204" pitchFamily="34" charset="0"/>
-                            <a:cs typeface="Arial" panose="020B0604020202020204" pitchFamily="34" charset="0"/>
-                          </a:endParaRPr>
-                        </a:p>
-                      </a:txBody>
-                      <a:tcPr/>
-                    </a:tc>
-                    <a:tc>
-                      <a:txBody>
-                        <a:bodyPr/>
-                        <a:lstStyle/>
-                        <a:p>
-                          <a:endParaRPr lang="ru-RU"/>
-                        </a:p>
-                      </a:txBody>
-                      <a:tcPr>
-                        <a:blipFill rotWithShape="0">
-                          <a:blip r:embed="rId2"/>
-                          <a:stretch>
-                            <a:fillRect l="-148589" t="-4717" r="-95565" b="-696226"/>
-                          </a:stretch>
-                        </a:blipFill>
-                      </a:tcPr>
-                    </a:tc>
-                    <a:tc>
-                      <a:txBody>
-                        <a:bodyPr/>
-                        <a:lstStyle/>
-                        <a:p>
-                          <a:endParaRPr lang="ru-RU" dirty="0">
-                            <a:latin typeface="Arial" panose="020B0604020202020204" pitchFamily="34" charset="0"/>
-                            <a:cs typeface="Arial" panose="020B0604020202020204" pitchFamily="34" charset="0"/>
-                          </a:endParaRPr>
-                        </a:p>
-                      </a:txBody>
-                      <a:tcPr/>
-                    </a:tc>
-                  </a:tr>
-                  <a:tr h="640080">
-                    <a:tc>
-                      <a:txBody>
-                        <a:bodyPr/>
-                        <a:lstStyle/>
-                        <a:p>
-                          <a:pPr algn="l"/>
-                          <a:r>
-                            <a:rPr lang="ru-RU" dirty="0" smtClean="0">
-                              <a:latin typeface="Arial" panose="020B0604020202020204" pitchFamily="34" charset="0"/>
-                              <a:cs typeface="Arial" panose="020B0604020202020204" pitchFamily="34" charset="0"/>
-                            </a:rPr>
-                            <a:t>Сбалансированность </a:t>
-                          </a:r>
-                          <a:r>
-                            <a:rPr lang="ru-RU" dirty="0" smtClean="0">
-                              <a:latin typeface="Arial" panose="020B0604020202020204" pitchFamily="34" charset="0"/>
-                              <a:cs typeface="Arial" panose="020B0604020202020204" pitchFamily="34" charset="0"/>
-                            </a:rPr>
-                            <a:t>функции (вероятностный</a:t>
-                          </a:r>
-                          <a:r>
-                            <a:rPr lang="ru-RU" dirty="0" smtClean="0">
-                              <a:latin typeface="Arial" panose="020B0604020202020204" pitchFamily="34" charset="0"/>
-                              <a:cs typeface="Arial" panose="020B0604020202020204" pitchFamily="34" charset="0"/>
-                            </a:rPr>
-                            <a:t>)</a:t>
-                          </a:r>
-                          <a:endParaRPr lang="ru-RU" dirty="0">
-                            <a:latin typeface="Arial" panose="020B0604020202020204" pitchFamily="34" charset="0"/>
-                            <a:cs typeface="Arial" panose="020B0604020202020204" pitchFamily="34" charset="0"/>
-                          </a:endParaRPr>
-                        </a:p>
-                      </a:txBody>
-                      <a:tcPr/>
-                    </a:tc>
-                    <a:tc>
-                      <a:txBody>
-                        <a:bodyPr/>
-                        <a:lstStyle/>
-                        <a:p>
-                          <a:endParaRPr lang="ru-RU"/>
-                        </a:p>
-                      </a:txBody>
-                      <a:tcPr>
-                        <a:blipFill rotWithShape="0">
-                          <a:blip r:embed="rId2"/>
-                          <a:stretch>
-                            <a:fillRect l="-148589" t="-105714" r="-95565" b="-602857"/>
-                          </a:stretch>
-                        </a:blipFill>
-                      </a:tcPr>
-                    </a:tc>
-                    <a:tc>
-                      <a:txBody>
-                        <a:bodyPr/>
-                        <a:lstStyle/>
-                        <a:p>
-                          <a:r>
-                            <a:rPr lang="ru-RU" dirty="0" smtClean="0">
-                              <a:latin typeface="Arial" panose="020B0604020202020204" pitchFamily="34" charset="0"/>
-                              <a:cs typeface="Arial" panose="020B0604020202020204" pitchFamily="34" charset="0"/>
-                            </a:rPr>
-                            <a:t>Вероятность</a:t>
-                          </a:r>
-                          <a:r>
-                            <a:rPr lang="ru-RU" baseline="0" dirty="0" smtClean="0">
-                              <a:latin typeface="Arial" panose="020B0604020202020204" pitchFamily="34" charset="0"/>
-                              <a:cs typeface="Arial" panose="020B0604020202020204" pitchFamily="34" charset="0"/>
-                            </a:rPr>
-                            <a:t> 99,9 при </a:t>
-                          </a:r>
-                          <a:r>
-                            <a:rPr lang="ru-RU" baseline="0" dirty="0" smtClean="0">
-                              <a:latin typeface="Arial" panose="020B0604020202020204" pitchFamily="34" charset="0"/>
-                              <a:cs typeface="Arial" panose="020B0604020202020204" pitchFamily="34" charset="0"/>
-                            </a:rPr>
-                            <a:t/>
-                          </a:r>
-                          <a:br>
-                            <a:rPr lang="ru-RU" baseline="0" dirty="0" smtClean="0">
-                              <a:latin typeface="Arial" panose="020B0604020202020204" pitchFamily="34" charset="0"/>
-                              <a:cs typeface="Arial" panose="020B0604020202020204" pitchFamily="34" charset="0"/>
-                            </a:rPr>
-                          </a:br>
-                          <a:r>
-                            <a:rPr lang="ru-RU" baseline="0" dirty="0" smtClean="0">
-                              <a:latin typeface="Arial" panose="020B0604020202020204" pitchFamily="34" charset="0"/>
-                              <a:cs typeface="Arial" panose="020B0604020202020204" pitchFamily="34" charset="0"/>
-                            </a:rPr>
-                            <a:t>14 </a:t>
-                          </a:r>
-                          <a:r>
-                            <a:rPr lang="ru-RU" baseline="0" dirty="0" smtClean="0">
-                              <a:latin typeface="Arial" panose="020B0604020202020204" pitchFamily="34" charset="0"/>
-                              <a:cs typeface="Arial" panose="020B0604020202020204" pitchFamily="34" charset="0"/>
-                            </a:rPr>
-                            <a:t>вызовах</a:t>
-                          </a:r>
-                          <a:endParaRPr lang="ru-RU" dirty="0">
-                            <a:latin typeface="Arial" panose="020B0604020202020204" pitchFamily="34" charset="0"/>
-                            <a:cs typeface="Arial" panose="020B0604020202020204" pitchFamily="34" charset="0"/>
-                          </a:endParaRPr>
-                        </a:p>
-                      </a:txBody>
-                      <a:tcPr/>
-                    </a:tc>
-                  </a:tr>
-                  <a:tr h="640080">
-                    <a:tc>
-                      <a:txBody>
-                        <a:bodyPr/>
-                        <a:lstStyle/>
-                        <a:p>
-                          <a:pPr algn="l"/>
-                          <a:r>
-                            <a:rPr lang="ru-RU" dirty="0" smtClean="0">
-                              <a:latin typeface="Arial" panose="020B0604020202020204" pitchFamily="34" charset="0"/>
-                              <a:cs typeface="Arial" panose="020B0604020202020204" pitchFamily="34" charset="0"/>
-                            </a:rPr>
-                            <a:t>Алгоритм </a:t>
-                          </a:r>
-                          <a:r>
-                            <a:rPr lang="ru-RU" dirty="0" err="1" smtClean="0">
-                              <a:latin typeface="Arial" panose="020B0604020202020204" pitchFamily="34" charset="0"/>
-                              <a:cs typeface="Arial" panose="020B0604020202020204" pitchFamily="34" charset="0"/>
-                            </a:rPr>
-                            <a:t>Дейча-Джозы</a:t>
-                          </a:r>
-                          <a:endParaRPr lang="ru-RU" dirty="0">
-                            <a:latin typeface="Arial" panose="020B0604020202020204" pitchFamily="34" charset="0"/>
-                            <a:cs typeface="Arial" panose="020B0604020202020204" pitchFamily="34" charset="0"/>
-                          </a:endParaRPr>
-                        </a:p>
-                      </a:txBody>
-                      <a:tcPr/>
-                    </a:tc>
-                    <a:tc>
-                      <a:txBody>
-                        <a:bodyPr/>
-                        <a:lstStyle/>
-                        <a:p>
-                          <a:pPr marL="0" marR="0" lvl="0" indent="0" algn="ctr" defTabSz="914400" rtl="0" eaLnBrk="1" fontAlgn="auto" latinLnBrk="0" hangingPunct="1">
-                            <a:lnSpc>
-                              <a:spcPct val="100000"/>
-                            </a:lnSpc>
-                            <a:spcBef>
-                              <a:spcPts val="0"/>
-                            </a:spcBef>
-                            <a:spcAft>
-                              <a:spcPts val="0"/>
-                            </a:spcAft>
-                            <a:buClrTx/>
-                            <a:buSzTx/>
-                            <a:buFontTx/>
-                            <a:buNone/>
-                            <a:tabLst/>
-                            <a:defRPr/>
-                          </a:pPr>
-                          <a:r>
-                            <a:rPr lang="en-US" i="1" dirty="0" smtClean="0">
-                              <a:latin typeface="Arial" panose="020B0604020202020204" pitchFamily="34" charset="0"/>
-                              <a:cs typeface="Arial" panose="020B0604020202020204" pitchFamily="34" charset="0"/>
-                            </a:rPr>
-                            <a:t>O(1)</a:t>
-                          </a:r>
-                          <a:endParaRPr lang="ru-RU" i="1" dirty="0" smtClean="0">
-                            <a:latin typeface="Arial" panose="020B0604020202020204" pitchFamily="34" charset="0"/>
-                            <a:cs typeface="Arial" panose="020B0604020202020204" pitchFamily="34" charset="0"/>
-                          </a:endParaRPr>
-                        </a:p>
-                        <a:p>
-                          <a:pPr algn="ctr"/>
-                          <a:endParaRPr lang="ru-RU" i="1" dirty="0">
-                            <a:latin typeface="Arial" panose="020B0604020202020204" pitchFamily="34" charset="0"/>
-                            <a:cs typeface="Arial" panose="020B0604020202020204" pitchFamily="34" charset="0"/>
-                          </a:endParaRPr>
-                        </a:p>
-                      </a:txBody>
-                      <a:tcPr/>
-                    </a:tc>
-                    <a:tc>
-                      <a:txBody>
-                        <a:bodyPr/>
-                        <a:lstStyle/>
-                        <a:p>
-                          <a:endParaRPr lang="ru-RU" dirty="0">
-                            <a:latin typeface="Arial" panose="020B0604020202020204" pitchFamily="34" charset="0"/>
-                            <a:cs typeface="Arial" panose="020B0604020202020204" pitchFamily="34" charset="0"/>
-                          </a:endParaRPr>
-                        </a:p>
-                      </a:txBody>
-                      <a:tcPr/>
-                    </a:tc>
-                  </a:tr>
-                  <a:tr h="640080">
-                    <a:tc>
-                      <a:txBody>
-                        <a:bodyPr/>
-                        <a:lstStyle/>
-                        <a:p>
-                          <a:pPr algn="l"/>
-                          <a:r>
-                            <a:rPr lang="ru-RU" dirty="0" smtClean="0">
-                              <a:latin typeface="Arial" panose="020B0604020202020204" pitchFamily="34" charset="0"/>
-                              <a:cs typeface="Arial" panose="020B0604020202020204" pitchFamily="34" charset="0"/>
-                            </a:rPr>
-                            <a:t>Метод квадратичных форм </a:t>
-                          </a:r>
-                          <a:r>
-                            <a:rPr lang="ru-RU" dirty="0" err="1" smtClean="0">
-                              <a:latin typeface="Arial" panose="020B0604020202020204" pitchFamily="34" charset="0"/>
-                              <a:cs typeface="Arial" panose="020B0604020202020204" pitchFamily="34" charset="0"/>
-                            </a:rPr>
-                            <a:t>Шенкса</a:t>
-                          </a:r>
-                          <a:endParaRPr lang="ru-RU" dirty="0" smtClean="0">
-                            <a:latin typeface="Arial" panose="020B0604020202020204" pitchFamily="34" charset="0"/>
-                            <a:cs typeface="Arial" panose="020B0604020202020204" pitchFamily="34" charset="0"/>
-                          </a:endParaRPr>
-                        </a:p>
-                        <a:p>
-                          <a:pPr algn="l"/>
-                          <a:endParaRPr lang="ru-RU" dirty="0">
-                            <a:latin typeface="Arial" panose="020B0604020202020204" pitchFamily="34" charset="0"/>
-                            <a:cs typeface="Arial" panose="020B0604020202020204" pitchFamily="34" charset="0"/>
-                          </a:endParaRPr>
-                        </a:p>
-                      </a:txBody>
-                      <a:tcPr/>
-                    </a:tc>
-                    <a:tc>
-                      <a:txBody>
-                        <a:bodyPr/>
-                        <a:lstStyle/>
-                        <a:p>
-                          <a:endParaRPr lang="ru-RU"/>
-                        </a:p>
-                      </a:txBody>
-                      <a:tcPr>
-                        <a:blipFill rotWithShape="0">
-                          <a:blip r:embed="rId2"/>
-                          <a:stretch>
-                            <a:fillRect l="-148589" t="-305714" r="-95565" b="-402857"/>
-                          </a:stretch>
-                        </a:blipFill>
-                      </a:tcPr>
-                    </a:tc>
-                    <a:tc>
-                      <a:txBody>
-                        <a:bodyPr/>
-                        <a:lstStyle/>
-                        <a:p>
-                          <a:endParaRPr lang="ru-RU" dirty="0">
-                            <a:latin typeface="Arial" panose="020B0604020202020204" pitchFamily="34" charset="0"/>
-                            <a:cs typeface="Arial" panose="020B0604020202020204" pitchFamily="34" charset="0"/>
-                          </a:endParaRPr>
-                        </a:p>
-                      </a:txBody>
-                      <a:tcPr/>
-                    </a:tc>
-                  </a:tr>
-                  <a:tr h="640080">
-                    <a:tc>
-                      <a:txBody>
-                        <a:bodyPr/>
-                        <a:lstStyle/>
-                        <a:p>
-                          <a:pPr algn="l"/>
-                          <a:r>
-                            <a:rPr lang="ru-RU" dirty="0" smtClean="0">
-                              <a:latin typeface="Arial" panose="020B0604020202020204" pitchFamily="34" charset="0"/>
-                              <a:cs typeface="Arial" panose="020B0604020202020204" pitchFamily="34" charset="0"/>
-                            </a:rPr>
-                            <a:t>Метод решета числового поля</a:t>
-                          </a:r>
-                          <a:endParaRPr lang="en-US" dirty="0" smtClean="0">
-                            <a:latin typeface="Arial" panose="020B0604020202020204" pitchFamily="34" charset="0"/>
-                            <a:cs typeface="Arial" panose="020B0604020202020204" pitchFamily="34" charset="0"/>
-                          </a:endParaRPr>
-                        </a:p>
-                        <a:p>
-                          <a:pPr algn="l"/>
-                          <a:endParaRPr lang="ru-RU" dirty="0">
-                            <a:latin typeface="Arial" panose="020B0604020202020204" pitchFamily="34" charset="0"/>
-                            <a:cs typeface="Arial" panose="020B0604020202020204" pitchFamily="34" charset="0"/>
-                          </a:endParaRPr>
-                        </a:p>
-                      </a:txBody>
-                      <a:tcPr/>
-                    </a:tc>
-                    <a:tc>
-                      <a:txBody>
-                        <a:bodyPr/>
-                        <a:lstStyle/>
-                        <a:p>
-                          <a:endParaRPr lang="ru-RU"/>
-                        </a:p>
-                      </a:txBody>
-                      <a:tcPr>
-                        <a:blipFill rotWithShape="0">
-                          <a:blip r:embed="rId2"/>
-                          <a:stretch>
-                            <a:fillRect l="-148589" t="-401887" r="-95565" b="-299057"/>
-                          </a:stretch>
-                        </a:blipFill>
-                      </a:tcPr>
-                    </a:tc>
-                    <a:tc>
-                      <a:txBody>
-                        <a:bodyPr/>
-                        <a:lstStyle/>
-                        <a:p>
-                          <a:r>
-                            <a:rPr lang="ru-RU" dirty="0" smtClean="0">
-                              <a:latin typeface="Arial" panose="020B0604020202020204" pitchFamily="34" charset="0"/>
-                              <a:cs typeface="Arial" panose="020B0604020202020204" pitchFamily="34" charset="0"/>
-                            </a:rPr>
-                            <a:t>С вероятностью 1</a:t>
-                          </a:r>
-                          <a:r>
-                            <a:rPr lang="en-US" dirty="0" smtClean="0">
-                              <a:latin typeface="Arial" panose="020B0604020202020204" pitchFamily="34" charset="0"/>
-                              <a:cs typeface="Arial" panose="020B0604020202020204" pitchFamily="34" charset="0"/>
-                            </a:rPr>
-                            <a:t>/2</a:t>
-                          </a:r>
-                          <a:endParaRPr lang="ru-RU" dirty="0">
-                            <a:latin typeface="Arial" panose="020B0604020202020204" pitchFamily="34" charset="0"/>
-                            <a:cs typeface="Arial" panose="020B0604020202020204" pitchFamily="34" charset="0"/>
-                          </a:endParaRPr>
-                        </a:p>
-                      </a:txBody>
-                      <a:tcPr/>
-                    </a:tc>
-                  </a:tr>
-                  <a:tr h="640080">
-                    <a:tc>
-                      <a:txBody>
-                        <a:bodyPr/>
-                        <a:lstStyle/>
-                        <a:p>
-                          <a:pPr algn="l"/>
-                          <a:r>
-                            <a:rPr lang="ru-RU" dirty="0" smtClean="0">
-                              <a:latin typeface="Arial" panose="020B0604020202020204" pitchFamily="34" charset="0"/>
-                              <a:cs typeface="Arial" panose="020B0604020202020204" pitchFamily="34" charset="0"/>
-                            </a:rPr>
-                            <a:t>Алгоритм</a:t>
-                          </a:r>
-                          <a:r>
-                            <a:rPr lang="ru-RU" baseline="0" dirty="0" smtClean="0">
-                              <a:latin typeface="Arial" panose="020B0604020202020204" pitchFamily="34" charset="0"/>
-                              <a:cs typeface="Arial" panose="020B0604020202020204" pitchFamily="34" charset="0"/>
-                            </a:rPr>
-                            <a:t> </a:t>
-                          </a:r>
-                          <a:r>
-                            <a:rPr lang="ru-RU" baseline="0" dirty="0" err="1" smtClean="0">
-                              <a:latin typeface="Arial" panose="020B0604020202020204" pitchFamily="34" charset="0"/>
-                              <a:cs typeface="Arial" panose="020B0604020202020204" pitchFamily="34" charset="0"/>
-                            </a:rPr>
-                            <a:t>Шора</a:t>
-                          </a:r>
-                          <a:endParaRPr lang="en-US" baseline="0" dirty="0" smtClean="0">
-                            <a:latin typeface="Arial" panose="020B0604020202020204" pitchFamily="34" charset="0"/>
-                            <a:cs typeface="Arial" panose="020B0604020202020204" pitchFamily="34" charset="0"/>
-                          </a:endParaRPr>
-                        </a:p>
-                        <a:p>
-                          <a:pPr algn="l"/>
-                          <a:endParaRPr lang="ru-RU" dirty="0">
-                            <a:latin typeface="Arial" panose="020B0604020202020204" pitchFamily="34" charset="0"/>
-                            <a:cs typeface="Arial" panose="020B0604020202020204" pitchFamily="34" charset="0"/>
-                          </a:endParaRPr>
-                        </a:p>
-                      </a:txBody>
-                      <a:tcPr/>
-                    </a:tc>
-                    <a:tc>
-                      <a:txBody>
-                        <a:bodyPr/>
-                        <a:lstStyle/>
-                        <a:p>
-                          <a:pPr algn="ctr"/>
-                          <a:r>
-                            <a:rPr lang="en-US" i="1" dirty="0" smtClean="0">
-                              <a:latin typeface="Arial" panose="020B0604020202020204" pitchFamily="34" charset="0"/>
-                              <a:cs typeface="Arial" panose="020B0604020202020204" pitchFamily="34" charset="0"/>
-                            </a:rPr>
-                            <a:t>O(log^3(N))</a:t>
-                          </a:r>
-                          <a:endParaRPr lang="ru-RU" i="1" dirty="0">
-                            <a:latin typeface="Arial" panose="020B0604020202020204" pitchFamily="34" charset="0"/>
-                            <a:cs typeface="Arial" panose="020B0604020202020204" pitchFamily="34" charset="0"/>
-                          </a:endParaRPr>
-                        </a:p>
-                      </a:txBody>
-                      <a:tcPr/>
-                    </a:tc>
-                    <a:tc>
-                      <a:txBody>
-                        <a:bodyPr/>
-                        <a:lstStyle/>
-                        <a:p>
-                          <a:endParaRPr lang="ru-RU" dirty="0">
-                            <a:latin typeface="Arial" panose="020B0604020202020204" pitchFamily="34" charset="0"/>
-                            <a:cs typeface="Arial" panose="020B0604020202020204" pitchFamily="34" charset="0"/>
-                          </a:endParaRPr>
-                        </a:p>
-                      </a:txBody>
-                      <a:tcPr/>
-                    </a:tc>
-                  </a:tr>
-                  <a:tr h="640080">
-                    <a:tc>
-                      <a:txBody>
-                        <a:bodyPr/>
-                        <a:lstStyle/>
-                        <a:p>
-                          <a:pPr algn="l"/>
-                          <a:r>
-                            <a:rPr lang="ru-RU" dirty="0" smtClean="0">
-                              <a:latin typeface="Arial" panose="020B0604020202020204" pitchFamily="34" charset="0"/>
-                              <a:cs typeface="Arial" panose="020B0604020202020204" pitchFamily="34" charset="0"/>
-                            </a:rPr>
-                            <a:t>Алгоритм ХХЛ</a:t>
-                          </a:r>
-                          <a:endParaRPr lang="en-US" dirty="0" smtClean="0">
-                            <a:latin typeface="Arial" panose="020B0604020202020204" pitchFamily="34" charset="0"/>
-                            <a:cs typeface="Arial" panose="020B0604020202020204" pitchFamily="34" charset="0"/>
-                          </a:endParaRPr>
-                        </a:p>
-                        <a:p>
-                          <a:pPr algn="l"/>
-                          <a:endParaRPr lang="ru-RU" dirty="0">
-                            <a:latin typeface="Arial" panose="020B0604020202020204" pitchFamily="34" charset="0"/>
-                            <a:cs typeface="Arial" panose="020B0604020202020204" pitchFamily="34" charset="0"/>
-                          </a:endParaRPr>
-                        </a:p>
-                      </a:txBody>
-                      <a:tcPr/>
-                    </a:tc>
-                    <a:tc>
-                      <a:txBody>
-                        <a:bodyPr/>
-                        <a:lstStyle/>
-                        <a:p>
-                          <a:endParaRPr lang="ru-RU"/>
-                        </a:p>
-                      </a:txBody>
-                      <a:tcPr>
-                        <a:blipFill rotWithShape="0">
-                          <a:blip r:embed="rId2"/>
-                          <a:stretch>
-                            <a:fillRect l="-148589" t="-606667" r="-95565" b="-101905"/>
-                          </a:stretch>
-                        </a:blipFill>
-                      </a:tcPr>
-                    </a:tc>
-                    <a:tc>
-                      <a:txBody>
-                        <a:bodyPr/>
-                        <a:lstStyle/>
-                        <a:p>
-                          <a:endParaRPr lang="ru-RU" dirty="0">
-                            <a:latin typeface="Arial" panose="020B0604020202020204" pitchFamily="34" charset="0"/>
-                            <a:cs typeface="Arial" panose="020B0604020202020204" pitchFamily="34" charset="0"/>
-                          </a:endParaRPr>
-                        </a:p>
-                      </a:txBody>
-                      <a:tcPr/>
-                    </a:tc>
-                  </a:tr>
-                  <a:tr h="640080">
-                    <a:tc>
-                      <a:txBody>
-                        <a:bodyPr/>
-                        <a:lstStyle/>
-                        <a:p>
-                          <a:pPr algn="l"/>
-                          <a:r>
-                            <a:rPr lang="ru-RU" dirty="0" smtClean="0">
-                              <a:latin typeface="Arial" panose="020B0604020202020204" pitchFamily="34" charset="0"/>
-                              <a:cs typeface="Arial" panose="020B0604020202020204" pitchFamily="34" charset="0"/>
-                            </a:rPr>
-                            <a:t>Разложение Гаусса</a:t>
-                          </a:r>
-                          <a:endParaRPr lang="en-US" dirty="0" smtClean="0">
-                            <a:latin typeface="Arial" panose="020B0604020202020204" pitchFamily="34" charset="0"/>
-                            <a:cs typeface="Arial" panose="020B0604020202020204" pitchFamily="34" charset="0"/>
-                          </a:endParaRPr>
-                        </a:p>
-                        <a:p>
-                          <a:pPr algn="l"/>
-                          <a:endParaRPr lang="ru-RU" dirty="0">
-                            <a:latin typeface="Arial" panose="020B0604020202020204" pitchFamily="34" charset="0"/>
-                            <a:cs typeface="Arial" panose="020B0604020202020204" pitchFamily="34" charset="0"/>
-                          </a:endParaRPr>
-                        </a:p>
-                      </a:txBody>
-                      <a:tcPr/>
-                    </a:tc>
-                    <a:tc>
-                      <a:txBody>
-                        <a:bodyPr/>
-                        <a:lstStyle/>
-                        <a:p>
-                          <a:endParaRPr lang="ru-RU"/>
-                        </a:p>
-                      </a:txBody>
-                      <a:tcPr>
-                        <a:blipFill rotWithShape="0">
-                          <a:blip r:embed="rId2"/>
-                          <a:stretch>
-                            <a:fillRect l="-148589" t="-706667" r="-95565" b="-1905"/>
-                          </a:stretch>
-                        </a:blipFill>
-                      </a:tcPr>
-                    </a:tc>
-                    <a:tc>
-                      <a:txBody>
-                        <a:bodyPr/>
-                        <a:lstStyle/>
-                        <a:p>
-                          <a:endParaRPr lang="ru-RU" dirty="0">
-                            <a:latin typeface="Arial" panose="020B0604020202020204" pitchFamily="34" charset="0"/>
-                            <a:cs typeface="Arial" panose="020B0604020202020204" pitchFamily="34" charset="0"/>
-                          </a:endParaRPr>
-                        </a:p>
-                      </a:txBody>
-                      <a:tcPr/>
-                    </a:tc>
-                  </a:tr>
-                </a:tbl>
-              </a:graphicData>
-            </a:graphic>
-          </p:graphicFrame>
-        </mc:Fallback>
-      </mc:AlternateContent>
-      <p:sp>
-        <p:nvSpPr>
-          <p:cNvPr id="3" name="Номер слайда 2"/>
-          <p:cNvSpPr>
-            <a:spLocks noGrp="1"/>
-          </p:cNvSpPr>
-          <p:nvPr>
-            <p:ph type="sldNum" sz="quarter" idx="12"/>
-          </p:nvPr>
-        </p:nvSpPr>
-        <p:spPr/>
-        <p:txBody>
-          <a:bodyPr/>
-          <a:lstStyle/>
-          <a:p>
-            <a:fld id="{ADDC721D-FED4-4080-8955-62676588A2D9}" type="slidenum">
-              <a:rPr lang="ru-RU" smtClean="0"/>
-              <a:t>18</a:t>
-            </a:fld>
-            <a:endParaRPr lang="ru-RU"/>
-          </a:p>
-        </p:txBody>
-      </p:sp>
-    </p:spTree>
-    <p:extLst>
-      <p:ext uri="{BB962C8B-B14F-4D97-AF65-F5344CB8AC3E}">
-        <p14:creationId xmlns:p14="http://schemas.microsoft.com/office/powerpoint/2010/main" val="2293820989"/>
-      </p:ext>
-    </p:extLst>
-  </p:cSld>
-  <p:clrMapOvr>
-    <a:masterClrMapping/>
-  </p:clrMapOvr>
-</p:sld>
-</file>
-
-<file path=ppt/slides/slide19.xml><?xml version="1.0" encoding="utf-8"?>
-<p:sld xmlns:a="http://schemas.openxmlformats.org/drawingml/2006/main" xmlns:r="http://schemas.openxmlformats.org/officeDocument/2006/relationships" xmlns:p="http://schemas.openxmlformats.org/presentationml/2006/main">
-  <p:cSld>
-    <p:spTree>
-      <p:nvGrpSpPr>
-        <p:cNvPr id="1" name=""/>
-        <p:cNvGrpSpPr/>
-        <p:nvPr/>
-      </p:nvGrpSpPr>
-      <p:grpSpPr>
-        <a:xfrm>
-          <a:off x="0" y="0"/>
-          <a:ext cx="0" cy="0"/>
-          <a:chOff x="0" y="0"/>
-          <a:chExt cx="0" cy="0"/>
-        </a:xfrm>
-      </p:grpSpPr>
-      <p:sp>
-        <p:nvSpPr>
-          <p:cNvPr id="2" name="Заголовок 1"/>
-          <p:cNvSpPr>
-            <a:spLocks noGrp="1"/>
-          </p:cNvSpPr>
-          <p:nvPr>
-            <p:ph type="title"/>
-          </p:nvPr>
-        </p:nvSpPr>
-        <p:spPr>
-          <a:xfrm>
-            <a:off x="838200" y="365126"/>
-            <a:ext cx="10515600" cy="804648"/>
-          </a:xfrm>
-        </p:spPr>
-        <p:txBody>
-          <a:bodyPr>
-            <a:normAutofit/>
-          </a:bodyPr>
-          <a:lstStyle/>
-          <a:p>
-            <a:pPr algn="ctr"/>
-            <a:r>
-              <a:rPr lang="ru-RU" sz="4000" dirty="0" smtClean="0">
-                <a:latin typeface="Arial" panose="020B0604020202020204" pitchFamily="34" charset="0"/>
-                <a:cs typeface="Arial" panose="020B0604020202020204" pitchFamily="34" charset="0"/>
-              </a:rPr>
-              <a:t>Результат работы</a:t>
-            </a:r>
-            <a:endParaRPr lang="ru-RU" sz="4000" dirty="0"/>
-          </a:p>
-        </p:txBody>
-      </p:sp>
-      <p:sp>
-        <p:nvSpPr>
-          <p:cNvPr id="3" name="Объект 2"/>
-          <p:cNvSpPr>
-            <a:spLocks noGrp="1"/>
-          </p:cNvSpPr>
-          <p:nvPr>
-            <p:ph idx="1"/>
-          </p:nvPr>
-        </p:nvSpPr>
-        <p:spPr>
-          <a:xfrm>
-            <a:off x="838200" y="1095632"/>
-            <a:ext cx="10515600" cy="5081331"/>
-          </a:xfrm>
-        </p:spPr>
-        <p:txBody>
-          <a:bodyPr>
-            <a:normAutofit/>
-          </a:bodyPr>
-          <a:lstStyle/>
-          <a:p>
-            <a:pPr marL="357188" indent="-357188" algn="just" defTabSz="900113">
-              <a:lnSpc>
-                <a:spcPct val="100000"/>
-              </a:lnSpc>
-              <a:spcBef>
-                <a:spcPts val="0"/>
-              </a:spcBef>
-            </a:pPr>
-            <a:r>
-              <a:rPr lang="ru-RU" dirty="0" smtClean="0">
-                <a:latin typeface="Arial" panose="020B0604020202020204" pitchFamily="34" charset="0"/>
-                <a:cs typeface="Arial" panose="020B0604020202020204" pitchFamily="34" charset="0"/>
-              </a:rPr>
-              <a:t>Изучены основы квантовых вычислений и технологий;</a:t>
-            </a:r>
-          </a:p>
-          <a:p>
-            <a:pPr marL="357188" indent="-357188" algn="just" defTabSz="900113">
-              <a:lnSpc>
-                <a:spcPct val="100000"/>
-              </a:lnSpc>
-              <a:spcBef>
-                <a:spcPts val="0"/>
-              </a:spcBef>
-            </a:pPr>
-            <a:r>
-              <a:rPr lang="ru-RU" dirty="0" smtClean="0">
-                <a:latin typeface="Arial" panose="020B0604020202020204" pitchFamily="34" charset="0"/>
-                <a:cs typeface="Arial" panose="020B0604020202020204" pitchFamily="34" charset="0"/>
-              </a:rPr>
-              <a:t>изучены необходимые критерии и условия для физической реализации квантового компьютера;</a:t>
-            </a:r>
-          </a:p>
-          <a:p>
-            <a:pPr marL="357188" indent="-357188" algn="just" defTabSz="900113">
-              <a:lnSpc>
-                <a:spcPct val="100000"/>
-              </a:lnSpc>
-              <a:spcBef>
-                <a:spcPts val="0"/>
-              </a:spcBef>
-            </a:pPr>
-            <a:r>
-              <a:rPr lang="ru-RU" dirty="0" smtClean="0">
-                <a:latin typeface="Arial" panose="020B0604020202020204" pitchFamily="34" charset="0"/>
-                <a:cs typeface="Arial" panose="020B0604020202020204" pitchFamily="34" charset="0"/>
-              </a:rPr>
-              <a:t>проведен анализ наиболее известных задач и алгоритмов в данной области;</a:t>
-            </a:r>
-          </a:p>
-          <a:p>
-            <a:pPr marL="357188" indent="-357188" algn="just" defTabSz="900113">
-              <a:lnSpc>
-                <a:spcPct val="100000"/>
-              </a:lnSpc>
-              <a:spcBef>
-                <a:spcPts val="0"/>
-              </a:spcBef>
-            </a:pPr>
-            <a:r>
-              <a:rPr lang="ru-RU" dirty="0" smtClean="0">
-                <a:latin typeface="Arial" panose="020B0604020202020204" pitchFamily="34" charset="0"/>
-                <a:cs typeface="Arial" panose="020B0604020202020204" pitchFamily="34" charset="0"/>
-              </a:rPr>
-              <a:t>проведен сравнительный анализ классических и квантовых алгоритмов;</a:t>
-            </a:r>
-          </a:p>
-          <a:p>
-            <a:pPr marL="357188" indent="-357188" algn="just" defTabSz="900113">
-              <a:lnSpc>
-                <a:spcPct val="100000"/>
-              </a:lnSpc>
-              <a:spcBef>
-                <a:spcPts val="0"/>
-              </a:spcBef>
-            </a:pPr>
-            <a:r>
-              <a:rPr lang="ru-RU" dirty="0" smtClean="0">
-                <a:latin typeface="Arial" panose="020B0604020202020204" pitchFamily="34" charset="0"/>
-                <a:cs typeface="Arial" panose="020B0604020202020204" pitchFamily="34" charset="0"/>
-              </a:rPr>
-              <a:t>реализованы квантовые алгоритмы на эмуляторе квантового компьютера с помощью пакета </a:t>
-            </a:r>
-            <a:r>
-              <a:rPr lang="en-US" dirty="0">
-                <a:latin typeface="Arial" panose="020B0604020202020204" pitchFamily="34" charset="0"/>
-                <a:cs typeface="Arial" panose="020B0604020202020204" pitchFamily="34" charset="0"/>
-              </a:rPr>
-              <a:t>Microsoft Quantum Development </a:t>
-            </a:r>
-            <a:r>
-              <a:rPr lang="en-US" dirty="0" smtClean="0">
-                <a:latin typeface="Arial" panose="020B0604020202020204" pitchFamily="34" charset="0"/>
-                <a:cs typeface="Arial" panose="020B0604020202020204" pitchFamily="34" charset="0"/>
-              </a:rPr>
-              <a:t>Kit</a:t>
-            </a:r>
-            <a:r>
-              <a:rPr lang="ru-RU" dirty="0" smtClean="0">
-                <a:latin typeface="Arial" panose="020B0604020202020204" pitchFamily="34" charset="0"/>
-                <a:cs typeface="Arial" panose="020B0604020202020204" pitchFamily="34" charset="0"/>
-              </a:rPr>
-              <a:t>.</a:t>
-            </a:r>
-            <a:endParaRPr lang="ru-RU" dirty="0">
-              <a:latin typeface="Arial" panose="020B0604020202020204" pitchFamily="34" charset="0"/>
-              <a:cs typeface="Arial" panose="020B0604020202020204" pitchFamily="34" charset="0"/>
-            </a:endParaRPr>
-          </a:p>
-          <a:p>
-            <a:pPr marL="357188" indent="-357188" algn="just" defTabSz="900113">
-              <a:lnSpc>
-                <a:spcPct val="100000"/>
-              </a:lnSpc>
-              <a:spcBef>
-                <a:spcPts val="0"/>
-              </a:spcBef>
-            </a:pPr>
-            <a:endParaRPr lang="ru-RU" dirty="0" smtClean="0">
-              <a:latin typeface="Arial" panose="020B0604020202020204" pitchFamily="34" charset="0"/>
-              <a:cs typeface="Arial" panose="020B0604020202020204" pitchFamily="34" charset="0"/>
-            </a:endParaRPr>
-          </a:p>
-          <a:p>
-            <a:pPr marL="0" indent="0" algn="just" defTabSz="900113">
-              <a:lnSpc>
-                <a:spcPct val="100000"/>
-              </a:lnSpc>
-              <a:spcBef>
-                <a:spcPts val="0"/>
-              </a:spcBef>
-              <a:buNone/>
-            </a:pPr>
-            <a:endParaRPr lang="ru-RU" dirty="0" smtClean="0">
-              <a:latin typeface="Arial" panose="020B0604020202020204" pitchFamily="34" charset="0"/>
-              <a:cs typeface="Arial" panose="020B0604020202020204" pitchFamily="34" charset="0"/>
-            </a:endParaRPr>
-          </a:p>
-          <a:p>
-            <a:endParaRPr lang="ru-RU" dirty="0">
-              <a:latin typeface="Arial" panose="020B0604020202020204" pitchFamily="34" charset="0"/>
-              <a:cs typeface="Arial" panose="020B0604020202020204" pitchFamily="34" charset="0"/>
-            </a:endParaRPr>
-          </a:p>
-        </p:txBody>
-      </p:sp>
-      <p:sp>
-        <p:nvSpPr>
-          <p:cNvPr id="4" name="Номер слайда 3"/>
-          <p:cNvSpPr>
-            <a:spLocks noGrp="1"/>
-          </p:cNvSpPr>
-          <p:nvPr>
-            <p:ph type="sldNum" sz="quarter" idx="12"/>
-          </p:nvPr>
-        </p:nvSpPr>
-        <p:spPr/>
-        <p:txBody>
-          <a:bodyPr/>
-          <a:lstStyle/>
-          <a:p>
-            <a:fld id="{ADDC721D-FED4-4080-8955-62676588A2D9}" type="slidenum">
-              <a:rPr lang="ru-RU" smtClean="0"/>
-              <a:t>19</a:t>
-            </a:fld>
-            <a:endParaRPr lang="ru-RU"/>
-          </a:p>
-        </p:txBody>
-      </p:sp>
-    </p:spTree>
-    <p:extLst>
-      <p:ext uri="{BB962C8B-B14F-4D97-AF65-F5344CB8AC3E}">
-        <p14:creationId xmlns:p14="http://schemas.microsoft.com/office/powerpoint/2010/main" val="2270494045"/>
-      </p:ext>
-    </p:extLst>
-  </p:cSld>
-  <p:clrMapOvr>
-    <a:masterClrMapping/>
-  </p:clrMapOvr>
+  <p:timing>
+    <p:tnLst>
+      <p:par>
+        <p:cTn id="1" dur="indefinite" restart="never" nodeType="tmRoot"/>
+      </p:par>
+    </p:tnLst>
+  </p:timing>
 </p:sld>
 </file>
 
@@ -9281,6 +7615,1969 @@
 </p:sld>
 </file>
 
+<file path=ppt/slides/slide20.xml><?xml version="1.0" encoding="utf-8"?>
+<p:sld xmlns:a="http://schemas.openxmlformats.org/drawingml/2006/main" xmlns:r="http://schemas.openxmlformats.org/officeDocument/2006/relationships" xmlns:p="http://schemas.openxmlformats.org/presentationml/2006/main">
+  <p:cSld>
+    <p:spTree>
+      <p:nvGrpSpPr>
+        <p:cNvPr id="1" name=""/>
+        <p:cNvGrpSpPr/>
+        <p:nvPr/>
+      </p:nvGrpSpPr>
+      <p:grpSpPr>
+        <a:xfrm>
+          <a:off x="0" y="0"/>
+          <a:ext cx="0" cy="0"/>
+          <a:chOff x="0" y="0"/>
+          <a:chExt cx="0" cy="0"/>
+        </a:xfrm>
+      </p:grpSpPr>
+      <p:sp>
+        <p:nvSpPr>
+          <p:cNvPr id="2" name="Заголовок 1"/>
+          <p:cNvSpPr>
+            <a:spLocks noGrp="1"/>
+          </p:cNvSpPr>
+          <p:nvPr>
+            <p:ph type="title"/>
+          </p:nvPr>
+        </p:nvSpPr>
+        <p:spPr>
+          <a:xfrm>
+            <a:off x="1156385" y="164758"/>
+            <a:ext cx="10011034" cy="897924"/>
+          </a:xfrm>
+        </p:spPr>
+        <p:txBody>
+          <a:bodyPr>
+            <a:normAutofit/>
+          </a:bodyPr>
+          <a:lstStyle/>
+          <a:p>
+            <a:pPr algn="ctr"/>
+            <a:r>
+              <a:rPr lang="ru-RU" sz="4000" dirty="0" smtClean="0">
+                <a:latin typeface="Arial" panose="020B0604020202020204" pitchFamily="34" charset="0"/>
+                <a:cs typeface="Arial" panose="020B0604020202020204" pitchFamily="34" charset="0"/>
+              </a:rPr>
+              <a:t>Сравнительный анализ алгоритмов</a:t>
+            </a:r>
+            <a:endParaRPr lang="ru-RU" sz="4000" dirty="0">
+              <a:latin typeface="Arial" panose="020B0604020202020204" pitchFamily="34" charset="0"/>
+              <a:cs typeface="Arial" panose="020B0604020202020204" pitchFamily="34" charset="0"/>
+            </a:endParaRPr>
+          </a:p>
+        </p:txBody>
+      </p:sp>
+      <mc:AlternateContent xmlns:mc="http://schemas.openxmlformats.org/markup-compatibility/2006">
+        <mc:Choice xmlns:a14="http://schemas.microsoft.com/office/drawing/2010/main" Requires="a14">
+          <p:graphicFrame>
+            <p:nvGraphicFramePr>
+              <p:cNvPr id="9" name="Объект 8"/>
+              <p:cNvGraphicFramePr>
+                <a:graphicFrameLocks noGrp="1"/>
+              </p:cNvGraphicFramePr>
+              <p:nvPr>
+                <p:ph idx="1"/>
+                <p:extLst>
+                  <p:ext uri="{D42A27DB-BD31-4B8C-83A1-F6EECF244321}">
+                    <p14:modId xmlns:p14="http://schemas.microsoft.com/office/powerpoint/2010/main" val="653472003"/>
+                  </p:ext>
+                </p:extLst>
+              </p:nvPr>
+            </p:nvGraphicFramePr>
+            <p:xfrm>
+              <a:off x="2307737" y="1227438"/>
+              <a:ext cx="7504675" cy="5125703"/>
+            </p:xfrm>
+            <a:graphic>
+              <a:graphicData uri="http://schemas.openxmlformats.org/drawingml/2006/table">
+                <a:tbl>
+                  <a:tblPr firstRow="1" bandRow="1">
+                    <a:tableStyleId>{D7AC3CCA-C797-4891-BE02-D94E43425B78}</a:tableStyleId>
+                  </a:tblPr>
+                  <a:tblGrid>
+                    <a:gridCol w="4483312"/>
+                    <a:gridCol w="3021363"/>
+                  </a:tblGrid>
+                  <a:tr h="645143">
+                    <a:tc>
+                      <a:txBody>
+                        <a:bodyPr/>
+                        <a:lstStyle/>
+                        <a:p>
+                          <a:pPr algn="l"/>
+                          <a:r>
+                            <a:rPr lang="ru-RU" b="0" dirty="0" smtClean="0">
+                              <a:latin typeface="Arial" panose="020B0604020202020204" pitchFamily="34" charset="0"/>
+                              <a:cs typeface="Arial" panose="020B0604020202020204" pitchFamily="34" charset="0"/>
+                            </a:rPr>
+                            <a:t>Сбалансированность функции (детерминированный)</a:t>
+                          </a:r>
+                          <a:endParaRPr lang="ru-RU" b="0" dirty="0">
+                            <a:latin typeface="Arial" panose="020B0604020202020204" pitchFamily="34" charset="0"/>
+                            <a:cs typeface="Arial" panose="020B0604020202020204" pitchFamily="34" charset="0"/>
+                          </a:endParaRPr>
+                        </a:p>
+                      </a:txBody>
+                      <a:tcPr/>
+                    </a:tc>
+                    <a:tc>
+                      <a:txBody>
+                        <a:bodyPr/>
+                        <a:lstStyle/>
+                        <a:p>
+                          <a:pPr algn="ctr"/>
+                          <a:r>
+                            <a:rPr lang="en-US" b="0" i="1" dirty="0" smtClean="0">
+                              <a:latin typeface="Arial" panose="020B0604020202020204" pitchFamily="34" charset="0"/>
+                              <a:cs typeface="Arial" panose="020B0604020202020204" pitchFamily="34" charset="0"/>
+                            </a:rPr>
+                            <a:t>O(</a:t>
+                          </a:r>
+                          <a14:m>
+                            <m:oMath xmlns:m="http://schemas.openxmlformats.org/officeDocument/2006/math">
+                              <m:sSup>
+                                <m:sSupPr>
+                                  <m:ctrlPr>
+                                    <a:rPr lang="en-US" b="0" i="1" smtClean="0">
+                                      <a:latin typeface="Cambria Math"/>
+                                    </a:rPr>
+                                  </m:ctrlPr>
+                                </m:sSupPr>
+                                <m:e>
+                                  <m:r>
+                                    <a:rPr lang="en-US" b="0" i="1" smtClean="0">
+                                      <a:latin typeface="Cambria Math" panose="02040503050406030204" pitchFamily="18" charset="0"/>
+                                    </a:rPr>
+                                    <m:t>2</m:t>
+                                  </m:r>
+                                </m:e>
+                                <m:sup>
+                                  <m:r>
+                                    <a:rPr lang="en-US" b="0" i="1" smtClean="0">
+                                      <a:latin typeface="Cambria Math" panose="02040503050406030204" pitchFamily="18" charset="0"/>
+                                    </a:rPr>
+                                    <m:t>𝑛</m:t>
+                                  </m:r>
+                                  <m:r>
+                                    <a:rPr lang="en-US" b="0" i="1" smtClean="0">
+                                      <a:latin typeface="Cambria Math" panose="02040503050406030204" pitchFamily="18" charset="0"/>
+                                    </a:rPr>
+                                    <m:t>−1</m:t>
+                                  </m:r>
+                                </m:sup>
+                              </m:sSup>
+                            </m:oMath>
+                          </a14:m>
+                          <a:r>
+                            <a:rPr lang="en-US" b="0" i="1" dirty="0" smtClean="0">
+                              <a:latin typeface="Arial" panose="020B0604020202020204" pitchFamily="34" charset="0"/>
+                              <a:cs typeface="Arial" panose="020B0604020202020204" pitchFamily="34" charset="0"/>
+                            </a:rPr>
+                            <a:t> + 1)</a:t>
+                          </a:r>
+                          <a:endParaRPr lang="ru-RU" b="0" i="1" dirty="0">
+                            <a:latin typeface="Arial" panose="020B0604020202020204" pitchFamily="34" charset="0"/>
+                            <a:cs typeface="Arial" panose="020B0604020202020204" pitchFamily="34" charset="0"/>
+                          </a:endParaRPr>
+                        </a:p>
+                      </a:txBody>
+                      <a:tcPr/>
+                    </a:tc>
+                  </a:tr>
+                  <a:tr h="370840">
+                    <a:tc>
+                      <a:txBody>
+                        <a:bodyPr/>
+                        <a:lstStyle/>
+                        <a:p>
+                          <a:pPr algn="l"/>
+                          <a:r>
+                            <a:rPr lang="ru-RU" dirty="0" smtClean="0">
+                              <a:latin typeface="Arial" panose="020B0604020202020204" pitchFamily="34" charset="0"/>
+                              <a:cs typeface="Arial" panose="020B0604020202020204" pitchFamily="34" charset="0"/>
+                            </a:rPr>
+                            <a:t>Сбалансированность функции (вероятностный)</a:t>
+                          </a:r>
+                          <a:endParaRPr lang="ru-RU" dirty="0">
+                            <a:latin typeface="Arial" panose="020B0604020202020204" pitchFamily="34" charset="0"/>
+                            <a:cs typeface="Arial" panose="020B0604020202020204" pitchFamily="34" charset="0"/>
+                          </a:endParaRPr>
+                        </a:p>
+                      </a:txBody>
+                      <a:tcPr/>
+                    </a:tc>
+                    <a:tc>
+                      <a:txBody>
+                        <a:bodyPr/>
+                        <a:lstStyle/>
+                        <a:p>
+                          <a:pPr algn="ctr"/>
+                          <a:r>
+                            <a:rPr lang="en-US" i="1" dirty="0" smtClean="0">
+                              <a:latin typeface="Arial" panose="020B0604020202020204" pitchFamily="34" charset="0"/>
+                              <a:cs typeface="Arial" panose="020B0604020202020204" pitchFamily="34" charset="0"/>
+                            </a:rPr>
+                            <a:t>O(log</a:t>
+                          </a:r>
+                          <a14:m>
+                            <m:oMath xmlns:m="http://schemas.openxmlformats.org/officeDocument/2006/math">
+                              <m:f>
+                                <m:fPr>
+                                  <m:ctrlPr>
+                                    <a:rPr lang="en-US" i="1" smtClean="0">
+                                      <a:latin typeface="Cambria Math"/>
+                                    </a:rPr>
+                                  </m:ctrlPr>
+                                </m:fPr>
+                                <m:num>
+                                  <m:r>
+                                    <a:rPr lang="en-US" b="0" i="1" smtClean="0">
+                                      <a:latin typeface="Cambria Math" panose="02040503050406030204" pitchFamily="18" charset="0"/>
+                                    </a:rPr>
+                                    <m:t>1</m:t>
+                                  </m:r>
+                                </m:num>
+                                <m:den>
+                                  <m:r>
+                                    <a:rPr lang="en-US" b="0" i="1" smtClean="0">
+                                      <a:latin typeface="Cambria Math" panose="02040503050406030204" pitchFamily="18" charset="0"/>
+                                    </a:rPr>
+                                    <m:t>1−</m:t>
+                                  </m:r>
+                                  <m:r>
+                                    <a:rPr lang="en-US" b="0" i="1" smtClean="0">
+                                      <a:latin typeface="Cambria Math" panose="02040503050406030204" pitchFamily="18" charset="0"/>
+                                    </a:rPr>
+                                    <m:t>𝑝</m:t>
+                                  </m:r>
+                                </m:den>
+                              </m:f>
+                            </m:oMath>
+                          </a14:m>
+                          <a:r>
+                            <a:rPr lang="en-US" i="1" dirty="0" smtClean="0">
+                              <a:latin typeface="Arial" panose="020B0604020202020204" pitchFamily="34" charset="0"/>
+                              <a:cs typeface="Arial" panose="020B0604020202020204" pitchFamily="34" charset="0"/>
+                            </a:rPr>
+                            <a:t>)</a:t>
+                          </a:r>
+                          <a:endParaRPr lang="ru-RU" i="1" dirty="0">
+                            <a:latin typeface="Arial" panose="020B0604020202020204" pitchFamily="34" charset="0"/>
+                            <a:cs typeface="Arial" panose="020B0604020202020204" pitchFamily="34" charset="0"/>
+                          </a:endParaRPr>
+                        </a:p>
+                      </a:txBody>
+                      <a:tcPr/>
+                    </a:tc>
+                  </a:tr>
+                  <a:tr h="370840">
+                    <a:tc>
+                      <a:txBody>
+                        <a:bodyPr/>
+                        <a:lstStyle/>
+                        <a:p>
+                          <a:pPr algn="l"/>
+                          <a:r>
+                            <a:rPr lang="ru-RU" dirty="0" smtClean="0">
+                              <a:latin typeface="Arial" panose="020B0604020202020204" pitchFamily="34" charset="0"/>
+                              <a:cs typeface="Arial" panose="020B0604020202020204" pitchFamily="34" charset="0"/>
+                            </a:rPr>
+                            <a:t>Алгоритм </a:t>
+                          </a:r>
+                          <a:r>
+                            <a:rPr lang="ru-RU" dirty="0" err="1" smtClean="0">
+                              <a:latin typeface="Arial" panose="020B0604020202020204" pitchFamily="34" charset="0"/>
+                              <a:cs typeface="Arial" panose="020B0604020202020204" pitchFamily="34" charset="0"/>
+                            </a:rPr>
+                            <a:t>Дейча-Джозы</a:t>
+                          </a:r>
+                          <a:endParaRPr lang="ru-RU" dirty="0">
+                            <a:latin typeface="Arial" panose="020B0604020202020204" pitchFamily="34" charset="0"/>
+                            <a:cs typeface="Arial" panose="020B0604020202020204" pitchFamily="34" charset="0"/>
+                          </a:endParaRPr>
+                        </a:p>
+                      </a:txBody>
+                      <a:tcPr/>
+                    </a:tc>
+                    <a:tc>
+                      <a:txBody>
+                        <a:bodyPr/>
+                        <a:lstStyle/>
+                        <a:p>
+                          <a:pPr marL="0" marR="0" lvl="0" indent="0" algn="ctr" defTabSz="914400" rtl="0" eaLnBrk="1" fontAlgn="auto" latinLnBrk="0" hangingPunct="1">
+                            <a:lnSpc>
+                              <a:spcPct val="100000"/>
+                            </a:lnSpc>
+                            <a:spcBef>
+                              <a:spcPts val="0"/>
+                            </a:spcBef>
+                            <a:spcAft>
+                              <a:spcPts val="0"/>
+                            </a:spcAft>
+                            <a:buClrTx/>
+                            <a:buSzTx/>
+                            <a:buFontTx/>
+                            <a:buNone/>
+                            <a:tabLst/>
+                            <a:defRPr/>
+                          </a:pPr>
+                          <a:r>
+                            <a:rPr lang="en-US" i="1" dirty="0" smtClean="0">
+                              <a:latin typeface="Arial" panose="020B0604020202020204" pitchFamily="34" charset="0"/>
+                              <a:cs typeface="Arial" panose="020B0604020202020204" pitchFamily="34" charset="0"/>
+                            </a:rPr>
+                            <a:t>O(1)</a:t>
+                          </a:r>
+                          <a:endParaRPr lang="ru-RU" i="1" dirty="0" smtClean="0">
+                            <a:latin typeface="Arial" panose="020B0604020202020204" pitchFamily="34" charset="0"/>
+                            <a:cs typeface="Arial" panose="020B0604020202020204" pitchFamily="34" charset="0"/>
+                          </a:endParaRPr>
+                        </a:p>
+                        <a:p>
+                          <a:pPr algn="ctr"/>
+                          <a:endParaRPr lang="ru-RU" i="1" dirty="0">
+                            <a:latin typeface="Arial" panose="020B0604020202020204" pitchFamily="34" charset="0"/>
+                            <a:cs typeface="Arial" panose="020B0604020202020204" pitchFamily="34" charset="0"/>
+                          </a:endParaRPr>
+                        </a:p>
+                      </a:txBody>
+                      <a:tcPr/>
+                    </a:tc>
+                  </a:tr>
+                  <a:tr h="370840">
+                    <a:tc>
+                      <a:txBody>
+                        <a:bodyPr/>
+                        <a:lstStyle/>
+                        <a:p>
+                          <a:pPr algn="l"/>
+                          <a:r>
+                            <a:rPr lang="ru-RU" dirty="0" smtClean="0">
+                              <a:latin typeface="Arial" panose="020B0604020202020204" pitchFamily="34" charset="0"/>
+                              <a:cs typeface="Arial" panose="020B0604020202020204" pitchFamily="34" charset="0"/>
+                            </a:rPr>
+                            <a:t>Метод квадратичных форм </a:t>
+                          </a:r>
+                          <a:r>
+                            <a:rPr lang="ru-RU" dirty="0" err="1" smtClean="0">
+                              <a:latin typeface="Arial" panose="020B0604020202020204" pitchFamily="34" charset="0"/>
+                              <a:cs typeface="Arial" panose="020B0604020202020204" pitchFamily="34" charset="0"/>
+                            </a:rPr>
+                            <a:t>Шенкса</a:t>
+                          </a:r>
+                          <a:endParaRPr lang="ru-RU" dirty="0" smtClean="0">
+                            <a:latin typeface="Arial" panose="020B0604020202020204" pitchFamily="34" charset="0"/>
+                            <a:cs typeface="Arial" panose="020B0604020202020204" pitchFamily="34" charset="0"/>
+                          </a:endParaRPr>
+                        </a:p>
+                        <a:p>
+                          <a:pPr algn="l"/>
+                          <a:endParaRPr lang="ru-RU" dirty="0">
+                            <a:latin typeface="Arial" panose="020B0604020202020204" pitchFamily="34" charset="0"/>
+                            <a:cs typeface="Arial" panose="020B0604020202020204" pitchFamily="34" charset="0"/>
+                          </a:endParaRPr>
+                        </a:p>
+                      </a:txBody>
+                      <a:tcPr/>
+                    </a:tc>
+                    <a:tc>
+                      <a:txBody>
+                        <a:bodyPr/>
+                        <a:lstStyle/>
+                        <a:p>
+                          <a:pPr algn="ctr"/>
+                          <a:r>
+                            <a:rPr lang="en-US" sz="1800" b="0" i="1" u="none" strike="noStrike" kern="1200" dirty="0" smtClean="0">
+                              <a:solidFill>
+                                <a:schemeClr val="dk1"/>
+                              </a:solidFill>
+                              <a:effectLst/>
+                              <a:latin typeface="Arial" panose="020B0604020202020204" pitchFamily="34" charset="0"/>
+                              <a:ea typeface="+mn-ea"/>
+                              <a:cs typeface="Arial" panose="020B0604020202020204" pitchFamily="34" charset="0"/>
+                            </a:rPr>
+                            <a:t>O(</a:t>
+                          </a:r>
+                          <a14:m>
+                            <m:oMath xmlns:m="http://schemas.openxmlformats.org/officeDocument/2006/math">
+                              <m:sSup>
+                                <m:sSupPr>
+                                  <m:ctrlPr>
+                                    <a:rPr lang="en-US" sz="1800" b="0" i="1" u="none" strike="noStrike" kern="1200" smtClean="0">
+                                      <a:solidFill>
+                                        <a:schemeClr val="dk1"/>
+                                      </a:solidFill>
+                                      <a:effectLst/>
+                                      <a:latin typeface="Cambria Math"/>
+                                      <a:ea typeface="+mn-ea"/>
+                                      <a:cs typeface="+mn-cs"/>
+                                    </a:rPr>
+                                  </m:ctrlPr>
+                                </m:sSupPr>
+                                <m:e>
+                                  <m:r>
+                                    <a:rPr lang="en-US" sz="1800" b="0" i="1" u="none" strike="noStrike" kern="1200" smtClean="0">
+                                      <a:solidFill>
+                                        <a:schemeClr val="dk1"/>
+                                      </a:solidFill>
+                                      <a:effectLst/>
+                                      <a:latin typeface="Cambria Math" panose="02040503050406030204" pitchFamily="18" charset="0"/>
+                                      <a:ea typeface="+mn-ea"/>
+                                      <a:cs typeface="+mn-cs"/>
+                                    </a:rPr>
+                                    <m:t>𝑛</m:t>
+                                  </m:r>
+                                </m:e>
+                                <m:sup>
+                                  <m:f>
+                                    <m:fPr>
+                                      <m:ctrlPr>
+                                        <a:rPr lang="en-US" sz="1800" b="0" i="1" u="none" strike="noStrike" kern="1200" smtClean="0">
+                                          <a:solidFill>
+                                            <a:schemeClr val="dk1"/>
+                                          </a:solidFill>
+                                          <a:effectLst/>
+                                          <a:latin typeface="Cambria Math"/>
+                                          <a:ea typeface="+mn-ea"/>
+                                          <a:cs typeface="+mn-cs"/>
+                                        </a:rPr>
+                                      </m:ctrlPr>
+                                    </m:fPr>
+                                    <m:num>
+                                      <m:r>
+                                        <a:rPr lang="en-US" sz="1800" b="0" i="1" u="none" strike="noStrike" kern="1200" smtClean="0">
+                                          <a:solidFill>
+                                            <a:schemeClr val="dk1"/>
+                                          </a:solidFill>
+                                          <a:effectLst/>
+                                          <a:latin typeface="Cambria Math" panose="02040503050406030204" pitchFamily="18" charset="0"/>
+                                          <a:ea typeface="+mn-ea"/>
+                                          <a:cs typeface="+mn-cs"/>
+                                        </a:rPr>
+                                        <m:t>1</m:t>
+                                      </m:r>
+                                    </m:num>
+                                    <m:den>
+                                      <m:r>
+                                        <a:rPr lang="en-US" sz="1800" b="0" i="1" u="none" strike="noStrike" kern="1200" smtClean="0">
+                                          <a:solidFill>
+                                            <a:schemeClr val="dk1"/>
+                                          </a:solidFill>
+                                          <a:effectLst/>
+                                          <a:latin typeface="Cambria Math" panose="02040503050406030204" pitchFamily="18" charset="0"/>
+                                          <a:ea typeface="+mn-ea"/>
+                                          <a:cs typeface="+mn-cs"/>
+                                        </a:rPr>
+                                        <m:t>5</m:t>
+                                      </m:r>
+                                    </m:den>
+                                  </m:f>
+                                  <m:r>
+                                    <a:rPr lang="en-US" sz="1800" b="0" i="1" u="none" strike="noStrike" kern="1200" smtClean="0">
+                                      <a:solidFill>
+                                        <a:schemeClr val="dk1"/>
+                                      </a:solidFill>
+                                      <a:effectLst/>
+                                      <a:latin typeface="Cambria Math" panose="02040503050406030204" pitchFamily="18" charset="0"/>
+                                      <a:ea typeface="+mn-ea"/>
+                                      <a:cs typeface="+mn-cs"/>
+                                    </a:rPr>
+                                    <m:t>+</m:t>
+                                  </m:r>
+                                  <m:r>
+                                    <m:rPr>
+                                      <m:nor/>
+                                    </m:rPr>
+                                    <a:rPr lang="el-GR" sz="1800" b="0" i="1" u="none" strike="noStrike" kern="1200" dirty="0" smtClean="0">
+                                      <a:solidFill>
+                                        <a:schemeClr val="dk1"/>
+                                      </a:solidFill>
+                                      <a:effectLst/>
+                                      <a:latin typeface="Arial" panose="020B0604020202020204" pitchFamily="34" charset="0"/>
+                                      <a:ea typeface="+mn-ea"/>
+                                      <a:cs typeface="Arial" panose="020B0604020202020204" pitchFamily="34" charset="0"/>
+                                    </a:rPr>
+                                    <m:t>ε</m:t>
+                                  </m:r>
+                                </m:sup>
+                              </m:sSup>
+                            </m:oMath>
+                          </a14:m>
+                          <a:r>
+                            <a:rPr lang="el-GR" sz="1800" b="0" i="1" u="none" strike="noStrike" kern="1200" dirty="0" smtClean="0">
+                              <a:solidFill>
+                                <a:schemeClr val="dk1"/>
+                              </a:solidFill>
+                              <a:effectLst/>
+                              <a:latin typeface="Arial" panose="020B0604020202020204" pitchFamily="34" charset="0"/>
+                              <a:ea typeface="+mn-ea"/>
+                              <a:cs typeface="Arial" panose="020B0604020202020204" pitchFamily="34" charset="0"/>
+                            </a:rPr>
+                            <a:t>)</a:t>
+                          </a:r>
+                          <a:endParaRPr lang="ru-RU" i="1" dirty="0">
+                            <a:latin typeface="Arial" panose="020B0604020202020204" pitchFamily="34" charset="0"/>
+                            <a:cs typeface="Arial" panose="020B0604020202020204" pitchFamily="34" charset="0"/>
+                          </a:endParaRPr>
+                        </a:p>
+                      </a:txBody>
+                      <a:tcPr/>
+                    </a:tc>
+                  </a:tr>
+                  <a:tr h="370840">
+                    <a:tc>
+                      <a:txBody>
+                        <a:bodyPr/>
+                        <a:lstStyle/>
+                        <a:p>
+                          <a:pPr algn="l"/>
+                          <a:r>
+                            <a:rPr lang="ru-RU" dirty="0" smtClean="0">
+                              <a:latin typeface="Arial" panose="020B0604020202020204" pitchFamily="34" charset="0"/>
+                              <a:cs typeface="Arial" panose="020B0604020202020204" pitchFamily="34" charset="0"/>
+                            </a:rPr>
+                            <a:t>Метод решета числового поля</a:t>
+                          </a:r>
+                          <a:endParaRPr lang="en-US" dirty="0" smtClean="0">
+                            <a:latin typeface="Arial" panose="020B0604020202020204" pitchFamily="34" charset="0"/>
+                            <a:cs typeface="Arial" panose="020B0604020202020204" pitchFamily="34" charset="0"/>
+                          </a:endParaRPr>
+                        </a:p>
+                        <a:p>
+                          <a:pPr algn="l"/>
+                          <a:endParaRPr lang="ru-RU" dirty="0">
+                            <a:latin typeface="Arial" panose="020B0604020202020204" pitchFamily="34" charset="0"/>
+                            <a:cs typeface="Arial" panose="020B0604020202020204" pitchFamily="34" charset="0"/>
+                          </a:endParaRPr>
+                        </a:p>
+                      </a:txBody>
+                      <a:tcPr/>
+                    </a:tc>
+                    <a:tc>
+                      <a:txBody>
+                        <a:bodyPr/>
+                        <a:lstStyle/>
+                        <a:p>
+                          <a:pPr algn="ctr"/>
+                          <a:r>
+                            <a:rPr lang="en-US" i="1" dirty="0" smtClean="0">
+                              <a:latin typeface="Arial" panose="020B0604020202020204" pitchFamily="34" charset="0"/>
+                              <a:cs typeface="Arial" panose="020B0604020202020204" pitchFamily="34" charset="0"/>
+                            </a:rPr>
+                            <a:t>exp(</a:t>
+                          </a:r>
+                          <a14:m>
+                            <m:oMath xmlns:m="http://schemas.openxmlformats.org/officeDocument/2006/math">
+                              <m:sSup>
+                                <m:sSupPr>
+                                  <m:ctrlPr>
+                                    <a:rPr lang="en-US" i="1" smtClean="0">
+                                      <a:latin typeface="Cambria Math"/>
+                                    </a:rPr>
+                                  </m:ctrlPr>
+                                </m:sSupPr>
+                                <m:e>
+                                  <m:r>
+                                    <a:rPr lang="en-US" b="0" i="1" smtClean="0">
+                                      <a:latin typeface="Cambria Math" panose="02040503050406030204" pitchFamily="18" charset="0"/>
+                                    </a:rPr>
+                                    <m:t>(</m:t>
+                                  </m:r>
+                                  <m:f>
+                                    <m:fPr>
+                                      <m:ctrlPr>
+                                        <a:rPr lang="en-US" i="1" smtClean="0">
+                                          <a:latin typeface="Cambria Math"/>
+                                        </a:rPr>
+                                      </m:ctrlPr>
+                                    </m:fPr>
+                                    <m:num>
+                                      <m:r>
+                                        <a:rPr lang="en-US" b="0" i="1" smtClean="0">
+                                          <a:latin typeface="Cambria Math" panose="02040503050406030204" pitchFamily="18" charset="0"/>
+                                        </a:rPr>
+                                        <m:t>32</m:t>
+                                      </m:r>
+                                    </m:num>
+                                    <m:den>
+                                      <m:r>
+                                        <a:rPr lang="en-US" b="0" i="1" smtClean="0">
+                                          <a:latin typeface="Cambria Math" panose="02040503050406030204" pitchFamily="18" charset="0"/>
+                                        </a:rPr>
+                                        <m:t>9</m:t>
+                                      </m:r>
+                                    </m:den>
+                                  </m:f>
+                                  <m:r>
+                                    <a:rPr lang="en-US" b="0" i="1" smtClean="0">
+                                      <a:latin typeface="Cambria Math" panose="02040503050406030204" pitchFamily="18" charset="0"/>
+                                    </a:rPr>
+                                    <m:t> </m:t>
+                                  </m:r>
+                                  <m:func>
+                                    <m:funcPr>
+                                      <m:ctrlPr>
+                                        <a:rPr lang="en-US" b="0" i="1" smtClean="0">
+                                          <a:latin typeface="Cambria Math"/>
+                                        </a:rPr>
+                                      </m:ctrlPr>
+                                    </m:funcPr>
+                                    <m:fName>
+                                      <m:r>
+                                        <a:rPr lang="en-US" b="0" i="1" smtClean="0">
+                                          <a:latin typeface="Cambria Math" panose="02040503050406030204" pitchFamily="18" charset="0"/>
+                                        </a:rPr>
+                                        <m:t>𝑙𝑜𝑔</m:t>
+                                      </m:r>
+                                    </m:fName>
+                                    <m:e>
+                                      <m:r>
+                                        <a:rPr lang="en-US" b="0" i="1" smtClean="0">
+                                          <a:latin typeface="Cambria Math" panose="02040503050406030204" pitchFamily="18" charset="0"/>
+                                        </a:rPr>
+                                        <m:t>𝑁</m:t>
+                                      </m:r>
+                                    </m:e>
+                                  </m:func>
+                                  <m:r>
+                                    <a:rPr lang="en-US" b="0" i="1" smtClean="0">
+                                      <a:latin typeface="Cambria Math" panose="02040503050406030204" pitchFamily="18" charset="0"/>
+                                    </a:rPr>
+                                    <m:t>)</m:t>
+                                  </m:r>
+                                </m:e>
+                                <m:sup>
+                                  <m:f>
+                                    <m:fPr>
+                                      <m:ctrlPr>
+                                        <a:rPr lang="en-US" i="1" smtClean="0">
+                                          <a:latin typeface="Cambria Math"/>
+                                        </a:rPr>
+                                      </m:ctrlPr>
+                                    </m:fPr>
+                                    <m:num>
+                                      <m:r>
+                                        <a:rPr lang="en-US" b="0" i="1" smtClean="0">
+                                          <a:latin typeface="Cambria Math" panose="02040503050406030204" pitchFamily="18" charset="0"/>
+                                        </a:rPr>
+                                        <m:t>1</m:t>
+                                      </m:r>
+                                    </m:num>
+                                    <m:den>
+                                      <m:r>
+                                        <a:rPr lang="en-US" b="0" i="1" smtClean="0">
+                                          <a:latin typeface="Cambria Math" panose="02040503050406030204" pitchFamily="18" charset="0"/>
+                                        </a:rPr>
+                                        <m:t>3</m:t>
+                                      </m:r>
+                                    </m:den>
+                                  </m:f>
+                                </m:sup>
+                              </m:sSup>
+                            </m:oMath>
+                          </a14:m>
+                          <a:r>
+                            <a:rPr lang="en-US" i="1" dirty="0" smtClean="0">
+                              <a:latin typeface="Arial" panose="020B0604020202020204" pitchFamily="34" charset="0"/>
+                              <a:cs typeface="Arial" panose="020B0604020202020204" pitchFamily="34" charset="0"/>
+                            </a:rPr>
+                            <a:t> *</a:t>
+                          </a:r>
+                          <a14:m>
+                            <m:oMath xmlns:m="http://schemas.openxmlformats.org/officeDocument/2006/math">
+                              <m:sSup>
+                                <m:sSupPr>
+                                  <m:ctrlPr>
+                                    <a:rPr lang="en-US" i="1" dirty="0" smtClean="0">
+                                      <a:latin typeface="Cambria Math"/>
+                                    </a:rPr>
+                                  </m:ctrlPr>
+                                </m:sSupPr>
+                                <m:e>
+                                  <m:func>
+                                    <m:funcPr>
+                                      <m:ctrlPr>
+                                        <a:rPr lang="en-US" i="1" smtClean="0">
+                                          <a:latin typeface="Cambria Math"/>
+                                        </a:rPr>
+                                      </m:ctrlPr>
+                                    </m:funcPr>
+                                    <m:fName>
+                                      <m:r>
+                                        <a:rPr lang="en-US" i="1" smtClean="0">
+                                          <a:latin typeface="Cambria Math" panose="02040503050406030204" pitchFamily="18" charset="0"/>
+                                        </a:rPr>
+                                        <m:t>𝑙𝑜𝑔</m:t>
+                                      </m:r>
+                                    </m:fName>
+                                    <m:e>
+                                      <m:func>
+                                        <m:funcPr>
+                                          <m:ctrlPr>
+                                            <a:rPr lang="en-US" i="1" smtClean="0">
+                                              <a:latin typeface="Cambria Math"/>
+                                            </a:rPr>
+                                          </m:ctrlPr>
+                                        </m:funcPr>
+                                        <m:fName>
+                                          <m:r>
+                                            <a:rPr lang="en-US" i="1" smtClean="0">
+                                              <a:latin typeface="Cambria Math" panose="02040503050406030204" pitchFamily="18" charset="0"/>
+                                            </a:rPr>
+                                            <m:t>𝑙𝑜𝑔</m:t>
+                                          </m:r>
+                                        </m:fName>
+                                        <m:e>
+                                          <m:r>
+                                            <a:rPr lang="en-US" b="0" i="1" smtClean="0">
+                                              <a:latin typeface="Cambria Math" panose="02040503050406030204" pitchFamily="18" charset="0"/>
+                                            </a:rPr>
+                                            <m:t>𝑁</m:t>
+                                          </m:r>
+                                        </m:e>
+                                      </m:func>
+                                    </m:e>
+                                  </m:func>
+                                </m:e>
+                                <m:sup>
+                                  <m:f>
+                                    <m:fPr>
+                                      <m:ctrlPr>
+                                        <a:rPr lang="en-US" i="1" dirty="0" smtClean="0">
+                                          <a:latin typeface="Cambria Math"/>
+                                        </a:rPr>
+                                      </m:ctrlPr>
+                                    </m:fPr>
+                                    <m:num>
+                                      <m:r>
+                                        <a:rPr lang="en-US" b="0" i="1" dirty="0" smtClean="0">
+                                          <a:latin typeface="Cambria Math" panose="02040503050406030204" pitchFamily="18" charset="0"/>
+                                        </a:rPr>
+                                        <m:t>2</m:t>
+                                      </m:r>
+                                    </m:num>
+                                    <m:den>
+                                      <m:r>
+                                        <a:rPr lang="en-US" b="0" i="1" dirty="0" smtClean="0">
+                                          <a:latin typeface="Cambria Math" panose="02040503050406030204" pitchFamily="18" charset="0"/>
+                                        </a:rPr>
+                                        <m:t>3</m:t>
+                                      </m:r>
+                                    </m:den>
+                                  </m:f>
+                                </m:sup>
+                              </m:sSup>
+                            </m:oMath>
+                          </a14:m>
+                          <a:r>
+                            <a:rPr lang="en-US" i="1" dirty="0" smtClean="0">
+                              <a:latin typeface="Arial" panose="020B0604020202020204" pitchFamily="34" charset="0"/>
+                              <a:cs typeface="Arial" panose="020B0604020202020204" pitchFamily="34" charset="0"/>
+                            </a:rPr>
+                            <a:t>)</a:t>
+                          </a:r>
+                          <a:endParaRPr lang="ru-RU" i="1" dirty="0">
+                            <a:latin typeface="Arial" panose="020B0604020202020204" pitchFamily="34" charset="0"/>
+                            <a:cs typeface="Arial" panose="020B0604020202020204" pitchFamily="34" charset="0"/>
+                          </a:endParaRPr>
+                        </a:p>
+                      </a:txBody>
+                      <a:tcPr/>
+                    </a:tc>
+                  </a:tr>
+                  <a:tr h="370840">
+                    <a:tc>
+                      <a:txBody>
+                        <a:bodyPr/>
+                        <a:lstStyle/>
+                        <a:p>
+                          <a:pPr algn="l"/>
+                          <a:r>
+                            <a:rPr lang="ru-RU" dirty="0" smtClean="0">
+                              <a:latin typeface="Arial" panose="020B0604020202020204" pitchFamily="34" charset="0"/>
+                              <a:cs typeface="Arial" panose="020B0604020202020204" pitchFamily="34" charset="0"/>
+                            </a:rPr>
+                            <a:t>Алгоритм</a:t>
+                          </a:r>
+                          <a:r>
+                            <a:rPr lang="ru-RU" baseline="0" dirty="0" smtClean="0">
+                              <a:latin typeface="Arial" panose="020B0604020202020204" pitchFamily="34" charset="0"/>
+                              <a:cs typeface="Arial" panose="020B0604020202020204" pitchFamily="34" charset="0"/>
+                            </a:rPr>
+                            <a:t> </a:t>
+                          </a:r>
+                          <a:r>
+                            <a:rPr lang="ru-RU" baseline="0" dirty="0" err="1" smtClean="0">
+                              <a:latin typeface="Arial" panose="020B0604020202020204" pitchFamily="34" charset="0"/>
+                              <a:cs typeface="Arial" panose="020B0604020202020204" pitchFamily="34" charset="0"/>
+                            </a:rPr>
+                            <a:t>Шора</a:t>
+                          </a:r>
+                          <a:endParaRPr lang="en-US" baseline="0" dirty="0" smtClean="0">
+                            <a:latin typeface="Arial" panose="020B0604020202020204" pitchFamily="34" charset="0"/>
+                            <a:cs typeface="Arial" panose="020B0604020202020204" pitchFamily="34" charset="0"/>
+                          </a:endParaRPr>
+                        </a:p>
+                        <a:p>
+                          <a:pPr algn="l"/>
+                          <a:endParaRPr lang="ru-RU" dirty="0">
+                            <a:latin typeface="Arial" panose="020B0604020202020204" pitchFamily="34" charset="0"/>
+                            <a:cs typeface="Arial" panose="020B0604020202020204" pitchFamily="34" charset="0"/>
+                          </a:endParaRPr>
+                        </a:p>
+                      </a:txBody>
+                      <a:tcPr/>
+                    </a:tc>
+                    <a:tc>
+                      <a:txBody>
+                        <a:bodyPr/>
+                        <a:lstStyle/>
+                        <a:p>
+                          <a:pPr algn="ctr"/>
+                          <a:r>
+                            <a:rPr lang="en-US" i="1" dirty="0" smtClean="0">
+                              <a:latin typeface="Arial" panose="020B0604020202020204" pitchFamily="34" charset="0"/>
+                              <a:cs typeface="Arial" panose="020B0604020202020204" pitchFamily="34" charset="0"/>
+                            </a:rPr>
+                            <a:t>O(log^3(N))</a:t>
+                          </a:r>
+                          <a:endParaRPr lang="ru-RU" i="1" dirty="0">
+                            <a:latin typeface="Arial" panose="020B0604020202020204" pitchFamily="34" charset="0"/>
+                            <a:cs typeface="Arial" panose="020B0604020202020204" pitchFamily="34" charset="0"/>
+                          </a:endParaRPr>
+                        </a:p>
+                      </a:txBody>
+                      <a:tcPr/>
+                    </a:tc>
+                  </a:tr>
+                  <a:tr h="370840">
+                    <a:tc>
+                      <a:txBody>
+                        <a:bodyPr/>
+                        <a:lstStyle/>
+                        <a:p>
+                          <a:pPr algn="l"/>
+                          <a:r>
+                            <a:rPr lang="ru-RU" dirty="0" smtClean="0">
+                              <a:latin typeface="Arial" panose="020B0604020202020204" pitchFamily="34" charset="0"/>
+                              <a:cs typeface="Arial" panose="020B0604020202020204" pitchFamily="34" charset="0"/>
+                            </a:rPr>
+                            <a:t>Алгоритм ХХЛ</a:t>
+                          </a:r>
+                          <a:endParaRPr lang="en-US" dirty="0" smtClean="0">
+                            <a:latin typeface="Arial" panose="020B0604020202020204" pitchFamily="34" charset="0"/>
+                            <a:cs typeface="Arial" panose="020B0604020202020204" pitchFamily="34" charset="0"/>
+                          </a:endParaRPr>
+                        </a:p>
+                        <a:p>
+                          <a:pPr algn="l"/>
+                          <a:endParaRPr lang="ru-RU" dirty="0">
+                            <a:latin typeface="Arial" panose="020B0604020202020204" pitchFamily="34" charset="0"/>
+                            <a:cs typeface="Arial" panose="020B0604020202020204" pitchFamily="34" charset="0"/>
+                          </a:endParaRPr>
+                        </a:p>
+                      </a:txBody>
+                      <a:tcPr/>
+                    </a:tc>
+                    <a:tc>
+                      <a:txBody>
+                        <a:bodyPr/>
+                        <a:lstStyle/>
+                        <a:p>
+                          <a:pPr algn="ctr"/>
+                          <a:r>
+                            <a:rPr lang="en-US" i="1" dirty="0" smtClean="0">
+                              <a:latin typeface="Arial" panose="020B0604020202020204" pitchFamily="34" charset="0"/>
+                              <a:cs typeface="Arial" panose="020B0604020202020204" pitchFamily="34" charset="0"/>
+                            </a:rPr>
+                            <a:t>O(N</a:t>
+                          </a:r>
+                          <a14:m>
+                            <m:oMath xmlns:m="http://schemas.openxmlformats.org/officeDocument/2006/math">
+                              <m:func>
+                                <m:funcPr>
+                                  <m:ctrlPr>
+                                    <a:rPr lang="en-US" i="1" smtClean="0">
+                                      <a:latin typeface="Cambria Math"/>
+                                    </a:rPr>
+                                  </m:ctrlPr>
+                                </m:funcPr>
+                                <m:fName>
+                                  <m:r>
+                                    <a:rPr lang="en-US" i="1" smtClean="0">
+                                      <a:latin typeface="Cambria Math" panose="02040503050406030204" pitchFamily="18" charset="0"/>
+                                    </a:rPr>
+                                    <m:t>𝑙𝑜𝑔</m:t>
+                                  </m:r>
+                                </m:fName>
+                                <m:e>
+                                  <m:r>
+                                    <a:rPr lang="en-US" b="0" i="1" smtClean="0">
+                                      <a:latin typeface="Cambria Math" panose="02040503050406030204" pitchFamily="18" charset="0"/>
+                                    </a:rPr>
+                                    <m:t>𝑁</m:t>
+                                  </m:r>
+                                </m:e>
+                              </m:func>
+                              <m:sSup>
+                                <m:sSupPr>
+                                  <m:ctrlPr>
+                                    <a:rPr lang="en-US" i="1" smtClean="0">
+                                      <a:latin typeface="Cambria Math"/>
+                                    </a:rPr>
+                                  </m:ctrlPr>
+                                </m:sSupPr>
+                                <m:e>
+                                  <m:r>
+                                    <a:rPr lang="en-US" b="0" i="1" smtClean="0">
+                                      <a:latin typeface="Cambria Math" panose="02040503050406030204" pitchFamily="18" charset="0"/>
+                                    </a:rPr>
+                                    <m:t>𝑘</m:t>
+                                  </m:r>
+                                </m:e>
+                                <m:sup>
+                                  <m:r>
+                                    <a:rPr lang="en-US" b="0" i="1" smtClean="0">
+                                      <a:latin typeface="Cambria Math" panose="02040503050406030204" pitchFamily="18" charset="0"/>
+                                    </a:rPr>
+                                    <m:t>2</m:t>
+                                  </m:r>
+                                </m:sup>
+                              </m:sSup>
+                            </m:oMath>
+                          </a14:m>
+                          <a:r>
+                            <a:rPr lang="en-US" i="1" dirty="0" smtClean="0">
+                              <a:latin typeface="Arial" panose="020B0604020202020204" pitchFamily="34" charset="0"/>
+                              <a:cs typeface="Arial" panose="020B0604020202020204" pitchFamily="34" charset="0"/>
+                            </a:rPr>
+                            <a:t>)</a:t>
+                          </a:r>
+                          <a:endParaRPr lang="ru-RU" i="1" dirty="0">
+                            <a:latin typeface="Arial" panose="020B0604020202020204" pitchFamily="34" charset="0"/>
+                            <a:cs typeface="Arial" panose="020B0604020202020204" pitchFamily="34" charset="0"/>
+                          </a:endParaRPr>
+                        </a:p>
+                      </a:txBody>
+                      <a:tcPr/>
+                    </a:tc>
+                  </a:tr>
+                  <a:tr h="370840">
+                    <a:tc>
+                      <a:txBody>
+                        <a:bodyPr/>
+                        <a:lstStyle/>
+                        <a:p>
+                          <a:pPr algn="l"/>
+                          <a:r>
+                            <a:rPr lang="ru-RU" dirty="0" smtClean="0">
+                              <a:latin typeface="Arial" panose="020B0604020202020204" pitchFamily="34" charset="0"/>
+                              <a:cs typeface="Arial" panose="020B0604020202020204" pitchFamily="34" charset="0"/>
+                            </a:rPr>
+                            <a:t>Разложение Гаусса</a:t>
+                          </a:r>
+                          <a:endParaRPr lang="en-US" dirty="0" smtClean="0">
+                            <a:latin typeface="Arial" panose="020B0604020202020204" pitchFamily="34" charset="0"/>
+                            <a:cs typeface="Arial" panose="020B0604020202020204" pitchFamily="34" charset="0"/>
+                          </a:endParaRPr>
+                        </a:p>
+                        <a:p>
+                          <a:pPr algn="l"/>
+                          <a:endParaRPr lang="ru-RU" dirty="0">
+                            <a:latin typeface="Arial" panose="020B0604020202020204" pitchFamily="34" charset="0"/>
+                            <a:cs typeface="Arial" panose="020B0604020202020204" pitchFamily="34" charset="0"/>
+                          </a:endParaRPr>
+                        </a:p>
+                      </a:txBody>
+                      <a:tcPr/>
+                    </a:tc>
+                    <a:tc>
+                      <a:txBody>
+                        <a:bodyPr/>
+                        <a:lstStyle/>
+                        <a:p>
+                          <a:pPr algn="ctr"/>
+                          <a:r>
+                            <a:rPr lang="en-US" i="1" dirty="0" smtClean="0">
+                              <a:latin typeface="Arial" panose="020B0604020202020204" pitchFamily="34" charset="0"/>
+                              <a:cs typeface="Arial" panose="020B0604020202020204" pitchFamily="34" charset="0"/>
+                            </a:rPr>
+                            <a:t>O</a:t>
+                          </a:r>
+                          <a:r>
+                            <a:rPr lang="ru-RU" i="1" dirty="0" smtClean="0">
+                              <a:latin typeface="Arial" panose="020B0604020202020204" pitchFamily="34" charset="0"/>
+                              <a:cs typeface="Arial" panose="020B0604020202020204" pitchFamily="34" charset="0"/>
+                            </a:rPr>
+                            <a:t>(</a:t>
+                          </a:r>
+                          <a14:m>
+                            <m:oMath xmlns:m="http://schemas.openxmlformats.org/officeDocument/2006/math">
+                              <m:sSup>
+                                <m:sSupPr>
+                                  <m:ctrlPr>
+                                    <a:rPr lang="ru-RU" i="1" smtClean="0">
+                                      <a:latin typeface="Cambria Math"/>
+                                    </a:rPr>
+                                  </m:ctrlPr>
+                                </m:sSupPr>
+                                <m:e>
+                                  <m:r>
+                                    <a:rPr lang="en-US" b="0" i="1" smtClean="0">
+                                      <a:latin typeface="Cambria Math" panose="02040503050406030204" pitchFamily="18" charset="0"/>
+                                    </a:rPr>
+                                    <m:t>𝑁</m:t>
+                                  </m:r>
+                                </m:e>
+                                <m:sup>
+                                  <m:r>
+                                    <a:rPr lang="en-US" b="0" i="1" smtClean="0">
+                                      <a:latin typeface="Cambria Math" panose="02040503050406030204" pitchFamily="18" charset="0"/>
+                                    </a:rPr>
+                                    <m:t>3</m:t>
+                                  </m:r>
+                                </m:sup>
+                              </m:sSup>
+                            </m:oMath>
+                          </a14:m>
+                          <a:r>
+                            <a:rPr lang="en-US" i="1" dirty="0" smtClean="0">
+                              <a:latin typeface="Arial" panose="020B0604020202020204" pitchFamily="34" charset="0"/>
+                              <a:cs typeface="Arial" panose="020B0604020202020204" pitchFamily="34" charset="0"/>
+                            </a:rPr>
+                            <a:t>)</a:t>
+                          </a:r>
+                        </a:p>
+                      </a:txBody>
+                      <a:tcPr/>
+                    </a:tc>
+                  </a:tr>
+                </a:tbl>
+              </a:graphicData>
+            </a:graphic>
+          </p:graphicFrame>
+        </mc:Choice>
+        <mc:Fallback>
+          <p:graphicFrame>
+            <p:nvGraphicFramePr>
+              <p:cNvPr id="9" name="Объект 8"/>
+              <p:cNvGraphicFramePr>
+                <a:graphicFrameLocks noGrp="1"/>
+              </p:cNvGraphicFramePr>
+              <p:nvPr>
+                <p:ph idx="1"/>
+                <p:extLst>
+                  <p:ext uri="{D42A27DB-BD31-4B8C-83A1-F6EECF244321}">
+                    <p14:modId xmlns:p14="http://schemas.microsoft.com/office/powerpoint/2010/main" val="653472003"/>
+                  </p:ext>
+                </p:extLst>
+              </p:nvPr>
+            </p:nvGraphicFramePr>
+            <p:xfrm>
+              <a:off x="2307737" y="1227438"/>
+              <a:ext cx="7504675" cy="5125703"/>
+            </p:xfrm>
+            <a:graphic>
+              <a:graphicData uri="http://schemas.openxmlformats.org/drawingml/2006/table">
+                <a:tbl>
+                  <a:tblPr firstRow="1" bandRow="1">
+                    <a:tableStyleId>{D7AC3CCA-C797-4891-BE02-D94E43425B78}</a:tableStyleId>
+                  </a:tblPr>
+                  <a:tblGrid>
+                    <a:gridCol w="4483312"/>
+                    <a:gridCol w="3021363"/>
+                  </a:tblGrid>
+                  <a:tr h="645143">
+                    <a:tc>
+                      <a:txBody>
+                        <a:bodyPr/>
+                        <a:lstStyle/>
+                        <a:p>
+                          <a:pPr algn="l"/>
+                          <a:r>
+                            <a:rPr lang="ru-RU" b="0" dirty="0" smtClean="0">
+                              <a:latin typeface="Arial" panose="020B0604020202020204" pitchFamily="34" charset="0"/>
+                              <a:cs typeface="Arial" panose="020B0604020202020204" pitchFamily="34" charset="0"/>
+                            </a:rPr>
+                            <a:t>Сбалансированность функции (детерминированный)</a:t>
+                          </a:r>
+                          <a:endParaRPr lang="ru-RU" b="0" dirty="0">
+                            <a:latin typeface="Arial" panose="020B0604020202020204" pitchFamily="34" charset="0"/>
+                            <a:cs typeface="Arial" panose="020B0604020202020204" pitchFamily="34" charset="0"/>
+                          </a:endParaRPr>
+                        </a:p>
+                      </a:txBody>
+                      <a:tcPr/>
+                    </a:tc>
+                    <a:tc>
+                      <a:txBody>
+                        <a:bodyPr/>
+                        <a:lstStyle/>
+                        <a:p>
+                          <a:endParaRPr lang="ru-RU"/>
+                        </a:p>
+                      </a:txBody>
+                      <a:tcPr>
+                        <a:blipFill rotWithShape="1">
+                          <a:blip r:embed="rId2"/>
+                          <a:stretch>
+                            <a:fillRect l="-148387" t="-4717" b="-694340"/>
+                          </a:stretch>
+                        </a:blipFill>
+                      </a:tcPr>
+                    </a:tc>
+                  </a:tr>
+                  <a:tr h="640080">
+                    <a:tc>
+                      <a:txBody>
+                        <a:bodyPr/>
+                        <a:lstStyle/>
+                        <a:p>
+                          <a:pPr algn="l"/>
+                          <a:r>
+                            <a:rPr lang="ru-RU" dirty="0" smtClean="0">
+                              <a:latin typeface="Arial" panose="020B0604020202020204" pitchFamily="34" charset="0"/>
+                              <a:cs typeface="Arial" panose="020B0604020202020204" pitchFamily="34" charset="0"/>
+                            </a:rPr>
+                            <a:t>Сбалансированность функции (вероятностный)</a:t>
+                          </a:r>
+                          <a:endParaRPr lang="ru-RU" dirty="0">
+                            <a:latin typeface="Arial" panose="020B0604020202020204" pitchFamily="34" charset="0"/>
+                            <a:cs typeface="Arial" panose="020B0604020202020204" pitchFamily="34" charset="0"/>
+                          </a:endParaRPr>
+                        </a:p>
+                      </a:txBody>
+                      <a:tcPr/>
+                    </a:tc>
+                    <a:tc>
+                      <a:txBody>
+                        <a:bodyPr/>
+                        <a:lstStyle/>
+                        <a:p>
+                          <a:endParaRPr lang="ru-RU"/>
+                        </a:p>
+                      </a:txBody>
+                      <a:tcPr>
+                        <a:blipFill rotWithShape="1">
+                          <a:blip r:embed="rId2"/>
+                          <a:stretch>
+                            <a:fillRect l="-148387" t="-105714" b="-600952"/>
+                          </a:stretch>
+                        </a:blipFill>
+                      </a:tcPr>
+                    </a:tc>
+                  </a:tr>
+                  <a:tr h="640080">
+                    <a:tc>
+                      <a:txBody>
+                        <a:bodyPr/>
+                        <a:lstStyle/>
+                        <a:p>
+                          <a:pPr algn="l"/>
+                          <a:r>
+                            <a:rPr lang="ru-RU" dirty="0" smtClean="0">
+                              <a:latin typeface="Arial" panose="020B0604020202020204" pitchFamily="34" charset="0"/>
+                              <a:cs typeface="Arial" panose="020B0604020202020204" pitchFamily="34" charset="0"/>
+                            </a:rPr>
+                            <a:t>Алгоритм </a:t>
+                          </a:r>
+                          <a:r>
+                            <a:rPr lang="ru-RU" dirty="0" err="1" smtClean="0">
+                              <a:latin typeface="Arial" panose="020B0604020202020204" pitchFamily="34" charset="0"/>
+                              <a:cs typeface="Arial" panose="020B0604020202020204" pitchFamily="34" charset="0"/>
+                            </a:rPr>
+                            <a:t>Дейча-Джозы</a:t>
+                          </a:r>
+                          <a:endParaRPr lang="ru-RU" dirty="0">
+                            <a:latin typeface="Arial" panose="020B0604020202020204" pitchFamily="34" charset="0"/>
+                            <a:cs typeface="Arial" panose="020B0604020202020204" pitchFamily="34" charset="0"/>
+                          </a:endParaRPr>
+                        </a:p>
+                      </a:txBody>
+                      <a:tcPr/>
+                    </a:tc>
+                    <a:tc>
+                      <a:txBody>
+                        <a:bodyPr/>
+                        <a:lstStyle/>
+                        <a:p>
+                          <a:pPr marL="0" marR="0" lvl="0" indent="0" algn="ctr" defTabSz="914400" rtl="0" eaLnBrk="1" fontAlgn="auto" latinLnBrk="0" hangingPunct="1">
+                            <a:lnSpc>
+                              <a:spcPct val="100000"/>
+                            </a:lnSpc>
+                            <a:spcBef>
+                              <a:spcPts val="0"/>
+                            </a:spcBef>
+                            <a:spcAft>
+                              <a:spcPts val="0"/>
+                            </a:spcAft>
+                            <a:buClrTx/>
+                            <a:buSzTx/>
+                            <a:buFontTx/>
+                            <a:buNone/>
+                            <a:tabLst/>
+                            <a:defRPr/>
+                          </a:pPr>
+                          <a:r>
+                            <a:rPr lang="en-US" i="1" dirty="0" smtClean="0">
+                              <a:latin typeface="Arial" panose="020B0604020202020204" pitchFamily="34" charset="0"/>
+                              <a:cs typeface="Arial" panose="020B0604020202020204" pitchFamily="34" charset="0"/>
+                            </a:rPr>
+                            <a:t>O(1)</a:t>
+                          </a:r>
+                          <a:endParaRPr lang="ru-RU" i="1" dirty="0" smtClean="0">
+                            <a:latin typeface="Arial" panose="020B0604020202020204" pitchFamily="34" charset="0"/>
+                            <a:cs typeface="Arial" panose="020B0604020202020204" pitchFamily="34" charset="0"/>
+                          </a:endParaRPr>
+                        </a:p>
+                        <a:p>
+                          <a:pPr algn="ctr"/>
+                          <a:endParaRPr lang="ru-RU" i="1" dirty="0">
+                            <a:latin typeface="Arial" panose="020B0604020202020204" pitchFamily="34" charset="0"/>
+                            <a:cs typeface="Arial" panose="020B0604020202020204" pitchFamily="34" charset="0"/>
+                          </a:endParaRPr>
+                        </a:p>
+                      </a:txBody>
+                      <a:tcPr/>
+                    </a:tc>
+                  </a:tr>
+                  <a:tr h="640080">
+                    <a:tc>
+                      <a:txBody>
+                        <a:bodyPr/>
+                        <a:lstStyle/>
+                        <a:p>
+                          <a:pPr algn="l"/>
+                          <a:r>
+                            <a:rPr lang="ru-RU" dirty="0" smtClean="0">
+                              <a:latin typeface="Arial" panose="020B0604020202020204" pitchFamily="34" charset="0"/>
+                              <a:cs typeface="Arial" panose="020B0604020202020204" pitchFamily="34" charset="0"/>
+                            </a:rPr>
+                            <a:t>Метод квадратичных форм </a:t>
+                          </a:r>
+                          <a:r>
+                            <a:rPr lang="ru-RU" dirty="0" err="1" smtClean="0">
+                              <a:latin typeface="Arial" panose="020B0604020202020204" pitchFamily="34" charset="0"/>
+                              <a:cs typeface="Arial" panose="020B0604020202020204" pitchFamily="34" charset="0"/>
+                            </a:rPr>
+                            <a:t>Шенкса</a:t>
+                          </a:r>
+                          <a:endParaRPr lang="ru-RU" dirty="0" smtClean="0">
+                            <a:latin typeface="Arial" panose="020B0604020202020204" pitchFamily="34" charset="0"/>
+                            <a:cs typeface="Arial" panose="020B0604020202020204" pitchFamily="34" charset="0"/>
+                          </a:endParaRPr>
+                        </a:p>
+                        <a:p>
+                          <a:pPr algn="l"/>
+                          <a:endParaRPr lang="ru-RU" dirty="0">
+                            <a:latin typeface="Arial" panose="020B0604020202020204" pitchFamily="34" charset="0"/>
+                            <a:cs typeface="Arial" panose="020B0604020202020204" pitchFamily="34" charset="0"/>
+                          </a:endParaRPr>
+                        </a:p>
+                      </a:txBody>
+                      <a:tcPr/>
+                    </a:tc>
+                    <a:tc>
+                      <a:txBody>
+                        <a:bodyPr/>
+                        <a:lstStyle/>
+                        <a:p>
+                          <a:endParaRPr lang="ru-RU"/>
+                        </a:p>
+                      </a:txBody>
+                      <a:tcPr>
+                        <a:blipFill rotWithShape="1">
+                          <a:blip r:embed="rId2"/>
+                          <a:stretch>
+                            <a:fillRect l="-148387" t="-305714" b="-400952"/>
+                          </a:stretch>
+                        </a:blipFill>
+                      </a:tcPr>
+                    </a:tc>
+                  </a:tr>
+                  <a:tr h="640080">
+                    <a:tc>
+                      <a:txBody>
+                        <a:bodyPr/>
+                        <a:lstStyle/>
+                        <a:p>
+                          <a:pPr algn="l"/>
+                          <a:r>
+                            <a:rPr lang="ru-RU" dirty="0" smtClean="0">
+                              <a:latin typeface="Arial" panose="020B0604020202020204" pitchFamily="34" charset="0"/>
+                              <a:cs typeface="Arial" panose="020B0604020202020204" pitchFamily="34" charset="0"/>
+                            </a:rPr>
+                            <a:t>Метод решета числового поля</a:t>
+                          </a:r>
+                          <a:endParaRPr lang="en-US" dirty="0" smtClean="0">
+                            <a:latin typeface="Arial" panose="020B0604020202020204" pitchFamily="34" charset="0"/>
+                            <a:cs typeface="Arial" panose="020B0604020202020204" pitchFamily="34" charset="0"/>
+                          </a:endParaRPr>
+                        </a:p>
+                        <a:p>
+                          <a:pPr algn="l"/>
+                          <a:endParaRPr lang="ru-RU" dirty="0">
+                            <a:latin typeface="Arial" panose="020B0604020202020204" pitchFamily="34" charset="0"/>
+                            <a:cs typeface="Arial" panose="020B0604020202020204" pitchFamily="34" charset="0"/>
+                          </a:endParaRPr>
+                        </a:p>
+                      </a:txBody>
+                      <a:tcPr/>
+                    </a:tc>
+                    <a:tc>
+                      <a:txBody>
+                        <a:bodyPr/>
+                        <a:lstStyle/>
+                        <a:p>
+                          <a:endParaRPr lang="ru-RU"/>
+                        </a:p>
+                      </a:txBody>
+                      <a:tcPr>
+                        <a:blipFill rotWithShape="1">
+                          <a:blip r:embed="rId2"/>
+                          <a:stretch>
+                            <a:fillRect l="-148387" t="-405714" b="-300952"/>
+                          </a:stretch>
+                        </a:blipFill>
+                      </a:tcPr>
+                    </a:tc>
+                  </a:tr>
+                  <a:tr h="640080">
+                    <a:tc>
+                      <a:txBody>
+                        <a:bodyPr/>
+                        <a:lstStyle/>
+                        <a:p>
+                          <a:pPr algn="l"/>
+                          <a:r>
+                            <a:rPr lang="ru-RU" dirty="0" smtClean="0">
+                              <a:latin typeface="Arial" panose="020B0604020202020204" pitchFamily="34" charset="0"/>
+                              <a:cs typeface="Arial" panose="020B0604020202020204" pitchFamily="34" charset="0"/>
+                            </a:rPr>
+                            <a:t>Алгоритм</a:t>
+                          </a:r>
+                          <a:r>
+                            <a:rPr lang="ru-RU" baseline="0" dirty="0" smtClean="0">
+                              <a:latin typeface="Arial" panose="020B0604020202020204" pitchFamily="34" charset="0"/>
+                              <a:cs typeface="Arial" panose="020B0604020202020204" pitchFamily="34" charset="0"/>
+                            </a:rPr>
+                            <a:t> </a:t>
+                          </a:r>
+                          <a:r>
+                            <a:rPr lang="ru-RU" baseline="0" dirty="0" err="1" smtClean="0">
+                              <a:latin typeface="Arial" panose="020B0604020202020204" pitchFamily="34" charset="0"/>
+                              <a:cs typeface="Arial" panose="020B0604020202020204" pitchFamily="34" charset="0"/>
+                            </a:rPr>
+                            <a:t>Шора</a:t>
+                          </a:r>
+                          <a:endParaRPr lang="en-US" baseline="0" dirty="0" smtClean="0">
+                            <a:latin typeface="Arial" panose="020B0604020202020204" pitchFamily="34" charset="0"/>
+                            <a:cs typeface="Arial" panose="020B0604020202020204" pitchFamily="34" charset="0"/>
+                          </a:endParaRPr>
+                        </a:p>
+                        <a:p>
+                          <a:pPr algn="l"/>
+                          <a:endParaRPr lang="ru-RU" dirty="0">
+                            <a:latin typeface="Arial" panose="020B0604020202020204" pitchFamily="34" charset="0"/>
+                            <a:cs typeface="Arial" panose="020B0604020202020204" pitchFamily="34" charset="0"/>
+                          </a:endParaRPr>
+                        </a:p>
+                      </a:txBody>
+                      <a:tcPr/>
+                    </a:tc>
+                    <a:tc>
+                      <a:txBody>
+                        <a:bodyPr/>
+                        <a:lstStyle/>
+                        <a:p>
+                          <a:pPr algn="ctr"/>
+                          <a:r>
+                            <a:rPr lang="en-US" i="1" dirty="0" smtClean="0">
+                              <a:latin typeface="Arial" panose="020B0604020202020204" pitchFamily="34" charset="0"/>
+                              <a:cs typeface="Arial" panose="020B0604020202020204" pitchFamily="34" charset="0"/>
+                            </a:rPr>
+                            <a:t>O(log^3(N))</a:t>
+                          </a:r>
+                          <a:endParaRPr lang="ru-RU" i="1" dirty="0">
+                            <a:latin typeface="Arial" panose="020B0604020202020204" pitchFamily="34" charset="0"/>
+                            <a:cs typeface="Arial" panose="020B0604020202020204" pitchFamily="34" charset="0"/>
+                          </a:endParaRPr>
+                        </a:p>
+                      </a:txBody>
+                      <a:tcPr/>
+                    </a:tc>
+                  </a:tr>
+                  <a:tr h="640080">
+                    <a:tc>
+                      <a:txBody>
+                        <a:bodyPr/>
+                        <a:lstStyle/>
+                        <a:p>
+                          <a:pPr algn="l"/>
+                          <a:r>
+                            <a:rPr lang="ru-RU" dirty="0" smtClean="0">
+                              <a:latin typeface="Arial" panose="020B0604020202020204" pitchFamily="34" charset="0"/>
+                              <a:cs typeface="Arial" panose="020B0604020202020204" pitchFamily="34" charset="0"/>
+                            </a:rPr>
+                            <a:t>Алгоритм ХХЛ</a:t>
+                          </a:r>
+                          <a:endParaRPr lang="en-US" dirty="0" smtClean="0">
+                            <a:latin typeface="Arial" panose="020B0604020202020204" pitchFamily="34" charset="0"/>
+                            <a:cs typeface="Arial" panose="020B0604020202020204" pitchFamily="34" charset="0"/>
+                          </a:endParaRPr>
+                        </a:p>
+                        <a:p>
+                          <a:pPr algn="l"/>
+                          <a:endParaRPr lang="ru-RU" dirty="0">
+                            <a:latin typeface="Arial" panose="020B0604020202020204" pitchFamily="34" charset="0"/>
+                            <a:cs typeface="Arial" panose="020B0604020202020204" pitchFamily="34" charset="0"/>
+                          </a:endParaRPr>
+                        </a:p>
+                      </a:txBody>
+                      <a:tcPr/>
+                    </a:tc>
+                    <a:tc>
+                      <a:txBody>
+                        <a:bodyPr/>
+                        <a:lstStyle/>
+                        <a:p>
+                          <a:endParaRPr lang="ru-RU"/>
+                        </a:p>
+                      </a:txBody>
+                      <a:tcPr>
+                        <a:blipFill rotWithShape="1">
+                          <a:blip r:embed="rId2"/>
+                          <a:stretch>
+                            <a:fillRect l="-148387" t="-605714" b="-100952"/>
+                          </a:stretch>
+                        </a:blipFill>
+                      </a:tcPr>
+                    </a:tc>
+                  </a:tr>
+                  <a:tr h="640080">
+                    <a:tc>
+                      <a:txBody>
+                        <a:bodyPr/>
+                        <a:lstStyle/>
+                        <a:p>
+                          <a:pPr algn="l"/>
+                          <a:r>
+                            <a:rPr lang="ru-RU" dirty="0" smtClean="0">
+                              <a:latin typeface="Arial" panose="020B0604020202020204" pitchFamily="34" charset="0"/>
+                              <a:cs typeface="Arial" panose="020B0604020202020204" pitchFamily="34" charset="0"/>
+                            </a:rPr>
+                            <a:t>Разложение Гаусса</a:t>
+                          </a:r>
+                          <a:endParaRPr lang="en-US" dirty="0" smtClean="0">
+                            <a:latin typeface="Arial" panose="020B0604020202020204" pitchFamily="34" charset="0"/>
+                            <a:cs typeface="Arial" panose="020B0604020202020204" pitchFamily="34" charset="0"/>
+                          </a:endParaRPr>
+                        </a:p>
+                        <a:p>
+                          <a:pPr algn="l"/>
+                          <a:endParaRPr lang="ru-RU" dirty="0">
+                            <a:latin typeface="Arial" panose="020B0604020202020204" pitchFamily="34" charset="0"/>
+                            <a:cs typeface="Arial" panose="020B0604020202020204" pitchFamily="34" charset="0"/>
+                          </a:endParaRPr>
+                        </a:p>
+                      </a:txBody>
+                      <a:tcPr/>
+                    </a:tc>
+                    <a:tc>
+                      <a:txBody>
+                        <a:bodyPr/>
+                        <a:lstStyle/>
+                        <a:p>
+                          <a:endParaRPr lang="ru-RU"/>
+                        </a:p>
+                      </a:txBody>
+                      <a:tcPr>
+                        <a:blipFill rotWithShape="1">
+                          <a:blip r:embed="rId2"/>
+                          <a:stretch>
+                            <a:fillRect l="-148387" t="-705714" b="-952"/>
+                          </a:stretch>
+                        </a:blipFill>
+                      </a:tcPr>
+                    </a:tc>
+                  </a:tr>
+                </a:tbl>
+              </a:graphicData>
+            </a:graphic>
+          </p:graphicFrame>
+        </mc:Fallback>
+      </mc:AlternateContent>
+      <p:sp>
+        <p:nvSpPr>
+          <p:cNvPr id="3" name="Номер слайда 2"/>
+          <p:cNvSpPr>
+            <a:spLocks noGrp="1"/>
+          </p:cNvSpPr>
+          <p:nvPr>
+            <p:ph type="sldNum" sz="quarter" idx="12"/>
+          </p:nvPr>
+        </p:nvSpPr>
+        <p:spPr/>
+        <p:txBody>
+          <a:bodyPr/>
+          <a:lstStyle/>
+          <a:p>
+            <a:fld id="{ADDC721D-FED4-4080-8955-62676588A2D9}" type="slidenum">
+              <a:rPr lang="ru-RU" smtClean="0"/>
+              <a:t>20</a:t>
+            </a:fld>
+            <a:endParaRPr lang="ru-RU"/>
+          </a:p>
+        </p:txBody>
+      </p:sp>
+    </p:spTree>
+    <p:extLst>
+      <p:ext uri="{BB962C8B-B14F-4D97-AF65-F5344CB8AC3E}">
+        <p14:creationId xmlns:p14="http://schemas.microsoft.com/office/powerpoint/2010/main" val="2293820989"/>
+      </p:ext>
+    </p:extLst>
+  </p:cSld>
+  <p:clrMapOvr>
+    <a:masterClrMapping/>
+  </p:clrMapOvr>
+  <p:timing>
+    <p:tnLst>
+      <p:par>
+        <p:cTn id="1" dur="indefinite" restart="never" nodeType="tmRoot"/>
+      </p:par>
+    </p:tnLst>
+  </p:timing>
+</p:sld>
+</file>
+
+<file path=ppt/slides/slide21.xml><?xml version="1.0" encoding="utf-8"?>
+<p:sld xmlns:a="http://schemas.openxmlformats.org/drawingml/2006/main" xmlns:r="http://schemas.openxmlformats.org/officeDocument/2006/relationships" xmlns:p="http://schemas.openxmlformats.org/presentationml/2006/main">
+  <p:cSld>
+    <p:spTree>
+      <p:nvGrpSpPr>
+        <p:cNvPr id="1" name=""/>
+        <p:cNvGrpSpPr/>
+        <p:nvPr/>
+      </p:nvGrpSpPr>
+      <p:grpSpPr>
+        <a:xfrm>
+          <a:off x="0" y="0"/>
+          <a:ext cx="0" cy="0"/>
+          <a:chOff x="0" y="0"/>
+          <a:chExt cx="0" cy="0"/>
+        </a:xfrm>
+      </p:grpSpPr>
+      <p:sp>
+        <p:nvSpPr>
+          <p:cNvPr id="2" name="Заголовок 1"/>
+          <p:cNvSpPr>
+            <a:spLocks noGrp="1"/>
+          </p:cNvSpPr>
+          <p:nvPr>
+            <p:ph type="title"/>
+          </p:nvPr>
+        </p:nvSpPr>
+        <p:spPr>
+          <a:xfrm>
+            <a:off x="838200" y="365126"/>
+            <a:ext cx="10515600" cy="804648"/>
+          </a:xfrm>
+        </p:spPr>
+        <p:txBody>
+          <a:bodyPr>
+            <a:normAutofit/>
+          </a:bodyPr>
+          <a:lstStyle/>
+          <a:p>
+            <a:pPr algn="ctr"/>
+            <a:r>
+              <a:rPr lang="ru-RU" sz="4000" dirty="0" smtClean="0">
+                <a:latin typeface="Arial" panose="020B0604020202020204" pitchFamily="34" charset="0"/>
+                <a:cs typeface="Arial" panose="020B0604020202020204" pitchFamily="34" charset="0"/>
+              </a:rPr>
+              <a:t>Результат работы</a:t>
+            </a:r>
+            <a:endParaRPr lang="ru-RU" sz="4000" dirty="0"/>
+          </a:p>
+        </p:txBody>
+      </p:sp>
+      <p:sp>
+        <p:nvSpPr>
+          <p:cNvPr id="3" name="Объект 2"/>
+          <p:cNvSpPr>
+            <a:spLocks noGrp="1"/>
+          </p:cNvSpPr>
+          <p:nvPr>
+            <p:ph idx="1"/>
+          </p:nvPr>
+        </p:nvSpPr>
+        <p:spPr>
+          <a:xfrm>
+            <a:off x="838200" y="1095632"/>
+            <a:ext cx="10515600" cy="5081331"/>
+          </a:xfrm>
+        </p:spPr>
+        <p:txBody>
+          <a:bodyPr>
+            <a:normAutofit lnSpcReduction="10000"/>
+          </a:bodyPr>
+          <a:lstStyle/>
+          <a:p>
+            <a:pPr marL="357188" indent="-357188" defTabSz="900113">
+              <a:lnSpc>
+                <a:spcPct val="100000"/>
+              </a:lnSpc>
+              <a:spcBef>
+                <a:spcPts val="0"/>
+              </a:spcBef>
+            </a:pPr>
+            <a:r>
+              <a:rPr lang="ru-RU" dirty="0" smtClean="0">
+                <a:latin typeface="Arial" panose="020B0604020202020204" pitchFamily="34" charset="0"/>
+                <a:cs typeface="Arial" panose="020B0604020202020204" pitchFamily="34" charset="0"/>
+              </a:rPr>
+              <a:t>проведен </a:t>
+            </a:r>
+            <a:r>
+              <a:rPr lang="ru-RU" dirty="0" smtClean="0">
+                <a:latin typeface="Arial" panose="020B0604020202020204" pitchFamily="34" charset="0"/>
+                <a:cs typeface="Arial" panose="020B0604020202020204" pitchFamily="34" charset="0"/>
+              </a:rPr>
+              <a:t>анализ наиболее известных задач и алгоритмов в данной </a:t>
+            </a:r>
+            <a:r>
+              <a:rPr lang="ru-RU" dirty="0">
+                <a:latin typeface="Arial" panose="020B0604020202020204" pitchFamily="34" charset="0"/>
+                <a:cs typeface="Arial" panose="020B0604020202020204" pitchFamily="34" charset="0"/>
+              </a:rPr>
+              <a:t>области квантовых вычислений и </a:t>
+            </a:r>
+            <a:r>
+              <a:rPr lang="ru-RU" dirty="0" smtClean="0">
+                <a:latin typeface="Arial" panose="020B0604020202020204" pitchFamily="34" charset="0"/>
+                <a:cs typeface="Arial" panose="020B0604020202020204" pitchFamily="34" charset="0"/>
+              </a:rPr>
+              <a:t>технологий</a:t>
+            </a:r>
+            <a:r>
+              <a:rPr lang="en-US" dirty="0" smtClean="0">
+                <a:latin typeface="Arial" panose="020B0604020202020204" pitchFamily="34" charset="0"/>
+                <a:cs typeface="Arial" panose="020B0604020202020204" pitchFamily="34" charset="0"/>
+              </a:rPr>
+              <a:t>;</a:t>
+            </a:r>
+            <a:endParaRPr lang="ru-RU" dirty="0" smtClean="0">
+              <a:latin typeface="Arial" panose="020B0604020202020204" pitchFamily="34" charset="0"/>
+              <a:cs typeface="Arial" panose="020B0604020202020204" pitchFamily="34" charset="0"/>
+            </a:endParaRPr>
+          </a:p>
+          <a:p>
+            <a:pPr marL="357188" indent="-357188" defTabSz="900113">
+              <a:lnSpc>
+                <a:spcPct val="100000"/>
+              </a:lnSpc>
+              <a:spcBef>
+                <a:spcPts val="0"/>
+              </a:spcBef>
+            </a:pPr>
+            <a:r>
+              <a:rPr lang="ru-RU" dirty="0" smtClean="0">
+                <a:latin typeface="Arial" panose="020B0604020202020204" pitchFamily="34" charset="0"/>
+                <a:cs typeface="Arial" panose="020B0604020202020204" pitchFamily="34" charset="0"/>
+              </a:rPr>
+              <a:t>реализованы следующие квантовые </a:t>
+            </a:r>
+            <a:r>
+              <a:rPr lang="ru-RU" dirty="0" smtClean="0">
+                <a:latin typeface="Arial" panose="020B0604020202020204" pitchFamily="34" charset="0"/>
+                <a:cs typeface="Arial" panose="020B0604020202020204" pitchFamily="34" charset="0"/>
+              </a:rPr>
+              <a:t>алгоритмы на эмуляторе квантового компьютера с помощью пакета </a:t>
+            </a:r>
+            <a:r>
+              <a:rPr lang="en-US" dirty="0">
+                <a:latin typeface="Arial" panose="020B0604020202020204" pitchFamily="34" charset="0"/>
+                <a:cs typeface="Arial" panose="020B0604020202020204" pitchFamily="34" charset="0"/>
+              </a:rPr>
+              <a:t>Microsoft Quantum Development </a:t>
+            </a:r>
+            <a:r>
+              <a:rPr lang="en-US" dirty="0" smtClean="0">
+                <a:latin typeface="Arial" panose="020B0604020202020204" pitchFamily="34" charset="0"/>
+                <a:cs typeface="Arial" panose="020B0604020202020204" pitchFamily="34" charset="0"/>
+              </a:rPr>
+              <a:t>Kit</a:t>
+            </a:r>
+            <a:r>
+              <a:rPr lang="ru-RU" dirty="0" smtClean="0">
+                <a:latin typeface="Arial" panose="020B0604020202020204" pitchFamily="34" charset="0"/>
+                <a:cs typeface="Arial" panose="020B0604020202020204" pitchFamily="34" charset="0"/>
+              </a:rPr>
+              <a:t>:</a:t>
+            </a:r>
+          </a:p>
+          <a:p>
+            <a:pPr lvl="2" defTabSz="900113">
+              <a:lnSpc>
+                <a:spcPct val="100000"/>
+              </a:lnSpc>
+              <a:spcBef>
+                <a:spcPts val="0"/>
+              </a:spcBef>
+            </a:pPr>
+            <a:r>
+              <a:rPr lang="ru-RU" sz="2800" dirty="0" smtClean="0">
+                <a:latin typeface="Arial" panose="020B0604020202020204" pitchFamily="34" charset="0"/>
+                <a:cs typeface="Arial" panose="020B0604020202020204" pitchFamily="34" charset="0"/>
+              </a:rPr>
+              <a:t>алгоритм </a:t>
+            </a:r>
+            <a:r>
+              <a:rPr lang="ru-RU" sz="2800" dirty="0" err="1" smtClean="0">
+                <a:latin typeface="Arial" panose="020B0604020202020204" pitchFamily="34" charset="0"/>
+                <a:cs typeface="Arial" panose="020B0604020202020204" pitchFamily="34" charset="0"/>
+              </a:rPr>
+              <a:t>Дейча</a:t>
+            </a:r>
+            <a:r>
+              <a:rPr lang="ru-RU" sz="2800" dirty="0" err="1" smtClean="0">
+                <a:latin typeface="Arial" panose="020B0604020202020204" pitchFamily="34" charset="0"/>
+                <a:cs typeface="Arial" panose="020B0604020202020204" pitchFamily="34" charset="0"/>
+              </a:rPr>
+              <a:t>-Джозы</a:t>
+            </a:r>
+            <a:r>
+              <a:rPr lang="ru-RU" sz="2800" dirty="0" smtClean="0">
+                <a:latin typeface="Arial" panose="020B0604020202020204" pitchFamily="34" charset="0"/>
+                <a:cs typeface="Arial" panose="020B0604020202020204" pitchFamily="34" charset="0"/>
+              </a:rPr>
+              <a:t>;</a:t>
+            </a:r>
+          </a:p>
+          <a:p>
+            <a:pPr lvl="2" defTabSz="900113">
+              <a:lnSpc>
+                <a:spcPct val="100000"/>
+              </a:lnSpc>
+              <a:spcBef>
+                <a:spcPts val="0"/>
+              </a:spcBef>
+            </a:pPr>
+            <a:r>
+              <a:rPr lang="ru-RU" sz="2800" dirty="0" smtClean="0">
+                <a:latin typeface="Arial" panose="020B0604020202020204" pitchFamily="34" charset="0"/>
+                <a:cs typeface="Arial" panose="020B0604020202020204" pitchFamily="34" charset="0"/>
+              </a:rPr>
+              <a:t>алгоритм </a:t>
+            </a:r>
+            <a:r>
+              <a:rPr lang="ru-RU" sz="2800" dirty="0" err="1" smtClean="0">
+                <a:latin typeface="Arial" panose="020B0604020202020204" pitchFamily="34" charset="0"/>
+                <a:cs typeface="Arial" panose="020B0604020202020204" pitchFamily="34" charset="0"/>
+              </a:rPr>
+              <a:t>Шора</a:t>
+            </a:r>
+            <a:r>
+              <a:rPr lang="ru-RU" sz="2800" dirty="0">
+                <a:latin typeface="Arial" panose="020B0604020202020204" pitchFamily="34" charset="0"/>
+                <a:cs typeface="Arial" panose="020B0604020202020204" pitchFamily="34" charset="0"/>
+              </a:rPr>
+              <a:t>;</a:t>
+            </a:r>
+            <a:endParaRPr lang="ru-RU" sz="2800" dirty="0" smtClean="0">
+              <a:latin typeface="Arial" panose="020B0604020202020204" pitchFamily="34" charset="0"/>
+              <a:cs typeface="Arial" panose="020B0604020202020204" pitchFamily="34" charset="0"/>
+            </a:endParaRPr>
+          </a:p>
+          <a:p>
+            <a:pPr lvl="2" defTabSz="900113">
+              <a:lnSpc>
+                <a:spcPct val="100000"/>
+              </a:lnSpc>
+              <a:spcBef>
+                <a:spcPts val="0"/>
+              </a:spcBef>
+            </a:pPr>
+            <a:r>
+              <a:rPr lang="ru-RU" sz="2800" dirty="0" smtClean="0">
+                <a:latin typeface="Arial" panose="020B0604020202020204" pitchFamily="34" charset="0"/>
+                <a:cs typeface="Arial" panose="020B0604020202020204" pitchFamily="34" charset="0"/>
+              </a:rPr>
+              <a:t>алгоритм ХХЛ;</a:t>
+            </a:r>
+          </a:p>
+          <a:p>
+            <a:pPr marL="357188" indent="-357188" defTabSz="900113">
+              <a:lnSpc>
+                <a:spcPct val="100000"/>
+              </a:lnSpc>
+              <a:spcBef>
+                <a:spcPts val="0"/>
+              </a:spcBef>
+            </a:pPr>
+            <a:r>
+              <a:rPr lang="ru-RU" dirty="0">
+                <a:latin typeface="Arial" panose="020B0604020202020204" pitchFamily="34" charset="0"/>
+                <a:cs typeface="Arial" panose="020B0604020202020204" pitchFamily="34" charset="0"/>
+              </a:rPr>
+              <a:t>реализованы </a:t>
+            </a:r>
+            <a:r>
+              <a:rPr lang="ru-RU" dirty="0" smtClean="0">
+                <a:latin typeface="Arial" panose="020B0604020202020204" pitchFamily="34" charset="0"/>
+                <a:cs typeface="Arial" panose="020B0604020202020204" pitchFamily="34" charset="0"/>
+              </a:rPr>
+              <a:t>классические алгоритмы </a:t>
+            </a:r>
+          </a:p>
+          <a:p>
+            <a:pPr lvl="2" defTabSz="900113">
+              <a:lnSpc>
+                <a:spcPct val="100000"/>
+              </a:lnSpc>
+              <a:spcBef>
+                <a:spcPts val="0"/>
+              </a:spcBef>
+            </a:pPr>
+            <a:r>
+              <a:rPr lang="ru-RU" sz="2800" dirty="0" smtClean="0">
+                <a:latin typeface="Arial" panose="020B0604020202020204" pitchFamily="34" charset="0"/>
+                <a:cs typeface="Arial" panose="020B0604020202020204" pitchFamily="34" charset="0"/>
+              </a:rPr>
+              <a:t>Определение сбалансированности функции</a:t>
+            </a:r>
+          </a:p>
+          <a:p>
+            <a:pPr lvl="2" defTabSz="900113">
+              <a:lnSpc>
+                <a:spcPct val="100000"/>
+              </a:lnSpc>
+              <a:spcBef>
+                <a:spcPts val="0"/>
+              </a:spcBef>
+            </a:pPr>
+            <a:r>
+              <a:rPr lang="ru-RU" sz="2800" dirty="0" smtClean="0">
+                <a:latin typeface="Arial" panose="020B0604020202020204" pitchFamily="34" charset="0"/>
+                <a:cs typeface="Arial" panose="020B0604020202020204" pitchFamily="34" charset="0"/>
+              </a:rPr>
+              <a:t>Алгоритм </a:t>
+            </a:r>
+            <a:r>
+              <a:rPr lang="ru-RU" sz="2800" dirty="0" err="1" smtClean="0">
+                <a:latin typeface="Arial" panose="020B0604020202020204" pitchFamily="34" charset="0"/>
+                <a:cs typeface="Arial" panose="020B0604020202020204" pitchFamily="34" charset="0"/>
+              </a:rPr>
+              <a:t>Шенкса</a:t>
+            </a:r>
+            <a:endParaRPr lang="ru-RU" sz="2800" dirty="0" smtClean="0">
+              <a:latin typeface="Arial" panose="020B0604020202020204" pitchFamily="34" charset="0"/>
+              <a:cs typeface="Arial" panose="020B0604020202020204" pitchFamily="34" charset="0"/>
+            </a:endParaRPr>
+          </a:p>
+          <a:p>
+            <a:pPr lvl="2" defTabSz="900113">
+              <a:lnSpc>
+                <a:spcPct val="100000"/>
+              </a:lnSpc>
+              <a:spcBef>
+                <a:spcPts val="0"/>
+              </a:spcBef>
+            </a:pPr>
+            <a:r>
+              <a:rPr lang="ru-RU" sz="2800" dirty="0" smtClean="0">
+                <a:latin typeface="Arial" panose="020B0604020202020204" pitchFamily="34" charset="0"/>
+                <a:cs typeface="Arial" panose="020B0604020202020204" pitchFamily="34" charset="0"/>
+              </a:rPr>
+              <a:t>Разложение Гаусса</a:t>
+            </a:r>
+            <a:endParaRPr lang="ru-RU" sz="2800" dirty="0">
+              <a:latin typeface="Arial" panose="020B0604020202020204" pitchFamily="34" charset="0"/>
+              <a:cs typeface="Arial" panose="020B0604020202020204" pitchFamily="34" charset="0"/>
+            </a:endParaRPr>
+          </a:p>
+          <a:p>
+            <a:pPr marL="357188" indent="-357188" algn="just" defTabSz="900113">
+              <a:lnSpc>
+                <a:spcPct val="100000"/>
+              </a:lnSpc>
+              <a:spcBef>
+                <a:spcPts val="0"/>
+              </a:spcBef>
+            </a:pPr>
+            <a:endParaRPr lang="ru-RU" dirty="0" smtClean="0">
+              <a:latin typeface="Arial" panose="020B0604020202020204" pitchFamily="34" charset="0"/>
+              <a:cs typeface="Arial" panose="020B0604020202020204" pitchFamily="34" charset="0"/>
+            </a:endParaRPr>
+          </a:p>
+          <a:p>
+            <a:pPr marL="0" indent="0" algn="just" defTabSz="900113">
+              <a:lnSpc>
+                <a:spcPct val="100000"/>
+              </a:lnSpc>
+              <a:spcBef>
+                <a:spcPts val="0"/>
+              </a:spcBef>
+              <a:buNone/>
+            </a:pPr>
+            <a:endParaRPr lang="ru-RU" dirty="0" smtClean="0">
+              <a:latin typeface="Arial" panose="020B0604020202020204" pitchFamily="34" charset="0"/>
+              <a:cs typeface="Arial" panose="020B0604020202020204" pitchFamily="34" charset="0"/>
+            </a:endParaRPr>
+          </a:p>
+          <a:p>
+            <a:endParaRPr lang="ru-RU" dirty="0">
+              <a:latin typeface="Arial" panose="020B0604020202020204" pitchFamily="34" charset="0"/>
+              <a:cs typeface="Arial" panose="020B0604020202020204" pitchFamily="34" charset="0"/>
+            </a:endParaRPr>
+          </a:p>
+        </p:txBody>
+      </p:sp>
+      <p:sp>
+        <p:nvSpPr>
+          <p:cNvPr id="4" name="Номер слайда 3"/>
+          <p:cNvSpPr>
+            <a:spLocks noGrp="1"/>
+          </p:cNvSpPr>
+          <p:nvPr>
+            <p:ph type="sldNum" sz="quarter" idx="12"/>
+          </p:nvPr>
+        </p:nvSpPr>
+        <p:spPr/>
+        <p:txBody>
+          <a:bodyPr/>
+          <a:lstStyle/>
+          <a:p>
+            <a:fld id="{ADDC721D-FED4-4080-8955-62676588A2D9}" type="slidenum">
+              <a:rPr lang="ru-RU" smtClean="0"/>
+              <a:t>21</a:t>
+            </a:fld>
+            <a:endParaRPr lang="ru-RU"/>
+          </a:p>
+        </p:txBody>
+      </p:sp>
+    </p:spTree>
+    <p:extLst>
+      <p:ext uri="{BB962C8B-B14F-4D97-AF65-F5344CB8AC3E}">
+        <p14:creationId xmlns:p14="http://schemas.microsoft.com/office/powerpoint/2010/main" val="2270494045"/>
+      </p:ext>
+    </p:extLst>
+  </p:cSld>
+  <p:clrMapOvr>
+    <a:masterClrMapping/>
+  </p:clrMapOvr>
+  <p:timing>
+    <p:tnLst>
+      <p:par>
+        <p:cTn id="1" dur="indefinite" restart="never" nodeType="tmRoot"/>
+      </p:par>
+    </p:tnLst>
+  </p:timing>
+</p:sld>
+</file>
+
 <file path=ppt/slides/slide3.xml><?xml version="1.0" encoding="utf-8"?>
 <p:sld xmlns:a="http://schemas.openxmlformats.org/drawingml/2006/main" xmlns:r="http://schemas.openxmlformats.org/officeDocument/2006/relationships" xmlns:p="http://schemas.openxmlformats.org/presentationml/2006/main" show="0">
   <p:cSld>
@@ -9804,7 +10101,7 @@
                 <a:latin typeface="Arial" panose="020B0604020202020204" pitchFamily="34" charset="0"/>
                 <a:cs typeface="Arial" panose="020B0604020202020204" pitchFamily="34" charset="0"/>
               </a:rPr>
-              <a:t>микро-уровней</a:t>
+              <a:t>микроуровней</a:t>
             </a:r>
             <a:r>
               <a:rPr lang="en-US" dirty="0" smtClean="0">
@@ -10290,10 +10587,12 @@
         </p:nvSpPr>
         <p:spPr/>
         <p:txBody>
-          <a:bodyPr/>
+          <a:bodyPr>
+            <a:normAutofit lnSpcReduction="10000"/>
+          </a:bodyPr>
           <a:lstStyle/>
           <a:p>
-            <a:pPr marL="357188" indent="-357188" algn="just" defTabSz="900113">
+            <a:pPr marL="357188" indent="-357188" defTabSz="900113">
               <a:lnSpc>
                 <a:spcPct val="100000"/>
               </a:lnSpc>
@@ -10306,11 +10605,36 @@
                 <a:latin typeface="Arial" panose="020B0604020202020204" pitchFamily="34" charset="0"/>
                 <a:cs typeface="Arial" panose="020B0604020202020204" pitchFamily="34" charset="0"/>
               </a:rPr>
-              <a:t>Изучение основ квантовых вычислений и технологий;</a:t>
-            </a:r>
-          </a:p>
-          <a:p>
-            <a:pPr marL="357188" indent="-357188" algn="just" defTabSz="900113">
+              <a:t>Анализ наиболее </a:t>
+            </a:r>
+            <a:r>
+              <a:rPr lang="ru-RU" dirty="0" smtClean="0">
+                <a:latin typeface="Arial" panose="020B0604020202020204" pitchFamily="34" charset="0"/>
+                <a:cs typeface="Arial" panose="020B0604020202020204" pitchFamily="34" charset="0"/>
+              </a:rPr>
+              <a:t>известных задач и алгоритмов в </a:t>
+            </a:r>
+            <a:r>
+              <a:rPr lang="ru-RU" dirty="0">
+                <a:latin typeface="Arial" panose="020B0604020202020204" pitchFamily="34" charset="0"/>
+                <a:cs typeface="Arial" panose="020B0604020202020204" pitchFamily="34" charset="0"/>
+              </a:rPr>
+              <a:t> области квантовых вычислений и технологий</a:t>
+            </a:r>
+            <a:r>
+              <a:rPr lang="ru-RU" dirty="0" smtClean="0">
+                <a:latin typeface="Arial" panose="020B0604020202020204" pitchFamily="34" charset="0"/>
+                <a:cs typeface="Arial" panose="020B0604020202020204" pitchFamily="34" charset="0"/>
+              </a:rPr>
+              <a:t>;</a:t>
+            </a:r>
+            <a:endParaRPr lang="ru-RU" dirty="0" smtClean="0">
+              <a:latin typeface="Arial" panose="020B0604020202020204" pitchFamily="34" charset="0"/>
+              <a:cs typeface="Arial" panose="020B0604020202020204" pitchFamily="34" charset="0"/>
+            </a:endParaRPr>
+          </a:p>
+          <a:p>
+            <a:pPr marL="357188" indent="-357188" defTabSz="900113">
               <a:lnSpc>
                 <a:spcPct val="100000"/>
               </a:lnSpc>
@@ -10323,7 +10647,7 @@
                 <a:latin typeface="Arial" panose="020B0604020202020204" pitchFamily="34" charset="0"/>
                 <a:cs typeface="Arial" panose="020B0604020202020204" pitchFamily="34" charset="0"/>
               </a:rPr>
-              <a:t>анализ наиболее известных задач и алгоритмов в данной области</a:t>
+              <a:t>реализация квантового алгоритма для проверки сбалансированности функции</a:t>
             </a:r>
             <a:r>
               <a:rPr lang="en-US" dirty="0" smtClean="0">
@@ -10338,7 +10662,7 @@
             </a:endParaRPr>
           </a:p>
           <a:p>
-            <a:pPr marL="357188" indent="-357188" algn="just" defTabSz="900113">
+            <a:pPr marL="357188" indent="-357188" defTabSz="900113">
               <a:lnSpc>
                 <a:spcPct val="100000"/>
               </a:lnSpc>
@@ -10351,25 +10675,22 @@
                 <a:latin typeface="Arial" panose="020B0604020202020204" pitchFamily="34" charset="0"/>
                 <a:cs typeface="Arial" panose="020B0604020202020204" pitchFamily="34" charset="0"/>
               </a:rPr>
-              <a:t>изучение пакета </a:t>
+              <a:t>реализация классических детерминированного и вероятностного алгоритмов для проверки сбалансированности функции</a:t>
             </a:r>
             <a:r>
               <a:rPr lang="en-US" dirty="0" smtClean="0">
                 <a:latin typeface="Arial" panose="020B0604020202020204" pitchFamily="34" charset="0"/>
                 <a:cs typeface="Arial" panose="020B0604020202020204" pitchFamily="34" charset="0"/>
               </a:rPr>
-              <a:t>Microsoft Quantum Development Kit</a:t>
-            </a:r>
-            <a:r>
-              <a:rPr lang="ru-RU" dirty="0" smtClean="0">
-                <a:latin typeface="Arial" panose="020B0604020202020204" pitchFamily="34" charset="0"/>
-                <a:cs typeface="Arial" panose="020B0604020202020204" pitchFamily="34" charset="0"/>
-              </a:rPr>
               <a:t>;</a:t>
             </a:r>
-          </a:p>
-          <a:p>
-            <a:pPr marL="357188" indent="-357188" algn="just" defTabSz="900113">
+            <a:endParaRPr lang="ru-RU" dirty="0" smtClean="0">
+              <a:latin typeface="Arial" panose="020B0604020202020204" pitchFamily="34" charset="0"/>
+              <a:cs typeface="Arial" panose="020B0604020202020204" pitchFamily="34" charset="0"/>
+            </a:endParaRPr>
+          </a:p>
+          <a:p>
+            <a:pPr marL="357188" indent="-357188" defTabSz="900113">
               <a:lnSpc>
                 <a:spcPct val="100000"/>
               </a:lnSpc>
@@ -10382,14 +10703,14 @@
                 <a:latin typeface="Arial" panose="020B0604020202020204" pitchFamily="34" charset="0"/>
                 <a:cs typeface="Arial" panose="020B0604020202020204" pitchFamily="34" charset="0"/>
               </a:rPr>
-              <a:t>реализация классических и квантовых версий алгоритмов</a:t>
-            </a:r>
-            <a:r>
-              <a:rPr lang="en-US" dirty="0">
-                <a:latin typeface="Arial" panose="020B0604020202020204" pitchFamily="34" charset="0"/>
-                <a:cs typeface="Arial" panose="020B0604020202020204" pitchFamily="34" charset="0"/>
-              </a:rPr>
-              <a:t>.</a:t>
+              <a:t>реализация квантового алгоритма для факторизации</a:t>
+            </a:r>
+            <a:r>
+              <a:rPr lang="en-US" dirty="0" smtClean="0">
+                <a:latin typeface="Arial" panose="020B0604020202020204" pitchFamily="34" charset="0"/>
+                <a:cs typeface="Arial" panose="020B0604020202020204" pitchFamily="34" charset="0"/>
+              </a:rPr>
+              <a:t>;</a:t>
             </a:r>
             <a:endParaRPr lang="ru-RU" dirty="0" smtClean="0">
               <a:latin typeface="Arial" panose="020B0604020202020204" pitchFamily="34" charset="0"/>
@@ -10397,7 +10718,63 @@
             </a:endParaRPr>
           </a:p>
           <a:p>
-            <a:pPr algn="just"/>
+            <a:pPr marL="357188" indent="-357188" defTabSz="900113">
+              <a:lnSpc>
+                <a:spcPct val="100000"/>
+              </a:lnSpc>
+              <a:spcBef>
+                <a:spcPts val="0"/>
+              </a:spcBef>
+            </a:pPr>
+            <a:r>
+              <a:rPr lang="ru-RU" dirty="0">
+                <a:latin typeface="Arial" panose="020B0604020202020204" pitchFamily="34" charset="0"/>
+                <a:cs typeface="Arial" panose="020B0604020202020204" pitchFamily="34" charset="0"/>
+              </a:rPr>
+              <a:t>реализация </a:t>
+            </a:r>
+            <a:r>
+              <a:rPr lang="ru-RU" dirty="0" smtClean="0">
+                <a:latin typeface="Arial" panose="020B0604020202020204" pitchFamily="34" charset="0"/>
+                <a:cs typeface="Arial" panose="020B0604020202020204" pitchFamily="34" charset="0"/>
+              </a:rPr>
+              <a:t>классического </a:t>
+            </a:r>
+            <a:r>
+              <a:rPr lang="ru-RU" dirty="0">
+                <a:latin typeface="Arial" panose="020B0604020202020204" pitchFamily="34" charset="0"/>
+                <a:cs typeface="Arial" panose="020B0604020202020204" pitchFamily="34" charset="0"/>
+              </a:rPr>
+              <a:t>детерминированного </a:t>
+            </a:r>
+            <a:r>
+              <a:rPr lang="ru-RU" dirty="0" smtClean="0">
+                <a:latin typeface="Arial" panose="020B0604020202020204" pitchFamily="34" charset="0"/>
+                <a:cs typeface="Arial" panose="020B0604020202020204" pitchFamily="34" charset="0"/>
+              </a:rPr>
+              <a:t>алгоритма для </a:t>
+            </a:r>
+            <a:r>
+              <a:rPr lang="ru-RU" dirty="0">
+                <a:latin typeface="Arial" panose="020B0604020202020204" pitchFamily="34" charset="0"/>
+                <a:cs typeface="Arial" panose="020B0604020202020204" pitchFamily="34" charset="0"/>
+              </a:rPr>
+              <a:t>проверки сбалансированности </a:t>
+            </a:r>
+            <a:r>
+              <a:rPr lang="ru-RU" dirty="0" smtClean="0">
+                <a:latin typeface="Arial" panose="020B0604020202020204" pitchFamily="34" charset="0"/>
+                <a:cs typeface="Arial" panose="020B0604020202020204" pitchFamily="34" charset="0"/>
+              </a:rPr>
+              <a:t>функции</a:t>
+            </a:r>
+            <a:r>
+              <a:rPr lang="en-US" dirty="0">
+                <a:latin typeface="Arial" panose="020B0604020202020204" pitchFamily="34" charset="0"/>
+                <a:cs typeface="Arial" panose="020B0604020202020204" pitchFamily="34" charset="0"/>
+              </a:rPr>
+              <a:t>.</a:t>
+            </a:r>
             <a:endParaRPr lang="ru-RU" dirty="0"/>
           </a:p>
         </p:txBody>
@@ -10481,7 +10858,7 @@
           <a:p>
             <a:pPr algn="ctr"/>
             <a:r>
-              <a:rPr lang="ru-RU" sz="4000" dirty="0" smtClean="0">
+              <a:rPr lang="ru-RU" sz="4000" dirty="0">
                 <a:latin typeface="Arial" panose="020B0604020202020204" pitchFamily="34" charset="0"/>
                 <a:cs typeface="Arial" panose="020B0604020202020204" pitchFamily="34" charset="0"/>
               </a:rPr>
@@ -10506,151 +10883,49 @@
           <a:bodyPr/>
           <a:lstStyle/>
           <a:p>
-            <a:pPr lvl="0"/>
+            <a:r>
+              <a:rPr lang="ru-RU" dirty="0" smtClean="0">
+                <a:latin typeface="Arial" panose="020B0604020202020204" pitchFamily="34" charset="0"/>
+                <a:cs typeface="Arial" panose="020B0604020202020204" pitchFamily="34" charset="0"/>
+              </a:rPr>
+              <a:t>Реализация квантового алгоритма для систем </a:t>
+            </a:r>
             <a:r>
               <a:rPr lang="ru-RU" dirty="0">
                 <a:latin typeface="Arial" panose="020B0604020202020204" pitchFamily="34" charset="0"/>
                 <a:cs typeface="Arial" panose="020B0604020202020204" pitchFamily="34" charset="0"/>
               </a:rPr>
-              <a:t>Алгоритм </a:t>
-            </a:r>
-            <a:r>
-              <a:rPr lang="ru-RU" dirty="0" err="1">
-                <a:latin typeface="Arial" panose="020B0604020202020204" pitchFamily="34" charset="0"/>
-                <a:cs typeface="Arial" panose="020B0604020202020204" pitchFamily="34" charset="0"/>
-              </a:rPr>
-              <a:t>Дейча-Джозы</a:t>
-            </a:r>
-            <a:r>
-              <a:rPr lang="ru-RU" dirty="0">
-                <a:latin typeface="Arial" panose="020B0604020202020204" pitchFamily="34" charset="0"/>
-                <a:cs typeface="Arial" panose="020B0604020202020204" pitchFamily="34" charset="0"/>
-              </a:rPr>
-              <a:t> для определения сбалансированности </a:t>
+              <a:t>линейных </a:t>
             </a:r>
             <a:r>
               <a:rPr lang="ru-RU" dirty="0" smtClean="0">
                 <a:latin typeface="Arial" panose="020B0604020202020204" pitchFamily="34" charset="0"/>
                 <a:cs typeface="Arial" panose="020B0604020202020204" pitchFamily="34" charset="0"/>
               </a:rPr>
-              <a:t>функции.</a:t>
-            </a:r>
-          </a:p>
-          <a:p>
-            <a:pPr lvl="0"/>
+              <a:t>равенств;</a:t>
+            </a:r>
+          </a:p>
+          <a:p>
             <a:r>
               <a:rPr lang="ru-RU" dirty="0" smtClean="0">
                 <a:latin typeface="Arial" panose="020B0604020202020204" pitchFamily="34" charset="0"/>
                 <a:cs typeface="Arial" panose="020B0604020202020204" pitchFamily="34" charset="0"/>
               </a:rPr>
-              <a:t>Алгоритм </a:t>
-            </a:r>
-            <a:r>
-              <a:rPr lang="ru-RU" dirty="0" err="1">
-                <a:latin typeface="Arial" panose="020B0604020202020204" pitchFamily="34" charset="0"/>
-                <a:cs typeface="Arial" panose="020B0604020202020204" pitchFamily="34" charset="0"/>
-              </a:rPr>
-              <a:t>Шора</a:t>
-            </a:r>
-            <a:r>
-              <a:rPr lang="ru-RU" dirty="0">
-                <a:latin typeface="Arial" panose="020B0604020202020204" pitchFamily="34" charset="0"/>
-                <a:cs typeface="Arial" panose="020B0604020202020204" pitchFamily="34" charset="0"/>
-              </a:rPr>
-              <a:t> для факторизации </a:t>
-            </a:r>
+              <a:t>реализация классического алгоритма для систем линейных равенств;</a:t>
+            </a:r>
+          </a:p>
+          <a:p>
             <a:r>
               <a:rPr lang="ru-RU" dirty="0" smtClean="0">
                 <a:latin typeface="Arial" panose="020B0604020202020204" pitchFamily="34" charset="0"/>
                 <a:cs typeface="Arial" panose="020B0604020202020204" pitchFamily="34" charset="0"/>
               </a:rPr>
-              <a:t>числа.</a:t>
-            </a:r>
-          </a:p>
-          <a:p>
-            <a:r>
-              <a:rPr lang="ru-RU" dirty="0">
-                <a:latin typeface="Arial" panose="020B0604020202020204" pitchFamily="34" charset="0"/>
-                <a:cs typeface="Arial" panose="020B0604020202020204" pitchFamily="34" charset="0"/>
-              </a:rPr>
-              <a:t>Алгоритм </a:t>
-            </a:r>
-            <a:r>
-              <a:rPr lang="ru-RU" dirty="0" err="1" smtClean="0">
-                <a:latin typeface="Arial" panose="020B0604020202020204" pitchFamily="34" charset="0"/>
-                <a:cs typeface="Arial" panose="020B0604020202020204" pitchFamily="34" charset="0"/>
-              </a:rPr>
-              <a:t>Гровера</a:t>
-            </a:r>
-            <a:r>
-              <a:rPr lang="ru-RU" dirty="0" smtClean="0">
-                <a:latin typeface="Arial" panose="020B0604020202020204" pitchFamily="34" charset="0"/>
-                <a:cs typeface="Arial" panose="020B0604020202020204" pitchFamily="34" charset="0"/>
-              </a:rPr>
-              <a:t> для поиска.</a:t>
+              <a:t>проведение сравнительного анализа между реализованными квантовыми алгоритмами и их классическими версиями.</a:t>
             </a:r>
             <a:endParaRPr lang="ru-RU" dirty="0">
               <a:latin typeface="Arial" panose="020B0604020202020204" pitchFamily="34" charset="0"/>
               <a:cs typeface="Arial" panose="020B0604020202020204" pitchFamily="34" charset="0"/>
             </a:endParaRPr>
-          </a:p>
-          <a:p>
-            <a:pPr lvl="0"/>
-            <a:r>
-              <a:rPr lang="ru-RU" dirty="0" smtClean="0">
-                <a:latin typeface="Arial" panose="020B0604020202020204" pitchFamily="34" charset="0"/>
-                <a:cs typeface="Arial" panose="020B0604020202020204" pitchFamily="34" charset="0"/>
-              </a:rPr>
-              <a:t>Квантовый алгоритм </a:t>
-            </a:r>
-            <a:r>
-              <a:rPr lang="ru-RU" dirty="0">
-                <a:latin typeface="Arial" panose="020B0604020202020204" pitchFamily="34" charset="0"/>
-                <a:cs typeface="Arial" panose="020B0604020202020204" pitchFamily="34" charset="0"/>
-              </a:rPr>
-              <a:t>для систем линейных равенств </a:t>
-            </a:r>
-            <a:r>
-              <a:rPr lang="ru-RU" dirty="0" smtClean="0">
-                <a:latin typeface="Arial" panose="020B0604020202020204" pitchFamily="34" charset="0"/>
-                <a:cs typeface="Arial" panose="020B0604020202020204" pitchFamily="34" charset="0"/>
-              </a:rPr>
-              <a:t/>
-            </a:r>
-            <a:br>
-              <a:rPr lang="ru-RU" dirty="0" smtClean="0">
-                <a:latin typeface="Arial" panose="020B0604020202020204" pitchFamily="34" charset="0"/>
-                <a:cs typeface="Arial" panose="020B0604020202020204" pitchFamily="34" charset="0"/>
-              </a:rPr>
-            </a:br>
-            <a:r>
-              <a:rPr lang="ru-RU" dirty="0" smtClean="0">
-                <a:latin typeface="Arial" panose="020B0604020202020204" pitchFamily="34" charset="0"/>
-                <a:cs typeface="Arial" panose="020B0604020202020204" pitchFamily="34" charset="0"/>
-              </a:rPr>
-              <a:t>(</a:t>
-            </a:r>
-            <a:r>
-              <a:rPr lang="ru-RU" dirty="0">
-                <a:latin typeface="Arial" panose="020B0604020202020204" pitchFamily="34" charset="0"/>
-                <a:cs typeface="Arial" panose="020B0604020202020204" pitchFamily="34" charset="0"/>
-              </a:rPr>
-              <a:t>Алгоритм ХХЛ</a:t>
-            </a:r>
-            <a:r>
-              <a:rPr lang="ru-RU" dirty="0" smtClean="0">
-                <a:latin typeface="Arial" panose="020B0604020202020204" pitchFamily="34" charset="0"/>
-                <a:cs typeface="Arial" panose="020B0604020202020204" pitchFamily="34" charset="0"/>
-              </a:rPr>
-              <a:t>).</a:t>
-            </a:r>
-            <a:endParaRPr lang="ru-RU" dirty="0">
-              <a:latin typeface="Arial" panose="020B0604020202020204" pitchFamily="34" charset="0"/>
-              <a:cs typeface="Arial" panose="020B0604020202020204" pitchFamily="34" charset="0"/>
-            </a:endParaRPr>
-          </a:p>
-          <a:p>
-            <a:endParaRPr lang="ru-RU" dirty="0"/>
           </a:p>
         </p:txBody>
       </p:sp>
@@ -10680,7 +10955,7 @@
     </p:spTree>
     <p:extLst>
       <p:ext uri="{BB962C8B-B14F-4D97-AF65-F5344CB8AC3E}">
-        <p14:creationId xmlns:p14="http://schemas.microsoft.com/office/powerpoint/2010/main" val="2012407855"/>
+        <p14:creationId xmlns:p14="http://schemas.microsoft.com/office/powerpoint/2010/main" val="3233919458"/>
       </p:ext>
     </p:extLst>
   </p:cSld>
@@ -10698,7 +10973,7 @@
 </file>
 
 <file path=ppt/slides/slide9.xml><?xml version="1.0" encoding="utf-8"?>
-<p:sld xmlns:a="http://schemas.openxmlformats.org/drawingml/2006/main" xmlns:r="http://schemas.openxmlformats.org/officeDocument/2006/relationships" xmlns:p="http://schemas.openxmlformats.org/presentationml/2006/main">
+<p:sld xmlns:a="http://schemas.openxmlformats.org/drawingml/2006/main" xmlns:r="http://schemas.openxmlformats.org/officeDocument/2006/relationships" xmlns:p="http://schemas.openxmlformats.org/presentationml/2006/main" show="0">
   <p:cSld>
     <p:spTree>
       <p:nvGrpSpPr>
@@ -10724,15 +10999,10 @@
             <p:ph type="title"/>
           </p:nvPr>
         </p:nvSpPr>
-        <p:spPr>
-          <a:xfrm>
-            <a:off x="838199" y="0"/>
-            <a:ext cx="10515600" cy="1325563"/>
-          </a:xfrm>
-        </p:spPr>
+        <p:spPr/>
         <p:txBody>
           <a:bodyPr>
-            <a:noAutofit/>
+            <a:normAutofit/>
           </a:bodyPr>
           <a:lstStyle/>
           <a:p>
@@ -10742,321 +11012,172 @@
                 <a:latin typeface="Arial" panose="020B0604020202020204" pitchFamily="34" charset="0"/>
                 <a:cs typeface="Arial" panose="020B0604020202020204" pitchFamily="34" charset="0"/>
               </a:rPr>
-              <a:t>Средства реализации</a:t>
-            </a:r>
-            <a:endParaRPr lang="ru-RU" sz="4000" dirty="0">
+              <a:t>Задачи работы</a:t>
+            </a:r>
+            <a:endParaRPr lang="ru-RU" sz="4000" dirty="0"/>
+          </a:p>
+        </p:txBody>
+      </p:sp>
+      <p:sp>
+        <p:nvSpPr>
+          <p:cNvPr id="3" name="Объект 2"/>
+          <p:cNvSpPr>
+            <a:spLocks noGrp="1"/>
+          </p:cNvSpPr>
+          <p:nvPr>
+            <p:ph idx="1"/>
+          </p:nvPr>
+        </p:nvSpPr>
+        <p:spPr/>
+        <p:txBody>
+          <a:bodyPr/>
+          <a:lstStyle/>
+          <a:p>
+            <a:pPr lvl="0"/>
+            <a:r>
+              <a:rPr lang="ru-RU" dirty="0">
+                <a:latin typeface="Arial" panose="020B0604020202020204" pitchFamily="34" charset="0"/>
+                <a:cs typeface="Arial" panose="020B0604020202020204" pitchFamily="34" charset="0"/>
+              </a:rPr>
+              <a:t>Алгоритм </a:t>
+            </a:r>
+            <a:r>
+              <a:rPr lang="ru-RU" dirty="0" err="1">
+                <a:latin typeface="Arial" panose="020B0604020202020204" pitchFamily="34" charset="0"/>
+                <a:cs typeface="Arial" panose="020B0604020202020204" pitchFamily="34" charset="0"/>
+              </a:rPr>
+              <a:t>Дейча-Джозы</a:t>
+            </a:r>
+            <a:r>
+              <a:rPr lang="ru-RU" dirty="0">
+                <a:latin typeface="Arial" panose="020B0604020202020204" pitchFamily="34" charset="0"/>
+                <a:cs typeface="Arial" panose="020B0604020202020204" pitchFamily="34" charset="0"/>
+              </a:rPr>
+              <a:t> для определения сбалансированности </a:t>
+            </a:r>
+            <a:r>
+              <a:rPr lang="ru-RU" dirty="0" smtClean="0">
+                <a:latin typeface="Arial" panose="020B0604020202020204" pitchFamily="34" charset="0"/>
+                <a:cs typeface="Arial" panose="020B0604020202020204" pitchFamily="34" charset="0"/>
+              </a:rPr>
+              <a:t>функции.</a:t>
+            </a:r>
+          </a:p>
+          <a:p>
+            <a:pPr lvl="0"/>
+            <a:r>
+              <a:rPr lang="ru-RU" dirty="0" smtClean="0">
+                <a:latin typeface="Arial" panose="020B0604020202020204" pitchFamily="34" charset="0"/>
+                <a:cs typeface="Arial" panose="020B0604020202020204" pitchFamily="34" charset="0"/>
+              </a:rPr>
+              <a:t>Алгоритм </a:t>
+            </a:r>
+            <a:r>
+              <a:rPr lang="ru-RU" dirty="0" err="1">
+                <a:latin typeface="Arial" panose="020B0604020202020204" pitchFamily="34" charset="0"/>
+                <a:cs typeface="Arial" panose="020B0604020202020204" pitchFamily="34" charset="0"/>
+              </a:rPr>
+              <a:t>Шора</a:t>
+            </a:r>
+            <a:r>
+              <a:rPr lang="ru-RU" dirty="0">
+                <a:latin typeface="Arial" panose="020B0604020202020204" pitchFamily="34" charset="0"/>
+                <a:cs typeface="Arial" panose="020B0604020202020204" pitchFamily="34" charset="0"/>
+              </a:rPr>
+              <a:t> для факторизации </a:t>
+            </a:r>
+            <a:r>
+              <a:rPr lang="ru-RU" dirty="0" smtClean="0">
+                <a:latin typeface="Arial" panose="020B0604020202020204" pitchFamily="34" charset="0"/>
+                <a:cs typeface="Arial" panose="020B0604020202020204" pitchFamily="34" charset="0"/>
+              </a:rPr>
+              <a:t>числа.</a:t>
+            </a:r>
+          </a:p>
+          <a:p>
+            <a:r>
+              <a:rPr lang="ru-RU" dirty="0">
+                <a:latin typeface="Arial" panose="020B0604020202020204" pitchFamily="34" charset="0"/>
+                <a:cs typeface="Arial" panose="020B0604020202020204" pitchFamily="34" charset="0"/>
+              </a:rPr>
+              <a:t>Алгоритм </a:t>
+            </a:r>
+            <a:r>
+              <a:rPr lang="ru-RU" dirty="0" err="1" smtClean="0">
+                <a:latin typeface="Arial" panose="020B0604020202020204" pitchFamily="34" charset="0"/>
+                <a:cs typeface="Arial" panose="020B0604020202020204" pitchFamily="34" charset="0"/>
+              </a:rPr>
+              <a:t>Гровера</a:t>
+            </a:r>
+            <a:r>
+              <a:rPr lang="ru-RU" dirty="0" smtClean="0">
+                <a:latin typeface="Arial" panose="020B0604020202020204" pitchFamily="34" charset="0"/>
+                <a:cs typeface="Arial" panose="020B0604020202020204" pitchFamily="34" charset="0"/>
+              </a:rPr>
+              <a:t> для поиска.</a:t>
+            </a:r>
+            <a:endParaRPr lang="ru-RU" dirty="0">
               <a:latin typeface="Arial" panose="020B0604020202020204" pitchFamily="34" charset="0"/>
               <a:cs typeface="Arial" panose="020B0604020202020204" pitchFamily="34" charset="0"/>
             </a:endParaRPr>
           </a:p>
-        </p:txBody>
-      </p:sp>
-      <p:sp>
-        <p:nvSpPr>
-          <p:cNvPr id="3" name="Объект 2"/>
-          <p:cNvSpPr>
-            <a:spLocks noGrp="1"/>
-          </p:cNvSpPr>
-          <p:nvPr>
-            <p:ph idx="1"/>
-          </p:nvPr>
-        </p:nvSpPr>
-        <p:spPr>
-          <a:xfrm>
-            <a:off x="671511" y="1325563"/>
-            <a:ext cx="10848975" cy="4629150"/>
-          </a:xfrm>
-        </p:spPr>
-        <p:txBody>
-          <a:bodyPr>
-            <a:noAutofit/>
-          </a:bodyPr>
-          <a:lstStyle/>
-          <a:p>
-            <a:pPr marL="628650" indent="263525">
-              <a:lnSpc>
-                <a:spcPct val="150000"/>
-              </a:lnSpc>
-              <a:spcBef>
-                <a:spcPts val="0"/>
-              </a:spcBef>
-            </a:pPr>
+          <a:p>
+            <a:pPr lvl="0"/>
             <a:r>
               <a:rPr lang="ru-RU" dirty="0" smtClean="0">
                 <a:latin typeface="Arial" panose="020B0604020202020204" pitchFamily="34" charset="0"/>
                 <a:cs typeface="Arial" panose="020B0604020202020204" pitchFamily="34" charset="0"/>
               </a:rPr>
-              <a:t>ОС </a:t>
-            </a:r>
-            <a:r>
-              <a:rPr lang="en-US" dirty="0">
-                <a:latin typeface="Arial" panose="020B0604020202020204" pitchFamily="34" charset="0"/>
-                <a:cs typeface="Arial" panose="020B0604020202020204" pitchFamily="34" charset="0"/>
-              </a:rPr>
-              <a:t>Windows 10 Pro;</a:t>
-            </a:r>
-          </a:p>
-          <a:p>
-            <a:pPr marL="628650" indent="263525">
-              <a:lnSpc>
-                <a:spcPct val="150000"/>
-              </a:lnSpc>
-              <a:spcBef>
-                <a:spcPts val="0"/>
-              </a:spcBef>
-            </a:pPr>
+              <a:t>Квантовый алгоритм </a:t>
+            </a:r>
+            <a:r>
+              <a:rPr lang="ru-RU" dirty="0">
+                <a:latin typeface="Arial" panose="020B0604020202020204" pitchFamily="34" charset="0"/>
+                <a:cs typeface="Arial" panose="020B0604020202020204" pitchFamily="34" charset="0"/>
+              </a:rPr>
+              <a:t>для систем линейных равенств </a:t>
+            </a:r>
             <a:r>
               <a:rPr lang="ru-RU" dirty="0" smtClean="0">
                 <a:latin typeface="Arial" panose="020B0604020202020204" pitchFamily="34" charset="0"/>
                 <a:cs typeface="Arial" panose="020B0604020202020204" pitchFamily="34" charset="0"/>
               </a:rPr>
-              <a:t>универсальная </a:t>
+              <a:t/>
+            </a:r>
+            <a:br>
+              <a:rPr lang="ru-RU" dirty="0" smtClean="0">
+                <a:latin typeface="Arial" panose="020B0604020202020204" pitchFamily="34" charset="0"/>
+                <a:cs typeface="Arial" panose="020B0604020202020204" pitchFamily="34" charset="0"/>
+              </a:rPr>
+            </a:br>
+            <a:r>
+              <a:rPr lang="ru-RU" dirty="0" smtClean="0">
+                <a:latin typeface="Arial" panose="020B0604020202020204" pitchFamily="34" charset="0"/>
+                <a:cs typeface="Arial" panose="020B0604020202020204" pitchFamily="34" charset="0"/>
+              </a:rPr>
+              <a:t>(</a:t>
             </a:r>
             <a:r>
               <a:rPr lang="ru-RU" dirty="0">
                 <a:latin typeface="Arial" panose="020B0604020202020204" pitchFamily="34" charset="0"/>
                 <a:cs typeface="Arial" panose="020B0604020202020204" pitchFamily="34" charset="0"/>
               </a:rPr>
-              <a:t>платформа разработки .</a:t>
-            </a:r>
-            <a:r>
-              <a:rPr lang="en-US" dirty="0">
-                <a:latin typeface="Arial" panose="020B0604020202020204" pitchFamily="34" charset="0"/>
-                <a:cs typeface="Arial" panose="020B0604020202020204" pitchFamily="34" charset="0"/>
-              </a:rPr>
-              <a:t>Net Core SDK 2.2;</a:t>
-            </a:r>
-          </a:p>
-          <a:p>
-            <a:pPr marL="628650" indent="263525">
-              <a:lnSpc>
-                <a:spcPct val="150000"/>
-              </a:lnSpc>
-              <a:spcBef>
-                <a:spcPts val="0"/>
-              </a:spcBef>
-            </a:pPr>
+              <a:t>Алгоритм ХХЛ</a:t>
+            </a:r>
             <a:r>
               <a:rPr lang="ru-RU" dirty="0" smtClean="0">
                 <a:latin typeface="Arial" panose="020B0604020202020204" pitchFamily="34" charset="0"/>
                 <a:cs typeface="Arial" panose="020B0604020202020204" pitchFamily="34" charset="0"/>
               </a:rPr>
-              <a:t>пакет </a:t>
-            </a:r>
-            <a:r>
-              <a:rPr lang="ru-RU" dirty="0">
-                <a:latin typeface="Arial" panose="020B0604020202020204" pitchFamily="34" charset="0"/>
-                <a:cs typeface="Arial" panose="020B0604020202020204" pitchFamily="34" charset="0"/>
-              </a:rPr>
-              <a:t>разработки </a:t>
-            </a:r>
-            <a:r>
-              <a:rPr lang="en-US" dirty="0">
-                <a:latin typeface="Arial" panose="020B0604020202020204" pitchFamily="34" charset="0"/>
-                <a:cs typeface="Arial" panose="020B0604020202020204" pitchFamily="34" charset="0"/>
-              </a:rPr>
-              <a:t>Microsoft Quantum Development Kit 0.6;</a:t>
-            </a:r>
-          </a:p>
-          <a:p>
-            <a:pPr marL="628650" indent="263525">
-              <a:lnSpc>
-                <a:spcPct val="150000"/>
-              </a:lnSpc>
-              <a:spcBef>
-                <a:spcPts val="0"/>
-              </a:spcBef>
-            </a:pPr>
-            <a:r>
-              <a:rPr lang="ru-RU" dirty="0" smtClean="0">
-                <a:latin typeface="Arial" panose="020B0604020202020204" pitchFamily="34" charset="0"/>
-                <a:cs typeface="Arial" panose="020B0604020202020204" pitchFamily="34" charset="0"/>
-              </a:rPr>
-              <a:t>редактор </a:t>
-            </a:r>
-            <a:r>
-              <a:rPr lang="ru-RU" dirty="0">
-                <a:latin typeface="Arial" panose="020B0604020202020204" pitchFamily="34" charset="0"/>
-                <a:cs typeface="Arial" panose="020B0604020202020204" pitchFamily="34" charset="0"/>
-              </a:rPr>
-              <a:t>исходного кода </a:t>
-            </a:r>
-            <a:r>
-              <a:rPr lang="en-US" dirty="0">
-                <a:latin typeface="Arial" panose="020B0604020202020204" pitchFamily="34" charset="0"/>
-                <a:cs typeface="Arial" panose="020B0604020202020204" pitchFamily="34" charset="0"/>
-              </a:rPr>
-              <a:t>Visual Studio Code 1.33;</a:t>
-            </a:r>
-          </a:p>
-          <a:p>
-            <a:pPr marL="628650" indent="263525">
-              <a:lnSpc>
-                <a:spcPct val="150000"/>
-              </a:lnSpc>
-              <a:spcBef>
-                <a:spcPts val="0"/>
-              </a:spcBef>
-            </a:pPr>
-            <a:r>
-              <a:rPr lang="ru-RU" dirty="0" smtClean="0">
-                <a:latin typeface="Arial" panose="020B0604020202020204" pitchFamily="34" charset="0"/>
-                <a:cs typeface="Arial" panose="020B0604020202020204" pitchFamily="34" charset="0"/>
-              </a:rPr>
-              <a:t>язык </a:t>
-            </a:r>
-            <a:r>
-              <a:rPr lang="en-US" dirty="0">
-                <a:latin typeface="Arial" panose="020B0604020202020204" pitchFamily="34" charset="0"/>
-                <a:cs typeface="Arial" panose="020B0604020202020204" pitchFamily="34" charset="0"/>
-              </a:rPr>
-              <a:t>C# 7.0;</a:t>
-            </a:r>
-          </a:p>
-          <a:p>
-            <a:pPr marL="628650" indent="263525">
-              <a:lnSpc>
-                <a:spcPct val="150000"/>
-              </a:lnSpc>
-              <a:spcBef>
-                <a:spcPts val="0"/>
-              </a:spcBef>
-            </a:pPr>
-            <a:r>
-              <a:rPr lang="ru-RU" dirty="0" smtClean="0">
-                <a:latin typeface="Arial" panose="020B0604020202020204" pitchFamily="34" charset="0"/>
-                <a:cs typeface="Arial" panose="020B0604020202020204" pitchFamily="34" charset="0"/>
-              </a:rPr>
-              <a:t>язык </a:t>
-            </a:r>
-            <a:r>
-              <a:rPr lang="en-US" dirty="0">
-                <a:latin typeface="Arial" panose="020B0604020202020204" pitchFamily="34" charset="0"/>
-                <a:cs typeface="Arial" panose="020B0604020202020204" pitchFamily="34" charset="0"/>
-              </a:rPr>
-              <a:t>Q#.</a:t>
-            </a:r>
-          </a:p>
-          <a:p>
-            <a:pPr marL="628650" indent="263525">
-              <a:lnSpc>
-                <a:spcPct val="150000"/>
-              </a:lnSpc>
-              <a:spcBef>
-                <a:spcPts val="0"/>
-              </a:spcBef>
-            </a:pPr>
-            <a:endParaRPr lang="ru-RU" sz="2200" dirty="0">
+              <a:t>).</a:t>
+            </a:r>
+            <a:endParaRPr lang="ru-RU" dirty="0">
               <a:latin typeface="Arial" panose="020B0604020202020204" pitchFamily="34" charset="0"/>
               <a:cs typeface="Arial" panose="020B0604020202020204" pitchFamily="34" charset="0"/>
             </a:endParaRPr>
           </a:p>
           <a:p>
-            <a:pPr marL="0" indent="628650" algn="just">
-              <a:lnSpc>
-                <a:spcPct val="150000"/>
-              </a:lnSpc>
-              <a:spcBef>
-                <a:spcPts val="0"/>
-              </a:spcBef>
-              <a:buNone/>
-            </a:pPr>
-            <a:endParaRPr lang="ru-RU" sz="3200" dirty="0">
-              <a:latin typeface="Arial" panose="020B0604020202020204" pitchFamily="34" charset="0"/>
-              <a:cs typeface="Arial" panose="020B0604020202020204" pitchFamily="34" charset="0"/>
-            </a:endParaRPr>
-          </a:p>
-          <a:p>
-            <a:pPr marL="0" indent="628650" algn="just">
-              <a:lnSpc>
-                <a:spcPct val="150000"/>
-              </a:lnSpc>
-              <a:spcBef>
-                <a:spcPts val="0"/>
-              </a:spcBef>
-              <a:buNone/>
-            </a:pPr>
-            <a:r>
-              <a:rPr lang="ru-RU" sz="2000" dirty="0" smtClean="0">
-                <a:latin typeface="+mj-lt"/>
-              </a:rPr>
-              <a:t>			</a:t>
-            </a:r>
-          </a:p>
-          <a:p>
-            <a:pPr marL="0" indent="628650" algn="just">
-              <a:lnSpc>
-                <a:spcPct val="150000"/>
-              </a:lnSpc>
-              <a:spcBef>
-                <a:spcPts val="0"/>
-              </a:spcBef>
-              <a:buNone/>
-            </a:pPr>
-            <a:r>
-              <a:rPr lang="ru-RU" sz="2000" dirty="0">
-                <a:latin typeface="+mj-lt"/>
-              </a:rPr>
-              <a:t> </a:t>
-            </a:r>
-            <a:r>
-              <a:rPr lang="ru-RU" sz="2000" dirty="0" smtClean="0">
-                <a:latin typeface="+mj-lt"/>
-              </a:rPr>
-              <a:t>    									                        </a:t>
-            </a:r>
-            <a:endParaRPr lang="ru-RU" sz="2000" dirty="0">
-              <a:latin typeface="+mj-lt"/>
-              <a:cs typeface="Arial" panose="020B0604020202020204" pitchFamily="34" charset="0"/>
-            </a:endParaRPr>
-          </a:p>
-          <a:p>
-            <a:pPr marL="0" indent="628650" algn="just">
-              <a:lnSpc>
-                <a:spcPct val="150000"/>
-              </a:lnSpc>
-              <a:spcBef>
-                <a:spcPts val="0"/>
-              </a:spcBef>
-              <a:buNone/>
-            </a:pPr>
-            <a:endParaRPr lang="ru-RU" sz="3200" dirty="0">
-              <a:latin typeface="Arial" panose="020B0604020202020204" pitchFamily="34" charset="0"/>
-              <a:cs typeface="Arial" panose="020B0604020202020204" pitchFamily="34" charset="0"/>
-            </a:endParaRPr>
-          </a:p>
-          <a:p>
-            <a:pPr marL="0" indent="628650" algn="just">
-              <a:lnSpc>
-                <a:spcPct val="150000"/>
-              </a:lnSpc>
-              <a:spcBef>
-                <a:spcPts val="0"/>
-              </a:spcBef>
-              <a:buNone/>
-            </a:pPr>
-            <a:endParaRPr lang="ru-RU" sz="3200" dirty="0">
-              <a:latin typeface="Arial" panose="020B0604020202020204" pitchFamily="34" charset="0"/>
-              <a:cs typeface="Arial" panose="020B0604020202020204" pitchFamily="34" charset="0"/>
-            </a:endParaRPr>
-          </a:p>
-          <a:p>
-            <a:pPr marL="0" indent="628650" algn="just">
-              <a:lnSpc>
-                <a:spcPct val="150000"/>
-              </a:lnSpc>
-              <a:spcBef>
-                <a:spcPts val="0"/>
-              </a:spcBef>
-              <a:buNone/>
-            </a:pPr>
-            <a:r>
-              <a:rPr lang="ru-RU" sz="3200" dirty="0">
-                <a:latin typeface="Arial" panose="020B0604020202020204" pitchFamily="34" charset="0"/>
-                <a:cs typeface="Arial" panose="020B0604020202020204" pitchFamily="34" charset="0"/>
-              </a:rPr>
-              <a:t>											        </a:t>
-            </a:r>
+            <a:endParaRPr lang="ru-RU" dirty="0"/>
           </a:p>
         </p:txBody>
       </p:sp>
@@ -11086,13 +11207,21 @@
     </p:spTree>
     <p:extLst>
       <p:ext uri="{BB962C8B-B14F-4D97-AF65-F5344CB8AC3E}">
-        <p14:creationId xmlns:p14="http://schemas.microsoft.com/office/powerpoint/2010/main" val="723238843"/>
+        <p14:creationId xmlns:p14="http://schemas.microsoft.com/office/powerpoint/2010/main" val="2012407855"/>
       </p:ext>
     </p:extLst>
   </p:cSld>
   <p:clrMapOvr>
     <a:masterClrMapping/>
   </p:clrMapOvr>
+  <mc:AlternateContent xmlns:mc="http://schemas.openxmlformats.org/markup-compatibility/2006">
+    <mc:Choice xmlns:p14="http://schemas.microsoft.com/office/powerpoint/2010/main" Requires="p14">
+      <p:transition spd="slow" p14:dur="2000"/>
+    </mc:Choice>
+    <mc:Fallback>
+      <p:transition spd="slow"/>
+    </mc:Fallback>
+  </mc:AlternateContent>
   <p:timing>
     <p:tnLst>
       <p:par>
@@ -11108,10 +11237,10 @@
   <a:themeElements>
     <a:clrScheme name="Стандартная">
       <a:dk1>
-        <a:sysClr val="windowText" lastClr="000000"/>
+        <a:sysClr val="windowText" lastClr="2C2C2C"/>
       </a:dk1>
       <a:lt1>
-        <a:sysClr val="window" lastClr="FFFFFF"/>
+        <a:sysClr val="window" lastClr="DEDEDE"/>
       </a:lt1>
       <a:dk2>
         <a:srgbClr val="44546A"/>
@@ -11358,7 +11487,7 @@
   <a:extraClrSchemeLst/>
   <a:extLst>
     <a:ext uri="{05A4C25C-085E-4340-85A3-A5531E510DB2}">
-      <thm15:themeFamily xmlns:thm15="http://schemas.microsoft.com/office/thememl/2012/main" name="Office Theme" id="{62F939B6-93AF-4DB8-9C6B-D6C7DFDC589F}" vid="{4A3C46E8-61CC-4603-A589-7422A47A8E4A}"/>
+      <thm15:themeFamily xmlns:thm15="http://schemas.microsoft.com/office/thememl/2012/main" xmlns="" name="Office Theme" id="{62F939B6-93AF-4DB8-9C6B-D6C7DFDC589F}" vid="{4A3C46E8-61CC-4603-A589-7422A47A8E4A}"/>
     </a:ext>
   </a:extLst>
 </a:theme>
@@ -11369,10 +11498,10 @@
   <a:themeElements>
     <a:clrScheme name="Стандартная">
       <a:dk1>
-        <a:sysClr val="windowText" lastClr="000000"/>
+        <a:sysClr val="windowText" lastClr="2C2C2C"/>
       </a:dk1>
       <a:lt1>
-        <a:sysClr val="window" lastClr="FFFFFF"/>
+        <a:sysClr val="window" lastClr="DEDEDE"/>
       </a:lt1>
       <a:dk2>
         <a:srgbClr val="44546A"/>
@@ -11619,7 +11748,7 @@
   <a:extraClrSchemeLst/>
   <a:extLst>
     <a:ext uri="{05A4C25C-085E-4340-85A3-A5531E510DB2}">
-      <thm15:themeFamily xmlns:thm15="http://schemas.microsoft.com/office/thememl/2012/main" name="Office Theme" id="{62F939B6-93AF-4DB8-9C6B-D6C7DFDC589F}" vid="{4A3C46E8-61CC-4603-A589-7422A47A8E4A}"/>
+      <thm15:themeFamily xmlns:thm15="http://schemas.microsoft.com/office/thememl/2012/main" xmlns="" name="Office Theme" id="{62F939B6-93AF-4DB8-9C6B-D6C7DFDC589F}" vid="{4A3C46E8-61CC-4603-A589-7422A47A8E4A}"/>
     </a:ext>
   </a:extLst>
 </a:theme>

--- a/Черниговских 2к 14гр.pptx
+++ b/Черниговских 2к 14гр.pptx
@@ -5,30 +5,27 @@
     <p:sldMasterId id="2147483648" r:id="rId1"/>
   </p:sldMasterIdLst>
   <p:notesMasterIdLst>
-    <p:notesMasterId r:id="rId23"/>
+    <p:notesMasterId r:id="rId20"/>
   </p:notesMasterIdLst>
   <p:sldIdLst>
     <p:sldId id="277" r:id="rId2"/>
-    <p:sldId id="257" r:id="rId3"/>
-    <p:sldId id="258" r:id="rId4"/>
-    <p:sldId id="259" r:id="rId5"/>
-    <p:sldId id="260" r:id="rId6"/>
-    <p:sldId id="261" r:id="rId7"/>
-    <p:sldId id="262" r:id="rId8"/>
-    <p:sldId id="278" r:id="rId9"/>
-    <p:sldId id="263" r:id="rId10"/>
-    <p:sldId id="265" r:id="rId11"/>
-    <p:sldId id="266" r:id="rId12"/>
-    <p:sldId id="269" r:id="rId13"/>
-    <p:sldId id="279" r:id="rId14"/>
-    <p:sldId id="274" r:id="rId15"/>
-    <p:sldId id="273" r:id="rId16"/>
-    <p:sldId id="275" r:id="rId17"/>
-    <p:sldId id="270" r:id="rId18"/>
-    <p:sldId id="276" r:id="rId19"/>
-    <p:sldId id="272" r:id="rId20"/>
-    <p:sldId id="268" r:id="rId21"/>
-    <p:sldId id="267" r:id="rId22"/>
+    <p:sldId id="260" r:id="rId3"/>
+    <p:sldId id="262" r:id="rId4"/>
+    <p:sldId id="278" r:id="rId5"/>
+    <p:sldId id="265" r:id="rId6"/>
+    <p:sldId id="266" r:id="rId7"/>
+    <p:sldId id="269" r:id="rId8"/>
+    <p:sldId id="279" r:id="rId9"/>
+    <p:sldId id="280" r:id="rId10"/>
+    <p:sldId id="270" r:id="rId11"/>
+    <p:sldId id="282" r:id="rId12"/>
+    <p:sldId id="276" r:id="rId13"/>
+    <p:sldId id="281" r:id="rId14"/>
+    <p:sldId id="272" r:id="rId15"/>
+    <p:sldId id="283" r:id="rId16"/>
+    <p:sldId id="284" r:id="rId17"/>
+    <p:sldId id="268" r:id="rId18"/>
+    <p:sldId id="267" r:id="rId19"/>
   </p:sldIdLst>
   <p:sldSz cx="12192000" cy="6858000"/>
   <p:notesSz cx="6735763" cy="9856788"/>
@@ -228,7 +225,7 @@
           <a:p>
             <a:fld id="{2946843A-35D9-4BF0-8BAE-64F1E98BC786}" type="datetimeFigureOut">
               <a:rPr lang="ru-RU" smtClean="0"/>
-              <a:t>12.06.2019</a:t>
+              <a:t>14.06.2019</a:t>
             </a:fld>
             <a:endParaRPr lang="ru-RU"/>
           </a:p>
@@ -645,91 +642,7 @@
           <a:p>
             <a:fld id="{F15EF2D2-24D0-4238-9C0D-C81CCD232C53}" type="slidenum">
               <a:rPr lang="ru-RU" smtClean="0"/>
-              <a:t>9</a:t>
-            </a:fld>
-            <a:endParaRPr lang="ru-RU"/>
-          </a:p>
-        </p:txBody>
-      </p:sp>
-    </p:spTree>
-    <p:extLst>
-      <p:ext uri="{BB962C8B-B14F-4D97-AF65-F5344CB8AC3E}">
-        <p14:creationId xmlns:p14="http://schemas.microsoft.com/office/powerpoint/2010/main" val="86048327"/>
-      </p:ext>
-    </p:extLst>
-  </p:cSld>
-  <p:clrMapOvr>
-    <a:masterClrMapping/>
-  </p:clrMapOvr>
-</p:notes>
-</file>
-
-<file path=ppt/notesSlides/notesSlide3.xml><?xml version="1.0" encoding="utf-8"?>
-<p:notes xmlns:a="http://schemas.openxmlformats.org/drawingml/2006/main" xmlns:r="http://schemas.openxmlformats.org/officeDocument/2006/relationships" xmlns:p="http://schemas.openxmlformats.org/presentationml/2006/main">
-  <p:cSld>
-    <p:spTree>
-      <p:nvGrpSpPr>
-        <p:cNvPr id="1" name=""/>
-        <p:cNvGrpSpPr/>
-        <p:nvPr/>
-      </p:nvGrpSpPr>
-      <p:grpSpPr>
-        <a:xfrm>
-          <a:off x="0" y="0"/>
-          <a:ext cx="0" cy="0"/>
-          <a:chOff x="0" y="0"/>
-          <a:chExt cx="0" cy="0"/>
-        </a:xfrm>
-      </p:grpSpPr>
-      <p:sp>
-        <p:nvSpPr>
-          <p:cNvPr id="2" name="Образ слайда 1"/>
-          <p:cNvSpPr>
-            <a:spLocks noGrp="1" noRot="1" noChangeAspect="1"/>
-          </p:cNvSpPr>
-          <p:nvPr>
-            <p:ph type="sldImg"/>
-          </p:nvPr>
-        </p:nvSpPr>
-        <p:spPr/>
-      </p:sp>
-      <p:sp>
-        <p:nvSpPr>
-          <p:cNvPr id="3" name="Заметки 2"/>
-          <p:cNvSpPr>
-            <a:spLocks noGrp="1"/>
-          </p:cNvSpPr>
-          <p:nvPr>
-            <p:ph type="body" idx="1"/>
-          </p:nvPr>
-        </p:nvSpPr>
-        <p:spPr/>
-        <p:txBody>
-          <a:bodyPr/>
-          <a:lstStyle/>
-          <a:p>
-            <a:endParaRPr lang="ru-RU"/>
-          </a:p>
-        </p:txBody>
-      </p:sp>
-      <p:sp>
-        <p:nvSpPr>
-          <p:cNvPr id="4" name="Номер слайда 3"/>
-          <p:cNvSpPr>
-            <a:spLocks noGrp="1"/>
-          </p:cNvSpPr>
-          <p:nvPr>
-            <p:ph type="sldNum" sz="quarter" idx="10"/>
-          </p:nvPr>
-        </p:nvSpPr>
-        <p:spPr/>
-        <p:txBody>
-          <a:bodyPr/>
-          <a:lstStyle/>
-          <a:p>
-            <a:fld id="{F15EF2D2-24D0-4238-9C0D-C81CCD232C53}" type="slidenum">
-              <a:rPr lang="ru-RU" smtClean="0"/>
-              <a:t>10</a:t>
+              <a:t>5</a:t>
             </a:fld>
             <a:endParaRPr lang="ru-RU"/>
           </a:p>
@@ -879,7 +792,7 @@
           <a:p>
             <a:fld id="{BCA46830-E682-405C-8364-0C9541E639DF}" type="datetime1">
               <a:rPr lang="ru-RU" smtClean="0"/>
-              <a:t>12.06.2019</a:t>
+              <a:t>14.06.2019</a:t>
             </a:fld>
             <a:endParaRPr lang="ru-RU"/>
           </a:p>
@@ -1049,7 +962,7 @@
           <a:p>
             <a:fld id="{3E44BB8C-CB05-479D-8CEA-872765ADD396}" type="datetime1">
               <a:rPr lang="ru-RU" smtClean="0"/>
-              <a:t>12.06.2019</a:t>
+              <a:t>14.06.2019</a:t>
             </a:fld>
             <a:endParaRPr lang="ru-RU"/>
           </a:p>
@@ -1229,7 +1142,7 @@
           <a:p>
             <a:fld id="{B4E89E9D-2A67-4B46-84B4-9A88CD3E91F3}" type="datetime1">
               <a:rPr lang="ru-RU" smtClean="0"/>
-              <a:t>12.06.2019</a:t>
+              <a:t>14.06.2019</a:t>
             </a:fld>
             <a:endParaRPr lang="ru-RU"/>
           </a:p>
@@ -1399,7 +1312,7 @@
           <a:p>
             <a:fld id="{E3505345-DD1D-40F9-B05D-80736C9A64BE}" type="datetime1">
               <a:rPr lang="ru-RU" smtClean="0"/>
-              <a:t>12.06.2019</a:t>
+              <a:t>14.06.2019</a:t>
             </a:fld>
             <a:endParaRPr lang="ru-RU"/>
           </a:p>
@@ -1645,7 +1558,7 @@
           <a:p>
             <a:fld id="{59EE47BA-54A9-4DFA-A58A-0556F2F6BBF3}" type="datetime1">
               <a:rPr lang="ru-RU" smtClean="0"/>
-              <a:t>12.06.2019</a:t>
+              <a:t>14.06.2019</a:t>
             </a:fld>
             <a:endParaRPr lang="ru-RU"/>
           </a:p>
@@ -1877,7 +1790,7 @@
           <a:p>
             <a:fld id="{976D76BB-ADA0-4F80-9D28-2566A92BA848}" type="datetime1">
               <a:rPr lang="ru-RU" smtClean="0"/>
-              <a:t>12.06.2019</a:t>
+              <a:t>14.06.2019</a:t>
             </a:fld>
             <a:endParaRPr lang="ru-RU"/>
           </a:p>
@@ -2244,7 +2157,7 @@
           <a:p>
             <a:fld id="{95DE2552-BD6E-4AD4-BAD1-EC0578C01B0B}" type="datetime1">
               <a:rPr lang="ru-RU" smtClean="0"/>
-              <a:t>12.06.2019</a:t>
+              <a:t>14.06.2019</a:t>
             </a:fld>
             <a:endParaRPr lang="ru-RU"/>
           </a:p>
@@ -2362,7 +2275,7 @@
           <a:p>
             <a:fld id="{02E396A1-89C2-4BBE-AB5B-B0CB8942B161}" type="datetime1">
               <a:rPr lang="ru-RU" smtClean="0"/>
-              <a:t>12.06.2019</a:t>
+              <a:t>14.06.2019</a:t>
             </a:fld>
             <a:endParaRPr lang="ru-RU"/>
           </a:p>
@@ -2457,7 +2370,7 @@
           <a:p>
             <a:fld id="{956BDFD6-CB9C-4C9A-9A46-77F5F3732A82}" type="datetime1">
               <a:rPr lang="ru-RU" smtClean="0"/>
-              <a:t>12.06.2019</a:t>
+              <a:t>14.06.2019</a:t>
             </a:fld>
             <a:endParaRPr lang="ru-RU"/>
           </a:p>
@@ -2734,7 +2647,7 @@
           <a:p>
             <a:fld id="{7EEFFDAA-0F05-4D26-AB82-65ABB6376715}" type="datetime1">
               <a:rPr lang="ru-RU" smtClean="0"/>
-              <a:t>12.06.2019</a:t>
+              <a:t>14.06.2019</a:t>
             </a:fld>
             <a:endParaRPr lang="ru-RU"/>
           </a:p>
@@ -2987,7 +2900,7 @@
           <a:p>
             <a:fld id="{058A3315-5A26-493E-90F4-99CDED3D5A99}" type="datetime1">
               <a:rPr lang="ru-RU" smtClean="0"/>
-              <a:t>12.06.2019</a:t>
+              <a:t>14.06.2019</a:t>
             </a:fld>
             <a:endParaRPr lang="ru-RU"/>
           </a:p>
@@ -3200,7 +3113,7 @@
           <a:p>
             <a:fld id="{14311CDF-AC48-44CB-A4FA-2A9648FE0477}" type="datetime1">
               <a:rPr lang="ru-RU" smtClean="0"/>
-              <a:t>12.06.2019</a:t>
+              <a:t>14.06.2019</a:t>
             </a:fld>
             <a:endParaRPr lang="ru-RU"/>
           </a:p>
@@ -3880,1980 +3793,6 @@
 </file>
 
 <file path=ppt/slides/slide10.xml><?xml version="1.0" encoding="utf-8"?>
-<p:sld xmlns:a="http://schemas.openxmlformats.org/drawingml/2006/main" xmlns:r="http://schemas.openxmlformats.org/officeDocument/2006/relationships" xmlns:p="http://schemas.openxmlformats.org/presentationml/2006/main">
-  <p:cSld>
-    <p:spTree>
-      <p:nvGrpSpPr>
-        <p:cNvPr id="1" name=""/>
-        <p:cNvGrpSpPr/>
-        <p:nvPr/>
-      </p:nvGrpSpPr>
-      <p:grpSpPr>
-        <a:xfrm>
-          <a:off x="0" y="0"/>
-          <a:ext cx="0" cy="0"/>
-          <a:chOff x="0" y="0"/>
-          <a:chExt cx="0" cy="0"/>
-        </a:xfrm>
-      </p:grpSpPr>
-      <p:sp>
-        <p:nvSpPr>
-          <p:cNvPr id="2" name="Заголовок 1"/>
-          <p:cNvSpPr>
-            <a:spLocks noGrp="1"/>
-          </p:cNvSpPr>
-          <p:nvPr>
-            <p:ph type="title"/>
-          </p:nvPr>
-        </p:nvSpPr>
-        <p:spPr>
-          <a:xfrm>
-            <a:off x="838199" y="0"/>
-            <a:ext cx="10515600" cy="1325563"/>
-          </a:xfrm>
-        </p:spPr>
-        <p:txBody>
-          <a:bodyPr>
-            <a:noAutofit/>
-          </a:bodyPr>
-          <a:lstStyle/>
-          <a:p>
-            <a:pPr algn="ctr"/>
-            <a:r>
-              <a:rPr lang="ru-RU" sz="4000" dirty="0" smtClean="0">
-                <a:latin typeface="Arial" panose="020B0604020202020204" pitchFamily="34" charset="0"/>
-                <a:cs typeface="Arial" panose="020B0604020202020204" pitchFamily="34" charset="0"/>
-              </a:rPr>
-              <a:t>Средства реализации</a:t>
-            </a:r>
-            <a:endParaRPr lang="ru-RU" sz="4000" dirty="0">
-              <a:latin typeface="Arial" panose="020B0604020202020204" pitchFamily="34" charset="0"/>
-              <a:cs typeface="Arial" panose="020B0604020202020204" pitchFamily="34" charset="0"/>
-            </a:endParaRPr>
-          </a:p>
-        </p:txBody>
-      </p:sp>
-      <p:sp>
-        <p:nvSpPr>
-          <p:cNvPr id="3" name="Объект 2"/>
-          <p:cNvSpPr>
-            <a:spLocks noGrp="1"/>
-          </p:cNvSpPr>
-          <p:nvPr>
-            <p:ph idx="1"/>
-          </p:nvPr>
-        </p:nvSpPr>
-        <p:spPr>
-          <a:xfrm>
-            <a:off x="671511" y="1325563"/>
-            <a:ext cx="10848975" cy="4629150"/>
-          </a:xfrm>
-        </p:spPr>
-        <p:txBody>
-          <a:bodyPr>
-            <a:noAutofit/>
-          </a:bodyPr>
-          <a:lstStyle/>
-          <a:p>
-            <a:pPr marL="628650" indent="263525">
-              <a:lnSpc>
-                <a:spcPct val="150000"/>
-              </a:lnSpc>
-              <a:spcBef>
-                <a:spcPts val="0"/>
-              </a:spcBef>
-            </a:pPr>
-            <a:r>
-              <a:rPr lang="ru-RU" dirty="0" smtClean="0">
-                <a:latin typeface="Arial" panose="020B0604020202020204" pitchFamily="34" charset="0"/>
-                <a:cs typeface="Arial" panose="020B0604020202020204" pitchFamily="34" charset="0"/>
-              </a:rPr>
-              <a:t>ОС </a:t>
-            </a:r>
-            <a:r>
-              <a:rPr lang="en-US" dirty="0">
-                <a:latin typeface="Arial" panose="020B0604020202020204" pitchFamily="34" charset="0"/>
-                <a:cs typeface="Arial" panose="020B0604020202020204" pitchFamily="34" charset="0"/>
-              </a:rPr>
-              <a:t>Windows 10 Pro;</a:t>
-            </a:r>
-          </a:p>
-          <a:p>
-            <a:pPr marL="628650" indent="263525">
-              <a:lnSpc>
-                <a:spcPct val="150000"/>
-              </a:lnSpc>
-              <a:spcBef>
-                <a:spcPts val="0"/>
-              </a:spcBef>
-            </a:pPr>
-            <a:r>
-              <a:rPr lang="ru-RU" dirty="0" smtClean="0">
-                <a:latin typeface="Arial" panose="020B0604020202020204" pitchFamily="34" charset="0"/>
-                <a:cs typeface="Arial" panose="020B0604020202020204" pitchFamily="34" charset="0"/>
-              </a:rPr>
-              <a:t>универсальная </a:t>
-            </a:r>
-            <a:r>
-              <a:rPr lang="ru-RU" dirty="0">
-                <a:latin typeface="Arial" panose="020B0604020202020204" pitchFamily="34" charset="0"/>
-                <a:cs typeface="Arial" panose="020B0604020202020204" pitchFamily="34" charset="0"/>
-              </a:rPr>
-              <a:t>платформа разработки .</a:t>
-            </a:r>
-            <a:r>
-              <a:rPr lang="en-US" dirty="0">
-                <a:latin typeface="Arial" panose="020B0604020202020204" pitchFamily="34" charset="0"/>
-                <a:cs typeface="Arial" panose="020B0604020202020204" pitchFamily="34" charset="0"/>
-              </a:rPr>
-              <a:t>Net Core SDK 2.2;</a:t>
-            </a:r>
-          </a:p>
-          <a:p>
-            <a:pPr marL="628650" indent="263525">
-              <a:lnSpc>
-                <a:spcPct val="150000"/>
-              </a:lnSpc>
-              <a:spcBef>
-                <a:spcPts val="0"/>
-              </a:spcBef>
-            </a:pPr>
-            <a:r>
-              <a:rPr lang="ru-RU" dirty="0" smtClean="0">
-                <a:latin typeface="Arial" panose="020B0604020202020204" pitchFamily="34" charset="0"/>
-                <a:cs typeface="Arial" panose="020B0604020202020204" pitchFamily="34" charset="0"/>
-              </a:rPr>
-              <a:t>пакет </a:t>
-            </a:r>
-            <a:r>
-              <a:rPr lang="ru-RU" dirty="0">
-                <a:latin typeface="Arial" panose="020B0604020202020204" pitchFamily="34" charset="0"/>
-                <a:cs typeface="Arial" panose="020B0604020202020204" pitchFamily="34" charset="0"/>
-              </a:rPr>
-              <a:t>разработки </a:t>
-            </a:r>
-            <a:r>
-              <a:rPr lang="en-US" dirty="0">
-                <a:latin typeface="Arial" panose="020B0604020202020204" pitchFamily="34" charset="0"/>
-                <a:cs typeface="Arial" panose="020B0604020202020204" pitchFamily="34" charset="0"/>
-              </a:rPr>
-              <a:t>Microsoft Quantum Development Kit 0.6;</a:t>
-            </a:r>
-          </a:p>
-          <a:p>
-            <a:pPr marL="628650" indent="263525">
-              <a:lnSpc>
-                <a:spcPct val="150000"/>
-              </a:lnSpc>
-              <a:spcBef>
-                <a:spcPts val="0"/>
-              </a:spcBef>
-            </a:pPr>
-            <a:r>
-              <a:rPr lang="ru-RU" dirty="0" smtClean="0">
-                <a:latin typeface="Arial" panose="020B0604020202020204" pitchFamily="34" charset="0"/>
-                <a:cs typeface="Arial" panose="020B0604020202020204" pitchFamily="34" charset="0"/>
-              </a:rPr>
-              <a:t>редактор </a:t>
-            </a:r>
-            <a:r>
-              <a:rPr lang="ru-RU" dirty="0">
-                <a:latin typeface="Arial" panose="020B0604020202020204" pitchFamily="34" charset="0"/>
-                <a:cs typeface="Arial" panose="020B0604020202020204" pitchFamily="34" charset="0"/>
-              </a:rPr>
-              <a:t>исходного кода </a:t>
-            </a:r>
-            <a:r>
-              <a:rPr lang="en-US" dirty="0">
-                <a:latin typeface="Arial" panose="020B0604020202020204" pitchFamily="34" charset="0"/>
-                <a:cs typeface="Arial" panose="020B0604020202020204" pitchFamily="34" charset="0"/>
-              </a:rPr>
-              <a:t>Visual Studio Code 1.33;</a:t>
-            </a:r>
-          </a:p>
-          <a:p>
-            <a:pPr marL="628650" indent="263525">
-              <a:lnSpc>
-                <a:spcPct val="150000"/>
-              </a:lnSpc>
-              <a:spcBef>
-                <a:spcPts val="0"/>
-              </a:spcBef>
-            </a:pPr>
-            <a:r>
-              <a:rPr lang="ru-RU" dirty="0" smtClean="0">
-                <a:latin typeface="Arial" panose="020B0604020202020204" pitchFamily="34" charset="0"/>
-                <a:cs typeface="Arial" panose="020B0604020202020204" pitchFamily="34" charset="0"/>
-              </a:rPr>
-              <a:t>язык </a:t>
-            </a:r>
-            <a:r>
-              <a:rPr lang="en-US" dirty="0">
-                <a:latin typeface="Arial" panose="020B0604020202020204" pitchFamily="34" charset="0"/>
-                <a:cs typeface="Arial" panose="020B0604020202020204" pitchFamily="34" charset="0"/>
-              </a:rPr>
-              <a:t>C# 7.0;</a:t>
-            </a:r>
-          </a:p>
-          <a:p>
-            <a:pPr marL="628650" indent="263525">
-              <a:lnSpc>
-                <a:spcPct val="150000"/>
-              </a:lnSpc>
-              <a:spcBef>
-                <a:spcPts val="0"/>
-              </a:spcBef>
-            </a:pPr>
-            <a:r>
-              <a:rPr lang="ru-RU" dirty="0" smtClean="0">
-                <a:latin typeface="Arial" panose="020B0604020202020204" pitchFamily="34" charset="0"/>
-                <a:cs typeface="Arial" panose="020B0604020202020204" pitchFamily="34" charset="0"/>
-              </a:rPr>
-              <a:t>язык </a:t>
-            </a:r>
-            <a:r>
-              <a:rPr lang="en-US" dirty="0">
-                <a:latin typeface="Arial" panose="020B0604020202020204" pitchFamily="34" charset="0"/>
-                <a:cs typeface="Arial" panose="020B0604020202020204" pitchFamily="34" charset="0"/>
-              </a:rPr>
-              <a:t>Q#.</a:t>
-            </a:r>
-          </a:p>
-          <a:p>
-            <a:pPr marL="628650" indent="263525">
-              <a:lnSpc>
-                <a:spcPct val="150000"/>
-              </a:lnSpc>
-              <a:spcBef>
-                <a:spcPts val="0"/>
-              </a:spcBef>
-            </a:pPr>
-            <a:endParaRPr lang="ru-RU" sz="2200" dirty="0">
-              <a:latin typeface="Arial" panose="020B0604020202020204" pitchFamily="34" charset="0"/>
-              <a:cs typeface="Arial" panose="020B0604020202020204" pitchFamily="34" charset="0"/>
-            </a:endParaRPr>
-          </a:p>
-          <a:p>
-            <a:pPr marL="0" indent="628650" algn="just">
-              <a:lnSpc>
-                <a:spcPct val="150000"/>
-              </a:lnSpc>
-              <a:spcBef>
-                <a:spcPts val="0"/>
-              </a:spcBef>
-              <a:buNone/>
-            </a:pPr>
-            <a:endParaRPr lang="ru-RU" sz="3200" dirty="0">
-              <a:latin typeface="Arial" panose="020B0604020202020204" pitchFamily="34" charset="0"/>
-              <a:cs typeface="Arial" panose="020B0604020202020204" pitchFamily="34" charset="0"/>
-            </a:endParaRPr>
-          </a:p>
-          <a:p>
-            <a:pPr marL="0" indent="628650" algn="just">
-              <a:lnSpc>
-                <a:spcPct val="150000"/>
-              </a:lnSpc>
-              <a:spcBef>
-                <a:spcPts val="0"/>
-              </a:spcBef>
-              <a:buNone/>
-            </a:pPr>
-            <a:r>
-              <a:rPr lang="ru-RU" sz="2000" dirty="0" smtClean="0">
-                <a:latin typeface="+mj-lt"/>
-              </a:rPr>
-              <a:t>			</a:t>
-            </a:r>
-          </a:p>
-          <a:p>
-            <a:pPr marL="0" indent="628650" algn="just">
-              <a:lnSpc>
-                <a:spcPct val="150000"/>
-              </a:lnSpc>
-              <a:spcBef>
-                <a:spcPts val="0"/>
-              </a:spcBef>
-              <a:buNone/>
-            </a:pPr>
-            <a:r>
-              <a:rPr lang="ru-RU" sz="2000" dirty="0">
-                <a:latin typeface="+mj-lt"/>
-              </a:rPr>
-              <a:t> </a:t>
-            </a:r>
-            <a:r>
-              <a:rPr lang="ru-RU" sz="2000" dirty="0" smtClean="0">
-                <a:latin typeface="+mj-lt"/>
-              </a:rPr>
-              <a:t>    									                        </a:t>
-            </a:r>
-            <a:endParaRPr lang="ru-RU" sz="2000" dirty="0">
-              <a:latin typeface="+mj-lt"/>
-              <a:cs typeface="Arial" panose="020B0604020202020204" pitchFamily="34" charset="0"/>
-            </a:endParaRPr>
-          </a:p>
-          <a:p>
-            <a:pPr marL="0" indent="628650" algn="just">
-              <a:lnSpc>
-                <a:spcPct val="150000"/>
-              </a:lnSpc>
-              <a:spcBef>
-                <a:spcPts val="0"/>
-              </a:spcBef>
-              <a:buNone/>
-            </a:pPr>
-            <a:endParaRPr lang="ru-RU" sz="3200" dirty="0">
-              <a:latin typeface="Arial" panose="020B0604020202020204" pitchFamily="34" charset="0"/>
-              <a:cs typeface="Arial" panose="020B0604020202020204" pitchFamily="34" charset="0"/>
-            </a:endParaRPr>
-          </a:p>
-          <a:p>
-            <a:pPr marL="0" indent="628650" algn="just">
-              <a:lnSpc>
-                <a:spcPct val="150000"/>
-              </a:lnSpc>
-              <a:spcBef>
-                <a:spcPts val="0"/>
-              </a:spcBef>
-              <a:buNone/>
-            </a:pPr>
-            <a:endParaRPr lang="ru-RU" sz="3200" dirty="0">
-              <a:latin typeface="Arial" panose="020B0604020202020204" pitchFamily="34" charset="0"/>
-              <a:cs typeface="Arial" panose="020B0604020202020204" pitchFamily="34" charset="0"/>
-            </a:endParaRPr>
-          </a:p>
-          <a:p>
-            <a:pPr marL="0" indent="628650" algn="just">
-              <a:lnSpc>
-                <a:spcPct val="150000"/>
-              </a:lnSpc>
-              <a:spcBef>
-                <a:spcPts val="0"/>
-              </a:spcBef>
-              <a:buNone/>
-            </a:pPr>
-            <a:r>
-              <a:rPr lang="ru-RU" sz="3200" dirty="0">
-                <a:latin typeface="Arial" panose="020B0604020202020204" pitchFamily="34" charset="0"/>
-                <a:cs typeface="Arial" panose="020B0604020202020204" pitchFamily="34" charset="0"/>
-              </a:rPr>
-              <a:t>											        </a:t>
-            </a:r>
-          </a:p>
-        </p:txBody>
-      </p:sp>
-      <p:sp>
-        <p:nvSpPr>
-          <p:cNvPr id="4" name="Номер слайда 3"/>
-          <p:cNvSpPr>
-            <a:spLocks noGrp="1"/>
-          </p:cNvSpPr>
-          <p:nvPr>
-            <p:ph type="sldNum" sz="quarter" idx="12"/>
-          </p:nvPr>
-        </p:nvSpPr>
-        <p:spPr/>
-        <p:txBody>
-          <a:bodyPr/>
-          <a:lstStyle/>
-          <a:p>
-            <a:fld id="{ADDC721D-FED4-4080-8955-62676588A2D9}" type="slidenum">
-              <a:rPr lang="ru-RU" smtClean="0"/>
-              <a:t>10</a:t>
-            </a:fld>
-            <a:endParaRPr lang="ru-RU"/>
-          </a:p>
-        </p:txBody>
-      </p:sp>
-    </p:spTree>
-    <p:extLst>
-      <p:ext uri="{BB962C8B-B14F-4D97-AF65-F5344CB8AC3E}">
-        <p14:creationId xmlns:p14="http://schemas.microsoft.com/office/powerpoint/2010/main" val="723238843"/>
-      </p:ext>
-    </p:extLst>
-  </p:cSld>
-  <p:clrMapOvr>
-    <a:masterClrMapping/>
-  </p:clrMapOvr>
-  <p:timing>
-    <p:tnLst>
-      <p:par>
-        <p:cTn id="1" dur="indefinite" restart="never" nodeType="tmRoot"/>
-      </p:par>
-    </p:tnLst>
-  </p:timing>
-</p:sld>
-</file>
-
-<file path=ppt/slides/slide11.xml><?xml version="1.0" encoding="utf-8"?>
-<p:sld xmlns:a="http://schemas.openxmlformats.org/drawingml/2006/main" xmlns:r="http://schemas.openxmlformats.org/officeDocument/2006/relationships" xmlns:p="http://schemas.openxmlformats.org/presentationml/2006/main">
-  <p:cSld>
-    <p:spTree>
-      <p:nvGrpSpPr>
-        <p:cNvPr id="1" name=""/>
-        <p:cNvGrpSpPr/>
-        <p:nvPr/>
-      </p:nvGrpSpPr>
-      <p:grpSpPr>
-        <a:xfrm>
-          <a:off x="0" y="0"/>
-          <a:ext cx="0" cy="0"/>
-          <a:chOff x="0" y="0"/>
-          <a:chExt cx="0" cy="0"/>
-        </a:xfrm>
-      </p:grpSpPr>
-      <p:sp>
-        <p:nvSpPr>
-          <p:cNvPr id="2" name="Заголовок 1"/>
-          <p:cNvSpPr>
-            <a:spLocks noGrp="1"/>
-          </p:cNvSpPr>
-          <p:nvPr>
-            <p:ph type="title"/>
-          </p:nvPr>
-        </p:nvSpPr>
-        <p:spPr>
-          <a:xfrm>
-            <a:off x="838200" y="452968"/>
-            <a:ext cx="10515600" cy="907192"/>
-          </a:xfrm>
-        </p:spPr>
-        <p:txBody>
-          <a:bodyPr>
-            <a:noAutofit/>
-          </a:bodyPr>
-          <a:lstStyle/>
-          <a:p>
-            <a:pPr algn="ctr"/>
-            <a:r>
-              <a:rPr lang="ru-RU" sz="4000" dirty="0">
-                <a:latin typeface="Arial" panose="020B0604020202020204" pitchFamily="34" charset="0"/>
-                <a:cs typeface="Arial" panose="020B0604020202020204" pitchFamily="34" charset="0"/>
-              </a:rPr>
-              <a:t>Требования к </a:t>
-            </a:r>
-            <a:r>
-              <a:rPr lang="ru-RU" sz="4000" dirty="0" smtClean="0">
-                <a:latin typeface="Arial" panose="020B0604020202020204" pitchFamily="34" charset="0"/>
-                <a:cs typeface="Arial" panose="020B0604020202020204" pitchFamily="34" charset="0"/>
-              </a:rPr>
-              <a:t>программному </a:t>
-            </a:r>
-            <a:r>
-              <a:rPr lang="ru-RU" sz="4000" dirty="0" smtClean="0">
-                <a:latin typeface="Arial" panose="020B0604020202020204" pitchFamily="34" charset="0"/>
-                <a:cs typeface="Arial" panose="020B0604020202020204" pitchFamily="34" charset="0"/>
-              </a:rPr>
-              <a:t/>
-            </a:r>
-            <a:br>
-              <a:rPr lang="ru-RU" sz="4000" dirty="0" smtClean="0">
-                <a:latin typeface="Arial" panose="020B0604020202020204" pitchFamily="34" charset="0"/>
-                <a:cs typeface="Arial" panose="020B0604020202020204" pitchFamily="34" charset="0"/>
-              </a:rPr>
-            </a:br>
-            <a:r>
-              <a:rPr lang="ru-RU" sz="4000" dirty="0" smtClean="0">
-                <a:latin typeface="Arial" panose="020B0604020202020204" pitchFamily="34" charset="0"/>
-                <a:cs typeface="Arial" panose="020B0604020202020204" pitchFamily="34" charset="0"/>
-              </a:rPr>
-              <a:t>и </a:t>
-            </a:r>
-            <a:r>
-              <a:rPr lang="ru-RU" sz="4000" dirty="0">
-                <a:latin typeface="Arial" panose="020B0604020202020204" pitchFamily="34" charset="0"/>
-                <a:cs typeface="Arial" panose="020B0604020202020204" pitchFamily="34" charset="0"/>
-              </a:rPr>
-              <a:t>аппаратному обеспечению</a:t>
-            </a:r>
-          </a:p>
-        </p:txBody>
-      </p:sp>
-      <p:sp>
-        <p:nvSpPr>
-          <p:cNvPr id="7" name="TextBox 6"/>
-          <p:cNvSpPr txBox="1"/>
-          <p:nvPr/>
-        </p:nvSpPr>
-        <p:spPr>
-          <a:xfrm>
-            <a:off x="778933" y="1717930"/>
-            <a:ext cx="11243528" cy="4431983"/>
-          </a:xfrm>
-          <a:prstGeom prst="rect">
-            <a:avLst/>
-          </a:prstGeom>
-          <a:noFill/>
-        </p:spPr>
-        <p:txBody>
-          <a:bodyPr wrap="square" rtlCol="0">
-            <a:spAutoFit/>
-          </a:bodyPr>
-          <a:lstStyle/>
-          <a:p>
-            <a:pPr indent="628650" algn="just">
-              <a:lnSpc>
-                <a:spcPct val="150000"/>
-              </a:lnSpc>
-            </a:pPr>
-            <a:r>
-              <a:rPr lang="ru-RU" sz="2600" b="1" dirty="0" smtClean="0">
-                <a:latin typeface="Arial" panose="020B0604020202020204" pitchFamily="34" charset="0"/>
-                <a:cs typeface="Arial" panose="020B0604020202020204" pitchFamily="34" charset="0"/>
-              </a:rPr>
-              <a:t>Необходимое программное обеспечение:</a:t>
-            </a:r>
-            <a:r>
-              <a:rPr lang="ru-RU" sz="2400" b="1" dirty="0" smtClean="0">
-                <a:latin typeface="Arial" panose="020B0604020202020204" pitchFamily="34" charset="0"/>
-                <a:cs typeface="Arial" panose="020B0604020202020204" pitchFamily="34" charset="0"/>
-              </a:rPr>
-              <a:t> </a:t>
-            </a:r>
-            <a:endParaRPr lang="ru-RU" sz="2400" b="1" dirty="0">
-              <a:latin typeface="Arial" panose="020B0604020202020204" pitchFamily="34" charset="0"/>
-              <a:cs typeface="Arial" panose="020B0604020202020204" pitchFamily="34" charset="0"/>
-            </a:endParaRPr>
-          </a:p>
-          <a:p>
-            <a:pPr marL="900113" indent="-271463" defTabSz="900113">
-              <a:lnSpc>
-                <a:spcPct val="150000"/>
-              </a:lnSpc>
-              <a:spcBef>
-                <a:spcPts val="0"/>
-              </a:spcBef>
-              <a:buFont typeface="Arial" panose="020B0604020202020204" pitchFamily="34" charset="0"/>
-              <a:buChar char="•"/>
-              <a:tabLst>
-                <a:tab pos="357188" algn="l"/>
-                <a:tab pos="900113" algn="l"/>
-              </a:tabLst>
-            </a:pPr>
-            <a:r>
-              <a:rPr lang="en-US" sz="2400" dirty="0" smtClean="0">
-                <a:latin typeface="Arial" panose="020B0604020202020204" pitchFamily="34" charset="0"/>
-                <a:cs typeface="Arial" panose="020B0604020202020204" pitchFamily="34" charset="0"/>
-              </a:rPr>
-              <a:t>Windows 7+ / Linux / </a:t>
-            </a:r>
-            <a:r>
-              <a:rPr lang="en-US" sz="2400" dirty="0" err="1" smtClean="0">
-                <a:latin typeface="Arial" panose="020B0604020202020204" pitchFamily="34" charset="0"/>
-                <a:cs typeface="Arial" panose="020B0604020202020204" pitchFamily="34" charset="0"/>
-              </a:rPr>
-              <a:t>macOS</a:t>
-            </a:r>
-            <a:r>
-              <a:rPr lang="en-US" sz="2400" dirty="0" smtClean="0">
-                <a:latin typeface="Arial" panose="020B0604020202020204" pitchFamily="34" charset="0"/>
-                <a:cs typeface="Arial" panose="020B0604020202020204" pitchFamily="34" charset="0"/>
-              </a:rPr>
-              <a:t>;</a:t>
-            </a:r>
-            <a:endParaRPr lang="ru-RU" sz="2400" dirty="0" smtClean="0">
-              <a:latin typeface="Arial" panose="020B0604020202020204" pitchFamily="34" charset="0"/>
-              <a:cs typeface="Arial" panose="020B0604020202020204" pitchFamily="34" charset="0"/>
-            </a:endParaRPr>
-          </a:p>
-          <a:p>
-            <a:pPr marL="900113" indent="-271463" defTabSz="900113">
-              <a:lnSpc>
-                <a:spcPct val="150000"/>
-              </a:lnSpc>
-              <a:spcBef>
-                <a:spcPts val="0"/>
-              </a:spcBef>
-              <a:buFont typeface="Arial" panose="020B0604020202020204" pitchFamily="34" charset="0"/>
-              <a:buChar char="•"/>
-              <a:tabLst>
-                <a:tab pos="357188" algn="l"/>
-                <a:tab pos="900113" algn="l"/>
-              </a:tabLst>
-            </a:pPr>
-            <a:r>
-              <a:rPr lang="en-US" sz="2400" dirty="0" err="1" smtClean="0">
-                <a:latin typeface="Arial" panose="020B0604020202020204" pitchFamily="34" charset="0"/>
-                <a:cs typeface="Arial" panose="020B0604020202020204" pitchFamily="34" charset="0"/>
-              </a:rPr>
-              <a:t>.Net</a:t>
-            </a:r>
-            <a:r>
-              <a:rPr lang="en-US" sz="2400" dirty="0" smtClean="0">
-                <a:latin typeface="Arial" panose="020B0604020202020204" pitchFamily="34" charset="0"/>
-                <a:cs typeface="Arial" panose="020B0604020202020204" pitchFamily="34" charset="0"/>
-              </a:rPr>
-              <a:t> Core SDK 2.1+</a:t>
-            </a:r>
-            <a:r>
-              <a:rPr lang="en-US" sz="2400" dirty="0">
-                <a:latin typeface="Arial" panose="020B0604020202020204" pitchFamily="34" charset="0"/>
-                <a:cs typeface="Arial" panose="020B0604020202020204" pitchFamily="34" charset="0"/>
-              </a:rPr>
-              <a:t>.</a:t>
-            </a:r>
-            <a:endParaRPr lang="ru-RU" sz="2400" dirty="0" smtClean="0">
-              <a:latin typeface="Arial" panose="020B0604020202020204" pitchFamily="34" charset="0"/>
-              <a:cs typeface="Arial" panose="020B0604020202020204" pitchFamily="34" charset="0"/>
-            </a:endParaRPr>
-          </a:p>
-          <a:p>
-            <a:pPr marL="628650" defTabSz="900113">
-              <a:lnSpc>
-                <a:spcPct val="150000"/>
-              </a:lnSpc>
-              <a:spcBef>
-                <a:spcPts val="0"/>
-              </a:spcBef>
-              <a:tabLst>
-                <a:tab pos="357188" algn="l"/>
-                <a:tab pos="900113" algn="l"/>
-              </a:tabLst>
-            </a:pPr>
-            <a:r>
-              <a:rPr lang="en-US" sz="2400" b="1" dirty="0" smtClean="0">
-                <a:latin typeface="Arial" panose="020B0604020202020204" pitchFamily="34" charset="0"/>
-                <a:cs typeface="Arial" panose="020B0604020202020204" pitchFamily="34" charset="0"/>
-              </a:rPr>
-              <a:t>IDE </a:t>
-            </a:r>
-            <a:r>
-              <a:rPr lang="ru-RU" sz="2400" b="1" dirty="0" smtClean="0">
-                <a:latin typeface="Arial" panose="020B0604020202020204" pitchFamily="34" charset="0"/>
-                <a:cs typeface="Arial" panose="020B0604020202020204" pitchFamily="34" charset="0"/>
-              </a:rPr>
-              <a:t>для упрощения работы с приложением:</a:t>
-            </a:r>
-          </a:p>
-          <a:p>
-            <a:pPr marL="628650" defTabSz="900113">
-              <a:lnSpc>
-                <a:spcPct val="150000"/>
-              </a:lnSpc>
-              <a:spcBef>
-                <a:spcPts val="0"/>
-              </a:spcBef>
-              <a:tabLst>
-                <a:tab pos="357188" algn="l"/>
-                <a:tab pos="900113" algn="l"/>
-              </a:tabLst>
-            </a:pPr>
-            <a:r>
-              <a:rPr lang="en-US" sz="2400" dirty="0" smtClean="0">
-                <a:latin typeface="Arial" panose="020B0604020202020204" pitchFamily="34" charset="0"/>
-                <a:cs typeface="Arial" panose="020B0604020202020204" pitchFamily="34" charset="0"/>
-              </a:rPr>
-              <a:t>Visual Studio 2017 / Visual Studio for Mac / Visual Studio Code.</a:t>
-            </a:r>
-            <a:endParaRPr lang="ru-RU" sz="2400" dirty="0" smtClean="0">
-              <a:latin typeface="Arial" panose="020B0604020202020204" pitchFamily="34" charset="0"/>
-              <a:cs typeface="Arial" panose="020B0604020202020204" pitchFamily="34" charset="0"/>
-            </a:endParaRPr>
-          </a:p>
-          <a:p>
-            <a:pPr indent="628650">
-              <a:lnSpc>
-                <a:spcPct val="150000"/>
-              </a:lnSpc>
-            </a:pPr>
-            <a:r>
-              <a:rPr lang="ru-RU" sz="2400" b="1" dirty="0" smtClean="0">
-                <a:latin typeface="Arial" panose="020B0604020202020204" pitchFamily="34" charset="0"/>
-                <a:cs typeface="Arial" panose="020B0604020202020204" pitchFamily="34" charset="0"/>
-              </a:rPr>
-              <a:t>Минимальные </a:t>
-            </a:r>
-            <a:r>
-              <a:rPr lang="ru-RU" sz="2400" b="1" dirty="0">
-                <a:latin typeface="Arial" panose="020B0604020202020204" pitchFamily="34" charset="0"/>
-                <a:cs typeface="Arial" panose="020B0604020202020204" pitchFamily="34" charset="0"/>
-              </a:rPr>
-              <a:t>системные требования</a:t>
-            </a:r>
-            <a:r>
-              <a:rPr lang="ru-RU" sz="2400" dirty="0" smtClean="0">
-                <a:latin typeface="Arial" panose="020B0604020202020204" pitchFamily="34" charset="0"/>
-                <a:cs typeface="Arial" panose="020B0604020202020204" pitchFamily="34" charset="0"/>
-              </a:rPr>
-              <a:t>:</a:t>
-            </a:r>
-          </a:p>
-          <a:p>
-            <a:pPr indent="628650">
-              <a:lnSpc>
-                <a:spcPct val="150000"/>
-              </a:lnSpc>
-            </a:pPr>
-            <a:r>
-              <a:rPr lang="ru-RU" sz="2400" dirty="0" smtClean="0">
-                <a:latin typeface="Arial" panose="020B0604020202020204" pitchFamily="34" charset="0"/>
-                <a:cs typeface="Arial" panose="020B0604020202020204" pitchFamily="34" charset="0"/>
-              </a:rPr>
-              <a:t>ОЗУ </a:t>
-            </a:r>
-            <a:r>
-              <a:rPr lang="ru-RU" sz="2400" dirty="0">
-                <a:latin typeface="Arial" panose="020B0604020202020204" pitchFamily="34" charset="0"/>
-                <a:cs typeface="Arial" panose="020B0604020202020204" pitchFamily="34" charset="0"/>
-              </a:rPr>
-              <a:t>объемом </a:t>
-            </a:r>
-            <a:r>
-              <a:rPr lang="ru-RU" sz="2400" dirty="0" smtClean="0">
-                <a:latin typeface="Arial" panose="020B0604020202020204" pitchFamily="34" charset="0"/>
-                <a:cs typeface="Arial" panose="020B0604020202020204" pitchFamily="34" charset="0"/>
-              </a:rPr>
-              <a:t>4</a:t>
-            </a:r>
-            <a:r>
-              <a:rPr lang="en-US" sz="2400" dirty="0" smtClean="0">
-                <a:latin typeface="Arial" panose="020B0604020202020204" pitchFamily="34" charset="0"/>
-                <a:cs typeface="Arial" panose="020B0604020202020204" pitchFamily="34" charset="0"/>
-              </a:rPr>
-              <a:t> </a:t>
-            </a:r>
-            <a:r>
-              <a:rPr lang="ru-RU" sz="2400" dirty="0" smtClean="0">
-                <a:latin typeface="Arial" panose="020B0604020202020204" pitchFamily="34" charset="0"/>
-                <a:cs typeface="Arial" panose="020B0604020202020204" pitchFamily="34" charset="0"/>
-              </a:rPr>
-              <a:t>Гб;</a:t>
-            </a:r>
-            <a:endParaRPr lang="ru-RU" sz="2400" dirty="0">
-              <a:latin typeface="Arial" panose="020B0604020202020204" pitchFamily="34" charset="0"/>
-              <a:cs typeface="Arial" panose="020B0604020202020204" pitchFamily="34" charset="0"/>
-            </a:endParaRPr>
-          </a:p>
-          <a:p>
-            <a:pPr marL="900113" indent="-271463">
-              <a:lnSpc>
-                <a:spcPct val="150000"/>
-              </a:lnSpc>
-            </a:pPr>
-            <a:endParaRPr lang="ru-RU" dirty="0"/>
-          </a:p>
-        </p:txBody>
-      </p:sp>
-      <p:sp>
-        <p:nvSpPr>
-          <p:cNvPr id="3" name="Номер слайда 2"/>
-          <p:cNvSpPr>
-            <a:spLocks noGrp="1"/>
-          </p:cNvSpPr>
-          <p:nvPr>
-            <p:ph type="sldNum" sz="quarter" idx="12"/>
-          </p:nvPr>
-        </p:nvSpPr>
-        <p:spPr/>
-        <p:txBody>
-          <a:bodyPr/>
-          <a:lstStyle/>
-          <a:p>
-            <a:fld id="{ADDC721D-FED4-4080-8955-62676588A2D9}" type="slidenum">
-              <a:rPr lang="ru-RU" smtClean="0"/>
-              <a:t>11</a:t>
-            </a:fld>
-            <a:endParaRPr lang="ru-RU"/>
-          </a:p>
-        </p:txBody>
-      </p:sp>
-    </p:spTree>
-    <p:extLst>
-      <p:ext uri="{BB962C8B-B14F-4D97-AF65-F5344CB8AC3E}">
-        <p14:creationId xmlns:p14="http://schemas.microsoft.com/office/powerpoint/2010/main" val="2868743933"/>
-      </p:ext>
-    </p:extLst>
-  </p:cSld>
-  <p:clrMapOvr>
-    <a:masterClrMapping/>
-  </p:clrMapOvr>
-  <p:timing>
-    <p:tnLst>
-      <p:par>
-        <p:cTn id="1" dur="indefinite" restart="never" nodeType="tmRoot"/>
-      </p:par>
-    </p:tnLst>
-  </p:timing>
-</p:sld>
-</file>
-
-<file path=ppt/slides/slide12.xml><?xml version="1.0" encoding="utf-8"?>
-<p:sld xmlns:a="http://schemas.openxmlformats.org/drawingml/2006/main" xmlns:r="http://schemas.openxmlformats.org/officeDocument/2006/relationships" xmlns:p="http://schemas.openxmlformats.org/presentationml/2006/main">
-  <p:cSld>
-    <p:spTree>
-      <p:nvGrpSpPr>
-        <p:cNvPr id="1" name=""/>
-        <p:cNvGrpSpPr/>
-        <p:nvPr/>
-      </p:nvGrpSpPr>
-      <p:grpSpPr>
-        <a:xfrm>
-          <a:off x="0" y="0"/>
-          <a:ext cx="0" cy="0"/>
-          <a:chOff x="0" y="0"/>
-          <a:chExt cx="0" cy="0"/>
-        </a:xfrm>
-      </p:grpSpPr>
-      <p:sp>
-        <p:nvSpPr>
-          <p:cNvPr id="2" name="Заголовок 1"/>
-          <p:cNvSpPr>
-            <a:spLocks noGrp="1"/>
-          </p:cNvSpPr>
-          <p:nvPr>
-            <p:ph type="title"/>
-          </p:nvPr>
-        </p:nvSpPr>
-        <p:spPr/>
-        <p:txBody>
-          <a:bodyPr>
-            <a:normAutofit/>
-          </a:bodyPr>
-          <a:lstStyle/>
-          <a:p>
-            <a:pPr algn="ctr"/>
-            <a:r>
-              <a:rPr lang="ru-RU" sz="4000" dirty="0" smtClean="0">
-                <a:latin typeface="Arial" panose="020B0604020202020204" pitchFamily="34" charset="0"/>
-                <a:cs typeface="Arial" panose="020B0604020202020204" pitchFamily="34" charset="0"/>
-              </a:rPr>
-              <a:t>Проверка функции на сбалансированность</a:t>
-            </a:r>
-            <a:endParaRPr lang="ru-RU" sz="4000" dirty="0">
-              <a:latin typeface="Arial" panose="020B0604020202020204" pitchFamily="34" charset="0"/>
-              <a:cs typeface="Arial" panose="020B0604020202020204" pitchFamily="34" charset="0"/>
-            </a:endParaRPr>
-          </a:p>
-        </p:txBody>
-      </p:sp>
-      <p:sp>
-        <p:nvSpPr>
-          <p:cNvPr id="3" name="Объект 2"/>
-          <p:cNvSpPr>
-            <a:spLocks noGrp="1"/>
-          </p:cNvSpPr>
-          <p:nvPr>
-            <p:ph idx="1"/>
-          </p:nvPr>
-        </p:nvSpPr>
-        <p:spPr>
-          <a:xfrm>
-            <a:off x="838200" y="1433384"/>
-            <a:ext cx="10515600" cy="4743579"/>
-          </a:xfrm>
-        </p:spPr>
-        <p:txBody>
-          <a:bodyPr>
-            <a:normAutofit lnSpcReduction="10000"/>
-          </a:bodyPr>
-          <a:lstStyle/>
-          <a:p>
-            <a:pPr marL="0" indent="0">
-              <a:buNone/>
-            </a:pPr>
-            <a:r>
-              <a:rPr lang="ru-RU" dirty="0" smtClean="0">
-                <a:latin typeface="Arial" panose="020B0604020202020204" pitchFamily="34" charset="0"/>
-                <a:cs typeface="Arial" panose="020B0604020202020204" pitchFamily="34" charset="0"/>
-              </a:rPr>
-              <a:t>Пусть </a:t>
-            </a:r>
-            <a:r>
-              <a:rPr lang="en-US" i="1" dirty="0">
-                <a:latin typeface="Arial" panose="020B0604020202020204" pitchFamily="34" charset="0"/>
-                <a:cs typeface="Arial" panose="020B0604020202020204" pitchFamily="34" charset="0"/>
-              </a:rPr>
-              <a:t>f</a:t>
-            </a:r>
-            <a:r>
-              <a:rPr lang="ru-RU" i="1" dirty="0">
-                <a:latin typeface="Arial" panose="020B0604020202020204" pitchFamily="34" charset="0"/>
-                <a:cs typeface="Arial" panose="020B0604020202020204" pitchFamily="34" charset="0"/>
-              </a:rPr>
-              <a:t>: {0, 1} =&gt; {0, 1} </a:t>
-            </a:r>
-            <a:r>
-              <a:rPr lang="ru-RU" dirty="0">
-                <a:latin typeface="Arial" panose="020B0604020202020204" pitchFamily="34" charset="0"/>
-                <a:cs typeface="Arial" panose="020B0604020202020204" pitchFamily="34" charset="0"/>
-              </a:rPr>
-              <a:t>бинарная функция</a:t>
-            </a:r>
-            <a:r>
-              <a:rPr lang="ru-RU" dirty="0" smtClean="0">
-                <a:latin typeface="Arial" panose="020B0604020202020204" pitchFamily="34" charset="0"/>
-                <a:cs typeface="Arial" panose="020B0604020202020204" pitchFamily="34" charset="0"/>
-              </a:rPr>
-              <a:t>.</a:t>
-            </a:r>
-          </a:p>
-          <a:p>
-            <a:pPr marL="0" indent="0">
-              <a:buNone/>
-            </a:pPr>
-            <a:r>
-              <a:rPr lang="ru-RU" dirty="0" smtClean="0">
-                <a:latin typeface="Arial" panose="020B0604020202020204" pitchFamily="34" charset="0"/>
-                <a:cs typeface="Arial" panose="020B0604020202020204" pitchFamily="34" charset="0"/>
-              </a:rPr>
-              <a:t>Заметим</a:t>
-            </a:r>
-            <a:r>
-              <a:rPr lang="ru-RU" dirty="0">
-                <a:latin typeface="Arial" panose="020B0604020202020204" pitchFamily="34" charset="0"/>
-                <a:cs typeface="Arial" panose="020B0604020202020204" pitchFamily="34" charset="0"/>
-              </a:rPr>
-              <a:t>, что возможно только четыре значения для </a:t>
-            </a:r>
-            <a:r>
-              <a:rPr lang="en-US" i="1" dirty="0" smtClean="0">
-                <a:latin typeface="Arial" panose="020B0604020202020204" pitchFamily="34" charset="0"/>
-                <a:cs typeface="Arial" panose="020B0604020202020204" pitchFamily="34" charset="0"/>
-              </a:rPr>
-              <a:t>f</a:t>
-            </a:r>
-            <a:r>
-              <a:rPr lang="ru-RU" dirty="0">
-                <a:latin typeface="Arial" panose="020B0604020202020204" pitchFamily="34" charset="0"/>
-                <a:cs typeface="Arial" panose="020B0604020202020204" pitchFamily="34" charset="0"/>
-              </a:rPr>
-              <a:t>:</a:t>
-            </a:r>
-          </a:p>
-          <a:p>
-            <a:pPr marL="0" indent="0" algn="ctr">
-              <a:buNone/>
-            </a:pPr>
-            <a:r>
-              <a:rPr lang="ru-RU" i="1" dirty="0">
-                <a:latin typeface="Arial" panose="020B0604020202020204" pitchFamily="34" charset="0"/>
-                <a:cs typeface="Arial" panose="020B0604020202020204" pitchFamily="34" charset="0"/>
-              </a:rPr>
-              <a:t>f</a:t>
-            </a:r>
-            <a:r>
-              <a:rPr lang="ru-RU" i="1" baseline="-25000" dirty="0">
-                <a:latin typeface="Arial" panose="020B0604020202020204" pitchFamily="34" charset="0"/>
-                <a:cs typeface="Arial" panose="020B0604020202020204" pitchFamily="34" charset="0"/>
-              </a:rPr>
-              <a:t>1</a:t>
-            </a:r>
-            <a:r>
-              <a:rPr lang="ru-RU" i="1" dirty="0">
-                <a:latin typeface="Arial" panose="020B0604020202020204" pitchFamily="34" charset="0"/>
-                <a:cs typeface="Arial" panose="020B0604020202020204" pitchFamily="34" charset="0"/>
-              </a:rPr>
-              <a:t>:0→0, 1→0</a:t>
-            </a:r>
-            <a:r>
-              <a:rPr lang="ru-RU" i="1" dirty="0" smtClean="0">
-                <a:latin typeface="Arial" panose="020B0604020202020204" pitchFamily="34" charset="0"/>
-                <a:cs typeface="Arial" panose="020B0604020202020204" pitchFamily="34" charset="0"/>
-              </a:rPr>
-              <a:t>,</a:t>
-            </a:r>
-          </a:p>
-          <a:p>
-            <a:pPr marL="0" indent="0" algn="ctr">
-              <a:buNone/>
-            </a:pPr>
-            <a:r>
-              <a:rPr lang="ru-RU" i="1" dirty="0" smtClean="0">
-                <a:latin typeface="Arial" panose="020B0604020202020204" pitchFamily="34" charset="0"/>
-                <a:cs typeface="Arial" panose="020B0604020202020204" pitchFamily="34" charset="0"/>
-              </a:rPr>
-              <a:t>f</a:t>
-            </a:r>
-            <a:r>
-              <a:rPr lang="ru-RU" i="1" baseline="-25000" dirty="0" smtClean="0">
-                <a:latin typeface="Arial" panose="020B0604020202020204" pitchFamily="34" charset="0"/>
-                <a:cs typeface="Arial" panose="020B0604020202020204" pitchFamily="34" charset="0"/>
-              </a:rPr>
-              <a:t>2</a:t>
-            </a:r>
-            <a:r>
-              <a:rPr lang="ru-RU" i="1" dirty="0" smtClean="0">
-                <a:latin typeface="Arial" panose="020B0604020202020204" pitchFamily="34" charset="0"/>
-                <a:cs typeface="Arial" panose="020B0604020202020204" pitchFamily="34" charset="0"/>
-              </a:rPr>
-              <a:t>:0</a:t>
-            </a:r>
-            <a:r>
-              <a:rPr lang="ru-RU" i="1" dirty="0">
-                <a:latin typeface="Arial" panose="020B0604020202020204" pitchFamily="34" charset="0"/>
-                <a:cs typeface="Arial" panose="020B0604020202020204" pitchFamily="34" charset="0"/>
-              </a:rPr>
-              <a:t>→1, 1→1,</a:t>
-            </a:r>
-          </a:p>
-          <a:p>
-            <a:pPr marL="0" indent="0" algn="ctr">
-              <a:buNone/>
-            </a:pPr>
-            <a:r>
-              <a:rPr lang="ru-RU" i="1" dirty="0">
-                <a:latin typeface="Arial" panose="020B0604020202020204" pitchFamily="34" charset="0"/>
-                <a:cs typeface="Arial" panose="020B0604020202020204" pitchFamily="34" charset="0"/>
-              </a:rPr>
-              <a:t>f</a:t>
-            </a:r>
-            <a:r>
-              <a:rPr lang="ru-RU" i="1" baseline="-25000" dirty="0">
-                <a:latin typeface="Arial" panose="020B0604020202020204" pitchFamily="34" charset="0"/>
-                <a:cs typeface="Arial" panose="020B0604020202020204" pitchFamily="34" charset="0"/>
-              </a:rPr>
-              <a:t>3</a:t>
-            </a:r>
-            <a:r>
-              <a:rPr lang="ru-RU" i="1" dirty="0">
-                <a:latin typeface="Arial" panose="020B0604020202020204" pitchFamily="34" charset="0"/>
-                <a:cs typeface="Arial" panose="020B0604020202020204" pitchFamily="34" charset="0"/>
-              </a:rPr>
-              <a:t>:0→0, 1→1</a:t>
-            </a:r>
-            <a:r>
-              <a:rPr lang="ru-RU" i="1" dirty="0" smtClean="0">
-                <a:latin typeface="Arial" panose="020B0604020202020204" pitchFamily="34" charset="0"/>
-                <a:cs typeface="Arial" panose="020B0604020202020204" pitchFamily="34" charset="0"/>
-              </a:rPr>
-              <a:t>,</a:t>
-            </a:r>
-          </a:p>
-          <a:p>
-            <a:pPr marL="0" indent="0" algn="ctr">
-              <a:buNone/>
-            </a:pPr>
-            <a:r>
-              <a:rPr lang="ru-RU" i="1" dirty="0" smtClean="0">
-                <a:latin typeface="Arial" panose="020B0604020202020204" pitchFamily="34" charset="0"/>
-                <a:cs typeface="Arial" panose="020B0604020202020204" pitchFamily="34" charset="0"/>
-              </a:rPr>
-              <a:t>f</a:t>
-            </a:r>
-            <a:r>
-              <a:rPr lang="ru-RU" i="1" baseline="-25000" dirty="0" smtClean="0">
-                <a:latin typeface="Arial" panose="020B0604020202020204" pitchFamily="34" charset="0"/>
-                <a:cs typeface="Arial" panose="020B0604020202020204" pitchFamily="34" charset="0"/>
-              </a:rPr>
-              <a:t>4</a:t>
-            </a:r>
-            <a:r>
-              <a:rPr lang="ru-RU" i="1" dirty="0" smtClean="0">
-                <a:latin typeface="Arial" panose="020B0604020202020204" pitchFamily="34" charset="0"/>
-                <a:cs typeface="Arial" panose="020B0604020202020204" pitchFamily="34" charset="0"/>
-              </a:rPr>
-              <a:t>:0</a:t>
-            </a:r>
-            <a:r>
-              <a:rPr lang="ru-RU" i="1" dirty="0">
-                <a:latin typeface="Arial" panose="020B0604020202020204" pitchFamily="34" charset="0"/>
-                <a:cs typeface="Arial" panose="020B0604020202020204" pitchFamily="34" charset="0"/>
-              </a:rPr>
-              <a:t>→1, 1→0</a:t>
-            </a:r>
-            <a:r>
-              <a:rPr lang="ru-RU" i="1" dirty="0" smtClean="0">
-                <a:latin typeface="Arial" panose="020B0604020202020204" pitchFamily="34" charset="0"/>
-                <a:cs typeface="Arial" panose="020B0604020202020204" pitchFamily="34" charset="0"/>
-              </a:rPr>
-              <a:t>.</a:t>
-            </a:r>
-          </a:p>
-          <a:p>
-            <a:pPr marL="0" indent="0">
-              <a:buNone/>
-            </a:pPr>
-            <a:r>
-              <a:rPr lang="ru-RU" dirty="0" smtClean="0"/>
-              <a:t>Их </a:t>
-            </a:r>
-            <a:r>
-              <a:rPr lang="ru-RU" dirty="0"/>
-              <a:t>можно разделить на две категории: константные и сбалансированные</a:t>
-            </a:r>
-            <a:r>
-              <a:rPr lang="ru-RU" dirty="0" smtClean="0"/>
-              <a:t>.</a:t>
-            </a:r>
-            <a:r>
-              <a:rPr lang="ru-RU" dirty="0"/>
-              <a:t> </a:t>
-            </a:r>
-            <a:endParaRPr lang="ru-RU" dirty="0" smtClean="0"/>
-          </a:p>
-          <a:p>
-            <a:pPr marL="0" indent="0">
-              <a:buNone/>
-            </a:pPr>
-            <a:r>
-              <a:rPr lang="ru-RU" dirty="0" smtClean="0"/>
-              <a:t>Задача: определить </a:t>
-            </a:r>
-            <a:r>
-              <a:rPr lang="ru-RU" dirty="0"/>
-              <a:t>к какой из этих двух категорий относится функция в черном ящике.</a:t>
-            </a:r>
-            <a:endParaRPr lang="ru-RU" i="1" dirty="0" smtClean="0">
-              <a:latin typeface="Arial" panose="020B0604020202020204" pitchFamily="34" charset="0"/>
-              <a:cs typeface="Arial" panose="020B0604020202020204" pitchFamily="34" charset="0"/>
-            </a:endParaRPr>
-          </a:p>
-          <a:p>
-            <a:pPr marL="0" indent="0">
-              <a:buNone/>
-            </a:pPr>
-            <a:endParaRPr lang="ru-RU" dirty="0" smtClean="0"/>
-          </a:p>
-          <a:p>
-            <a:pPr marL="0" indent="0" algn="ctr">
-              <a:buNone/>
-            </a:pPr>
-            <a:endParaRPr lang="ru-RU" dirty="0"/>
-          </a:p>
-          <a:p>
-            <a:endParaRPr lang="ru-RU" dirty="0"/>
-          </a:p>
-        </p:txBody>
-      </p:sp>
-      <p:sp>
-        <p:nvSpPr>
-          <p:cNvPr id="4" name="Номер слайда 3"/>
-          <p:cNvSpPr>
-            <a:spLocks noGrp="1"/>
-          </p:cNvSpPr>
-          <p:nvPr>
-            <p:ph type="sldNum" sz="quarter" idx="12"/>
-          </p:nvPr>
-        </p:nvSpPr>
-        <p:spPr/>
-        <p:txBody>
-          <a:bodyPr/>
-          <a:lstStyle/>
-          <a:p>
-            <a:fld id="{ADDC721D-FED4-4080-8955-62676588A2D9}" type="slidenum">
-              <a:rPr lang="ru-RU" smtClean="0"/>
-              <a:t>12</a:t>
-            </a:fld>
-            <a:endParaRPr lang="ru-RU"/>
-          </a:p>
-        </p:txBody>
-      </p:sp>
-    </p:spTree>
-    <p:extLst>
-      <p:ext uri="{BB962C8B-B14F-4D97-AF65-F5344CB8AC3E}">
-        <p14:creationId xmlns:p14="http://schemas.microsoft.com/office/powerpoint/2010/main" val="1915048448"/>
-      </p:ext>
-    </p:extLst>
-  </p:cSld>
-  <p:clrMapOvr>
-    <a:masterClrMapping/>
-  </p:clrMapOvr>
-  <p:timing>
-    <p:tnLst>
-      <p:par>
-        <p:cTn id="1" dur="indefinite" restart="never" nodeType="tmRoot"/>
-      </p:par>
-    </p:tnLst>
-  </p:timing>
-</p:sld>
-</file>
-
-<file path=ppt/slides/slide13.xml><?xml version="1.0" encoding="utf-8"?>
-<p:sld xmlns:a="http://schemas.openxmlformats.org/drawingml/2006/main" xmlns:r="http://schemas.openxmlformats.org/officeDocument/2006/relationships" xmlns:p="http://schemas.openxmlformats.org/presentationml/2006/main">
-  <p:cSld>
-    <p:spTree>
-      <p:nvGrpSpPr>
-        <p:cNvPr id="1" name=""/>
-        <p:cNvGrpSpPr/>
-        <p:nvPr/>
-      </p:nvGrpSpPr>
-      <p:grpSpPr>
-        <a:xfrm>
-          <a:off x="0" y="0"/>
-          <a:ext cx="0" cy="0"/>
-          <a:chOff x="0" y="0"/>
-          <a:chExt cx="0" cy="0"/>
-        </a:xfrm>
-      </p:grpSpPr>
-      <p:pic>
-        <p:nvPicPr>
-          <p:cNvPr id="5" name="Объект 4"/>
-          <p:cNvPicPr>
-            <a:picLocks noGrp="1" noChangeAspect="1"/>
-          </p:cNvPicPr>
-          <p:nvPr>
-            <p:ph idx="1"/>
-          </p:nvPr>
-        </p:nvPicPr>
-        <p:blipFill>
-          <a:blip r:embed="rId2">
-            <a:extLst>
-              <a:ext uri="{28A0092B-C50C-407E-A947-70E740481C1C}">
-                <a14:useLocalDpi xmlns:a14="http://schemas.microsoft.com/office/drawing/2010/main" val="0"/>
-              </a:ext>
-            </a:extLst>
-          </a:blip>
-          <a:stretch>
-            <a:fillRect/>
-          </a:stretch>
-        </p:blipFill>
-        <p:spPr>
-          <a:xfrm>
-            <a:off x="3519274" y="1124353"/>
-            <a:ext cx="5366500" cy="5225647"/>
-          </a:xfrm>
-        </p:spPr>
-      </p:pic>
-      <p:sp>
-        <p:nvSpPr>
-          <p:cNvPr id="4" name="Номер слайда 3"/>
-          <p:cNvSpPr>
-            <a:spLocks noGrp="1"/>
-          </p:cNvSpPr>
-          <p:nvPr>
-            <p:ph type="sldNum" sz="quarter" idx="12"/>
-          </p:nvPr>
-        </p:nvSpPr>
-        <p:spPr/>
-        <p:txBody>
-          <a:bodyPr/>
-          <a:lstStyle/>
-          <a:p>
-            <a:fld id="{ADDC721D-FED4-4080-8955-62676588A2D9}" type="slidenum">
-              <a:rPr lang="ru-RU" smtClean="0"/>
-              <a:t>13</a:t>
-            </a:fld>
-            <a:endParaRPr lang="ru-RU"/>
-          </a:p>
-        </p:txBody>
-      </p:sp>
-      <p:sp>
-        <p:nvSpPr>
-          <p:cNvPr id="6" name="Прямоугольник 5"/>
-          <p:cNvSpPr/>
-          <p:nvPr/>
-        </p:nvSpPr>
-        <p:spPr>
-          <a:xfrm>
-            <a:off x="606971" y="416467"/>
-            <a:ext cx="11237895" cy="707886"/>
-          </a:xfrm>
-          <a:prstGeom prst="rect">
-            <a:avLst/>
-          </a:prstGeom>
-        </p:spPr>
-        <p:txBody>
-          <a:bodyPr wrap="square">
-            <a:spAutoFit/>
-          </a:bodyPr>
-          <a:lstStyle/>
-          <a:p>
-            <a:pPr algn="ctr"/>
-            <a:r>
-              <a:rPr lang="ru-RU" sz="4000" dirty="0">
-                <a:latin typeface="Arial" panose="020B0604020202020204" pitchFamily="34" charset="0"/>
-                <a:cs typeface="Arial" panose="020B0604020202020204" pitchFamily="34" charset="0"/>
-              </a:rPr>
-              <a:t>Алгоритм </a:t>
-            </a:r>
-            <a:r>
-              <a:rPr lang="ru-RU" sz="4000" dirty="0" err="1">
-                <a:latin typeface="Arial" panose="020B0604020202020204" pitchFamily="34" charset="0"/>
-                <a:cs typeface="Arial" panose="020B0604020202020204" pitchFamily="34" charset="0"/>
-              </a:rPr>
-              <a:t>Дейча-Джозы</a:t>
-            </a:r>
-            <a:endParaRPr lang="ru-RU" sz="4000" dirty="0"/>
-          </a:p>
-        </p:txBody>
-      </p:sp>
-    </p:spTree>
-    <p:extLst>
-      <p:ext uri="{BB962C8B-B14F-4D97-AF65-F5344CB8AC3E}">
-        <p14:creationId xmlns:p14="http://schemas.microsoft.com/office/powerpoint/2010/main" val="3477067644"/>
-      </p:ext>
-    </p:extLst>
-  </p:cSld>
-  <p:clrMapOvr>
-    <a:masterClrMapping/>
-  </p:clrMapOvr>
-  <p:timing>
-    <p:tnLst>
-      <p:par>
-        <p:cTn id="1" dur="indefinite" restart="never" nodeType="tmRoot"/>
-      </p:par>
-    </p:tnLst>
-  </p:timing>
-</p:sld>
-</file>
-
-<file path=ppt/slides/slide14.xml><?xml version="1.0" encoding="utf-8"?>
-<p:sld xmlns:a="http://schemas.openxmlformats.org/drawingml/2006/main" xmlns:r="http://schemas.openxmlformats.org/officeDocument/2006/relationships" xmlns:p="http://schemas.openxmlformats.org/presentationml/2006/main" show="0">
-  <p:cSld>
-    <p:spTree>
-      <p:nvGrpSpPr>
-        <p:cNvPr id="1" name=""/>
-        <p:cNvGrpSpPr/>
-        <p:nvPr/>
-      </p:nvGrpSpPr>
-      <p:grpSpPr>
-        <a:xfrm>
-          <a:off x="0" y="0"/>
-          <a:ext cx="0" cy="0"/>
-          <a:chOff x="0" y="0"/>
-          <a:chExt cx="0" cy="0"/>
-        </a:xfrm>
-      </p:grpSpPr>
-      <p:sp>
-        <p:nvSpPr>
-          <p:cNvPr id="2" name="Заголовок 1"/>
-          <p:cNvSpPr>
-            <a:spLocks noGrp="1"/>
-          </p:cNvSpPr>
-          <p:nvPr>
-            <p:ph type="title"/>
-          </p:nvPr>
-        </p:nvSpPr>
-        <p:spPr>
-          <a:xfrm>
-            <a:off x="838200" y="365125"/>
-            <a:ext cx="10515600" cy="936453"/>
-          </a:xfrm>
-        </p:spPr>
-        <p:txBody>
-          <a:bodyPr>
-            <a:normAutofit/>
-          </a:bodyPr>
-          <a:lstStyle/>
-          <a:p>
-            <a:pPr algn="ctr"/>
-            <a:r>
-              <a:rPr lang="ru-RU" sz="4000" dirty="0" smtClean="0">
-                <a:latin typeface="Arial" panose="020B0604020202020204" pitchFamily="34" charset="0"/>
-                <a:cs typeface="Arial" panose="020B0604020202020204" pitchFamily="34" charset="0"/>
-              </a:rPr>
-              <a:t>Алгоритм </a:t>
-            </a:r>
-            <a:r>
-              <a:rPr lang="ru-RU" sz="4000" dirty="0" err="1" smtClean="0">
-                <a:latin typeface="Arial" panose="020B0604020202020204" pitchFamily="34" charset="0"/>
-                <a:cs typeface="Arial" panose="020B0604020202020204" pitchFamily="34" charset="0"/>
-              </a:rPr>
-              <a:t>Дейча-Джозы</a:t>
-            </a:r>
-            <a:endParaRPr lang="ru-RU" sz="4000" dirty="0">
-              <a:latin typeface="Arial" panose="020B0604020202020204" pitchFamily="34" charset="0"/>
-              <a:cs typeface="Arial" panose="020B0604020202020204" pitchFamily="34" charset="0"/>
-            </a:endParaRPr>
-          </a:p>
-        </p:txBody>
-      </p:sp>
-      <p:pic>
-        <p:nvPicPr>
-          <p:cNvPr id="4" name="Объект 3"/>
-          <p:cNvPicPr>
-            <a:picLocks noGrp="1" noChangeAspect="1"/>
-          </p:cNvPicPr>
-          <p:nvPr>
-            <p:ph idx="1"/>
-          </p:nvPr>
-        </p:nvPicPr>
-        <p:blipFill>
-          <a:blip r:embed="rId2">
-            <a:extLst>
-              <a:ext uri="{28A0092B-C50C-407E-A947-70E740481C1C}">
-                <a14:useLocalDpi xmlns:a14="http://schemas.microsoft.com/office/drawing/2010/main" val="0"/>
-              </a:ext>
-            </a:extLst>
-          </a:blip>
-          <a:stretch>
-            <a:fillRect/>
-          </a:stretch>
-        </p:blipFill>
-        <p:spPr>
-          <a:xfrm>
-            <a:off x="3019646" y="1479012"/>
-            <a:ext cx="6049925" cy="5131746"/>
-          </a:xfrm>
-        </p:spPr>
-      </p:pic>
-      <p:sp>
-        <p:nvSpPr>
-          <p:cNvPr id="3" name="Номер слайда 2"/>
-          <p:cNvSpPr>
-            <a:spLocks noGrp="1"/>
-          </p:cNvSpPr>
-          <p:nvPr>
-            <p:ph type="sldNum" sz="quarter" idx="12"/>
-          </p:nvPr>
-        </p:nvSpPr>
-        <p:spPr/>
-        <p:txBody>
-          <a:bodyPr/>
-          <a:lstStyle/>
-          <a:p>
-            <a:fld id="{ADDC721D-FED4-4080-8955-62676588A2D9}" type="slidenum">
-              <a:rPr lang="ru-RU" smtClean="0"/>
-              <a:t>14</a:t>
-            </a:fld>
-            <a:endParaRPr lang="ru-RU"/>
-          </a:p>
-        </p:txBody>
-      </p:sp>
-    </p:spTree>
-    <p:extLst>
-      <p:ext uri="{BB962C8B-B14F-4D97-AF65-F5344CB8AC3E}">
-        <p14:creationId xmlns:p14="http://schemas.microsoft.com/office/powerpoint/2010/main" val="128769471"/>
-      </p:ext>
-    </p:extLst>
-  </p:cSld>
-  <p:clrMapOvr>
-    <a:masterClrMapping/>
-  </p:clrMapOvr>
-  <mc:AlternateContent xmlns:mc="http://schemas.openxmlformats.org/markup-compatibility/2006">
-    <mc:Choice xmlns:p14="http://schemas.microsoft.com/office/powerpoint/2010/main" Requires="p14">
-      <p:transition spd="slow" p14:dur="2000"/>
-    </mc:Choice>
-    <mc:Fallback>
-      <p:transition spd="slow"/>
-    </mc:Fallback>
-  </mc:AlternateContent>
-  <p:timing>
-    <p:tnLst>
-      <p:par>
-        <p:cTn id="1" dur="indefinite" restart="never" nodeType="tmRoot"/>
-      </p:par>
-    </p:tnLst>
-  </p:timing>
-</p:sld>
-</file>
-
-<file path=ppt/slides/slide15.xml><?xml version="1.0" encoding="utf-8"?>
-<p:sld xmlns:a="http://schemas.openxmlformats.org/drawingml/2006/main" xmlns:r="http://schemas.openxmlformats.org/officeDocument/2006/relationships" xmlns:p="http://schemas.openxmlformats.org/presentationml/2006/main" show="0">
-  <p:cSld>
-    <p:spTree>
-      <p:nvGrpSpPr>
-        <p:cNvPr id="1" name=""/>
-        <p:cNvGrpSpPr/>
-        <p:nvPr/>
-      </p:nvGrpSpPr>
-      <p:grpSpPr>
-        <a:xfrm>
-          <a:off x="0" y="0"/>
-          <a:ext cx="0" cy="0"/>
-          <a:chOff x="0" y="0"/>
-          <a:chExt cx="0" cy="0"/>
-        </a:xfrm>
-      </p:grpSpPr>
-      <p:sp>
-        <p:nvSpPr>
-          <p:cNvPr id="2" name="Заголовок 1"/>
-          <p:cNvSpPr>
-            <a:spLocks noGrp="1"/>
-          </p:cNvSpPr>
-          <p:nvPr>
-            <p:ph type="title"/>
-          </p:nvPr>
-        </p:nvSpPr>
-        <p:spPr/>
-        <p:txBody>
-          <a:bodyPr>
-            <a:normAutofit/>
-          </a:bodyPr>
-          <a:lstStyle/>
-          <a:p>
-            <a:pPr algn="ctr"/>
-            <a:r>
-              <a:rPr lang="ru-RU" sz="4000" dirty="0" smtClean="0">
-                <a:latin typeface="Arial" panose="020B0604020202020204" pitchFamily="34" charset="0"/>
-                <a:cs typeface="Arial" panose="020B0604020202020204" pitchFamily="34" charset="0"/>
-              </a:rPr>
-              <a:t>Алгоритм </a:t>
-            </a:r>
-            <a:r>
-              <a:rPr lang="ru-RU" sz="4000" dirty="0" err="1" smtClean="0">
-                <a:latin typeface="Arial" panose="020B0604020202020204" pitchFamily="34" charset="0"/>
-                <a:cs typeface="Arial" panose="020B0604020202020204" pitchFamily="34" charset="0"/>
-              </a:rPr>
-              <a:t>Дейча-Джозы</a:t>
-            </a:r>
-            <a:endParaRPr lang="ru-RU" sz="4000" dirty="0">
-              <a:latin typeface="Arial" panose="020B0604020202020204" pitchFamily="34" charset="0"/>
-              <a:cs typeface="Arial" panose="020B0604020202020204" pitchFamily="34" charset="0"/>
-            </a:endParaRPr>
-          </a:p>
-        </p:txBody>
-      </p:sp>
-      <p:sp>
-        <p:nvSpPr>
-          <p:cNvPr id="3" name="Объект 2"/>
-          <p:cNvSpPr>
-            <a:spLocks noGrp="1"/>
-          </p:cNvSpPr>
-          <p:nvPr>
-            <p:ph idx="1"/>
-          </p:nvPr>
-        </p:nvSpPr>
-        <p:spPr/>
-        <p:txBody>
-          <a:bodyPr/>
-          <a:lstStyle/>
-          <a:p>
-            <a:pPr marL="0" indent="0">
-              <a:buNone/>
-            </a:pPr>
-            <a:r>
-              <a:rPr lang="en-US" dirty="0" smtClean="0"/>
-              <a:t/>
-            </a:r>
-            <a:br>
-              <a:rPr lang="en-US" dirty="0" smtClean="0"/>
-            </a:br>
-            <a:endParaRPr lang="ru-RU" dirty="0"/>
-          </a:p>
-        </p:txBody>
-      </p:sp>
-      <p:pic>
-        <p:nvPicPr>
-          <p:cNvPr id="7" name="Рисунок 6"/>
-          <p:cNvPicPr>
-            <a:picLocks noChangeAspect="1"/>
-          </p:cNvPicPr>
-          <p:nvPr/>
-        </p:nvPicPr>
-        <p:blipFill>
-          <a:blip r:embed="rId2" cstate="print">
-            <a:extLst>
-              <a:ext uri="{28A0092B-C50C-407E-A947-70E740481C1C}">
-                <a14:useLocalDpi xmlns:a14="http://schemas.microsoft.com/office/drawing/2010/main" val="0"/>
-              </a:ext>
-            </a:extLst>
-          </a:blip>
-          <a:stretch>
-            <a:fillRect/>
-          </a:stretch>
-        </p:blipFill>
-        <p:spPr>
-          <a:xfrm>
-            <a:off x="838200" y="1943136"/>
-            <a:ext cx="4361547" cy="1267456"/>
-          </a:xfrm>
-          <a:prstGeom prst="rect">
-            <a:avLst/>
-          </a:prstGeom>
-        </p:spPr>
-      </p:pic>
-      <p:pic>
-        <p:nvPicPr>
-          <p:cNvPr id="8" name="Рисунок 7"/>
-          <p:cNvPicPr>
-            <a:picLocks noChangeAspect="1"/>
-          </p:cNvPicPr>
-          <p:nvPr/>
-        </p:nvPicPr>
-        <p:blipFill>
-          <a:blip r:embed="rId3" cstate="print">
-            <a:extLst>
-              <a:ext uri="{28A0092B-C50C-407E-A947-70E740481C1C}">
-                <a14:useLocalDpi xmlns:a14="http://schemas.microsoft.com/office/drawing/2010/main" val="0"/>
-              </a:ext>
-            </a:extLst>
-          </a:blip>
-          <a:stretch>
-            <a:fillRect/>
-          </a:stretch>
-        </p:blipFill>
-        <p:spPr>
-          <a:xfrm>
-            <a:off x="838200" y="3345529"/>
-            <a:ext cx="7441436" cy="1332797"/>
-          </a:xfrm>
-          <a:prstGeom prst="rect">
-            <a:avLst/>
-          </a:prstGeom>
-        </p:spPr>
-      </p:pic>
-      <p:pic>
-        <p:nvPicPr>
-          <p:cNvPr id="9" name="Рисунок 8"/>
-          <p:cNvPicPr>
-            <a:picLocks noChangeAspect="1"/>
-          </p:cNvPicPr>
-          <p:nvPr/>
-        </p:nvPicPr>
-        <p:blipFill>
-          <a:blip r:embed="rId4" cstate="print">
-            <a:extLst>
-              <a:ext uri="{28A0092B-C50C-407E-A947-70E740481C1C}">
-                <a14:useLocalDpi xmlns:a14="http://schemas.microsoft.com/office/drawing/2010/main" val="0"/>
-              </a:ext>
-            </a:extLst>
-          </a:blip>
-          <a:stretch>
-            <a:fillRect/>
-          </a:stretch>
-        </p:blipFill>
-        <p:spPr>
-          <a:xfrm>
-            <a:off x="838200" y="4897444"/>
-            <a:ext cx="9769508" cy="1346987"/>
-          </a:xfrm>
-          <a:prstGeom prst="rect">
-            <a:avLst/>
-          </a:prstGeom>
-        </p:spPr>
-      </p:pic>
-      <p:sp>
-        <p:nvSpPr>
-          <p:cNvPr id="4" name="Номер слайда 3"/>
-          <p:cNvSpPr>
-            <a:spLocks noGrp="1"/>
-          </p:cNvSpPr>
-          <p:nvPr>
-            <p:ph type="sldNum" sz="quarter" idx="12"/>
-          </p:nvPr>
-        </p:nvSpPr>
-        <p:spPr/>
-        <p:txBody>
-          <a:bodyPr/>
-          <a:lstStyle/>
-          <a:p>
-            <a:fld id="{ADDC721D-FED4-4080-8955-62676588A2D9}" type="slidenum">
-              <a:rPr lang="ru-RU" smtClean="0"/>
-              <a:t>15</a:t>
-            </a:fld>
-            <a:endParaRPr lang="ru-RU"/>
-          </a:p>
-        </p:txBody>
-      </p:sp>
-    </p:spTree>
-    <p:extLst>
-      <p:ext uri="{BB962C8B-B14F-4D97-AF65-F5344CB8AC3E}">
-        <p14:creationId xmlns:p14="http://schemas.microsoft.com/office/powerpoint/2010/main" val="4282608794"/>
-      </p:ext>
-    </p:extLst>
-  </p:cSld>
-  <p:clrMapOvr>
-    <a:masterClrMapping/>
-  </p:clrMapOvr>
-  <mc:AlternateContent xmlns:mc="http://schemas.openxmlformats.org/markup-compatibility/2006">
-    <mc:Choice xmlns:p14="http://schemas.microsoft.com/office/powerpoint/2010/main" Requires="p14">
-      <p:transition spd="slow" p14:dur="2000"/>
-    </mc:Choice>
-    <mc:Fallback>
-      <p:transition spd="slow"/>
-    </mc:Fallback>
-  </mc:AlternateContent>
-  <p:timing>
-    <p:tnLst>
-      <p:par>
-        <p:cTn id="1" dur="indefinite" restart="never" nodeType="tmRoot"/>
-      </p:par>
-    </p:tnLst>
-  </p:timing>
-</p:sld>
-</file>
-
-<file path=ppt/slides/slide16.xml><?xml version="1.0" encoding="utf-8"?>
-<p:sld xmlns:a="http://schemas.openxmlformats.org/drawingml/2006/main" xmlns:r="http://schemas.openxmlformats.org/officeDocument/2006/relationships" xmlns:p="http://schemas.openxmlformats.org/presentationml/2006/main" show="0">
-  <p:cSld>
-    <p:spTree>
-      <p:nvGrpSpPr>
-        <p:cNvPr id="1" name=""/>
-        <p:cNvGrpSpPr/>
-        <p:nvPr/>
-      </p:nvGrpSpPr>
-      <p:grpSpPr>
-        <a:xfrm>
-          <a:off x="0" y="0"/>
-          <a:ext cx="0" cy="0"/>
-          <a:chOff x="0" y="0"/>
-          <a:chExt cx="0" cy="0"/>
-        </a:xfrm>
-      </p:grpSpPr>
-      <p:sp>
-        <p:nvSpPr>
-          <p:cNvPr id="2" name="Заголовок 1"/>
-          <p:cNvSpPr>
-            <a:spLocks noGrp="1"/>
-          </p:cNvSpPr>
-          <p:nvPr>
-            <p:ph type="title"/>
-          </p:nvPr>
-        </p:nvSpPr>
-        <p:spPr/>
-        <p:txBody>
-          <a:bodyPr>
-            <a:normAutofit/>
-          </a:bodyPr>
-          <a:lstStyle/>
-          <a:p>
-            <a:pPr algn="ctr"/>
-            <a:r>
-              <a:rPr lang="ru-RU" sz="4000" dirty="0" smtClean="0">
-                <a:latin typeface="Arial" panose="020B0604020202020204" pitchFamily="34" charset="0"/>
-                <a:cs typeface="Arial" panose="020B0604020202020204" pitchFamily="34" charset="0"/>
-              </a:rPr>
-              <a:t>Алгоритм </a:t>
-            </a:r>
-            <a:r>
-              <a:rPr lang="ru-RU" sz="4000" dirty="0" err="1" smtClean="0">
-                <a:latin typeface="Arial" panose="020B0604020202020204" pitchFamily="34" charset="0"/>
-                <a:cs typeface="Arial" panose="020B0604020202020204" pitchFamily="34" charset="0"/>
-              </a:rPr>
-              <a:t>Дейча-Джозы</a:t>
-            </a:r>
-            <a:endParaRPr lang="ru-RU" sz="4000" dirty="0">
-              <a:latin typeface="Arial" panose="020B0604020202020204" pitchFamily="34" charset="0"/>
-              <a:cs typeface="Arial" panose="020B0604020202020204" pitchFamily="34" charset="0"/>
-            </a:endParaRPr>
-          </a:p>
-        </p:txBody>
-      </p:sp>
-      <p:sp>
-        <p:nvSpPr>
-          <p:cNvPr id="9" name="Объект 8"/>
-          <p:cNvSpPr>
-            <a:spLocks noGrp="1"/>
-          </p:cNvSpPr>
-          <p:nvPr>
-            <p:ph sz="half" idx="1"/>
-          </p:nvPr>
-        </p:nvSpPr>
-        <p:spPr>
-          <a:xfrm>
-            <a:off x="838200" y="1825624"/>
-            <a:ext cx="10889512" cy="3965575"/>
-          </a:xfrm>
-        </p:spPr>
-        <p:txBody>
-          <a:bodyPr/>
-          <a:lstStyle/>
-          <a:p>
-            <a:pPr marL="0" indent="0">
-              <a:buNone/>
-            </a:pPr>
-            <a:r>
-              <a:rPr lang="ru-RU" dirty="0" smtClean="0">
-                <a:latin typeface="Arial" panose="020B0604020202020204" pitchFamily="34" charset="0"/>
-                <a:cs typeface="Arial" panose="020B0604020202020204" pitchFamily="34" charset="0"/>
-              </a:rPr>
-              <a:t>Имеем экспоненциальный рост производительности при линейном росте количества </a:t>
-            </a:r>
-            <a:r>
-              <a:rPr lang="ru-RU" dirty="0" err="1" smtClean="0">
-                <a:latin typeface="Arial" panose="020B0604020202020204" pitchFamily="34" charset="0"/>
-                <a:cs typeface="Arial" panose="020B0604020202020204" pitchFamily="34" charset="0"/>
-              </a:rPr>
-              <a:t>кубит</a:t>
-            </a:r>
-            <a:r>
-              <a:rPr lang="ru-RU" dirty="0" smtClean="0">
-                <a:latin typeface="Arial" panose="020B0604020202020204" pitchFamily="34" charset="0"/>
-                <a:cs typeface="Arial" panose="020B0604020202020204" pitchFamily="34" charset="0"/>
-              </a:rPr>
-              <a:t>. </a:t>
-            </a:r>
-            <a:br>
-              <a:rPr lang="ru-RU" dirty="0" smtClean="0">
-                <a:latin typeface="Arial" panose="020B0604020202020204" pitchFamily="34" charset="0"/>
-                <a:cs typeface="Arial" panose="020B0604020202020204" pitchFamily="34" charset="0"/>
-              </a:rPr>
-            </a:br>
-            <a:r>
-              <a:rPr lang="ru-RU" dirty="0" smtClean="0">
-                <a:latin typeface="Arial" panose="020B0604020202020204" pitchFamily="34" charset="0"/>
-                <a:cs typeface="Arial" panose="020B0604020202020204" pitchFamily="34" charset="0"/>
-              </a:rPr>
-              <a:t>Для описания </a:t>
-            </a:r>
-            <a:r>
-              <a:rPr lang="ru-RU" dirty="0" err="1" smtClean="0">
-                <a:latin typeface="Arial" panose="020B0604020202020204" pitchFamily="34" charset="0"/>
-                <a:cs typeface="Arial" panose="020B0604020202020204" pitchFamily="34" charset="0"/>
-              </a:rPr>
-              <a:t>двухкубитного</a:t>
-            </a:r>
-            <a:r>
-              <a:rPr lang="ru-RU" dirty="0" smtClean="0">
-                <a:latin typeface="Arial" panose="020B0604020202020204" pitchFamily="34" charset="0"/>
-                <a:cs typeface="Arial" panose="020B0604020202020204" pitchFamily="34" charset="0"/>
-              </a:rPr>
-              <a:t> состояния требуется 4 комплексных числа</a:t>
-            </a:r>
-            <a:r>
-              <a:rPr lang="en-US" dirty="0">
-                <a:latin typeface="Arial" panose="020B0604020202020204" pitchFamily="34" charset="0"/>
-                <a:cs typeface="Arial" panose="020B0604020202020204" pitchFamily="34" charset="0"/>
-              </a:rPr>
-              <a:t>:</a:t>
-            </a:r>
-            <a:endParaRPr lang="en-US" dirty="0" smtClean="0">
-              <a:latin typeface="Arial" panose="020B0604020202020204" pitchFamily="34" charset="0"/>
-              <a:cs typeface="Arial" panose="020B0604020202020204" pitchFamily="34" charset="0"/>
-            </a:endParaRPr>
-          </a:p>
-          <a:p>
-            <a:pPr marL="0" indent="0">
-              <a:buNone/>
-            </a:pPr>
-            <a:endParaRPr lang="en-US" dirty="0">
-              <a:latin typeface="Arial" panose="020B0604020202020204" pitchFamily="34" charset="0"/>
-              <a:cs typeface="Arial" panose="020B0604020202020204" pitchFamily="34" charset="0"/>
-            </a:endParaRPr>
-          </a:p>
-          <a:p>
-            <a:pPr marL="0" indent="0">
-              <a:buNone/>
-            </a:pPr>
-            <a:endParaRPr lang="en-US" dirty="0" smtClean="0">
-              <a:latin typeface="Arial" panose="020B0604020202020204" pitchFamily="34" charset="0"/>
-              <a:cs typeface="Arial" panose="020B0604020202020204" pitchFamily="34" charset="0"/>
-            </a:endParaRPr>
-          </a:p>
-          <a:p>
-            <a:pPr marL="0" indent="0">
-              <a:buNone/>
-            </a:pPr>
-            <a:endParaRPr lang="en-US" dirty="0">
-              <a:latin typeface="Arial" panose="020B0604020202020204" pitchFamily="34" charset="0"/>
-              <a:cs typeface="Arial" panose="020B0604020202020204" pitchFamily="34" charset="0"/>
-            </a:endParaRPr>
-          </a:p>
-          <a:p>
-            <a:pPr marL="0" indent="0">
-              <a:buNone/>
-            </a:pPr>
-            <a:r>
-              <a:rPr lang="ru-RU" dirty="0" smtClean="0">
-                <a:latin typeface="Arial" panose="020B0604020202020204" pitchFamily="34" charset="0"/>
-                <a:cs typeface="Arial" panose="020B0604020202020204" pitchFamily="34" charset="0"/>
-              </a:rPr>
-              <a:t>а для </a:t>
-            </a:r>
-            <a:r>
-              <a:rPr lang="en-US" dirty="0" smtClean="0">
-                <a:latin typeface="Arial" panose="020B0604020202020204" pitchFamily="34" charset="0"/>
-                <a:cs typeface="Arial" panose="020B0604020202020204" pitchFamily="34" charset="0"/>
-              </a:rPr>
-              <a:t>N-</a:t>
-            </a:r>
-            <a:r>
-              <a:rPr lang="ru-RU" dirty="0" err="1" smtClean="0">
-                <a:latin typeface="Arial" panose="020B0604020202020204" pitchFamily="34" charset="0"/>
-                <a:cs typeface="Arial" panose="020B0604020202020204" pitchFamily="34" charset="0"/>
-              </a:rPr>
-              <a:t>кубитного</a:t>
-            </a:r>
-            <a:r>
-              <a:rPr lang="ru-RU" dirty="0" smtClean="0">
-                <a:latin typeface="Arial" panose="020B0604020202020204" pitchFamily="34" charset="0"/>
-                <a:cs typeface="Arial" panose="020B0604020202020204" pitchFamily="34" charset="0"/>
-              </a:rPr>
-              <a:t> </a:t>
-            </a:r>
-            <a:r>
-              <a:rPr lang="en-US" dirty="0" smtClean="0">
-                <a:latin typeface="Arial" panose="020B0604020202020204" pitchFamily="34" charset="0"/>
-                <a:cs typeface="Arial" panose="020B0604020202020204" pitchFamily="34" charset="0"/>
-              </a:rPr>
-              <a:t>2^N </a:t>
-            </a:r>
-            <a:r>
-              <a:rPr lang="ru-RU" dirty="0" smtClean="0">
-                <a:latin typeface="Arial" panose="020B0604020202020204" pitchFamily="34" charset="0"/>
-                <a:cs typeface="Arial" panose="020B0604020202020204" pitchFamily="34" charset="0"/>
-              </a:rPr>
-              <a:t>чисел.</a:t>
-            </a:r>
-            <a:endParaRPr lang="ru-RU" dirty="0">
-              <a:latin typeface="Arial" panose="020B0604020202020204" pitchFamily="34" charset="0"/>
-              <a:cs typeface="Arial" panose="020B0604020202020204" pitchFamily="34" charset="0"/>
-            </a:endParaRPr>
-          </a:p>
-        </p:txBody>
-      </p:sp>
-      <p:pic>
-        <p:nvPicPr>
-          <p:cNvPr id="13" name="Объект 12"/>
-          <p:cNvPicPr>
-            <a:picLocks noGrp="1" noChangeAspect="1"/>
-          </p:cNvPicPr>
-          <p:nvPr>
-            <p:ph sz="half" idx="2"/>
-          </p:nvPr>
-        </p:nvPicPr>
-        <p:blipFill>
-          <a:blip r:embed="rId2" cstate="print">
-            <a:extLst>
-              <a:ext uri="{28A0092B-C50C-407E-A947-70E740481C1C}">
-                <a14:useLocalDpi xmlns:a14="http://schemas.microsoft.com/office/drawing/2010/main" val="0"/>
-              </a:ext>
-            </a:extLst>
-          </a:blip>
-          <a:stretch>
-            <a:fillRect/>
-          </a:stretch>
-        </p:blipFill>
-        <p:spPr>
-          <a:xfrm>
-            <a:off x="838200" y="3856332"/>
-            <a:ext cx="8765231" cy="876521"/>
-          </a:xfrm>
-        </p:spPr>
-      </p:pic>
-      <p:sp>
-        <p:nvSpPr>
-          <p:cNvPr id="3" name="Номер слайда 2"/>
-          <p:cNvSpPr>
-            <a:spLocks noGrp="1"/>
-          </p:cNvSpPr>
-          <p:nvPr>
-            <p:ph type="sldNum" sz="quarter" idx="12"/>
-          </p:nvPr>
-        </p:nvSpPr>
-        <p:spPr/>
-        <p:txBody>
-          <a:bodyPr/>
-          <a:lstStyle/>
-          <a:p>
-            <a:fld id="{ADDC721D-FED4-4080-8955-62676588A2D9}" type="slidenum">
-              <a:rPr lang="ru-RU" smtClean="0"/>
-              <a:t>16</a:t>
-            </a:fld>
-            <a:endParaRPr lang="ru-RU"/>
-          </a:p>
-        </p:txBody>
-      </p:sp>
-    </p:spTree>
-    <p:extLst>
-      <p:ext uri="{BB962C8B-B14F-4D97-AF65-F5344CB8AC3E}">
-        <p14:creationId xmlns:p14="http://schemas.microsoft.com/office/powerpoint/2010/main" val="3325383088"/>
-      </p:ext>
-    </p:extLst>
-  </p:cSld>
-  <p:clrMapOvr>
-    <a:masterClrMapping/>
-  </p:clrMapOvr>
-  <mc:AlternateContent xmlns:mc="http://schemas.openxmlformats.org/markup-compatibility/2006">
-    <mc:Choice xmlns:p14="http://schemas.microsoft.com/office/powerpoint/2010/main" Requires="p14">
-      <p:transition spd="slow" p14:dur="2000"/>
-    </mc:Choice>
-    <mc:Fallback>
-      <p:transition spd="slow"/>
-    </mc:Fallback>
-  </mc:AlternateContent>
-  <p:timing>
-    <p:tnLst>
-      <p:par>
-        <p:cTn id="1" dur="indefinite" restart="never" nodeType="tmRoot"/>
-      </p:par>
-    </p:tnLst>
-  </p:timing>
-</p:sld>
-</file>
-
-<file path=ppt/slides/slide17.xml><?xml version="1.0" encoding="utf-8"?>
 <p:sld xmlns:a="http://schemas.openxmlformats.org/drawingml/2006/main" xmlns:r="http://schemas.openxmlformats.org/officeDocument/2006/relationships" xmlns:p="http://schemas.openxmlformats.org/presentationml/2006/main">
   <p:cSld>
     <p:spTree>
@@ -6287,7 +4226,7 @@
           <a:p>
             <a:fld id="{ADDC721D-FED4-4080-8955-62676588A2D9}" type="slidenum">
               <a:rPr lang="ru-RU" smtClean="0"/>
-              <a:t>17</a:t>
+              <a:t>10</a:t>
             </a:fld>
             <a:endParaRPr lang="ru-RU"/>
           </a:p>
@@ -6313,7 +4252,7 @@
 </p:sld>
 </file>
 
-<file path=ppt/slides/slide18.xml><?xml version="1.0" encoding="utf-8"?>
+<file path=ppt/slides/slide11.xml><?xml version="1.0" encoding="utf-8"?>
 <p:sld xmlns:a="http://schemas.openxmlformats.org/drawingml/2006/main" xmlns:r="http://schemas.openxmlformats.org/officeDocument/2006/relationships" xmlns:p="http://schemas.openxmlformats.org/presentationml/2006/main">
   <p:cSld>
     <p:spTree>
@@ -6342,6 +4281,123 @@
         </p:nvSpPr>
         <p:spPr/>
         <p:txBody>
+          <a:bodyPr/>
+          <a:lstStyle/>
+          <a:p>
+            <a:pPr algn="ctr"/>
+            <a:r>
+              <a:rPr lang="ru-RU" dirty="0"/>
+              <a:t>Алгоритм </a:t>
+            </a:r>
+            <a:r>
+              <a:rPr lang="ru-RU" dirty="0" err="1" smtClean="0"/>
+              <a:t>Шора</a:t>
+            </a:r>
+            <a:endParaRPr lang="ru-RU" dirty="0"/>
+          </a:p>
+        </p:txBody>
+      </p:sp>
+      <p:pic>
+        <p:nvPicPr>
+          <p:cNvPr id="5" name="Объект 4"/>
+          <p:cNvPicPr>
+            <a:picLocks noGrp="1" noChangeAspect="1"/>
+          </p:cNvPicPr>
+          <p:nvPr>
+            <p:ph idx="1"/>
+          </p:nvPr>
+        </p:nvPicPr>
+        <p:blipFill>
+          <a:blip r:embed="rId2" cstate="print">
+            <a:extLst>
+              <a:ext uri="{28A0092B-C50C-407E-A947-70E740481C1C}">
+                <a14:useLocalDpi xmlns:a14="http://schemas.microsoft.com/office/drawing/2010/main" val="0"/>
+              </a:ext>
+            </a:extLst>
+          </a:blip>
+          <a:stretch>
+            <a:fillRect/>
+          </a:stretch>
+        </p:blipFill>
+        <p:spPr>
+          <a:xfrm>
+            <a:off x="2006601" y="1676400"/>
+            <a:ext cx="8556814" cy="4099311"/>
+          </a:xfrm>
+        </p:spPr>
+      </p:pic>
+      <p:sp>
+        <p:nvSpPr>
+          <p:cNvPr id="4" name="Номер слайда 3"/>
+          <p:cNvSpPr>
+            <a:spLocks noGrp="1"/>
+          </p:cNvSpPr>
+          <p:nvPr>
+            <p:ph type="sldNum" sz="quarter" idx="12"/>
+          </p:nvPr>
+        </p:nvSpPr>
+        <p:spPr/>
+        <p:txBody>
+          <a:bodyPr/>
+          <a:lstStyle/>
+          <a:p>
+            <a:fld id="{ADDC721D-FED4-4080-8955-62676588A2D9}" type="slidenum">
+              <a:rPr lang="ru-RU" smtClean="0"/>
+              <a:t>11</a:t>
+            </a:fld>
+            <a:endParaRPr lang="ru-RU"/>
+          </a:p>
+        </p:txBody>
+      </p:sp>
+    </p:spTree>
+    <p:extLst>
+      <p:ext uri="{BB962C8B-B14F-4D97-AF65-F5344CB8AC3E}">
+        <p14:creationId xmlns:p14="http://schemas.microsoft.com/office/powerpoint/2010/main" val="63737834"/>
+      </p:ext>
+    </p:extLst>
+  </p:cSld>
+  <p:clrMapOvr>
+    <a:masterClrMapping/>
+  </p:clrMapOvr>
+  <p:timing>
+    <p:tnLst>
+      <p:par>
+        <p:cTn id="1" dur="indefinite" restart="never" nodeType="tmRoot"/>
+      </p:par>
+    </p:tnLst>
+  </p:timing>
+</p:sld>
+</file>
+
+<file path=ppt/slides/slide12.xml><?xml version="1.0" encoding="utf-8"?>
+<p:sld xmlns:a="http://schemas.openxmlformats.org/drawingml/2006/main" xmlns:r="http://schemas.openxmlformats.org/officeDocument/2006/relationships" xmlns:p="http://schemas.openxmlformats.org/presentationml/2006/main">
+  <p:cSld>
+    <p:spTree>
+      <p:nvGrpSpPr>
+        <p:cNvPr id="1" name=""/>
+        <p:cNvGrpSpPr/>
+        <p:nvPr/>
+      </p:nvGrpSpPr>
+      <p:grpSpPr>
+        <a:xfrm>
+          <a:off x="0" y="0"/>
+          <a:ext cx="0" cy="0"/>
+          <a:chOff x="0" y="0"/>
+          <a:chExt cx="0" cy="0"/>
+        </a:xfrm>
+      </p:grpSpPr>
+      <p:sp>
+        <p:nvSpPr>
+          <p:cNvPr id="2" name="Заголовок 1"/>
+          <p:cNvSpPr>
+            <a:spLocks noGrp="1"/>
+          </p:cNvSpPr>
+          <p:nvPr>
+            <p:ph type="title"/>
+          </p:nvPr>
+        </p:nvSpPr>
+        <p:spPr/>
+        <p:txBody>
           <a:bodyPr>
             <a:normAutofit/>
           </a:bodyPr>
@@ -6369,6 +4425,464 @@
           </a:p>
         </p:txBody>
       </p:sp>
+      <mc:AlternateContent xmlns:mc="http://schemas.openxmlformats.org/markup-compatibility/2006" xmlns:a14="http://schemas.microsoft.com/office/drawing/2010/main">
+        <mc:Choice Requires="a14">
+          <p:sp>
+            <p:nvSpPr>
+              <p:cNvPr id="4" name="Объект 3"/>
+              <p:cNvSpPr>
+                <a:spLocks noGrp="1"/>
+              </p:cNvSpPr>
+              <p:nvPr>
+                <p:ph idx="1"/>
+              </p:nvPr>
+            </p:nvSpPr>
+            <p:spPr/>
+            <p:txBody>
+              <a:bodyPr>
+                <a:noAutofit/>
+              </a:bodyPr>
+              <a:lstStyle/>
+              <a:p>
+                <a:pPr marL="0" indent="0">
+                  <a:buNone/>
+                </a:pPr>
+                <a:r>
+                  <a:rPr lang="ru-RU" dirty="0">
+                    <a:latin typeface="Arial" panose="020B0604020202020204" pitchFamily="34" charset="0"/>
+                    <a:cs typeface="Arial" panose="020B0604020202020204" pitchFamily="34" charset="0"/>
+                  </a:rPr>
+                  <a:t>  1. </a:t>
+                </a:r>
+                <a:r>
+                  <a:rPr lang="ru-RU" dirty="0" smtClean="0">
+                    <a:latin typeface="Arial" panose="020B0604020202020204" pitchFamily="34" charset="0"/>
+                    <a:cs typeface="Arial" panose="020B0604020202020204" pitchFamily="34" charset="0"/>
+                  </a:rPr>
+                  <a:t>Определить </a:t>
+                </a:r>
+                <a:r>
+                  <a:rPr lang="ru-RU" dirty="0">
+                    <a:latin typeface="Arial" panose="020B0604020202020204" pitchFamily="34" charset="0"/>
+                    <a:cs typeface="Arial" panose="020B0604020202020204" pitchFamily="34" charset="0"/>
+                  </a:rPr>
+                  <a:t>исходную квадратичную форму </a:t>
+                </a:r>
+                <a:r>
+                  <a:rPr lang="ru-RU" i="1" dirty="0" smtClean="0">
+                    <a:latin typeface="Arial" panose="020B0604020202020204" pitchFamily="34" charset="0"/>
+                    <a:cs typeface="Arial" panose="020B0604020202020204" pitchFamily="34" charset="0"/>
+                  </a:rPr>
+                  <a:t>f=(</a:t>
+                </a:r>
+                <a:r>
+                  <a:rPr lang="ru-RU" i="1" dirty="0">
+                    <a:latin typeface="Arial" panose="020B0604020202020204" pitchFamily="34" charset="0"/>
+                    <a:cs typeface="Arial" panose="020B0604020202020204" pitchFamily="34" charset="0"/>
+                  </a:rPr>
+                  <a:t>1,2b,b2−</a:t>
+                </a:r>
+                <a:r>
+                  <a:rPr lang="ru-RU" i="1" dirty="0" smtClean="0">
+                    <a:latin typeface="Arial" panose="020B0604020202020204" pitchFamily="34" charset="0"/>
+                    <a:cs typeface="Arial" panose="020B0604020202020204" pitchFamily="34" charset="0"/>
+                  </a:rPr>
+                  <a:t>D), </a:t>
+                </a:r>
+                <a:r>
+                  <a:rPr lang="ru-RU" dirty="0">
+                    <a:latin typeface="Arial" panose="020B0604020202020204" pitchFamily="34" charset="0"/>
+                    <a:cs typeface="Arial" panose="020B0604020202020204" pitchFamily="34" charset="0"/>
+                  </a:rPr>
+                  <a:t>с дискриминантом </a:t>
+                </a:r>
+                <a:r>
+                  <a:rPr lang="ru-RU" i="1" dirty="0" smtClean="0">
+                    <a:latin typeface="Arial" panose="020B0604020202020204" pitchFamily="34" charset="0"/>
+                    <a:cs typeface="Arial" panose="020B0604020202020204" pitchFamily="34" charset="0"/>
+                  </a:rPr>
+                  <a:t>D=4n</a:t>
+                </a:r>
+                <a:r>
+                  <a:rPr lang="ru-RU" dirty="0" smtClean="0">
+                    <a:latin typeface="Arial" panose="020B0604020202020204" pitchFamily="34" charset="0"/>
+                    <a:cs typeface="Arial" panose="020B0604020202020204" pitchFamily="34" charset="0"/>
+                  </a:rPr>
+                  <a:t>, </a:t>
+                </a:r>
+                <a:r>
+                  <a:rPr lang="ru-RU" dirty="0">
+                    <a:latin typeface="Arial" panose="020B0604020202020204" pitchFamily="34" charset="0"/>
+                    <a:cs typeface="Arial" panose="020B0604020202020204" pitchFamily="34" charset="0"/>
+                  </a:rPr>
+                  <a:t>где </a:t>
+                </a:r>
+                <a:r>
+                  <a:rPr lang="ru-RU" i="1" dirty="0" smtClean="0">
+                    <a:latin typeface="Arial" panose="020B0604020202020204" pitchFamily="34" charset="0"/>
+                    <a:cs typeface="Arial" panose="020B0604020202020204" pitchFamily="34" charset="0"/>
+                  </a:rPr>
+                  <a:t>b=b</a:t>
+                </a:r>
+                <a14:m>
+                  <m:oMath xmlns:m="http://schemas.openxmlformats.org/officeDocument/2006/math">
+                    <m:rad>
+                      <m:radPr>
+                        <m:degHide m:val="on"/>
+                        <m:ctrlPr>
+                          <a:rPr lang="ru-RU" i="1" smtClean="0">
+                            <a:latin typeface="Cambria Math"/>
+                            <a:cs typeface="Arial" panose="020B0604020202020204" pitchFamily="34" charset="0"/>
+                          </a:rPr>
+                        </m:ctrlPr>
+                      </m:radPr>
+                      <m:deg/>
+                      <m:e>
+                        <m:r>
+                          <a:rPr lang="en-US" b="0" i="1" smtClean="0">
+                            <a:latin typeface="Cambria Math"/>
+                            <a:cs typeface="Arial" panose="020B0604020202020204" pitchFamily="34" charset="0"/>
+                          </a:rPr>
+                          <m:t>𝑛</m:t>
+                        </m:r>
+                      </m:e>
+                    </m:rad>
+                  </m:oMath>
+                </a14:m>
+                <a:r>
+                  <a:rPr lang="en-US" i="1" dirty="0" smtClean="0">
+                    <a:latin typeface="Arial" panose="020B0604020202020204" pitchFamily="34" charset="0"/>
+                    <a:cs typeface="Arial" panose="020B0604020202020204" pitchFamily="34" charset="0"/>
+                  </a:rPr>
+                  <a:t>c</a:t>
+                </a:r>
+                <a:r>
+                  <a:rPr lang="ru-RU" dirty="0" smtClean="0">
+                    <a:latin typeface="Arial" panose="020B0604020202020204" pitchFamily="34" charset="0"/>
+                    <a:cs typeface="Arial" panose="020B0604020202020204" pitchFamily="34" charset="0"/>
+                  </a:rPr>
+                  <a:t>.</a:t>
+                </a:r>
+                <a:r>
+                  <a:rPr lang="ru-RU" dirty="0">
+                    <a:latin typeface="Arial" panose="020B0604020202020204" pitchFamily="34" charset="0"/>
+                    <a:cs typeface="Arial" panose="020B0604020202020204" pitchFamily="34" charset="0"/>
+                  </a:rPr>
+                  <a:t> </a:t>
+                </a:r>
+                <a:br>
+                  <a:rPr lang="ru-RU" dirty="0">
+                    <a:latin typeface="Arial" panose="020B0604020202020204" pitchFamily="34" charset="0"/>
+                    <a:cs typeface="Arial" panose="020B0604020202020204" pitchFamily="34" charset="0"/>
+                  </a:rPr>
+                </a:br>
+                <a:r>
+                  <a:rPr lang="ru-RU" dirty="0">
+                    <a:latin typeface="Arial" panose="020B0604020202020204" pitchFamily="34" charset="0"/>
+                    <a:cs typeface="Arial" panose="020B0604020202020204" pitchFamily="34" charset="0"/>
+                  </a:rPr>
+                  <a:t> 2. </a:t>
+                </a:r>
+                <a:r>
+                  <a:rPr lang="ru-RU" dirty="0" smtClean="0">
+                    <a:latin typeface="Arial" panose="020B0604020202020204" pitchFamily="34" charset="0"/>
+                    <a:cs typeface="Arial" panose="020B0604020202020204" pitchFamily="34" charset="0"/>
+                  </a:rPr>
+                  <a:t>Выполнить </a:t>
+                </a:r>
+                <a:r>
+                  <a:rPr lang="ru-RU" dirty="0">
+                    <a:latin typeface="Arial" panose="020B0604020202020204" pitchFamily="34" charset="0"/>
+                    <a:cs typeface="Arial" panose="020B0604020202020204" pitchFamily="34" charset="0"/>
+                  </a:rPr>
+                  <a:t>цикл </a:t>
+                </a:r>
+                <a:r>
+                  <a:rPr lang="ru-RU" dirty="0" err="1">
+                    <a:latin typeface="Arial" panose="020B0604020202020204" pitchFamily="34" charset="0"/>
+                    <a:cs typeface="Arial" panose="020B0604020202020204" pitchFamily="34" charset="0"/>
+                  </a:rPr>
+                  <a:t>редуцирований</a:t>
+                </a:r>
+                <a:r>
+                  <a:rPr lang="ru-RU" dirty="0">
+                    <a:latin typeface="Arial" panose="020B0604020202020204" pitchFamily="34" charset="0"/>
+                    <a:cs typeface="Arial" panose="020B0604020202020204" pitchFamily="34" charset="0"/>
+                  </a:rPr>
+                  <a:t> </a:t>
+                </a:r>
+                <a:r>
+                  <a:rPr lang="ru-RU" i="1" dirty="0" smtClean="0">
+                    <a:latin typeface="Arial" panose="020B0604020202020204" pitchFamily="34" charset="0"/>
+                    <a:cs typeface="Arial" panose="020B0604020202020204" pitchFamily="34" charset="0"/>
+                  </a:rPr>
+                  <a:t>f=ρ(f), </a:t>
+                </a:r>
+                <a:r>
+                  <a:rPr lang="ru-RU" dirty="0">
+                    <a:latin typeface="Arial" panose="020B0604020202020204" pitchFamily="34" charset="0"/>
+                    <a:cs typeface="Arial" panose="020B0604020202020204" pitchFamily="34" charset="0"/>
+                  </a:rPr>
+                  <a:t>пока форма </a:t>
+                </a:r>
+                <a:r>
+                  <a:rPr lang="ru-RU" i="1" dirty="0" smtClean="0">
+                    <a:latin typeface="Arial" panose="020B0604020202020204" pitchFamily="34" charset="0"/>
+                    <a:cs typeface="Arial" panose="020B0604020202020204" pitchFamily="34" charset="0"/>
+                  </a:rPr>
+                  <a:t>f</a:t>
+                </a:r>
+                <a:r>
+                  <a:rPr lang="ru-RU" dirty="0">
+                    <a:latin typeface="Arial" panose="020B0604020202020204" pitchFamily="34" charset="0"/>
+                    <a:cs typeface="Arial" panose="020B0604020202020204" pitchFamily="34" charset="0"/>
+                  </a:rPr>
+                  <a:t> не станет квадратной</a:t>
+                </a:r>
+                <a:r>
+                  <a:rPr lang="ru-RU" dirty="0" smtClean="0">
+                    <a:latin typeface="Arial" panose="020B0604020202020204" pitchFamily="34" charset="0"/>
+                    <a:cs typeface="Arial" panose="020B0604020202020204" pitchFamily="34" charset="0"/>
+                  </a:rPr>
+                  <a:t>.</a:t>
+                </a:r>
+                <a:r>
+                  <a:rPr lang="ru-RU" dirty="0">
+                    <a:latin typeface="Arial" panose="020B0604020202020204" pitchFamily="34" charset="0"/>
+                    <a:cs typeface="Arial" panose="020B0604020202020204" pitchFamily="34" charset="0"/>
+                  </a:rPr>
+                  <a:t> </a:t>
+                </a:r>
+                <a:br>
+                  <a:rPr lang="ru-RU" dirty="0">
+                    <a:latin typeface="Arial" panose="020B0604020202020204" pitchFamily="34" charset="0"/>
+                    <a:cs typeface="Arial" panose="020B0604020202020204" pitchFamily="34" charset="0"/>
+                  </a:rPr>
+                </a:br>
+                <a:r>
+                  <a:rPr lang="ru-RU" dirty="0">
+                    <a:latin typeface="Arial" panose="020B0604020202020204" pitchFamily="34" charset="0"/>
+                    <a:cs typeface="Arial" panose="020B0604020202020204" pitchFamily="34" charset="0"/>
+                  </a:rPr>
+                  <a:t> 3. </a:t>
+                </a:r>
+                <a:r>
+                  <a:rPr lang="ru-RU" dirty="0" smtClean="0">
+                    <a:latin typeface="Arial" panose="020B0604020202020204" pitchFamily="34" charset="0"/>
+                    <a:cs typeface="Arial" panose="020B0604020202020204" pitchFamily="34" charset="0"/>
+                  </a:rPr>
+                  <a:t>Вычислить </a:t>
+                </a:r>
+                <a:r>
+                  <a:rPr lang="ru-RU" dirty="0">
+                    <a:latin typeface="Arial" panose="020B0604020202020204" pitchFamily="34" charset="0"/>
+                    <a:cs typeface="Arial" panose="020B0604020202020204" pitchFamily="34" charset="0"/>
+                  </a:rPr>
+                  <a:t>квадратный корень из </a:t>
+                </a:r>
+                <a:r>
+                  <a:rPr lang="ru-RU" i="1" dirty="0">
+                    <a:latin typeface="Arial" panose="020B0604020202020204" pitchFamily="34" charset="0"/>
+                    <a:cs typeface="Arial" panose="020B0604020202020204" pitchFamily="34" charset="0"/>
+                  </a:rPr>
+                  <a:t>f:g=(a′,b′,c′)=</a:t>
+                </a:r>
+                <a:r>
+                  <a:rPr lang="ru-RU" i="1" dirty="0" smtClean="0">
+                    <a:latin typeface="Arial" panose="020B0604020202020204" pitchFamily="34" charset="0"/>
+                    <a:cs typeface="Arial" panose="020B0604020202020204" pitchFamily="34" charset="0"/>
+                  </a:rPr>
+                  <a:t>f1/2</a:t>
+                </a:r>
+                <a:r>
+                  <a:rPr lang="ru-RU" dirty="0">
+                    <a:latin typeface="Arial" panose="020B0604020202020204" pitchFamily="34" charset="0"/>
+                    <a:cs typeface="Arial" panose="020B0604020202020204" pitchFamily="34" charset="0"/>
+                  </a:rPr>
+                  <a:t> </a:t>
+                </a:r>
+                <a:br>
+                  <a:rPr lang="ru-RU" dirty="0">
+                    <a:latin typeface="Arial" panose="020B0604020202020204" pitchFamily="34" charset="0"/>
+                    <a:cs typeface="Arial" panose="020B0604020202020204" pitchFamily="34" charset="0"/>
+                  </a:rPr>
+                </a:br>
+                <a:r>
+                  <a:rPr lang="ru-RU" dirty="0">
+                    <a:latin typeface="Arial" panose="020B0604020202020204" pitchFamily="34" charset="0"/>
+                    <a:cs typeface="Arial" panose="020B0604020202020204" pitchFamily="34" charset="0"/>
+                  </a:rPr>
+                  <a:t> 4. </a:t>
+                </a:r>
+                <a:r>
+                  <a:rPr lang="ru-RU" dirty="0" smtClean="0">
+                    <a:latin typeface="Arial" panose="020B0604020202020204" pitchFamily="34" charset="0"/>
+                    <a:cs typeface="Arial" panose="020B0604020202020204" pitchFamily="34" charset="0"/>
+                  </a:rPr>
+                  <a:t>Выполнить </a:t>
+                </a:r>
+                <a:r>
+                  <a:rPr lang="ru-RU" dirty="0">
+                    <a:latin typeface="Arial" panose="020B0604020202020204" pitchFamily="34" charset="0"/>
+                    <a:cs typeface="Arial" panose="020B0604020202020204" pitchFamily="34" charset="0"/>
+                  </a:rPr>
+                  <a:t>цикл </a:t>
+                </a:r>
+                <a:r>
+                  <a:rPr lang="ru-RU" dirty="0" err="1">
+                    <a:latin typeface="Arial" panose="020B0604020202020204" pitchFamily="34" charset="0"/>
+                    <a:cs typeface="Arial" panose="020B0604020202020204" pitchFamily="34" charset="0"/>
+                  </a:rPr>
+                  <a:t>редуцирований</a:t>
+                </a:r>
+                <a:r>
+                  <a:rPr lang="ru-RU" dirty="0">
+                    <a:latin typeface="Arial" panose="020B0604020202020204" pitchFamily="34" charset="0"/>
+                    <a:cs typeface="Arial" panose="020B0604020202020204" pitchFamily="34" charset="0"/>
+                  </a:rPr>
+                  <a:t> </a:t>
+                </a:r>
+                <a:r>
+                  <a:rPr lang="ru-RU" i="1" dirty="0" smtClean="0">
+                    <a:latin typeface="Arial" panose="020B0604020202020204" pitchFamily="34" charset="0"/>
+                    <a:cs typeface="Arial" panose="020B0604020202020204" pitchFamily="34" charset="0"/>
+                  </a:rPr>
+                  <a:t>p=ρ(g), </a:t>
+                </a:r>
+                <a:r>
+                  <a:rPr lang="ru-RU" dirty="0">
+                    <a:latin typeface="Arial" panose="020B0604020202020204" pitchFamily="34" charset="0"/>
+                    <a:cs typeface="Arial" panose="020B0604020202020204" pitchFamily="34" charset="0"/>
+                  </a:rPr>
+                  <a:t>пока значение второго коэффициента не стабилизируется </a:t>
+                </a:r>
+                <a:r>
+                  <a:rPr lang="ru-RU" i="1" dirty="0" smtClean="0">
+                    <a:latin typeface="Arial" panose="020B0604020202020204" pitchFamily="34" charset="0"/>
+                    <a:cs typeface="Arial" panose="020B0604020202020204" pitchFamily="34" charset="0"/>
+                  </a:rPr>
+                  <a:t>b′</a:t>
+                </a:r>
+                <a:r>
+                  <a:rPr lang="ru-RU" i="1" baseline="-25000" dirty="0" smtClean="0">
+                    <a:latin typeface="Arial" panose="020B0604020202020204" pitchFamily="34" charset="0"/>
+                    <a:cs typeface="Arial" panose="020B0604020202020204" pitchFamily="34" charset="0"/>
+                  </a:rPr>
+                  <a:t>i+1</a:t>
+                </a:r>
+                <a:r>
+                  <a:rPr lang="ru-RU" i="1" dirty="0" smtClean="0">
+                    <a:latin typeface="Arial" panose="020B0604020202020204" pitchFamily="34" charset="0"/>
+                    <a:cs typeface="Arial" panose="020B0604020202020204" pitchFamily="34" charset="0"/>
+                  </a:rPr>
+                  <a:t>=</a:t>
+                </a:r>
+                <a:r>
+                  <a:rPr lang="ru-RU" i="1" dirty="0" err="1" smtClean="0">
+                    <a:latin typeface="Arial" panose="020B0604020202020204" pitchFamily="34" charset="0"/>
+                    <a:cs typeface="Arial" panose="020B0604020202020204" pitchFamily="34" charset="0"/>
+                  </a:rPr>
+                  <a:t>b′</a:t>
+                </a:r>
+                <a:r>
+                  <a:rPr lang="ru-RU" i="1" baseline="-25000" dirty="0" err="1" smtClean="0">
+                    <a:latin typeface="Arial" panose="020B0604020202020204" pitchFamily="34" charset="0"/>
+                    <a:cs typeface="Arial" panose="020B0604020202020204" pitchFamily="34" charset="0"/>
+                  </a:rPr>
+                  <a:t>i</a:t>
+                </a:r>
+                <a:r>
+                  <a:rPr lang="ru-RU" dirty="0" smtClean="0">
+                    <a:latin typeface="Arial" panose="020B0604020202020204" pitchFamily="34" charset="0"/>
+                    <a:cs typeface="Arial" panose="020B0604020202020204" pitchFamily="34" charset="0"/>
+                  </a:rPr>
+                  <a:t>.</a:t>
+                </a:r>
+              </a:p>
+              <a:p>
+                <a:pPr marL="0" indent="0">
+                  <a:buNone/>
+                </a:pPr>
+                <a:r>
+                  <a:rPr lang="ru-RU" dirty="0" smtClean="0">
+                    <a:latin typeface="Arial" panose="020B0604020202020204" pitchFamily="34" charset="0"/>
+                    <a:cs typeface="Arial" panose="020B0604020202020204" pitchFamily="34" charset="0"/>
+                  </a:rPr>
+                  <a:t>Последнее </a:t>
+                </a:r>
+                <a:r>
+                  <a:rPr lang="ru-RU" dirty="0">
+                    <a:latin typeface="Arial" panose="020B0604020202020204" pitchFamily="34" charset="0"/>
+                    <a:cs typeface="Arial" panose="020B0604020202020204" pitchFamily="34" charset="0"/>
+                  </a:rPr>
+                  <a:t>значение a</a:t>
+                </a:r>
+                <a:r>
+                  <a:rPr lang="ru-RU" dirty="0" smtClean="0">
+                    <a:latin typeface="Arial" panose="020B0604020202020204" pitchFamily="34" charset="0"/>
+                    <a:cs typeface="Arial" panose="020B0604020202020204" pitchFamily="34" charset="0"/>
+                  </a:rPr>
+                  <a:t>′</a:t>
+                </a:r>
+                <a:r>
+                  <a:rPr lang="ru-RU" dirty="0">
+                    <a:latin typeface="Arial" panose="020B0604020202020204" pitchFamily="34" charset="0"/>
+                    <a:cs typeface="Arial" panose="020B0604020202020204" pitchFamily="34" charset="0"/>
+                  </a:rPr>
+                  <a:t> даст делитель числа </a:t>
+                </a:r>
+                <a:r>
+                  <a:rPr lang="ru-RU" dirty="0" smtClean="0">
+                    <a:latin typeface="Arial" panose="020B0604020202020204" pitchFamily="34" charset="0"/>
+                    <a:cs typeface="Arial" panose="020B0604020202020204" pitchFamily="34" charset="0"/>
+                  </a:rPr>
+                  <a:t>n</a:t>
+                </a:r>
+                <a:r>
+                  <a:rPr lang="ru-RU" dirty="0">
+                    <a:latin typeface="Arial" panose="020B0604020202020204" pitchFamily="34" charset="0"/>
+                    <a:cs typeface="Arial" panose="020B0604020202020204" pitchFamily="34" charset="0"/>
+                  </a:rPr>
+                  <a:t> (возможно тривиальный).</a:t>
+                </a:r>
+              </a:p>
+            </p:txBody>
+          </p:sp>
+        </mc:Choice>
+        <mc:Fallback xmlns="">
+          <p:sp>
+            <p:nvSpPr>
+              <p:cNvPr id="4" name="Объект 3"/>
+              <p:cNvSpPr>
+                <a:spLocks noGrp="1" noRot="1" noChangeAspect="1" noMove="1" noResize="1" noEditPoints="1" noAdjustHandles="1" noChangeArrowheads="1" noChangeShapeType="1" noTextEdit="1"/>
+              </p:cNvSpPr>
+              <p:nvPr>
+                <p:ph idx="1"/>
+              </p:nvPr>
+            </p:nvSpPr>
+            <p:spPr>
+              <a:blipFill rotWithShape="1">
+                <a:blip r:embed="rId2"/>
+                <a:stretch>
+                  <a:fillRect l="-1217" t="-2381"/>
+                </a:stretch>
+              </a:blipFill>
+            </p:spPr>
+            <p:txBody>
+              <a:bodyPr/>
+              <a:lstStyle/>
+              <a:p>
+                <a:r>
+                  <a:rPr lang="ru-RU">
+                    <a:noFill/>
+                  </a:rPr>
+                  <a:t> </a:t>
+                </a:r>
+              </a:p>
+            </p:txBody>
+          </p:sp>
+        </mc:Fallback>
+      </mc:AlternateContent>
       <p:sp>
         <p:nvSpPr>
           <p:cNvPr id="3" name="Номер слайда 2"/>
@@ -6386,7 +4900,7 @@
           <a:p>
             <a:fld id="{ADDC721D-FED4-4080-8955-62676588A2D9}" type="slidenum">
               <a:rPr lang="ru-RU" smtClean="0"/>
-              <a:t>18</a:t>
+              <a:t>12</a:t>
             </a:fld>
             <a:endParaRPr lang="ru-RU"/>
           </a:p>
@@ -6412,7 +4926,124 @@
 </p:sld>
 </file>
 
-<file path=ppt/slides/slide19.xml><?xml version="1.0" encoding="utf-8"?>
+<file path=ppt/slides/slide13.xml><?xml version="1.0" encoding="utf-8"?>
+<p:sld xmlns:a="http://schemas.openxmlformats.org/drawingml/2006/main" xmlns:r="http://schemas.openxmlformats.org/officeDocument/2006/relationships" xmlns:p="http://schemas.openxmlformats.org/presentationml/2006/main">
+  <p:cSld>
+    <p:spTree>
+      <p:nvGrpSpPr>
+        <p:cNvPr id="1" name=""/>
+        <p:cNvGrpSpPr/>
+        <p:nvPr/>
+      </p:nvGrpSpPr>
+      <p:grpSpPr>
+        <a:xfrm>
+          <a:off x="0" y="0"/>
+          <a:ext cx="0" cy="0"/>
+          <a:chOff x="0" y="0"/>
+          <a:chExt cx="0" cy="0"/>
+        </a:xfrm>
+      </p:grpSpPr>
+      <p:sp>
+        <p:nvSpPr>
+          <p:cNvPr id="2" name="Заголовок 1"/>
+          <p:cNvSpPr>
+            <a:spLocks noGrp="1"/>
+          </p:cNvSpPr>
+          <p:nvPr>
+            <p:ph type="title"/>
+          </p:nvPr>
+        </p:nvSpPr>
+        <p:spPr/>
+        <p:txBody>
+          <a:bodyPr/>
+          <a:lstStyle/>
+          <a:p>
+            <a:pPr algn="ctr"/>
+            <a:r>
+              <a:rPr lang="ru-RU" dirty="0" smtClean="0"/>
+              <a:t>Алгоритм </a:t>
+            </a:r>
+            <a:r>
+              <a:rPr lang="ru-RU" dirty="0" err="1" smtClean="0"/>
+              <a:t>Шенкса</a:t>
+            </a:r>
+            <a:endParaRPr lang="ru-RU" dirty="0"/>
+          </a:p>
+        </p:txBody>
+      </p:sp>
+      <p:sp>
+        <p:nvSpPr>
+          <p:cNvPr id="4" name="Номер слайда 3"/>
+          <p:cNvSpPr>
+            <a:spLocks noGrp="1"/>
+          </p:cNvSpPr>
+          <p:nvPr>
+            <p:ph type="sldNum" sz="quarter" idx="12"/>
+          </p:nvPr>
+        </p:nvSpPr>
+        <p:spPr/>
+        <p:txBody>
+          <a:bodyPr/>
+          <a:lstStyle/>
+          <a:p>
+            <a:fld id="{ADDC721D-FED4-4080-8955-62676588A2D9}" type="slidenum">
+              <a:rPr lang="ru-RU" smtClean="0"/>
+              <a:t>13</a:t>
+            </a:fld>
+            <a:endParaRPr lang="ru-RU"/>
+          </a:p>
+        </p:txBody>
+      </p:sp>
+      <p:pic>
+        <p:nvPicPr>
+          <p:cNvPr id="7" name="Объект 6"/>
+          <p:cNvPicPr>
+            <a:picLocks noGrp="1" noChangeAspect="1"/>
+          </p:cNvPicPr>
+          <p:nvPr>
+            <p:ph idx="1"/>
+          </p:nvPr>
+        </p:nvPicPr>
+        <p:blipFill>
+          <a:blip r:embed="rId2" cstate="print">
+            <a:extLst>
+              <a:ext uri="{28A0092B-C50C-407E-A947-70E740481C1C}">
+                <a14:useLocalDpi xmlns:a14="http://schemas.microsoft.com/office/drawing/2010/main" val="0"/>
+              </a:ext>
+            </a:extLst>
+          </a:blip>
+          <a:stretch>
+            <a:fillRect/>
+          </a:stretch>
+        </p:blipFill>
+        <p:spPr>
+          <a:xfrm>
+            <a:off x="1612175" y="1807606"/>
+            <a:ext cx="9090660" cy="4340966"/>
+          </a:xfrm>
+        </p:spPr>
+      </p:pic>
+    </p:spTree>
+    <p:extLst>
+      <p:ext uri="{BB962C8B-B14F-4D97-AF65-F5344CB8AC3E}">
+        <p14:creationId xmlns:p14="http://schemas.microsoft.com/office/powerpoint/2010/main" val="89259493"/>
+      </p:ext>
+    </p:extLst>
+  </p:cSld>
+  <p:clrMapOvr>
+    <a:masterClrMapping/>
+  </p:clrMapOvr>
+  <p:timing>
+    <p:tnLst>
+      <p:par>
+        <p:cTn id="1" dur="indefinite" restart="never" nodeType="tmRoot"/>
+      </p:par>
+    </p:tnLst>
+  </p:timing>
+</p:sld>
+</file>
+
+<file path=ppt/slides/slide14.xml><?xml version="1.0" encoding="utf-8"?>
 <p:sld xmlns:a="http://schemas.openxmlformats.org/drawingml/2006/main" xmlns:r="http://schemas.openxmlformats.org/officeDocument/2006/relationships" xmlns:p="http://schemas.openxmlformats.org/presentationml/2006/main">
   <p:cSld>
     <p:spTree>
@@ -7146,7 +5777,7 @@
           <a:p>
             <a:fld id="{ADDC721D-FED4-4080-8955-62676588A2D9}" type="slidenum">
               <a:rPr lang="ru-RU" smtClean="0"/>
-              <a:t>19</a:t>
+              <a:t>14</a:t>
             </a:fld>
             <a:endParaRPr lang="ru-RU"/>
           </a:p>
@@ -7172,450 +5803,7 @@
 </p:sld>
 </file>
 
-<file path=ppt/slides/slide2.xml><?xml version="1.0" encoding="utf-8"?>
-<p:sld xmlns:a="http://schemas.openxmlformats.org/drawingml/2006/main" xmlns:r="http://schemas.openxmlformats.org/officeDocument/2006/relationships" xmlns:p="http://schemas.openxmlformats.org/presentationml/2006/main" show="0">
-  <p:cSld>
-    <p:spTree>
-      <p:nvGrpSpPr>
-        <p:cNvPr id="1" name=""/>
-        <p:cNvGrpSpPr/>
-        <p:nvPr/>
-      </p:nvGrpSpPr>
-      <p:grpSpPr>
-        <a:xfrm>
-          <a:off x="0" y="0"/>
-          <a:ext cx="0" cy="0"/>
-          <a:chOff x="0" y="0"/>
-          <a:chExt cx="0" cy="0"/>
-        </a:xfrm>
-      </p:grpSpPr>
-      <p:sp>
-        <p:nvSpPr>
-          <p:cNvPr id="4" name="Заголовок 3"/>
-          <p:cNvSpPr>
-            <a:spLocks noGrp="1"/>
-          </p:cNvSpPr>
-          <p:nvPr>
-            <p:ph type="title"/>
-          </p:nvPr>
-        </p:nvSpPr>
-        <p:spPr>
-          <a:xfrm>
-            <a:off x="839788" y="365126"/>
-            <a:ext cx="10515600" cy="681080"/>
-          </a:xfrm>
-        </p:spPr>
-        <p:txBody>
-          <a:bodyPr>
-            <a:normAutofit/>
-          </a:bodyPr>
-          <a:lstStyle/>
-          <a:p>
-            <a:pPr algn="ctr"/>
-            <a:r>
-              <a:rPr lang="ru-RU" sz="4000" dirty="0">
-                <a:latin typeface="Arial" panose="020B0604020202020204" pitchFamily="34" charset="0"/>
-                <a:cs typeface="Arial" panose="020B0604020202020204" pitchFamily="34" charset="0"/>
-              </a:rPr>
-              <a:t>История развития квантовых вычислений</a:t>
-            </a:r>
-          </a:p>
-        </p:txBody>
-      </p:sp>
-      <p:sp>
-        <p:nvSpPr>
-          <p:cNvPr id="5" name="Текст 4"/>
-          <p:cNvSpPr>
-            <a:spLocks noGrp="1"/>
-          </p:cNvSpPr>
-          <p:nvPr>
-            <p:ph type="body" idx="1"/>
-          </p:nvPr>
-        </p:nvSpPr>
-        <p:spPr>
-          <a:xfrm>
-            <a:off x="939801" y="1170417"/>
-            <a:ext cx="5157787" cy="823912"/>
-          </a:xfrm>
-        </p:spPr>
-        <p:txBody>
-          <a:bodyPr/>
-          <a:lstStyle/>
-          <a:p>
-            <a:r>
-              <a:rPr lang="ru-RU" sz="2800" dirty="0" smtClean="0">
-                <a:latin typeface="Arial" panose="020B0604020202020204" pitchFamily="34" charset="0"/>
-                <a:cs typeface="Arial" panose="020B0604020202020204" pitchFamily="34" charset="0"/>
-              </a:rPr>
-              <a:t>Современные компьютеры</a:t>
-            </a:r>
-            <a:r>
-              <a:rPr lang="ru-RU" dirty="0" smtClean="0"/>
-              <a:t>	</a:t>
-            </a:r>
-            <a:endParaRPr lang="ru-RU" dirty="0"/>
-          </a:p>
-        </p:txBody>
-      </p:sp>
-      <p:sp>
-        <p:nvSpPr>
-          <p:cNvPr id="3" name="Объект 2"/>
-          <p:cNvSpPr>
-            <a:spLocks noGrp="1"/>
-          </p:cNvSpPr>
-          <p:nvPr>
-            <p:ph sz="half" idx="2"/>
-          </p:nvPr>
-        </p:nvSpPr>
-        <p:spPr>
-          <a:xfrm>
-            <a:off x="839788" y="1994329"/>
-            <a:ext cx="5157787" cy="4195334"/>
-          </a:xfrm>
-        </p:spPr>
-        <p:txBody>
-          <a:bodyPr>
-            <a:normAutofit/>
-          </a:bodyPr>
-          <a:lstStyle/>
-          <a:p>
-            <a:pPr marL="0" indent="0">
-              <a:buNone/>
-            </a:pPr>
-            <a:r>
-              <a:rPr lang="ru-RU" dirty="0" smtClean="0">
-                <a:latin typeface="Arial" panose="020B0604020202020204" pitchFamily="34" charset="0"/>
-                <a:cs typeface="Arial" panose="020B0604020202020204" pitchFamily="34" charset="0"/>
-              </a:rPr>
-              <a:t>Основаны </a:t>
-            </a:r>
-            <a:r>
-              <a:rPr lang="ru-RU" dirty="0">
-                <a:latin typeface="Arial" panose="020B0604020202020204" pitchFamily="34" charset="0"/>
-                <a:cs typeface="Arial" panose="020B0604020202020204" pitchFamily="34" charset="0"/>
-              </a:rPr>
-              <a:t>на классической </a:t>
-            </a:r>
-            <a:r>
-              <a:rPr lang="ru-RU" dirty="0" smtClean="0">
-                <a:latin typeface="Arial" panose="020B0604020202020204" pitchFamily="34" charset="0"/>
-                <a:cs typeface="Arial" panose="020B0604020202020204" pitchFamily="34" charset="0"/>
-              </a:rPr>
-              <a:t>физике и ограничены </a:t>
-            </a:r>
-            <a:r>
-              <a:rPr lang="ru-RU" dirty="0">
-                <a:latin typeface="Arial" panose="020B0604020202020204" pitchFamily="34" charset="0"/>
-                <a:cs typeface="Arial" panose="020B0604020202020204" pitchFamily="34" charset="0"/>
-              </a:rPr>
-              <a:t>тем фактом, что система может быть только в одном состоянии. </a:t>
-            </a:r>
-          </a:p>
-        </p:txBody>
-      </p:sp>
-      <p:sp>
-        <p:nvSpPr>
-          <p:cNvPr id="7" name="Объект 6"/>
-          <p:cNvSpPr>
-            <a:spLocks noGrp="1"/>
-          </p:cNvSpPr>
-          <p:nvPr>
-            <p:ph sz="quarter" idx="4"/>
-          </p:nvPr>
-        </p:nvSpPr>
-        <p:spPr>
-          <a:xfrm>
-            <a:off x="6172200" y="1994329"/>
-            <a:ext cx="5183188" cy="4195334"/>
-          </a:xfrm>
-        </p:spPr>
-        <p:txBody>
-          <a:bodyPr>
-            <a:normAutofit/>
-          </a:bodyPr>
-          <a:lstStyle/>
-          <a:p>
-            <a:pPr marL="0" indent="0">
-              <a:buNone/>
-            </a:pPr>
-            <a:r>
-              <a:rPr lang="ru-RU" dirty="0" smtClean="0">
-                <a:latin typeface="Arial" panose="020B0604020202020204" pitchFamily="34" charset="0"/>
-                <a:cs typeface="Arial" panose="020B0604020202020204" pitchFamily="34" charset="0"/>
-              </a:rPr>
-              <a:t>Система может находится в суперпозиции нескольких различных состояний одновременно. </a:t>
-            </a:r>
-          </a:p>
-          <a:p>
-            <a:pPr marL="0" indent="0">
-              <a:buNone/>
-            </a:pPr>
-            <a:r>
-              <a:rPr lang="ru-RU" dirty="0" smtClean="0">
-                <a:latin typeface="Arial" panose="020B0604020202020204" pitchFamily="34" charset="0"/>
-                <a:cs typeface="Arial" panose="020B0604020202020204" pitchFamily="34" charset="0"/>
-              </a:rPr>
-              <a:t>Территориально разделенные квантовые системы могут быть переплетены друг с другом и благодаря этому, операции перестают быть локальными.</a:t>
-            </a:r>
-          </a:p>
-          <a:p>
-            <a:endParaRPr lang="ru-RU" dirty="0"/>
-          </a:p>
-        </p:txBody>
-      </p:sp>
-      <p:sp>
-        <p:nvSpPr>
-          <p:cNvPr id="8" name="Текст 4"/>
-          <p:cNvSpPr txBox="1">
-            <a:spLocks/>
-          </p:cNvSpPr>
-          <p:nvPr/>
-        </p:nvSpPr>
-        <p:spPr>
-          <a:xfrm>
-            <a:off x="6097588" y="1107057"/>
-            <a:ext cx="5157787" cy="531018"/>
-          </a:xfrm>
-          <a:prstGeom prst="rect">
-            <a:avLst/>
-          </a:prstGeom>
-        </p:spPr>
-        <p:txBody>
-          <a:bodyPr vert="horz" lIns="91440" tIns="45720" rIns="91440" bIns="45720" rtlCol="0" anchor="b">
-            <a:normAutofit/>
-          </a:bodyPr>
-          <a:lstStyle>
-            <a:lvl1pPr marL="0" indent="0" algn="l" defTabSz="914400" rtl="0" eaLnBrk="1" latinLnBrk="0" hangingPunct="1">
-              <a:lnSpc>
-                <a:spcPct val="90000"/>
-              </a:lnSpc>
-              <a:spcBef>
-                <a:spcPts val="1000"/>
-              </a:spcBef>
-              <a:buFont typeface="Arial" panose="020B0604020202020204" pitchFamily="34" charset="0"/>
-              <a:buNone/>
-              <a:defRPr sz="2400" b="1" kern="1200">
-                <a:solidFill>
-                  <a:schemeClr val="tx1"/>
-                </a:solidFill>
-                <a:latin typeface="+mn-lt"/>
-                <a:ea typeface="+mn-ea"/>
-                <a:cs typeface="+mn-cs"/>
-              </a:defRPr>
-            </a:lvl1pPr>
-            <a:lvl2pPr marL="457200" indent="0" algn="l" defTabSz="914400" rtl="0" eaLnBrk="1" latinLnBrk="0" hangingPunct="1">
-              <a:lnSpc>
-                <a:spcPct val="90000"/>
-              </a:lnSpc>
-              <a:spcBef>
-                <a:spcPts val="500"/>
-              </a:spcBef>
-              <a:buFont typeface="Arial" panose="020B0604020202020204" pitchFamily="34" charset="0"/>
-              <a:buNone/>
-              <a:defRPr sz="2000" b="1" kern="1200">
-                <a:solidFill>
-                  <a:schemeClr val="tx1"/>
-                </a:solidFill>
-                <a:latin typeface="+mn-lt"/>
-                <a:ea typeface="+mn-ea"/>
-                <a:cs typeface="+mn-cs"/>
-              </a:defRPr>
-            </a:lvl2pPr>
-            <a:lvl3pPr marL="914400" indent="0" algn="l" defTabSz="914400" rtl="0" eaLnBrk="1" latinLnBrk="0" hangingPunct="1">
-              <a:lnSpc>
-                <a:spcPct val="90000"/>
-              </a:lnSpc>
-              <a:spcBef>
-                <a:spcPts val="500"/>
-              </a:spcBef>
-              <a:buFont typeface="Arial" panose="020B0604020202020204" pitchFamily="34" charset="0"/>
-              <a:buNone/>
-              <a:defRPr sz="1800" b="1" kern="1200">
-                <a:solidFill>
-                  <a:schemeClr val="tx1"/>
-                </a:solidFill>
-                <a:latin typeface="+mn-lt"/>
-                <a:ea typeface="+mn-ea"/>
-                <a:cs typeface="+mn-cs"/>
-              </a:defRPr>
-            </a:lvl3pPr>
-            <a:lvl4pPr marL="1371600" indent="0" algn="l" defTabSz="914400" rtl="0" eaLnBrk="1" latinLnBrk="0" hangingPunct="1">
-              <a:lnSpc>
-                <a:spcPct val="90000"/>
-              </a:lnSpc>
-              <a:spcBef>
-                <a:spcPts val="500"/>
-              </a:spcBef>
-              <a:buFont typeface="Arial" panose="020B0604020202020204" pitchFamily="34" charset="0"/>
-              <a:buNone/>
-              <a:defRPr sz="1600" b="1" kern="1200">
-                <a:solidFill>
-                  <a:schemeClr val="tx1"/>
-                </a:solidFill>
-                <a:latin typeface="+mn-lt"/>
-                <a:ea typeface="+mn-ea"/>
-                <a:cs typeface="+mn-cs"/>
-              </a:defRPr>
-            </a:lvl4pPr>
-            <a:lvl5pPr marL="1828800" indent="0" algn="l" defTabSz="914400" rtl="0" eaLnBrk="1" latinLnBrk="0" hangingPunct="1">
-              <a:lnSpc>
-                <a:spcPct val="90000"/>
-              </a:lnSpc>
-              <a:spcBef>
-                <a:spcPts val="500"/>
-              </a:spcBef>
-              <a:buFont typeface="Arial" panose="020B0604020202020204" pitchFamily="34" charset="0"/>
-              <a:buNone/>
-              <a:defRPr sz="1600" b="1" kern="1200">
-                <a:solidFill>
-                  <a:schemeClr val="tx1"/>
-                </a:solidFill>
-                <a:latin typeface="+mn-lt"/>
-                <a:ea typeface="+mn-ea"/>
-                <a:cs typeface="+mn-cs"/>
-              </a:defRPr>
-            </a:lvl5pPr>
-            <a:lvl6pPr marL="2286000" indent="0" algn="l" defTabSz="914400" rtl="0" eaLnBrk="1" latinLnBrk="0" hangingPunct="1">
-              <a:lnSpc>
-                <a:spcPct val="90000"/>
-              </a:lnSpc>
-              <a:spcBef>
-                <a:spcPts val="500"/>
-              </a:spcBef>
-              <a:buFont typeface="Arial" panose="020B0604020202020204" pitchFamily="34" charset="0"/>
-              <a:buNone/>
-              <a:defRPr sz="1600" b="1" kern="1200">
-                <a:solidFill>
-                  <a:schemeClr val="tx1"/>
-                </a:solidFill>
-                <a:latin typeface="+mn-lt"/>
-                <a:ea typeface="+mn-ea"/>
-                <a:cs typeface="+mn-cs"/>
-              </a:defRPr>
-            </a:lvl6pPr>
-            <a:lvl7pPr marL="2743200" indent="0" algn="l" defTabSz="914400" rtl="0" eaLnBrk="1" latinLnBrk="0" hangingPunct="1">
-              <a:lnSpc>
-                <a:spcPct val="90000"/>
-              </a:lnSpc>
-              <a:spcBef>
-                <a:spcPts val="500"/>
-              </a:spcBef>
-              <a:buFont typeface="Arial" panose="020B0604020202020204" pitchFamily="34" charset="0"/>
-              <a:buNone/>
-              <a:defRPr sz="1600" b="1" kern="1200">
-                <a:solidFill>
-                  <a:schemeClr val="tx1"/>
-                </a:solidFill>
-                <a:latin typeface="+mn-lt"/>
-                <a:ea typeface="+mn-ea"/>
-                <a:cs typeface="+mn-cs"/>
-              </a:defRPr>
-            </a:lvl7pPr>
-            <a:lvl8pPr marL="3200400" indent="0" algn="l" defTabSz="914400" rtl="0" eaLnBrk="1" latinLnBrk="0" hangingPunct="1">
-              <a:lnSpc>
-                <a:spcPct val="90000"/>
-              </a:lnSpc>
-              <a:spcBef>
-                <a:spcPts val="500"/>
-              </a:spcBef>
-              <a:buFont typeface="Arial" panose="020B0604020202020204" pitchFamily="34" charset="0"/>
-              <a:buNone/>
-              <a:defRPr sz="1600" b="1" kern="1200">
-                <a:solidFill>
-                  <a:schemeClr val="tx1"/>
-                </a:solidFill>
-                <a:latin typeface="+mn-lt"/>
-                <a:ea typeface="+mn-ea"/>
-                <a:cs typeface="+mn-cs"/>
-              </a:defRPr>
-            </a:lvl8pPr>
-            <a:lvl9pPr marL="3657600" indent="0" algn="l" defTabSz="914400" rtl="0" eaLnBrk="1" latinLnBrk="0" hangingPunct="1">
-              <a:lnSpc>
-                <a:spcPct val="90000"/>
-              </a:lnSpc>
-              <a:spcBef>
-                <a:spcPts val="500"/>
-              </a:spcBef>
-              <a:buFont typeface="Arial" panose="020B0604020202020204" pitchFamily="34" charset="0"/>
-              <a:buNone/>
-              <a:defRPr sz="1600" b="1" kern="1200">
-                <a:solidFill>
-                  <a:schemeClr val="tx1"/>
-                </a:solidFill>
-                <a:latin typeface="+mn-lt"/>
-                <a:ea typeface="+mn-ea"/>
-                <a:cs typeface="+mn-cs"/>
-              </a:defRPr>
-            </a:lvl9pPr>
-          </a:lstStyle>
-          <a:p>
-            <a:r>
-              <a:rPr lang="ru-RU" sz="2800" dirty="0" smtClean="0">
-                <a:latin typeface="Arial" panose="020B0604020202020204" pitchFamily="34" charset="0"/>
-                <a:cs typeface="Arial" panose="020B0604020202020204" pitchFamily="34" charset="0"/>
-              </a:rPr>
-              <a:t>Квантовые компьютеры</a:t>
-            </a:r>
-            <a:r>
-              <a:rPr lang="ru-RU" dirty="0" smtClean="0"/>
-              <a:t>	</a:t>
-            </a:r>
-            <a:endParaRPr lang="ru-RU" dirty="0"/>
-          </a:p>
-        </p:txBody>
-      </p:sp>
-      <p:sp>
-        <p:nvSpPr>
-          <p:cNvPr id="2" name="Номер слайда 1"/>
-          <p:cNvSpPr>
-            <a:spLocks noGrp="1"/>
-          </p:cNvSpPr>
-          <p:nvPr>
-            <p:ph type="sldNum" sz="quarter" idx="12"/>
-          </p:nvPr>
-        </p:nvSpPr>
-        <p:spPr/>
-        <p:txBody>
-          <a:bodyPr/>
-          <a:lstStyle/>
-          <a:p>
-            <a:fld id="{ADDC721D-FED4-4080-8955-62676588A2D9}" type="slidenum">
-              <a:rPr lang="ru-RU" smtClean="0"/>
-              <a:t>2</a:t>
-            </a:fld>
-            <a:endParaRPr lang="ru-RU" dirty="0"/>
-          </a:p>
-        </p:txBody>
-      </p:sp>
-    </p:spTree>
-    <p:extLst>
-      <p:ext uri="{BB962C8B-B14F-4D97-AF65-F5344CB8AC3E}">
-        <p14:creationId xmlns:p14="http://schemas.microsoft.com/office/powerpoint/2010/main" val="1484002832"/>
-      </p:ext>
-    </p:extLst>
-  </p:cSld>
-  <p:clrMapOvr>
-    <a:masterClrMapping/>
-  </p:clrMapOvr>
-  <mc:AlternateContent xmlns:mc="http://schemas.openxmlformats.org/markup-compatibility/2006" xmlns:p14="http://schemas.microsoft.com/office/powerpoint/2010/main">
-    <mc:Choice Requires="p14">
-      <p:transition spd="slow" p14:dur="2000"/>
-    </mc:Choice>
-    <mc:Fallback xmlns="">
-      <p:transition spd="slow"/>
-    </mc:Fallback>
-  </mc:AlternateContent>
-  <p:timing>
-    <p:tnLst>
-      <p:par>
-        <p:cTn id="1" dur="indefinite" restart="never" nodeType="tmRoot"/>
-      </p:par>
-    </p:tnLst>
-  </p:timing>
-</p:sld>
-</file>
-
-<file path=ppt/slides/slide20.xml><?xml version="1.0" encoding="utf-8"?>
+<file path=ppt/slides/slide15.xml><?xml version="1.0" encoding="utf-8"?>
 <p:sld xmlns:a="http://schemas.openxmlformats.org/drawingml/2006/main" xmlns:r="http://schemas.openxmlformats.org/officeDocument/2006/relationships" xmlns:p="http://schemas.openxmlformats.org/presentationml/2006/main">
   <p:cSld>
     <p:spTree>
@@ -7634,6 +5822,1089 @@
       </p:grpSpPr>
       <p:sp>
         <p:nvSpPr>
+          <p:cNvPr id="8" name="Заголовок 7"/>
+          <p:cNvSpPr>
+            <a:spLocks noGrp="1"/>
+          </p:cNvSpPr>
+          <p:nvPr>
+            <p:ph type="title"/>
+          </p:nvPr>
+        </p:nvSpPr>
+        <p:spPr>
+          <a:xfrm>
+            <a:off x="855133" y="287866"/>
+            <a:ext cx="10515600" cy="1470555"/>
+          </a:xfrm>
+        </p:spPr>
+        <p:txBody>
+          <a:bodyPr>
+            <a:normAutofit/>
+          </a:bodyPr>
+          <a:lstStyle/>
+          <a:p>
+            <a:pPr algn="ctr"/>
+            <a:r>
+              <a:rPr lang="ru-RU" sz="4000" dirty="0" smtClean="0">
+                <a:latin typeface="Arial" panose="020B0604020202020204" pitchFamily="34" charset="0"/>
+                <a:cs typeface="Arial" panose="020B0604020202020204" pitchFamily="34" charset="0"/>
+              </a:rPr>
+              <a:t>Операции трансформации состояния </a:t>
+            </a:r>
+            <a:br>
+              <a:rPr lang="ru-RU" sz="4000" dirty="0" smtClean="0">
+                <a:latin typeface="Arial" panose="020B0604020202020204" pitchFamily="34" charset="0"/>
+                <a:cs typeface="Arial" panose="020B0604020202020204" pitchFamily="34" charset="0"/>
+              </a:rPr>
+            </a:br>
+            <a:r>
+              <a:rPr lang="en-US" sz="4000" i="1" dirty="0" smtClean="0">
+                <a:latin typeface="Arial" panose="020B0604020202020204" pitchFamily="34" charset="0"/>
+                <a:cs typeface="Arial" panose="020B0604020202020204" pitchFamily="34" charset="0"/>
+              </a:rPr>
+              <a:t>|</a:t>
+            </a:r>
+            <a:r>
+              <a:rPr lang="en-US" sz="4000" i="1" dirty="0">
+                <a:latin typeface="Arial" panose="020B0604020202020204" pitchFamily="34" charset="0"/>
+                <a:cs typeface="Arial" panose="020B0604020202020204" pitchFamily="34" charset="0"/>
+              </a:rPr>
+              <a:t>x, y</a:t>
+            </a:r>
+            <a:r>
+              <a:rPr lang="ru-RU" sz="4000" i="1" dirty="0">
+                <a:latin typeface="Arial" panose="020B0604020202020204" pitchFamily="34" charset="0"/>
+                <a:cs typeface="Arial" panose="020B0604020202020204" pitchFamily="34" charset="0"/>
+              </a:rPr>
+              <a:t>⟩</a:t>
+            </a:r>
+            <a:r>
+              <a:rPr lang="en-US" sz="4000" i="1" dirty="0">
+                <a:latin typeface="Arial" panose="020B0604020202020204" pitchFamily="34" charset="0"/>
+                <a:cs typeface="Arial" panose="020B0604020202020204" pitchFamily="34" charset="0"/>
+              </a:rPr>
+              <a:t> </a:t>
+            </a:r>
+            <a:r>
+              <a:rPr lang="ru-RU" sz="4000" i="1" dirty="0">
+                <a:latin typeface="Arial" panose="020B0604020202020204" pitchFamily="34" charset="0"/>
+                <a:cs typeface="Arial" panose="020B0604020202020204" pitchFamily="34" charset="0"/>
+              </a:rPr>
+              <a:t>в </a:t>
+            </a:r>
+            <a:r>
+              <a:rPr lang="en-US" sz="4000" i="1" dirty="0">
+                <a:latin typeface="Arial" panose="020B0604020202020204" pitchFamily="34" charset="0"/>
+                <a:cs typeface="Arial" panose="020B0604020202020204" pitchFamily="34" charset="0"/>
+              </a:rPr>
+              <a:t>|x, y ⊕ f(x)</a:t>
+            </a:r>
+            <a:r>
+              <a:rPr lang="ru-RU" sz="4000" i="1" dirty="0" smtClean="0">
+                <a:latin typeface="Arial" panose="020B0604020202020204" pitchFamily="34" charset="0"/>
+                <a:cs typeface="Arial" panose="020B0604020202020204" pitchFamily="34" charset="0"/>
+              </a:rPr>
+              <a:t>⟩</a:t>
+            </a:r>
+            <a:endParaRPr lang="ru-RU" sz="4000" dirty="0"/>
+          </a:p>
+        </p:txBody>
+      </p:sp>
+      <p:sp>
+        <p:nvSpPr>
+          <p:cNvPr id="9" name="Объект 8"/>
+          <p:cNvSpPr>
+            <a:spLocks noGrp="1"/>
+          </p:cNvSpPr>
+          <p:nvPr>
+            <p:ph idx="1"/>
+          </p:nvPr>
+        </p:nvSpPr>
+        <p:spPr>
+          <a:xfrm>
+            <a:off x="838200" y="1901825"/>
+            <a:ext cx="10515600" cy="4351338"/>
+          </a:xfrm>
+        </p:spPr>
+        <p:txBody>
+          <a:bodyPr>
+            <a:normAutofit fontScale="55000" lnSpcReduction="20000"/>
+          </a:bodyPr>
+          <a:lstStyle/>
+          <a:p>
+            <a:r>
+              <a:rPr lang="en-US" sz="5100" dirty="0" smtClean="0">
+                <a:latin typeface="Arial" panose="020B0604020202020204" pitchFamily="34" charset="0"/>
+                <a:cs typeface="Arial" panose="020B0604020202020204" pitchFamily="34" charset="0"/>
+              </a:rPr>
+              <a:t>f(x</a:t>
+            </a:r>
+            <a:r>
+              <a:rPr lang="en-US" sz="5100" dirty="0">
+                <a:latin typeface="Arial" panose="020B0604020202020204" pitchFamily="34" charset="0"/>
+                <a:cs typeface="Arial" panose="020B0604020202020204" pitchFamily="34" charset="0"/>
+              </a:rPr>
+              <a:t>) = </a:t>
+            </a:r>
+            <a:r>
+              <a:rPr lang="en-US" sz="5100" dirty="0" smtClean="0">
+                <a:latin typeface="Arial" panose="020B0604020202020204" pitchFamily="34" charset="0"/>
+                <a:cs typeface="Arial" panose="020B0604020202020204" pitchFamily="34" charset="0"/>
+              </a:rPr>
+              <a:t>0</a:t>
+            </a:r>
+            <a:r>
+              <a:rPr lang="ru-RU" sz="4000" dirty="0" smtClean="0">
+                <a:latin typeface="Arial" panose="020B0604020202020204" pitchFamily="34" charset="0"/>
+                <a:cs typeface="Arial" panose="020B0604020202020204" pitchFamily="34" charset="0"/>
+              </a:rPr>
+              <a:t/>
+            </a:r>
+            <a:br>
+              <a:rPr lang="ru-RU" sz="4000" dirty="0" smtClean="0">
+                <a:latin typeface="Arial" panose="020B0604020202020204" pitchFamily="34" charset="0"/>
+                <a:cs typeface="Arial" panose="020B0604020202020204" pitchFamily="34" charset="0"/>
+              </a:rPr>
+            </a:br>
+            <a:r>
+              <a:rPr lang="en-US" sz="3600" dirty="0" smtClean="0">
+                <a:latin typeface="Courier New" panose="02070309020205020404" pitchFamily="49" charset="0"/>
+                <a:cs typeface="Courier New" panose="02070309020205020404" pitchFamily="49" charset="0"/>
+              </a:rPr>
+              <a:t>operation </a:t>
+            </a:r>
+            <a:r>
+              <a:rPr lang="en-US" sz="3600" dirty="0" err="1">
+                <a:latin typeface="Courier New" panose="02070309020205020404" pitchFamily="49" charset="0"/>
+                <a:cs typeface="Courier New" panose="02070309020205020404" pitchFamily="49" charset="0"/>
+              </a:rPr>
+              <a:t>Oracle_Zero</a:t>
+            </a:r>
+            <a:r>
+              <a:rPr lang="en-US" sz="3600" dirty="0">
+                <a:latin typeface="Courier New" panose="02070309020205020404" pitchFamily="49" charset="0"/>
+                <a:cs typeface="Courier New" panose="02070309020205020404" pitchFamily="49" charset="0"/>
+              </a:rPr>
+              <a:t> (x : Qubit[], y : Qubit) : Unit </a:t>
+            </a:r>
+            <a:r>
+              <a:rPr lang="ru-RU" sz="4000" dirty="0">
+                <a:latin typeface="Arial" panose="020B0604020202020204" pitchFamily="34" charset="0"/>
+                <a:cs typeface="Arial" panose="020B0604020202020204" pitchFamily="34" charset="0"/>
+              </a:rPr>
+              <a:t> </a:t>
+            </a:r>
+            <a:endParaRPr lang="en-US" sz="4000" dirty="0" smtClean="0">
+              <a:latin typeface="Arial" panose="020B0604020202020204" pitchFamily="34" charset="0"/>
+              <a:cs typeface="Arial" panose="020B0604020202020204" pitchFamily="34" charset="0"/>
+            </a:endParaRPr>
+          </a:p>
+          <a:p>
+            <a:r>
+              <a:rPr lang="en-US" sz="5100" dirty="0" smtClean="0">
+                <a:latin typeface="Arial" panose="020B0604020202020204" pitchFamily="34" charset="0"/>
+                <a:cs typeface="Arial" panose="020B0604020202020204" pitchFamily="34" charset="0"/>
+              </a:rPr>
+              <a:t>f(x</a:t>
+            </a:r>
+            <a:r>
+              <a:rPr lang="en-US" sz="5100" dirty="0">
+                <a:latin typeface="Arial" panose="020B0604020202020204" pitchFamily="34" charset="0"/>
+                <a:cs typeface="Arial" panose="020B0604020202020204" pitchFamily="34" charset="0"/>
+              </a:rPr>
+              <a:t>) = </a:t>
+            </a:r>
+            <a:r>
+              <a:rPr lang="en-US" sz="5100" dirty="0" smtClean="0">
+                <a:latin typeface="Arial" panose="020B0604020202020204" pitchFamily="34" charset="0"/>
+                <a:cs typeface="Arial" panose="020B0604020202020204" pitchFamily="34" charset="0"/>
+              </a:rPr>
+              <a:t>1</a:t>
+            </a:r>
+            <a:r>
+              <a:rPr lang="ru-RU" sz="4000" dirty="0" smtClean="0">
+                <a:latin typeface="Arial" panose="020B0604020202020204" pitchFamily="34" charset="0"/>
+                <a:cs typeface="Arial" panose="020B0604020202020204" pitchFamily="34" charset="0"/>
+              </a:rPr>
+              <a:t/>
+            </a:r>
+            <a:br>
+              <a:rPr lang="ru-RU" sz="4000" dirty="0" smtClean="0">
+                <a:latin typeface="Arial" panose="020B0604020202020204" pitchFamily="34" charset="0"/>
+                <a:cs typeface="Arial" panose="020B0604020202020204" pitchFamily="34" charset="0"/>
+              </a:rPr>
+            </a:br>
+            <a:r>
+              <a:rPr lang="en-US" sz="3600" dirty="0" smtClean="0">
+                <a:latin typeface="Courier New" panose="02070309020205020404" pitchFamily="49" charset="0"/>
+                <a:cs typeface="Courier New" panose="02070309020205020404" pitchFamily="49" charset="0"/>
+              </a:rPr>
+              <a:t>operation </a:t>
+            </a:r>
+            <a:r>
+              <a:rPr lang="en-US" sz="3600" dirty="0" err="1">
+                <a:latin typeface="Courier New" panose="02070309020205020404" pitchFamily="49" charset="0"/>
+                <a:cs typeface="Courier New" panose="02070309020205020404" pitchFamily="49" charset="0"/>
+              </a:rPr>
+              <a:t>Oracle_One</a:t>
+            </a:r>
+            <a:r>
+              <a:rPr lang="en-US" sz="3600" dirty="0">
+                <a:latin typeface="Courier New" panose="02070309020205020404" pitchFamily="49" charset="0"/>
+                <a:cs typeface="Courier New" panose="02070309020205020404" pitchFamily="49" charset="0"/>
+              </a:rPr>
+              <a:t> (x : Qubit[], y : Qubit) : </a:t>
+            </a:r>
+            <a:r>
+              <a:rPr lang="en-US" sz="3600" dirty="0" smtClean="0">
+                <a:latin typeface="Courier New" panose="02070309020205020404" pitchFamily="49" charset="0"/>
+                <a:cs typeface="Courier New" panose="02070309020205020404" pitchFamily="49" charset="0"/>
+              </a:rPr>
+              <a:t>Unit</a:t>
+            </a:r>
+          </a:p>
+          <a:p>
+            <a:r>
+              <a:rPr lang="en-US" sz="5100" dirty="0" smtClean="0">
+                <a:latin typeface="Arial" panose="020B0604020202020204" pitchFamily="34" charset="0"/>
+                <a:cs typeface="Arial" panose="020B0604020202020204" pitchFamily="34" charset="0"/>
+              </a:rPr>
+              <a:t>f(x</a:t>
+            </a:r>
+            <a:r>
+              <a:rPr lang="en-US" sz="5100" dirty="0">
+                <a:latin typeface="Arial" panose="020B0604020202020204" pitchFamily="34" charset="0"/>
+                <a:cs typeface="Arial" panose="020B0604020202020204" pitchFamily="34" charset="0"/>
+              </a:rPr>
+              <a:t>) = </a:t>
+            </a:r>
+            <a:r>
+              <a:rPr lang="en-US" sz="5100" dirty="0" smtClean="0">
+                <a:latin typeface="Arial" panose="020B0604020202020204" pitchFamily="34" charset="0"/>
+                <a:cs typeface="Arial" panose="020B0604020202020204" pitchFamily="34" charset="0"/>
+              </a:rPr>
+              <a:t>x </a:t>
+            </a:r>
+            <a:r>
+              <a:rPr lang="en-US" sz="5100" dirty="0" smtClean="0">
+                <a:latin typeface="Arial" panose="020B0604020202020204" pitchFamily="34" charset="0"/>
+                <a:cs typeface="Arial" panose="020B0604020202020204" pitchFamily="34" charset="0"/>
+              </a:rPr>
+              <a:t>(</a:t>
+            </a:r>
+            <a:r>
+              <a:rPr lang="ru-RU" sz="5100" dirty="0" smtClean="0">
+                <a:latin typeface="Arial" panose="020B0604020202020204" pitchFamily="34" charset="0"/>
+                <a:cs typeface="Arial" panose="020B0604020202020204" pitchFamily="34" charset="0"/>
+              </a:rPr>
+              <a:t>значение </a:t>
+            </a:r>
+            <a:r>
+              <a:rPr lang="en-US" sz="5100" dirty="0" smtClean="0">
+                <a:latin typeface="Arial" panose="020B0604020202020204" pitchFamily="34" charset="0"/>
+                <a:cs typeface="Arial" panose="020B0604020202020204" pitchFamily="34" charset="0"/>
+              </a:rPr>
+              <a:t>k-</a:t>
+            </a:r>
+            <a:r>
+              <a:rPr lang="ru-RU" sz="5100" dirty="0" smtClean="0">
+                <a:latin typeface="Arial" panose="020B0604020202020204" pitchFamily="34" charset="0"/>
+                <a:cs typeface="Arial" panose="020B0604020202020204" pitchFamily="34" charset="0"/>
+              </a:rPr>
+              <a:t>того кубита</a:t>
+            </a:r>
+            <a:r>
+              <a:rPr lang="en-US" sz="5100" dirty="0" smtClean="0">
+                <a:latin typeface="Arial" panose="020B0604020202020204" pitchFamily="34" charset="0"/>
+                <a:cs typeface="Arial" panose="020B0604020202020204" pitchFamily="34" charset="0"/>
+              </a:rPr>
+              <a:t>)</a:t>
+            </a:r>
+            <a:r>
+              <a:rPr lang="ru-RU" sz="4000" dirty="0" smtClean="0">
+                <a:latin typeface="Arial" panose="020B0604020202020204" pitchFamily="34" charset="0"/>
+                <a:cs typeface="Arial" panose="020B0604020202020204" pitchFamily="34" charset="0"/>
+              </a:rPr>
+              <a:t/>
+            </a:r>
+            <a:br>
+              <a:rPr lang="ru-RU" sz="4000" dirty="0" smtClean="0">
+                <a:latin typeface="Arial" panose="020B0604020202020204" pitchFamily="34" charset="0"/>
+                <a:cs typeface="Arial" panose="020B0604020202020204" pitchFamily="34" charset="0"/>
+              </a:rPr>
+            </a:br>
+            <a:r>
+              <a:rPr lang="en-US" sz="3300" dirty="0" smtClean="0">
+                <a:latin typeface="Courier New" panose="02070309020205020404" pitchFamily="49" charset="0"/>
+                <a:cs typeface="Courier New" panose="02070309020205020404" pitchFamily="49" charset="0"/>
+              </a:rPr>
+              <a:t>operation </a:t>
+            </a:r>
+            <a:r>
+              <a:rPr lang="en-US" sz="3300" dirty="0" err="1">
+                <a:latin typeface="Courier New" panose="02070309020205020404" pitchFamily="49" charset="0"/>
+                <a:cs typeface="Courier New" panose="02070309020205020404" pitchFamily="49" charset="0"/>
+              </a:rPr>
+              <a:t>Oracle_Kth_Qubit</a:t>
+            </a:r>
+            <a:r>
+              <a:rPr lang="en-US" sz="3300" dirty="0">
+                <a:latin typeface="Courier New" panose="02070309020205020404" pitchFamily="49" charset="0"/>
+                <a:cs typeface="Courier New" panose="02070309020205020404" pitchFamily="49" charset="0"/>
+              </a:rPr>
+              <a:t> (x : Qubit[], y : Qubit, k : </a:t>
+            </a:r>
+            <a:r>
+              <a:rPr lang="en-US" sz="3300" dirty="0" err="1">
+                <a:latin typeface="Courier New" panose="02070309020205020404" pitchFamily="49" charset="0"/>
+                <a:cs typeface="Courier New" panose="02070309020205020404" pitchFamily="49" charset="0"/>
+              </a:rPr>
+              <a:t>Int</a:t>
+            </a:r>
+            <a:r>
+              <a:rPr lang="en-US" sz="3300" dirty="0">
+                <a:latin typeface="Courier New" panose="02070309020205020404" pitchFamily="49" charset="0"/>
+                <a:cs typeface="Courier New" panose="02070309020205020404" pitchFamily="49" charset="0"/>
+              </a:rPr>
+              <a:t>) : Unit </a:t>
+            </a:r>
+            <a:endParaRPr lang="ru-RU" sz="3300" dirty="0" smtClean="0">
+              <a:latin typeface="Courier New" panose="02070309020205020404" pitchFamily="49" charset="0"/>
+              <a:cs typeface="Courier New" panose="02070309020205020404" pitchFamily="49" charset="0"/>
+            </a:endParaRPr>
+          </a:p>
+          <a:p>
+            <a:r>
+              <a:rPr lang="en-US" sz="5100" dirty="0" smtClean="0">
+                <a:latin typeface="Arial" panose="020B0604020202020204" pitchFamily="34" charset="0"/>
+                <a:cs typeface="Arial" panose="020B0604020202020204" pitchFamily="34" charset="0"/>
+              </a:rPr>
+              <a:t>f(x</a:t>
+            </a:r>
+            <a:r>
+              <a:rPr lang="en-US" sz="5100" dirty="0">
+                <a:latin typeface="Arial" panose="020B0604020202020204" pitchFamily="34" charset="0"/>
+                <a:cs typeface="Arial" panose="020B0604020202020204" pitchFamily="34" charset="0"/>
+              </a:rPr>
+              <a:t>) = 1 </a:t>
+            </a:r>
+            <a:r>
+              <a:rPr lang="ru-RU" sz="5100" dirty="0" smtClean="0">
+                <a:latin typeface="Arial" panose="020B0604020202020204" pitchFamily="34" charset="0"/>
+                <a:cs typeface="Arial" panose="020B0604020202020204" pitchFamily="34" charset="0"/>
+              </a:rPr>
+              <a:t>если у х четное число единиц, и 0 в противоположном случае</a:t>
+            </a:r>
+            <a:r>
+              <a:rPr lang="ru-RU" sz="4000" dirty="0" smtClean="0">
+                <a:latin typeface="Arial" panose="020B0604020202020204" pitchFamily="34" charset="0"/>
+                <a:cs typeface="Arial" panose="020B0604020202020204" pitchFamily="34" charset="0"/>
+              </a:rPr>
+              <a:t/>
+            </a:r>
+            <a:br>
+              <a:rPr lang="ru-RU" sz="4000" dirty="0" smtClean="0">
+                <a:latin typeface="Arial" panose="020B0604020202020204" pitchFamily="34" charset="0"/>
+                <a:cs typeface="Arial" panose="020B0604020202020204" pitchFamily="34" charset="0"/>
+              </a:rPr>
+            </a:br>
+            <a:r>
+              <a:rPr lang="en-US" sz="3600" dirty="0" smtClean="0">
+                <a:latin typeface="Courier New" panose="02070309020205020404" pitchFamily="49" charset="0"/>
+                <a:cs typeface="Courier New" panose="02070309020205020404" pitchFamily="49" charset="0"/>
+              </a:rPr>
+              <a:t>operation </a:t>
+            </a:r>
+            <a:r>
+              <a:rPr lang="en-US" sz="3600" dirty="0" err="1">
+                <a:latin typeface="Courier New" panose="02070309020205020404" pitchFamily="49" charset="0"/>
+                <a:cs typeface="Courier New" panose="02070309020205020404" pitchFamily="49" charset="0"/>
+              </a:rPr>
+              <a:t>Oracle_OddNumberOfOnes</a:t>
+            </a:r>
+            <a:r>
+              <a:rPr lang="en-US" sz="3600" dirty="0">
+                <a:latin typeface="Courier New" panose="02070309020205020404" pitchFamily="49" charset="0"/>
+                <a:cs typeface="Courier New" panose="02070309020205020404" pitchFamily="49" charset="0"/>
+              </a:rPr>
+              <a:t> (x : Qubit[], y : Qubit) : </a:t>
+            </a:r>
+            <a:r>
+              <a:rPr lang="en-US" sz="3600" dirty="0" smtClean="0">
+                <a:latin typeface="Courier New" panose="02070309020205020404" pitchFamily="49" charset="0"/>
+                <a:cs typeface="Courier New" panose="02070309020205020404" pitchFamily="49" charset="0"/>
+              </a:rPr>
+              <a:t>Unit</a:t>
+            </a:r>
+            <a:endParaRPr lang="ru-RU" sz="3600" dirty="0">
+              <a:latin typeface="Courier New" panose="02070309020205020404" pitchFamily="49" charset="0"/>
+              <a:cs typeface="Courier New" panose="02070309020205020404" pitchFamily="49" charset="0"/>
+            </a:endParaRPr>
+          </a:p>
+          <a:p>
+            <a:pPr marL="0" indent="0">
+              <a:buNone/>
+            </a:pPr>
+            <a:endParaRPr lang="ru-RU" sz="2400" dirty="0"/>
+          </a:p>
+          <a:p>
+            <a:pPr marL="0" indent="0">
+              <a:buNone/>
+            </a:pPr>
+            <a:endParaRPr lang="ru-RU" sz="2400" dirty="0"/>
+          </a:p>
+          <a:p>
+            <a:pPr marL="0" indent="0">
+              <a:buNone/>
+            </a:pPr>
+            <a:r>
+              <a:rPr lang="en-US" sz="2400" dirty="0" smtClean="0">
+                <a:latin typeface="Courier New" panose="02070309020205020404" pitchFamily="49" charset="0"/>
+                <a:cs typeface="Courier New" panose="02070309020205020404" pitchFamily="49" charset="0"/>
+              </a:rPr>
+              <a:t> </a:t>
+            </a:r>
+            <a:endParaRPr lang="ru-RU" sz="2400" dirty="0">
+              <a:latin typeface="Courier New" panose="02070309020205020404" pitchFamily="49" charset="0"/>
+              <a:cs typeface="Courier New" panose="02070309020205020404" pitchFamily="49" charset="0"/>
+            </a:endParaRPr>
+          </a:p>
+          <a:p>
+            <a:pPr marL="0" indent="0">
+              <a:buNone/>
+            </a:pPr>
+            <a:r>
+              <a:rPr lang="en-US" dirty="0"/>
+              <a:t>        </a:t>
+            </a:r>
+            <a:endParaRPr lang="ru-RU" dirty="0"/>
+          </a:p>
+          <a:p>
+            <a:pPr marL="0" indent="0">
+              <a:buNone/>
+            </a:pPr>
+            <a:r>
+              <a:rPr lang="en-US" dirty="0"/>
+              <a:t>    </a:t>
+            </a:r>
+            <a:endParaRPr lang="ru-RU" dirty="0"/>
+          </a:p>
+        </p:txBody>
+      </p:sp>
+      <p:sp>
+        <p:nvSpPr>
+          <p:cNvPr id="7" name="Номер слайда 6"/>
+          <p:cNvSpPr>
+            <a:spLocks noGrp="1"/>
+          </p:cNvSpPr>
+          <p:nvPr>
+            <p:ph type="sldNum" sz="quarter" idx="12"/>
+          </p:nvPr>
+        </p:nvSpPr>
+        <p:spPr/>
+        <p:txBody>
+          <a:bodyPr/>
+          <a:lstStyle/>
+          <a:p>
+            <a:fld id="{ADDC721D-FED4-4080-8955-62676588A2D9}" type="slidenum">
+              <a:rPr lang="ru-RU" smtClean="0"/>
+              <a:t>15</a:t>
+            </a:fld>
+            <a:endParaRPr lang="ru-RU"/>
+          </a:p>
+        </p:txBody>
+      </p:sp>
+    </p:spTree>
+    <p:extLst>
+      <p:ext uri="{BB962C8B-B14F-4D97-AF65-F5344CB8AC3E}">
+        <p14:creationId xmlns:p14="http://schemas.microsoft.com/office/powerpoint/2010/main" val="3298800438"/>
+      </p:ext>
+    </p:extLst>
+  </p:cSld>
+  <p:clrMapOvr>
+    <a:masterClrMapping/>
+  </p:clrMapOvr>
+  <p:timing>
+    <p:tnLst>
+      <p:par>
+        <p:cTn id="1" dur="indefinite" restart="never" nodeType="tmRoot"/>
+      </p:par>
+    </p:tnLst>
+  </p:timing>
+</p:sld>
+</file>
+
+<file path=ppt/slides/slide16.xml><?xml version="1.0" encoding="utf-8"?>
+<p:sld xmlns:a="http://schemas.openxmlformats.org/drawingml/2006/main" xmlns:r="http://schemas.openxmlformats.org/officeDocument/2006/relationships" xmlns:p="http://schemas.openxmlformats.org/presentationml/2006/main">
+  <p:cSld>
+    <p:spTree>
+      <p:nvGrpSpPr>
+        <p:cNvPr id="1" name=""/>
+        <p:cNvGrpSpPr/>
+        <p:nvPr/>
+      </p:nvGrpSpPr>
+      <p:grpSpPr>
+        <a:xfrm>
+          <a:off x="0" y="0"/>
+          <a:ext cx="0" cy="0"/>
+          <a:chOff x="0" y="0"/>
+          <a:chExt cx="0" cy="0"/>
+        </a:xfrm>
+      </p:grpSpPr>
+      <p:sp>
+        <p:nvSpPr>
+          <p:cNvPr id="2" name="Заголовок 1"/>
+          <p:cNvSpPr>
+            <a:spLocks noGrp="1"/>
+          </p:cNvSpPr>
+          <p:nvPr>
+            <p:ph type="title"/>
+          </p:nvPr>
+        </p:nvSpPr>
+        <p:spPr/>
+        <p:txBody>
+          <a:bodyPr/>
+          <a:lstStyle/>
+          <a:p>
+            <a:pPr algn="ctr"/>
+            <a:r>
+              <a:rPr lang="ru-RU" dirty="0">
+                <a:latin typeface="Arial" panose="020B0604020202020204" pitchFamily="34" charset="0"/>
+                <a:cs typeface="Arial" panose="020B0604020202020204" pitchFamily="34" charset="0"/>
+              </a:rPr>
+              <a:t>Операции трансформации состояния </a:t>
+            </a:r>
+            <a:br>
+              <a:rPr lang="ru-RU" dirty="0">
+                <a:latin typeface="Arial" panose="020B0604020202020204" pitchFamily="34" charset="0"/>
+                <a:cs typeface="Arial" panose="020B0604020202020204" pitchFamily="34" charset="0"/>
+              </a:rPr>
+            </a:br>
+            <a:r>
+              <a:rPr lang="en-US" i="1" dirty="0">
+                <a:latin typeface="Arial" panose="020B0604020202020204" pitchFamily="34" charset="0"/>
+                <a:cs typeface="Arial" panose="020B0604020202020204" pitchFamily="34" charset="0"/>
+              </a:rPr>
+              <a:t>|x, y</a:t>
+            </a:r>
+            <a:r>
+              <a:rPr lang="ru-RU" i="1" dirty="0">
+                <a:latin typeface="Arial" panose="020B0604020202020204" pitchFamily="34" charset="0"/>
+                <a:cs typeface="Arial" panose="020B0604020202020204" pitchFamily="34" charset="0"/>
+              </a:rPr>
+              <a:t>⟩</a:t>
+            </a:r>
+            <a:r>
+              <a:rPr lang="en-US" i="1" dirty="0">
+                <a:latin typeface="Arial" panose="020B0604020202020204" pitchFamily="34" charset="0"/>
+                <a:cs typeface="Arial" panose="020B0604020202020204" pitchFamily="34" charset="0"/>
+              </a:rPr>
+              <a:t> </a:t>
+            </a:r>
+            <a:r>
+              <a:rPr lang="ru-RU" i="1" dirty="0">
+                <a:latin typeface="Arial" panose="020B0604020202020204" pitchFamily="34" charset="0"/>
+                <a:cs typeface="Arial" panose="020B0604020202020204" pitchFamily="34" charset="0"/>
+              </a:rPr>
+              <a:t>в </a:t>
+            </a:r>
+            <a:r>
+              <a:rPr lang="en-US" i="1" dirty="0">
+                <a:latin typeface="Arial" panose="020B0604020202020204" pitchFamily="34" charset="0"/>
+                <a:cs typeface="Arial" panose="020B0604020202020204" pitchFamily="34" charset="0"/>
+              </a:rPr>
+              <a:t>|x, y ⊕ f(x)</a:t>
+            </a:r>
+            <a:r>
+              <a:rPr lang="ru-RU" i="1" dirty="0">
+                <a:latin typeface="Arial" panose="020B0604020202020204" pitchFamily="34" charset="0"/>
+                <a:cs typeface="Arial" panose="020B0604020202020204" pitchFamily="34" charset="0"/>
+              </a:rPr>
+              <a:t>⟩</a:t>
+            </a:r>
+            <a:endParaRPr lang="ru-RU" dirty="0"/>
+          </a:p>
+        </p:txBody>
+      </p:sp>
+      <p:sp>
+        <p:nvSpPr>
+          <p:cNvPr id="3" name="Объект 2"/>
+          <p:cNvSpPr>
+            <a:spLocks noGrp="1"/>
+          </p:cNvSpPr>
+          <p:nvPr>
+            <p:ph idx="1"/>
+          </p:nvPr>
+        </p:nvSpPr>
+        <p:spPr>
+          <a:xfrm>
+            <a:off x="677333" y="1825625"/>
+            <a:ext cx="11294533" cy="4351338"/>
+          </a:xfrm>
+        </p:spPr>
+        <p:txBody>
+          <a:bodyPr>
+            <a:normAutofit/>
+          </a:bodyPr>
+          <a:lstStyle/>
+          <a:p>
+            <a:r>
+              <a:rPr lang="en-US" dirty="0" smtClean="0"/>
+              <a:t>f(x</a:t>
+            </a:r>
+            <a:r>
+              <a:rPr lang="en-US" dirty="0"/>
+              <a:t>) = </a:t>
+            </a:r>
+            <a:r>
+              <a:rPr lang="ru-RU" dirty="0"/>
+              <a:t>Σᵢ</a:t>
+            </a:r>
+            <a:r>
+              <a:rPr lang="en-US" dirty="0"/>
+              <a:t> r</a:t>
+            </a:r>
+            <a:r>
+              <a:rPr lang="ru-RU" dirty="0"/>
+              <a:t>ᵢ</a:t>
+            </a:r>
+            <a:r>
+              <a:rPr lang="en-US" dirty="0"/>
+              <a:t> x</a:t>
+            </a:r>
+            <a:r>
+              <a:rPr lang="ru-RU" dirty="0"/>
+              <a:t>ᵢ</a:t>
+            </a:r>
+            <a:r>
+              <a:rPr lang="en-US" dirty="0"/>
+              <a:t> </a:t>
+            </a:r>
+            <a:r>
+              <a:rPr lang="ru-RU" dirty="0" smtClean="0"/>
+              <a:t>по модулю 2 для битового вектора</a:t>
+            </a:r>
+            <a:r>
+              <a:rPr lang="en-US" dirty="0" smtClean="0"/>
+              <a:t> </a:t>
+            </a:r>
+            <a:r>
+              <a:rPr lang="en-US" i="1" dirty="0"/>
+              <a:t>r</a:t>
+            </a:r>
+            <a:r>
+              <a:rPr lang="en-US" dirty="0"/>
+              <a:t> </a:t>
+            </a:r>
+            <a:r>
+              <a:rPr lang="ru-RU" dirty="0"/>
+              <a:t/>
+            </a:r>
+            <a:br>
+              <a:rPr lang="ru-RU" dirty="0"/>
+            </a:br>
+            <a:r>
+              <a:rPr lang="en-US" sz="1600" dirty="0" smtClean="0">
+                <a:latin typeface="Courier New" panose="02070309020205020404" pitchFamily="49" charset="0"/>
+                <a:cs typeface="Courier New" panose="02070309020205020404" pitchFamily="49" charset="0"/>
+              </a:rPr>
+              <a:t>operation </a:t>
+            </a:r>
+            <a:r>
+              <a:rPr lang="en-US" sz="1600" dirty="0" err="1">
+                <a:latin typeface="Courier New" panose="02070309020205020404" pitchFamily="49" charset="0"/>
+                <a:cs typeface="Courier New" panose="02070309020205020404" pitchFamily="49" charset="0"/>
+              </a:rPr>
+              <a:t>Oracle_ProductFunction</a:t>
+            </a:r>
+            <a:r>
+              <a:rPr lang="en-US" sz="1600" dirty="0">
+                <a:latin typeface="Courier New" panose="02070309020205020404" pitchFamily="49" charset="0"/>
+                <a:cs typeface="Courier New" panose="02070309020205020404" pitchFamily="49" charset="0"/>
+              </a:rPr>
+              <a:t> (x : Qubit[], y : Qubit, r : </a:t>
+            </a:r>
+            <a:r>
+              <a:rPr lang="en-US" sz="1600" dirty="0" err="1">
+                <a:latin typeface="Courier New" panose="02070309020205020404" pitchFamily="49" charset="0"/>
+                <a:cs typeface="Courier New" panose="02070309020205020404" pitchFamily="49" charset="0"/>
+              </a:rPr>
+              <a:t>Int</a:t>
+            </a:r>
+            <a:r>
+              <a:rPr lang="en-US" sz="1600" dirty="0">
+                <a:latin typeface="Courier New" panose="02070309020205020404" pitchFamily="49" charset="0"/>
+                <a:cs typeface="Courier New" panose="02070309020205020404" pitchFamily="49" charset="0"/>
+              </a:rPr>
+              <a:t>[]) : Unit </a:t>
+            </a:r>
+            <a:endParaRPr lang="ru-RU" sz="1600" dirty="0"/>
+          </a:p>
+          <a:p>
+            <a:r>
+              <a:rPr lang="en-US" dirty="0" smtClean="0"/>
+              <a:t>f(x) </a:t>
+            </a:r>
+            <a:r>
+              <a:rPr lang="en-US" dirty="0"/>
+              <a:t>= </a:t>
+            </a:r>
+            <a:r>
+              <a:rPr lang="ru-RU" dirty="0"/>
+              <a:t>Σᵢ</a:t>
+            </a:r>
+            <a:r>
+              <a:rPr lang="en-US" dirty="0"/>
+              <a:t> (r</a:t>
+            </a:r>
+            <a:r>
+              <a:rPr lang="ru-RU" dirty="0"/>
+              <a:t>ᵢ</a:t>
+            </a:r>
+            <a:r>
+              <a:rPr lang="en-US" dirty="0"/>
+              <a:t> x</a:t>
+            </a:r>
+            <a:r>
+              <a:rPr lang="ru-RU" dirty="0"/>
+              <a:t>ᵢ</a:t>
+            </a:r>
+            <a:r>
+              <a:rPr lang="en-US" dirty="0"/>
+              <a:t> + (1 - r</a:t>
+            </a:r>
+            <a:r>
+              <a:rPr lang="ru-RU" dirty="0"/>
+              <a:t>ᵢ</a:t>
+            </a:r>
+            <a:r>
+              <a:rPr lang="en-US" dirty="0"/>
+              <a:t>)(1 - x</a:t>
+            </a:r>
+            <a:r>
+              <a:rPr lang="ru-RU" dirty="0"/>
+              <a:t>ᵢ</a:t>
+            </a:r>
+            <a:r>
+              <a:rPr lang="en-US" dirty="0"/>
+              <a:t>)) </a:t>
+            </a:r>
+            <a:r>
+              <a:rPr lang="ru-RU" dirty="0" smtClean="0"/>
+              <a:t>по модулю 2 </a:t>
+            </a:r>
+            <a:r>
+              <a:rPr lang="ru-RU" dirty="0"/>
+              <a:t>для битового вектора</a:t>
+            </a:r>
+            <a:r>
+              <a:rPr lang="en-US" dirty="0"/>
+              <a:t> </a:t>
+            </a:r>
+            <a:r>
+              <a:rPr lang="en-US" i="1" dirty="0"/>
+              <a:t>r</a:t>
+            </a:r>
+            <a:r>
+              <a:rPr lang="en-US" dirty="0"/>
+              <a:t> </a:t>
+            </a:r>
+            <a:r>
+              <a:rPr lang="ru-RU" dirty="0"/>
+              <a:t/>
+            </a:r>
+            <a:br>
+              <a:rPr lang="ru-RU" dirty="0"/>
+            </a:br>
+            <a:r>
+              <a:rPr lang="en-US" sz="1500" dirty="0" smtClean="0">
+                <a:latin typeface="Courier New" panose="02070309020205020404" pitchFamily="49" charset="0"/>
+                <a:cs typeface="Courier New" panose="02070309020205020404" pitchFamily="49" charset="0"/>
+              </a:rPr>
+              <a:t>operation </a:t>
+            </a:r>
+            <a:r>
+              <a:rPr lang="en-US" sz="1500" dirty="0" err="1">
+                <a:latin typeface="Courier New" panose="02070309020205020404" pitchFamily="49" charset="0"/>
+                <a:cs typeface="Courier New" panose="02070309020205020404" pitchFamily="49" charset="0"/>
+              </a:rPr>
+              <a:t>Oracle_ProductWithNegationFunction</a:t>
+            </a:r>
+            <a:r>
+              <a:rPr lang="en-US" sz="1500" dirty="0">
+                <a:latin typeface="Courier New" panose="02070309020205020404" pitchFamily="49" charset="0"/>
+                <a:cs typeface="Courier New" panose="02070309020205020404" pitchFamily="49" charset="0"/>
+              </a:rPr>
+              <a:t> (x : Qubit[], y : Qubit, r : </a:t>
+            </a:r>
+            <a:r>
+              <a:rPr lang="en-US" sz="1500" dirty="0" err="1">
+                <a:latin typeface="Courier New" panose="02070309020205020404" pitchFamily="49" charset="0"/>
+                <a:cs typeface="Courier New" panose="02070309020205020404" pitchFamily="49" charset="0"/>
+              </a:rPr>
+              <a:t>Int</a:t>
+            </a:r>
+            <a:r>
+              <a:rPr lang="en-US" sz="1500" dirty="0">
+                <a:latin typeface="Courier New" panose="02070309020205020404" pitchFamily="49" charset="0"/>
+                <a:cs typeface="Courier New" panose="02070309020205020404" pitchFamily="49" charset="0"/>
+              </a:rPr>
+              <a:t>[]) : Unit </a:t>
+            </a:r>
+            <a:endParaRPr lang="ru-RU" sz="1500" dirty="0">
+              <a:latin typeface="Courier New" panose="02070309020205020404" pitchFamily="49" charset="0"/>
+              <a:cs typeface="Courier New" panose="02070309020205020404" pitchFamily="49" charset="0"/>
+            </a:endParaRPr>
+          </a:p>
+          <a:p>
+            <a:r>
+              <a:rPr lang="en-US" dirty="0" smtClean="0"/>
+              <a:t> </a:t>
+            </a:r>
+            <a:r>
+              <a:rPr lang="en-US" dirty="0"/>
+              <a:t>f(x) = </a:t>
+            </a:r>
+            <a:r>
+              <a:rPr lang="ru-RU" dirty="0"/>
+              <a:t>Σᵢ</a:t>
+            </a:r>
+            <a:r>
+              <a:rPr lang="en-US" dirty="0"/>
+              <a:t> x</a:t>
+            </a:r>
+            <a:r>
+              <a:rPr lang="ru-RU" dirty="0"/>
+              <a:t>ᵢ</a:t>
+            </a:r>
+            <a:r>
+              <a:rPr lang="en-US" dirty="0"/>
+              <a:t> + (1 </a:t>
+            </a:r>
+            <a:r>
+              <a:rPr lang="ru-RU" dirty="0" smtClean="0"/>
+              <a:t>если префикс </a:t>
+            </a:r>
+            <a:r>
+              <a:rPr lang="en-US" dirty="0" smtClean="0"/>
+              <a:t>x </a:t>
+            </a:r>
+            <a:r>
+              <a:rPr lang="ru-RU" dirty="0" smtClean="0"/>
+              <a:t>равен вектору</a:t>
+            </a:r>
+            <a:r>
+              <a:rPr lang="en-US" dirty="0" smtClean="0"/>
+              <a:t>, </a:t>
+            </a:r>
+            <a:r>
+              <a:rPr lang="ru-RU" dirty="0" smtClean="0"/>
+              <a:t>и 0 если нет</a:t>
+            </a:r>
+            <a:r>
+              <a:rPr lang="en-US" dirty="0" smtClean="0"/>
+              <a:t>) </a:t>
+            </a:r>
+            <a:r>
+              <a:rPr lang="ru-RU" dirty="0" smtClean="0"/>
+              <a:t>по модулю 2</a:t>
+            </a:r>
+            <a:r>
+              <a:rPr lang="ru-RU" dirty="0"/>
+              <a:t/>
+            </a:r>
+            <a:br>
+              <a:rPr lang="ru-RU" dirty="0"/>
+            </a:br>
+            <a:r>
+              <a:rPr lang="en-US" sz="1700" dirty="0" smtClean="0">
+                <a:latin typeface="Courier New" panose="02070309020205020404" pitchFamily="49" charset="0"/>
+                <a:cs typeface="Courier New" panose="02070309020205020404" pitchFamily="49" charset="0"/>
+              </a:rPr>
+              <a:t>operation </a:t>
+            </a:r>
+            <a:r>
+              <a:rPr lang="en-US" sz="1700" dirty="0" err="1">
+                <a:latin typeface="Courier New" panose="02070309020205020404" pitchFamily="49" charset="0"/>
+                <a:cs typeface="Courier New" panose="02070309020205020404" pitchFamily="49" charset="0"/>
+              </a:rPr>
+              <a:t>Oracle_HammingWithPrefix</a:t>
+            </a:r>
+            <a:r>
+              <a:rPr lang="en-US" sz="1700" dirty="0">
+                <a:latin typeface="Courier New" panose="02070309020205020404" pitchFamily="49" charset="0"/>
+                <a:cs typeface="Courier New" panose="02070309020205020404" pitchFamily="49" charset="0"/>
+              </a:rPr>
+              <a:t> (x : Qubit[], y : Qubit, prefix : </a:t>
+            </a:r>
+            <a:r>
+              <a:rPr lang="en-US" sz="1700" dirty="0" err="1">
+                <a:latin typeface="Courier New" panose="02070309020205020404" pitchFamily="49" charset="0"/>
+                <a:cs typeface="Courier New" panose="02070309020205020404" pitchFamily="49" charset="0"/>
+              </a:rPr>
+              <a:t>Int</a:t>
+            </a:r>
+            <a:r>
+              <a:rPr lang="en-US" sz="1700" dirty="0">
+                <a:latin typeface="Courier New" panose="02070309020205020404" pitchFamily="49" charset="0"/>
+                <a:cs typeface="Courier New" panose="02070309020205020404" pitchFamily="49" charset="0"/>
+              </a:rPr>
+              <a:t>[]) : Unit </a:t>
+            </a:r>
+            <a:endParaRPr lang="ru-RU" sz="1700" dirty="0" smtClean="0"/>
+          </a:p>
+          <a:p>
+            <a:r>
+              <a:rPr lang="en-US" dirty="0" smtClean="0"/>
+              <a:t>f(x</a:t>
+            </a:r>
+            <a:r>
+              <a:rPr lang="en-US" dirty="0"/>
+              <a:t>) = 1 </a:t>
+            </a:r>
+            <a:r>
+              <a:rPr lang="ru-RU" dirty="0" smtClean="0"/>
+              <a:t>если</a:t>
+            </a:r>
+            <a:r>
+              <a:rPr lang="en-US" dirty="0" smtClean="0"/>
+              <a:t> </a:t>
+            </a:r>
+            <a:r>
+              <a:rPr lang="en-US" dirty="0"/>
+              <a:t>x </a:t>
+            </a:r>
+            <a:r>
+              <a:rPr lang="ru-RU" dirty="0" smtClean="0"/>
+              <a:t>имеет два или три бита</a:t>
+            </a:r>
+            <a:r>
+              <a:rPr lang="en-US" dirty="0"/>
+              <a:t> (</a:t>
+            </a:r>
+            <a:r>
+              <a:rPr lang="ru-RU" dirty="0"/>
+              <a:t>из трех</a:t>
+            </a:r>
+            <a:r>
+              <a:rPr lang="en-US" dirty="0"/>
+              <a:t>)</a:t>
+            </a:r>
+            <a:r>
+              <a:rPr lang="ru-RU" dirty="0" smtClean="0"/>
+              <a:t> установленных</a:t>
+            </a:r>
+            <a:r>
+              <a:rPr lang="en-US" dirty="0" smtClean="0"/>
+              <a:t> </a:t>
+            </a:r>
+            <a:r>
+              <a:rPr lang="ru-RU" dirty="0" smtClean="0"/>
+              <a:t>в </a:t>
+            </a:r>
+            <a:r>
+              <a:rPr lang="en-US" dirty="0" smtClean="0"/>
+              <a:t>1</a:t>
+            </a:r>
+            <a:r>
+              <a:rPr lang="ru-RU" dirty="0"/>
+              <a:t/>
+            </a:r>
+            <a:br>
+              <a:rPr lang="ru-RU" dirty="0"/>
+            </a:br>
+            <a:r>
+              <a:rPr lang="en-US" sz="2000" dirty="0" smtClean="0">
+                <a:latin typeface="Courier New" panose="02070309020205020404" pitchFamily="49" charset="0"/>
+                <a:cs typeface="Courier New" panose="02070309020205020404" pitchFamily="49" charset="0"/>
+              </a:rPr>
+              <a:t>operation </a:t>
+            </a:r>
+            <a:r>
+              <a:rPr lang="en-US" sz="2000" dirty="0" err="1">
+                <a:latin typeface="Courier New" panose="02070309020205020404" pitchFamily="49" charset="0"/>
+                <a:cs typeface="Courier New" panose="02070309020205020404" pitchFamily="49" charset="0"/>
+              </a:rPr>
+              <a:t>Oracle_MajorityFunction</a:t>
+            </a:r>
+            <a:r>
+              <a:rPr lang="en-US" sz="2000" dirty="0">
+                <a:latin typeface="Courier New" panose="02070309020205020404" pitchFamily="49" charset="0"/>
+                <a:cs typeface="Courier New" panose="02070309020205020404" pitchFamily="49" charset="0"/>
+              </a:rPr>
+              <a:t> (x : Qubit[], y : Qubit) : Unit </a:t>
+            </a:r>
+            <a:endParaRPr lang="ru-RU" sz="2000" dirty="0">
+              <a:latin typeface="Courier New" panose="02070309020205020404" pitchFamily="49" charset="0"/>
+              <a:cs typeface="Courier New" panose="02070309020205020404" pitchFamily="49" charset="0"/>
+            </a:endParaRPr>
+          </a:p>
+          <a:p>
+            <a:endParaRPr lang="ru-RU" dirty="0"/>
+          </a:p>
+        </p:txBody>
+      </p:sp>
+      <p:sp>
+        <p:nvSpPr>
+          <p:cNvPr id="4" name="Номер слайда 3"/>
+          <p:cNvSpPr>
+            <a:spLocks noGrp="1"/>
+          </p:cNvSpPr>
+          <p:nvPr>
+            <p:ph type="sldNum" sz="quarter" idx="12"/>
+          </p:nvPr>
+        </p:nvSpPr>
+        <p:spPr/>
+        <p:txBody>
+          <a:bodyPr/>
+          <a:lstStyle/>
+          <a:p>
+            <a:fld id="{ADDC721D-FED4-4080-8955-62676588A2D9}" type="slidenum">
+              <a:rPr lang="ru-RU" smtClean="0"/>
+              <a:t>16</a:t>
+            </a:fld>
+            <a:endParaRPr lang="ru-RU"/>
+          </a:p>
+        </p:txBody>
+      </p:sp>
+    </p:spTree>
+    <p:extLst>
+      <p:ext uri="{BB962C8B-B14F-4D97-AF65-F5344CB8AC3E}">
+        <p14:creationId xmlns:p14="http://schemas.microsoft.com/office/powerpoint/2010/main" val="2306521090"/>
+      </p:ext>
+    </p:extLst>
+  </p:cSld>
+  <p:clrMapOvr>
+    <a:masterClrMapping/>
+  </p:clrMapOvr>
+  <p:timing>
+    <p:tnLst>
+      <p:par>
+        <p:cTn id="1" dur="indefinite" restart="never" nodeType="tmRoot"/>
+      </p:par>
+    </p:tnLst>
+  </p:timing>
+</p:sld>
+</file>
+
+<file path=ppt/slides/slide17.xml><?xml version="1.0" encoding="utf-8"?>
+<p:sld xmlns:a="http://schemas.openxmlformats.org/drawingml/2006/main" xmlns:r="http://schemas.openxmlformats.org/officeDocument/2006/relationships" xmlns:p="http://schemas.openxmlformats.org/presentationml/2006/main">
+  <p:cSld>
+    <p:spTree>
+      <p:nvGrpSpPr>
+        <p:cNvPr id="1" name=""/>
+        <p:cNvGrpSpPr/>
+        <p:nvPr/>
+      </p:nvGrpSpPr>
+      <p:grpSpPr>
+        <a:xfrm>
+          <a:off x="0" y="0"/>
+          <a:ext cx="0" cy="0"/>
+          <a:chOff x="0" y="0"/>
+          <a:chExt cx="0" cy="0"/>
+        </a:xfrm>
+      </p:grpSpPr>
+      <p:sp>
+        <p:nvSpPr>
           <p:cNvPr id="2" name="Заголовок 1"/>
           <p:cNvSpPr>
             <a:spLocks noGrp="1"/>
@@ -7669,8 +6940,8 @@
           </a:p>
         </p:txBody>
       </p:sp>
-      <mc:AlternateContent xmlns:mc="http://schemas.openxmlformats.org/markup-compatibility/2006">
-        <mc:Choice xmlns:a14="http://schemas.microsoft.com/office/drawing/2010/main" Requires="a14">
+      <mc:AlternateContent xmlns:mc="http://schemas.openxmlformats.org/markup-compatibility/2006" xmlns:a14="http://schemas.microsoft.com/office/drawing/2010/main">
+        <mc:Choice Requires="a14">
           <p:graphicFrame>
             <p:nvGraphicFramePr>
               <p:cNvPr id="9" name="Объект 8"/>
@@ -8659,7 +7930,7 @@
             </a:graphic>
           </p:graphicFrame>
         </mc:Choice>
-        <mc:Fallback>
+        <mc:Fallback xmlns="">
           <p:graphicFrame>
             <p:nvGraphicFramePr>
               <p:cNvPr id="9" name="Объект 8"/>
@@ -9126,7 +8397,7 @@
           <a:p>
             <a:fld id="{ADDC721D-FED4-4080-8955-62676588A2D9}" type="slidenum">
               <a:rPr lang="ru-RU" smtClean="0"/>
-              <a:t>20</a:t>
+              <a:t>17</a:t>
             </a:fld>
             <a:endParaRPr lang="ru-RU"/>
           </a:p>
@@ -9152,7 +8423,7 @@
 </p:sld>
 </file>
 
-<file path=ppt/slides/slide21.xml><?xml version="1.0" encoding="utf-8"?>
+<file path=ppt/slides/slide18.xml><?xml version="1.0" encoding="utf-8"?>
 <p:sld xmlns:a="http://schemas.openxmlformats.org/drawingml/2006/main" xmlns:r="http://schemas.openxmlformats.org/officeDocument/2006/relationships" xmlns:p="http://schemas.openxmlformats.org/presentationml/2006/main">
   <p:cSld>
     <p:spTree>
@@ -9238,14 +8509,7 @@
                 <a:latin typeface="Arial" panose="020B0604020202020204" pitchFamily="34" charset="0"/>
                 <a:cs typeface="Arial" panose="020B0604020202020204" pitchFamily="34" charset="0"/>
               </a:rPr>
-              <a:t>проведен </a:t>
-            </a:r>
-            <a:r>
-              <a:rPr lang="ru-RU" dirty="0" smtClean="0">
-                <a:latin typeface="Arial" panose="020B0604020202020204" pitchFamily="34" charset="0"/>
-                <a:cs typeface="Arial" panose="020B0604020202020204" pitchFamily="34" charset="0"/>
-              </a:rPr>
-              <a:t>анализ наиболее известных задач и алгоритмов в данной </a:t>
+              <a:t>проведен анализ наиболее известных задач и алгоритмов в данной </a:t>
             </a:r>
             <a:r>
               <a:rPr lang="ru-RU" dirty="0">
@@ -9287,14 +8551,7 @@
                 <a:latin typeface="Arial" panose="020B0604020202020204" pitchFamily="34" charset="0"/>
                 <a:cs typeface="Arial" panose="020B0604020202020204" pitchFamily="34" charset="0"/>
               </a:rPr>
-              <a:t>реализованы следующие квантовые </a:t>
-            </a:r>
-            <a:r>
-              <a:rPr lang="ru-RU" dirty="0" smtClean="0">
-                <a:latin typeface="Arial" panose="020B0604020202020204" pitchFamily="34" charset="0"/>
-                <a:cs typeface="Arial" panose="020B0604020202020204" pitchFamily="34" charset="0"/>
-              </a:rPr>
-              <a:t>алгоритмы на эмуляторе квантового компьютера с помощью пакета </a:t>
+              <a:t>реализованы следующие квантовые алгоритмы на эмуляторе квантового компьютера с помощью пакета </a:t>
             </a:r>
             <a:r>
               <a:rPr lang="en-US" dirty="0">
@@ -9339,14 +8596,7 @@
                 <a:latin typeface="Arial" panose="020B0604020202020204" pitchFamily="34" charset="0"/>
                 <a:cs typeface="Arial" panose="020B0604020202020204" pitchFamily="34" charset="0"/>
               </a:rPr>
-              <a:t>Дейча</a:t>
-            </a:r>
-            <a:r>
-              <a:rPr lang="ru-RU" sz="2800" dirty="0" err="1" smtClean="0">
-                <a:latin typeface="Arial" panose="020B0604020202020204" pitchFamily="34" charset="0"/>
-                <a:cs typeface="Arial" panose="020B0604020202020204" pitchFamily="34" charset="0"/>
-              </a:rPr>
-              <a:t>-Джозы</a:t>
+              <a:t>Дейча-Джозы</a:t>
             </a:r>
             <a:r>
               <a:rPr lang="ru-RU" sz="2800" dirty="0" smtClean="0">
@@ -9552,7 +8802,7 @@
           <a:p>
             <a:fld id="{ADDC721D-FED4-4080-8955-62676588A2D9}" type="slidenum">
               <a:rPr lang="ru-RU" smtClean="0"/>
-              <a:t>21</a:t>
+              <a:t>18</a:t>
             </a:fld>
             <a:endParaRPr lang="ru-RU"/>
           </a:p>
@@ -9578,8 +8828,8 @@
 </p:sld>
 </file>
 
-<file path=ppt/slides/slide3.xml><?xml version="1.0" encoding="utf-8"?>
-<p:sld xmlns:a="http://schemas.openxmlformats.org/drawingml/2006/main" xmlns:r="http://schemas.openxmlformats.org/officeDocument/2006/relationships" xmlns:p="http://schemas.openxmlformats.org/presentationml/2006/main" show="0">
+<file path=ppt/slides/slide2.xml><?xml version="1.0" encoding="utf-8"?>
+<p:sld xmlns:a="http://schemas.openxmlformats.org/drawingml/2006/main" xmlns:r="http://schemas.openxmlformats.org/officeDocument/2006/relationships" xmlns:p="http://schemas.openxmlformats.org/presentationml/2006/main">
   <p:cSld>
     <p:spTree>
       <p:nvGrpSpPr>
@@ -9614,18 +8864,22 @@
           <a:p>
             <a:pPr algn="ctr"/>
             <a:r>
-              <a:rPr lang="ru-RU" sz="4000" dirty="0">
-                <a:latin typeface="Arial" panose="020B0604020202020204" pitchFamily="34" charset="0"/>
-                <a:cs typeface="Arial" panose="020B0604020202020204" pitchFamily="34" charset="0"/>
-              </a:rPr>
-              <a:t>История развития квантовых вычислений</a:t>
-            </a:r>
-          </a:p>
-        </p:txBody>
-      </p:sp>
-      <p:sp>
-        <p:nvSpPr>
-          <p:cNvPr id="7" name="Объект 6"/>
+              <a:rPr lang="ru-RU" sz="4000" dirty="0" smtClean="0">
+                <a:latin typeface="Arial" panose="020B0604020202020204" pitchFamily="34" charset="0"/>
+                <a:cs typeface="Arial" panose="020B0604020202020204" pitchFamily="34" charset="0"/>
+              </a:rPr>
+              <a:t>Задачи теории квантовых вычислений</a:t>
+            </a:r>
+            <a:endParaRPr lang="ru-RU" sz="4000" dirty="0">
+              <a:latin typeface="Arial" panose="020B0604020202020204" pitchFamily="34" charset="0"/>
+              <a:cs typeface="Arial" panose="020B0604020202020204" pitchFamily="34" charset="0"/>
+            </a:endParaRPr>
+          </a:p>
+        </p:txBody>
+      </p:sp>
+      <p:sp>
+        <p:nvSpPr>
+          <p:cNvPr id="3" name="Объект 2"/>
           <p:cNvSpPr>
             <a:spLocks noGrp="1"/>
           </p:cNvSpPr>
@@ -9640,64 +8894,61 @@
           </a:bodyPr>
           <a:lstStyle/>
           <a:p>
-            <a:pPr marL="0" indent="0" algn="just">
-              <a:buNone/>
-            </a:pPr>
+            <a:pPr algn="just"/>
             <a:r>
               <a:rPr lang="ru-RU" dirty="0" smtClean="0">
                 <a:latin typeface="Arial" panose="020B0604020202020204" pitchFamily="34" charset="0"/>
                 <a:cs typeface="Arial" panose="020B0604020202020204" pitchFamily="34" charset="0"/>
               </a:rPr>
-              <a:t>Квантовое состояние |</a:t>
+              <a:t>Продолжение процесса </a:t>
             </a:r>
             <a:r>
               <a:rPr lang="ru-RU" dirty="0">
                 <a:latin typeface="Arial" panose="020B0604020202020204" pitchFamily="34" charset="0"/>
                 <a:cs typeface="Arial" panose="020B0604020202020204" pitchFamily="34" charset="0"/>
               </a:rPr>
-              <a:t>φ&gt; это суперпозиция классических состояний: |φ&gt; = α</a:t>
-            </a:r>
-            <a:r>
-              <a:rPr lang="ru-RU" baseline="-25000" dirty="0">
-                <a:latin typeface="Arial" panose="020B0604020202020204" pitchFamily="34" charset="0"/>
-                <a:cs typeface="Arial" panose="020B0604020202020204" pitchFamily="34" charset="0"/>
-              </a:rPr>
-              <a:t>1</a:t>
+              <a:t>миниатюризации, который сделал современные компьютеры мощными и </a:t>
+            </a:r>
+            <a:r>
+              <a:rPr lang="ru-RU" dirty="0" smtClean="0">
+                <a:latin typeface="Arial" panose="020B0604020202020204" pitchFamily="34" charset="0"/>
+                <a:cs typeface="Arial" panose="020B0604020202020204" pitchFamily="34" charset="0"/>
+              </a:rPr>
+              <a:t>дешевым и</a:t>
+            </a:r>
+            <a:br>
+              <a:rPr lang="ru-RU" dirty="0" smtClean="0">
+                <a:latin typeface="Arial" panose="020B0604020202020204" pitchFamily="34" charset="0"/>
+                <a:cs typeface="Arial" panose="020B0604020202020204" pitchFamily="34" charset="0"/>
+              </a:rPr>
+            </a:br>
+            <a:r>
+              <a:rPr lang="ru-RU" dirty="0" smtClean="0">
+                <a:latin typeface="Arial" panose="020B0604020202020204" pitchFamily="34" charset="0"/>
+                <a:cs typeface="Arial" panose="020B0604020202020204" pitchFamily="34" charset="0"/>
+              </a:rPr>
+              <a:t>практически </a:t>
             </a:r>
             <a:r>
               <a:rPr lang="ru-RU" dirty="0">
                 <a:latin typeface="Arial" panose="020B0604020202020204" pitchFamily="34" charset="0"/>
                 <a:cs typeface="Arial" panose="020B0604020202020204" pitchFamily="34" charset="0"/>
               </a:rPr>
-              <a:t>|1&gt; + α</a:t>
-            </a:r>
-            <a:r>
-              <a:rPr lang="ru-RU" baseline="-25000" dirty="0">
-                <a:latin typeface="Arial" panose="020B0604020202020204" pitchFamily="34" charset="0"/>
-                <a:cs typeface="Arial" panose="020B0604020202020204" pitchFamily="34" charset="0"/>
-              </a:rPr>
-              <a:t>2</a:t>
-            </a:r>
-            <a:r>
-              <a:rPr lang="ru-RU" dirty="0">
-                <a:latin typeface="Arial" panose="020B0604020202020204" pitchFamily="34" charset="0"/>
-                <a:cs typeface="Arial" panose="020B0604020202020204" pitchFamily="34" charset="0"/>
-              </a:rPr>
-              <a:t>|2&gt; +…+ α</a:t>
-            </a:r>
-            <a:r>
-              <a:rPr lang="ru-RU" baseline="-25000" dirty="0">
-                <a:latin typeface="Arial" panose="020B0604020202020204" pitchFamily="34" charset="0"/>
-                <a:cs typeface="Arial" panose="020B0604020202020204" pitchFamily="34" charset="0"/>
-              </a:rPr>
-              <a:t>N</a:t>
-            </a:r>
-            <a:r>
-              <a:rPr lang="ru-RU" dirty="0">
-                <a:latin typeface="Arial" panose="020B0604020202020204" pitchFamily="34" charset="0"/>
-                <a:cs typeface="Arial" panose="020B0604020202020204" pitchFamily="34" charset="0"/>
-              </a:rPr>
-              <a:t>|N&gt;, </a:t>
+              <a:t>достиг </a:t>
+            </a:r>
+            <a:r>
+              <a:rPr lang="ru-RU" dirty="0" smtClean="0">
+                <a:latin typeface="Arial" panose="020B0604020202020204" pitchFamily="34" charset="0"/>
+                <a:cs typeface="Arial" panose="020B0604020202020204" pitchFamily="34" charset="0"/>
+              </a:rPr>
+              <a:t>микроуровней</a:t>
+            </a:r>
+            <a:r>
+              <a:rPr lang="en-US" dirty="0" smtClean="0">
+                <a:latin typeface="Arial" panose="020B0604020202020204" pitchFamily="34" charset="0"/>
+                <a:cs typeface="Arial" panose="020B0604020202020204" pitchFamily="34" charset="0"/>
+              </a:rPr>
+              <a:t>;</a:t>
             </a:r>
             <a:endParaRPr lang="ru-RU" dirty="0" smtClean="0">
               <a:latin typeface="Arial" panose="020B0604020202020204" pitchFamily="34" charset="0"/>
@@ -9705,109 +8956,90 @@
             </a:endParaRPr>
           </a:p>
           <a:p>
-            <a:pPr marL="0" indent="0" algn="just">
-              <a:buNone/>
-            </a:pPr>
+            <a:pPr algn="just"/>
             <a:r>
               <a:rPr lang="ru-RU" dirty="0" smtClean="0">
                 <a:latin typeface="Arial" panose="020B0604020202020204" pitchFamily="34" charset="0"/>
                 <a:cs typeface="Arial" panose="020B0604020202020204" pitchFamily="34" charset="0"/>
               </a:rPr>
-              <a:t>где </a:t>
+              <a:t>ускорение некоторых вычислений </a:t>
             </a:r>
             <a:r>
               <a:rPr lang="ru-RU" dirty="0">
                 <a:latin typeface="Arial" panose="020B0604020202020204" pitchFamily="34" charset="0"/>
                 <a:cs typeface="Arial" panose="020B0604020202020204" pitchFamily="34" charset="0"/>
               </a:rPr>
-              <a:t>α</a:t>
-            </a:r>
-            <a:r>
-              <a:rPr lang="en-US" baseline="-25000" dirty="0" err="1">
-                <a:latin typeface="Arial" panose="020B0604020202020204" pitchFamily="34" charset="0"/>
-                <a:cs typeface="Arial" panose="020B0604020202020204" pitchFamily="34" charset="0"/>
-              </a:rPr>
-              <a:t>i</a:t>
+              <a:t>и </a:t>
+            </a:r>
+            <a:r>
+              <a:rPr lang="ru-RU" dirty="0" smtClean="0">
+                <a:latin typeface="Arial" panose="020B0604020202020204" pitchFamily="34" charset="0"/>
+                <a:cs typeface="Arial" panose="020B0604020202020204" pitchFamily="34" charset="0"/>
+              </a:rPr>
+              <a:t>реализация идей, недоступных </a:t>
             </a:r>
             <a:r>
               <a:rPr lang="ru-RU" dirty="0">
                 <a:latin typeface="Arial" panose="020B0604020202020204" pitchFamily="34" charset="0"/>
                 <a:cs typeface="Arial" panose="020B0604020202020204" pitchFamily="34" charset="0"/>
               </a:rPr>
-              <a:t> – комплексное число. </a:t>
-            </a:r>
-            <a:endParaRPr lang="ru-RU" dirty="0" smtClean="0">
+              <a:t>классическим </a:t>
+            </a:r>
+            <a:r>
+              <a:rPr lang="ru-RU" dirty="0" smtClean="0">
+                <a:latin typeface="Arial" panose="020B0604020202020204" pitchFamily="34" charset="0"/>
+                <a:cs typeface="Arial" panose="020B0604020202020204" pitchFamily="34" charset="0"/>
+              </a:rPr>
+              <a:t>компьютерам</a:t>
+            </a:r>
+            <a:r>
+              <a:rPr lang="en-US" dirty="0">
+                <a:latin typeface="Arial" panose="020B0604020202020204" pitchFamily="34" charset="0"/>
+                <a:cs typeface="Arial" panose="020B0604020202020204" pitchFamily="34" charset="0"/>
+              </a:rPr>
+              <a:t>;</a:t>
+            </a:r>
+            <a:endParaRPr lang="ru-RU" dirty="0">
               <a:latin typeface="Arial" panose="020B0604020202020204" pitchFamily="34" charset="0"/>
               <a:cs typeface="Arial" panose="020B0604020202020204" pitchFamily="34" charset="0"/>
             </a:endParaRPr>
           </a:p>
           <a:p>
-            <a:pPr marL="0" indent="0" algn="just">
-              <a:buNone/>
-            </a:pPr>
+            <a:pPr algn="just"/>
             <a:r>
               <a:rPr lang="ru-RU" dirty="0" smtClean="0">
                 <a:latin typeface="Arial" panose="020B0604020202020204" pitchFamily="34" charset="0"/>
                 <a:cs typeface="Arial" panose="020B0604020202020204" pitchFamily="34" charset="0"/>
               </a:rPr>
-              <a:t>|</a:t>
+              <a:t>выявление возможности </a:t>
             </a:r>
             <a:r>
               <a:rPr lang="ru-RU" dirty="0">
                 <a:latin typeface="Arial" panose="020B0604020202020204" pitchFamily="34" charset="0"/>
                 <a:cs typeface="Arial" panose="020B0604020202020204" pitchFamily="34" charset="0"/>
               </a:rPr>
-              <a:t>1&gt;, ..., |N&gt; формирует ортонормальный базис </a:t>
-            </a:r>
-            <a:r>
-              <a:rPr lang="en-US" dirty="0">
-                <a:latin typeface="Arial" panose="020B0604020202020204" pitchFamily="34" charset="0"/>
-                <a:cs typeface="Arial" panose="020B0604020202020204" pitchFamily="34" charset="0"/>
-              </a:rPr>
-              <a:t>N</a:t>
-            </a:r>
-            <a:r>
-              <a:rPr lang="ru-RU" dirty="0">
-                <a:latin typeface="Arial" panose="020B0604020202020204" pitchFamily="34" charset="0"/>
-                <a:cs typeface="Arial" panose="020B0604020202020204" pitchFamily="34" charset="0"/>
-              </a:rPr>
-              <a:t>-размерного Гильбертова пространства, в котором квантовое состояние |φ&gt; является вектором. </a:t>
-            </a:r>
-            <a:endParaRPr lang="ru-RU" dirty="0" smtClean="0">
+              <a:t>и ограничения самого допустимо-сильного вычислительного устройства, которое может позволить нам </a:t>
+            </a:r>
+            <a:r>
+              <a:rPr lang="ru-RU" dirty="0" smtClean="0">
+                <a:latin typeface="Arial" panose="020B0604020202020204" pitchFamily="34" charset="0"/>
+                <a:cs typeface="Arial" panose="020B0604020202020204" pitchFamily="34" charset="0"/>
+              </a:rPr>
+              <a:t>природа.</a:t>
+            </a:r>
+            <a:endParaRPr lang="ru-RU" dirty="0">
               <a:latin typeface="Arial" panose="020B0604020202020204" pitchFamily="34" charset="0"/>
               <a:cs typeface="Arial" panose="020B0604020202020204" pitchFamily="34" charset="0"/>
             </a:endParaRPr>
           </a:p>
           <a:p>
-            <a:pPr marL="0" indent="0" algn="just">
-              <a:buNone/>
-            </a:pPr>
-            <a:r>
-              <a:rPr lang="ru-RU" dirty="0" smtClean="0">
-                <a:latin typeface="Arial" panose="020B0604020202020204" pitchFamily="34" charset="0"/>
-                <a:cs typeface="Arial" panose="020B0604020202020204" pitchFamily="34" charset="0"/>
-              </a:rPr>
-              <a:t>С </a:t>
-            </a:r>
-            <a:r>
-              <a:rPr lang="ru-RU" dirty="0">
-                <a:latin typeface="Arial" panose="020B0604020202020204" pitchFamily="34" charset="0"/>
-                <a:cs typeface="Arial" panose="020B0604020202020204" pitchFamily="34" charset="0"/>
-              </a:rPr>
-              <a:t>квантовым состоянием можно проводить 2 операции: измерить и изменить унитарно, без измерения.</a:t>
-            </a:r>
-          </a:p>
-          <a:p>
-            <a:pPr marL="0" indent="0" algn="just">
-              <a:buNone/>
-            </a:pPr>
             <a:endParaRPr lang="ru-RU" dirty="0"/>
           </a:p>
         </p:txBody>
       </p:sp>
       <p:sp>
         <p:nvSpPr>
-          <p:cNvPr id="3" name="Номер слайда 2"/>
+          <p:cNvPr id="4" name="Номер слайда 3"/>
           <p:cNvSpPr>
             <a:spLocks noGrp="1"/>
           </p:cNvSpPr>
@@ -9822,7 +9054,7 @@
           <a:p>
             <a:fld id="{ADDC721D-FED4-4080-8955-62676588A2D9}" type="slidenum">
               <a:rPr lang="ru-RU" smtClean="0"/>
-              <a:t>3</a:t>
+              <a:t>2</a:t>
             </a:fld>
             <a:endParaRPr lang="ru-RU"/>
           </a:p>
@@ -9831,21 +9063,13 @@
     </p:spTree>
     <p:extLst>
       <p:ext uri="{BB962C8B-B14F-4D97-AF65-F5344CB8AC3E}">
-        <p14:creationId xmlns:p14="http://schemas.microsoft.com/office/powerpoint/2010/main" val="2589509175"/>
+        <p14:creationId xmlns:p14="http://schemas.microsoft.com/office/powerpoint/2010/main" val="2986906888"/>
       </p:ext>
     </p:extLst>
   </p:cSld>
   <p:clrMapOvr>
     <a:masterClrMapping/>
   </p:clrMapOvr>
-  <mc:AlternateContent xmlns:mc="http://schemas.openxmlformats.org/markup-compatibility/2006" xmlns:p14="http://schemas.microsoft.com/office/powerpoint/2010/main">
-    <mc:Choice Requires="p14">
-      <p:transition spd="slow" p14:dur="2000"/>
-    </mc:Choice>
-    <mc:Fallback xmlns="">
-      <p:transition spd="slow"/>
-    </mc:Fallback>
-  </mc:AlternateContent>
   <p:timing>
     <p:tnLst>
       <p:par>
@@ -9856,8 +9080,8 @@
 </p:sld>
 </file>
 
-<file path=ppt/slides/slide4.xml><?xml version="1.0" encoding="utf-8"?>
-<p:sld xmlns:a="http://schemas.openxmlformats.org/drawingml/2006/main" xmlns:r="http://schemas.openxmlformats.org/officeDocument/2006/relationships" xmlns:p="http://schemas.openxmlformats.org/presentationml/2006/main" show="0">
+<file path=ppt/slides/slide3.xml><?xml version="1.0" encoding="utf-8"?>
+<p:sld xmlns:a="http://schemas.openxmlformats.org/drawingml/2006/main" xmlns:r="http://schemas.openxmlformats.org/officeDocument/2006/relationships" xmlns:p="http://schemas.openxmlformats.org/presentationml/2006/main">
   <p:cSld>
     <p:spTree>
       <p:nvGrpSpPr>
@@ -9896,45 +9120,203 @@
                 <a:latin typeface="Arial" panose="020B0604020202020204" pitchFamily="34" charset="0"/>
                 <a:cs typeface="Arial" panose="020B0604020202020204" pitchFamily="34" charset="0"/>
               </a:rPr>
-              <a:t>История развития квантовых вычислений</a:t>
-            </a:r>
-            <a:endParaRPr lang="ru-RU" sz="4000" dirty="0">
+              <a:t>Задачи работы</a:t>
+            </a:r>
+            <a:endParaRPr lang="ru-RU" sz="4000" dirty="0"/>
+          </a:p>
+        </p:txBody>
+      </p:sp>
+      <p:sp>
+        <p:nvSpPr>
+          <p:cNvPr id="3" name="Объект 2"/>
+          <p:cNvSpPr>
+            <a:spLocks noGrp="1"/>
+          </p:cNvSpPr>
+          <p:nvPr>
+            <p:ph idx="1"/>
+          </p:nvPr>
+        </p:nvSpPr>
+        <p:spPr/>
+        <p:txBody>
+          <a:bodyPr>
+            <a:normAutofit lnSpcReduction="10000"/>
+          </a:bodyPr>
+          <a:lstStyle/>
+          <a:p>
+            <a:pPr marL="357188" indent="-357188" defTabSz="900113">
+              <a:lnSpc>
+                <a:spcPct val="100000"/>
+              </a:lnSpc>
+              <a:spcBef>
+                <a:spcPts val="0"/>
+              </a:spcBef>
+            </a:pPr>
+            <a:r>
+              <a:rPr lang="ru-RU" dirty="0" smtClean="0">
+                <a:latin typeface="Arial" panose="020B0604020202020204" pitchFamily="34" charset="0"/>
+                <a:cs typeface="Arial" panose="020B0604020202020204" pitchFamily="34" charset="0"/>
+              </a:rPr>
+              <a:t>Анализ наиболее известных задач и алгоритмов в </a:t>
+            </a:r>
+            <a:r>
+              <a:rPr lang="ru-RU" dirty="0">
+                <a:latin typeface="Arial" panose="020B0604020202020204" pitchFamily="34" charset="0"/>
+                <a:cs typeface="Arial" panose="020B0604020202020204" pitchFamily="34" charset="0"/>
+              </a:rPr>
+              <a:t> области квантовых вычислений и технологий</a:t>
+            </a:r>
+            <a:r>
+              <a:rPr lang="ru-RU" dirty="0" smtClean="0">
+                <a:latin typeface="Arial" panose="020B0604020202020204" pitchFamily="34" charset="0"/>
+                <a:cs typeface="Arial" panose="020B0604020202020204" pitchFamily="34" charset="0"/>
+              </a:rPr>
+              <a:t>;</a:t>
+            </a:r>
+          </a:p>
+          <a:p>
+            <a:pPr marL="357188" indent="-357188" defTabSz="900113">
+              <a:lnSpc>
+                <a:spcPct val="100000"/>
+              </a:lnSpc>
+              <a:spcBef>
+                <a:spcPts val="0"/>
+              </a:spcBef>
+            </a:pPr>
+            <a:r>
+              <a:rPr lang="ru-RU" dirty="0" smtClean="0">
+                <a:latin typeface="Arial" panose="020B0604020202020204" pitchFamily="34" charset="0"/>
+                <a:cs typeface="Arial" panose="020B0604020202020204" pitchFamily="34" charset="0"/>
+              </a:rPr>
+              <a:t>реализация квантового алгоритма для проверки сбалансированности функции</a:t>
+            </a:r>
+            <a:r>
+              <a:rPr lang="en-US" dirty="0" smtClean="0">
+                <a:latin typeface="Arial" panose="020B0604020202020204" pitchFamily="34" charset="0"/>
+                <a:cs typeface="Arial" panose="020B0604020202020204" pitchFamily="34" charset="0"/>
+              </a:rPr>
+              <a:t>;</a:t>
+            </a:r>
+            <a:endParaRPr lang="ru-RU" dirty="0" smtClean="0">
               <a:latin typeface="Arial" panose="020B0604020202020204" pitchFamily="34" charset="0"/>
               <a:cs typeface="Arial" panose="020B0604020202020204" pitchFamily="34" charset="0"/>
             </a:endParaRPr>
           </a:p>
-        </p:txBody>
-      </p:sp>
-      <p:sp>
-        <p:nvSpPr>
-          <p:cNvPr id="3" name="Объект 2"/>
-          <p:cNvSpPr>
-            <a:spLocks noGrp="1"/>
-          </p:cNvSpPr>
-          <p:nvPr>
-            <p:ph idx="1"/>
-          </p:nvPr>
-        </p:nvSpPr>
-        <p:spPr/>
-        <p:txBody>
-          <a:bodyPr/>
-          <a:lstStyle/>
-          <a:p>
-            <a:pPr marL="0" indent="0" algn="just">
-              <a:buNone/>
+          <a:p>
+            <a:pPr marL="357188" indent="-357188" defTabSz="900113">
+              <a:lnSpc>
+                <a:spcPct val="100000"/>
+              </a:lnSpc>
+              <a:spcBef>
+                <a:spcPts val="0"/>
+              </a:spcBef>
             </a:pPr>
             <a:r>
-              <a:rPr lang="ru-RU" dirty="0">
-                <a:latin typeface="Arial" panose="020B0604020202020204" pitchFamily="34" charset="0"/>
-                <a:cs typeface="Arial" panose="020B0604020202020204" pitchFamily="34" charset="0"/>
-              </a:rPr>
-              <a:t>Задача обработки квантовой информации состоит в решении определенного класса проблем, которых не могут решить классические компьютеры за приемлемое время. </a:t>
-            </a:r>
-            <a:endParaRPr lang="ru-RU" b="1" dirty="0">
+              <a:rPr lang="ru-RU" dirty="0" smtClean="0">
+                <a:latin typeface="Arial" panose="020B0604020202020204" pitchFamily="34" charset="0"/>
+                <a:cs typeface="Arial" panose="020B0604020202020204" pitchFamily="34" charset="0"/>
+              </a:rPr>
+              <a:t>реализация классических детерминированного и вероятностного алгоритмов для проверки сбалансированности функции</a:t>
+            </a:r>
+            <a:r>
+              <a:rPr lang="en-US" dirty="0" smtClean="0">
+                <a:latin typeface="Arial" panose="020B0604020202020204" pitchFamily="34" charset="0"/>
+                <a:cs typeface="Arial" panose="020B0604020202020204" pitchFamily="34" charset="0"/>
+              </a:rPr>
+              <a:t>;</a:t>
+            </a:r>
+            <a:endParaRPr lang="ru-RU" dirty="0" smtClean="0">
               <a:latin typeface="Arial" panose="020B0604020202020204" pitchFamily="34" charset="0"/>
               <a:cs typeface="Arial" panose="020B0604020202020204" pitchFamily="34" charset="0"/>
             </a:endParaRPr>
           </a:p>
+          <a:p>
+            <a:pPr marL="357188" indent="-357188" defTabSz="900113">
+              <a:lnSpc>
+                <a:spcPct val="100000"/>
+              </a:lnSpc>
+              <a:spcBef>
+                <a:spcPts val="0"/>
+              </a:spcBef>
+            </a:pPr>
+            <a:r>
+              <a:rPr lang="ru-RU" dirty="0" smtClean="0">
+                <a:latin typeface="Arial" panose="020B0604020202020204" pitchFamily="34" charset="0"/>
+                <a:cs typeface="Arial" panose="020B0604020202020204" pitchFamily="34" charset="0"/>
+              </a:rPr>
+              <a:t>реализация квантового алгоритма для факторизации</a:t>
+            </a:r>
+            <a:r>
+              <a:rPr lang="en-US" dirty="0" smtClean="0">
+                <a:latin typeface="Arial" panose="020B0604020202020204" pitchFamily="34" charset="0"/>
+                <a:cs typeface="Arial" panose="020B0604020202020204" pitchFamily="34" charset="0"/>
+              </a:rPr>
+              <a:t>;</a:t>
+            </a:r>
+            <a:endParaRPr lang="ru-RU" dirty="0" smtClean="0">
+              <a:latin typeface="Arial" panose="020B0604020202020204" pitchFamily="34" charset="0"/>
+              <a:cs typeface="Arial" panose="020B0604020202020204" pitchFamily="34" charset="0"/>
+            </a:endParaRPr>
+          </a:p>
+          <a:p>
+            <a:pPr marL="357188" indent="-357188" defTabSz="900113">
+              <a:lnSpc>
+                <a:spcPct val="100000"/>
+              </a:lnSpc>
+              <a:spcBef>
+                <a:spcPts val="0"/>
+              </a:spcBef>
+            </a:pPr>
+            <a:r>
+              <a:rPr lang="ru-RU" dirty="0">
+                <a:latin typeface="Arial" panose="020B0604020202020204" pitchFamily="34" charset="0"/>
+                <a:cs typeface="Arial" panose="020B0604020202020204" pitchFamily="34" charset="0"/>
+              </a:rPr>
+              <a:t>реализация </a:t>
+            </a:r>
+            <a:r>
+              <a:rPr lang="ru-RU" dirty="0" smtClean="0">
+                <a:latin typeface="Arial" panose="020B0604020202020204" pitchFamily="34" charset="0"/>
+                <a:cs typeface="Arial" panose="020B0604020202020204" pitchFamily="34" charset="0"/>
+              </a:rPr>
+              <a:t>классического </a:t>
+            </a:r>
+            <a:r>
+              <a:rPr lang="ru-RU" dirty="0">
+                <a:latin typeface="Arial" panose="020B0604020202020204" pitchFamily="34" charset="0"/>
+                <a:cs typeface="Arial" panose="020B0604020202020204" pitchFamily="34" charset="0"/>
+              </a:rPr>
+              <a:t>детерминированного </a:t>
+            </a:r>
+            <a:r>
+              <a:rPr lang="ru-RU" dirty="0" smtClean="0">
+                <a:latin typeface="Arial" panose="020B0604020202020204" pitchFamily="34" charset="0"/>
+                <a:cs typeface="Arial" panose="020B0604020202020204" pitchFamily="34" charset="0"/>
+              </a:rPr>
+              <a:t>алгоритма для </a:t>
+            </a:r>
+            <a:r>
+              <a:rPr lang="ru-RU" dirty="0">
+                <a:latin typeface="Arial" panose="020B0604020202020204" pitchFamily="34" charset="0"/>
+                <a:cs typeface="Arial" panose="020B0604020202020204" pitchFamily="34" charset="0"/>
+              </a:rPr>
+              <a:t>проверки сбалансированности </a:t>
+            </a:r>
+            <a:r>
+              <a:rPr lang="ru-RU" dirty="0" smtClean="0">
+                <a:latin typeface="Arial" panose="020B0604020202020204" pitchFamily="34" charset="0"/>
+                <a:cs typeface="Arial" panose="020B0604020202020204" pitchFamily="34" charset="0"/>
+              </a:rPr>
+              <a:t>функции</a:t>
+            </a:r>
+            <a:r>
+              <a:rPr lang="en-US" dirty="0">
+                <a:latin typeface="Arial" panose="020B0604020202020204" pitchFamily="34" charset="0"/>
+                <a:cs typeface="Arial" panose="020B0604020202020204" pitchFamily="34" charset="0"/>
+              </a:rPr>
+              <a:t>.</a:t>
+            </a:r>
+            <a:endParaRPr lang="ru-RU" dirty="0"/>
+          </a:p>
         </p:txBody>
       </p:sp>
       <p:sp>
@@ -9954,7 +9336,7 @@
           <a:p>
             <a:fld id="{ADDC721D-FED4-4080-8955-62676588A2D9}" type="slidenum">
               <a:rPr lang="ru-RU" smtClean="0"/>
-              <a:t>4</a:t>
+              <a:t>3</a:t>
             </a:fld>
             <a:endParaRPr lang="ru-RU"/>
           </a:p>
@@ -9963,21 +9345,163 @@
     </p:spTree>
     <p:extLst>
       <p:ext uri="{BB962C8B-B14F-4D97-AF65-F5344CB8AC3E}">
-        <p14:creationId xmlns:p14="http://schemas.microsoft.com/office/powerpoint/2010/main" val="1398649656"/>
+        <p14:creationId xmlns:p14="http://schemas.microsoft.com/office/powerpoint/2010/main" val="1640727827"/>
       </p:ext>
     </p:extLst>
   </p:cSld>
   <p:clrMapOvr>
     <a:masterClrMapping/>
   </p:clrMapOvr>
-  <mc:AlternateContent xmlns:mc="http://schemas.openxmlformats.org/markup-compatibility/2006" xmlns:p14="http://schemas.microsoft.com/office/powerpoint/2010/main">
-    <mc:Choice Requires="p14">
-      <p:transition spd="slow" p14:dur="2000"/>
-    </mc:Choice>
-    <mc:Fallback xmlns="">
-      <p:transition spd="slow"/>
-    </mc:Fallback>
-  </mc:AlternateContent>
+  <p:timing>
+    <p:tnLst>
+      <p:par>
+        <p:cTn id="1" dur="indefinite" restart="never" nodeType="tmRoot"/>
+      </p:par>
+    </p:tnLst>
+  </p:timing>
+</p:sld>
+</file>
+
+<file path=ppt/slides/slide4.xml><?xml version="1.0" encoding="utf-8"?>
+<p:sld xmlns:a="http://schemas.openxmlformats.org/drawingml/2006/main" xmlns:r="http://schemas.openxmlformats.org/officeDocument/2006/relationships" xmlns:p="http://schemas.openxmlformats.org/presentationml/2006/main">
+  <p:cSld>
+    <p:spTree>
+      <p:nvGrpSpPr>
+        <p:cNvPr id="1" name=""/>
+        <p:cNvGrpSpPr/>
+        <p:nvPr/>
+      </p:nvGrpSpPr>
+      <p:grpSpPr>
+        <a:xfrm>
+          <a:off x="0" y="0"/>
+          <a:ext cx="0" cy="0"/>
+          <a:chOff x="0" y="0"/>
+          <a:chExt cx="0" cy="0"/>
+        </a:xfrm>
+      </p:grpSpPr>
+      <p:sp>
+        <p:nvSpPr>
+          <p:cNvPr id="2" name="Заголовок 1"/>
+          <p:cNvSpPr>
+            <a:spLocks noGrp="1"/>
+          </p:cNvSpPr>
+          <p:nvPr>
+            <p:ph type="title"/>
+          </p:nvPr>
+        </p:nvSpPr>
+        <p:spPr/>
+        <p:txBody>
+          <a:bodyPr>
+            <a:normAutofit/>
+          </a:bodyPr>
+          <a:lstStyle/>
+          <a:p>
+            <a:pPr algn="ctr"/>
+            <a:r>
+              <a:rPr lang="ru-RU" sz="4000" dirty="0">
+                <a:latin typeface="Arial" panose="020B0604020202020204" pitchFamily="34" charset="0"/>
+                <a:cs typeface="Arial" panose="020B0604020202020204" pitchFamily="34" charset="0"/>
+              </a:rPr>
+              <a:t>Задачи работы</a:t>
+            </a:r>
+            <a:endParaRPr lang="ru-RU" sz="4000" dirty="0"/>
+          </a:p>
+        </p:txBody>
+      </p:sp>
+      <p:sp>
+        <p:nvSpPr>
+          <p:cNvPr id="3" name="Объект 2"/>
+          <p:cNvSpPr>
+            <a:spLocks noGrp="1"/>
+          </p:cNvSpPr>
+          <p:nvPr>
+            <p:ph idx="1"/>
+          </p:nvPr>
+        </p:nvSpPr>
+        <p:spPr/>
+        <p:txBody>
+          <a:bodyPr/>
+          <a:lstStyle/>
+          <a:p>
+            <a:r>
+              <a:rPr lang="ru-RU" dirty="0" smtClean="0">
+                <a:latin typeface="Arial" panose="020B0604020202020204" pitchFamily="34" charset="0"/>
+                <a:cs typeface="Arial" panose="020B0604020202020204" pitchFamily="34" charset="0"/>
+              </a:rPr>
+              <a:t>Реализация квантового алгоритма для систем </a:t>
+            </a:r>
+            <a:r>
+              <a:rPr lang="ru-RU" dirty="0">
+                <a:latin typeface="Arial" panose="020B0604020202020204" pitchFamily="34" charset="0"/>
+                <a:cs typeface="Arial" panose="020B0604020202020204" pitchFamily="34" charset="0"/>
+              </a:rPr>
+              <a:t>линейных </a:t>
+            </a:r>
+            <a:r>
+              <a:rPr lang="ru-RU" dirty="0" smtClean="0">
+                <a:latin typeface="Arial" panose="020B0604020202020204" pitchFamily="34" charset="0"/>
+                <a:cs typeface="Arial" panose="020B0604020202020204" pitchFamily="34" charset="0"/>
+              </a:rPr>
+              <a:t>равенств;</a:t>
+            </a:r>
+          </a:p>
+          <a:p>
+            <a:r>
+              <a:rPr lang="ru-RU" dirty="0" smtClean="0">
+                <a:latin typeface="Arial" panose="020B0604020202020204" pitchFamily="34" charset="0"/>
+                <a:cs typeface="Arial" panose="020B0604020202020204" pitchFamily="34" charset="0"/>
+              </a:rPr>
+              <a:t>реализация классического алгоритма для систем линейных равенств;</a:t>
+            </a:r>
+          </a:p>
+          <a:p>
+            <a:r>
+              <a:rPr lang="ru-RU" dirty="0" smtClean="0">
+                <a:latin typeface="Arial" panose="020B0604020202020204" pitchFamily="34" charset="0"/>
+                <a:cs typeface="Arial" panose="020B0604020202020204" pitchFamily="34" charset="0"/>
+              </a:rPr>
+              <a:t>проведение сравнительного анализа между реализованными квантовыми алгоритмами и их классическими версиями.</a:t>
+            </a:r>
+            <a:endParaRPr lang="ru-RU" dirty="0">
+              <a:latin typeface="Arial" panose="020B0604020202020204" pitchFamily="34" charset="0"/>
+              <a:cs typeface="Arial" panose="020B0604020202020204" pitchFamily="34" charset="0"/>
+            </a:endParaRPr>
+          </a:p>
+        </p:txBody>
+      </p:sp>
+      <p:sp>
+        <p:nvSpPr>
+          <p:cNvPr id="4" name="Номер слайда 3"/>
+          <p:cNvSpPr>
+            <a:spLocks noGrp="1"/>
+          </p:cNvSpPr>
+          <p:nvPr>
+            <p:ph type="sldNum" sz="quarter" idx="12"/>
+          </p:nvPr>
+        </p:nvSpPr>
+        <p:spPr/>
+        <p:txBody>
+          <a:bodyPr/>
+          <a:lstStyle/>
+          <a:p>
+            <a:fld id="{ADDC721D-FED4-4080-8955-62676588A2D9}" type="slidenum">
+              <a:rPr lang="ru-RU" smtClean="0"/>
+              <a:t>4</a:t>
+            </a:fld>
+            <a:endParaRPr lang="ru-RU"/>
+          </a:p>
+        </p:txBody>
+      </p:sp>
+    </p:spTree>
+    <p:extLst>
+      <p:ext uri="{BB962C8B-B14F-4D97-AF65-F5344CB8AC3E}">
+        <p14:creationId xmlns:p14="http://schemas.microsoft.com/office/powerpoint/2010/main" val="3233919458"/>
+      </p:ext>
+    </p:extLst>
+  </p:cSld>
+  <p:clrMapOvr>
+    <a:masterClrMapping/>
+  </p:clrMapOvr>
   <p:timing>
     <p:tnLst>
       <p:par>
@@ -10015,10 +9539,15 @@
             <p:ph type="title"/>
           </p:nvPr>
         </p:nvSpPr>
-        <p:spPr/>
+        <p:spPr>
+          <a:xfrm>
+            <a:off x="838199" y="0"/>
+            <a:ext cx="10515600" cy="1325563"/>
+          </a:xfrm>
+        </p:spPr>
         <p:txBody>
           <a:bodyPr>
-            <a:normAutofit/>
+            <a:noAutofit/>
           </a:bodyPr>
           <a:lstStyle/>
           <a:p>
@@ -10028,7 +9557,7 @@
                 <a:latin typeface="Arial" panose="020B0604020202020204" pitchFamily="34" charset="0"/>
                 <a:cs typeface="Arial" panose="020B0604020202020204" pitchFamily="34" charset="0"/>
               </a:rPr>
-              <a:t>Задачи теории квантовых вычислений</a:t>
+              <a:t>Средства реализации</a:t>
             </a:r>
             <a:endParaRPr lang="ru-RU" sz="4000" dirty="0">
               <a:latin typeface="Arial" panose="020B0604020202020204" pitchFamily="34" charset="0"/>
@@ -10047,153 +9576,302 @@
             <p:ph idx="1"/>
           </p:nvPr>
         </p:nvSpPr>
-        <p:spPr/>
+        <p:spPr>
+          <a:xfrm>
+            <a:off x="671511" y="1325563"/>
+            <a:ext cx="10848975" cy="4629150"/>
+          </a:xfrm>
+        </p:spPr>
         <p:txBody>
           <a:bodyPr>
-            <a:normAutofit/>
+            <a:noAutofit/>
           </a:bodyPr>
           <a:lstStyle/>
           <a:p>
-            <a:pPr algn="just"/>
+            <a:pPr marL="628650" indent="263525">
+              <a:lnSpc>
+                <a:spcPct val="150000"/>
+              </a:lnSpc>
+              <a:spcBef>
+                <a:spcPts val="0"/>
+              </a:spcBef>
+            </a:pPr>
             <a:r>
               <a:rPr lang="ru-RU" dirty="0" smtClean="0">
                 <a:latin typeface="Arial" panose="020B0604020202020204" pitchFamily="34" charset="0"/>
                 <a:cs typeface="Arial" panose="020B0604020202020204" pitchFamily="34" charset="0"/>
               </a:rPr>
-              <a:t>Продолжение процесса </a:t>
+              <a:t>ОС </a:t>
+            </a:r>
+            <a:r>
+              <a:rPr lang="en-US" dirty="0">
+                <a:latin typeface="Arial" panose="020B0604020202020204" pitchFamily="34" charset="0"/>
+                <a:cs typeface="Arial" panose="020B0604020202020204" pitchFamily="34" charset="0"/>
+              </a:rPr>
+              <a:t>Windows 10 Pro;</a:t>
+            </a:r>
+          </a:p>
+          <a:p>
+            <a:pPr marL="628650" indent="263525">
+              <a:lnSpc>
+                <a:spcPct val="150000"/>
+              </a:lnSpc>
+              <a:spcBef>
+                <a:spcPts val="0"/>
+              </a:spcBef>
+            </a:pPr>
+            <a:r>
+              <a:rPr lang="ru-RU" dirty="0" smtClean="0">
+                <a:latin typeface="Arial" panose="020B0604020202020204" pitchFamily="34" charset="0"/>
+                <a:cs typeface="Arial" panose="020B0604020202020204" pitchFamily="34" charset="0"/>
+              </a:rPr>
+              <a:t>универсальная </a:t>
             </a:r>
             <a:r>
               <a:rPr lang="ru-RU" dirty="0">
                 <a:latin typeface="Arial" panose="020B0604020202020204" pitchFamily="34" charset="0"/>
                 <a:cs typeface="Arial" panose="020B0604020202020204" pitchFamily="34" charset="0"/>
               </a:rPr>
-              <a:t>миниатюризации, который сделал современные компьютеры мощными и </a:t>
-            </a:r>
+              <a:t>платформа разработки .</a:t>
+            </a:r>
+            <a:r>
+              <a:rPr lang="en-US" dirty="0">
+                <a:latin typeface="Arial" panose="020B0604020202020204" pitchFamily="34" charset="0"/>
+                <a:cs typeface="Arial" panose="020B0604020202020204" pitchFamily="34" charset="0"/>
+              </a:rPr>
+              <a:t>Net Core SDK 2.2;</a:t>
+            </a:r>
+          </a:p>
+          <a:p>
+            <a:pPr marL="628650" indent="263525">
+              <a:lnSpc>
+                <a:spcPct val="150000"/>
+              </a:lnSpc>
+              <a:spcBef>
+                <a:spcPts val="0"/>
+              </a:spcBef>
+            </a:pPr>
             <a:r>
               <a:rPr lang="ru-RU" dirty="0" smtClean="0">
                 <a:latin typeface="Arial" panose="020B0604020202020204" pitchFamily="34" charset="0"/>
                 <a:cs typeface="Arial" panose="020B0604020202020204" pitchFamily="34" charset="0"/>
               </a:rPr>
-              <a:t>дешевым и</a:t>
-            </a:r>
-            <a:br>
+              <a:t>пакет </a:t>
+            </a:r>
+            <a:r>
+              <a:rPr lang="ru-RU" dirty="0">
+                <a:latin typeface="Arial" panose="020B0604020202020204" pitchFamily="34" charset="0"/>
+                <a:cs typeface="Arial" panose="020B0604020202020204" pitchFamily="34" charset="0"/>
+              </a:rPr>
+              <a:t>разработки </a:t>
+            </a:r>
+            <a:r>
+              <a:rPr lang="en-US" dirty="0">
+                <a:latin typeface="Arial" panose="020B0604020202020204" pitchFamily="34" charset="0"/>
+                <a:cs typeface="Arial" panose="020B0604020202020204" pitchFamily="34" charset="0"/>
+              </a:rPr>
+              <a:t>Microsoft Quantum Development Kit 0.6;</a:t>
+            </a:r>
+          </a:p>
+          <a:p>
+            <a:pPr marL="628650" indent="263525">
+              <a:lnSpc>
+                <a:spcPct val="150000"/>
+              </a:lnSpc>
+              <a:spcBef>
+                <a:spcPts val="0"/>
+              </a:spcBef>
+            </a:pPr>
+            <a:r>
               <a:rPr lang="ru-RU" dirty="0" smtClean="0">
                 <a:latin typeface="Arial" panose="020B0604020202020204" pitchFamily="34" charset="0"/>
                 <a:cs typeface="Arial" panose="020B0604020202020204" pitchFamily="34" charset="0"/>
               </a:rPr>
-            </a:br>
+              <a:t>редактор </a:t>
+            </a:r>
+            <a:r>
+              <a:rPr lang="ru-RU" dirty="0">
+                <a:latin typeface="Arial" panose="020B0604020202020204" pitchFamily="34" charset="0"/>
+                <a:cs typeface="Arial" panose="020B0604020202020204" pitchFamily="34" charset="0"/>
+              </a:rPr>
+              <a:t>исходного кода </a:t>
+            </a:r>
+            <a:r>
+              <a:rPr lang="en-US" dirty="0">
+                <a:latin typeface="Arial" panose="020B0604020202020204" pitchFamily="34" charset="0"/>
+                <a:cs typeface="Arial" panose="020B0604020202020204" pitchFamily="34" charset="0"/>
+              </a:rPr>
+              <a:t>Visual Studio Code 1.33;</a:t>
+            </a:r>
+          </a:p>
+          <a:p>
+            <a:pPr marL="628650" indent="263525">
+              <a:lnSpc>
+                <a:spcPct val="150000"/>
+              </a:lnSpc>
+              <a:spcBef>
+                <a:spcPts val="0"/>
+              </a:spcBef>
+            </a:pPr>
             <a:r>
               <a:rPr lang="ru-RU" dirty="0" smtClean="0">
                 <a:latin typeface="Arial" panose="020B0604020202020204" pitchFamily="34" charset="0"/>
                 <a:cs typeface="Arial" panose="020B0604020202020204" pitchFamily="34" charset="0"/>
               </a:rPr>
-              <a:t>практически </a:t>
-            </a:r>
-            <a:r>
-              <a:rPr lang="ru-RU" dirty="0">
-                <a:latin typeface="Arial" panose="020B0604020202020204" pitchFamily="34" charset="0"/>
-                <a:cs typeface="Arial" panose="020B0604020202020204" pitchFamily="34" charset="0"/>
-              </a:rPr>
-              <a:t>достиг </a:t>
-            </a:r>
+              <a:t>язык </a:t>
+            </a:r>
+            <a:r>
+              <a:rPr lang="en-US" dirty="0">
+                <a:latin typeface="Arial" panose="020B0604020202020204" pitchFamily="34" charset="0"/>
+                <a:cs typeface="Arial" panose="020B0604020202020204" pitchFamily="34" charset="0"/>
+              </a:rPr>
+              <a:t>C# 7.0;</a:t>
+            </a:r>
+          </a:p>
+          <a:p>
+            <a:pPr marL="628650" indent="263525">
+              <a:lnSpc>
+                <a:spcPct val="150000"/>
+              </a:lnSpc>
+              <a:spcBef>
+                <a:spcPts val="0"/>
+              </a:spcBef>
+            </a:pPr>
             <a:r>
               <a:rPr lang="ru-RU" dirty="0" smtClean="0">
                 <a:latin typeface="Arial" panose="020B0604020202020204" pitchFamily="34" charset="0"/>
                 <a:cs typeface="Arial" panose="020B0604020202020204" pitchFamily="34" charset="0"/>
               </a:rPr>
-              <a:t>микроуровней</a:t>
-            </a:r>
-            <a:r>
-              <a:rPr lang="en-US" dirty="0" smtClean="0">
-                <a:latin typeface="Arial" panose="020B0604020202020204" pitchFamily="34" charset="0"/>
-                <a:cs typeface="Arial" panose="020B0604020202020204" pitchFamily="34" charset="0"/>
-              </a:rPr>
-              <a:t>;</a:t>
-            </a:r>
-            <a:endParaRPr lang="ru-RU" dirty="0" smtClean="0">
+              <a:t>язык </a:t>
+            </a:r>
+            <a:r>
+              <a:rPr lang="en-US" dirty="0">
+                <a:latin typeface="Arial" panose="020B0604020202020204" pitchFamily="34" charset="0"/>
+                <a:cs typeface="Arial" panose="020B0604020202020204" pitchFamily="34" charset="0"/>
+              </a:rPr>
+              <a:t>Q#.</a:t>
+            </a:r>
+          </a:p>
+          <a:p>
+            <a:pPr marL="628650" indent="263525">
+              <a:lnSpc>
+                <a:spcPct val="150000"/>
+              </a:lnSpc>
+              <a:spcBef>
+                <a:spcPts val="0"/>
+              </a:spcBef>
+            </a:pPr>
+            <a:endParaRPr lang="ru-RU" sz="2200" dirty="0">
               <a:latin typeface="Arial" panose="020B0604020202020204" pitchFamily="34" charset="0"/>
               <a:cs typeface="Arial" panose="020B0604020202020204" pitchFamily="34" charset="0"/>
             </a:endParaRPr>
           </a:p>
           <a:p>
-            <a:pPr algn="just"/>
-            <a:r>
-              <a:rPr lang="ru-RU" dirty="0" smtClean="0">
-                <a:latin typeface="Arial" panose="020B0604020202020204" pitchFamily="34" charset="0"/>
-                <a:cs typeface="Arial" panose="020B0604020202020204" pitchFamily="34" charset="0"/>
-              </a:rPr>
-              <a:t>ускорение некоторых вычислений </a:t>
-            </a:r>
-            <a:r>
-              <a:rPr lang="ru-RU" dirty="0">
-                <a:latin typeface="Arial" panose="020B0604020202020204" pitchFamily="34" charset="0"/>
-                <a:cs typeface="Arial" panose="020B0604020202020204" pitchFamily="34" charset="0"/>
-              </a:rPr>
-              <a:t>и </a:t>
-            </a:r>
-            <a:r>
-              <a:rPr lang="ru-RU" dirty="0" smtClean="0">
-                <a:latin typeface="Arial" panose="020B0604020202020204" pitchFamily="34" charset="0"/>
-                <a:cs typeface="Arial" panose="020B0604020202020204" pitchFamily="34" charset="0"/>
-              </a:rPr>
-              <a:t>реализация идей, недоступных </a:t>
-            </a:r>
-            <a:r>
-              <a:rPr lang="ru-RU" dirty="0">
-                <a:latin typeface="Arial" panose="020B0604020202020204" pitchFamily="34" charset="0"/>
-                <a:cs typeface="Arial" panose="020B0604020202020204" pitchFamily="34" charset="0"/>
-              </a:rPr>
-              <a:t>классическим </a:t>
-            </a:r>
-            <a:r>
-              <a:rPr lang="ru-RU" dirty="0" smtClean="0">
-                <a:latin typeface="Arial" panose="020B0604020202020204" pitchFamily="34" charset="0"/>
-                <a:cs typeface="Arial" panose="020B0604020202020204" pitchFamily="34" charset="0"/>
-              </a:rPr>
-              <a:t>компьютерам</a:t>
-            </a:r>
-            <a:r>
-              <a:rPr lang="en-US" dirty="0">
-                <a:latin typeface="Arial" panose="020B0604020202020204" pitchFamily="34" charset="0"/>
-                <a:cs typeface="Arial" panose="020B0604020202020204" pitchFamily="34" charset="0"/>
-              </a:rPr>
-              <a:t>;</a:t>
-            </a:r>
-            <a:endParaRPr lang="ru-RU" dirty="0">
+            <a:pPr marL="0" indent="628650" algn="just">
+              <a:lnSpc>
+                <a:spcPct val="150000"/>
+              </a:lnSpc>
+              <a:spcBef>
+                <a:spcPts val="0"/>
+              </a:spcBef>
+              <a:buNone/>
+            </a:pPr>
+            <a:endParaRPr lang="ru-RU" sz="3200" dirty="0">
               <a:latin typeface="Arial" panose="020B0604020202020204" pitchFamily="34" charset="0"/>
               <a:cs typeface="Arial" panose="020B0604020202020204" pitchFamily="34" charset="0"/>
             </a:endParaRPr>
           </a:p>
           <a:p>
-            <a:pPr algn="just"/>
-            <a:r>
-              <a:rPr lang="ru-RU" dirty="0" smtClean="0">
-                <a:latin typeface="Arial" panose="020B0604020202020204" pitchFamily="34" charset="0"/>
-                <a:cs typeface="Arial" panose="020B0604020202020204" pitchFamily="34" charset="0"/>
-              </a:rPr>
-              <a:t>выявление возможности </a:t>
-            </a:r>
-            <a:r>
-              <a:rPr lang="ru-RU" dirty="0">
-                <a:latin typeface="Arial" panose="020B0604020202020204" pitchFamily="34" charset="0"/>
-                <a:cs typeface="Arial" panose="020B0604020202020204" pitchFamily="34" charset="0"/>
-              </a:rPr>
-              <a:t>и ограничения самого допустимо-сильного вычислительного устройства, которое может позволить нам </a:t>
-            </a:r>
-            <a:r>
-              <a:rPr lang="ru-RU" dirty="0" smtClean="0">
-                <a:latin typeface="Arial" panose="020B0604020202020204" pitchFamily="34" charset="0"/>
-                <a:cs typeface="Arial" panose="020B0604020202020204" pitchFamily="34" charset="0"/>
-              </a:rPr>
-              <a:t>природа.</a:t>
-            </a:r>
-            <a:endParaRPr lang="ru-RU" dirty="0">
+            <a:pPr marL="0" indent="628650" algn="just">
+              <a:lnSpc>
+                <a:spcPct val="150000"/>
+              </a:lnSpc>
+              <a:spcBef>
+                <a:spcPts val="0"/>
+              </a:spcBef>
+              <a:buNone/>
+            </a:pPr>
+            <a:r>
+              <a:rPr lang="ru-RU" sz="2000" dirty="0" smtClean="0">
+                <a:latin typeface="+mj-lt"/>
+              </a:rPr>
+              <a:t>			</a:t>
+            </a:r>
+          </a:p>
+          <a:p>
+            <a:pPr marL="0" indent="628650" algn="just">
+              <a:lnSpc>
+                <a:spcPct val="150000"/>
+              </a:lnSpc>
+              <a:spcBef>
+                <a:spcPts val="0"/>
+              </a:spcBef>
+              <a:buNone/>
+            </a:pPr>
+            <a:r>
+              <a:rPr lang="ru-RU" sz="2000" dirty="0">
+                <a:latin typeface="+mj-lt"/>
+              </a:rPr>
+              <a:t> </a:t>
+            </a:r>
+            <a:r>
+              <a:rPr lang="ru-RU" sz="2000" dirty="0" smtClean="0">
+                <a:latin typeface="+mj-lt"/>
+              </a:rPr>
+              <a:t>    									                        </a:t>
+            </a:r>
+            <a:endParaRPr lang="ru-RU" sz="2000" dirty="0">
+              <a:latin typeface="+mj-lt"/>
+              <a:cs typeface="Arial" panose="020B0604020202020204" pitchFamily="34" charset="0"/>
+            </a:endParaRPr>
+          </a:p>
+          <a:p>
+            <a:pPr marL="0" indent="628650" algn="just">
+              <a:lnSpc>
+                <a:spcPct val="150000"/>
+              </a:lnSpc>
+              <a:spcBef>
+                <a:spcPts val="0"/>
+              </a:spcBef>
+              <a:buNone/>
+            </a:pPr>
+            <a:endParaRPr lang="ru-RU" sz="3200" dirty="0">
               <a:latin typeface="Arial" panose="020B0604020202020204" pitchFamily="34" charset="0"/>
               <a:cs typeface="Arial" panose="020B0604020202020204" pitchFamily="34" charset="0"/>
             </a:endParaRPr>
           </a:p>
           <a:p>
-            <a:endParaRPr lang="ru-RU" dirty="0"/>
+            <a:pPr marL="0" indent="628650" algn="just">
+              <a:lnSpc>
+                <a:spcPct val="150000"/>
+              </a:lnSpc>
+              <a:spcBef>
+                <a:spcPts val="0"/>
+              </a:spcBef>
+              <a:buNone/>
+            </a:pPr>
+            <a:endParaRPr lang="ru-RU" sz="3200" dirty="0">
+              <a:latin typeface="Arial" panose="020B0604020202020204" pitchFamily="34" charset="0"/>
+              <a:cs typeface="Arial" panose="020B0604020202020204" pitchFamily="34" charset="0"/>
+            </a:endParaRPr>
+          </a:p>
+          <a:p>
+            <a:pPr marL="0" indent="628650" algn="just">
+              <a:lnSpc>
+                <a:spcPct val="150000"/>
+              </a:lnSpc>
+              <a:spcBef>
+                <a:spcPts val="0"/>
+              </a:spcBef>
+              <a:buNone/>
+            </a:pPr>
+            <a:r>
+              <a:rPr lang="ru-RU" sz="3200" dirty="0">
+                <a:latin typeface="Arial" panose="020B0604020202020204" pitchFamily="34" charset="0"/>
+                <a:cs typeface="Arial" panose="020B0604020202020204" pitchFamily="34" charset="0"/>
+              </a:rPr>
+              <a:t>											        </a:t>
+            </a:r>
           </a:p>
         </p:txBody>
       </p:sp>
@@ -10223,7 +9901,7 @@
     </p:spTree>
     <p:extLst>
       <p:ext uri="{BB962C8B-B14F-4D97-AF65-F5344CB8AC3E}">
-        <p14:creationId xmlns:p14="http://schemas.microsoft.com/office/powerpoint/2010/main" val="2986906888"/>
+        <p14:creationId xmlns:p14="http://schemas.microsoft.com/office/powerpoint/2010/main" val="723238843"/>
       </p:ext>
     </p:extLst>
   </p:cSld>
@@ -10241,7 +9919,7 @@
 </file>
 
 <file path=ppt/slides/slide6.xml><?xml version="1.0" encoding="utf-8"?>
-<p:sld xmlns:a="http://schemas.openxmlformats.org/drawingml/2006/main" xmlns:r="http://schemas.openxmlformats.org/officeDocument/2006/relationships" xmlns:p="http://schemas.openxmlformats.org/presentationml/2006/main" show="0">
+<p:sld xmlns:a="http://schemas.openxmlformats.org/drawingml/2006/main" xmlns:r="http://schemas.openxmlformats.org/officeDocument/2006/relationships" xmlns:p="http://schemas.openxmlformats.org/presentationml/2006/main">
   <p:cSld>
     <p:spTree>
       <p:nvGrpSpPr>
@@ -10267,220 +9945,324 @@
             <p:ph type="title"/>
           </p:nvPr>
         </p:nvSpPr>
-        <p:spPr/>
+        <p:spPr>
+          <a:xfrm>
+            <a:off x="838200" y="452968"/>
+            <a:ext cx="10515600" cy="907192"/>
+          </a:xfrm>
+        </p:spPr>
         <p:txBody>
           <a:bodyPr>
-            <a:normAutofit/>
+            <a:noAutofit/>
           </a:bodyPr>
           <a:lstStyle/>
           <a:p>
             <a:pPr algn="ctr"/>
             <a:r>
-              <a:rPr lang="ru-RU" sz="4000" dirty="0" err="1" smtClean="0">
-                <a:latin typeface="Arial" panose="020B0604020202020204" pitchFamily="34" charset="0"/>
-                <a:cs typeface="Arial" panose="020B0604020202020204" pitchFamily="34" charset="0"/>
-              </a:rPr>
-              <a:t>Кубиты</a:t>
-            </a:r>
-            <a:endParaRPr lang="ru-RU" sz="4000" dirty="0">
+              <a:rPr lang="ru-RU" sz="4000" dirty="0">
+                <a:latin typeface="Arial" panose="020B0604020202020204" pitchFamily="34" charset="0"/>
+                <a:cs typeface="Arial" panose="020B0604020202020204" pitchFamily="34" charset="0"/>
+              </a:rPr>
+              <a:t>Требования к </a:t>
+            </a:r>
+            <a:r>
+              <a:rPr lang="ru-RU" sz="4000" dirty="0" smtClean="0">
+                <a:latin typeface="Arial" panose="020B0604020202020204" pitchFamily="34" charset="0"/>
+                <a:cs typeface="Arial" panose="020B0604020202020204" pitchFamily="34" charset="0"/>
+              </a:rPr>
+              <a:t>программному </a:t>
+            </a:r>
+            <a:br>
+              <a:rPr lang="ru-RU" sz="4000" dirty="0" smtClean="0">
+                <a:latin typeface="Arial" panose="020B0604020202020204" pitchFamily="34" charset="0"/>
+                <a:cs typeface="Arial" panose="020B0604020202020204" pitchFamily="34" charset="0"/>
+              </a:rPr>
+            </a:br>
+            <a:r>
+              <a:rPr lang="ru-RU" sz="4000" dirty="0" smtClean="0">
+                <a:latin typeface="Arial" panose="020B0604020202020204" pitchFamily="34" charset="0"/>
+                <a:cs typeface="Arial" panose="020B0604020202020204" pitchFamily="34" charset="0"/>
+              </a:rPr>
+              <a:t>и </a:t>
+            </a:r>
+            <a:r>
+              <a:rPr lang="ru-RU" sz="4000" dirty="0">
+                <a:latin typeface="Arial" panose="020B0604020202020204" pitchFamily="34" charset="0"/>
+                <a:cs typeface="Arial" panose="020B0604020202020204" pitchFamily="34" charset="0"/>
+              </a:rPr>
+              <a:t>аппаратному обеспечению</a:t>
+            </a:r>
+          </a:p>
+        </p:txBody>
+      </p:sp>
+      <p:sp>
+        <p:nvSpPr>
+          <p:cNvPr id="7" name="TextBox 6"/>
+          <p:cNvSpPr txBox="1"/>
+          <p:nvPr/>
+        </p:nvSpPr>
+        <p:spPr>
+          <a:xfrm>
+            <a:off x="778933" y="1717930"/>
+            <a:ext cx="11243528" cy="4431983"/>
+          </a:xfrm>
+          <a:prstGeom prst="rect">
+            <a:avLst/>
+          </a:prstGeom>
+          <a:noFill/>
+        </p:spPr>
+        <p:txBody>
+          <a:bodyPr wrap="square" rtlCol="0">
+            <a:spAutoFit/>
+          </a:bodyPr>
+          <a:lstStyle/>
+          <a:p>
+            <a:pPr indent="628650" algn="just">
+              <a:lnSpc>
+                <a:spcPct val="150000"/>
+              </a:lnSpc>
+            </a:pPr>
+            <a:r>
+              <a:rPr lang="ru-RU" sz="2600" b="1" dirty="0" smtClean="0">
+                <a:latin typeface="Arial" panose="020B0604020202020204" pitchFamily="34" charset="0"/>
+                <a:cs typeface="Arial" panose="020B0604020202020204" pitchFamily="34" charset="0"/>
+              </a:rPr>
+              <a:t>Необходимое программное обеспечение:</a:t>
+            </a:r>
+            <a:r>
+              <a:rPr lang="ru-RU" sz="2400" b="1" dirty="0" smtClean="0">
+                <a:latin typeface="Arial" panose="020B0604020202020204" pitchFamily="34" charset="0"/>
+                <a:cs typeface="Arial" panose="020B0604020202020204" pitchFamily="34" charset="0"/>
+              </a:rPr>
+              <a:t> </a:t>
+            </a:r>
+            <a:endParaRPr lang="ru-RU" sz="2400" b="1" dirty="0">
               <a:latin typeface="Arial" panose="020B0604020202020204" pitchFamily="34" charset="0"/>
               <a:cs typeface="Arial" panose="020B0604020202020204" pitchFamily="34" charset="0"/>
             </a:endParaRPr>
           </a:p>
-        </p:txBody>
-      </p:sp>
-      <p:sp>
-        <p:nvSpPr>
-          <p:cNvPr id="3" name="Объект 2"/>
-          <p:cNvSpPr>
-            <a:spLocks noGrp="1"/>
-          </p:cNvSpPr>
-          <p:nvPr>
-            <p:ph idx="1"/>
-          </p:nvPr>
-        </p:nvSpPr>
-        <p:spPr/>
-        <p:txBody>
-          <a:bodyPr/>
-          <a:lstStyle/>
-          <a:p>
-            <a:pPr marL="0" indent="0" algn="just">
-              <a:buNone/>
+          <a:p>
+            <a:pPr marL="900113" indent="-271463" defTabSz="900113">
+              <a:lnSpc>
+                <a:spcPct val="150000"/>
+              </a:lnSpc>
+              <a:spcBef>
+                <a:spcPts val="0"/>
+              </a:spcBef>
+              <a:buFont typeface="Arial" panose="020B0604020202020204" pitchFamily="34" charset="0"/>
+              <a:buChar char="•"/>
+              <a:tabLst>
+                <a:tab pos="357188" algn="l"/>
+                <a:tab pos="900113" algn="l"/>
+              </a:tabLst>
             </a:pPr>
             <a:r>
-              <a:rPr lang="ru-RU" dirty="0" smtClean="0">
-                <a:latin typeface="Arial" panose="020B0604020202020204" pitchFamily="34" charset="0"/>
-                <a:cs typeface="Arial" panose="020B0604020202020204" pitchFamily="34" charset="0"/>
-              </a:rPr>
-              <a:t>Рассмотрим </a:t>
-            </a:r>
-            <a:r>
-              <a:rPr lang="ru-RU" dirty="0">
-                <a:latin typeface="Arial" panose="020B0604020202020204" pitchFamily="34" charset="0"/>
-                <a:cs typeface="Arial" panose="020B0604020202020204" pitchFamily="34" charset="0"/>
-              </a:rPr>
-              <a:t>систему, которая может быть в двух базовых состояниях, назовем их |0&gt; и |1&gt;. </a:t>
-            </a:r>
-            <a:endParaRPr lang="ru-RU" dirty="0" smtClean="0">
+              <a:rPr lang="en-US" sz="2400" dirty="0" smtClean="0">
+                <a:latin typeface="Arial" panose="020B0604020202020204" pitchFamily="34" charset="0"/>
+                <a:cs typeface="Arial" panose="020B0604020202020204" pitchFamily="34" charset="0"/>
+              </a:rPr>
+              <a:t>Windows 7+ / Linux / </a:t>
+            </a:r>
+            <a:r>
+              <a:rPr lang="en-US" sz="2400" dirty="0" err="1" smtClean="0">
+                <a:latin typeface="Arial" panose="020B0604020202020204" pitchFamily="34" charset="0"/>
+                <a:cs typeface="Arial" panose="020B0604020202020204" pitchFamily="34" charset="0"/>
+              </a:rPr>
+              <a:t>macOS</a:t>
+            </a:r>
+            <a:r>
+              <a:rPr lang="en-US" sz="2400" dirty="0" smtClean="0">
+                <a:latin typeface="Arial" panose="020B0604020202020204" pitchFamily="34" charset="0"/>
+                <a:cs typeface="Arial" panose="020B0604020202020204" pitchFamily="34" charset="0"/>
+              </a:rPr>
+              <a:t>;</a:t>
+            </a:r>
+            <a:endParaRPr lang="ru-RU" sz="2400" dirty="0" smtClean="0">
               <a:latin typeface="Arial" panose="020B0604020202020204" pitchFamily="34" charset="0"/>
               <a:cs typeface="Arial" panose="020B0604020202020204" pitchFamily="34" charset="0"/>
             </a:endParaRPr>
           </a:p>
           <a:p>
-            <a:pPr marL="0" indent="0" algn="just">
-              <a:buNone/>
+            <a:pPr marL="900113" indent="-271463" defTabSz="900113">
+              <a:lnSpc>
+                <a:spcPct val="150000"/>
+              </a:lnSpc>
+              <a:spcBef>
+                <a:spcPts val="0"/>
+              </a:spcBef>
+              <a:buFont typeface="Arial" panose="020B0604020202020204" pitchFamily="34" charset="0"/>
+              <a:buChar char="•"/>
+              <a:tabLst>
+                <a:tab pos="357188" algn="l"/>
+                <a:tab pos="900113" algn="l"/>
+              </a:tabLst>
             </a:pPr>
             <a:r>
-              <a:rPr lang="ru-RU" dirty="0" smtClean="0">
-                <a:latin typeface="Arial" panose="020B0604020202020204" pitchFamily="34" charset="0"/>
-                <a:cs typeface="Arial" panose="020B0604020202020204" pitchFamily="34" charset="0"/>
-              </a:rPr>
-              <a:t>Представим </a:t>
-            </a:r>
-            <a:r>
-              <a:rPr lang="ru-RU" dirty="0" err="1">
-                <a:latin typeface="Arial" panose="020B0604020202020204" pitchFamily="34" charset="0"/>
-                <a:cs typeface="Arial" panose="020B0604020202020204" pitchFamily="34" charset="0"/>
-              </a:rPr>
-              <a:t>кубит</a:t>
-            </a:r>
-            <a:r>
-              <a:rPr lang="ru-RU" dirty="0">
-                <a:latin typeface="Arial" panose="020B0604020202020204" pitchFamily="34" charset="0"/>
-                <a:cs typeface="Arial" panose="020B0604020202020204" pitchFamily="34" charset="0"/>
-              </a:rPr>
-              <a:t> как α</a:t>
-            </a:r>
-            <a:r>
-              <a:rPr lang="ru-RU" baseline="-25000" dirty="0">
-                <a:latin typeface="Arial" panose="020B0604020202020204" pitchFamily="34" charset="0"/>
-                <a:cs typeface="Arial" panose="020B0604020202020204" pitchFamily="34" charset="0"/>
-              </a:rPr>
-              <a:t>0</a:t>
-            </a:r>
-            <a:r>
-              <a:rPr lang="ru-RU" dirty="0">
-                <a:latin typeface="Arial" panose="020B0604020202020204" pitchFamily="34" charset="0"/>
-                <a:cs typeface="Arial" panose="020B0604020202020204" pitchFamily="34" charset="0"/>
-              </a:rPr>
-              <a:t>|0&gt; + α</a:t>
-            </a:r>
-            <a:r>
-              <a:rPr lang="ru-RU" baseline="-25000" dirty="0">
-                <a:latin typeface="Arial" panose="020B0604020202020204" pitchFamily="34" charset="0"/>
-                <a:cs typeface="Arial" panose="020B0604020202020204" pitchFamily="34" charset="0"/>
-              </a:rPr>
-              <a:t>1</a:t>
-            </a:r>
-            <a:r>
-              <a:rPr lang="ru-RU" dirty="0">
-                <a:latin typeface="Arial" panose="020B0604020202020204" pitchFamily="34" charset="0"/>
-                <a:cs typeface="Arial" panose="020B0604020202020204" pitchFamily="34" charset="0"/>
-              </a:rPr>
-              <a:t>|1&gt;, |α</a:t>
-            </a:r>
-            <a:r>
-              <a:rPr lang="ru-RU" baseline="-25000" dirty="0">
-                <a:latin typeface="Arial" panose="020B0604020202020204" pitchFamily="34" charset="0"/>
-                <a:cs typeface="Arial" panose="020B0604020202020204" pitchFamily="34" charset="0"/>
-              </a:rPr>
-              <a:t>0</a:t>
-            </a:r>
-            <a:r>
-              <a:rPr lang="ru-RU" dirty="0">
-                <a:latin typeface="Arial" panose="020B0604020202020204" pitchFamily="34" charset="0"/>
-                <a:cs typeface="Arial" panose="020B0604020202020204" pitchFamily="34" charset="0"/>
-              </a:rPr>
-              <a:t>|^2+ |α</a:t>
-            </a:r>
-            <a:r>
-              <a:rPr lang="ru-RU" baseline="-25000" dirty="0">
-                <a:latin typeface="Arial" panose="020B0604020202020204" pitchFamily="34" charset="0"/>
-                <a:cs typeface="Arial" panose="020B0604020202020204" pitchFamily="34" charset="0"/>
-              </a:rPr>
-              <a:t>1</a:t>
-            </a:r>
-            <a:r>
-              <a:rPr lang="ru-RU" dirty="0">
-                <a:latin typeface="Arial" panose="020B0604020202020204" pitchFamily="34" charset="0"/>
-                <a:cs typeface="Arial" panose="020B0604020202020204" pitchFamily="34" charset="0"/>
-              </a:rPr>
-              <a:t>|^2= 1. </a:t>
-            </a:r>
-            <a:endParaRPr lang="ru-RU" dirty="0" smtClean="0">
+              <a:rPr lang="en-US" sz="2400" dirty="0" err="1" smtClean="0">
+                <a:latin typeface="Arial" panose="020B0604020202020204" pitchFamily="34" charset="0"/>
+                <a:cs typeface="Arial" panose="020B0604020202020204" pitchFamily="34" charset="0"/>
+              </a:rPr>
+              <a:t>.Net</a:t>
+            </a:r>
+            <a:r>
+              <a:rPr lang="en-US" sz="2400" dirty="0" smtClean="0">
+                <a:latin typeface="Arial" panose="020B0604020202020204" pitchFamily="34" charset="0"/>
+                <a:cs typeface="Arial" panose="020B0604020202020204" pitchFamily="34" charset="0"/>
+              </a:rPr>
+              <a:t> Core SDK 2.1+</a:t>
+            </a:r>
+            <a:r>
+              <a:rPr lang="en-US" sz="2400" dirty="0">
+                <a:latin typeface="Arial" panose="020B0604020202020204" pitchFamily="34" charset="0"/>
+                <a:cs typeface="Arial" panose="020B0604020202020204" pitchFamily="34" charset="0"/>
+              </a:rPr>
+              <a:t>.</a:t>
+            </a:r>
+            <a:endParaRPr lang="ru-RU" sz="2400" dirty="0" smtClean="0">
               <a:latin typeface="Arial" panose="020B0604020202020204" pitchFamily="34" charset="0"/>
               <a:cs typeface="Arial" panose="020B0604020202020204" pitchFamily="34" charset="0"/>
             </a:endParaRPr>
           </a:p>
           <a:p>
-            <a:pPr marL="0" indent="0" algn="just">
-              <a:buNone/>
+            <a:pPr marL="628650" defTabSz="900113">
+              <a:lnSpc>
+                <a:spcPct val="150000"/>
+              </a:lnSpc>
+              <a:spcBef>
+                <a:spcPts val="0"/>
+              </a:spcBef>
+              <a:tabLst>
+                <a:tab pos="357188" algn="l"/>
+                <a:tab pos="900113" algn="l"/>
+              </a:tabLst>
             </a:pPr>
             <a:r>
-              <a:rPr lang="ru-RU" dirty="0" smtClean="0">
-                <a:latin typeface="Arial" panose="020B0604020202020204" pitchFamily="34" charset="0"/>
-                <a:cs typeface="Arial" panose="020B0604020202020204" pitchFamily="34" charset="0"/>
-              </a:rPr>
-              <a:t>Квантовому </a:t>
-            </a:r>
-            <a:r>
-              <a:rPr lang="ru-RU" dirty="0">
-                <a:latin typeface="Arial" panose="020B0604020202020204" pitchFamily="34" charset="0"/>
-                <a:cs typeface="Arial" panose="020B0604020202020204" pitchFamily="34" charset="0"/>
-              </a:rPr>
-              <a:t>компьютеру необходимо как минимум 10</a:t>
-            </a:r>
-            <a:r>
-              <a:rPr lang="ru-RU" baseline="30000" dirty="0">
-                <a:latin typeface="Arial" panose="020B0604020202020204" pitchFamily="34" charset="0"/>
-                <a:cs typeface="Arial" panose="020B0604020202020204" pitchFamily="34" charset="0"/>
-              </a:rPr>
-              <a:t>2</a:t>
-            </a:r>
-            <a:r>
-              <a:rPr lang="ru-RU" dirty="0">
-                <a:latin typeface="Arial" panose="020B0604020202020204" pitchFamily="34" charset="0"/>
-                <a:cs typeface="Arial" panose="020B0604020202020204" pitchFamily="34" charset="0"/>
-              </a:rPr>
-              <a:t> – 10</a:t>
-            </a:r>
-            <a:r>
-              <a:rPr lang="ru-RU" baseline="30000" dirty="0">
-                <a:latin typeface="Arial" panose="020B0604020202020204" pitchFamily="34" charset="0"/>
-                <a:cs typeface="Arial" panose="020B0604020202020204" pitchFamily="34" charset="0"/>
-              </a:rPr>
-              <a:t>3</a:t>
-            </a:r>
-            <a:r>
-              <a:rPr lang="ru-RU" dirty="0">
+              <a:rPr lang="en-US" sz="2400" b="1" dirty="0" smtClean="0">
+                <a:latin typeface="Arial" panose="020B0604020202020204" pitchFamily="34" charset="0"/>
+                <a:cs typeface="Arial" panose="020B0604020202020204" pitchFamily="34" charset="0"/>
+              </a:rPr>
+              <a:t>IDE </a:t>
+            </a:r>
+            <a:r>
+              <a:rPr lang="ru-RU" sz="2400" b="1" dirty="0" smtClean="0">
+                <a:latin typeface="Arial" panose="020B0604020202020204" pitchFamily="34" charset="0"/>
+                <a:cs typeface="Arial" panose="020B0604020202020204" pitchFamily="34" charset="0"/>
+              </a:rPr>
+              <a:t>для упрощения работы с приложением:</a:t>
+            </a:r>
+          </a:p>
+          <a:p>
+            <a:pPr marL="628650" defTabSz="900113">
+              <a:lnSpc>
+                <a:spcPct val="150000"/>
+              </a:lnSpc>
+              <a:spcBef>
+                <a:spcPts val="0"/>
+              </a:spcBef>
+              <a:tabLst>
+                <a:tab pos="357188" algn="l"/>
+                <a:tab pos="900113" algn="l"/>
+              </a:tabLst>
+            </a:pPr>
+            <a:r>
+              <a:rPr lang="en-US" sz="2400" dirty="0" smtClean="0">
+                <a:latin typeface="Arial" panose="020B0604020202020204" pitchFamily="34" charset="0"/>
+                <a:cs typeface="Arial" panose="020B0604020202020204" pitchFamily="34" charset="0"/>
+              </a:rPr>
+              <a:t>Visual Studio 2017 / Visual Studio for Mac / Visual Studio Code.</a:t>
+            </a:r>
+            <a:endParaRPr lang="ru-RU" sz="2400" dirty="0" smtClean="0">
+              <a:latin typeface="Arial" panose="020B0604020202020204" pitchFamily="34" charset="0"/>
+              <a:cs typeface="Arial" panose="020B0604020202020204" pitchFamily="34" charset="0"/>
+            </a:endParaRPr>
+          </a:p>
+          <a:p>
+            <a:pPr indent="628650">
+              <a:lnSpc>
+                <a:spcPct val="150000"/>
+              </a:lnSpc>
+            </a:pPr>
+            <a:r>
+              <a:rPr lang="ru-RU" sz="2400" b="1" dirty="0" smtClean="0">
+                <a:latin typeface="Arial" panose="020B0604020202020204" pitchFamily="34" charset="0"/>
+                <a:cs typeface="Arial" panose="020B0604020202020204" pitchFamily="34" charset="0"/>
+              </a:rPr>
+              <a:t>Минимальные </a:t>
+            </a:r>
+            <a:r>
+              <a:rPr lang="ru-RU" sz="2400" b="1" dirty="0">
+                <a:latin typeface="Arial" panose="020B0604020202020204" pitchFamily="34" charset="0"/>
+                <a:cs typeface="Arial" panose="020B0604020202020204" pitchFamily="34" charset="0"/>
+              </a:rPr>
+              <a:t>системные требования</a:t>
+            </a:r>
+            <a:r>
+              <a:rPr lang="ru-RU" sz="2400" dirty="0" smtClean="0">
+                <a:latin typeface="Arial" panose="020B0604020202020204" pitchFamily="34" charset="0"/>
+                <a:cs typeface="Arial" panose="020B0604020202020204" pitchFamily="34" charset="0"/>
+              </a:rPr>
+              <a:t>:</a:t>
+            </a:r>
+          </a:p>
+          <a:p>
+            <a:pPr indent="628650">
+              <a:lnSpc>
+                <a:spcPct val="150000"/>
+              </a:lnSpc>
+            </a:pPr>
+            <a:r>
+              <a:rPr lang="ru-RU" sz="2400" dirty="0" smtClean="0">
+                <a:latin typeface="Arial" panose="020B0604020202020204" pitchFamily="34" charset="0"/>
+                <a:cs typeface="Arial" panose="020B0604020202020204" pitchFamily="34" charset="0"/>
+              </a:rPr>
+              <a:t>ОЗУ </a:t>
+            </a:r>
+            <a:r>
+              <a:rPr lang="ru-RU" sz="2400" dirty="0">
+                <a:latin typeface="Arial" panose="020B0604020202020204" pitchFamily="34" charset="0"/>
+                <a:cs typeface="Arial" panose="020B0604020202020204" pitchFamily="34" charset="0"/>
+              </a:rPr>
+              <a:t>объемом </a:t>
+            </a:r>
+            <a:r>
+              <a:rPr lang="ru-RU" sz="2400" dirty="0" smtClean="0">
+                <a:latin typeface="Arial" panose="020B0604020202020204" pitchFamily="34" charset="0"/>
+                <a:cs typeface="Arial" panose="020B0604020202020204" pitchFamily="34" charset="0"/>
+              </a:rPr>
+              <a:t>4</a:t>
+            </a:r>
+            <a:r>
+              <a:rPr lang="en-US" sz="2400" dirty="0" smtClean="0">
                 <a:latin typeface="Arial" panose="020B0604020202020204" pitchFamily="34" charset="0"/>
                 <a:cs typeface="Arial" panose="020B0604020202020204" pitchFamily="34" charset="0"/>
               </a:rPr>
               <a:t> </a:t>
             </a:r>
             <a:r>
-              <a:rPr lang="ru-RU" dirty="0" err="1">
-                <a:latin typeface="Arial" panose="020B0604020202020204" pitchFamily="34" charset="0"/>
-                <a:cs typeface="Arial" panose="020B0604020202020204" pitchFamily="34" charset="0"/>
-              </a:rPr>
-              <a:t>кубит</a:t>
-            </a:r>
-            <a:r>
-              <a:rPr lang="ru-RU" dirty="0">
-                <a:latin typeface="Arial" panose="020B0604020202020204" pitchFamily="34" charset="0"/>
-                <a:cs typeface="Arial" panose="020B0604020202020204" pitchFamily="34" charset="0"/>
-              </a:rPr>
-              <a:t>, для выполнения алгоритмов, более эффективных, чем их классические аналоги.</a:t>
-            </a:r>
-          </a:p>
-          <a:p>
+              <a:rPr lang="ru-RU" sz="2400" dirty="0" smtClean="0">
+                <a:latin typeface="Arial" panose="020B0604020202020204" pitchFamily="34" charset="0"/>
+                <a:cs typeface="Arial" panose="020B0604020202020204" pitchFamily="34" charset="0"/>
+              </a:rPr>
+              <a:t>Гб;</a:t>
+            </a:r>
+            <a:endParaRPr lang="ru-RU" sz="2400" dirty="0">
+              <a:latin typeface="Arial" panose="020B0604020202020204" pitchFamily="34" charset="0"/>
+              <a:cs typeface="Arial" panose="020B0604020202020204" pitchFamily="34" charset="0"/>
+            </a:endParaRPr>
+          </a:p>
+          <a:p>
+            <a:pPr marL="900113" indent="-271463">
+              <a:lnSpc>
+                <a:spcPct val="150000"/>
+              </a:lnSpc>
+            </a:pPr>
             <a:endParaRPr lang="ru-RU" dirty="0"/>
           </a:p>
         </p:txBody>
       </p:sp>
       <p:sp>
         <p:nvSpPr>
-          <p:cNvPr id="4" name="Номер слайда 3"/>
+          <p:cNvPr id="3" name="Номер слайда 2"/>
           <p:cNvSpPr>
             <a:spLocks noGrp="1"/>
           </p:cNvSpPr>
@@ -10504,21 +10286,13 @@
     </p:spTree>
     <p:extLst>
       <p:ext uri="{BB962C8B-B14F-4D97-AF65-F5344CB8AC3E}">
-        <p14:creationId xmlns:p14="http://schemas.microsoft.com/office/powerpoint/2010/main" val="1419035487"/>
+        <p14:creationId xmlns:p14="http://schemas.microsoft.com/office/powerpoint/2010/main" val="2868743933"/>
       </p:ext>
     </p:extLst>
   </p:cSld>
   <p:clrMapOvr>
     <a:masterClrMapping/>
   </p:clrMapOvr>
-  <mc:AlternateContent xmlns:mc="http://schemas.openxmlformats.org/markup-compatibility/2006" xmlns:p14="http://schemas.microsoft.com/office/powerpoint/2010/main">
-    <mc:Choice Requires="p14">
-      <p:transition spd="slow" p14:dur="2000"/>
-    </mc:Choice>
-    <mc:Fallback xmlns="">
-      <p:transition spd="slow"/>
-    </mc:Fallback>
-  </mc:AlternateContent>
   <p:timing>
     <p:tnLst>
       <p:par>
@@ -10569,9 +10343,12 @@
                 <a:latin typeface="Arial" panose="020B0604020202020204" pitchFamily="34" charset="0"/>
                 <a:cs typeface="Arial" panose="020B0604020202020204" pitchFamily="34" charset="0"/>
               </a:rPr>
-              <a:t>Задачи работы</a:t>
-            </a:r>
-            <a:endParaRPr lang="ru-RU" sz="4000" dirty="0"/>
+              <a:t>Проверка функции на сбалансированность</a:t>
+            </a:r>
+            <a:endParaRPr lang="ru-RU" sz="4000" dirty="0">
+              <a:latin typeface="Arial" panose="020B0604020202020204" pitchFamily="34" charset="0"/>
+              <a:cs typeface="Arial" panose="020B0604020202020204" pitchFamily="34" charset="0"/>
+            </a:endParaRPr>
           </a:p>
         </p:txBody>
       </p:sp>
@@ -10585,196 +10362,281 @@
             <p:ph idx="1"/>
           </p:nvPr>
         </p:nvSpPr>
-        <p:spPr/>
+        <p:spPr>
+          <a:xfrm>
+            <a:off x="838200" y="1433384"/>
+            <a:ext cx="10515600" cy="4743579"/>
+          </a:xfrm>
+        </p:spPr>
         <p:txBody>
           <a:bodyPr>
             <a:normAutofit lnSpcReduction="10000"/>
           </a:bodyPr>
           <a:lstStyle/>
           <a:p>
-            <a:pPr marL="357188" indent="-357188" defTabSz="900113">
-              <a:lnSpc>
-                <a:spcPct val="100000"/>
-              </a:lnSpc>
-              <a:spcBef>
-                <a:spcPts val="0"/>
-              </a:spcBef>
+            <a:pPr marL="0" indent="0">
+              <a:buNone/>
             </a:pPr>
             <a:r>
               <a:rPr lang="ru-RU" dirty="0" smtClean="0">
                 <a:latin typeface="Arial" panose="020B0604020202020204" pitchFamily="34" charset="0"/>
                 <a:cs typeface="Arial" panose="020B0604020202020204" pitchFamily="34" charset="0"/>
               </a:rPr>
-              <a:t>Анализ наиболее </a:t>
+              <a:t>Пусть </a:t>
+            </a:r>
+            <a:r>
+              <a:rPr lang="en-US" i="1" dirty="0">
+                <a:latin typeface="Arial" panose="020B0604020202020204" pitchFamily="34" charset="0"/>
+                <a:cs typeface="Arial" panose="020B0604020202020204" pitchFamily="34" charset="0"/>
+              </a:rPr>
+              <a:t>f</a:t>
+            </a:r>
+            <a:r>
+              <a:rPr lang="ru-RU" i="1" dirty="0">
+                <a:latin typeface="Arial" panose="020B0604020202020204" pitchFamily="34" charset="0"/>
+                <a:cs typeface="Arial" panose="020B0604020202020204" pitchFamily="34" charset="0"/>
+              </a:rPr>
+              <a:t>: {0, 1} =&gt; {0, 1} </a:t>
+            </a:r>
+            <a:r>
+              <a:rPr lang="ru-RU" dirty="0">
+                <a:latin typeface="Arial" panose="020B0604020202020204" pitchFamily="34" charset="0"/>
+                <a:cs typeface="Arial" panose="020B0604020202020204" pitchFamily="34" charset="0"/>
+              </a:rPr>
+              <a:t>бинарная функция</a:t>
             </a:r>
             <a:r>
               <a:rPr lang="ru-RU" dirty="0" smtClean="0">
                 <a:latin typeface="Arial" panose="020B0604020202020204" pitchFamily="34" charset="0"/>
                 <a:cs typeface="Arial" panose="020B0604020202020204" pitchFamily="34" charset="0"/>
               </a:rPr>
-              <a:t>известных задач и алгоритмов в </a:t>
+              <a:t>.</a:t>
+            </a:r>
+          </a:p>
+          <a:p>
+            <a:pPr marL="0" indent="0">
+              <a:buNone/>
+            </a:pPr>
+            <a:r>
+              <a:rPr lang="ru-RU" dirty="0" smtClean="0">
+                <a:latin typeface="Arial" panose="020B0604020202020204" pitchFamily="34" charset="0"/>
+                <a:cs typeface="Arial" panose="020B0604020202020204" pitchFamily="34" charset="0"/>
+              </a:rPr>
+              <a:t>Заметим</a:t>
             </a:r>
             <a:r>
               <a:rPr lang="ru-RU" dirty="0">
                 <a:latin typeface="Arial" panose="020B0604020202020204" pitchFamily="34" charset="0"/>
                 <a:cs typeface="Arial" panose="020B0604020202020204" pitchFamily="34" charset="0"/>
               </a:rPr>
-              <a:t> области квантовых вычислений и технологий</a:t>
-            </a:r>
-            <a:r>
-              <a:rPr lang="ru-RU" dirty="0" smtClean="0">
-                <a:latin typeface="Arial" panose="020B0604020202020204" pitchFamily="34" charset="0"/>
-                <a:cs typeface="Arial" panose="020B0604020202020204" pitchFamily="34" charset="0"/>
-              </a:rPr>
-              <a:t>;</a:t>
-            </a:r>
-            <a:endParaRPr lang="ru-RU" dirty="0" smtClean="0">
+              <a:t>, что возможно только четыре значения для </a:t>
+            </a:r>
+            <a:r>
+              <a:rPr lang="en-US" i="1" dirty="0" smtClean="0">
+                <a:latin typeface="Arial" panose="020B0604020202020204" pitchFamily="34" charset="0"/>
+                <a:cs typeface="Arial" panose="020B0604020202020204" pitchFamily="34" charset="0"/>
+              </a:rPr>
+              <a:t>f</a:t>
+            </a:r>
+            <a:r>
+              <a:rPr lang="ru-RU" dirty="0">
+                <a:latin typeface="Arial" panose="020B0604020202020204" pitchFamily="34" charset="0"/>
+                <a:cs typeface="Arial" panose="020B0604020202020204" pitchFamily="34" charset="0"/>
+              </a:rPr>
+              <a:t>:</a:t>
+            </a:r>
+          </a:p>
+          <a:p>
+            <a:pPr marL="0" indent="0" algn="ctr">
+              <a:buNone/>
+            </a:pPr>
+            <a:r>
+              <a:rPr lang="ru-RU" i="1" dirty="0">
+                <a:latin typeface="Arial" panose="020B0604020202020204" pitchFamily="34" charset="0"/>
+                <a:cs typeface="Arial" panose="020B0604020202020204" pitchFamily="34" charset="0"/>
+              </a:rPr>
+              <a:t>f</a:t>
+            </a:r>
+            <a:r>
+              <a:rPr lang="ru-RU" i="1" baseline="-25000" dirty="0">
+                <a:latin typeface="Arial" panose="020B0604020202020204" pitchFamily="34" charset="0"/>
+                <a:cs typeface="Arial" panose="020B0604020202020204" pitchFamily="34" charset="0"/>
+              </a:rPr>
+              <a:t>1</a:t>
+            </a:r>
+            <a:r>
+              <a:rPr lang="ru-RU" i="1" dirty="0">
+                <a:latin typeface="Arial" panose="020B0604020202020204" pitchFamily="34" charset="0"/>
+                <a:cs typeface="Arial" panose="020B0604020202020204" pitchFamily="34" charset="0"/>
+              </a:rPr>
+              <a:t>:0→0, 1→0</a:t>
+            </a:r>
+            <a:r>
+              <a:rPr lang="ru-RU" i="1" dirty="0" smtClean="0">
+                <a:latin typeface="Arial" panose="020B0604020202020204" pitchFamily="34" charset="0"/>
+                <a:cs typeface="Arial" panose="020B0604020202020204" pitchFamily="34" charset="0"/>
+              </a:rPr>
+              <a:t>,</a:t>
+            </a:r>
+          </a:p>
+          <a:p>
+            <a:pPr marL="0" indent="0" algn="ctr">
+              <a:buNone/>
+            </a:pPr>
+            <a:r>
+              <a:rPr lang="ru-RU" i="1" dirty="0" smtClean="0">
+                <a:latin typeface="Arial" panose="020B0604020202020204" pitchFamily="34" charset="0"/>
+                <a:cs typeface="Arial" panose="020B0604020202020204" pitchFamily="34" charset="0"/>
+              </a:rPr>
+              <a:t>f</a:t>
+            </a:r>
+            <a:r>
+              <a:rPr lang="ru-RU" i="1" baseline="-25000" dirty="0" smtClean="0">
+                <a:latin typeface="Arial" panose="020B0604020202020204" pitchFamily="34" charset="0"/>
+                <a:cs typeface="Arial" panose="020B0604020202020204" pitchFamily="34" charset="0"/>
+              </a:rPr>
+              <a:t>2</a:t>
+            </a:r>
+            <a:r>
+              <a:rPr lang="ru-RU" i="1" dirty="0" smtClean="0">
+                <a:latin typeface="Arial" panose="020B0604020202020204" pitchFamily="34" charset="0"/>
+                <a:cs typeface="Arial" panose="020B0604020202020204" pitchFamily="34" charset="0"/>
+              </a:rPr>
+              <a:t>:0</a:t>
+            </a:r>
+            <a:r>
+              <a:rPr lang="ru-RU" i="1" dirty="0">
+                <a:latin typeface="Arial" panose="020B0604020202020204" pitchFamily="34" charset="0"/>
+                <a:cs typeface="Arial" panose="020B0604020202020204" pitchFamily="34" charset="0"/>
+              </a:rPr>
+              <a:t>→1, 1→1,</a:t>
+            </a:r>
+          </a:p>
+          <a:p>
+            <a:pPr marL="0" indent="0" algn="ctr">
+              <a:buNone/>
+            </a:pPr>
+            <a:r>
+              <a:rPr lang="ru-RU" i="1" dirty="0">
+                <a:latin typeface="Arial" panose="020B0604020202020204" pitchFamily="34" charset="0"/>
+                <a:cs typeface="Arial" panose="020B0604020202020204" pitchFamily="34" charset="0"/>
+              </a:rPr>
+              <a:t>f</a:t>
+            </a:r>
+            <a:r>
+              <a:rPr lang="ru-RU" i="1" baseline="-25000" dirty="0">
+                <a:latin typeface="Arial" panose="020B0604020202020204" pitchFamily="34" charset="0"/>
+                <a:cs typeface="Arial" panose="020B0604020202020204" pitchFamily="34" charset="0"/>
+              </a:rPr>
+              <a:t>3</a:t>
+            </a:r>
+            <a:r>
+              <a:rPr lang="ru-RU" i="1" dirty="0">
+                <a:latin typeface="Arial" panose="020B0604020202020204" pitchFamily="34" charset="0"/>
+                <a:cs typeface="Arial" panose="020B0604020202020204" pitchFamily="34" charset="0"/>
+              </a:rPr>
+              <a:t>:0→0, 1→1</a:t>
+            </a:r>
+            <a:r>
+              <a:rPr lang="ru-RU" i="1" dirty="0" smtClean="0">
+                <a:latin typeface="Arial" panose="020B0604020202020204" pitchFamily="34" charset="0"/>
+                <a:cs typeface="Arial" panose="020B0604020202020204" pitchFamily="34" charset="0"/>
+              </a:rPr>
+              <a:t>,</a:t>
+            </a:r>
+          </a:p>
+          <a:p>
+            <a:pPr marL="0" indent="0" algn="ctr">
+              <a:buNone/>
+            </a:pPr>
+            <a:r>
+              <a:rPr lang="ru-RU" i="1" dirty="0" smtClean="0">
+                <a:latin typeface="Arial" panose="020B0604020202020204" pitchFamily="34" charset="0"/>
+                <a:cs typeface="Arial" panose="020B0604020202020204" pitchFamily="34" charset="0"/>
+              </a:rPr>
+              <a:t>f</a:t>
+            </a:r>
+            <a:r>
+              <a:rPr lang="ru-RU" i="1" baseline="-25000" dirty="0" smtClean="0">
+                <a:latin typeface="Arial" panose="020B0604020202020204" pitchFamily="34" charset="0"/>
+                <a:cs typeface="Arial" panose="020B0604020202020204" pitchFamily="34" charset="0"/>
+              </a:rPr>
+              <a:t>4</a:t>
+            </a:r>
+            <a:r>
+              <a:rPr lang="ru-RU" i="1" dirty="0" smtClean="0">
+                <a:latin typeface="Arial" panose="020B0604020202020204" pitchFamily="34" charset="0"/>
+                <a:cs typeface="Arial" panose="020B0604020202020204" pitchFamily="34" charset="0"/>
+              </a:rPr>
+              <a:t>:0</a:t>
+            </a:r>
+            <a:r>
+              <a:rPr lang="ru-RU" i="1" dirty="0">
+                <a:latin typeface="Arial" panose="020B0604020202020204" pitchFamily="34" charset="0"/>
+                <a:cs typeface="Arial" panose="020B0604020202020204" pitchFamily="34" charset="0"/>
+              </a:rPr>
+              <a:t>→1, 1→0</a:t>
+            </a:r>
+            <a:r>
+              <a:rPr lang="ru-RU" i="1" dirty="0" smtClean="0">
+                <a:latin typeface="Arial" panose="020B0604020202020204" pitchFamily="34" charset="0"/>
+                <a:cs typeface="Arial" panose="020B0604020202020204" pitchFamily="34" charset="0"/>
+              </a:rPr>
+              <a:t>.</a:t>
+            </a:r>
+          </a:p>
+          <a:p>
+            <a:pPr marL="0" indent="0">
+              <a:buNone/>
+            </a:pPr>
+            <a:r>
+              <a:rPr lang="ru-RU" dirty="0" smtClean="0"/>
+              <a:t>Их </a:t>
+            </a:r>
+            <a:r>
+              <a:rPr lang="ru-RU" dirty="0"/>
+              <a:t>можно разделить на две категории: константные и сбалансированные</a:t>
+            </a:r>
+            <a:r>
+              <a:rPr lang="ru-RU" dirty="0" smtClean="0"/>
+              <a:t>.</a:t>
+            </a:r>
+            <a:r>
+              <a:rPr lang="ru-RU" dirty="0"/>
+              <a:t> </a:t>
+            </a:r>
+            <a:endParaRPr lang="ru-RU" dirty="0" smtClean="0"/>
+          </a:p>
+          <a:p>
+            <a:pPr marL="0" indent="0">
+              <a:buNone/>
+            </a:pPr>
+            <a:r>
+              <a:rPr lang="ru-RU" dirty="0" smtClean="0"/>
+              <a:t>Задача: определить </a:t>
+            </a:r>
+            <a:r>
+              <a:rPr lang="ru-RU" dirty="0"/>
+              <a:t>к какой из этих двух категорий относится функция в черном ящике.</a:t>
+            </a:r>
+            <a:endParaRPr lang="ru-RU" i="1" dirty="0" smtClean="0">
               <a:latin typeface="Arial" panose="020B0604020202020204" pitchFamily="34" charset="0"/>
               <a:cs typeface="Arial" panose="020B0604020202020204" pitchFamily="34" charset="0"/>
             </a:endParaRPr>
           </a:p>
           <a:p>
-            <a:pPr marL="357188" indent="-357188" defTabSz="900113">
-              <a:lnSpc>
-                <a:spcPct val="100000"/>
-              </a:lnSpc>
-              <a:spcBef>
-                <a:spcPts val="0"/>
-              </a:spcBef>
+            <a:pPr marL="0" indent="0">
+              <a:buNone/>
             </a:pPr>
-            <a:r>
-              <a:rPr lang="ru-RU" dirty="0" smtClean="0">
-                <a:latin typeface="Arial" panose="020B0604020202020204" pitchFamily="34" charset="0"/>
-                <a:cs typeface="Arial" panose="020B0604020202020204" pitchFamily="34" charset="0"/>
-              </a:rPr>
-              <a:t>реализация квантового алгоритма для проверки сбалансированности функции</a:t>
-            </a:r>
-            <a:r>
-              <a:rPr lang="en-US" dirty="0" smtClean="0">
-                <a:latin typeface="Arial" panose="020B0604020202020204" pitchFamily="34" charset="0"/>
-                <a:cs typeface="Arial" panose="020B0604020202020204" pitchFamily="34" charset="0"/>
-              </a:rPr>
-              <a:t>;</a:t>
-            </a:r>
-            <a:endParaRPr lang="ru-RU" dirty="0" smtClean="0">
-              <a:latin typeface="Arial" panose="020B0604020202020204" pitchFamily="34" charset="0"/>
-              <a:cs typeface="Arial" panose="020B0604020202020204" pitchFamily="34" charset="0"/>
-            </a:endParaRPr>
-          </a:p>
-          <a:p>
-            <a:pPr marL="357188" indent="-357188" defTabSz="900113">
-              <a:lnSpc>
-                <a:spcPct val="100000"/>
-              </a:lnSpc>
-              <a:spcBef>
-                <a:spcPts val="0"/>
-              </a:spcBef>
+            <a:endParaRPr lang="ru-RU" dirty="0" smtClean="0"/>
+          </a:p>
+          <a:p>
+            <a:pPr marL="0" indent="0" algn="ctr">
+              <a:buNone/>
             </a:pPr>
-            <a:r>
-              <a:rPr lang="ru-RU" dirty="0" smtClean="0">
-                <a:latin typeface="Arial" panose="020B0604020202020204" pitchFamily="34" charset="0"/>
-                <a:cs typeface="Arial" panose="020B0604020202020204" pitchFamily="34" charset="0"/>
-              </a:rPr>
-              <a:t>реализация классических детерминированного и вероятностного алгоритмов для проверки сбалансированности функции</a:t>
-            </a:r>
-            <a:r>
-              <a:rPr lang="en-US" dirty="0" smtClean="0">
-                <a:latin typeface="Arial" panose="020B0604020202020204" pitchFamily="34" charset="0"/>
-                <a:cs typeface="Arial" panose="020B0604020202020204" pitchFamily="34" charset="0"/>
-              </a:rPr>
-              <a:t>;</a:t>
-            </a:r>
-            <a:endParaRPr lang="ru-RU" dirty="0" smtClean="0">
-              <a:latin typeface="Arial" panose="020B0604020202020204" pitchFamily="34" charset="0"/>
-              <a:cs typeface="Arial" panose="020B0604020202020204" pitchFamily="34" charset="0"/>
-            </a:endParaRPr>
-          </a:p>
-          <a:p>
-            <a:pPr marL="357188" indent="-357188" defTabSz="900113">
-              <a:lnSpc>
-                <a:spcPct val="100000"/>
-              </a:lnSpc>
-              <a:spcBef>
-                <a:spcPts val="0"/>
-              </a:spcBef>
-            </a:pPr>
-            <a:r>
-              <a:rPr lang="ru-RU" dirty="0" smtClean="0">
-                <a:latin typeface="Arial" panose="020B0604020202020204" pitchFamily="34" charset="0"/>
-                <a:cs typeface="Arial" panose="020B0604020202020204" pitchFamily="34" charset="0"/>
-              </a:rPr>
-              <a:t>реализация квантового алгоритма для факторизации</a:t>
-            </a:r>
-            <a:r>
-              <a:rPr lang="en-US" dirty="0" smtClean="0">
-                <a:latin typeface="Arial" panose="020B0604020202020204" pitchFamily="34" charset="0"/>
-                <a:cs typeface="Arial" panose="020B0604020202020204" pitchFamily="34" charset="0"/>
-              </a:rPr>
-              <a:t>;</a:t>
-            </a:r>
-            <a:endParaRPr lang="ru-RU" dirty="0" smtClean="0">
-              <a:latin typeface="Arial" panose="020B0604020202020204" pitchFamily="34" charset="0"/>
-              <a:cs typeface="Arial" panose="020B0604020202020204" pitchFamily="34" charset="0"/>
-            </a:endParaRPr>
-          </a:p>
-          <a:p>
-            <a:pPr marL="357188" indent="-357188" defTabSz="900113">
-              <a:lnSpc>
-                <a:spcPct val="100000"/>
-              </a:lnSpc>
-              <a:spcBef>
-                <a:spcPts val="0"/>
-              </a:spcBef>
-            </a:pPr>
-            <a:r>
-              <a:rPr lang="ru-RU" dirty="0">
-                <a:latin typeface="Arial" panose="020B0604020202020204" pitchFamily="34" charset="0"/>
-                <a:cs typeface="Arial" panose="020B0604020202020204" pitchFamily="34" charset="0"/>
-              </a:rPr>
-              <a:t>реализация </a:t>
-            </a:r>
-            <a:r>
-              <a:rPr lang="ru-RU" dirty="0" smtClean="0">
-                <a:latin typeface="Arial" panose="020B0604020202020204" pitchFamily="34" charset="0"/>
-                <a:cs typeface="Arial" panose="020B0604020202020204" pitchFamily="34" charset="0"/>
-              </a:rPr>
-              <a:t>классического </a:t>
-            </a:r>
-            <a:r>
-              <a:rPr lang="ru-RU" dirty="0">
-                <a:latin typeface="Arial" panose="020B0604020202020204" pitchFamily="34" charset="0"/>
-                <a:cs typeface="Arial" panose="020B0604020202020204" pitchFamily="34" charset="0"/>
-              </a:rPr>
-              <a:t>детерминированного </a:t>
-            </a:r>
-            <a:r>
-              <a:rPr lang="ru-RU" dirty="0" smtClean="0">
-                <a:latin typeface="Arial" panose="020B0604020202020204" pitchFamily="34" charset="0"/>
-                <a:cs typeface="Arial" panose="020B0604020202020204" pitchFamily="34" charset="0"/>
-              </a:rPr>
-              <a:t>алгоритма для </a:t>
-            </a:r>
-            <a:r>
-              <a:rPr lang="ru-RU" dirty="0">
-                <a:latin typeface="Arial" panose="020B0604020202020204" pitchFamily="34" charset="0"/>
-                <a:cs typeface="Arial" panose="020B0604020202020204" pitchFamily="34" charset="0"/>
-              </a:rPr>
-              <a:t>проверки сбалансированности </a:t>
-            </a:r>
-            <a:r>
-              <a:rPr lang="ru-RU" dirty="0" smtClean="0">
-                <a:latin typeface="Arial" panose="020B0604020202020204" pitchFamily="34" charset="0"/>
-                <a:cs typeface="Arial" panose="020B0604020202020204" pitchFamily="34" charset="0"/>
-              </a:rPr>
-              <a:t>функции</a:t>
-            </a:r>
-            <a:r>
-              <a:rPr lang="en-US" dirty="0">
-                <a:latin typeface="Arial" panose="020B0604020202020204" pitchFamily="34" charset="0"/>
-                <a:cs typeface="Arial" panose="020B0604020202020204" pitchFamily="34" charset="0"/>
-              </a:rPr>
-              <a:t>.</a:t>
-            </a:r>
+            <a:endParaRPr lang="ru-RU" dirty="0"/>
+          </a:p>
+          <a:p>
             <a:endParaRPr lang="ru-RU" dirty="0"/>
           </a:p>
         </p:txBody>
@@ -10805,7 +10667,7 @@
     </p:spTree>
     <p:extLst>
       <p:ext uri="{BB962C8B-B14F-4D97-AF65-F5344CB8AC3E}">
-        <p14:creationId xmlns:p14="http://schemas.microsoft.com/office/powerpoint/2010/main" val="1640727827"/>
+        <p14:creationId xmlns:p14="http://schemas.microsoft.com/office/powerpoint/2010/main" val="1915048448"/>
       </p:ext>
     </p:extLst>
   </p:cSld>
@@ -10839,96 +10701,35 @@
           <a:chExt cx="0" cy="0"/>
         </a:xfrm>
       </p:grpSpPr>
-      <p:sp>
-        <p:nvSpPr>
-          <p:cNvPr id="2" name="Заголовок 1"/>
-          <p:cNvSpPr>
-            <a:spLocks noGrp="1"/>
-          </p:cNvSpPr>
-          <p:nvPr>
-            <p:ph type="title"/>
-          </p:nvPr>
-        </p:nvSpPr>
-        <p:spPr/>
-        <p:txBody>
-          <a:bodyPr>
-            <a:normAutofit/>
-          </a:bodyPr>
-          <a:lstStyle/>
-          <a:p>
-            <a:pPr algn="ctr"/>
-            <a:r>
-              <a:rPr lang="ru-RU" sz="4000" dirty="0">
-                <a:latin typeface="Arial" panose="020B0604020202020204" pitchFamily="34" charset="0"/>
-                <a:cs typeface="Arial" panose="020B0604020202020204" pitchFamily="34" charset="0"/>
-              </a:rPr>
-              <a:t>Задачи работы</a:t>
-            </a:r>
-            <a:endParaRPr lang="ru-RU" sz="4000" dirty="0"/>
-          </a:p>
-        </p:txBody>
-      </p:sp>
-      <p:sp>
-        <p:nvSpPr>
-          <p:cNvPr id="3" name="Объект 2"/>
-          <p:cNvSpPr>
-            <a:spLocks noGrp="1"/>
-          </p:cNvSpPr>
+      <p:pic>
+        <p:nvPicPr>
+          <p:cNvPr id="5" name="Объект 4"/>
+          <p:cNvPicPr>
+            <a:picLocks noGrp="1" noChangeAspect="1"/>
+          </p:cNvPicPr>
           <p:nvPr>
             <p:ph idx="1"/>
           </p:nvPr>
-        </p:nvSpPr>
-        <p:spPr/>
-        <p:txBody>
-          <a:bodyPr/>
-          <a:lstStyle/>
-          <a:p>
-            <a:r>
-              <a:rPr lang="ru-RU" dirty="0" smtClean="0">
-                <a:latin typeface="Arial" panose="020B0604020202020204" pitchFamily="34" charset="0"/>
-                <a:cs typeface="Arial" panose="020B0604020202020204" pitchFamily="34" charset="0"/>
-              </a:rPr>
-              <a:t>Реализация квантового алгоритма для систем </a:t>
-            </a:r>
-            <a:r>
-              <a:rPr lang="ru-RU" dirty="0">
-                <a:latin typeface="Arial" panose="020B0604020202020204" pitchFamily="34" charset="0"/>
-                <a:cs typeface="Arial" panose="020B0604020202020204" pitchFamily="34" charset="0"/>
-              </a:rPr>
-              <a:t>линейных </a:t>
-            </a:r>
-            <a:r>
-              <a:rPr lang="ru-RU" dirty="0" smtClean="0">
-                <a:latin typeface="Arial" panose="020B0604020202020204" pitchFamily="34" charset="0"/>
-                <a:cs typeface="Arial" panose="020B0604020202020204" pitchFamily="34" charset="0"/>
-              </a:rPr>
-              <a:t>равенств;</a:t>
-            </a:r>
-          </a:p>
-          <a:p>
-            <a:r>
-              <a:rPr lang="ru-RU" dirty="0" smtClean="0">
-                <a:latin typeface="Arial" panose="020B0604020202020204" pitchFamily="34" charset="0"/>
-                <a:cs typeface="Arial" panose="020B0604020202020204" pitchFamily="34" charset="0"/>
-              </a:rPr>
-              <a:t>реализация классического алгоритма для систем линейных равенств;</a:t>
-            </a:r>
-          </a:p>
-          <a:p>
-            <a:r>
-              <a:rPr lang="ru-RU" dirty="0" smtClean="0">
-                <a:latin typeface="Arial" panose="020B0604020202020204" pitchFamily="34" charset="0"/>
-                <a:cs typeface="Arial" panose="020B0604020202020204" pitchFamily="34" charset="0"/>
-              </a:rPr>
-              <a:t>проведение сравнительного анализа между реализованными квантовыми алгоритмами и их классическими версиями.</a:t>
-            </a:r>
-            <a:endParaRPr lang="ru-RU" dirty="0">
-              <a:latin typeface="Arial" panose="020B0604020202020204" pitchFamily="34" charset="0"/>
-              <a:cs typeface="Arial" panose="020B0604020202020204" pitchFamily="34" charset="0"/>
-            </a:endParaRPr>
-          </a:p>
-        </p:txBody>
-      </p:sp>
+        </p:nvPicPr>
+        <p:blipFill>
+          <a:blip r:embed="rId2">
+            <a:extLst>
+              <a:ext uri="{28A0092B-C50C-407E-A947-70E740481C1C}">
+                <a14:useLocalDpi xmlns:a14="http://schemas.microsoft.com/office/drawing/2010/main" val="0"/>
+              </a:ext>
+            </a:extLst>
+          </a:blip>
+          <a:stretch>
+            <a:fillRect/>
+          </a:stretch>
+        </p:blipFill>
+        <p:spPr>
+          <a:xfrm>
+            <a:off x="3519274" y="1124353"/>
+            <a:ext cx="5366500" cy="5225647"/>
+          </a:xfrm>
+        </p:spPr>
+      </p:pic>
       <p:sp>
         <p:nvSpPr>
           <p:cNvPr id="4" name="Номер слайда 3"/>
@@ -10952,10 +10753,50 @@
           </a:p>
         </p:txBody>
       </p:sp>
+      <p:sp>
+        <p:nvSpPr>
+          <p:cNvPr id="6" name="Прямоугольник 5"/>
+          <p:cNvSpPr/>
+          <p:nvPr/>
+        </p:nvSpPr>
+        <p:spPr>
+          <a:xfrm>
+            <a:off x="606971" y="416467"/>
+            <a:ext cx="11237895" cy="707886"/>
+          </a:xfrm>
+          <a:prstGeom prst="rect">
+            <a:avLst/>
+          </a:prstGeom>
+        </p:spPr>
+        <p:txBody>
+          <a:bodyPr wrap="square">
+            <a:spAutoFit/>
+          </a:bodyPr>
+          <a:lstStyle/>
+          <a:p>
+            <a:pPr algn="ctr"/>
+            <a:r>
+              <a:rPr lang="ru-RU" sz="4000" dirty="0">
+                <a:latin typeface="Arial" panose="020B0604020202020204" pitchFamily="34" charset="0"/>
+                <a:cs typeface="Arial" panose="020B0604020202020204" pitchFamily="34" charset="0"/>
+              </a:rPr>
+              <a:t>Алгоритм </a:t>
+            </a:r>
+            <a:r>
+              <a:rPr lang="ru-RU" sz="4000" dirty="0" err="1">
+                <a:latin typeface="Arial" panose="020B0604020202020204" pitchFamily="34" charset="0"/>
+                <a:cs typeface="Arial" panose="020B0604020202020204" pitchFamily="34" charset="0"/>
+              </a:rPr>
+              <a:t>Дейча-Джозы</a:t>
+            </a:r>
+            <a:endParaRPr lang="ru-RU" sz="4000" dirty="0"/>
+          </a:p>
+        </p:txBody>
+      </p:sp>
     </p:spTree>
     <p:extLst>
       <p:ext uri="{BB962C8B-B14F-4D97-AF65-F5344CB8AC3E}">
-        <p14:creationId xmlns:p14="http://schemas.microsoft.com/office/powerpoint/2010/main" val="3233919458"/>
+        <p14:creationId xmlns:p14="http://schemas.microsoft.com/office/powerpoint/2010/main" val="3477067644"/>
       </p:ext>
     </p:extLst>
   </p:cSld>
@@ -10973,7 +10814,7 @@
 </file>
 
 <file path=ppt/slides/slide9.xml><?xml version="1.0" encoding="utf-8"?>
-<p:sld xmlns:a="http://schemas.openxmlformats.org/drawingml/2006/main" xmlns:r="http://schemas.openxmlformats.org/officeDocument/2006/relationships" xmlns:p="http://schemas.openxmlformats.org/presentationml/2006/main" show="0">
+<p:sld xmlns:a="http://schemas.openxmlformats.org/drawingml/2006/main" xmlns:r="http://schemas.openxmlformats.org/officeDocument/2006/relationships" xmlns:p="http://schemas.openxmlformats.org/presentationml/2006/main">
   <p:cSld>
     <p:spTree>
       <p:nvGrpSpPr>
@@ -10991,7 +10832,7 @@
       </p:grpSpPr>
       <p:sp>
         <p:nvSpPr>
-          <p:cNvPr id="2" name="Заголовок 1"/>
+          <p:cNvPr id="11" name="Заголовок 10"/>
           <p:cNvSpPr>
             <a:spLocks noGrp="1"/>
           </p:cNvSpPr>
@@ -11012,178 +10853,74 @@
                 <a:latin typeface="Arial" panose="020B0604020202020204" pitchFamily="34" charset="0"/>
                 <a:cs typeface="Arial" panose="020B0604020202020204" pitchFamily="34" charset="0"/>
               </a:rPr>
-              <a:t>Задачи работы</a:t>
-            </a:r>
-            <a:endParaRPr lang="ru-RU" sz="4000" dirty="0"/>
-          </a:p>
-        </p:txBody>
-      </p:sp>
-      <p:sp>
-        <p:nvSpPr>
-          <p:cNvPr id="3" name="Объект 2"/>
-          <p:cNvSpPr>
-            <a:spLocks noGrp="1"/>
-          </p:cNvSpPr>
-          <p:nvPr>
-            <p:ph idx="1"/>
-          </p:nvPr>
-        </p:nvSpPr>
-        <p:spPr/>
-        <p:txBody>
-          <a:bodyPr/>
-          <a:lstStyle/>
-          <a:p>
-            <a:pPr lvl="0"/>
-            <a:r>
-              <a:rPr lang="ru-RU" dirty="0">
-                <a:latin typeface="Arial" panose="020B0604020202020204" pitchFamily="34" charset="0"/>
-                <a:cs typeface="Arial" panose="020B0604020202020204" pitchFamily="34" charset="0"/>
-              </a:rPr>
-              <a:t>Алгоритм </a:t>
-            </a:r>
-            <a:r>
-              <a:rPr lang="ru-RU" dirty="0" err="1">
-                <a:latin typeface="Arial" panose="020B0604020202020204" pitchFamily="34" charset="0"/>
-                <a:cs typeface="Arial" panose="020B0604020202020204" pitchFamily="34" charset="0"/>
-              </a:rPr>
-              <a:t>Дейча-Джозы</a:t>
-            </a:r>
-            <a:r>
-              <a:rPr lang="ru-RU" dirty="0">
-                <a:latin typeface="Arial" panose="020B0604020202020204" pitchFamily="34" charset="0"/>
-                <a:cs typeface="Arial" panose="020B0604020202020204" pitchFamily="34" charset="0"/>
-              </a:rPr>
-              <a:t> для определения сбалансированности </a:t>
-            </a:r>
-            <a:r>
-              <a:rPr lang="ru-RU" dirty="0" smtClean="0">
-                <a:latin typeface="Arial" panose="020B0604020202020204" pitchFamily="34" charset="0"/>
-                <a:cs typeface="Arial" panose="020B0604020202020204" pitchFamily="34" charset="0"/>
-              </a:rPr>
-              <a:t>функции.</a:t>
-            </a:r>
-          </a:p>
-          <a:p>
-            <a:pPr lvl="0"/>
-            <a:r>
-              <a:rPr lang="ru-RU" dirty="0" smtClean="0">
-                <a:latin typeface="Arial" panose="020B0604020202020204" pitchFamily="34" charset="0"/>
-                <a:cs typeface="Arial" panose="020B0604020202020204" pitchFamily="34" charset="0"/>
-              </a:rPr>
-              <a:t>Алгоритм </a:t>
-            </a:r>
-            <a:r>
-              <a:rPr lang="ru-RU" dirty="0" err="1">
-                <a:latin typeface="Arial" panose="020B0604020202020204" pitchFamily="34" charset="0"/>
-                <a:cs typeface="Arial" panose="020B0604020202020204" pitchFamily="34" charset="0"/>
-              </a:rPr>
-              <a:t>Шора</a:t>
-            </a:r>
-            <a:r>
-              <a:rPr lang="ru-RU" dirty="0">
-                <a:latin typeface="Arial" panose="020B0604020202020204" pitchFamily="34" charset="0"/>
-                <a:cs typeface="Arial" panose="020B0604020202020204" pitchFamily="34" charset="0"/>
-              </a:rPr>
-              <a:t> для факторизации </a:t>
-            </a:r>
-            <a:r>
-              <a:rPr lang="ru-RU" dirty="0" smtClean="0">
-                <a:latin typeface="Arial" panose="020B0604020202020204" pitchFamily="34" charset="0"/>
-                <a:cs typeface="Arial" panose="020B0604020202020204" pitchFamily="34" charset="0"/>
-              </a:rPr>
-              <a:t>числа.</a:t>
-            </a:r>
-          </a:p>
-          <a:p>
-            <a:r>
-              <a:rPr lang="ru-RU" dirty="0">
-                <a:latin typeface="Arial" panose="020B0604020202020204" pitchFamily="34" charset="0"/>
-                <a:cs typeface="Arial" panose="020B0604020202020204" pitchFamily="34" charset="0"/>
-              </a:rPr>
-              <a:t>Алгоритм </a:t>
-            </a:r>
-            <a:r>
-              <a:rPr lang="ru-RU" dirty="0" err="1" smtClean="0">
-                <a:latin typeface="Arial" panose="020B0604020202020204" pitchFamily="34" charset="0"/>
-                <a:cs typeface="Arial" panose="020B0604020202020204" pitchFamily="34" charset="0"/>
-              </a:rPr>
-              <a:t>Гровера</a:t>
-            </a:r>
-            <a:r>
-              <a:rPr lang="ru-RU" dirty="0" smtClean="0">
-                <a:latin typeface="Arial" panose="020B0604020202020204" pitchFamily="34" charset="0"/>
-                <a:cs typeface="Arial" panose="020B0604020202020204" pitchFamily="34" charset="0"/>
-              </a:rPr>
-              <a:t> для поиска.</a:t>
-            </a:r>
-            <a:endParaRPr lang="ru-RU" dirty="0">
+              <a:t>Классический алгоритм</a:t>
+            </a:r>
+            <a:endParaRPr lang="ru-RU" sz="4000" dirty="0">
               <a:latin typeface="Arial" panose="020B0604020202020204" pitchFamily="34" charset="0"/>
               <a:cs typeface="Arial" panose="020B0604020202020204" pitchFamily="34" charset="0"/>
             </a:endParaRPr>
           </a:p>
-          <a:p>
-            <a:pPr lvl="0"/>
-            <a:r>
-              <a:rPr lang="ru-RU" dirty="0" smtClean="0">
-                <a:latin typeface="Arial" panose="020B0604020202020204" pitchFamily="34" charset="0"/>
-                <a:cs typeface="Arial" panose="020B0604020202020204" pitchFamily="34" charset="0"/>
-              </a:rPr>
-              <a:t>Квантовый алгоритм </a:t>
-            </a:r>
-            <a:r>
-              <a:rPr lang="ru-RU" dirty="0">
-                <a:latin typeface="Arial" panose="020B0604020202020204" pitchFamily="34" charset="0"/>
-                <a:cs typeface="Arial" panose="020B0604020202020204" pitchFamily="34" charset="0"/>
-              </a:rPr>
-              <a:t>для систем линейных равенств </a:t>
-            </a:r>
-            <a:r>
-              <a:rPr lang="ru-RU" dirty="0" smtClean="0">
-                <a:latin typeface="Arial" panose="020B0604020202020204" pitchFamily="34" charset="0"/>
-                <a:cs typeface="Arial" panose="020B0604020202020204" pitchFamily="34" charset="0"/>
-              </a:rPr>
-              <a:t/>
-            </a:r>
-            <a:br>
-              <a:rPr lang="ru-RU" dirty="0" smtClean="0">
-                <a:latin typeface="Arial" panose="020B0604020202020204" pitchFamily="34" charset="0"/>
-                <a:cs typeface="Arial" panose="020B0604020202020204" pitchFamily="34" charset="0"/>
-              </a:rPr>
-            </a:br>
-            <a:r>
-              <a:rPr lang="ru-RU" dirty="0" smtClean="0">
-                <a:latin typeface="Arial" panose="020B0604020202020204" pitchFamily="34" charset="0"/>
-                <a:cs typeface="Arial" panose="020B0604020202020204" pitchFamily="34" charset="0"/>
-              </a:rPr>
-              <a:t>(</a:t>
-            </a:r>
-            <a:r>
-              <a:rPr lang="ru-RU" dirty="0">
-                <a:latin typeface="Arial" panose="020B0604020202020204" pitchFamily="34" charset="0"/>
-                <a:cs typeface="Arial" panose="020B0604020202020204" pitchFamily="34" charset="0"/>
-              </a:rPr>
-              <a:t>Алгоритм ХХЛ</a:t>
-            </a:r>
-            <a:r>
-              <a:rPr lang="ru-RU" dirty="0" smtClean="0">
-                <a:latin typeface="Arial" panose="020B0604020202020204" pitchFamily="34" charset="0"/>
-                <a:cs typeface="Arial" panose="020B0604020202020204" pitchFamily="34" charset="0"/>
-              </a:rPr>
-              <a:t>).</a:t>
-            </a:r>
-            <a:endParaRPr lang="ru-RU" dirty="0">
-              <a:latin typeface="Arial" panose="020B0604020202020204" pitchFamily="34" charset="0"/>
-              <a:cs typeface="Arial" panose="020B0604020202020204" pitchFamily="34" charset="0"/>
-            </a:endParaRPr>
-          </a:p>
-          <a:p>
-            <a:endParaRPr lang="ru-RU" dirty="0"/>
-          </a:p>
-        </p:txBody>
-      </p:sp>
-      <p:sp>
-        <p:nvSpPr>
-          <p:cNvPr id="4" name="Номер слайда 3"/>
+        </p:txBody>
+      </p:sp>
+      <p:pic>
+        <p:nvPicPr>
+          <p:cNvPr id="10" name="Объект 9"/>
+          <p:cNvPicPr>
+            <a:picLocks noGrp="1" noChangeAspect="1"/>
+          </p:cNvPicPr>
+          <p:nvPr>
+            <p:ph sz="half" idx="1"/>
+          </p:nvPr>
+        </p:nvPicPr>
+        <p:blipFill rotWithShape="1">
+          <a:blip r:embed="rId2" cstate="print">
+            <a:extLst>
+              <a:ext uri="{28A0092B-C50C-407E-A947-70E740481C1C}">
+                <a14:useLocalDpi xmlns:a14="http://schemas.microsoft.com/office/drawing/2010/main" val="0"/>
+              </a:ext>
+            </a:extLst>
+          </a:blip>
+          <a:srcRect r="46269" b="68642"/>
+          <a:stretch/>
+        </p:blipFill>
+        <p:spPr>
+          <a:xfrm>
+            <a:off x="826513" y="2113226"/>
+            <a:ext cx="5210220" cy="2805907"/>
+          </a:xfrm>
+        </p:spPr>
+      </p:pic>
+      <p:pic>
+        <p:nvPicPr>
+          <p:cNvPr id="13" name="Объект 12"/>
+          <p:cNvPicPr>
+            <a:picLocks noGrp="1" noChangeAspect="1"/>
+          </p:cNvPicPr>
+          <p:nvPr>
+            <p:ph sz="half" idx="2"/>
+          </p:nvPr>
+        </p:nvPicPr>
+        <p:blipFill rotWithShape="1">
+          <a:blip r:embed="rId3" cstate="print">
+            <a:extLst>
+              <a:ext uri="{28A0092B-C50C-407E-A947-70E740481C1C}">
+                <a14:useLocalDpi xmlns:a14="http://schemas.microsoft.com/office/drawing/2010/main" val="0"/>
+              </a:ext>
+            </a:extLst>
+          </a:blip>
+          <a:srcRect r="45794" b="61104"/>
+          <a:stretch/>
+        </p:blipFill>
+        <p:spPr>
+          <a:xfrm>
+            <a:off x="6327476" y="2120168"/>
+            <a:ext cx="5015547" cy="2782031"/>
+          </a:xfrm>
+        </p:spPr>
+      </p:pic>
+      <p:sp>
+        <p:nvSpPr>
+          <p:cNvPr id="7" name="Номер слайда 6"/>
           <p:cNvSpPr>
             <a:spLocks noGrp="1"/>
           </p:cNvSpPr>
@@ -11207,21 +10944,13 @@
     </p:spTree>
     <p:extLst>
       <p:ext uri="{BB962C8B-B14F-4D97-AF65-F5344CB8AC3E}">
-        <p14:creationId xmlns:p14="http://schemas.microsoft.com/office/powerpoint/2010/main" val="2012407855"/>
+        <p14:creationId xmlns:p14="http://schemas.microsoft.com/office/powerpoint/2010/main" val="55664392"/>
       </p:ext>
     </p:extLst>
   </p:cSld>
   <p:clrMapOvr>
     <a:masterClrMapping/>
   </p:clrMapOvr>
-  <mc:AlternateContent xmlns:mc="http://schemas.openxmlformats.org/markup-compatibility/2006">
-    <mc:Choice xmlns:p14="http://schemas.microsoft.com/office/powerpoint/2010/main" Requires="p14">
-      <p:transition spd="slow" p14:dur="2000"/>
-    </mc:Choice>
-    <mc:Fallback>
-      <p:transition spd="slow"/>
-    </mc:Fallback>
-  </mc:AlternateContent>
   <p:timing>
     <p:tnLst>
       <p:par>

--- a/Черниговских 2к 14гр.pptx
+++ b/Черниговских 2к 14гр.pptx
@@ -126,7 +126,7 @@
   </p:defaultTextStyle>
   <p:extLst>
     <p:ext uri="{EFAFB233-063F-42B5-8137-9DF3F51BA10A}">
-      <p15:sldGuideLst xmlns:p15="http://schemas.microsoft.com/office/powerpoint/2012/main" xmlns="">
+      <p15:sldGuideLst xmlns:p15="http://schemas.microsoft.com/office/powerpoint/2012/main">
         <p15:guide id="1" orient="horz" pos="2160">
           <p15:clr>
             <a:srgbClr val="A4A3A4"/>
@@ -3848,8 +3848,8 @@
           </a:p>
         </p:txBody>
       </p:sp>
-      <mc:AlternateContent xmlns:mc="http://schemas.openxmlformats.org/markup-compatibility/2006" xmlns:a14="http://schemas.microsoft.com/office/drawing/2010/main">
-        <mc:Choice Requires="a14">
+      <mc:AlternateContent xmlns:mc="http://schemas.openxmlformats.org/markup-compatibility/2006">
+        <mc:Choice xmlns:a14="http://schemas.microsoft.com/office/drawing/2010/main" Requires="a14">
           <p:sp>
             <p:nvSpPr>
               <p:cNvPr id="3" name="Объект 2"/>
@@ -3993,16 +3993,37 @@
                   <a:t>Если </a:t>
                 </a:r>
                 <a:r>
+                  <a:rPr lang="ru-RU" i="1" dirty="0">
+                    <a:latin typeface="Arial" panose="020B0604020202020204" pitchFamily="34" charset="0"/>
+                    <a:cs typeface="Arial" panose="020B0604020202020204" pitchFamily="34" charset="0"/>
+                  </a:rPr>
+                  <a:t>r</a:t>
+                </a:r>
+                <a:r>
                   <a:rPr lang="ru-RU" dirty="0">
                     <a:latin typeface="Arial" panose="020B0604020202020204" pitchFamily="34" charset="0"/>
                     <a:cs typeface="Arial" panose="020B0604020202020204" pitchFamily="34" charset="0"/>
                   </a:rPr>
-                  <a:t>r четен, вычислить </a:t>
+                  <a:t> </a:t>
+                </a:r>
+                <a:r>
+                  <a:rPr lang="ru-RU" dirty="0" smtClean="0">
+                    <a:latin typeface="Arial" panose="020B0604020202020204" pitchFamily="34" charset="0"/>
+                    <a:cs typeface="Arial" panose="020B0604020202020204" pitchFamily="34" charset="0"/>
+                  </a:rPr>
+                  <a:t>четно, </a:t>
+                </a:r>
+                <a:r>
+                  <a:rPr lang="ru-RU" dirty="0">
+                    <a:latin typeface="Arial" panose="020B0604020202020204" pitchFamily="34" charset="0"/>
+                    <a:cs typeface="Arial" panose="020B0604020202020204" pitchFamily="34" charset="0"/>
+                  </a:rPr>
+                  <a:t>вычислить </a:t>
                 </a:r>
                 <a14:m>
                   <m:oMath xmlns:m="http://schemas.openxmlformats.org/officeDocument/2006/math">
                     <m:r>
-                      <a:rPr lang="ru-RU" i="0" dirty="0" smtClean="0">
+                      <a:rPr lang="ru-RU" i="1" dirty="0" smtClean="0">
                         <a:latin typeface="Cambria Math" panose="02040503050406030204" pitchFamily="18" charset="0"/>
                       </a:rPr>
                       <m:t>НОД(</m:t>
@@ -4011,39 +4032,33 @@
                       <m:sSupPr>
                         <m:ctrlPr>
                           <a:rPr lang="ru-RU" i="1" dirty="0" smtClean="0">
-                            <a:latin typeface="Cambria Math"/>
+                            <a:latin typeface="Cambria Math" panose="02040503050406030204" pitchFamily="18" charset="0"/>
                           </a:rPr>
                         </m:ctrlPr>
                       </m:sSupPr>
                       <m:e>
                         <m:r>
-                          <m:rPr>
-                            <m:sty m:val="p"/>
-                          </m:rPr>
-                          <a:rPr lang="ru-RU" i="0" dirty="0">
+                          <a:rPr lang="ru-RU" i="1" dirty="0">
                             <a:latin typeface="Cambria Math" panose="02040503050406030204" pitchFamily="18" charset="0"/>
                           </a:rPr>
-                          <m:t>a</m:t>
+                          <m:t>𝑎</m:t>
                         </m:r>
                       </m:e>
                       <m:sup>
                         <m:r>
-                          <a:rPr lang="en-US" i="0" dirty="0">
+                          <a:rPr lang="en-US" i="1" dirty="0">
                             <a:latin typeface="Cambria Math" panose="02040503050406030204" pitchFamily="18" charset="0"/>
                           </a:rPr>
                           <m:t>^(</m:t>
                         </m:r>
                         <m:r>
-                          <m:rPr>
-                            <m:sty m:val="p"/>
-                          </m:rPr>
-                          <a:rPr lang="ru-RU" i="0" dirty="0">
+                          <a:rPr lang="ru-RU" i="1" dirty="0">
                             <a:latin typeface="Cambria Math" panose="02040503050406030204" pitchFamily="18" charset="0"/>
                           </a:rPr>
-                          <m:t>r</m:t>
+                          <m:t>𝑟</m:t>
                         </m:r>
                         <m:r>
-                          <a:rPr lang="ru-RU" i="0" dirty="0">
+                          <a:rPr lang="ru-RU" i="1" dirty="0">
                             <a:latin typeface="Cambria Math" panose="02040503050406030204" pitchFamily="18" charset="0"/>
                           </a:rPr>
                           <m:t>/2)</m:t>
@@ -4051,24 +4066,21 @@
                       </m:sup>
                     </m:sSup>
                     <m:r>
-                      <a:rPr lang="ru-RU" i="0" dirty="0">
+                      <a:rPr lang="ru-RU" i="1" dirty="0">
                         <a:latin typeface="Cambria Math" panose="02040503050406030204" pitchFamily="18" charset="0"/>
                       </a:rPr>
                       <m:t>− 1, </m:t>
                     </m:r>
                     <m:r>
-                      <m:rPr>
-                        <m:sty m:val="p"/>
-                      </m:rPr>
-                      <a:rPr lang="ru-RU" i="0" dirty="0">
+                      <a:rPr lang="ru-RU" i="1" dirty="0">
                         <a:latin typeface="Cambria Math" panose="02040503050406030204" pitchFamily="18" charset="0"/>
                       </a:rPr>
-                      <m:t>N</m:t>
+                      <m:t>𝑁</m:t>
                     </m:r>
                   </m:oMath>
                 </a14:m>
                 <a:r>
-                  <a:rPr lang="ru-RU" dirty="0" smtClean="0">
+                  <a:rPr lang="ru-RU" i="1" dirty="0" smtClean="0">
                     <a:latin typeface="Arial" panose="020B0604020202020204" pitchFamily="34" charset="0"/>
                     <a:cs typeface="Arial" panose="020B0604020202020204" pitchFamily="34" charset="0"/>
                   </a:rPr>
@@ -4175,7 +4187,7 @@
             </p:txBody>
           </p:sp>
         </mc:Choice>
-        <mc:Fallback xmlns="">
+        <mc:Fallback>
           <p:sp>
             <p:nvSpPr>
               <p:cNvPr id="3" name="Объект 2"/>
@@ -4321,8 +4333,8 @@
         </p:blipFill>
         <p:spPr>
           <a:xfrm>
-            <a:off x="2006601" y="1676400"/>
-            <a:ext cx="8556814" cy="4099311"/>
+            <a:off x="2978667" y="1690688"/>
+            <a:ext cx="7178587" cy="3774497"/>
           </a:xfrm>
         </p:spPr>
       </p:pic>
@@ -4425,8 +4437,8 @@
           </a:p>
         </p:txBody>
       </p:sp>
-      <mc:AlternateContent xmlns:mc="http://schemas.openxmlformats.org/markup-compatibility/2006" xmlns:a14="http://schemas.microsoft.com/office/drawing/2010/main">
-        <mc:Choice Requires="a14">
+      <mc:AlternateContent xmlns:mc="http://schemas.openxmlformats.org/markup-compatibility/2006">
+        <mc:Choice xmlns:a14="http://schemas.microsoft.com/office/drawing/2010/main" Requires="a14">
           <p:sp>
             <p:nvSpPr>
               <p:cNvPr id="4" name="Объект 3"/>
@@ -4531,7 +4543,7 @@
                         <m:degHide m:val="on"/>
                         <m:ctrlPr>
                           <a:rPr lang="ru-RU" i="1" smtClean="0">
-                            <a:latin typeface="Cambria Math"/>
+                            <a:latin typeface="Cambria Math" panose="02040503050406030204" pitchFamily="18" charset="0"/>
                             <a:cs typeface="Arial" panose="020B0604020202020204" pitchFamily="34" charset="0"/>
                           </a:rPr>
                         </m:ctrlPr>
@@ -4815,10 +4827,17 @@
                     <a:latin typeface="Arial" panose="020B0604020202020204" pitchFamily="34" charset="0"/>
                     <a:cs typeface="Arial" panose="020B0604020202020204" pitchFamily="34" charset="0"/>
                   </a:rPr>
-                  <a:t>значение a</a:t>
+                  <a:t>значение </a:t>
                 </a:r>
                 <a:r>
-                  <a:rPr lang="ru-RU" dirty="0" smtClean="0">
+                  <a:rPr lang="ru-RU" i="1" dirty="0">
+                    <a:latin typeface="Arial" panose="020B0604020202020204" pitchFamily="34" charset="0"/>
+                    <a:cs typeface="Arial" panose="020B0604020202020204" pitchFamily="34" charset="0"/>
+                  </a:rPr>
+                  <a:t>a</a:t>
+                </a:r>
+                <a:r>
+                  <a:rPr lang="ru-RU" i="1" dirty="0" smtClean="0">
                     <a:latin typeface="Arial" panose="020B0604020202020204" pitchFamily="34" charset="0"/>
                     <a:cs typeface="Arial" panose="020B0604020202020204" pitchFamily="34" charset="0"/>
                   </a:rPr>
@@ -4832,24 +4851,21 @@
                   <a:t> даст делитель числа </a:t>
                 </a:r>
                 <a:r>
-                  <a:rPr lang="ru-RU" dirty="0" smtClean="0">
+                  <a:rPr lang="ru-RU" i="1" dirty="0" smtClean="0">
                     <a:latin typeface="Arial" panose="020B0604020202020204" pitchFamily="34" charset="0"/>
                     <a:cs typeface="Arial" panose="020B0604020202020204" pitchFamily="34" charset="0"/>
                   </a:rPr>
-                  <a:t>n</a:t>
+                  <a:t>n.</a:t>
                 </a:r>
-                <a:r>
-                  <a:rPr lang="ru-RU" dirty="0">
-                    <a:latin typeface="Arial" panose="020B0604020202020204" pitchFamily="34" charset="0"/>
-                    <a:cs typeface="Arial" panose="020B0604020202020204" pitchFamily="34" charset="0"/>
-                  </a:rPr>
-                  <a:t> (возможно тривиальный).</a:t>
-                </a:r>
+                <a:endParaRPr lang="ru-RU" dirty="0">
+                  <a:latin typeface="Arial" panose="020B0604020202020204" pitchFamily="34" charset="0"/>
+                  <a:cs typeface="Arial" panose="020B0604020202020204" pitchFamily="34" charset="0"/>
+                </a:endParaRPr>
               </a:p>
             </p:txBody>
           </p:sp>
         </mc:Choice>
-        <mc:Fallback xmlns="">
+        <mc:Fallback>
           <p:sp>
             <p:nvSpPr>
               <p:cNvPr id="4" name="Объект 3"/>
@@ -4861,7 +4877,7 @@
               </p:nvPr>
             </p:nvSpPr>
             <p:spPr>
-              <a:blipFill rotWithShape="1">
+              <a:blipFill rotWithShape="0">
                 <a:blip r:embed="rId2"/>
                 <a:stretch>
                   <a:fillRect l="-1217" t="-2381"/>
@@ -5184,7 +5200,7 @@
                       <m:sSupPr>
                         <m:ctrlPr>
                           <a:rPr lang="ru-RU" i="1" smtClean="0">
-                            <a:latin typeface="Cambria Math"/>
+                            <a:latin typeface="Cambria Math" panose="02040503050406030204" pitchFamily="18" charset="0"/>
                           </a:rPr>
                         </m:ctrlPr>
                       </m:sSupPr>
@@ -5368,7 +5384,7 @@
                       <m:funcPr>
                         <m:ctrlPr>
                           <a:rPr lang="en-US" i="1" smtClean="0">
-                            <a:latin typeface="Cambria Math"/>
+                            <a:latin typeface="Cambria Math" panose="02040503050406030204" pitchFamily="18" charset="0"/>
                           </a:rPr>
                         </m:ctrlPr>
                       </m:funcPr>
@@ -5393,7 +5409,7 @@
                       <m:sSupPr>
                         <m:ctrlPr>
                           <a:rPr lang="en-US" i="1" smtClean="0">
-                            <a:latin typeface="Cambria Math"/>
+                            <a:latin typeface="Cambria Math" panose="02040503050406030204" pitchFamily="18" charset="0"/>
                           </a:rPr>
                         </m:ctrlPr>
                       </m:sSupPr>
@@ -5459,7 +5475,7 @@
                       <m:sSupPr>
                         <m:ctrlPr>
                           <a:rPr lang="en-US" i="1">
-                            <a:latin typeface="Cambria Math"/>
+                            <a:latin typeface="Cambria Math" panose="02040503050406030204" pitchFamily="18" charset="0"/>
                           </a:rPr>
                         </m:ctrlPr>
                       </m:sSupPr>
@@ -5484,7 +5500,7 @@
                       <m:funcPr>
                         <m:ctrlPr>
                           <a:rPr lang="en-US" i="1">
-                            <a:latin typeface="Cambria Math"/>
+                            <a:latin typeface="Cambria Math" panose="02040503050406030204" pitchFamily="18" charset="0"/>
                           </a:rPr>
                         </m:ctrlPr>
                       </m:funcPr>
@@ -5563,7 +5579,7 @@
                       <m:funcPr>
                         <m:ctrlPr>
                           <a:rPr lang="en-US" i="1" dirty="0" smtClean="0">
-                            <a:latin typeface="Cambria Math"/>
+                            <a:latin typeface="Cambria Math" panose="02040503050406030204" pitchFamily="18" charset="0"/>
                           </a:rPr>
                         </m:ctrlPr>
                       </m:funcPr>
@@ -5643,7 +5659,7 @@
                         <m:degHide m:val="on"/>
                         <m:ctrlPr>
                           <a:rPr lang="en-US" i="1" smtClean="0">
-                            <a:latin typeface="Cambria Math"/>
+                            <a:latin typeface="Cambria Math" panose="02040503050406030204" pitchFamily="18" charset="0"/>
                           </a:rPr>
                         </m:ctrlPr>
                       </m:radPr>
@@ -5661,7 +5677,7 @@
                       <m:funcPr>
                         <m:ctrlPr>
                           <a:rPr lang="en-US" i="1" smtClean="0">
-                            <a:latin typeface="Cambria Math"/>
+                            <a:latin typeface="Cambria Math" panose="02040503050406030204" pitchFamily="18" charset="0"/>
                           </a:rPr>
                         </m:ctrlPr>
                       </m:funcPr>
@@ -5684,7 +5700,7 @@
                           <m:sSupPr>
                             <m:ctrlPr>
                               <a:rPr lang="en-US" b="0" i="1" smtClean="0">
-                                <a:latin typeface="Cambria Math"/>
+                                <a:latin typeface="Cambria Math" panose="02040503050406030204" pitchFamily="18" charset="0"/>
                               </a:rPr>
                             </m:ctrlPr>
                           </m:sSupPr>
@@ -5932,21 +5948,21 @@
           <a:lstStyle/>
           <a:p>
             <a:r>
-              <a:rPr lang="en-US" sz="5100" dirty="0" smtClean="0">
+              <a:rPr lang="en-US" sz="5100" i="1" dirty="0" smtClean="0">
                 <a:latin typeface="Arial" panose="020B0604020202020204" pitchFamily="34" charset="0"/>
                 <a:cs typeface="Arial" panose="020B0604020202020204" pitchFamily="34" charset="0"/>
               </a:rPr>
               <a:t>f(x</a:t>
             </a:r>
             <a:r>
-              <a:rPr lang="en-US" sz="5100" dirty="0">
+              <a:rPr lang="en-US" sz="5100" i="1" dirty="0">
                 <a:latin typeface="Arial" panose="020B0604020202020204" pitchFamily="34" charset="0"/>
                 <a:cs typeface="Arial" panose="020B0604020202020204" pitchFamily="34" charset="0"/>
               </a:rPr>
               <a:t>) = </a:t>
             </a:r>
             <a:r>
-              <a:rPr lang="en-US" sz="5100" dirty="0" smtClean="0">
+              <a:rPr lang="en-US" sz="5100" i="1" dirty="0" smtClean="0">
                 <a:latin typeface="Arial" panose="020B0604020202020204" pitchFamily="34" charset="0"/>
                 <a:cs typeface="Arial" panose="020B0604020202020204" pitchFamily="34" charset="0"/>
               </a:rPr>
@@ -6000,21 +6016,21 @@
           </a:p>
           <a:p>
             <a:r>
-              <a:rPr lang="en-US" sz="5100" dirty="0" smtClean="0">
+              <a:rPr lang="en-US" sz="5100" i="1" dirty="0" smtClean="0">
                 <a:latin typeface="Arial" panose="020B0604020202020204" pitchFamily="34" charset="0"/>
                 <a:cs typeface="Arial" panose="020B0604020202020204" pitchFamily="34" charset="0"/>
               </a:rPr>
               <a:t>f(x</a:t>
             </a:r>
             <a:r>
-              <a:rPr lang="en-US" sz="5100" dirty="0">
+              <a:rPr lang="en-US" sz="5100" i="1" dirty="0">
                 <a:latin typeface="Arial" panose="020B0604020202020204" pitchFamily="34" charset="0"/>
                 <a:cs typeface="Arial" panose="020B0604020202020204" pitchFamily="34" charset="0"/>
               </a:rPr>
               <a:t>) = </a:t>
             </a:r>
             <a:r>
-              <a:rPr lang="en-US" sz="5100" dirty="0" smtClean="0">
+              <a:rPr lang="en-US" sz="5100" i="1" dirty="0" smtClean="0">
                 <a:latin typeface="Arial" panose="020B0604020202020204" pitchFamily="34" charset="0"/>
                 <a:cs typeface="Arial" panose="020B0604020202020204" pitchFamily="34" charset="0"/>
               </a:rPr>
@@ -6064,46 +6080,53 @@
           </a:p>
           <a:p>
             <a:r>
+              <a:rPr lang="en-US" sz="5100" i="1" dirty="0" smtClean="0">
+                <a:latin typeface="Arial" panose="020B0604020202020204" pitchFamily="34" charset="0"/>
+                <a:cs typeface="Arial" panose="020B0604020202020204" pitchFamily="34" charset="0"/>
+              </a:rPr>
+              <a:t>f(x</a:t>
+            </a:r>
+            <a:r>
+              <a:rPr lang="en-US" sz="5100" i="1" dirty="0">
+                <a:latin typeface="Arial" panose="020B0604020202020204" pitchFamily="34" charset="0"/>
+                <a:cs typeface="Arial" panose="020B0604020202020204" pitchFamily="34" charset="0"/>
+              </a:rPr>
+              <a:t>) = </a:t>
+            </a:r>
+            <a:r>
+              <a:rPr lang="en-US" sz="5100" i="1" dirty="0" smtClean="0">
+                <a:latin typeface="Arial" panose="020B0604020202020204" pitchFamily="34" charset="0"/>
+                <a:cs typeface="Arial" panose="020B0604020202020204" pitchFamily="34" charset="0"/>
+              </a:rPr>
+              <a:t>x </a:t>
+            </a:r>
+            <a:r>
               <a:rPr lang="en-US" sz="5100" dirty="0" smtClean="0">
                 <a:latin typeface="Arial" panose="020B0604020202020204" pitchFamily="34" charset="0"/>
                 <a:cs typeface="Arial" panose="020B0604020202020204" pitchFamily="34" charset="0"/>
               </a:rPr>
-              <a:t>f(x</a:t>
-            </a:r>
-            <a:r>
-              <a:rPr lang="en-US" sz="5100" dirty="0">
-                <a:latin typeface="Arial" panose="020B0604020202020204" pitchFamily="34" charset="0"/>
-                <a:cs typeface="Arial" panose="020B0604020202020204" pitchFamily="34" charset="0"/>
-              </a:rPr>
-              <a:t>) = </a:t>
+              <a:t>(</a:t>
+            </a:r>
+            <a:r>
+              <a:rPr lang="ru-RU" sz="5100" dirty="0" smtClean="0">
+                <a:latin typeface="Arial" panose="020B0604020202020204" pitchFamily="34" charset="0"/>
+                <a:cs typeface="Arial" panose="020B0604020202020204" pitchFamily="34" charset="0"/>
+              </a:rPr>
+              <a:t>значение </a:t>
+            </a:r>
+            <a:r>
+              <a:rPr lang="en-US" sz="5100" i="1" dirty="0" smtClean="0">
+                <a:latin typeface="Arial" panose="020B0604020202020204" pitchFamily="34" charset="0"/>
+                <a:cs typeface="Arial" panose="020B0604020202020204" pitchFamily="34" charset="0"/>
+              </a:rPr>
+              <a:t>k</a:t>
             </a:r>
             <a:r>
               <a:rPr lang="en-US" sz="5100" dirty="0" smtClean="0">
                 <a:latin typeface="Arial" panose="020B0604020202020204" pitchFamily="34" charset="0"/>
                 <a:cs typeface="Arial" panose="020B0604020202020204" pitchFamily="34" charset="0"/>
               </a:rPr>
-              <a:t>x </a:t>
-            </a:r>
-            <a:r>
-              <a:rPr lang="en-US" sz="5100" dirty="0" smtClean="0">
-                <a:latin typeface="Arial" panose="020B0604020202020204" pitchFamily="34" charset="0"/>
-                <a:cs typeface="Arial" panose="020B0604020202020204" pitchFamily="34" charset="0"/>
-              </a:rPr>
-              <a:t>(</a:t>
-            </a:r>
-            <a:r>
-              <a:rPr lang="ru-RU" sz="5100" dirty="0" smtClean="0">
-                <a:latin typeface="Arial" panose="020B0604020202020204" pitchFamily="34" charset="0"/>
-                <a:cs typeface="Arial" panose="020B0604020202020204" pitchFamily="34" charset="0"/>
-              </a:rPr>
-              <a:t>значение </a:t>
-            </a:r>
-            <a:r>
-              <a:rPr lang="en-US" sz="5100" dirty="0" smtClean="0">
-                <a:latin typeface="Arial" panose="020B0604020202020204" pitchFamily="34" charset="0"/>
-                <a:cs typeface="Arial" panose="020B0604020202020204" pitchFamily="34" charset="0"/>
-              </a:rPr>
-              <a:t>k-</a:t>
+              <a:t>-</a:t>
             </a:r>
             <a:r>
               <a:rPr lang="ru-RU" sz="5100" dirty="0" smtClean="0">
@@ -6174,14 +6197,14 @@
           </a:p>
           <a:p>
             <a:r>
-              <a:rPr lang="en-US" sz="5100" dirty="0" smtClean="0">
+              <a:rPr lang="en-US" sz="5100" i="1" dirty="0" smtClean="0">
                 <a:latin typeface="Arial" panose="020B0604020202020204" pitchFamily="34" charset="0"/>
                 <a:cs typeface="Arial" panose="020B0604020202020204" pitchFamily="34" charset="0"/>
               </a:rPr>
               <a:t>f(x</a:t>
             </a:r>
             <a:r>
-              <a:rPr lang="en-US" sz="5100" dirty="0">
+              <a:rPr lang="en-US" sz="5100" i="1" dirty="0">
                 <a:latin typeface="Arial" panose="020B0604020202020204" pitchFamily="34" charset="0"/>
                 <a:cs typeface="Arial" panose="020B0604020202020204" pitchFamily="34" charset="0"/>
               </a:rPr>
@@ -6192,7 +6215,42 @@
                 <a:latin typeface="Arial" panose="020B0604020202020204" pitchFamily="34" charset="0"/>
                 <a:cs typeface="Arial" panose="020B0604020202020204" pitchFamily="34" charset="0"/>
               </a:rPr>
-              <a:t>если у х четное число единиц, и 0 в противоположном случае</a:t>
+              <a:t>если </a:t>
+            </a:r>
+            <a:r>
+              <a:rPr lang="ru-RU" sz="5100" i="1" dirty="0" smtClean="0">
+                <a:latin typeface="Arial" panose="020B0604020202020204" pitchFamily="34" charset="0"/>
+                <a:cs typeface="Arial" panose="020B0604020202020204" pitchFamily="34" charset="0"/>
+              </a:rPr>
+              <a:t>х</a:t>
+            </a:r>
+            <a:r>
+              <a:rPr lang="ru-RU" sz="5100" dirty="0" smtClean="0">
+                <a:latin typeface="Arial" panose="020B0604020202020204" pitchFamily="34" charset="0"/>
+                <a:cs typeface="Arial" panose="020B0604020202020204" pitchFamily="34" charset="0"/>
+              </a:rPr>
+              <a:t> имеет </a:t>
+            </a:r>
+            <a:r>
+              <a:rPr lang="ru-RU" sz="5100" dirty="0" smtClean="0">
+                <a:latin typeface="Arial" panose="020B0604020202020204" pitchFamily="34" charset="0"/>
+                <a:cs typeface="Arial" panose="020B0604020202020204" pitchFamily="34" charset="0"/>
+              </a:rPr>
+              <a:t>четное число единиц, и </a:t>
+            </a:r>
+            <a:r>
+              <a:rPr lang="ru-RU" sz="5100" i="1" dirty="0" smtClean="0">
+                <a:latin typeface="Arial" panose="020B0604020202020204" pitchFamily="34" charset="0"/>
+                <a:cs typeface="Arial" panose="020B0604020202020204" pitchFamily="34" charset="0"/>
+              </a:rPr>
+              <a:t>0</a:t>
+            </a:r>
+            <a:r>
+              <a:rPr lang="ru-RU" sz="5100" dirty="0" smtClean="0">
+                <a:latin typeface="Arial" panose="020B0604020202020204" pitchFamily="34" charset="0"/>
+                <a:cs typeface="Arial" panose="020B0604020202020204" pitchFamily="34" charset="0"/>
+              </a:rPr>
+              <a:t> в противоположном случае</a:t>
             </a:r>
             <a:r>
               <a:rPr lang="ru-RU" sz="4000" dirty="0" smtClean="0">
@@ -6362,66 +6420,68 @@
         </p:nvSpPr>
         <p:spPr/>
         <p:txBody>
-          <a:bodyPr/>
+          <a:bodyPr>
+            <a:normAutofit/>
+          </a:bodyPr>
           <a:lstStyle/>
           <a:p>
             <a:pPr algn="ctr"/>
             <a:r>
-              <a:rPr lang="ru-RU" dirty="0">
+              <a:rPr lang="ru-RU" sz="4000" dirty="0">
                 <a:latin typeface="Arial" panose="020B0604020202020204" pitchFamily="34" charset="0"/>
                 <a:cs typeface="Arial" panose="020B0604020202020204" pitchFamily="34" charset="0"/>
               </a:rPr>
               <a:t>Операции трансформации состояния </a:t>
             </a:r>
             <a:br>
-              <a:rPr lang="ru-RU" dirty="0">
+              <a:rPr lang="ru-RU" sz="4000" dirty="0">
                 <a:latin typeface="Arial" panose="020B0604020202020204" pitchFamily="34" charset="0"/>
                 <a:cs typeface="Arial" panose="020B0604020202020204" pitchFamily="34" charset="0"/>
               </a:rPr>
             </a:br>
             <a:r>
-              <a:rPr lang="en-US" i="1" dirty="0">
+              <a:rPr lang="en-US" sz="4000" i="1" dirty="0">
                 <a:latin typeface="Arial" panose="020B0604020202020204" pitchFamily="34" charset="0"/>
                 <a:cs typeface="Arial" panose="020B0604020202020204" pitchFamily="34" charset="0"/>
               </a:rPr>
               <a:t>|x, y</a:t>
             </a:r>
             <a:r>
-              <a:rPr lang="ru-RU" i="1" dirty="0">
+              <a:rPr lang="ru-RU" sz="4000" i="1" dirty="0">
                 <a:latin typeface="Arial" panose="020B0604020202020204" pitchFamily="34" charset="0"/>
                 <a:cs typeface="Arial" panose="020B0604020202020204" pitchFamily="34" charset="0"/>
               </a:rPr>
               <a:t>⟩</a:t>
             </a:r>
             <a:r>
-              <a:rPr lang="en-US" i="1" dirty="0">
+              <a:rPr lang="en-US" sz="4000" i="1" dirty="0">
                 <a:latin typeface="Arial" panose="020B0604020202020204" pitchFamily="34" charset="0"/>
                 <a:cs typeface="Arial" panose="020B0604020202020204" pitchFamily="34" charset="0"/>
               </a:rPr>
               <a:t> </a:t>
             </a:r>
             <a:r>
-              <a:rPr lang="ru-RU" i="1" dirty="0">
+              <a:rPr lang="ru-RU" sz="4000" i="1" dirty="0">
                 <a:latin typeface="Arial" panose="020B0604020202020204" pitchFamily="34" charset="0"/>
                 <a:cs typeface="Arial" panose="020B0604020202020204" pitchFamily="34" charset="0"/>
               </a:rPr>
               <a:t>в </a:t>
             </a:r>
             <a:r>
-              <a:rPr lang="en-US" i="1" dirty="0">
+              <a:rPr lang="en-US" sz="4000" i="1" dirty="0">
                 <a:latin typeface="Arial" panose="020B0604020202020204" pitchFamily="34" charset="0"/>
                 <a:cs typeface="Arial" panose="020B0604020202020204" pitchFamily="34" charset="0"/>
               </a:rPr>
               <a:t>|x, y ⊕ f(x)</a:t>
             </a:r>
             <a:r>
-              <a:rPr lang="ru-RU" i="1" dirty="0">
+              <a:rPr lang="ru-RU" sz="4000" i="1" dirty="0">
                 <a:latin typeface="Arial" panose="020B0604020202020204" pitchFamily="34" charset="0"/>
                 <a:cs typeface="Arial" panose="020B0604020202020204" pitchFamily="34" charset="0"/>
               </a:rPr>
               <a:t>⟩</a:t>
             </a:r>
-            <a:endParaRPr lang="ru-RU" dirty="0"/>
+            <a:endParaRPr lang="ru-RU" sz="4000" dirty="0"/>
           </a:p>
         </p:txBody>
       </p:sp>
@@ -6448,51 +6508,94 @@
           <a:lstStyle/>
           <a:p>
             <a:r>
-              <a:rPr lang="en-US" dirty="0" smtClean="0"/>
+              <a:rPr lang="en-US" i="1" dirty="0" smtClean="0">
+                <a:latin typeface="Arial" panose="020B0604020202020204" pitchFamily="34" charset="0"/>
+                <a:cs typeface="Arial" panose="020B0604020202020204" pitchFamily="34" charset="0"/>
+              </a:rPr>
               <a:t>f(x</a:t>
             </a:r>
             <a:r>
-              <a:rPr lang="en-US" dirty="0"/>
+              <a:rPr lang="en-US" i="1" dirty="0">
+                <a:latin typeface="Arial" panose="020B0604020202020204" pitchFamily="34" charset="0"/>
+                <a:cs typeface="Arial" panose="020B0604020202020204" pitchFamily="34" charset="0"/>
+              </a:rPr>
               <a:t>) = </a:t>
             </a:r>
             <a:r>
-              <a:rPr lang="ru-RU" dirty="0"/>
+              <a:rPr lang="ru-RU" i="1" dirty="0">
+                <a:latin typeface="Arial" panose="020B0604020202020204" pitchFamily="34" charset="0"/>
+                <a:cs typeface="Arial" panose="020B0604020202020204" pitchFamily="34" charset="0"/>
+              </a:rPr>
               <a:t>Σᵢ</a:t>
             </a:r>
             <a:r>
-              <a:rPr lang="en-US" dirty="0"/>
+              <a:rPr lang="en-US" i="1" dirty="0">
+                <a:latin typeface="Arial" panose="020B0604020202020204" pitchFamily="34" charset="0"/>
+                <a:cs typeface="Arial" panose="020B0604020202020204" pitchFamily="34" charset="0"/>
+              </a:rPr>
               <a:t> r</a:t>
             </a:r>
             <a:r>
-              <a:rPr lang="ru-RU" dirty="0"/>
+              <a:rPr lang="ru-RU" i="1" dirty="0">
+                <a:latin typeface="Arial" panose="020B0604020202020204" pitchFamily="34" charset="0"/>
+                <a:cs typeface="Arial" panose="020B0604020202020204" pitchFamily="34" charset="0"/>
+              </a:rPr>
               <a:t>ᵢ</a:t>
             </a:r>
             <a:r>
-              <a:rPr lang="en-US" dirty="0"/>
+              <a:rPr lang="en-US" i="1" dirty="0">
+                <a:latin typeface="Arial" panose="020B0604020202020204" pitchFamily="34" charset="0"/>
+                <a:cs typeface="Arial" panose="020B0604020202020204" pitchFamily="34" charset="0"/>
+              </a:rPr>
               <a:t> x</a:t>
             </a:r>
             <a:r>
-              <a:rPr lang="ru-RU" dirty="0"/>
+              <a:rPr lang="ru-RU" i="1" dirty="0">
+                <a:latin typeface="Arial" panose="020B0604020202020204" pitchFamily="34" charset="0"/>
+                <a:cs typeface="Arial" panose="020B0604020202020204" pitchFamily="34" charset="0"/>
+              </a:rPr>
               <a:t>ᵢ</a:t>
             </a:r>
             <a:r>
-              <a:rPr lang="en-US" dirty="0"/>
+              <a:rPr lang="en-US" i="1" dirty="0">
+                <a:latin typeface="Arial" panose="020B0604020202020204" pitchFamily="34" charset="0"/>
+                <a:cs typeface="Arial" panose="020B0604020202020204" pitchFamily="34" charset="0"/>
+              </a:rPr>
               <a:t> </a:t>
             </a:r>
             <a:r>
-              <a:rPr lang="ru-RU" dirty="0" smtClean="0"/>
-              <a:t>по модулю 2 для битового вектора</a:t>
-            </a:r>
-            <a:r>
-              <a:rPr lang="en-US" dirty="0" smtClean="0"/>
+              <a:rPr lang="ru-RU" i="1" dirty="0" smtClean="0">
+                <a:latin typeface="Arial" panose="020B0604020202020204" pitchFamily="34" charset="0"/>
+                <a:cs typeface="Arial" panose="020B0604020202020204" pitchFamily="34" charset="0"/>
+              </a:rPr>
+              <a:t>по модулю 2 </a:t>
+            </a:r>
+            <a:r>
+              <a:rPr lang="ru-RU" dirty="0" smtClean="0">
+                <a:latin typeface="Arial" panose="020B0604020202020204" pitchFamily="34" charset="0"/>
+                <a:cs typeface="Arial" panose="020B0604020202020204" pitchFamily="34" charset="0"/>
+              </a:rPr>
+              <a:t>для битового вектора</a:t>
+            </a:r>
+            <a:r>
+              <a:rPr lang="en-US" dirty="0" smtClean="0">
+                <a:latin typeface="Arial" panose="020B0604020202020204" pitchFamily="34" charset="0"/>
+                <a:cs typeface="Arial" panose="020B0604020202020204" pitchFamily="34" charset="0"/>
+              </a:rPr>
               <a:t> </a:t>
             </a:r>
             <a:r>
-              <a:rPr lang="en-US" i="1" dirty="0"/>
+              <a:rPr lang="en-US" i="1" dirty="0">
+                <a:latin typeface="Arial" panose="020B0604020202020204" pitchFamily="34" charset="0"/>
+                <a:cs typeface="Arial" panose="020B0604020202020204" pitchFamily="34" charset="0"/>
+              </a:rPr>
               <a:t>r</a:t>
             </a:r>
             <a:r>
-              <a:rPr lang="en-US" dirty="0"/>
+              <a:rPr lang="en-US" dirty="0">
+                <a:latin typeface="Arial" panose="020B0604020202020204" pitchFamily="34" charset="0"/>
+                <a:cs typeface="Arial" panose="020B0604020202020204" pitchFamily="34" charset="0"/>
+              </a:rPr>
               <a:t> </a:t>
             </a:r>
             <a:r>
@@ -6541,71 +6644,122 @@
           </a:p>
           <a:p>
             <a:r>
-              <a:rPr lang="en-US" dirty="0" smtClean="0"/>
+              <a:rPr lang="en-US" i="1" dirty="0" smtClean="0">
+                <a:latin typeface="Arial" panose="020B0604020202020204" pitchFamily="34" charset="0"/>
+                <a:cs typeface="Arial" panose="020B0604020202020204" pitchFamily="34" charset="0"/>
+              </a:rPr>
               <a:t>f(x) </a:t>
             </a:r>
             <a:r>
-              <a:rPr lang="en-US" dirty="0"/>
+              <a:rPr lang="en-US" i="1" dirty="0">
+                <a:latin typeface="Arial" panose="020B0604020202020204" pitchFamily="34" charset="0"/>
+                <a:cs typeface="Arial" panose="020B0604020202020204" pitchFamily="34" charset="0"/>
+              </a:rPr>
               <a:t>= </a:t>
             </a:r>
             <a:r>
-              <a:rPr lang="ru-RU" dirty="0"/>
+              <a:rPr lang="ru-RU" i="1" dirty="0">
+                <a:latin typeface="Arial" panose="020B0604020202020204" pitchFamily="34" charset="0"/>
+                <a:cs typeface="Arial" panose="020B0604020202020204" pitchFamily="34" charset="0"/>
+              </a:rPr>
               <a:t>Σᵢ</a:t>
             </a:r>
             <a:r>
-              <a:rPr lang="en-US" dirty="0"/>
+              <a:rPr lang="en-US" i="1" dirty="0">
+                <a:latin typeface="Arial" panose="020B0604020202020204" pitchFamily="34" charset="0"/>
+                <a:cs typeface="Arial" panose="020B0604020202020204" pitchFamily="34" charset="0"/>
+              </a:rPr>
               <a:t> (r</a:t>
             </a:r>
             <a:r>
-              <a:rPr lang="ru-RU" dirty="0"/>
+              <a:rPr lang="ru-RU" i="1" dirty="0">
+                <a:latin typeface="Arial" panose="020B0604020202020204" pitchFamily="34" charset="0"/>
+                <a:cs typeface="Arial" panose="020B0604020202020204" pitchFamily="34" charset="0"/>
+              </a:rPr>
               <a:t>ᵢ</a:t>
             </a:r>
             <a:r>
-              <a:rPr lang="en-US" dirty="0"/>
+              <a:rPr lang="en-US" i="1" dirty="0">
+                <a:latin typeface="Arial" panose="020B0604020202020204" pitchFamily="34" charset="0"/>
+                <a:cs typeface="Arial" panose="020B0604020202020204" pitchFamily="34" charset="0"/>
+              </a:rPr>
               <a:t> x</a:t>
             </a:r>
             <a:r>
-              <a:rPr lang="ru-RU" dirty="0"/>
+              <a:rPr lang="ru-RU" i="1" dirty="0">
+                <a:latin typeface="Arial" panose="020B0604020202020204" pitchFamily="34" charset="0"/>
+                <a:cs typeface="Arial" panose="020B0604020202020204" pitchFamily="34" charset="0"/>
+              </a:rPr>
               <a:t>ᵢ</a:t>
             </a:r>
             <a:r>
-              <a:rPr lang="en-US" dirty="0"/>
+              <a:rPr lang="en-US" i="1" dirty="0">
+                <a:latin typeface="Arial" panose="020B0604020202020204" pitchFamily="34" charset="0"/>
+                <a:cs typeface="Arial" panose="020B0604020202020204" pitchFamily="34" charset="0"/>
+              </a:rPr>
               <a:t> + (1 - r</a:t>
             </a:r>
             <a:r>
-              <a:rPr lang="ru-RU" dirty="0"/>
+              <a:rPr lang="ru-RU" i="1" dirty="0">
+                <a:latin typeface="Arial" panose="020B0604020202020204" pitchFamily="34" charset="0"/>
+                <a:cs typeface="Arial" panose="020B0604020202020204" pitchFamily="34" charset="0"/>
+              </a:rPr>
               <a:t>ᵢ</a:t>
             </a:r>
             <a:r>
-              <a:rPr lang="en-US" dirty="0"/>
+              <a:rPr lang="en-US" i="1" dirty="0">
+                <a:latin typeface="Arial" panose="020B0604020202020204" pitchFamily="34" charset="0"/>
+                <a:cs typeface="Arial" panose="020B0604020202020204" pitchFamily="34" charset="0"/>
+              </a:rPr>
               <a:t>)(1 - x</a:t>
             </a:r>
             <a:r>
-              <a:rPr lang="ru-RU" dirty="0"/>
+              <a:rPr lang="ru-RU" i="1" dirty="0">
+                <a:latin typeface="Arial" panose="020B0604020202020204" pitchFamily="34" charset="0"/>
+                <a:cs typeface="Arial" panose="020B0604020202020204" pitchFamily="34" charset="0"/>
+              </a:rPr>
               <a:t>ᵢ</a:t>
             </a:r>
             <a:r>
-              <a:rPr lang="en-US" dirty="0"/>
+              <a:rPr lang="en-US" i="1" dirty="0">
+                <a:latin typeface="Arial" panose="020B0604020202020204" pitchFamily="34" charset="0"/>
+                <a:cs typeface="Arial" panose="020B0604020202020204" pitchFamily="34" charset="0"/>
+              </a:rPr>
               <a:t>)) </a:t>
             </a:r>
             <a:r>
-              <a:rPr lang="ru-RU" dirty="0" smtClean="0"/>
+              <a:rPr lang="ru-RU" i="1" dirty="0" smtClean="0">
+                <a:latin typeface="Arial" panose="020B0604020202020204" pitchFamily="34" charset="0"/>
+                <a:cs typeface="Arial" panose="020B0604020202020204" pitchFamily="34" charset="0"/>
+              </a:rPr>
               <a:t>по модулю 2 </a:t>
             </a:r>
             <a:r>
-              <a:rPr lang="ru-RU" dirty="0"/>
+              <a:rPr lang="ru-RU" dirty="0">
+                <a:latin typeface="Arial" panose="020B0604020202020204" pitchFamily="34" charset="0"/>
+                <a:cs typeface="Arial" panose="020B0604020202020204" pitchFamily="34" charset="0"/>
+              </a:rPr>
               <a:t>для битового вектора</a:t>
             </a:r>
             <a:r>
-              <a:rPr lang="en-US" dirty="0"/>
+              <a:rPr lang="en-US" dirty="0">
+                <a:latin typeface="Arial" panose="020B0604020202020204" pitchFamily="34" charset="0"/>
+                <a:cs typeface="Arial" panose="020B0604020202020204" pitchFamily="34" charset="0"/>
+              </a:rPr>
               <a:t> </a:t>
             </a:r>
             <a:r>
-              <a:rPr lang="en-US" i="1" dirty="0"/>
+              <a:rPr lang="en-US" i="1" dirty="0">
+                <a:latin typeface="Arial" panose="020B0604020202020204" pitchFamily="34" charset="0"/>
+                <a:cs typeface="Arial" panose="020B0604020202020204" pitchFamily="34" charset="0"/>
+              </a:rPr>
               <a:t>r</a:t>
             </a:r>
             <a:r>
-              <a:rPr lang="en-US" dirty="0"/>
+              <a:rPr lang="en-US" dirty="0">
+                <a:latin typeface="Arial" panose="020B0604020202020204" pitchFamily="34" charset="0"/>
+                <a:cs typeface="Arial" panose="020B0604020202020204" pitchFamily="34" charset="0"/>
+              </a:rPr>
               <a:t> </a:t>
             </a:r>
             <a:r>
@@ -6657,63 +6811,122 @@
           </a:p>
           <a:p>
             <a:r>
-              <a:rPr lang="en-US" dirty="0" smtClean="0"/>
+              <a:rPr lang="en-US" dirty="0" smtClean="0">
+                <a:latin typeface="Arial" panose="020B0604020202020204" pitchFamily="34" charset="0"/>
+                <a:cs typeface="Arial" panose="020B0604020202020204" pitchFamily="34" charset="0"/>
+              </a:rPr>
               <a:t> </a:t>
             </a:r>
             <a:r>
-              <a:rPr lang="en-US" dirty="0"/>
+              <a:rPr lang="en-US" i="1" dirty="0">
+                <a:latin typeface="Arial" panose="020B0604020202020204" pitchFamily="34" charset="0"/>
+                <a:cs typeface="Arial" panose="020B0604020202020204" pitchFamily="34" charset="0"/>
+              </a:rPr>
               <a:t>f(x) = </a:t>
             </a:r>
             <a:r>
-              <a:rPr lang="ru-RU" dirty="0"/>
+              <a:rPr lang="ru-RU" i="1" dirty="0">
+                <a:latin typeface="Arial" panose="020B0604020202020204" pitchFamily="34" charset="0"/>
+                <a:cs typeface="Arial" panose="020B0604020202020204" pitchFamily="34" charset="0"/>
+              </a:rPr>
               <a:t>Σᵢ</a:t>
             </a:r>
             <a:r>
-              <a:rPr lang="en-US" dirty="0"/>
+              <a:rPr lang="en-US" i="1" dirty="0">
+                <a:latin typeface="Arial" panose="020B0604020202020204" pitchFamily="34" charset="0"/>
+                <a:cs typeface="Arial" panose="020B0604020202020204" pitchFamily="34" charset="0"/>
+              </a:rPr>
               <a:t> x</a:t>
             </a:r>
             <a:r>
-              <a:rPr lang="ru-RU" dirty="0"/>
+              <a:rPr lang="ru-RU" i="1" dirty="0">
+                <a:latin typeface="Arial" panose="020B0604020202020204" pitchFamily="34" charset="0"/>
+                <a:cs typeface="Arial" panose="020B0604020202020204" pitchFamily="34" charset="0"/>
+              </a:rPr>
               <a:t>ᵢ</a:t>
             </a:r>
             <a:r>
-              <a:rPr lang="en-US" dirty="0"/>
+              <a:rPr lang="en-US" i="1" dirty="0">
+                <a:latin typeface="Arial" panose="020B0604020202020204" pitchFamily="34" charset="0"/>
+                <a:cs typeface="Arial" panose="020B0604020202020204" pitchFamily="34" charset="0"/>
+              </a:rPr>
               <a:t> + (1 </a:t>
             </a:r>
             <a:r>
-              <a:rPr lang="ru-RU" dirty="0" smtClean="0"/>
+              <a:rPr lang="ru-RU" i="1" dirty="0" smtClean="0">
+                <a:latin typeface="Arial" panose="020B0604020202020204" pitchFamily="34" charset="0"/>
+                <a:cs typeface="Arial" panose="020B0604020202020204" pitchFamily="34" charset="0"/>
+              </a:rPr>
               <a:t>если префикс </a:t>
             </a:r>
             <a:r>
-              <a:rPr lang="en-US" dirty="0" smtClean="0"/>
+              <a:rPr lang="en-US" i="1" dirty="0" smtClean="0">
+                <a:latin typeface="Arial" panose="020B0604020202020204" pitchFamily="34" charset="0"/>
+                <a:cs typeface="Arial" panose="020B0604020202020204" pitchFamily="34" charset="0"/>
+              </a:rPr>
               <a:t>x </a:t>
             </a:r>
             <a:r>
-              <a:rPr lang="ru-RU" dirty="0" smtClean="0"/>
+              <a:rPr lang="ru-RU" i="1" dirty="0" smtClean="0">
+                <a:latin typeface="Arial" panose="020B0604020202020204" pitchFamily="34" charset="0"/>
+                <a:cs typeface="Arial" panose="020B0604020202020204" pitchFamily="34" charset="0"/>
+              </a:rPr>
               <a:t>равен вектору</a:t>
             </a:r>
             <a:r>
-              <a:rPr lang="en-US" dirty="0" smtClean="0"/>
+              <a:rPr lang="en-US" i="1" dirty="0" smtClean="0">
+                <a:latin typeface="Arial" panose="020B0604020202020204" pitchFamily="34" charset="0"/>
+                <a:cs typeface="Arial" panose="020B0604020202020204" pitchFamily="34" charset="0"/>
+              </a:rPr>
               <a:t>, </a:t>
             </a:r>
             <a:r>
-              <a:rPr lang="ru-RU" dirty="0" smtClean="0"/>
+              <a:rPr lang="ru-RU" i="1" dirty="0" smtClean="0">
+                <a:latin typeface="Arial" panose="020B0604020202020204" pitchFamily="34" charset="0"/>
+                <a:cs typeface="Arial" panose="020B0604020202020204" pitchFamily="34" charset="0"/>
+              </a:rPr>
               <a:t>и 0 если нет</a:t>
             </a:r>
             <a:r>
-              <a:rPr lang="en-US" dirty="0" smtClean="0"/>
+              <a:rPr lang="en-US" i="1" dirty="0" smtClean="0">
+                <a:latin typeface="Arial" panose="020B0604020202020204" pitchFamily="34" charset="0"/>
+                <a:cs typeface="Arial" panose="020B0604020202020204" pitchFamily="34" charset="0"/>
+              </a:rPr>
               <a:t>) </a:t>
             </a:r>
             <a:r>
-              <a:rPr lang="ru-RU" dirty="0" smtClean="0"/>
-              <a:t>по модулю 2</a:t>
-            </a:r>
-            <a:r>
-              <a:rPr lang="ru-RU" dirty="0"/>
+              <a:rPr lang="ru-RU" i="1" dirty="0" smtClean="0">
+                <a:latin typeface="Arial" panose="020B0604020202020204" pitchFamily="34" charset="0"/>
+                <a:cs typeface="Arial" panose="020B0604020202020204" pitchFamily="34" charset="0"/>
+              </a:rPr>
               <a:t/>
             </a:r>
             <a:br>
-              <a:rPr lang="ru-RU" dirty="0"/>
+              <a:rPr lang="ru-RU" i="1" dirty="0" smtClean="0">
+                <a:latin typeface="Arial" panose="020B0604020202020204" pitchFamily="34" charset="0"/>
+                <a:cs typeface="Arial" panose="020B0604020202020204" pitchFamily="34" charset="0"/>
+              </a:rPr>
+            </a:br>
+            <a:r>
+              <a:rPr lang="ru-RU" i="1" dirty="0" smtClean="0">
+                <a:latin typeface="Arial" panose="020B0604020202020204" pitchFamily="34" charset="0"/>
+                <a:cs typeface="Arial" panose="020B0604020202020204" pitchFamily="34" charset="0"/>
+              </a:rPr>
+              <a:t>по </a:t>
+            </a:r>
+            <a:r>
+              <a:rPr lang="ru-RU" i="1" dirty="0" smtClean="0">
+                <a:latin typeface="Arial" panose="020B0604020202020204" pitchFamily="34" charset="0"/>
+                <a:cs typeface="Arial" panose="020B0604020202020204" pitchFamily="34" charset="0"/>
+              </a:rPr>
+              <a:t>модулю 2</a:t>
+            </a:r>
+            <a:r>
+              <a:rPr lang="ru-RU" i="1" dirty="0"/>
+              <a:t/>
+            </a:r>
+            <a:br>
+              <a:rPr lang="ru-RU" i="1" dirty="0"/>
             </a:br>
             <a:r>
               <a:rPr lang="en-US" sz="1700" dirty="0" smtClean="0">
@@ -6754,55 +6967,114 @@
           </a:p>
           <a:p>
             <a:r>
-              <a:rPr lang="en-US" dirty="0" smtClean="0"/>
+              <a:rPr lang="en-US" dirty="0" smtClean="0">
+                <a:latin typeface="Arial" panose="020B0604020202020204" pitchFamily="34" charset="0"/>
+                <a:cs typeface="Arial" panose="020B0604020202020204" pitchFamily="34" charset="0"/>
+              </a:rPr>
               <a:t>f(x</a:t>
             </a:r>
             <a:r>
-              <a:rPr lang="en-US" dirty="0"/>
+              <a:rPr lang="en-US" dirty="0">
+                <a:latin typeface="Arial" panose="020B0604020202020204" pitchFamily="34" charset="0"/>
+                <a:cs typeface="Arial" panose="020B0604020202020204" pitchFamily="34" charset="0"/>
+              </a:rPr>
               <a:t>) = 1 </a:t>
             </a:r>
             <a:r>
-              <a:rPr lang="ru-RU" dirty="0" smtClean="0"/>
+              <a:rPr lang="ru-RU" dirty="0" smtClean="0">
+                <a:latin typeface="Arial" panose="020B0604020202020204" pitchFamily="34" charset="0"/>
+                <a:cs typeface="Arial" panose="020B0604020202020204" pitchFamily="34" charset="0"/>
+              </a:rPr>
               <a:t>если</a:t>
             </a:r>
             <a:r>
-              <a:rPr lang="en-US" dirty="0" smtClean="0"/>
+              <a:rPr lang="en-US" dirty="0" smtClean="0">
+                <a:latin typeface="Arial" panose="020B0604020202020204" pitchFamily="34" charset="0"/>
+                <a:cs typeface="Arial" panose="020B0604020202020204" pitchFamily="34" charset="0"/>
+              </a:rPr>
               <a:t> </a:t>
             </a:r>
             <a:r>
-              <a:rPr lang="en-US" dirty="0"/>
-              <a:t>x </a:t>
-            </a:r>
-            <a:r>
-              <a:rPr lang="ru-RU" dirty="0" smtClean="0"/>
+              <a:rPr lang="en-US" i="1" dirty="0">
+                <a:latin typeface="Arial" panose="020B0604020202020204" pitchFamily="34" charset="0"/>
+                <a:cs typeface="Arial" panose="020B0604020202020204" pitchFamily="34" charset="0"/>
+              </a:rPr>
+              <a:t>x</a:t>
+            </a:r>
+            <a:r>
+              <a:rPr lang="en-US" dirty="0">
+                <a:latin typeface="Arial" panose="020B0604020202020204" pitchFamily="34" charset="0"/>
+                <a:cs typeface="Arial" panose="020B0604020202020204" pitchFamily="34" charset="0"/>
+              </a:rPr>
+              <a:t> </a:t>
+            </a:r>
+            <a:r>
+              <a:rPr lang="ru-RU" dirty="0" smtClean="0">
+                <a:latin typeface="Arial" panose="020B0604020202020204" pitchFamily="34" charset="0"/>
+                <a:cs typeface="Arial" panose="020B0604020202020204" pitchFamily="34" charset="0"/>
+              </a:rPr>
               <a:t>имеет два или три бита</a:t>
             </a:r>
             <a:r>
-              <a:rPr lang="en-US" dirty="0"/>
+              <a:rPr lang="en-US" dirty="0">
+                <a:latin typeface="Arial" panose="020B0604020202020204" pitchFamily="34" charset="0"/>
+                <a:cs typeface="Arial" panose="020B0604020202020204" pitchFamily="34" charset="0"/>
+              </a:rPr>
               <a:t> (</a:t>
             </a:r>
             <a:r>
-              <a:rPr lang="ru-RU" dirty="0"/>
+              <a:rPr lang="ru-RU" dirty="0">
+                <a:latin typeface="Arial" panose="020B0604020202020204" pitchFamily="34" charset="0"/>
+                <a:cs typeface="Arial" panose="020B0604020202020204" pitchFamily="34" charset="0"/>
+              </a:rPr>
               <a:t>из трех</a:t>
             </a:r>
             <a:r>
-              <a:rPr lang="en-US" dirty="0"/>
+              <a:rPr lang="en-US" dirty="0" smtClean="0">
+                <a:latin typeface="Arial" panose="020B0604020202020204" pitchFamily="34" charset="0"/>
+                <a:cs typeface="Arial" panose="020B0604020202020204" pitchFamily="34" charset="0"/>
+              </a:rPr>
               <a:t>)</a:t>
             </a:r>
             <a:r>
-              <a:rPr lang="ru-RU" dirty="0" smtClean="0"/>
-              <a:t> установленных</a:t>
-            </a:r>
-            <a:r>
-              <a:rPr lang="en-US" dirty="0" smtClean="0"/>
+              <a:rPr lang="ru-RU" dirty="0" smtClean="0">
+                <a:latin typeface="Arial" panose="020B0604020202020204" pitchFamily="34" charset="0"/>
+                <a:cs typeface="Arial" panose="020B0604020202020204" pitchFamily="34" charset="0"/>
+              </a:rPr>
+              <a:t/>
+            </a:r>
+            <a:br>
+              <a:rPr lang="ru-RU" dirty="0" smtClean="0">
+                <a:latin typeface="Arial" panose="020B0604020202020204" pitchFamily="34" charset="0"/>
+                <a:cs typeface="Arial" panose="020B0604020202020204" pitchFamily="34" charset="0"/>
+              </a:rPr>
+            </a:br>
+            <a:r>
+              <a:rPr lang="ru-RU" dirty="0" smtClean="0">
+                <a:latin typeface="Arial" panose="020B0604020202020204" pitchFamily="34" charset="0"/>
+                <a:cs typeface="Arial" panose="020B0604020202020204" pitchFamily="34" charset="0"/>
+              </a:rPr>
+              <a:t>установленных</a:t>
+            </a:r>
+            <a:r>
+              <a:rPr lang="en-US" dirty="0" smtClean="0">
+                <a:latin typeface="Arial" panose="020B0604020202020204" pitchFamily="34" charset="0"/>
+                <a:cs typeface="Arial" panose="020B0604020202020204" pitchFamily="34" charset="0"/>
+              </a:rPr>
               <a:t> </a:t>
             </a:r>
             <a:r>
-              <a:rPr lang="ru-RU" dirty="0" smtClean="0"/>
+              <a:rPr lang="ru-RU" dirty="0" smtClean="0">
+                <a:latin typeface="Arial" panose="020B0604020202020204" pitchFamily="34" charset="0"/>
+                <a:cs typeface="Arial" panose="020B0604020202020204" pitchFamily="34" charset="0"/>
+              </a:rPr>
               <a:t>в </a:t>
             </a:r>
             <a:r>
-              <a:rPr lang="en-US" dirty="0" smtClean="0"/>
+              <a:rPr lang="en-US" i="1" dirty="0" smtClean="0">
+                <a:latin typeface="Arial" panose="020B0604020202020204" pitchFamily="34" charset="0"/>
+                <a:cs typeface="Arial" panose="020B0604020202020204" pitchFamily="34" charset="0"/>
+              </a:rPr>
               <a:t>1</a:t>
             </a:r>
             <a:r>
@@ -7012,7 +7284,7 @@
                                 <m:sSupPr>
                                   <m:ctrlPr>
                                     <a:rPr lang="en-US" b="0" i="1" smtClean="0">
-                                      <a:latin typeface="Cambria Math"/>
+                                      <a:latin typeface="Cambria Math" panose="02040503050406030204" pitchFamily="18" charset="0"/>
                                     </a:rPr>
                                   </m:ctrlPr>
                                 </m:sSupPr>
@@ -7098,7 +7370,7 @@
                                 <m:fPr>
                                   <m:ctrlPr>
                                     <a:rPr lang="en-US" i="1" smtClean="0">
-                                      <a:latin typeface="Cambria Math"/>
+                                      <a:latin typeface="Cambria Math" panose="02040503050406030204" pitchFamily="18" charset="0"/>
                                     </a:rPr>
                                   </m:ctrlPr>
                                 </m:fPr>
@@ -7281,7 +7553,7 @@
                                         <a:schemeClr val="dk1"/>
                                       </a:solidFill>
                                       <a:effectLst/>
-                                      <a:latin typeface="Cambria Math"/>
+                                      <a:latin typeface="Cambria Math" panose="02040503050406030204" pitchFamily="18" charset="0"/>
                                       <a:ea typeface="+mn-ea"/>
                                       <a:cs typeface="+mn-cs"/>
                                     </a:rPr>
@@ -7310,7 +7582,7 @@
                                             <a:schemeClr val="dk1"/>
                                           </a:solidFill>
                                           <a:effectLst/>
-                                          <a:latin typeface="Cambria Math"/>
+                                          <a:latin typeface="Cambria Math" panose="02040503050406030204" pitchFamily="18" charset="0"/>
                                           <a:ea typeface="+mn-ea"/>
                                           <a:cs typeface="+mn-cs"/>
                                         </a:rPr>
@@ -7445,7 +7717,7 @@
                                 <m:sSupPr>
                                   <m:ctrlPr>
                                     <a:rPr lang="en-US" i="1" smtClean="0">
-                                      <a:latin typeface="Cambria Math"/>
+                                      <a:latin typeface="Cambria Math" panose="02040503050406030204" pitchFamily="18" charset="0"/>
                                     </a:rPr>
                                   </m:ctrlPr>
                                 </m:sSupPr>
@@ -7460,7 +7732,7 @@
                                     <m:fPr>
                                       <m:ctrlPr>
                                         <a:rPr lang="en-US" i="1" smtClean="0">
-                                          <a:latin typeface="Cambria Math"/>
+                                          <a:latin typeface="Cambria Math" panose="02040503050406030204" pitchFamily="18" charset="0"/>
                                         </a:rPr>
                                       </m:ctrlPr>
                                     </m:fPr>
@@ -7491,7 +7763,7 @@
                                     <m:funcPr>
                                       <m:ctrlPr>
                                         <a:rPr lang="en-US" b="0" i="1" smtClean="0">
-                                          <a:latin typeface="Cambria Math"/>
+                                          <a:latin typeface="Cambria Math" panose="02040503050406030204" pitchFamily="18" charset="0"/>
                                         </a:rPr>
                                       </m:ctrlPr>
                                     </m:funcPr>
@@ -7524,7 +7796,7 @@
                                     <m:fPr>
                                       <m:ctrlPr>
                                         <a:rPr lang="en-US" i="1" smtClean="0">
-                                          <a:latin typeface="Cambria Math"/>
+                                          <a:latin typeface="Cambria Math" panose="02040503050406030204" pitchFamily="18" charset="0"/>
                                         </a:rPr>
                                       </m:ctrlPr>
                                     </m:fPr>
@@ -7562,7 +7834,7 @@
                                 <m:sSupPr>
                                   <m:ctrlPr>
                                     <a:rPr lang="en-US" i="1" dirty="0" smtClean="0">
-                                      <a:latin typeface="Cambria Math"/>
+                                      <a:latin typeface="Cambria Math" panose="02040503050406030204" pitchFamily="18" charset="0"/>
                                     </a:rPr>
                                   </m:ctrlPr>
                                 </m:sSupPr>
@@ -7571,7 +7843,7 @@
                                     <m:funcPr>
                                       <m:ctrlPr>
                                         <a:rPr lang="en-US" i="1" smtClean="0">
-                                          <a:latin typeface="Cambria Math"/>
+                                          <a:latin typeface="Cambria Math" panose="02040503050406030204" pitchFamily="18" charset="0"/>
                                         </a:rPr>
                                       </m:ctrlPr>
                                     </m:funcPr>
@@ -7588,7 +7860,7 @@
                                         <m:funcPr>
                                           <m:ctrlPr>
                                             <a:rPr lang="en-US" i="1" smtClean="0">
-                                              <a:latin typeface="Cambria Math"/>
+                                              <a:latin typeface="Cambria Math" panose="02040503050406030204" pitchFamily="18" charset="0"/>
                                             </a:rPr>
                                           </m:ctrlPr>
                                         </m:funcPr>
@@ -7617,7 +7889,7 @@
                                     <m:fPr>
                                       <m:ctrlPr>
                                         <a:rPr lang="en-US" i="1" dirty="0" smtClean="0">
-                                          <a:latin typeface="Cambria Math"/>
+                                          <a:latin typeface="Cambria Math" panose="02040503050406030204" pitchFamily="18" charset="0"/>
                                         </a:rPr>
                                       </m:ctrlPr>
                                     </m:fPr>
@@ -7771,7 +8043,7 @@
                                 <m:funcPr>
                                   <m:ctrlPr>
                                     <a:rPr lang="en-US" i="1" smtClean="0">
-                                      <a:latin typeface="Cambria Math"/>
+                                      <a:latin typeface="Cambria Math" panose="02040503050406030204" pitchFamily="18" charset="0"/>
                                     </a:rPr>
                                   </m:ctrlPr>
                                 </m:funcPr>
@@ -7796,7 +8068,7 @@
                                 <m:sSupPr>
                                   <m:ctrlPr>
                                     <a:rPr lang="en-US" i="1" smtClean="0">
-                                      <a:latin typeface="Cambria Math"/>
+                                      <a:latin typeface="Cambria Math" panose="02040503050406030204" pitchFamily="18" charset="0"/>
                                     </a:rPr>
                                   </m:ctrlPr>
                                 </m:sSupPr>
@@ -7890,7 +8162,7 @@
                                 <m:sSupPr>
                                   <m:ctrlPr>
                                     <a:rPr lang="ru-RU" i="1" smtClean="0">
-                                      <a:latin typeface="Cambria Math"/>
+                                      <a:latin typeface="Cambria Math" panose="02040503050406030204" pitchFamily="18" charset="0"/>
                                     </a:rPr>
                                   </m:ctrlPr>
                                 </m:sSupPr>
@@ -8903,45 +9175,11 @@
               <a:t>Продолжение процесса </a:t>
             </a:r>
             <a:r>
-              <a:rPr lang="ru-RU" dirty="0">
-                <a:latin typeface="Arial" panose="020B0604020202020204" pitchFamily="34" charset="0"/>
-                <a:cs typeface="Arial" panose="020B0604020202020204" pitchFamily="34" charset="0"/>
-              </a:rPr>
-              <a:t>миниатюризации, который сделал современные компьютеры мощными и </a:t>
-            </a:r>
-            <a:r>
               <a:rPr lang="ru-RU" dirty="0" smtClean="0">
                 <a:latin typeface="Arial" panose="020B0604020202020204" pitchFamily="34" charset="0"/>
                 <a:cs typeface="Arial" panose="020B0604020202020204" pitchFamily="34" charset="0"/>
               </a:rPr>
-              <a:t>дешевым и</a:t>
-            </a:r>
-            <a:br>
-              <a:rPr lang="ru-RU" dirty="0" smtClean="0">
-                <a:latin typeface="Arial" panose="020B0604020202020204" pitchFamily="34" charset="0"/>
-                <a:cs typeface="Arial" panose="020B0604020202020204" pitchFamily="34" charset="0"/>
-              </a:rPr>
-            </a:br>
-            <a:r>
-              <a:rPr lang="ru-RU" dirty="0" smtClean="0">
-                <a:latin typeface="Arial" panose="020B0604020202020204" pitchFamily="34" charset="0"/>
-                <a:cs typeface="Arial" panose="020B0604020202020204" pitchFamily="34" charset="0"/>
-              </a:rPr>
-              <a:t>практически </a:t>
-            </a:r>
-            <a:r>
-              <a:rPr lang="ru-RU" dirty="0">
-                <a:latin typeface="Arial" panose="020B0604020202020204" pitchFamily="34" charset="0"/>
-                <a:cs typeface="Arial" panose="020B0604020202020204" pitchFamily="34" charset="0"/>
-              </a:rPr>
-              <a:t>достиг </a:t>
-            </a:r>
-            <a:r>
-              <a:rPr lang="ru-RU" dirty="0" smtClean="0">
-                <a:latin typeface="Arial" panose="020B0604020202020204" pitchFamily="34" charset="0"/>
-                <a:cs typeface="Arial" panose="020B0604020202020204" pitchFamily="34" charset="0"/>
-              </a:rPr>
-              <a:t>микроуровней</a:t>
+              <a:t>миниатюризации</a:t>
             </a:r>
             <a:r>
               <a:rPr lang="en-US" dirty="0" smtClean="0">
@@ -9018,21 +9256,22 @@
                 <a:latin typeface="Arial" panose="020B0604020202020204" pitchFamily="34" charset="0"/>
                 <a:cs typeface="Arial" panose="020B0604020202020204" pitchFamily="34" charset="0"/>
               </a:rPr>
-              <a:t>и ограничения самого допустимо-сильного вычислительного устройства, которое может позволить нам </a:t>
+              <a:t>и ограничения самого допустимо-сильного вычислительного </a:t>
             </a:r>
             <a:r>
               <a:rPr lang="ru-RU" dirty="0" smtClean="0">
                 <a:latin typeface="Arial" panose="020B0604020202020204" pitchFamily="34" charset="0"/>
                 <a:cs typeface="Arial" panose="020B0604020202020204" pitchFamily="34" charset="0"/>
               </a:rPr>
-              <a:t>природа.</a:t>
-            </a:r>
-            <a:endParaRPr lang="ru-RU" dirty="0">
-              <a:latin typeface="Arial" panose="020B0604020202020204" pitchFamily="34" charset="0"/>
-              <a:cs typeface="Arial" panose="020B0604020202020204" pitchFamily="34" charset="0"/>
-            </a:endParaRPr>
-          </a:p>
-          <a:p>
+              <a:t>устройства</a:t>
+            </a:r>
+            <a:r>
+              <a:rPr lang="en-US" dirty="0" smtClean="0">
+                <a:latin typeface="Arial" panose="020B0604020202020204" pitchFamily="34" charset="0"/>
+                <a:cs typeface="Arial" panose="020B0604020202020204" pitchFamily="34" charset="0"/>
+              </a:rPr>
+              <a:t>.</a:t>
+            </a:r>
             <a:endParaRPr lang="ru-RU" dirty="0"/>
           </a:p>
         </p:txBody>
@@ -10243,7 +10482,14 @@
                 <a:latin typeface="Arial" panose="020B0604020202020204" pitchFamily="34" charset="0"/>
                 <a:cs typeface="Arial" panose="020B0604020202020204" pitchFamily="34" charset="0"/>
               </a:rPr>
-              <a:t>Гб;</a:t>
+              <a:t>Гб</a:t>
+            </a:r>
+            <a:r>
+              <a:rPr lang="en-US" sz="2400" dirty="0">
+                <a:latin typeface="Arial" panose="020B0604020202020204" pitchFamily="34" charset="0"/>
+                <a:cs typeface="Arial" panose="020B0604020202020204" pitchFamily="34" charset="0"/>
+              </a:rPr>
+              <a:t>.</a:t>
             </a:r>
             <a:endParaRPr lang="ru-RU" sz="2400" dirty="0">
               <a:latin typeface="Arial" panose="020B0604020202020204" pitchFamily="34" charset="0"/>
@@ -10966,10 +11212,10 @@
   <a:themeElements>
     <a:clrScheme name="Стандартная">
       <a:dk1>
-        <a:sysClr val="windowText" lastClr="2C2C2C"/>
+        <a:sysClr val="windowText" lastClr="000000"/>
       </a:dk1>
       <a:lt1>
-        <a:sysClr val="window" lastClr="DEDEDE"/>
+        <a:sysClr val="window" lastClr="FFFFFF"/>
       </a:lt1>
       <a:dk2>
         <a:srgbClr val="44546A"/>
@@ -11216,7 +11462,7 @@
   <a:extraClrSchemeLst/>
   <a:extLst>
     <a:ext uri="{05A4C25C-085E-4340-85A3-A5531E510DB2}">
-      <thm15:themeFamily xmlns:thm15="http://schemas.microsoft.com/office/thememl/2012/main" xmlns="" name="Office Theme" id="{62F939B6-93AF-4DB8-9C6B-D6C7DFDC589F}" vid="{4A3C46E8-61CC-4603-A589-7422A47A8E4A}"/>
+      <thm15:themeFamily xmlns:thm15="http://schemas.microsoft.com/office/thememl/2012/main" name="Office Theme" id="{62F939B6-93AF-4DB8-9C6B-D6C7DFDC589F}" vid="{4A3C46E8-61CC-4603-A589-7422A47A8E4A}"/>
     </a:ext>
   </a:extLst>
 </a:theme>
@@ -11227,10 +11473,10 @@
   <a:themeElements>
     <a:clrScheme name="Стандартная">
       <a:dk1>
-        <a:sysClr val="windowText" lastClr="2C2C2C"/>
+        <a:sysClr val="windowText" lastClr="000000"/>
       </a:dk1>
       <a:lt1>
-        <a:sysClr val="window" lastClr="DEDEDE"/>
+        <a:sysClr val="window" lastClr="FFFFFF"/>
       </a:lt1>
       <a:dk2>
         <a:srgbClr val="44546A"/>
@@ -11477,7 +11723,7 @@
   <a:extraClrSchemeLst/>
   <a:extLst>
     <a:ext uri="{05A4C25C-085E-4340-85A3-A5531E510DB2}">
-      <thm15:themeFamily xmlns:thm15="http://schemas.microsoft.com/office/thememl/2012/main" xmlns="" name="Office Theme" id="{62F939B6-93AF-4DB8-9C6B-D6C7DFDC589F}" vid="{4A3C46E8-61CC-4603-A589-7422A47A8E4A}"/>
+      <thm15:themeFamily xmlns:thm15="http://schemas.microsoft.com/office/thememl/2012/main" name="Office Theme" id="{62F939B6-93AF-4DB8-9C6B-D6C7DFDC589F}" vid="{4A3C46E8-61CC-4603-A589-7422A47A8E4A}"/>
     </a:ext>
   </a:extLst>
 </a:theme>

--- a/Черниговских 2к 14гр.pptx
+++ b/Черниговских 2к 14гр.pptx
@@ -126,7 +126,7 @@
   </p:defaultTextStyle>
   <p:extLst>
     <p:ext uri="{EFAFB233-063F-42B5-8137-9DF3F51BA10A}">
-      <p15:sldGuideLst xmlns:p15="http://schemas.microsoft.com/office/powerpoint/2012/main">
+      <p15:sldGuideLst xmlns:p15="http://schemas.microsoft.com/office/powerpoint/2012/main" xmlns="">
         <p15:guide id="1" orient="horz" pos="2160">
           <p15:clr>
             <a:srgbClr val="A4A3A4"/>
@@ -225,7 +225,7 @@
           <a:p>
             <a:fld id="{2946843A-35D9-4BF0-8BAE-64F1E98BC786}" type="datetimeFigureOut">
               <a:rPr lang="ru-RU" smtClean="0"/>
-              <a:t>14.06.2019</a:t>
+              <a:t>15.06.2019</a:t>
             </a:fld>
             <a:endParaRPr lang="ru-RU"/>
           </a:p>
@@ -792,7 +792,7 @@
           <a:p>
             <a:fld id="{BCA46830-E682-405C-8364-0C9541E639DF}" type="datetime1">
               <a:rPr lang="ru-RU" smtClean="0"/>
-              <a:t>14.06.2019</a:t>
+              <a:t>15.06.2019</a:t>
             </a:fld>
             <a:endParaRPr lang="ru-RU"/>
           </a:p>
@@ -962,7 +962,7 @@
           <a:p>
             <a:fld id="{3E44BB8C-CB05-479D-8CEA-872765ADD396}" type="datetime1">
               <a:rPr lang="ru-RU" smtClean="0"/>
-              <a:t>14.06.2019</a:t>
+              <a:t>15.06.2019</a:t>
             </a:fld>
             <a:endParaRPr lang="ru-RU"/>
           </a:p>
@@ -1142,7 +1142,7 @@
           <a:p>
             <a:fld id="{B4E89E9D-2A67-4B46-84B4-9A88CD3E91F3}" type="datetime1">
               <a:rPr lang="ru-RU" smtClean="0"/>
-              <a:t>14.06.2019</a:t>
+              <a:t>15.06.2019</a:t>
             </a:fld>
             <a:endParaRPr lang="ru-RU"/>
           </a:p>
@@ -1312,7 +1312,7 @@
           <a:p>
             <a:fld id="{E3505345-DD1D-40F9-B05D-80736C9A64BE}" type="datetime1">
               <a:rPr lang="ru-RU" smtClean="0"/>
-              <a:t>14.06.2019</a:t>
+              <a:t>15.06.2019</a:t>
             </a:fld>
             <a:endParaRPr lang="ru-RU"/>
           </a:p>
@@ -1558,7 +1558,7 @@
           <a:p>
             <a:fld id="{59EE47BA-54A9-4DFA-A58A-0556F2F6BBF3}" type="datetime1">
               <a:rPr lang="ru-RU" smtClean="0"/>
-              <a:t>14.06.2019</a:t>
+              <a:t>15.06.2019</a:t>
             </a:fld>
             <a:endParaRPr lang="ru-RU"/>
           </a:p>
@@ -1790,7 +1790,7 @@
           <a:p>
             <a:fld id="{976D76BB-ADA0-4F80-9D28-2566A92BA848}" type="datetime1">
               <a:rPr lang="ru-RU" smtClean="0"/>
-              <a:t>14.06.2019</a:t>
+              <a:t>15.06.2019</a:t>
             </a:fld>
             <a:endParaRPr lang="ru-RU"/>
           </a:p>
@@ -2157,7 +2157,7 @@
           <a:p>
             <a:fld id="{95DE2552-BD6E-4AD4-BAD1-EC0578C01B0B}" type="datetime1">
               <a:rPr lang="ru-RU" smtClean="0"/>
-              <a:t>14.06.2019</a:t>
+              <a:t>15.06.2019</a:t>
             </a:fld>
             <a:endParaRPr lang="ru-RU"/>
           </a:p>
@@ -2275,7 +2275,7 @@
           <a:p>
             <a:fld id="{02E396A1-89C2-4BBE-AB5B-B0CB8942B161}" type="datetime1">
               <a:rPr lang="ru-RU" smtClean="0"/>
-              <a:t>14.06.2019</a:t>
+              <a:t>15.06.2019</a:t>
             </a:fld>
             <a:endParaRPr lang="ru-RU"/>
           </a:p>
@@ -2370,7 +2370,7 @@
           <a:p>
             <a:fld id="{956BDFD6-CB9C-4C9A-9A46-77F5F3732A82}" type="datetime1">
               <a:rPr lang="ru-RU" smtClean="0"/>
-              <a:t>14.06.2019</a:t>
+              <a:t>15.06.2019</a:t>
             </a:fld>
             <a:endParaRPr lang="ru-RU"/>
           </a:p>
@@ -2647,7 +2647,7 @@
           <a:p>
             <a:fld id="{7EEFFDAA-0F05-4D26-AB82-65ABB6376715}" type="datetime1">
               <a:rPr lang="ru-RU" smtClean="0"/>
-              <a:t>14.06.2019</a:t>
+              <a:t>15.06.2019</a:t>
             </a:fld>
             <a:endParaRPr lang="ru-RU"/>
           </a:p>
@@ -2900,7 +2900,7 @@
           <a:p>
             <a:fld id="{058A3315-5A26-493E-90F4-99CDED3D5A99}" type="datetime1">
               <a:rPr lang="ru-RU" smtClean="0"/>
-              <a:t>14.06.2019</a:t>
+              <a:t>15.06.2019</a:t>
             </a:fld>
             <a:endParaRPr lang="ru-RU"/>
           </a:p>
@@ -3113,7 +3113,7 @@
           <a:p>
             <a:fld id="{14311CDF-AC48-44CB-A4FA-2A9648FE0477}" type="datetime1">
               <a:rPr lang="ru-RU" smtClean="0"/>
-              <a:t>14.06.2019</a:t>
+              <a:t>15.06.2019</a:t>
             </a:fld>
             <a:endParaRPr lang="ru-RU"/>
           </a:p>
@@ -3848,8 +3848,8 @@
           </a:p>
         </p:txBody>
       </p:sp>
-      <mc:AlternateContent xmlns:mc="http://schemas.openxmlformats.org/markup-compatibility/2006">
-        <mc:Choice xmlns:a14="http://schemas.microsoft.com/office/drawing/2010/main" Requires="a14">
+      <mc:AlternateContent xmlns:mc="http://schemas.openxmlformats.org/markup-compatibility/2006" xmlns:a14="http://schemas.microsoft.com/office/drawing/2010/main">
+        <mc:Choice Requires="a14">
           <p:sp>
             <p:nvSpPr>
               <p:cNvPr id="3" name="Объект 2"/>
@@ -4032,7 +4032,7 @@
                       <m:sSupPr>
                         <m:ctrlPr>
                           <a:rPr lang="ru-RU" i="1" dirty="0" smtClean="0">
-                            <a:latin typeface="Cambria Math" panose="02040503050406030204" pitchFamily="18" charset="0"/>
+                            <a:latin typeface="Cambria Math"/>
                           </a:rPr>
                         </m:ctrlPr>
                       </m:sSupPr>
@@ -4187,7 +4187,7 @@
             </p:txBody>
           </p:sp>
         </mc:Choice>
-        <mc:Fallback>
+        <mc:Fallback xmlns="">
           <p:sp>
             <p:nvSpPr>
               <p:cNvPr id="3" name="Объект 2"/>
@@ -4237,10 +4237,10 @@
           <a:lstStyle/>
           <a:p>
             <a:fld id="{ADDC721D-FED4-4080-8955-62676588A2D9}" type="slidenum">
-              <a:rPr lang="ru-RU" smtClean="0"/>
+              <a:rPr lang="ru-RU" sz="2800" smtClean="0"/>
               <a:t>10</a:t>
             </a:fld>
-            <a:endParaRPr lang="ru-RU"/>
+            <a:endParaRPr lang="ru-RU" sz="2800" dirty="0"/>
           </a:p>
         </p:txBody>
       </p:sp>
@@ -4354,10 +4354,10 @@
           <a:lstStyle/>
           <a:p>
             <a:fld id="{ADDC721D-FED4-4080-8955-62676588A2D9}" type="slidenum">
-              <a:rPr lang="ru-RU" smtClean="0"/>
+              <a:rPr lang="ru-RU" sz="2800" smtClean="0"/>
               <a:t>11</a:t>
             </a:fld>
-            <a:endParaRPr lang="ru-RU"/>
+            <a:endParaRPr lang="ru-RU" sz="2800" dirty="0"/>
           </a:p>
         </p:txBody>
       </p:sp>
@@ -4437,8 +4437,8 @@
           </a:p>
         </p:txBody>
       </p:sp>
-      <mc:AlternateContent xmlns:mc="http://schemas.openxmlformats.org/markup-compatibility/2006">
-        <mc:Choice xmlns:a14="http://schemas.microsoft.com/office/drawing/2010/main" Requires="a14">
+      <mc:AlternateContent xmlns:mc="http://schemas.openxmlformats.org/markup-compatibility/2006" xmlns:a14="http://schemas.microsoft.com/office/drawing/2010/main">
+        <mc:Choice Requires="a14">
           <p:sp>
             <p:nvSpPr>
               <p:cNvPr id="4" name="Объект 3"/>
@@ -4543,7 +4543,7 @@
                         <m:degHide m:val="on"/>
                         <m:ctrlPr>
                           <a:rPr lang="ru-RU" i="1" smtClean="0">
-                            <a:latin typeface="Cambria Math" panose="02040503050406030204" pitchFamily="18" charset="0"/>
+                            <a:latin typeface="Cambria Math"/>
                             <a:cs typeface="Arial" panose="020B0604020202020204" pitchFamily="34" charset="0"/>
                           </a:rPr>
                         </m:ctrlPr>
@@ -4865,7 +4865,7 @@
             </p:txBody>
           </p:sp>
         </mc:Choice>
-        <mc:Fallback>
+        <mc:Fallback xmlns="">
           <p:sp>
             <p:nvSpPr>
               <p:cNvPr id="4" name="Объект 3"/>
@@ -4915,10 +4915,10 @@
           <a:lstStyle/>
           <a:p>
             <a:fld id="{ADDC721D-FED4-4080-8955-62676588A2D9}" type="slidenum">
-              <a:rPr lang="ru-RU" smtClean="0"/>
+              <a:rPr lang="ru-RU" sz="2800" smtClean="0"/>
               <a:t>12</a:t>
             </a:fld>
-            <a:endParaRPr lang="ru-RU"/>
+            <a:endParaRPr lang="ru-RU" sz="2800" dirty="0"/>
           </a:p>
         </p:txBody>
       </p:sp>
@@ -5003,10 +5003,10 @@
           <a:lstStyle/>
           <a:p>
             <a:fld id="{ADDC721D-FED4-4080-8955-62676588A2D9}" type="slidenum">
-              <a:rPr lang="ru-RU" smtClean="0"/>
+              <a:rPr lang="ru-RU" sz="2800" smtClean="0"/>
               <a:t>13</a:t>
             </a:fld>
-            <a:endParaRPr lang="ru-RU"/>
+            <a:endParaRPr lang="ru-RU" sz="2800" dirty="0"/>
           </a:p>
         </p:txBody>
       </p:sp>
@@ -5200,7 +5200,7 @@
                       <m:sSupPr>
                         <m:ctrlPr>
                           <a:rPr lang="ru-RU" i="1" smtClean="0">
-                            <a:latin typeface="Cambria Math" panose="02040503050406030204" pitchFamily="18" charset="0"/>
+                            <a:latin typeface="Cambria Math"/>
                           </a:rPr>
                         </m:ctrlPr>
                       </m:sSupPr>
@@ -5384,7 +5384,7 @@
                       <m:funcPr>
                         <m:ctrlPr>
                           <a:rPr lang="en-US" i="1" smtClean="0">
-                            <a:latin typeface="Cambria Math" panose="02040503050406030204" pitchFamily="18" charset="0"/>
+                            <a:latin typeface="Cambria Math"/>
                           </a:rPr>
                         </m:ctrlPr>
                       </m:funcPr>
@@ -5409,7 +5409,7 @@
                       <m:sSupPr>
                         <m:ctrlPr>
                           <a:rPr lang="en-US" i="1" smtClean="0">
-                            <a:latin typeface="Cambria Math" panose="02040503050406030204" pitchFamily="18" charset="0"/>
+                            <a:latin typeface="Cambria Math"/>
                           </a:rPr>
                         </m:ctrlPr>
                       </m:sSupPr>
@@ -5475,7 +5475,7 @@
                       <m:sSupPr>
                         <m:ctrlPr>
                           <a:rPr lang="en-US" i="1">
-                            <a:latin typeface="Cambria Math" panose="02040503050406030204" pitchFamily="18" charset="0"/>
+                            <a:latin typeface="Cambria Math"/>
                           </a:rPr>
                         </m:ctrlPr>
                       </m:sSupPr>
@@ -5500,7 +5500,7 @@
                       <m:funcPr>
                         <m:ctrlPr>
                           <a:rPr lang="en-US" i="1">
-                            <a:latin typeface="Cambria Math" panose="02040503050406030204" pitchFamily="18" charset="0"/>
+                            <a:latin typeface="Cambria Math"/>
                           </a:rPr>
                         </m:ctrlPr>
                       </m:funcPr>
@@ -5579,7 +5579,7 @@
                       <m:funcPr>
                         <m:ctrlPr>
                           <a:rPr lang="en-US" i="1" dirty="0" smtClean="0">
-                            <a:latin typeface="Cambria Math" panose="02040503050406030204" pitchFamily="18" charset="0"/>
+                            <a:latin typeface="Cambria Math"/>
                           </a:rPr>
                         </m:ctrlPr>
                       </m:funcPr>
@@ -5659,7 +5659,7 @@
                         <m:degHide m:val="on"/>
                         <m:ctrlPr>
                           <a:rPr lang="en-US" i="1" smtClean="0">
-                            <a:latin typeface="Cambria Math" panose="02040503050406030204" pitchFamily="18" charset="0"/>
+                            <a:latin typeface="Cambria Math"/>
                           </a:rPr>
                         </m:ctrlPr>
                       </m:radPr>
@@ -5677,7 +5677,7 @@
                       <m:funcPr>
                         <m:ctrlPr>
                           <a:rPr lang="en-US" i="1" smtClean="0">
-                            <a:latin typeface="Cambria Math" panose="02040503050406030204" pitchFamily="18" charset="0"/>
+                            <a:latin typeface="Cambria Math"/>
                           </a:rPr>
                         </m:ctrlPr>
                       </m:funcPr>
@@ -5700,7 +5700,7 @@
                           <m:sSupPr>
                             <m:ctrlPr>
                               <a:rPr lang="en-US" b="0" i="1" smtClean="0">
-                                <a:latin typeface="Cambria Math" panose="02040503050406030204" pitchFamily="18" charset="0"/>
+                                <a:latin typeface="Cambria Math"/>
                               </a:rPr>
                             </m:ctrlPr>
                           </m:sSupPr>
@@ -5792,10 +5792,10 @@
           <a:lstStyle/>
           <a:p>
             <a:fld id="{ADDC721D-FED4-4080-8955-62676588A2D9}" type="slidenum">
-              <a:rPr lang="ru-RU" smtClean="0"/>
+              <a:rPr lang="ru-RU" sz="2800" smtClean="0"/>
               <a:t>14</a:t>
             </a:fld>
-            <a:endParaRPr lang="ru-RU"/>
+            <a:endParaRPr lang="ru-RU" sz="2800" dirty="0"/>
           </a:p>
         </p:txBody>
       </p:sp>
@@ -6229,14 +6229,7 @@
                 <a:latin typeface="Arial" panose="020B0604020202020204" pitchFamily="34" charset="0"/>
                 <a:cs typeface="Arial" panose="020B0604020202020204" pitchFamily="34" charset="0"/>
               </a:rPr>
-              <a:t> имеет </a:t>
-            </a:r>
-            <a:r>
-              <a:rPr lang="ru-RU" sz="5100" dirty="0" smtClean="0">
-                <a:latin typeface="Arial" panose="020B0604020202020204" pitchFamily="34" charset="0"/>
-                <a:cs typeface="Arial" panose="020B0604020202020204" pitchFamily="34" charset="0"/>
-              </a:rPr>
-              <a:t>четное число единиц, и </a:t>
+              <a:t> имеет четное число единиц, и </a:t>
             </a:r>
             <a:r>
               <a:rPr lang="ru-RU" sz="5100" i="1" dirty="0" smtClean="0">
@@ -6364,10 +6357,10 @@
           <a:lstStyle/>
           <a:p>
             <a:fld id="{ADDC721D-FED4-4080-8955-62676588A2D9}" type="slidenum">
-              <a:rPr lang="ru-RU" smtClean="0"/>
+              <a:rPr lang="ru-RU" sz="2800" smtClean="0"/>
               <a:t>15</a:t>
             </a:fld>
-            <a:endParaRPr lang="ru-RU"/>
+            <a:endParaRPr lang="ru-RU" sz="2800" dirty="0"/>
           </a:p>
         </p:txBody>
       </p:sp>
@@ -6912,14 +6905,7 @@
                 <a:latin typeface="Arial" panose="020B0604020202020204" pitchFamily="34" charset="0"/>
                 <a:cs typeface="Arial" panose="020B0604020202020204" pitchFamily="34" charset="0"/>
               </a:rPr>
-              <a:t>по </a:t>
-            </a:r>
-            <a:r>
-              <a:rPr lang="ru-RU" i="1" dirty="0" smtClean="0">
-                <a:latin typeface="Arial" panose="020B0604020202020204" pitchFamily="34" charset="0"/>
-                <a:cs typeface="Arial" panose="020B0604020202020204" pitchFamily="34" charset="0"/>
-              </a:rPr>
-              <a:t>модулю 2</a:t>
+              <a:t>по модулю 2</a:t>
             </a:r>
             <a:r>
               <a:rPr lang="ru-RU" i="1" dirty="0"/>
@@ -7131,10 +7117,10 @@
           <a:lstStyle/>
           <a:p>
             <a:fld id="{ADDC721D-FED4-4080-8955-62676588A2D9}" type="slidenum">
-              <a:rPr lang="ru-RU" smtClean="0"/>
+              <a:rPr lang="ru-RU" sz="2800" smtClean="0"/>
               <a:t>16</a:t>
             </a:fld>
-            <a:endParaRPr lang="ru-RU"/>
+            <a:endParaRPr lang="ru-RU" sz="2800" dirty="0"/>
           </a:p>
         </p:txBody>
       </p:sp>
@@ -7212,8 +7198,8 @@
           </a:p>
         </p:txBody>
       </p:sp>
-      <mc:AlternateContent xmlns:mc="http://schemas.openxmlformats.org/markup-compatibility/2006" xmlns:a14="http://schemas.microsoft.com/office/drawing/2010/main">
-        <mc:Choice Requires="a14">
+      <mc:AlternateContent xmlns:mc="http://schemas.openxmlformats.org/markup-compatibility/2006">
+        <mc:Choice xmlns:a14="http://schemas.microsoft.com/office/drawing/2010/main" Requires="a14">
           <p:graphicFrame>
             <p:nvGraphicFramePr>
               <p:cNvPr id="9" name="Объект 8"/>
@@ -7224,14 +7210,14 @@
                 <p:ph idx="1"/>
                 <p:extLst>
                   <p:ext uri="{D42A27DB-BD31-4B8C-83A1-F6EECF244321}">
-                    <p14:modId xmlns:p14="http://schemas.microsoft.com/office/powerpoint/2010/main" val="653472003"/>
+                    <p14:modId xmlns:p14="http://schemas.microsoft.com/office/powerpoint/2010/main" val="2509620571"/>
                   </p:ext>
                 </p:extLst>
               </p:nvPr>
             </p:nvGraphicFramePr>
             <p:xfrm>
-              <a:off x="2307737" y="1227438"/>
-              <a:ext cx="7504675" cy="5125703"/>
+              <a:off x="2248470" y="968621"/>
+              <a:ext cx="7504675" cy="5770846"/>
             </p:xfrm>
             <a:graphic>
               <a:graphicData uri="http://schemas.openxmlformats.org/drawingml/2006/table">
@@ -7243,6 +7229,50 @@
                     <a:gridCol w="4483312"/>
                     <a:gridCol w="3021363"/>
                   </a:tblGrid>
+                  <a:tr h="645143">
+                    <a:tc>
+                      <a:txBody>
+                        <a:bodyPr/>
+                        <a:lstStyle/>
+                        <a:p>
+                          <a:pPr algn="ctr"/>
+                          <a:r>
+                            <a:rPr lang="ru-RU" b="0" dirty="0" smtClean="0">
+                              <a:latin typeface="Arial" panose="020B0604020202020204" pitchFamily="34" charset="0"/>
+                              <a:cs typeface="Arial" panose="020B0604020202020204" pitchFamily="34" charset="0"/>
+                            </a:rPr>
+                            <a:t>Алгоритм</a:t>
+                          </a:r>
+                          <a:endParaRPr lang="ru-RU" b="0" dirty="0">
+                            <a:latin typeface="Arial" panose="020B0604020202020204" pitchFamily="34" charset="0"/>
+                            <a:cs typeface="Arial" panose="020B0604020202020204" pitchFamily="34" charset="0"/>
+                          </a:endParaRPr>
+                        </a:p>
+                      </a:txBody>
+                      <a:tcPr/>
+                    </a:tc>
+                    <a:tc>
+                      <a:txBody>
+                        <a:bodyPr/>
+                        <a:lstStyle/>
+                        <a:p>
+                          <a:pPr algn="ctr"/>
+                          <a:r>
+                            <a:rPr lang="ru-RU" b="0" i="0" dirty="0" smtClean="0">
+                              <a:latin typeface="Arial" panose="020B0604020202020204" pitchFamily="34" charset="0"/>
+                              <a:cs typeface="Arial" panose="020B0604020202020204" pitchFamily="34" charset="0"/>
+                            </a:rPr>
+                            <a:t>Оценка сложности</a:t>
+                          </a:r>
+                          <a:endParaRPr lang="ru-RU" b="0" i="0" dirty="0">
+                            <a:latin typeface="Arial" panose="020B0604020202020204" pitchFamily="34" charset="0"/>
+                            <a:cs typeface="Arial" panose="020B0604020202020204" pitchFamily="34" charset="0"/>
+                          </a:endParaRPr>
+                        </a:p>
+                      </a:txBody>
+                      <a:tcPr/>
+                    </a:tc>
+                  </a:tr>
                   <a:tr h="645143">
                     <a:tc>
                       <a:txBody>
@@ -7284,7 +7314,7 @@
                                 <m:sSupPr>
                                   <m:ctrlPr>
                                     <a:rPr lang="en-US" b="0" i="1" smtClean="0">
-                                      <a:latin typeface="Cambria Math" panose="02040503050406030204" pitchFamily="18" charset="0"/>
+                                      <a:latin typeface="Cambria Math"/>
                                     </a:rPr>
                                   </m:ctrlPr>
                                 </m:sSupPr>
@@ -7370,7 +7400,7 @@
                                 <m:fPr>
                                   <m:ctrlPr>
                                     <a:rPr lang="en-US" i="1" smtClean="0">
-                                      <a:latin typeface="Cambria Math" panose="02040503050406030204" pitchFamily="18" charset="0"/>
+                                      <a:latin typeface="Cambria Math"/>
                                     </a:rPr>
                                   </m:ctrlPr>
                                 </m:fPr>
@@ -7553,7 +7583,7 @@
                                         <a:schemeClr val="dk1"/>
                                       </a:solidFill>
                                       <a:effectLst/>
-                                      <a:latin typeface="Cambria Math" panose="02040503050406030204" pitchFamily="18" charset="0"/>
+                                      <a:latin typeface="Cambria Math"/>
                                       <a:ea typeface="+mn-ea"/>
                                       <a:cs typeface="+mn-cs"/>
                                     </a:rPr>
@@ -7582,7 +7612,7 @@
                                             <a:schemeClr val="dk1"/>
                                           </a:solidFill>
                                           <a:effectLst/>
-                                          <a:latin typeface="Cambria Math" panose="02040503050406030204" pitchFamily="18" charset="0"/>
+                                          <a:latin typeface="Cambria Math"/>
                                           <a:ea typeface="+mn-ea"/>
                                           <a:cs typeface="+mn-cs"/>
                                         </a:rPr>
@@ -7717,7 +7747,7 @@
                                 <m:sSupPr>
                                   <m:ctrlPr>
                                     <a:rPr lang="en-US" i="1" smtClean="0">
-                                      <a:latin typeface="Cambria Math" panose="02040503050406030204" pitchFamily="18" charset="0"/>
+                                      <a:latin typeface="Cambria Math"/>
                                     </a:rPr>
                                   </m:ctrlPr>
                                 </m:sSupPr>
@@ -7732,7 +7762,7 @@
                                     <m:fPr>
                                       <m:ctrlPr>
                                         <a:rPr lang="en-US" i="1" smtClean="0">
-                                          <a:latin typeface="Cambria Math" panose="02040503050406030204" pitchFamily="18" charset="0"/>
+                                          <a:latin typeface="Cambria Math"/>
                                         </a:rPr>
                                       </m:ctrlPr>
                                     </m:fPr>
@@ -7763,7 +7793,7 @@
                                     <m:funcPr>
                                       <m:ctrlPr>
                                         <a:rPr lang="en-US" b="0" i="1" smtClean="0">
-                                          <a:latin typeface="Cambria Math" panose="02040503050406030204" pitchFamily="18" charset="0"/>
+                                          <a:latin typeface="Cambria Math"/>
                                         </a:rPr>
                                       </m:ctrlPr>
                                     </m:funcPr>
@@ -7796,7 +7826,7 @@
                                     <m:fPr>
                                       <m:ctrlPr>
                                         <a:rPr lang="en-US" i="1" smtClean="0">
-                                          <a:latin typeface="Cambria Math" panose="02040503050406030204" pitchFamily="18" charset="0"/>
+                                          <a:latin typeface="Cambria Math"/>
                                         </a:rPr>
                                       </m:ctrlPr>
                                     </m:fPr>
@@ -7834,7 +7864,7 @@
                                 <m:sSupPr>
                                   <m:ctrlPr>
                                     <a:rPr lang="en-US" i="1" dirty="0" smtClean="0">
-                                      <a:latin typeface="Cambria Math" panose="02040503050406030204" pitchFamily="18" charset="0"/>
+                                      <a:latin typeface="Cambria Math"/>
                                     </a:rPr>
                                   </m:ctrlPr>
                                 </m:sSupPr>
@@ -7843,7 +7873,7 @@
                                     <m:funcPr>
                                       <m:ctrlPr>
                                         <a:rPr lang="en-US" i="1" smtClean="0">
-                                          <a:latin typeface="Cambria Math" panose="02040503050406030204" pitchFamily="18" charset="0"/>
+                                          <a:latin typeface="Cambria Math"/>
                                         </a:rPr>
                                       </m:ctrlPr>
                                     </m:funcPr>
@@ -7860,7 +7890,7 @@
                                         <m:funcPr>
                                           <m:ctrlPr>
                                             <a:rPr lang="en-US" i="1" smtClean="0">
-                                              <a:latin typeface="Cambria Math" panose="02040503050406030204" pitchFamily="18" charset="0"/>
+                                              <a:latin typeface="Cambria Math"/>
                                             </a:rPr>
                                           </m:ctrlPr>
                                         </m:funcPr>
@@ -7889,7 +7919,7 @@
                                     <m:fPr>
                                       <m:ctrlPr>
                                         <a:rPr lang="en-US" i="1" dirty="0" smtClean="0">
-                                          <a:latin typeface="Cambria Math" panose="02040503050406030204" pitchFamily="18" charset="0"/>
+                                          <a:latin typeface="Cambria Math"/>
                                         </a:rPr>
                                       </m:ctrlPr>
                                     </m:fPr>
@@ -8043,7 +8073,7 @@
                                 <m:funcPr>
                                   <m:ctrlPr>
                                     <a:rPr lang="en-US" i="1" smtClean="0">
-                                      <a:latin typeface="Cambria Math" panose="02040503050406030204" pitchFamily="18" charset="0"/>
+                                      <a:latin typeface="Cambria Math"/>
                                     </a:rPr>
                                   </m:ctrlPr>
                                 </m:funcPr>
@@ -8068,7 +8098,7 @@
                                 <m:sSupPr>
                                   <m:ctrlPr>
                                     <a:rPr lang="en-US" i="1" smtClean="0">
-                                      <a:latin typeface="Cambria Math" panose="02040503050406030204" pitchFamily="18" charset="0"/>
+                                      <a:latin typeface="Cambria Math"/>
                                     </a:rPr>
                                   </m:ctrlPr>
                                 </m:sSupPr>
@@ -8162,7 +8192,7 @@
                                 <m:sSupPr>
                                   <m:ctrlPr>
                                     <a:rPr lang="ru-RU" i="1" smtClean="0">
-                                      <a:latin typeface="Cambria Math" panose="02040503050406030204" pitchFamily="18" charset="0"/>
+                                      <a:latin typeface="Cambria Math"/>
                                     </a:rPr>
                                   </m:ctrlPr>
                                 </m:sSupPr>
@@ -8202,7 +8232,7 @@
             </a:graphic>
           </p:graphicFrame>
         </mc:Choice>
-        <mc:Fallback xmlns="">
+        <mc:Fallback>
           <p:graphicFrame>
             <p:nvGraphicFramePr>
               <p:cNvPr id="9" name="Объект 8"/>
@@ -8213,14 +8243,14 @@
                 <p:ph idx="1"/>
                 <p:extLst>
                   <p:ext uri="{D42A27DB-BD31-4B8C-83A1-F6EECF244321}">
-                    <p14:modId xmlns:p14="http://schemas.microsoft.com/office/powerpoint/2010/main" val="653472003"/>
+                    <p14:modId xmlns:p14="http://schemas.microsoft.com/office/powerpoint/2010/main" val="2509620571"/>
                   </p:ext>
                 </p:extLst>
               </p:nvPr>
             </p:nvGraphicFramePr>
             <p:xfrm>
-              <a:off x="2307737" y="1227438"/>
-              <a:ext cx="7504675" cy="5125703"/>
+              <a:off x="2248470" y="968621"/>
+              <a:ext cx="7504675" cy="5770846"/>
             </p:xfrm>
             <a:graphic>
               <a:graphicData uri="http://schemas.openxmlformats.org/drawingml/2006/table">
@@ -8232,6 +8262,50 @@
                     <a:gridCol w="4483312"/>
                     <a:gridCol w="3021363"/>
                   </a:tblGrid>
+                  <a:tr h="645143">
+                    <a:tc>
+                      <a:txBody>
+                        <a:bodyPr/>
+                        <a:lstStyle/>
+                        <a:p>
+                          <a:pPr algn="ctr"/>
+                          <a:r>
+                            <a:rPr lang="ru-RU" b="0" dirty="0" smtClean="0">
+                              <a:latin typeface="Arial" panose="020B0604020202020204" pitchFamily="34" charset="0"/>
+                              <a:cs typeface="Arial" panose="020B0604020202020204" pitchFamily="34" charset="0"/>
+                            </a:rPr>
+                            <a:t>Алгоритм</a:t>
+                          </a:r>
+                          <a:endParaRPr lang="ru-RU" b="0" dirty="0">
+                            <a:latin typeface="Arial" panose="020B0604020202020204" pitchFamily="34" charset="0"/>
+                            <a:cs typeface="Arial" panose="020B0604020202020204" pitchFamily="34" charset="0"/>
+                          </a:endParaRPr>
+                        </a:p>
+                      </a:txBody>
+                      <a:tcPr/>
+                    </a:tc>
+                    <a:tc>
+                      <a:txBody>
+                        <a:bodyPr/>
+                        <a:lstStyle/>
+                        <a:p>
+                          <a:pPr algn="ctr"/>
+                          <a:r>
+                            <a:rPr lang="ru-RU" b="0" i="0" dirty="0" smtClean="0">
+                              <a:latin typeface="Arial" panose="020B0604020202020204" pitchFamily="34" charset="0"/>
+                              <a:cs typeface="Arial" panose="020B0604020202020204" pitchFamily="34" charset="0"/>
+                            </a:rPr>
+                            <a:t>Оценка сложности</a:t>
+                          </a:r>
+                          <a:endParaRPr lang="ru-RU" b="0" i="0" dirty="0">
+                            <a:latin typeface="Arial" panose="020B0604020202020204" pitchFamily="34" charset="0"/>
+                            <a:cs typeface="Arial" panose="020B0604020202020204" pitchFamily="34" charset="0"/>
+                          </a:endParaRPr>
+                        </a:p>
+                      </a:txBody>
+                      <a:tcPr/>
+                    </a:tc>
+                  </a:tr>
                   <a:tr h="645143">
                     <a:tc>
                       <a:txBody>
@@ -8266,7 +8340,7 @@
                         <a:blipFill rotWithShape="1">
                           <a:blip r:embed="rId2"/>
                           <a:stretch>
-                            <a:fillRect l="-148387" t="-4717" b="-694340"/>
+                            <a:fillRect l="-148387" t="-104717" b="-693396"/>
                           </a:stretch>
                         </a:blipFill>
                       </a:tcPr>
@@ -8306,7 +8380,7 @@
                         <a:blipFill rotWithShape="1">
                           <a:blip r:embed="rId2"/>
                           <a:stretch>
-                            <a:fillRect l="-148387" t="-105714" b="-600952"/>
+                            <a:fillRect l="-148387" t="-206667" b="-600000"/>
                           </a:stretch>
                         </a:blipFill>
                       </a:tcPr>
@@ -8434,7 +8508,7 @@
                         <a:blipFill rotWithShape="1">
                           <a:blip r:embed="rId2"/>
                           <a:stretch>
-                            <a:fillRect l="-148387" t="-305714" b="-400952"/>
+                            <a:fillRect l="-148387" t="-406667" b="-400000"/>
                           </a:stretch>
                         </a:blipFill>
                       </a:tcPr>
@@ -8481,7 +8555,7 @@
                         <a:blipFill rotWithShape="1">
                           <a:blip r:embed="rId2"/>
                           <a:stretch>
-                            <a:fillRect l="-148387" t="-405714" b="-300952"/>
+                            <a:fillRect l="-148387" t="-506667" b="-300000"/>
                           </a:stretch>
                         </a:blipFill>
                       </a:tcPr>
@@ -8593,7 +8667,7 @@
                         <a:blipFill rotWithShape="1">
                           <a:blip r:embed="rId2"/>
                           <a:stretch>
-                            <a:fillRect l="-148387" t="-605714" b="-100952"/>
+                            <a:fillRect l="-148387" t="-706667" b="-100000"/>
                           </a:stretch>
                         </a:blipFill>
                       </a:tcPr>
@@ -8640,7 +8714,7 @@
                         <a:blipFill rotWithShape="1">
                           <a:blip r:embed="rId2"/>
                           <a:stretch>
-                            <a:fillRect l="-148387" t="-705714" b="-952"/>
+                            <a:fillRect l="-148387" t="-806667"/>
                           </a:stretch>
                         </a:blipFill>
                       </a:tcPr>
@@ -8668,10 +8742,10 @@
           <a:lstStyle/>
           <a:p>
             <a:fld id="{ADDC721D-FED4-4080-8955-62676588A2D9}" type="slidenum">
-              <a:rPr lang="ru-RU" smtClean="0"/>
+              <a:rPr lang="ru-RU" sz="2800" smtClean="0"/>
               <a:t>17</a:t>
             </a:fld>
-            <a:endParaRPr lang="ru-RU"/>
+            <a:endParaRPr lang="ru-RU" sz="2800" dirty="0"/>
           </a:p>
         </p:txBody>
       </p:sp>
@@ -8781,14 +8855,21 @@
                 <a:latin typeface="Arial" panose="020B0604020202020204" pitchFamily="34" charset="0"/>
                 <a:cs typeface="Arial" panose="020B0604020202020204" pitchFamily="34" charset="0"/>
               </a:rPr>
-              <a:t>проведен анализ наиболее известных задач и алгоритмов в данной </a:t>
+              <a:t>проведен анализ наиболее известных задач и алгоритмов в </a:t>
+            </a:r>
+            <a:r>
+              <a:rPr lang="ru-RU" dirty="0" smtClean="0">
+                <a:latin typeface="Arial" panose="020B0604020202020204" pitchFamily="34" charset="0"/>
+                <a:cs typeface="Arial" panose="020B0604020202020204" pitchFamily="34" charset="0"/>
+              </a:rPr>
+              <a:t>области </a:t>
             </a:r>
             <a:r>
               <a:rPr lang="ru-RU" dirty="0">
                 <a:latin typeface="Arial" panose="020B0604020202020204" pitchFamily="34" charset="0"/>
                 <a:cs typeface="Arial" panose="020B0604020202020204" pitchFamily="34" charset="0"/>
               </a:rPr>
-              <a:t>области квантовых вычислений и </a:t>
+              <a:t>квантовых вычислений и </a:t>
             </a:r>
             <a:r>
               <a:rPr lang="ru-RU" dirty="0" smtClean="0">
@@ -8951,8 +9032,19 @@
                 <a:latin typeface="Arial" panose="020B0604020202020204" pitchFamily="34" charset="0"/>
                 <a:cs typeface="Arial" panose="020B0604020202020204" pitchFamily="34" charset="0"/>
               </a:rPr>
-              <a:t>классические алгоритмы </a:t>
-            </a:r>
+              <a:t>классические </a:t>
+            </a:r>
+            <a:r>
+              <a:rPr lang="ru-RU" dirty="0" smtClean="0">
+                <a:latin typeface="Arial" panose="020B0604020202020204" pitchFamily="34" charset="0"/>
+                <a:cs typeface="Arial" panose="020B0604020202020204" pitchFamily="34" charset="0"/>
+              </a:rPr>
+              <a:t>алгоритмы: </a:t>
+            </a:r>
+            <a:endParaRPr lang="ru-RU" dirty="0" smtClean="0">
+              <a:latin typeface="Arial" panose="020B0604020202020204" pitchFamily="34" charset="0"/>
+              <a:cs typeface="Arial" panose="020B0604020202020204" pitchFamily="34" charset="0"/>
+            </a:endParaRPr>
           </a:p>
           <a:p>
             <a:pPr lvl="2" defTabSz="900113">
@@ -8968,8 +9060,33 @@
                 <a:latin typeface="Arial" panose="020B0604020202020204" pitchFamily="34" charset="0"/>
                 <a:cs typeface="Arial" panose="020B0604020202020204" pitchFamily="34" charset="0"/>
               </a:rPr>
-              <a:t>Определение сбалансированности функции</a:t>
-            </a:r>
+              <a:t>определение </a:t>
+            </a:r>
+            <a:r>
+              <a:rPr lang="ru-RU" sz="2800" dirty="0" smtClean="0">
+                <a:latin typeface="Arial" panose="020B0604020202020204" pitchFamily="34" charset="0"/>
+                <a:cs typeface="Arial" panose="020B0604020202020204" pitchFamily="34" charset="0"/>
+              </a:rPr>
+              <a:t>сбалансированности </a:t>
+            </a:r>
+            <a:r>
+              <a:rPr lang="ru-RU" sz="2800" dirty="0" smtClean="0">
+                <a:latin typeface="Arial" panose="020B0604020202020204" pitchFamily="34" charset="0"/>
+                <a:cs typeface="Arial" panose="020B0604020202020204" pitchFamily="34" charset="0"/>
+              </a:rPr>
+              <a:t>функции</a:t>
+            </a:r>
+            <a:r>
+              <a:rPr lang="en-US" sz="2800" dirty="0" smtClean="0">
+                <a:latin typeface="Arial" panose="020B0604020202020204" pitchFamily="34" charset="0"/>
+                <a:cs typeface="Arial" panose="020B0604020202020204" pitchFamily="34" charset="0"/>
+              </a:rPr>
+              <a:t>;</a:t>
+            </a:r>
+            <a:endParaRPr lang="ru-RU" sz="2800" dirty="0" smtClean="0">
+              <a:latin typeface="Arial" panose="020B0604020202020204" pitchFamily="34" charset="0"/>
+              <a:cs typeface="Arial" panose="020B0604020202020204" pitchFamily="34" charset="0"/>
+            </a:endParaRPr>
           </a:p>
           <a:p>
             <a:pPr lvl="2" defTabSz="900113">
@@ -8985,7 +9102,7 @@
                 <a:latin typeface="Arial" panose="020B0604020202020204" pitchFamily="34" charset="0"/>
                 <a:cs typeface="Arial" panose="020B0604020202020204" pitchFamily="34" charset="0"/>
               </a:rPr>
-              <a:t>Алгоритм </a:t>
+              <a:t>алгоритм </a:t>
             </a:r>
             <a:r>
               <a:rPr lang="ru-RU" sz="2800" dirty="0" err="1" smtClean="0">
@@ -8993,6 +9110,13 @@
                 <a:cs typeface="Arial" panose="020B0604020202020204" pitchFamily="34" charset="0"/>
               </a:rPr>
               <a:t>Шенкса</a:t>
+            </a:r>
+            <a:r>
+              <a:rPr lang="en-US" sz="2800" dirty="0" smtClean="0">
+                <a:latin typeface="Arial" panose="020B0604020202020204" pitchFamily="34" charset="0"/>
+                <a:cs typeface="Arial" panose="020B0604020202020204" pitchFamily="34" charset="0"/>
+              </a:rPr>
+              <a:t>;</a:t>
             </a:r>
             <a:endParaRPr lang="ru-RU" sz="2800" dirty="0" smtClean="0">
               <a:latin typeface="Arial" panose="020B0604020202020204" pitchFamily="34" charset="0"/>
@@ -9009,11 +9133,25 @@
               </a:spcBef>
             </a:pPr>
             <a:r>
+              <a:rPr lang="ru-RU" sz="2800" dirty="0">
+                <a:latin typeface="Arial" panose="020B0604020202020204" pitchFamily="34" charset="0"/>
+                <a:cs typeface="Arial" panose="020B0604020202020204" pitchFamily="34" charset="0"/>
+              </a:rPr>
+              <a:t>р</a:t>
+            </a:r>
+            <a:r>
               <a:rPr lang="ru-RU" sz="2800" dirty="0" smtClean="0">
                 <a:latin typeface="Arial" panose="020B0604020202020204" pitchFamily="34" charset="0"/>
                 <a:cs typeface="Arial" panose="020B0604020202020204" pitchFamily="34" charset="0"/>
               </a:rPr>
-              <a:t>Разложение Гаусса</a:t>
+              <a:t>азложение Гаусса</a:t>
+            </a:r>
+            <a:r>
+              <a:rPr lang="en-US" sz="2800" dirty="0" smtClean="0">
+                <a:latin typeface="Arial" panose="020B0604020202020204" pitchFamily="34" charset="0"/>
+                <a:cs typeface="Arial" panose="020B0604020202020204" pitchFamily="34" charset="0"/>
+              </a:rPr>
+              <a:t>.</a:t>
             </a:r>
             <a:endParaRPr lang="ru-RU" sz="2800" dirty="0">
               <a:latin typeface="Arial" panose="020B0604020202020204" pitchFamily="34" charset="0"/>
@@ -9073,10 +9211,10 @@
           <a:lstStyle/>
           <a:p>
             <a:fld id="{ADDC721D-FED4-4080-8955-62676588A2D9}" type="slidenum">
-              <a:rPr lang="ru-RU" smtClean="0"/>
+              <a:rPr lang="ru-RU" sz="2800" smtClean="0"/>
               <a:t>18</a:t>
             </a:fld>
-            <a:endParaRPr lang="ru-RU"/>
+            <a:endParaRPr lang="ru-RU" sz="2800" dirty="0"/>
           </a:p>
         </p:txBody>
       </p:sp>
@@ -9166,20 +9304,12 @@
           </a:bodyPr>
           <a:lstStyle/>
           <a:p>
-            <a:pPr algn="just"/>
             <a:r>
               <a:rPr lang="ru-RU" dirty="0" smtClean="0">
                 <a:latin typeface="Arial" panose="020B0604020202020204" pitchFamily="34" charset="0"/>
                 <a:cs typeface="Arial" panose="020B0604020202020204" pitchFamily="34" charset="0"/>
               </a:rPr>
-              <a:t>Продолжение процесса </a:t>
-            </a:r>
-            <a:r>
-              <a:rPr lang="ru-RU" dirty="0" smtClean="0">
-                <a:latin typeface="Arial" panose="020B0604020202020204" pitchFamily="34" charset="0"/>
-                <a:cs typeface="Arial" panose="020B0604020202020204" pitchFamily="34" charset="0"/>
-              </a:rPr>
-              <a:t>миниатюризации</a:t>
+              <a:t>Продолжение процесса миниатюризации</a:t>
             </a:r>
             <a:r>
               <a:rPr lang="en-US" dirty="0" smtClean="0">
@@ -9194,7 +9324,6 @@
             </a:endParaRPr>
           </a:p>
           <a:p>
-            <a:pPr algn="just"/>
             <a:r>
               <a:rPr lang="ru-RU" dirty="0" smtClean="0">
                 <a:latin typeface="Arial" panose="020B0604020202020204" pitchFamily="34" charset="0"/>
@@ -9243,20 +9372,19 @@
             </a:endParaRPr>
           </a:p>
           <a:p>
-            <a:pPr algn="just"/>
             <a:r>
               <a:rPr lang="ru-RU" dirty="0" smtClean="0">
                 <a:latin typeface="Arial" panose="020B0604020202020204" pitchFamily="34" charset="0"/>
                 <a:cs typeface="Arial" panose="020B0604020202020204" pitchFamily="34" charset="0"/>
               </a:rPr>
-              <a:t>выявление возможности </a:t>
+              <a:t>поиск предельной мощности самого сильного </a:t>
             </a:r>
             <a:r>
               <a:rPr lang="ru-RU" dirty="0">
                 <a:latin typeface="Arial" panose="020B0604020202020204" pitchFamily="34" charset="0"/>
                 <a:cs typeface="Arial" panose="020B0604020202020204" pitchFamily="34" charset="0"/>
               </a:rPr>
-              <a:t>и ограничения самого допустимо-сильного вычислительного </a:t>
+              <a:t>вычислительного </a:t>
             </a:r>
             <a:r>
               <a:rPr lang="ru-RU" dirty="0" smtClean="0">
@@ -9292,10 +9420,10 @@
           <a:lstStyle/>
           <a:p>
             <a:fld id="{ADDC721D-FED4-4080-8955-62676588A2D9}" type="slidenum">
-              <a:rPr lang="ru-RU" smtClean="0"/>
+              <a:rPr lang="ru-RU" sz="2800" smtClean="0"/>
               <a:t>2</a:t>
             </a:fld>
-            <a:endParaRPr lang="ru-RU"/>
+            <a:endParaRPr lang="ru-RU" sz="2800" dirty="0"/>
           </a:p>
         </p:txBody>
       </p:sp>
@@ -9426,7 +9554,21 @@
                 <a:latin typeface="Arial" panose="020B0604020202020204" pitchFamily="34" charset="0"/>
                 <a:cs typeface="Arial" panose="020B0604020202020204" pitchFamily="34" charset="0"/>
               </a:rPr>
-              <a:t>реализация квантового алгоритма для проверки сбалансированности функции</a:t>
+              <a:t>реализация квантового алгоритма для проверки </a:t>
+            </a:r>
+            <a:r>
+              <a:rPr lang="ru-RU" dirty="0" smtClean="0">
+                <a:latin typeface="Arial" panose="020B0604020202020204" pitchFamily="34" charset="0"/>
+                <a:cs typeface="Arial" panose="020B0604020202020204" pitchFamily="34" charset="0"/>
+              </a:rPr>
+              <a:t>сбалансированности бинарной </a:t>
+            </a:r>
+            <a:r>
+              <a:rPr lang="ru-RU" dirty="0" smtClean="0">
+                <a:latin typeface="Arial" panose="020B0604020202020204" pitchFamily="34" charset="0"/>
+                <a:cs typeface="Arial" panose="020B0604020202020204" pitchFamily="34" charset="0"/>
+              </a:rPr>
+              <a:t>функции</a:t>
             </a:r>
             <a:r>
               <a:rPr lang="en-US" dirty="0" smtClean="0">
@@ -9454,7 +9596,21 @@
                 <a:latin typeface="Arial" panose="020B0604020202020204" pitchFamily="34" charset="0"/>
                 <a:cs typeface="Arial" panose="020B0604020202020204" pitchFamily="34" charset="0"/>
               </a:rPr>
-              <a:t>реализация классических детерминированного и вероятностного алгоритмов для проверки сбалансированности функции</a:t>
+              <a:t>реализация классических детерминированного и вероятностного алгоритмов для проверки </a:t>
+            </a:r>
+            <a:r>
+              <a:rPr lang="ru-RU" dirty="0">
+                <a:latin typeface="Arial" panose="020B0604020202020204" pitchFamily="34" charset="0"/>
+                <a:cs typeface="Arial" panose="020B0604020202020204" pitchFamily="34" charset="0"/>
+              </a:rPr>
+              <a:t>сбалансированности бинарной </a:t>
+            </a:r>
+            <a:r>
+              <a:rPr lang="ru-RU" dirty="0" smtClean="0">
+                <a:latin typeface="Arial" panose="020B0604020202020204" pitchFamily="34" charset="0"/>
+                <a:cs typeface="Arial" panose="020B0604020202020204" pitchFamily="34" charset="0"/>
+              </a:rPr>
+              <a:t>функции</a:t>
             </a:r>
             <a:r>
               <a:rPr lang="en-US" dirty="0" smtClean="0">
@@ -9534,21 +9690,14 @@
               <a:t>алгоритма для </a:t>
             </a:r>
             <a:r>
-              <a:rPr lang="ru-RU" dirty="0">
-                <a:latin typeface="Arial" panose="020B0604020202020204" pitchFamily="34" charset="0"/>
-                <a:cs typeface="Arial" panose="020B0604020202020204" pitchFamily="34" charset="0"/>
-              </a:rPr>
-              <a:t>проверки сбалансированности </a:t>
-            </a:r>
-            <a:r>
               <a:rPr lang="ru-RU" dirty="0" smtClean="0">
                 <a:latin typeface="Arial" panose="020B0604020202020204" pitchFamily="34" charset="0"/>
                 <a:cs typeface="Arial" panose="020B0604020202020204" pitchFamily="34" charset="0"/>
               </a:rPr>
-              <a:t>функции</a:t>
-            </a:r>
-            <a:r>
-              <a:rPr lang="en-US" dirty="0">
+              <a:t>факторизации</a:t>
+            </a:r>
+            <a:r>
+              <a:rPr lang="en-US" dirty="0" smtClean="0">
                 <a:latin typeface="Arial" panose="020B0604020202020204" pitchFamily="34" charset="0"/>
                 <a:cs typeface="Arial" panose="020B0604020202020204" pitchFamily="34" charset="0"/>
               </a:rPr>
@@ -9574,10 +9723,10 @@
           <a:lstStyle/>
           <a:p>
             <a:fld id="{ADDC721D-FED4-4080-8955-62676588A2D9}" type="slidenum">
-              <a:rPr lang="ru-RU" smtClean="0"/>
+              <a:rPr lang="ru-RU" sz="2800" smtClean="0"/>
               <a:t>3</a:t>
             </a:fld>
-            <a:endParaRPr lang="ru-RU"/>
+            <a:endParaRPr lang="ru-RU" sz="2800" dirty="0"/>
           </a:p>
         </p:txBody>
       </p:sp>
@@ -9724,10 +9873,10 @@
           <a:lstStyle/>
           <a:p>
             <a:fld id="{ADDC721D-FED4-4080-8955-62676588A2D9}" type="slidenum">
-              <a:rPr lang="ru-RU" smtClean="0"/>
+              <a:rPr lang="ru-RU" sz="2800" smtClean="0"/>
               <a:t>4</a:t>
             </a:fld>
-            <a:endParaRPr lang="ru-RU"/>
+            <a:endParaRPr lang="ru-RU" sz="2800" dirty="0"/>
           </a:p>
         </p:txBody>
       </p:sp>
@@ -10130,10 +10279,10 @@
           <a:lstStyle/>
           <a:p>
             <a:fld id="{ADDC721D-FED4-4080-8955-62676588A2D9}" type="slidenum">
-              <a:rPr lang="ru-RU" smtClean="0"/>
+              <a:rPr lang="ru-RU" sz="2800" smtClean="0"/>
               <a:t>5</a:t>
             </a:fld>
-            <a:endParaRPr lang="ru-RU"/>
+            <a:endParaRPr lang="ru-RU" sz="2800" dirty="0"/>
           </a:p>
         </p:txBody>
       </p:sp>
@@ -10522,10 +10671,10 @@
           <a:lstStyle/>
           <a:p>
             <a:fld id="{ADDC721D-FED4-4080-8955-62676588A2D9}" type="slidenum">
-              <a:rPr lang="ru-RU" smtClean="0"/>
+              <a:rPr lang="ru-RU" sz="2800" smtClean="0"/>
               <a:t>6</a:t>
             </a:fld>
-            <a:endParaRPr lang="ru-RU"/>
+            <a:endParaRPr lang="ru-RU" sz="2800" dirty="0"/>
           </a:p>
         </p:txBody>
       </p:sp>
@@ -10903,10 +11052,10 @@
           <a:lstStyle/>
           <a:p>
             <a:fld id="{ADDC721D-FED4-4080-8955-62676588A2D9}" type="slidenum">
-              <a:rPr lang="ru-RU" smtClean="0"/>
+              <a:rPr lang="ru-RU" sz="2800" smtClean="0"/>
               <a:t>7</a:t>
             </a:fld>
-            <a:endParaRPr lang="ru-RU"/>
+            <a:endParaRPr lang="ru-RU" sz="2800" dirty="0"/>
           </a:p>
         </p:txBody>
       </p:sp>
@@ -10992,10 +11141,10 @@
           <a:lstStyle/>
           <a:p>
             <a:fld id="{ADDC721D-FED4-4080-8955-62676588A2D9}" type="slidenum">
-              <a:rPr lang="ru-RU" smtClean="0"/>
+              <a:rPr lang="ru-RU" sz="2800" smtClean="0"/>
               <a:t>8</a:t>
             </a:fld>
-            <a:endParaRPr lang="ru-RU"/>
+            <a:endParaRPr lang="ru-RU" sz="2800" dirty="0"/>
           </a:p>
         </p:txBody>
       </p:sp>
@@ -11099,7 +11248,21 @@
                 <a:latin typeface="Arial" panose="020B0604020202020204" pitchFamily="34" charset="0"/>
                 <a:cs typeface="Arial" panose="020B0604020202020204" pitchFamily="34" charset="0"/>
               </a:rPr>
-              <a:t>Классический алгоритм</a:t>
+              <a:t>Классический </a:t>
+            </a:r>
+            <a:r>
+              <a:rPr lang="ru-RU" sz="4000" dirty="0" smtClean="0">
+                <a:latin typeface="Arial" panose="020B0604020202020204" pitchFamily="34" charset="0"/>
+                <a:cs typeface="Arial" panose="020B0604020202020204" pitchFamily="34" charset="0"/>
+              </a:rPr>
+              <a:t>алгоритм проверки </a:t>
+            </a:r>
+            <a:r>
+              <a:rPr lang="ru-RU" sz="4000" dirty="0">
+                <a:latin typeface="Arial" panose="020B0604020202020204" pitchFamily="34" charset="0"/>
+                <a:cs typeface="Arial" panose="020B0604020202020204" pitchFamily="34" charset="0"/>
+              </a:rPr>
+              <a:t>функции на сбалансированность</a:t>
             </a:r>
             <a:endParaRPr lang="ru-RU" sz="4000" dirty="0">
               <a:latin typeface="Arial" panose="020B0604020202020204" pitchFamily="34" charset="0"/>
@@ -11180,10 +11343,10 @@
           <a:lstStyle/>
           <a:p>
             <a:fld id="{ADDC721D-FED4-4080-8955-62676588A2D9}" type="slidenum">
-              <a:rPr lang="ru-RU" smtClean="0"/>
+              <a:rPr lang="ru-RU" sz="2800" smtClean="0"/>
               <a:t>9</a:t>
             </a:fld>
-            <a:endParaRPr lang="ru-RU"/>
+            <a:endParaRPr lang="ru-RU" sz="2800" dirty="0"/>
           </a:p>
         </p:txBody>
       </p:sp>
@@ -11212,10 +11375,10 @@
   <a:themeElements>
     <a:clrScheme name="Стандартная">
       <a:dk1>
-        <a:sysClr val="windowText" lastClr="000000"/>
+        <a:sysClr val="windowText" lastClr="2C2C2C"/>
       </a:dk1>
       <a:lt1>
-        <a:sysClr val="window" lastClr="FFFFFF"/>
+        <a:sysClr val="window" lastClr="DEDEDE"/>
       </a:lt1>
       <a:dk2>
         <a:srgbClr val="44546A"/>
@@ -11462,7 +11625,7 @@
   <a:extraClrSchemeLst/>
   <a:extLst>
     <a:ext uri="{05A4C25C-085E-4340-85A3-A5531E510DB2}">
-      <thm15:themeFamily xmlns:thm15="http://schemas.microsoft.com/office/thememl/2012/main" name="Office Theme" id="{62F939B6-93AF-4DB8-9C6B-D6C7DFDC589F}" vid="{4A3C46E8-61CC-4603-A589-7422A47A8E4A}"/>
+      <thm15:themeFamily xmlns:thm15="http://schemas.microsoft.com/office/thememl/2012/main" xmlns="" name="Office Theme" id="{62F939B6-93AF-4DB8-9C6B-D6C7DFDC589F}" vid="{4A3C46E8-61CC-4603-A589-7422A47A8E4A}"/>
     </a:ext>
   </a:extLst>
 </a:theme>
@@ -11473,10 +11636,10 @@
   <a:themeElements>
     <a:clrScheme name="Стандартная">
       <a:dk1>
-        <a:sysClr val="windowText" lastClr="000000"/>
+        <a:sysClr val="windowText" lastClr="2C2C2C"/>
       </a:dk1>
       <a:lt1>
-        <a:sysClr val="window" lastClr="FFFFFF"/>
+        <a:sysClr val="window" lastClr="DEDEDE"/>
       </a:lt1>
       <a:dk2>
         <a:srgbClr val="44546A"/>
@@ -11723,7 +11886,7 @@
   <a:extraClrSchemeLst/>
   <a:extLst>
     <a:ext uri="{05A4C25C-085E-4340-85A3-A5531E510DB2}">
-      <thm15:themeFamily xmlns:thm15="http://schemas.microsoft.com/office/thememl/2012/main" name="Office Theme" id="{62F939B6-93AF-4DB8-9C6B-D6C7DFDC589F}" vid="{4A3C46E8-61CC-4603-A589-7422A47A8E4A}"/>
+      <thm15:themeFamily xmlns:thm15="http://schemas.microsoft.com/office/thememl/2012/main" xmlns="" name="Office Theme" id="{62F939B6-93AF-4DB8-9C6B-D6C7DFDC589F}" vid="{4A3C46E8-61CC-4603-A589-7422A47A8E4A}"/>
     </a:ext>
   </a:extLst>
 </a:theme>

--- a/Черниговских 2к 14гр.pptx
+++ b/Черниговских 2к 14гр.pptx
@@ -126,7 +126,7 @@
   </p:defaultTextStyle>
   <p:extLst>
     <p:ext uri="{EFAFB233-063F-42B5-8137-9DF3F51BA10A}">
-      <p15:sldGuideLst xmlns:p15="http://schemas.microsoft.com/office/powerpoint/2012/main" xmlns="">
+      <p15:sldGuideLst xmlns:p15="http://schemas.microsoft.com/office/powerpoint/2012/main">
         <p15:guide id="1" orient="horz" pos="2160">
           <p15:clr>
             <a:srgbClr val="A4A3A4"/>
@@ -4032,7 +4032,7 @@
                       <m:sSupPr>
                         <m:ctrlPr>
                           <a:rPr lang="ru-RU" i="1" dirty="0" smtClean="0">
-                            <a:latin typeface="Cambria Math"/>
+                            <a:latin typeface="Cambria Math" panose="02040503050406030204" pitchFamily="18" charset="0"/>
                           </a:rPr>
                         </m:ctrlPr>
                       </m:sSupPr>
@@ -4543,7 +4543,7 @@
                         <m:degHide m:val="on"/>
                         <m:ctrlPr>
                           <a:rPr lang="ru-RU" i="1" smtClean="0">
-                            <a:latin typeface="Cambria Math"/>
+                            <a:latin typeface="Cambria Math" panose="02040503050406030204" pitchFamily="18" charset="0"/>
                             <a:cs typeface="Arial" panose="020B0604020202020204" pitchFamily="34" charset="0"/>
                           </a:rPr>
                         </m:ctrlPr>
@@ -5095,11 +5095,18 @@
           <a:p>
             <a:pPr algn="ctr"/>
             <a:r>
+              <a:rPr lang="ru-RU" sz="4000" smtClean="0">
+                <a:latin typeface="Arial" panose="020B0604020202020204" pitchFamily="34" charset="0"/>
+                <a:cs typeface="Arial" panose="020B0604020202020204" pitchFamily="34" charset="0"/>
+              </a:rPr>
+              <a:t>Сравнение алгоритмов </a:t>
+            </a:r>
+            <a:r>
               <a:rPr lang="ru-RU" sz="4000" dirty="0" smtClean="0">
                 <a:latin typeface="Arial" panose="020B0604020202020204" pitchFamily="34" charset="0"/>
                 <a:cs typeface="Arial" panose="020B0604020202020204" pitchFamily="34" charset="0"/>
               </a:rPr>
-              <a:t>Квантовый алгоритм для </a:t>
+              <a:t>для </a:t>
             </a:r>
             <a:br>
               <a:rPr lang="ru-RU" sz="4000" dirty="0" smtClean="0">
@@ -5200,7 +5207,7 @@
                       <m:sSupPr>
                         <m:ctrlPr>
                           <a:rPr lang="ru-RU" i="1" smtClean="0">
-                            <a:latin typeface="Cambria Math"/>
+                            <a:latin typeface="Cambria Math" panose="02040503050406030204" pitchFamily="18" charset="0"/>
                           </a:rPr>
                         </m:ctrlPr>
                       </m:sSupPr>
@@ -5384,7 +5391,7 @@
                       <m:funcPr>
                         <m:ctrlPr>
                           <a:rPr lang="en-US" i="1" smtClean="0">
-                            <a:latin typeface="Cambria Math"/>
+                            <a:latin typeface="Cambria Math" panose="02040503050406030204" pitchFamily="18" charset="0"/>
                           </a:rPr>
                         </m:ctrlPr>
                       </m:funcPr>
@@ -5409,7 +5416,7 @@
                       <m:sSupPr>
                         <m:ctrlPr>
                           <a:rPr lang="en-US" i="1" smtClean="0">
-                            <a:latin typeface="Cambria Math"/>
+                            <a:latin typeface="Cambria Math" panose="02040503050406030204" pitchFamily="18" charset="0"/>
                           </a:rPr>
                         </m:ctrlPr>
                       </m:sSupPr>
@@ -5475,7 +5482,7 @@
                       <m:sSupPr>
                         <m:ctrlPr>
                           <a:rPr lang="en-US" i="1">
-                            <a:latin typeface="Cambria Math"/>
+                            <a:latin typeface="Cambria Math" panose="02040503050406030204" pitchFamily="18" charset="0"/>
                           </a:rPr>
                         </m:ctrlPr>
                       </m:sSupPr>
@@ -5500,7 +5507,7 @@
                       <m:funcPr>
                         <m:ctrlPr>
                           <a:rPr lang="en-US" i="1">
-                            <a:latin typeface="Cambria Math"/>
+                            <a:latin typeface="Cambria Math" panose="02040503050406030204" pitchFamily="18" charset="0"/>
                           </a:rPr>
                         </m:ctrlPr>
                       </m:funcPr>
@@ -5579,7 +5586,7 @@
                       <m:funcPr>
                         <m:ctrlPr>
                           <a:rPr lang="en-US" i="1" dirty="0" smtClean="0">
-                            <a:latin typeface="Cambria Math"/>
+                            <a:latin typeface="Cambria Math" panose="02040503050406030204" pitchFamily="18" charset="0"/>
                           </a:rPr>
                         </m:ctrlPr>
                       </m:funcPr>
@@ -5659,7 +5666,7 @@
                         <m:degHide m:val="on"/>
                         <m:ctrlPr>
                           <a:rPr lang="en-US" i="1" smtClean="0">
-                            <a:latin typeface="Cambria Math"/>
+                            <a:latin typeface="Cambria Math" panose="02040503050406030204" pitchFamily="18" charset="0"/>
                           </a:rPr>
                         </m:ctrlPr>
                       </m:radPr>
@@ -5677,7 +5684,7 @@
                       <m:funcPr>
                         <m:ctrlPr>
                           <a:rPr lang="en-US" i="1" smtClean="0">
-                            <a:latin typeface="Cambria Math"/>
+                            <a:latin typeface="Cambria Math" panose="02040503050406030204" pitchFamily="18" charset="0"/>
                           </a:rPr>
                         </m:ctrlPr>
                       </m:funcPr>
@@ -5700,7 +5707,7 @@
                           <m:sSupPr>
                             <m:ctrlPr>
                               <a:rPr lang="en-US" b="0" i="1" smtClean="0">
-                                <a:latin typeface="Cambria Math"/>
+                                <a:latin typeface="Cambria Math" panose="02040503050406030204" pitchFamily="18" charset="0"/>
                               </a:rPr>
                             </m:ctrlPr>
                           </m:sSupPr>
@@ -7198,8 +7205,8 @@
           </a:p>
         </p:txBody>
       </p:sp>
-      <mc:AlternateContent xmlns:mc="http://schemas.openxmlformats.org/markup-compatibility/2006">
-        <mc:Choice xmlns:a14="http://schemas.microsoft.com/office/drawing/2010/main" Requires="a14">
+      <mc:AlternateContent xmlns:mc="http://schemas.openxmlformats.org/markup-compatibility/2006" xmlns:a14="http://schemas.microsoft.com/office/drawing/2010/main">
+        <mc:Choice Requires="a14">
           <p:graphicFrame>
             <p:nvGraphicFramePr>
               <p:cNvPr id="9" name="Объект 8"/>
@@ -7314,7 +7321,7 @@
                                 <m:sSupPr>
                                   <m:ctrlPr>
                                     <a:rPr lang="en-US" b="0" i="1" smtClean="0">
-                                      <a:latin typeface="Cambria Math"/>
+                                      <a:latin typeface="Cambria Math" panose="02040503050406030204" pitchFamily="18" charset="0"/>
                                     </a:rPr>
                                   </m:ctrlPr>
                                 </m:sSupPr>
@@ -7400,7 +7407,7 @@
                                 <m:fPr>
                                   <m:ctrlPr>
                                     <a:rPr lang="en-US" i="1" smtClean="0">
-                                      <a:latin typeface="Cambria Math"/>
+                                      <a:latin typeface="Cambria Math" panose="02040503050406030204" pitchFamily="18" charset="0"/>
                                     </a:rPr>
                                   </m:ctrlPr>
                                 </m:fPr>
@@ -7583,7 +7590,7 @@
                                         <a:schemeClr val="dk1"/>
                                       </a:solidFill>
                                       <a:effectLst/>
-                                      <a:latin typeface="Cambria Math"/>
+                                      <a:latin typeface="Cambria Math" panose="02040503050406030204" pitchFamily="18" charset="0"/>
                                       <a:ea typeface="+mn-ea"/>
                                       <a:cs typeface="+mn-cs"/>
                                     </a:rPr>
@@ -7612,7 +7619,7 @@
                                             <a:schemeClr val="dk1"/>
                                           </a:solidFill>
                                           <a:effectLst/>
-                                          <a:latin typeface="Cambria Math"/>
+                                          <a:latin typeface="Cambria Math" panose="02040503050406030204" pitchFamily="18" charset="0"/>
                                           <a:ea typeface="+mn-ea"/>
                                           <a:cs typeface="+mn-cs"/>
                                         </a:rPr>
@@ -7747,7 +7754,7 @@
                                 <m:sSupPr>
                                   <m:ctrlPr>
                                     <a:rPr lang="en-US" i="1" smtClean="0">
-                                      <a:latin typeface="Cambria Math"/>
+                                      <a:latin typeface="Cambria Math" panose="02040503050406030204" pitchFamily="18" charset="0"/>
                                     </a:rPr>
                                   </m:ctrlPr>
                                 </m:sSupPr>
@@ -7762,7 +7769,7 @@
                                     <m:fPr>
                                       <m:ctrlPr>
                                         <a:rPr lang="en-US" i="1" smtClean="0">
-                                          <a:latin typeface="Cambria Math"/>
+                                          <a:latin typeface="Cambria Math" panose="02040503050406030204" pitchFamily="18" charset="0"/>
                                         </a:rPr>
                                       </m:ctrlPr>
                                     </m:fPr>
@@ -7793,7 +7800,7 @@
                                     <m:funcPr>
                                       <m:ctrlPr>
                                         <a:rPr lang="en-US" b="0" i="1" smtClean="0">
-                                          <a:latin typeface="Cambria Math"/>
+                                          <a:latin typeface="Cambria Math" panose="02040503050406030204" pitchFamily="18" charset="0"/>
                                         </a:rPr>
                                       </m:ctrlPr>
                                     </m:funcPr>
@@ -7826,7 +7833,7 @@
                                     <m:fPr>
                                       <m:ctrlPr>
                                         <a:rPr lang="en-US" i="1" smtClean="0">
-                                          <a:latin typeface="Cambria Math"/>
+                                          <a:latin typeface="Cambria Math" panose="02040503050406030204" pitchFamily="18" charset="0"/>
                                         </a:rPr>
                                       </m:ctrlPr>
                                     </m:fPr>
@@ -7864,7 +7871,7 @@
                                 <m:sSupPr>
                                   <m:ctrlPr>
                                     <a:rPr lang="en-US" i="1" dirty="0" smtClean="0">
-                                      <a:latin typeface="Cambria Math"/>
+                                      <a:latin typeface="Cambria Math" panose="02040503050406030204" pitchFamily="18" charset="0"/>
                                     </a:rPr>
                                   </m:ctrlPr>
                                 </m:sSupPr>
@@ -7873,7 +7880,7 @@
                                     <m:funcPr>
                                       <m:ctrlPr>
                                         <a:rPr lang="en-US" i="1" smtClean="0">
-                                          <a:latin typeface="Cambria Math"/>
+                                          <a:latin typeface="Cambria Math" panose="02040503050406030204" pitchFamily="18" charset="0"/>
                                         </a:rPr>
                                       </m:ctrlPr>
                                     </m:funcPr>
@@ -7890,7 +7897,7 @@
                                         <m:funcPr>
                                           <m:ctrlPr>
                                             <a:rPr lang="en-US" i="1" smtClean="0">
-                                              <a:latin typeface="Cambria Math"/>
+                                              <a:latin typeface="Cambria Math" panose="02040503050406030204" pitchFamily="18" charset="0"/>
                                             </a:rPr>
                                           </m:ctrlPr>
                                         </m:funcPr>
@@ -7919,7 +7926,7 @@
                                     <m:fPr>
                                       <m:ctrlPr>
                                         <a:rPr lang="en-US" i="1" dirty="0" smtClean="0">
-                                          <a:latin typeface="Cambria Math"/>
+                                          <a:latin typeface="Cambria Math" panose="02040503050406030204" pitchFamily="18" charset="0"/>
                                         </a:rPr>
                                       </m:ctrlPr>
                                     </m:fPr>
@@ -8073,7 +8080,7 @@
                                 <m:funcPr>
                                   <m:ctrlPr>
                                     <a:rPr lang="en-US" i="1" smtClean="0">
-                                      <a:latin typeface="Cambria Math"/>
+                                      <a:latin typeface="Cambria Math" panose="02040503050406030204" pitchFamily="18" charset="0"/>
                                     </a:rPr>
                                   </m:ctrlPr>
                                 </m:funcPr>
@@ -8098,7 +8105,7 @@
                                 <m:sSupPr>
                                   <m:ctrlPr>
                                     <a:rPr lang="en-US" i="1" smtClean="0">
-                                      <a:latin typeface="Cambria Math"/>
+                                      <a:latin typeface="Cambria Math" panose="02040503050406030204" pitchFamily="18" charset="0"/>
                                     </a:rPr>
                                   </m:ctrlPr>
                                 </m:sSupPr>
@@ -8192,7 +8199,7 @@
                                 <m:sSupPr>
                                   <m:ctrlPr>
                                     <a:rPr lang="ru-RU" i="1" smtClean="0">
-                                      <a:latin typeface="Cambria Math"/>
+                                      <a:latin typeface="Cambria Math" panose="02040503050406030204" pitchFamily="18" charset="0"/>
                                     </a:rPr>
                                   </m:ctrlPr>
                                 </m:sSupPr>
@@ -8232,7 +8239,7 @@
             </a:graphic>
           </p:graphicFrame>
         </mc:Choice>
-        <mc:Fallback>
+        <mc:Fallback xmlns="">
           <p:graphicFrame>
             <p:nvGraphicFramePr>
               <p:cNvPr id="9" name="Объект 8"/>
@@ -8855,14 +8862,7 @@
                 <a:latin typeface="Arial" panose="020B0604020202020204" pitchFamily="34" charset="0"/>
                 <a:cs typeface="Arial" panose="020B0604020202020204" pitchFamily="34" charset="0"/>
               </a:rPr>
-              <a:t>проведен анализ наиболее известных задач и алгоритмов в </a:t>
-            </a:r>
-            <a:r>
-              <a:rPr lang="ru-RU" dirty="0" smtClean="0">
-                <a:latin typeface="Arial" panose="020B0604020202020204" pitchFamily="34" charset="0"/>
-                <a:cs typeface="Arial" panose="020B0604020202020204" pitchFamily="34" charset="0"/>
-              </a:rPr>
-              <a:t>области </a:t>
+              <a:t>проведен анализ наиболее известных задач и алгоритмов в области </a:t>
             </a:r>
             <a:r>
               <a:rPr lang="ru-RU" dirty="0">
@@ -9032,19 +9032,8 @@
                 <a:latin typeface="Arial" panose="020B0604020202020204" pitchFamily="34" charset="0"/>
                 <a:cs typeface="Arial" panose="020B0604020202020204" pitchFamily="34" charset="0"/>
               </a:rPr>
-              <a:t>классические </a:t>
-            </a:r>
-            <a:r>
-              <a:rPr lang="ru-RU" dirty="0" smtClean="0">
-                <a:latin typeface="Arial" panose="020B0604020202020204" pitchFamily="34" charset="0"/>
-                <a:cs typeface="Arial" panose="020B0604020202020204" pitchFamily="34" charset="0"/>
-              </a:rPr>
-              <a:t>алгоритмы: </a:t>
-            </a:r>
-            <a:endParaRPr lang="ru-RU" dirty="0" smtClean="0">
-              <a:latin typeface="Arial" panose="020B0604020202020204" pitchFamily="34" charset="0"/>
-              <a:cs typeface="Arial" panose="020B0604020202020204" pitchFamily="34" charset="0"/>
-            </a:endParaRPr>
+              <a:t>классические алгоритмы: </a:t>
+            </a:r>
           </a:p>
           <a:p>
             <a:pPr lvl="2" defTabSz="900113">
@@ -9060,21 +9049,7 @@
                 <a:latin typeface="Arial" panose="020B0604020202020204" pitchFamily="34" charset="0"/>
                 <a:cs typeface="Arial" panose="020B0604020202020204" pitchFamily="34" charset="0"/>
               </a:rPr>
-              <a:t>определение </a:t>
-            </a:r>
-            <a:r>
-              <a:rPr lang="ru-RU" sz="2800" dirty="0" smtClean="0">
-                <a:latin typeface="Arial" panose="020B0604020202020204" pitchFamily="34" charset="0"/>
-                <a:cs typeface="Arial" panose="020B0604020202020204" pitchFamily="34" charset="0"/>
-              </a:rPr>
-              <a:t>сбалансированности </a:t>
-            </a:r>
-            <a:r>
-              <a:rPr lang="ru-RU" sz="2800" dirty="0" smtClean="0">
-                <a:latin typeface="Arial" panose="020B0604020202020204" pitchFamily="34" charset="0"/>
-                <a:cs typeface="Arial" panose="020B0604020202020204" pitchFamily="34" charset="0"/>
-              </a:rPr>
-              <a:t>функции</a:t>
+              <a:t>определение сбалансированности функции</a:t>
             </a:r>
             <a:r>
               <a:rPr lang="en-US" sz="2800" dirty="0" smtClean="0">
@@ -9554,21 +9529,7 @@
                 <a:latin typeface="Arial" panose="020B0604020202020204" pitchFamily="34" charset="0"/>
                 <a:cs typeface="Arial" panose="020B0604020202020204" pitchFamily="34" charset="0"/>
               </a:rPr>
-              <a:t>реализация квантового алгоритма для проверки </a:t>
-            </a:r>
-            <a:r>
-              <a:rPr lang="ru-RU" dirty="0" smtClean="0">
-                <a:latin typeface="Arial" panose="020B0604020202020204" pitchFamily="34" charset="0"/>
-                <a:cs typeface="Arial" panose="020B0604020202020204" pitchFamily="34" charset="0"/>
-              </a:rPr>
-              <a:t>сбалансированности бинарной </a:t>
-            </a:r>
-            <a:r>
-              <a:rPr lang="ru-RU" dirty="0" smtClean="0">
-                <a:latin typeface="Arial" panose="020B0604020202020204" pitchFamily="34" charset="0"/>
-                <a:cs typeface="Arial" panose="020B0604020202020204" pitchFamily="34" charset="0"/>
-              </a:rPr>
-              <a:t>функции</a:t>
+              <a:t>реализация квантового алгоритма для проверки сбалансированности бинарной функции</a:t>
             </a:r>
             <a:r>
               <a:rPr lang="en-US" dirty="0" smtClean="0">
@@ -9687,14 +9648,7 @@
                 <a:latin typeface="Arial" panose="020B0604020202020204" pitchFamily="34" charset="0"/>
                 <a:cs typeface="Arial" panose="020B0604020202020204" pitchFamily="34" charset="0"/>
               </a:rPr>
-              <a:t>алгоритма для </a:t>
-            </a:r>
-            <a:r>
-              <a:rPr lang="ru-RU" dirty="0" smtClean="0">
-                <a:latin typeface="Arial" panose="020B0604020202020204" pitchFamily="34" charset="0"/>
-                <a:cs typeface="Arial" panose="020B0604020202020204" pitchFamily="34" charset="0"/>
-              </a:rPr>
-              <a:t>факторизации</a:t>
+              <a:t>алгоритма для факторизации</a:t>
             </a:r>
             <a:r>
               <a:rPr lang="en-US" dirty="0" smtClean="0">
@@ -11096,9 +11050,72 @@
           <a:chExt cx="0" cy="0"/>
         </a:xfrm>
       </p:grpSpPr>
+      <p:sp>
+        <p:nvSpPr>
+          <p:cNvPr id="4" name="Номер слайда 3"/>
+          <p:cNvSpPr>
+            <a:spLocks noGrp="1"/>
+          </p:cNvSpPr>
+          <p:nvPr>
+            <p:ph type="sldNum" sz="quarter" idx="12"/>
+          </p:nvPr>
+        </p:nvSpPr>
+        <p:spPr/>
+        <p:txBody>
+          <a:bodyPr/>
+          <a:lstStyle/>
+          <a:p>
+            <a:fld id="{ADDC721D-FED4-4080-8955-62676588A2D9}" type="slidenum">
+              <a:rPr lang="ru-RU" sz="2800" smtClean="0"/>
+              <a:t>8</a:t>
+            </a:fld>
+            <a:endParaRPr lang="ru-RU" sz="2800" dirty="0"/>
+          </a:p>
+        </p:txBody>
+      </p:sp>
+      <p:sp>
+        <p:nvSpPr>
+          <p:cNvPr id="6" name="Прямоугольник 5"/>
+          <p:cNvSpPr/>
+          <p:nvPr/>
+        </p:nvSpPr>
+        <p:spPr>
+          <a:xfrm>
+            <a:off x="606971" y="416467"/>
+            <a:ext cx="11237895" cy="707886"/>
+          </a:xfrm>
+          <a:prstGeom prst="rect">
+            <a:avLst/>
+          </a:prstGeom>
+        </p:spPr>
+        <p:txBody>
+          <a:bodyPr wrap="square">
+            <a:spAutoFit/>
+          </a:bodyPr>
+          <a:lstStyle/>
+          <a:p>
+            <a:pPr algn="ctr"/>
+            <a:r>
+              <a:rPr lang="ru-RU" sz="4000" dirty="0">
+                <a:latin typeface="Arial" panose="020B0604020202020204" pitchFamily="34" charset="0"/>
+                <a:cs typeface="Arial" panose="020B0604020202020204" pitchFamily="34" charset="0"/>
+              </a:rPr>
+              <a:t>Алгоритм </a:t>
+            </a:r>
+            <a:r>
+              <a:rPr lang="ru-RU" sz="4000" dirty="0" err="1">
+                <a:latin typeface="Arial" panose="020B0604020202020204" pitchFamily="34" charset="0"/>
+                <a:cs typeface="Arial" panose="020B0604020202020204" pitchFamily="34" charset="0"/>
+              </a:rPr>
+              <a:t>Дейча-Джозы</a:t>
+            </a:r>
+            <a:endParaRPr lang="ru-RU" sz="4000" dirty="0"/>
+          </a:p>
+        </p:txBody>
+      </p:sp>
       <p:pic>
         <p:nvPicPr>
-          <p:cNvPr id="5" name="Объект 4"/>
+          <p:cNvPr id="3" name="Объект 2"/>
           <p:cNvPicPr>
             <a:picLocks noGrp="1" noChangeAspect="1"/>
           </p:cNvPicPr>
@@ -11120,74 +11137,11 @@
         </p:blipFill>
         <p:spPr>
           <a:xfrm>
-            <a:off x="3519274" y="1124353"/>
-            <a:ext cx="5366500" cy="5225647"/>
+            <a:off x="3877837" y="1255190"/>
+            <a:ext cx="5076693" cy="4979438"/>
           </a:xfrm>
         </p:spPr>
       </p:pic>
-      <p:sp>
-        <p:nvSpPr>
-          <p:cNvPr id="4" name="Номер слайда 3"/>
-          <p:cNvSpPr>
-            <a:spLocks noGrp="1"/>
-          </p:cNvSpPr>
-          <p:nvPr>
-            <p:ph type="sldNum" sz="quarter" idx="12"/>
-          </p:nvPr>
-        </p:nvSpPr>
-        <p:spPr/>
-        <p:txBody>
-          <a:bodyPr/>
-          <a:lstStyle/>
-          <a:p>
-            <a:fld id="{ADDC721D-FED4-4080-8955-62676588A2D9}" type="slidenum">
-              <a:rPr lang="ru-RU" sz="2800" smtClean="0"/>
-              <a:t>8</a:t>
-            </a:fld>
-            <a:endParaRPr lang="ru-RU" sz="2800" dirty="0"/>
-          </a:p>
-        </p:txBody>
-      </p:sp>
-      <p:sp>
-        <p:nvSpPr>
-          <p:cNvPr id="6" name="Прямоугольник 5"/>
-          <p:cNvSpPr/>
-          <p:nvPr/>
-        </p:nvSpPr>
-        <p:spPr>
-          <a:xfrm>
-            <a:off x="606971" y="416467"/>
-            <a:ext cx="11237895" cy="707886"/>
-          </a:xfrm>
-          <a:prstGeom prst="rect">
-            <a:avLst/>
-          </a:prstGeom>
-        </p:spPr>
-        <p:txBody>
-          <a:bodyPr wrap="square">
-            <a:spAutoFit/>
-          </a:bodyPr>
-          <a:lstStyle/>
-          <a:p>
-            <a:pPr algn="ctr"/>
-            <a:r>
-              <a:rPr lang="ru-RU" sz="4000" dirty="0">
-                <a:latin typeface="Arial" panose="020B0604020202020204" pitchFamily="34" charset="0"/>
-                <a:cs typeface="Arial" panose="020B0604020202020204" pitchFamily="34" charset="0"/>
-              </a:rPr>
-              <a:t>Алгоритм </a:t>
-            </a:r>
-            <a:r>
-              <a:rPr lang="ru-RU" sz="4000" dirty="0" err="1">
-                <a:latin typeface="Arial" panose="020B0604020202020204" pitchFamily="34" charset="0"/>
-                <a:cs typeface="Arial" panose="020B0604020202020204" pitchFamily="34" charset="0"/>
-              </a:rPr>
-              <a:t>Дейча-Джозы</a:t>
-            </a:r>
-            <a:endParaRPr lang="ru-RU" sz="4000" dirty="0"/>
-          </a:p>
-        </p:txBody>
-      </p:sp>
     </p:spTree>
     <p:extLst>
       <p:ext uri="{BB962C8B-B14F-4D97-AF65-F5344CB8AC3E}">
@@ -11248,14 +11202,7 @@
                 <a:latin typeface="Arial" panose="020B0604020202020204" pitchFamily="34" charset="0"/>
                 <a:cs typeface="Arial" panose="020B0604020202020204" pitchFamily="34" charset="0"/>
               </a:rPr>
-              <a:t>Классический </a:t>
-            </a:r>
-            <a:r>
-              <a:rPr lang="ru-RU" sz="4000" dirty="0" smtClean="0">
-                <a:latin typeface="Arial" panose="020B0604020202020204" pitchFamily="34" charset="0"/>
-                <a:cs typeface="Arial" panose="020B0604020202020204" pitchFamily="34" charset="0"/>
-              </a:rPr>
-              <a:t>алгоритм проверки </a:t>
+              <a:t>Классический алгоритм проверки </a:t>
             </a:r>
             <a:r>
               <a:rPr lang="ru-RU" sz="4000" dirty="0">
@@ -11264,10 +11211,6 @@
               </a:rPr>
               <a:t>функции на сбалансированность</a:t>
             </a:r>
-            <a:endParaRPr lang="ru-RU" sz="4000" dirty="0">
-              <a:latin typeface="Arial" panose="020B0604020202020204" pitchFamily="34" charset="0"/>
-              <a:cs typeface="Arial" panose="020B0604020202020204" pitchFamily="34" charset="0"/>
-            </a:endParaRPr>
           </a:p>
         </p:txBody>
       </p:sp>
@@ -11375,10 +11318,10 @@
   <a:themeElements>
     <a:clrScheme name="Стандартная">
       <a:dk1>
-        <a:sysClr val="windowText" lastClr="2C2C2C"/>
+        <a:sysClr val="windowText" lastClr="000000"/>
       </a:dk1>
       <a:lt1>
-        <a:sysClr val="window" lastClr="DEDEDE"/>
+        <a:sysClr val="window" lastClr="FFFFFF"/>
       </a:lt1>
       <a:dk2>
         <a:srgbClr val="44546A"/>
@@ -11625,7 +11568,7 @@
   <a:extraClrSchemeLst/>
   <a:extLst>
     <a:ext uri="{05A4C25C-085E-4340-85A3-A5531E510DB2}">
-      <thm15:themeFamily xmlns:thm15="http://schemas.microsoft.com/office/thememl/2012/main" xmlns="" name="Office Theme" id="{62F939B6-93AF-4DB8-9C6B-D6C7DFDC589F}" vid="{4A3C46E8-61CC-4603-A589-7422A47A8E4A}"/>
+      <thm15:themeFamily xmlns:thm15="http://schemas.microsoft.com/office/thememl/2012/main" name="Office Theme" id="{62F939B6-93AF-4DB8-9C6B-D6C7DFDC589F}" vid="{4A3C46E8-61CC-4603-A589-7422A47A8E4A}"/>
     </a:ext>
   </a:extLst>
 </a:theme>
@@ -11636,10 +11579,10 @@
   <a:themeElements>
     <a:clrScheme name="Стандартная">
       <a:dk1>
-        <a:sysClr val="windowText" lastClr="2C2C2C"/>
+        <a:sysClr val="windowText" lastClr="000000"/>
       </a:dk1>
       <a:lt1>
-        <a:sysClr val="window" lastClr="DEDEDE"/>
+        <a:sysClr val="window" lastClr="FFFFFF"/>
       </a:lt1>
       <a:dk2>
         <a:srgbClr val="44546A"/>
@@ -11886,7 +11829,7 @@
   <a:extraClrSchemeLst/>
   <a:extLst>
     <a:ext uri="{05A4C25C-085E-4340-85A3-A5531E510DB2}">
-      <thm15:themeFamily xmlns:thm15="http://schemas.microsoft.com/office/thememl/2012/main" xmlns="" name="Office Theme" id="{62F939B6-93AF-4DB8-9C6B-D6C7DFDC589F}" vid="{4A3C46E8-61CC-4603-A589-7422A47A8E4A}"/>
+      <thm15:themeFamily xmlns:thm15="http://schemas.microsoft.com/office/thememl/2012/main" name="Office Theme" id="{62F939B6-93AF-4DB8-9C6B-D6C7DFDC589F}" vid="{4A3C46E8-61CC-4603-A589-7422A47A8E4A}"/>
     </a:ext>
   </a:extLst>
 </a:theme>
